--- a/Python入门课0.pptx
+++ b/Python入门课0.pptx
@@ -9,6 +9,12 @@
     <p:sldId id="257" r:id="rId3"/>
     <p:sldId id="258" r:id="rId4"/>
     <p:sldId id="259" r:id="rId5"/>
+    <p:sldId id="260" r:id="rId6"/>
+    <p:sldId id="261" r:id="rId7"/>
+    <p:sldId id="262" r:id="rId8"/>
+    <p:sldId id="263" r:id="rId9"/>
+    <p:sldId id="264" r:id="rId10"/>
+    <p:sldId id="265" r:id="rId11"/>
   </p:sldIdLst>
   <p:sldSz cx="9144000" cy="6858000" type="screen4x3"/>
   <p:notesSz cx="6858000" cy="9144000"/>
@@ -107,6 +113,22 @@
       </a:defRPr>
     </a:lvl9pPr>
   </p:defaultTextStyle>
+  <p:extLst>
+    <p:ext uri="{EFAFB233-063F-42B5-8137-9DF3F51BA10A}">
+      <p15:sldGuideLst xmlns:p15="http://schemas.microsoft.com/office/powerpoint/2012/main">
+        <p15:guide id="1" orient="horz" pos="2160">
+          <p15:clr>
+            <a:srgbClr val="A4A3A4"/>
+          </p15:clr>
+        </p15:guide>
+        <p15:guide id="2" pos="2880">
+          <p15:clr>
+            <a:srgbClr val="A4A3A4"/>
+          </p15:clr>
+        </p15:guide>
+      </p15:sldGuideLst>
+    </p:ext>
+  </p:extLst>
 </p:presentation>
 </file>
 
@@ -148,10 +170,9 @@
           <a:lstStyle/>
           <a:p>
             <a:r>
-              <a:rPr kumimoji="1" lang="zh-CN" altLang="en-US" smtClean="0"/>
+              <a:rPr kumimoji="1" lang="zh-CN" altLang="en-US"/>
               <a:t>单击此处编辑母版标题样式</a:t>
             </a:r>
-            <a:endParaRPr kumimoji="1" lang="zh-CN" altLang="en-US"/>
           </a:p>
         </p:txBody>
       </p:sp>
@@ -267,10 +288,9 @@
           </a:lstStyle>
           <a:p>
             <a:r>
-              <a:rPr kumimoji="1" lang="zh-CN" altLang="en-US" smtClean="0"/>
+              <a:rPr kumimoji="1" lang="zh-CN" altLang="en-US"/>
               <a:t>单击此处编辑母版副标题样式</a:t>
             </a:r>
-            <a:endParaRPr kumimoji="1" lang="zh-CN" altLang="en-US"/>
           </a:p>
         </p:txBody>
       </p:sp>
@@ -291,7 +311,7 @@
           <a:p>
             <a:fld id="{AD413914-F3AF-F74C-BD1B-B3ED4A71B459}" type="datetimeFigureOut">
               <a:rPr kumimoji="1" lang="zh-CN" altLang="en-US" smtClean="0"/>
-              <a:t>19-12-25</a:t>
+              <a:t>2019/12/26</a:t>
             </a:fld>
             <a:endParaRPr kumimoji="1" lang="zh-CN" altLang="en-US"/>
           </a:p>
@@ -385,10 +405,9 @@
           <a:lstStyle/>
           <a:p>
             <a:r>
-              <a:rPr kumimoji="1" lang="zh-CN" altLang="en-US" smtClean="0"/>
+              <a:rPr kumimoji="1" lang="zh-CN" altLang="en-US"/>
               <a:t>单击此处编辑母版标题样式</a:t>
             </a:r>
-            <a:endParaRPr kumimoji="1" lang="zh-CN" altLang="en-US"/>
           </a:p>
         </p:txBody>
       </p:sp>
@@ -409,38 +428,37 @@
           <a:p>
             <a:pPr lvl="0"/>
             <a:r>
-              <a:rPr kumimoji="1" lang="zh-CN" altLang="en-US" smtClean="0"/>
+              <a:rPr kumimoji="1" lang="zh-CN" altLang="en-US"/>
               <a:t>单击此处编辑母版文本样式</a:t>
             </a:r>
           </a:p>
           <a:p>
             <a:pPr lvl="1"/>
             <a:r>
-              <a:rPr kumimoji="1" lang="zh-CN" altLang="en-US" smtClean="0"/>
+              <a:rPr kumimoji="1" lang="zh-CN" altLang="en-US"/>
               <a:t>二级</a:t>
             </a:r>
           </a:p>
           <a:p>
             <a:pPr lvl="2"/>
             <a:r>
-              <a:rPr kumimoji="1" lang="zh-CN" altLang="en-US" smtClean="0"/>
+              <a:rPr kumimoji="1" lang="zh-CN" altLang="en-US"/>
               <a:t>三级</a:t>
             </a:r>
           </a:p>
           <a:p>
             <a:pPr lvl="3"/>
             <a:r>
-              <a:rPr kumimoji="1" lang="zh-CN" altLang="en-US" smtClean="0"/>
+              <a:rPr kumimoji="1" lang="zh-CN" altLang="en-US"/>
               <a:t>四级</a:t>
             </a:r>
           </a:p>
           <a:p>
             <a:pPr lvl="4"/>
             <a:r>
-              <a:rPr kumimoji="1" lang="zh-CN" altLang="en-US" smtClean="0"/>
+              <a:rPr kumimoji="1" lang="zh-CN" altLang="en-US"/>
               <a:t>五级</a:t>
             </a:r>
-            <a:endParaRPr kumimoji="1" lang="zh-CN" altLang="en-US"/>
           </a:p>
         </p:txBody>
       </p:sp>
@@ -461,7 +479,7 @@
           <a:p>
             <a:fld id="{AD413914-F3AF-F74C-BD1B-B3ED4A71B459}" type="datetimeFigureOut">
               <a:rPr kumimoji="1" lang="zh-CN" altLang="en-US" smtClean="0"/>
-              <a:t>19-12-25</a:t>
+              <a:t>2019/12/26</a:t>
             </a:fld>
             <a:endParaRPr kumimoji="1" lang="zh-CN" altLang="en-US"/>
           </a:p>
@@ -560,10 +578,9 @@
           <a:lstStyle/>
           <a:p>
             <a:r>
-              <a:rPr kumimoji="1" lang="zh-CN" altLang="en-US" smtClean="0"/>
+              <a:rPr kumimoji="1" lang="zh-CN" altLang="en-US"/>
               <a:t>单击此处编辑母版标题样式</a:t>
             </a:r>
-            <a:endParaRPr kumimoji="1" lang="zh-CN" altLang="en-US"/>
           </a:p>
         </p:txBody>
       </p:sp>
@@ -589,38 +606,37 @@
           <a:p>
             <a:pPr lvl="0"/>
             <a:r>
-              <a:rPr kumimoji="1" lang="zh-CN" altLang="en-US" smtClean="0"/>
+              <a:rPr kumimoji="1" lang="zh-CN" altLang="en-US"/>
               <a:t>单击此处编辑母版文本样式</a:t>
             </a:r>
           </a:p>
           <a:p>
             <a:pPr lvl="1"/>
             <a:r>
-              <a:rPr kumimoji="1" lang="zh-CN" altLang="en-US" smtClean="0"/>
+              <a:rPr kumimoji="1" lang="zh-CN" altLang="en-US"/>
               <a:t>二级</a:t>
             </a:r>
           </a:p>
           <a:p>
             <a:pPr lvl="2"/>
             <a:r>
-              <a:rPr kumimoji="1" lang="zh-CN" altLang="en-US" smtClean="0"/>
+              <a:rPr kumimoji="1" lang="zh-CN" altLang="en-US"/>
               <a:t>三级</a:t>
             </a:r>
           </a:p>
           <a:p>
             <a:pPr lvl="3"/>
             <a:r>
-              <a:rPr kumimoji="1" lang="zh-CN" altLang="en-US" smtClean="0"/>
+              <a:rPr kumimoji="1" lang="zh-CN" altLang="en-US"/>
               <a:t>四级</a:t>
             </a:r>
           </a:p>
           <a:p>
             <a:pPr lvl="4"/>
             <a:r>
-              <a:rPr kumimoji="1" lang="zh-CN" altLang="en-US" smtClean="0"/>
+              <a:rPr kumimoji="1" lang="zh-CN" altLang="en-US"/>
               <a:t>五级</a:t>
             </a:r>
-            <a:endParaRPr kumimoji="1" lang="zh-CN" altLang="en-US"/>
           </a:p>
         </p:txBody>
       </p:sp>
@@ -641,7 +657,7 @@
           <a:p>
             <a:fld id="{AD413914-F3AF-F74C-BD1B-B3ED4A71B459}" type="datetimeFigureOut">
               <a:rPr kumimoji="1" lang="zh-CN" altLang="en-US" smtClean="0"/>
-              <a:t>19-12-25</a:t>
+              <a:t>2019/12/26</a:t>
             </a:fld>
             <a:endParaRPr kumimoji="1" lang="zh-CN" altLang="en-US"/>
           </a:p>
@@ -735,10 +751,9 @@
           <a:lstStyle/>
           <a:p>
             <a:r>
-              <a:rPr kumimoji="1" lang="zh-CN" altLang="en-US" smtClean="0"/>
+              <a:rPr kumimoji="1" lang="zh-CN" altLang="en-US"/>
               <a:t>单击此处编辑母版标题样式</a:t>
             </a:r>
-            <a:endParaRPr kumimoji="1" lang="zh-CN" altLang="en-US"/>
           </a:p>
         </p:txBody>
       </p:sp>
@@ -759,38 +774,37 @@
           <a:p>
             <a:pPr lvl="0"/>
             <a:r>
-              <a:rPr kumimoji="1" lang="zh-CN" altLang="en-US" smtClean="0"/>
+              <a:rPr kumimoji="1" lang="zh-CN" altLang="en-US"/>
               <a:t>单击此处编辑母版文本样式</a:t>
             </a:r>
           </a:p>
           <a:p>
             <a:pPr lvl="1"/>
             <a:r>
-              <a:rPr kumimoji="1" lang="zh-CN" altLang="en-US" smtClean="0"/>
+              <a:rPr kumimoji="1" lang="zh-CN" altLang="en-US"/>
               <a:t>二级</a:t>
             </a:r>
           </a:p>
           <a:p>
             <a:pPr lvl="2"/>
             <a:r>
-              <a:rPr kumimoji="1" lang="zh-CN" altLang="en-US" smtClean="0"/>
+              <a:rPr kumimoji="1" lang="zh-CN" altLang="en-US"/>
               <a:t>三级</a:t>
             </a:r>
           </a:p>
           <a:p>
             <a:pPr lvl="3"/>
             <a:r>
-              <a:rPr kumimoji="1" lang="zh-CN" altLang="en-US" smtClean="0"/>
+              <a:rPr kumimoji="1" lang="zh-CN" altLang="en-US"/>
               <a:t>四级</a:t>
             </a:r>
           </a:p>
           <a:p>
             <a:pPr lvl="4"/>
             <a:r>
-              <a:rPr kumimoji="1" lang="zh-CN" altLang="en-US" smtClean="0"/>
+              <a:rPr kumimoji="1" lang="zh-CN" altLang="en-US"/>
               <a:t>五级</a:t>
             </a:r>
-            <a:endParaRPr kumimoji="1" lang="zh-CN" altLang="en-US"/>
           </a:p>
         </p:txBody>
       </p:sp>
@@ -811,7 +825,7 @@
           <a:p>
             <a:fld id="{AD413914-F3AF-F74C-BD1B-B3ED4A71B459}" type="datetimeFigureOut">
               <a:rPr kumimoji="1" lang="zh-CN" altLang="en-US" smtClean="0"/>
-              <a:t>19-12-25</a:t>
+              <a:t>2019/12/26</a:t>
             </a:fld>
             <a:endParaRPr kumimoji="1" lang="zh-CN" altLang="en-US"/>
           </a:p>
@@ -914,10 +928,9 @@
           </a:lstStyle>
           <a:p>
             <a:r>
-              <a:rPr kumimoji="1" lang="zh-CN" altLang="en-US" smtClean="0"/>
+              <a:rPr kumimoji="1" lang="zh-CN" altLang="en-US"/>
               <a:t>单击此处编辑母版标题样式</a:t>
             </a:r>
-            <a:endParaRPr kumimoji="1" lang="zh-CN" altLang="en-US"/>
           </a:p>
         </p:txBody>
       </p:sp>
@@ -1034,7 +1047,7 @@
           <a:p>
             <a:pPr lvl="0"/>
             <a:r>
-              <a:rPr kumimoji="1" lang="zh-CN" altLang="en-US" smtClean="0"/>
+              <a:rPr kumimoji="1" lang="zh-CN" altLang="en-US"/>
               <a:t>单击此处编辑母版文本样式</a:t>
             </a:r>
           </a:p>
@@ -1057,7 +1070,7 @@
           <a:p>
             <a:fld id="{AD413914-F3AF-F74C-BD1B-B3ED4A71B459}" type="datetimeFigureOut">
               <a:rPr kumimoji="1" lang="zh-CN" altLang="en-US" smtClean="0"/>
-              <a:t>19-12-25</a:t>
+              <a:t>2019/12/26</a:t>
             </a:fld>
             <a:endParaRPr kumimoji="1" lang="zh-CN" altLang="en-US"/>
           </a:p>
@@ -1151,10 +1164,9 @@
           <a:lstStyle/>
           <a:p>
             <a:r>
-              <a:rPr kumimoji="1" lang="zh-CN" altLang="en-US" smtClean="0"/>
+              <a:rPr kumimoji="1" lang="zh-CN" altLang="en-US"/>
               <a:t>单击此处编辑母版标题样式</a:t>
             </a:r>
-            <a:endParaRPr kumimoji="1" lang="zh-CN" altLang="en-US"/>
           </a:p>
         </p:txBody>
       </p:sp>
@@ -1208,38 +1220,37 @@
           <a:p>
             <a:pPr lvl="0"/>
             <a:r>
-              <a:rPr kumimoji="1" lang="zh-CN" altLang="en-US" smtClean="0"/>
+              <a:rPr kumimoji="1" lang="zh-CN" altLang="en-US"/>
               <a:t>单击此处编辑母版文本样式</a:t>
             </a:r>
           </a:p>
           <a:p>
             <a:pPr lvl="1"/>
             <a:r>
-              <a:rPr kumimoji="1" lang="zh-CN" altLang="en-US" smtClean="0"/>
+              <a:rPr kumimoji="1" lang="zh-CN" altLang="en-US"/>
               <a:t>二级</a:t>
             </a:r>
           </a:p>
           <a:p>
             <a:pPr lvl="2"/>
             <a:r>
-              <a:rPr kumimoji="1" lang="zh-CN" altLang="en-US" smtClean="0"/>
+              <a:rPr kumimoji="1" lang="zh-CN" altLang="en-US"/>
               <a:t>三级</a:t>
             </a:r>
           </a:p>
           <a:p>
             <a:pPr lvl="3"/>
             <a:r>
-              <a:rPr kumimoji="1" lang="zh-CN" altLang="en-US" smtClean="0"/>
+              <a:rPr kumimoji="1" lang="zh-CN" altLang="en-US"/>
               <a:t>四级</a:t>
             </a:r>
           </a:p>
           <a:p>
             <a:pPr lvl="4"/>
             <a:r>
-              <a:rPr kumimoji="1" lang="zh-CN" altLang="en-US" smtClean="0"/>
+              <a:rPr kumimoji="1" lang="zh-CN" altLang="en-US"/>
               <a:t>五级</a:t>
             </a:r>
-            <a:endParaRPr kumimoji="1" lang="zh-CN" altLang="en-US"/>
           </a:p>
         </p:txBody>
       </p:sp>
@@ -1293,38 +1304,37 @@
           <a:p>
             <a:pPr lvl="0"/>
             <a:r>
-              <a:rPr kumimoji="1" lang="zh-CN" altLang="en-US" smtClean="0"/>
+              <a:rPr kumimoji="1" lang="zh-CN" altLang="en-US"/>
               <a:t>单击此处编辑母版文本样式</a:t>
             </a:r>
           </a:p>
           <a:p>
             <a:pPr lvl="1"/>
             <a:r>
-              <a:rPr kumimoji="1" lang="zh-CN" altLang="en-US" smtClean="0"/>
+              <a:rPr kumimoji="1" lang="zh-CN" altLang="en-US"/>
               <a:t>二级</a:t>
             </a:r>
           </a:p>
           <a:p>
             <a:pPr lvl="2"/>
             <a:r>
-              <a:rPr kumimoji="1" lang="zh-CN" altLang="en-US" smtClean="0"/>
+              <a:rPr kumimoji="1" lang="zh-CN" altLang="en-US"/>
               <a:t>三级</a:t>
             </a:r>
           </a:p>
           <a:p>
             <a:pPr lvl="3"/>
             <a:r>
-              <a:rPr kumimoji="1" lang="zh-CN" altLang="en-US" smtClean="0"/>
+              <a:rPr kumimoji="1" lang="zh-CN" altLang="en-US"/>
               <a:t>四级</a:t>
             </a:r>
           </a:p>
           <a:p>
             <a:pPr lvl="4"/>
             <a:r>
-              <a:rPr kumimoji="1" lang="zh-CN" altLang="en-US" smtClean="0"/>
+              <a:rPr kumimoji="1" lang="zh-CN" altLang="en-US"/>
               <a:t>五级</a:t>
             </a:r>
-            <a:endParaRPr kumimoji="1" lang="zh-CN" altLang="en-US"/>
           </a:p>
         </p:txBody>
       </p:sp>
@@ -1345,7 +1355,7 @@
           <a:p>
             <a:fld id="{AD413914-F3AF-F74C-BD1B-B3ED4A71B459}" type="datetimeFigureOut">
               <a:rPr kumimoji="1" lang="zh-CN" altLang="en-US" smtClean="0"/>
-              <a:t>19-12-25</a:t>
+              <a:t>2019/12/26</a:t>
             </a:fld>
             <a:endParaRPr kumimoji="1" lang="zh-CN" altLang="en-US"/>
           </a:p>
@@ -1443,10 +1453,9 @@
           </a:lstStyle>
           <a:p>
             <a:r>
-              <a:rPr kumimoji="1" lang="zh-CN" altLang="en-US" smtClean="0"/>
+              <a:rPr kumimoji="1" lang="zh-CN" altLang="en-US"/>
               <a:t>单击此处编辑母版标题样式</a:t>
             </a:r>
-            <a:endParaRPr kumimoji="1" lang="zh-CN" altLang="en-US"/>
           </a:p>
         </p:txBody>
       </p:sp>
@@ -1509,7 +1518,7 @@
           <a:p>
             <a:pPr lvl="0"/>
             <a:r>
-              <a:rPr kumimoji="1" lang="zh-CN" altLang="en-US" smtClean="0"/>
+              <a:rPr kumimoji="1" lang="zh-CN" altLang="en-US"/>
               <a:t>单击此处编辑母版文本样式</a:t>
             </a:r>
           </a:p>
@@ -1565,38 +1574,37 @@
           <a:p>
             <a:pPr lvl="0"/>
             <a:r>
-              <a:rPr kumimoji="1" lang="zh-CN" altLang="en-US" smtClean="0"/>
+              <a:rPr kumimoji="1" lang="zh-CN" altLang="en-US"/>
               <a:t>单击此处编辑母版文本样式</a:t>
             </a:r>
           </a:p>
           <a:p>
             <a:pPr lvl="1"/>
             <a:r>
-              <a:rPr kumimoji="1" lang="zh-CN" altLang="en-US" smtClean="0"/>
+              <a:rPr kumimoji="1" lang="zh-CN" altLang="en-US"/>
               <a:t>二级</a:t>
             </a:r>
           </a:p>
           <a:p>
             <a:pPr lvl="2"/>
             <a:r>
-              <a:rPr kumimoji="1" lang="zh-CN" altLang="en-US" smtClean="0"/>
+              <a:rPr kumimoji="1" lang="zh-CN" altLang="en-US"/>
               <a:t>三级</a:t>
             </a:r>
           </a:p>
           <a:p>
             <a:pPr lvl="3"/>
             <a:r>
-              <a:rPr kumimoji="1" lang="zh-CN" altLang="en-US" smtClean="0"/>
+              <a:rPr kumimoji="1" lang="zh-CN" altLang="en-US"/>
               <a:t>四级</a:t>
             </a:r>
           </a:p>
           <a:p>
             <a:pPr lvl="4"/>
             <a:r>
-              <a:rPr kumimoji="1" lang="zh-CN" altLang="en-US" smtClean="0"/>
+              <a:rPr kumimoji="1" lang="zh-CN" altLang="en-US"/>
               <a:t>五级</a:t>
             </a:r>
-            <a:endParaRPr kumimoji="1" lang="zh-CN" altLang="en-US"/>
           </a:p>
         </p:txBody>
       </p:sp>
@@ -1659,7 +1667,7 @@
           <a:p>
             <a:pPr lvl="0"/>
             <a:r>
-              <a:rPr kumimoji="1" lang="zh-CN" altLang="en-US" smtClean="0"/>
+              <a:rPr kumimoji="1" lang="zh-CN" altLang="en-US"/>
               <a:t>单击此处编辑母版文本样式</a:t>
             </a:r>
           </a:p>
@@ -1715,38 +1723,37 @@
           <a:p>
             <a:pPr lvl="0"/>
             <a:r>
-              <a:rPr kumimoji="1" lang="zh-CN" altLang="en-US" smtClean="0"/>
+              <a:rPr kumimoji="1" lang="zh-CN" altLang="en-US"/>
               <a:t>单击此处编辑母版文本样式</a:t>
             </a:r>
           </a:p>
           <a:p>
             <a:pPr lvl="1"/>
             <a:r>
-              <a:rPr kumimoji="1" lang="zh-CN" altLang="en-US" smtClean="0"/>
+              <a:rPr kumimoji="1" lang="zh-CN" altLang="en-US"/>
               <a:t>二级</a:t>
             </a:r>
           </a:p>
           <a:p>
             <a:pPr lvl="2"/>
             <a:r>
-              <a:rPr kumimoji="1" lang="zh-CN" altLang="en-US" smtClean="0"/>
+              <a:rPr kumimoji="1" lang="zh-CN" altLang="en-US"/>
               <a:t>三级</a:t>
             </a:r>
           </a:p>
           <a:p>
             <a:pPr lvl="3"/>
             <a:r>
-              <a:rPr kumimoji="1" lang="zh-CN" altLang="en-US" smtClean="0"/>
+              <a:rPr kumimoji="1" lang="zh-CN" altLang="en-US"/>
               <a:t>四级</a:t>
             </a:r>
           </a:p>
           <a:p>
             <a:pPr lvl="4"/>
             <a:r>
-              <a:rPr kumimoji="1" lang="zh-CN" altLang="en-US" smtClean="0"/>
+              <a:rPr kumimoji="1" lang="zh-CN" altLang="en-US"/>
               <a:t>五级</a:t>
             </a:r>
-            <a:endParaRPr kumimoji="1" lang="zh-CN" altLang="en-US"/>
           </a:p>
         </p:txBody>
       </p:sp>
@@ -1767,7 +1774,7 @@
           <a:p>
             <a:fld id="{AD413914-F3AF-F74C-BD1B-B3ED4A71B459}" type="datetimeFigureOut">
               <a:rPr kumimoji="1" lang="zh-CN" altLang="en-US" smtClean="0"/>
-              <a:t>19-12-25</a:t>
+              <a:t>2019/12/26</a:t>
             </a:fld>
             <a:endParaRPr kumimoji="1" lang="zh-CN" altLang="en-US"/>
           </a:p>
@@ -1861,10 +1868,9 @@
           <a:lstStyle/>
           <a:p>
             <a:r>
-              <a:rPr kumimoji="1" lang="zh-CN" altLang="en-US" smtClean="0"/>
+              <a:rPr kumimoji="1" lang="zh-CN" altLang="en-US"/>
               <a:t>单击此处编辑母版标题样式</a:t>
             </a:r>
-            <a:endParaRPr kumimoji="1" lang="zh-CN" altLang="en-US"/>
           </a:p>
         </p:txBody>
       </p:sp>
@@ -1885,7 +1891,7 @@
           <a:p>
             <a:fld id="{AD413914-F3AF-F74C-BD1B-B3ED4A71B459}" type="datetimeFigureOut">
               <a:rPr kumimoji="1" lang="zh-CN" altLang="en-US" smtClean="0"/>
-              <a:t>19-12-25</a:t>
+              <a:t>2019/12/26</a:t>
             </a:fld>
             <a:endParaRPr kumimoji="1" lang="zh-CN" altLang="en-US"/>
           </a:p>
@@ -1980,7 +1986,7 @@
           <a:p>
             <a:fld id="{AD413914-F3AF-F74C-BD1B-B3ED4A71B459}" type="datetimeFigureOut">
               <a:rPr kumimoji="1" lang="zh-CN" altLang="en-US" smtClean="0"/>
-              <a:t>19-12-25</a:t>
+              <a:t>2019/12/26</a:t>
             </a:fld>
             <a:endParaRPr kumimoji="1" lang="zh-CN" altLang="en-US"/>
           </a:p>
@@ -2083,10 +2089,9 @@
           </a:lstStyle>
           <a:p>
             <a:r>
-              <a:rPr kumimoji="1" lang="zh-CN" altLang="en-US" smtClean="0"/>
+              <a:rPr kumimoji="1" lang="zh-CN" altLang="en-US"/>
               <a:t>单击此处编辑母版标题样式</a:t>
             </a:r>
-            <a:endParaRPr kumimoji="1" lang="zh-CN" altLang="en-US"/>
           </a:p>
         </p:txBody>
       </p:sp>
@@ -2140,38 +2145,37 @@
           <a:p>
             <a:pPr lvl="0"/>
             <a:r>
-              <a:rPr kumimoji="1" lang="zh-CN" altLang="en-US" smtClean="0"/>
+              <a:rPr kumimoji="1" lang="zh-CN" altLang="en-US"/>
               <a:t>单击此处编辑母版文本样式</a:t>
             </a:r>
           </a:p>
           <a:p>
             <a:pPr lvl="1"/>
             <a:r>
-              <a:rPr kumimoji="1" lang="zh-CN" altLang="en-US" smtClean="0"/>
+              <a:rPr kumimoji="1" lang="zh-CN" altLang="en-US"/>
               <a:t>二级</a:t>
             </a:r>
           </a:p>
           <a:p>
             <a:pPr lvl="2"/>
             <a:r>
-              <a:rPr kumimoji="1" lang="zh-CN" altLang="en-US" smtClean="0"/>
+              <a:rPr kumimoji="1" lang="zh-CN" altLang="en-US"/>
               <a:t>三级</a:t>
             </a:r>
           </a:p>
           <a:p>
             <a:pPr lvl="3"/>
             <a:r>
-              <a:rPr kumimoji="1" lang="zh-CN" altLang="en-US" smtClean="0"/>
+              <a:rPr kumimoji="1" lang="zh-CN" altLang="en-US"/>
               <a:t>四级</a:t>
             </a:r>
           </a:p>
           <a:p>
             <a:pPr lvl="4"/>
             <a:r>
-              <a:rPr kumimoji="1" lang="zh-CN" altLang="en-US" smtClean="0"/>
+              <a:rPr kumimoji="1" lang="zh-CN" altLang="en-US"/>
               <a:t>五级</a:t>
             </a:r>
-            <a:endParaRPr kumimoji="1" lang="zh-CN" altLang="en-US"/>
           </a:p>
         </p:txBody>
       </p:sp>
@@ -2234,7 +2238,7 @@
           <a:p>
             <a:pPr lvl="0"/>
             <a:r>
-              <a:rPr kumimoji="1" lang="zh-CN" altLang="en-US" smtClean="0"/>
+              <a:rPr kumimoji="1" lang="zh-CN" altLang="en-US"/>
               <a:t>单击此处编辑母版文本样式</a:t>
             </a:r>
           </a:p>
@@ -2257,7 +2261,7 @@
           <a:p>
             <a:fld id="{AD413914-F3AF-F74C-BD1B-B3ED4A71B459}" type="datetimeFigureOut">
               <a:rPr kumimoji="1" lang="zh-CN" altLang="en-US" smtClean="0"/>
-              <a:t>19-12-25</a:t>
+              <a:t>2019/12/26</a:t>
             </a:fld>
             <a:endParaRPr kumimoji="1" lang="zh-CN" altLang="en-US"/>
           </a:p>
@@ -2360,10 +2364,9 @@
           </a:lstStyle>
           <a:p>
             <a:r>
-              <a:rPr kumimoji="1" lang="zh-CN" altLang="en-US" smtClean="0"/>
+              <a:rPr kumimoji="1" lang="zh-CN" altLang="en-US"/>
               <a:t>单击此处编辑母版标题样式</a:t>
             </a:r>
-            <a:endParaRPr kumimoji="1" lang="zh-CN" altLang="en-US"/>
           </a:p>
         </p:txBody>
       </p:sp>
@@ -2487,7 +2490,7 @@
           <a:p>
             <a:pPr lvl="0"/>
             <a:r>
-              <a:rPr kumimoji="1" lang="zh-CN" altLang="en-US" smtClean="0"/>
+              <a:rPr kumimoji="1" lang="zh-CN" altLang="en-US"/>
               <a:t>单击此处编辑母版文本样式</a:t>
             </a:r>
           </a:p>
@@ -2510,7 +2513,7 @@
           <a:p>
             <a:fld id="{AD413914-F3AF-F74C-BD1B-B3ED4A71B459}" type="datetimeFigureOut">
               <a:rPr kumimoji="1" lang="zh-CN" altLang="en-US" smtClean="0"/>
-              <a:t>19-12-25</a:t>
+              <a:t>2019/12/26</a:t>
             </a:fld>
             <a:endParaRPr kumimoji="1" lang="zh-CN" altLang="en-US"/>
           </a:p>
@@ -2619,10 +2622,9 @@
           <a:lstStyle/>
           <a:p>
             <a:r>
-              <a:rPr kumimoji="1" lang="zh-CN" altLang="en-US" smtClean="0"/>
+              <a:rPr kumimoji="1" lang="zh-CN" altLang="en-US"/>
               <a:t>单击此处编辑母版标题样式</a:t>
             </a:r>
-            <a:endParaRPr kumimoji="1" lang="zh-CN" altLang="en-US"/>
           </a:p>
         </p:txBody>
       </p:sp>
@@ -2653,38 +2655,37 @@
           <a:p>
             <a:pPr lvl="0"/>
             <a:r>
-              <a:rPr kumimoji="1" lang="zh-CN" altLang="en-US" smtClean="0"/>
+              <a:rPr kumimoji="1" lang="zh-CN" altLang="en-US"/>
               <a:t>单击此处编辑母版文本样式</a:t>
             </a:r>
           </a:p>
           <a:p>
             <a:pPr lvl="1"/>
             <a:r>
-              <a:rPr kumimoji="1" lang="zh-CN" altLang="en-US" smtClean="0"/>
+              <a:rPr kumimoji="1" lang="zh-CN" altLang="en-US"/>
               <a:t>二级</a:t>
             </a:r>
           </a:p>
           <a:p>
             <a:pPr lvl="2"/>
             <a:r>
-              <a:rPr kumimoji="1" lang="zh-CN" altLang="en-US" smtClean="0"/>
+              <a:rPr kumimoji="1" lang="zh-CN" altLang="en-US"/>
               <a:t>三级</a:t>
             </a:r>
           </a:p>
           <a:p>
             <a:pPr lvl="3"/>
             <a:r>
-              <a:rPr kumimoji="1" lang="zh-CN" altLang="en-US" smtClean="0"/>
+              <a:rPr kumimoji="1" lang="zh-CN" altLang="en-US"/>
               <a:t>四级</a:t>
             </a:r>
           </a:p>
           <a:p>
             <a:pPr lvl="4"/>
             <a:r>
-              <a:rPr kumimoji="1" lang="zh-CN" altLang="en-US" smtClean="0"/>
+              <a:rPr kumimoji="1" lang="zh-CN" altLang="en-US"/>
               <a:t>五级</a:t>
             </a:r>
-            <a:endParaRPr kumimoji="1" lang="zh-CN" altLang="en-US"/>
           </a:p>
         </p:txBody>
       </p:sp>
@@ -2723,7 +2724,7 @@
           <a:p>
             <a:fld id="{AD413914-F3AF-F74C-BD1B-B3ED4A71B459}" type="datetimeFigureOut">
               <a:rPr kumimoji="1" lang="zh-CN" altLang="en-US" smtClean="0"/>
-              <a:t>19-12-25</a:t>
+              <a:t>2019/12/26</a:t>
             </a:fld>
             <a:endParaRPr kumimoji="1" lang="zh-CN" altLang="en-US"/>
           </a:p>
@@ -3145,7 +3146,7 @@
           <a:lstStyle/>
           <a:p>
             <a:r>
-              <a:rPr kumimoji="1" lang="en-US" altLang="zh-CN" dirty="0" smtClean="0"/>
+              <a:rPr kumimoji="1" lang="en-US" altLang="zh-CN" dirty="0"/>
               <a:t>Scratch</a:t>
             </a:r>
           </a:p>
@@ -3174,7 +3175,7 @@
           <a:lstStyle/>
           <a:p>
             <a:r>
-              <a:rPr kumimoji="1" lang="en-US" altLang="zh-CN" dirty="0" smtClean="0">
+              <a:rPr kumimoji="1" lang="en-US" altLang="zh-CN" dirty="0">
                 <a:solidFill>
                   <a:schemeClr val="bg1">
                     <a:lumMod val="95000"/>
@@ -3190,6 +3191,354 @@
     <p:extLst>
       <p:ext uri="{BB962C8B-B14F-4D97-AF65-F5344CB8AC3E}">
         <p14:creationId xmlns:p14="http://schemas.microsoft.com/office/powerpoint/2010/main" val="2759099841"/>
+      </p:ext>
+    </p:extLst>
+  </p:cSld>
+  <p:clrMapOvr>
+    <a:masterClrMapping/>
+  </p:clrMapOvr>
+</p:sld>
+</file>
+
+<file path=ppt/slides/slide10.xml><?xml version="1.0" encoding="utf-8"?>
+<p:sld xmlns:a="http://schemas.openxmlformats.org/drawingml/2006/main" xmlns:r="http://schemas.openxmlformats.org/officeDocument/2006/relationships" xmlns:p="http://schemas.openxmlformats.org/presentationml/2006/main">
+  <p:cSld>
+    <p:spTree>
+      <p:nvGrpSpPr>
+        <p:cNvPr id="1" name=""/>
+        <p:cNvGrpSpPr/>
+        <p:nvPr/>
+      </p:nvGrpSpPr>
+      <p:grpSpPr>
+        <a:xfrm>
+          <a:off x="0" y="0"/>
+          <a:ext cx="0" cy="0"/>
+          <a:chOff x="0" y="0"/>
+          <a:chExt cx="0" cy="0"/>
+        </a:xfrm>
+      </p:grpSpPr>
+      <p:sp>
+        <p:nvSpPr>
+          <p:cNvPr id="4" name="文本框 3">
+            <a:extLst>
+              <a:ext uri="{FF2B5EF4-FFF2-40B4-BE49-F238E27FC236}">
+                <a16:creationId xmlns:a16="http://schemas.microsoft.com/office/drawing/2014/main" id="{5DE04A94-D8ED-C547-9F30-9803974C771C}"/>
+              </a:ext>
+            </a:extLst>
+          </p:cNvPr>
+          <p:cNvSpPr txBox="1"/>
+          <p:nvPr/>
+        </p:nvSpPr>
+        <p:spPr>
+          <a:xfrm>
+            <a:off x="1203158" y="0"/>
+            <a:ext cx="4932948" cy="7294305"/>
+          </a:xfrm>
+          <a:prstGeom prst="rect">
+            <a:avLst/>
+          </a:prstGeom>
+          <a:noFill/>
+        </p:spPr>
+        <p:txBody>
+          <a:bodyPr wrap="square" rtlCol="0">
+            <a:spAutoFit/>
+          </a:bodyPr>
+          <a:lstStyle/>
+          <a:p>
+            <a:r>
+              <a:rPr lang="en-US" altLang="zh-CN" sz="1200" dirty="0"/>
+              <a:t># </a:t>
+            </a:r>
+            <a:r>
+              <a:rPr lang="zh-CN" altLang="en-US" sz="1200" dirty="0"/>
+              <a:t>导入</a:t>
+            </a:r>
+            <a:r>
+              <a:rPr lang="en" altLang="zh-CN" sz="1200" dirty="0"/>
+              <a:t>turtle</a:t>
+            </a:r>
+            <a:r>
+              <a:rPr lang="zh-CN" altLang="en-US" sz="1200" dirty="0"/>
+              <a:t>模块</a:t>
+            </a:r>
+            <a:br>
+              <a:rPr lang="zh-CN" altLang="en-US" sz="1200" dirty="0"/>
+            </a:br>
+            <a:r>
+              <a:rPr lang="en" altLang="zh-CN" sz="1200" dirty="0"/>
+              <a:t>import turtle</a:t>
+            </a:r>
+            <a:br>
+              <a:rPr lang="en" altLang="zh-CN" sz="1200" dirty="0"/>
+            </a:br>
+            <a:r>
+              <a:rPr lang="en" altLang="zh-CN" sz="1200" dirty="0"/>
+              <a:t># </a:t>
+            </a:r>
+            <a:r>
+              <a:rPr lang="zh-CN" altLang="en-US" sz="1200" dirty="0"/>
+              <a:t>调用画笔</a:t>
+            </a:r>
+            <a:br>
+              <a:rPr lang="zh-CN" altLang="en-US" sz="1200" dirty="0"/>
+            </a:br>
+            <a:r>
+              <a:rPr lang="en" altLang="zh-CN" sz="1200" dirty="0"/>
+              <a:t>t= turtle.Turtle()</a:t>
+            </a:r>
+            <a:br>
+              <a:rPr lang="en" altLang="zh-CN" sz="1200" dirty="0"/>
+            </a:br>
+            <a:br>
+              <a:rPr lang="en" altLang="zh-CN" sz="1200" dirty="0"/>
+            </a:br>
+            <a:r>
+              <a:rPr lang="en" altLang="zh-CN" sz="1200" dirty="0"/>
+              <a:t># </a:t>
+            </a:r>
+            <a:r>
+              <a:rPr lang="zh-CN" altLang="en-US" sz="1200" dirty="0"/>
+              <a:t>画正方形</a:t>
+            </a:r>
+            <a:br>
+              <a:rPr lang="zh-CN" altLang="en-US" sz="1200" dirty="0"/>
+            </a:br>
+            <a:r>
+              <a:rPr lang="en" altLang="zh-CN" sz="1200" dirty="0"/>
+              <a:t>t.fd(100)</a:t>
+            </a:r>
+            <a:br>
+              <a:rPr lang="en" altLang="zh-CN" sz="1200" dirty="0"/>
+            </a:br>
+            <a:r>
+              <a:rPr lang="en" altLang="zh-CN" sz="1200" dirty="0"/>
+              <a:t>t.left(90)</a:t>
+            </a:r>
+            <a:br>
+              <a:rPr lang="en" altLang="zh-CN" sz="1200" dirty="0"/>
+            </a:br>
+            <a:r>
+              <a:rPr lang="en" altLang="zh-CN" sz="1200" dirty="0"/>
+              <a:t>t.fd(100)</a:t>
+            </a:r>
+            <a:br>
+              <a:rPr lang="en" altLang="zh-CN" sz="1200" dirty="0"/>
+            </a:br>
+            <a:r>
+              <a:rPr lang="en" altLang="zh-CN" sz="1200" dirty="0"/>
+              <a:t>t.left(90)</a:t>
+            </a:r>
+            <a:br>
+              <a:rPr lang="en" altLang="zh-CN" sz="1200" dirty="0"/>
+            </a:br>
+            <a:r>
+              <a:rPr lang="en" altLang="zh-CN" sz="1200" dirty="0"/>
+              <a:t>t.fd(100)</a:t>
+            </a:r>
+            <a:br>
+              <a:rPr lang="en" altLang="zh-CN" sz="1200" dirty="0"/>
+            </a:br>
+            <a:r>
+              <a:rPr lang="en" altLang="zh-CN" sz="1200" dirty="0"/>
+              <a:t>t.left(90)</a:t>
+            </a:r>
+            <a:br>
+              <a:rPr lang="en" altLang="zh-CN" sz="1200" dirty="0"/>
+            </a:br>
+            <a:r>
+              <a:rPr lang="en" altLang="zh-CN" sz="1200" dirty="0"/>
+              <a:t>t.fd(100)</a:t>
+            </a:r>
+            <a:br>
+              <a:rPr lang="en" altLang="zh-CN" sz="1200" dirty="0"/>
+            </a:br>
+            <a:r>
+              <a:rPr lang="en" altLang="zh-CN" sz="1200" dirty="0"/>
+              <a:t>t.left(90)</a:t>
+            </a:r>
+            <a:br>
+              <a:rPr lang="en" altLang="zh-CN" sz="1200" dirty="0"/>
+            </a:br>
+            <a:r>
+              <a:rPr lang="en" altLang="zh-CN" sz="1200" dirty="0"/>
+              <a:t>t.reset()</a:t>
+            </a:r>
+            <a:br>
+              <a:rPr lang="en" altLang="zh-CN" sz="1200" dirty="0"/>
+            </a:br>
+            <a:br>
+              <a:rPr lang="en" altLang="zh-CN" sz="1200" dirty="0"/>
+            </a:br>
+            <a:r>
+              <a:rPr lang="en" altLang="zh-CN" sz="1200" dirty="0"/>
+              <a:t># </a:t>
+            </a:r>
+            <a:r>
+              <a:rPr lang="zh-CN" altLang="en-US" sz="1200" dirty="0"/>
+              <a:t>画三角形</a:t>
+            </a:r>
+            <a:br>
+              <a:rPr lang="zh-CN" altLang="en-US" sz="1200" dirty="0"/>
+            </a:br>
+            <a:r>
+              <a:rPr lang="en" altLang="zh-CN" sz="1200" dirty="0"/>
+              <a:t>t.left(120)</a:t>
+            </a:r>
+            <a:br>
+              <a:rPr lang="en" altLang="zh-CN" sz="1200" dirty="0"/>
+            </a:br>
+            <a:r>
+              <a:rPr lang="en" altLang="zh-CN" sz="1200" dirty="0"/>
+              <a:t>t.fd(100)</a:t>
+            </a:r>
+            <a:br>
+              <a:rPr lang="en" altLang="zh-CN" sz="1200" dirty="0"/>
+            </a:br>
+            <a:r>
+              <a:rPr lang="en" altLang="zh-CN" sz="1200" dirty="0"/>
+              <a:t>t.left(120)</a:t>
+            </a:r>
+            <a:br>
+              <a:rPr lang="en" altLang="zh-CN" sz="1200" dirty="0"/>
+            </a:br>
+            <a:r>
+              <a:rPr lang="en" altLang="zh-CN" sz="1200" dirty="0"/>
+              <a:t>t.fd(100)</a:t>
+            </a:r>
+            <a:br>
+              <a:rPr lang="en" altLang="zh-CN" sz="1200" dirty="0"/>
+            </a:br>
+            <a:r>
+              <a:rPr lang="en" altLang="zh-CN" sz="1200" dirty="0"/>
+              <a:t>t.left(120)</a:t>
+            </a:r>
+            <a:br>
+              <a:rPr lang="en" altLang="zh-CN" sz="1200" dirty="0"/>
+            </a:br>
+            <a:r>
+              <a:rPr lang="en" altLang="zh-CN" sz="1200" dirty="0"/>
+              <a:t>t.fd(100)</a:t>
+            </a:r>
+            <a:br>
+              <a:rPr lang="en" altLang="zh-CN" sz="1200" dirty="0"/>
+            </a:br>
+            <a:r>
+              <a:rPr lang="en" altLang="zh-CN" sz="1200" dirty="0"/>
+              <a:t>t.reset()</a:t>
+            </a:r>
+            <a:br>
+              <a:rPr lang="en" altLang="zh-CN" sz="1200" dirty="0"/>
+            </a:br>
+            <a:br>
+              <a:rPr lang="en" altLang="zh-CN" sz="1200" dirty="0"/>
+            </a:br>
+            <a:r>
+              <a:rPr lang="en" altLang="zh-CN" sz="1200" dirty="0"/>
+              <a:t># </a:t>
+            </a:r>
+            <a:r>
+              <a:rPr lang="zh-CN" altLang="en-US" sz="1200" dirty="0"/>
+              <a:t>画圆</a:t>
+            </a:r>
+            <a:br>
+              <a:rPr lang="zh-CN" altLang="en-US" sz="1200" dirty="0"/>
+            </a:br>
+            <a:r>
+              <a:rPr lang="en" altLang="zh-CN" sz="1200" dirty="0"/>
+              <a:t>t.circle(40)</a:t>
+            </a:r>
+            <a:br>
+              <a:rPr lang="en" altLang="zh-CN" sz="1200" dirty="0"/>
+            </a:br>
+            <a:r>
+              <a:rPr lang="en" altLang="zh-CN" sz="1200" dirty="0"/>
+              <a:t>t.circle(-40)</a:t>
+            </a:r>
+            <a:br>
+              <a:rPr lang="en" altLang="zh-CN" sz="1200" dirty="0"/>
+            </a:br>
+            <a:r>
+              <a:rPr lang="en" altLang="zh-CN" sz="1200" dirty="0"/>
+              <a:t>t.reset()</a:t>
+            </a:r>
+            <a:br>
+              <a:rPr lang="en" altLang="zh-CN" sz="1200" dirty="0"/>
+            </a:br>
+            <a:r>
+              <a:rPr lang="en" altLang="zh-CN" sz="1200" dirty="0"/>
+              <a:t># </a:t>
+            </a:r>
+            <a:r>
+              <a:rPr lang="zh-CN" altLang="en-US" sz="1200" dirty="0"/>
+              <a:t>画正多边形</a:t>
+            </a:r>
+            <a:br>
+              <a:rPr lang="zh-CN" altLang="en-US" sz="1200" dirty="0"/>
+            </a:br>
+            <a:r>
+              <a:rPr lang="en" altLang="zh-CN" sz="1200" dirty="0"/>
+              <a:t>t.circle(40, steps=5)</a:t>
+            </a:r>
+            <a:br>
+              <a:rPr lang="en" altLang="zh-CN" sz="1200" dirty="0"/>
+            </a:br>
+            <a:r>
+              <a:rPr lang="en" altLang="zh-CN" sz="1200" dirty="0"/>
+              <a:t>t.reset()</a:t>
+            </a:r>
+            <a:br>
+              <a:rPr lang="en" altLang="zh-CN" sz="1200" dirty="0"/>
+            </a:br>
+            <a:r>
+              <a:rPr lang="en" altLang="zh-CN" sz="1200" dirty="0"/>
+              <a:t>t.circle(-40, steps=3)</a:t>
+            </a:r>
+            <a:br>
+              <a:rPr lang="en" altLang="zh-CN" sz="1200" dirty="0"/>
+            </a:br>
+            <a:r>
+              <a:rPr lang="en" altLang="zh-CN" sz="1200" dirty="0"/>
+              <a:t>t.reset()</a:t>
+            </a:r>
+            <a:br>
+              <a:rPr lang="en" altLang="zh-CN" sz="1200" dirty="0"/>
+            </a:br>
+            <a:br>
+              <a:rPr lang="en" altLang="zh-CN" sz="1200" dirty="0"/>
+            </a:br>
+            <a:r>
+              <a:rPr lang="en" altLang="zh-CN" sz="1200" dirty="0"/>
+              <a:t># </a:t>
+            </a:r>
+            <a:r>
+              <a:rPr lang="zh-CN" altLang="en-US" sz="1200" dirty="0"/>
+              <a:t>画点</a:t>
+            </a:r>
+            <a:br>
+              <a:rPr lang="zh-CN" altLang="en-US" sz="1200" dirty="0"/>
+            </a:br>
+            <a:r>
+              <a:rPr lang="en" altLang="zh-CN" sz="1200" dirty="0"/>
+              <a:t>t.dot(20)</a:t>
+            </a:r>
+            <a:br>
+              <a:rPr lang="en" altLang="zh-CN" sz="1200" dirty="0"/>
+            </a:br>
+            <a:br>
+              <a:rPr lang="en" altLang="zh-CN" sz="1200" dirty="0"/>
+            </a:br>
+            <a:r>
+              <a:rPr lang="en" altLang="zh-CN" sz="1200" dirty="0"/>
+              <a:t>turtle.done()</a:t>
+            </a:r>
+            <a:endParaRPr kumimoji="1" lang="zh-CN" altLang="en-US" sz="1200" dirty="0"/>
+          </a:p>
+        </p:txBody>
+      </p:sp>
+    </p:spTree>
+    <p:extLst>
+      <p:ext uri="{BB962C8B-B14F-4D97-AF65-F5344CB8AC3E}">
+        <p14:creationId xmlns:p14="http://schemas.microsoft.com/office/powerpoint/2010/main" val="3530456240"/>
       </p:ext>
     </p:extLst>
   </p:cSld>
@@ -3263,10 +3612,9 @@
           <a:lstStyle/>
           <a:p>
             <a:r>
-              <a:rPr kumimoji="1" lang="zh-CN" altLang="en-US" dirty="0" smtClean="0"/>
+              <a:rPr kumimoji="1" lang="zh-CN" altLang="en-US" dirty="0"/>
               <a:t>苹果电脑选这个</a:t>
             </a:r>
-            <a:endParaRPr kumimoji="1" lang="zh-CN" altLang="en-US" dirty="0"/>
           </a:p>
         </p:txBody>
       </p:sp>
@@ -3293,14 +3641,13 @@
           <a:lstStyle/>
           <a:p>
             <a:r>
-              <a:rPr kumimoji="1" lang="en-US" altLang="zh-CN" dirty="0" smtClean="0"/>
+              <a:rPr kumimoji="1" lang="en-US" altLang="zh-CN" dirty="0"/>
               <a:t>Windows</a:t>
             </a:r>
             <a:r>
-              <a:rPr kumimoji="1" lang="zh-CN" altLang="en-US" dirty="0" smtClean="0"/>
+              <a:rPr kumimoji="1" lang="zh-CN" altLang="en-US" dirty="0"/>
               <a:t>系统的选这个</a:t>
             </a:r>
-            <a:endParaRPr kumimoji="1" lang="zh-CN" altLang="en-US" dirty="0"/>
           </a:p>
         </p:txBody>
       </p:sp>
@@ -3464,6 +3811,4578 @@
     <p:extLst>
       <p:ext uri="{BB962C8B-B14F-4D97-AF65-F5344CB8AC3E}">
         <p14:creationId xmlns:p14="http://schemas.microsoft.com/office/powerpoint/2010/main" val="1440775896"/>
+      </p:ext>
+    </p:extLst>
+  </p:cSld>
+  <p:clrMapOvr>
+    <a:masterClrMapping/>
+  </p:clrMapOvr>
+</p:sld>
+</file>
+
+<file path=ppt/slides/slide5.xml><?xml version="1.0" encoding="utf-8"?>
+<p:sld xmlns:a="http://schemas.openxmlformats.org/drawingml/2006/main" xmlns:r="http://schemas.openxmlformats.org/officeDocument/2006/relationships" xmlns:p="http://schemas.openxmlformats.org/presentationml/2006/main">
+  <p:cSld>
+    <p:spTree>
+      <p:nvGrpSpPr>
+        <p:cNvPr id="1" name=""/>
+        <p:cNvGrpSpPr/>
+        <p:nvPr/>
+      </p:nvGrpSpPr>
+      <p:grpSpPr>
+        <a:xfrm>
+          <a:off x="0" y="0"/>
+          <a:ext cx="0" cy="0"/>
+          <a:chOff x="0" y="0"/>
+          <a:chExt cx="0" cy="0"/>
+        </a:xfrm>
+      </p:grpSpPr>
+      <p:pic>
+        <p:nvPicPr>
+          <p:cNvPr id="4" name="图片 3">
+            <a:extLst>
+              <a:ext uri="{FF2B5EF4-FFF2-40B4-BE49-F238E27FC236}">
+                <a16:creationId xmlns:a16="http://schemas.microsoft.com/office/drawing/2014/main" id="{47BD909E-0407-6547-A312-16D88644D991}"/>
+              </a:ext>
+            </a:extLst>
+          </p:cNvPr>
+          <p:cNvPicPr>
+            <a:picLocks noChangeAspect="1"/>
+          </p:cNvPicPr>
+          <p:nvPr/>
+        </p:nvPicPr>
+        <p:blipFill>
+          <a:blip r:embed="rId2"/>
+          <a:stretch>
+            <a:fillRect/>
+          </a:stretch>
+        </p:blipFill>
+        <p:spPr>
+          <a:xfrm>
+            <a:off x="326104" y="574145"/>
+            <a:ext cx="5941097" cy="1088523"/>
+          </a:xfrm>
+          <a:prstGeom prst="rect">
+            <a:avLst/>
+          </a:prstGeom>
+        </p:spPr>
+      </p:pic>
+      <p:pic>
+        <p:nvPicPr>
+          <p:cNvPr id="5" name="图片 4">
+            <a:extLst>
+              <a:ext uri="{FF2B5EF4-FFF2-40B4-BE49-F238E27FC236}">
+                <a16:creationId xmlns:a16="http://schemas.microsoft.com/office/drawing/2014/main" id="{6A687442-6EB4-8546-92AF-1A7B9659A9BC}"/>
+              </a:ext>
+            </a:extLst>
+          </p:cNvPr>
+          <p:cNvPicPr>
+            <a:picLocks noChangeAspect="1"/>
+          </p:cNvPicPr>
+          <p:nvPr/>
+        </p:nvPicPr>
+        <p:blipFill>
+          <a:blip r:embed="rId3"/>
+          <a:stretch>
+            <a:fillRect/>
+          </a:stretch>
+        </p:blipFill>
+        <p:spPr>
+          <a:xfrm>
+            <a:off x="326104" y="1964671"/>
+            <a:ext cx="5831640" cy="2240631"/>
+          </a:xfrm>
+          <a:prstGeom prst="rect">
+            <a:avLst/>
+          </a:prstGeom>
+        </p:spPr>
+      </p:pic>
+      <p:sp>
+        <p:nvSpPr>
+          <p:cNvPr id="6" name="文本框 5">
+            <a:extLst>
+              <a:ext uri="{FF2B5EF4-FFF2-40B4-BE49-F238E27FC236}">
+                <a16:creationId xmlns:a16="http://schemas.microsoft.com/office/drawing/2014/main" id="{6791F464-515D-8A45-BD4C-6D7FA9E277FB}"/>
+              </a:ext>
+            </a:extLst>
+          </p:cNvPr>
+          <p:cNvSpPr txBox="1"/>
+          <p:nvPr/>
+        </p:nvSpPr>
+        <p:spPr>
+          <a:xfrm>
+            <a:off x="58389" y="108285"/>
+            <a:ext cx="877163" cy="369332"/>
+          </a:xfrm>
+          <a:prstGeom prst="rect">
+            <a:avLst/>
+          </a:prstGeom>
+          <a:noFill/>
+        </p:spPr>
+        <p:txBody>
+          <a:bodyPr wrap="none" rtlCol="0">
+            <a:spAutoFit/>
+          </a:bodyPr>
+          <a:lstStyle/>
+          <a:p>
+            <a:r>
+              <a:rPr kumimoji="1" lang="zh-CN" altLang="en-US" dirty="0"/>
+              <a:t>第一课</a:t>
+            </a:r>
+          </a:p>
+        </p:txBody>
+      </p:sp>
+      <p:pic>
+        <p:nvPicPr>
+          <p:cNvPr id="7" name="图片 6">
+            <a:extLst>
+              <a:ext uri="{FF2B5EF4-FFF2-40B4-BE49-F238E27FC236}">
+                <a16:creationId xmlns:a16="http://schemas.microsoft.com/office/drawing/2014/main" id="{D4F82629-3B85-2246-BC7F-92CA44BEE099}"/>
+              </a:ext>
+            </a:extLst>
+          </p:cNvPr>
+          <p:cNvPicPr>
+            <a:picLocks noChangeAspect="1"/>
+          </p:cNvPicPr>
+          <p:nvPr/>
+        </p:nvPicPr>
+        <p:blipFill>
+          <a:blip r:embed="rId4"/>
+          <a:stretch>
+            <a:fillRect/>
+          </a:stretch>
+        </p:blipFill>
+        <p:spPr>
+          <a:xfrm>
+            <a:off x="6459621" y="1662668"/>
+            <a:ext cx="2567646" cy="1326147"/>
+          </a:xfrm>
+          <a:prstGeom prst="rect">
+            <a:avLst/>
+          </a:prstGeom>
+        </p:spPr>
+      </p:pic>
+      <p:pic>
+        <p:nvPicPr>
+          <p:cNvPr id="8" name="图片 7">
+            <a:extLst>
+              <a:ext uri="{FF2B5EF4-FFF2-40B4-BE49-F238E27FC236}">
+                <a16:creationId xmlns:a16="http://schemas.microsoft.com/office/drawing/2014/main" id="{CF73261E-E64C-674F-8F9C-CDAEC46D7DB9}"/>
+              </a:ext>
+            </a:extLst>
+          </p:cNvPr>
+          <p:cNvPicPr>
+            <a:picLocks noChangeAspect="1"/>
+          </p:cNvPicPr>
+          <p:nvPr/>
+        </p:nvPicPr>
+        <p:blipFill>
+          <a:blip r:embed="rId5"/>
+          <a:stretch>
+            <a:fillRect/>
+          </a:stretch>
+        </p:blipFill>
+        <p:spPr>
+          <a:xfrm>
+            <a:off x="5169358" y="2988815"/>
+            <a:ext cx="3553995" cy="1986960"/>
+          </a:xfrm>
+          <a:prstGeom prst="rect">
+            <a:avLst/>
+          </a:prstGeom>
+        </p:spPr>
+      </p:pic>
+      <p:pic>
+        <p:nvPicPr>
+          <p:cNvPr id="9" name="图片 8">
+            <a:extLst>
+              <a:ext uri="{FF2B5EF4-FFF2-40B4-BE49-F238E27FC236}">
+                <a16:creationId xmlns:a16="http://schemas.microsoft.com/office/drawing/2014/main" id="{7C779ED6-F909-A34A-9966-86A112C19C8A}"/>
+              </a:ext>
+            </a:extLst>
+          </p:cNvPr>
+          <p:cNvPicPr>
+            <a:picLocks noChangeAspect="1"/>
+          </p:cNvPicPr>
+          <p:nvPr/>
+        </p:nvPicPr>
+        <p:blipFill>
+          <a:blip r:embed="rId6"/>
+          <a:stretch>
+            <a:fillRect/>
+          </a:stretch>
+        </p:blipFill>
+        <p:spPr>
+          <a:xfrm>
+            <a:off x="665413" y="4589566"/>
+            <a:ext cx="4736766" cy="1470591"/>
+          </a:xfrm>
+          <a:prstGeom prst="rect">
+            <a:avLst/>
+          </a:prstGeom>
+        </p:spPr>
+      </p:pic>
+    </p:spTree>
+    <p:extLst>
+      <p:ext uri="{BB962C8B-B14F-4D97-AF65-F5344CB8AC3E}">
+        <p14:creationId xmlns:p14="http://schemas.microsoft.com/office/powerpoint/2010/main" val="3038002337"/>
+      </p:ext>
+    </p:extLst>
+  </p:cSld>
+  <p:clrMapOvr>
+    <a:masterClrMapping/>
+  </p:clrMapOvr>
+</p:sld>
+</file>
+
+<file path=ppt/slides/slide6.xml><?xml version="1.0" encoding="utf-8"?>
+<p:sld xmlns:a="http://schemas.openxmlformats.org/drawingml/2006/main" xmlns:r="http://schemas.openxmlformats.org/officeDocument/2006/relationships" xmlns:p="http://schemas.openxmlformats.org/presentationml/2006/main">
+  <p:cSld>
+    <p:spTree>
+      <p:nvGrpSpPr>
+        <p:cNvPr id="1" name=""/>
+        <p:cNvGrpSpPr/>
+        <p:nvPr/>
+      </p:nvGrpSpPr>
+      <p:grpSpPr>
+        <a:xfrm>
+          <a:off x="0" y="0"/>
+          <a:ext cx="0" cy="0"/>
+          <a:chOff x="0" y="0"/>
+          <a:chExt cx="0" cy="0"/>
+        </a:xfrm>
+      </p:grpSpPr>
+      <p:pic>
+        <p:nvPicPr>
+          <p:cNvPr id="4" name="图片 3">
+            <a:extLst>
+              <a:ext uri="{FF2B5EF4-FFF2-40B4-BE49-F238E27FC236}">
+                <a16:creationId xmlns:a16="http://schemas.microsoft.com/office/drawing/2014/main" id="{55097208-0B4E-D649-A033-519BCB0B830C}"/>
+              </a:ext>
+            </a:extLst>
+          </p:cNvPr>
+          <p:cNvPicPr>
+            <a:picLocks noChangeAspect="1"/>
+          </p:cNvPicPr>
+          <p:nvPr/>
+        </p:nvPicPr>
+        <p:blipFill>
+          <a:blip r:embed="rId2"/>
+          <a:stretch>
+            <a:fillRect/>
+          </a:stretch>
+        </p:blipFill>
+        <p:spPr>
+          <a:xfrm>
+            <a:off x="0" y="126666"/>
+            <a:ext cx="5269832" cy="2028724"/>
+          </a:xfrm>
+          <a:prstGeom prst="rect">
+            <a:avLst/>
+          </a:prstGeom>
+        </p:spPr>
+      </p:pic>
+      <p:pic>
+        <p:nvPicPr>
+          <p:cNvPr id="7" name="图片 6">
+            <a:extLst>
+              <a:ext uri="{FF2B5EF4-FFF2-40B4-BE49-F238E27FC236}">
+                <a16:creationId xmlns:a16="http://schemas.microsoft.com/office/drawing/2014/main" id="{781C3A80-7953-754D-8530-AD600C3308B2}"/>
+              </a:ext>
+            </a:extLst>
+          </p:cNvPr>
+          <p:cNvPicPr>
+            <a:picLocks noChangeAspect="1"/>
+          </p:cNvPicPr>
+          <p:nvPr/>
+        </p:nvPicPr>
+        <p:blipFill>
+          <a:blip r:embed="rId3"/>
+          <a:stretch>
+            <a:fillRect/>
+          </a:stretch>
+        </p:blipFill>
+        <p:spPr>
+          <a:xfrm>
+            <a:off x="436144" y="3744701"/>
+            <a:ext cx="4003508" cy="1642465"/>
+          </a:xfrm>
+          <a:prstGeom prst="rect">
+            <a:avLst/>
+          </a:prstGeom>
+        </p:spPr>
+      </p:pic>
+      <p:pic>
+        <p:nvPicPr>
+          <p:cNvPr id="8" name="图片 7">
+            <a:extLst>
+              <a:ext uri="{FF2B5EF4-FFF2-40B4-BE49-F238E27FC236}">
+                <a16:creationId xmlns:a16="http://schemas.microsoft.com/office/drawing/2014/main" id="{60689FE2-2D8A-6D4E-8C9B-9CEC26514C6A}"/>
+              </a:ext>
+            </a:extLst>
+          </p:cNvPr>
+          <p:cNvPicPr>
+            <a:picLocks noChangeAspect="1"/>
+          </p:cNvPicPr>
+          <p:nvPr/>
+        </p:nvPicPr>
+        <p:blipFill>
+          <a:blip r:embed="rId4"/>
+          <a:stretch>
+            <a:fillRect/>
+          </a:stretch>
+        </p:blipFill>
+        <p:spPr>
+          <a:xfrm>
+            <a:off x="4704350" y="3647487"/>
+            <a:ext cx="4273884" cy="1836892"/>
+          </a:xfrm>
+          <a:prstGeom prst="rect">
+            <a:avLst/>
+          </a:prstGeom>
+        </p:spPr>
+      </p:pic>
+      <p:pic>
+        <p:nvPicPr>
+          <p:cNvPr id="9" name="图片 8">
+            <a:extLst>
+              <a:ext uri="{FF2B5EF4-FFF2-40B4-BE49-F238E27FC236}">
+                <a16:creationId xmlns:a16="http://schemas.microsoft.com/office/drawing/2014/main" id="{090A02D6-1F11-DF44-9A52-2A8F9295CBCC}"/>
+              </a:ext>
+            </a:extLst>
+          </p:cNvPr>
+          <p:cNvPicPr>
+            <a:picLocks noChangeAspect="1"/>
+          </p:cNvPicPr>
+          <p:nvPr/>
+        </p:nvPicPr>
+        <p:blipFill>
+          <a:blip r:embed="rId5"/>
+          <a:stretch>
+            <a:fillRect/>
+          </a:stretch>
+        </p:blipFill>
+        <p:spPr>
+          <a:xfrm>
+            <a:off x="436144" y="2290999"/>
+            <a:ext cx="5459330" cy="1318092"/>
+          </a:xfrm>
+          <a:prstGeom prst="rect">
+            <a:avLst/>
+          </a:prstGeom>
+        </p:spPr>
+      </p:pic>
+    </p:spTree>
+    <p:extLst>
+      <p:ext uri="{BB962C8B-B14F-4D97-AF65-F5344CB8AC3E}">
+        <p14:creationId xmlns:p14="http://schemas.microsoft.com/office/powerpoint/2010/main" val="1904913340"/>
+      </p:ext>
+    </p:extLst>
+  </p:cSld>
+  <p:clrMapOvr>
+    <a:masterClrMapping/>
+  </p:clrMapOvr>
+</p:sld>
+</file>
+
+<file path=ppt/slides/slide7.xml><?xml version="1.0" encoding="utf-8"?>
+<p:sld xmlns:a="http://schemas.openxmlformats.org/drawingml/2006/main" xmlns:r="http://schemas.openxmlformats.org/officeDocument/2006/relationships" xmlns:p="http://schemas.openxmlformats.org/presentationml/2006/main">
+  <p:cSld>
+    <p:spTree>
+      <p:nvGrpSpPr>
+        <p:cNvPr id="1" name=""/>
+        <p:cNvGrpSpPr/>
+        <p:nvPr/>
+      </p:nvGrpSpPr>
+      <p:grpSpPr>
+        <a:xfrm>
+          <a:off x="0" y="0"/>
+          <a:ext cx="0" cy="0"/>
+          <a:chOff x="0" y="0"/>
+          <a:chExt cx="0" cy="0"/>
+        </a:xfrm>
+      </p:grpSpPr>
+      <p:pic>
+        <p:nvPicPr>
+          <p:cNvPr id="52" name="图片 51">
+            <a:extLst>
+              <a:ext uri="{FF2B5EF4-FFF2-40B4-BE49-F238E27FC236}">
+                <a16:creationId xmlns:a16="http://schemas.microsoft.com/office/drawing/2014/main" id="{A002F934-2256-414F-8C5D-D5C4973FE799}"/>
+              </a:ext>
+            </a:extLst>
+          </p:cNvPr>
+          <p:cNvPicPr>
+            <a:picLocks noChangeAspect="1"/>
+          </p:cNvPicPr>
+          <p:nvPr/>
+        </p:nvPicPr>
+        <p:blipFill>
+          <a:blip r:embed="rId2"/>
+          <a:stretch>
+            <a:fillRect/>
+          </a:stretch>
+        </p:blipFill>
+        <p:spPr>
+          <a:xfrm>
+            <a:off x="1974452" y="360915"/>
+            <a:ext cx="2832100" cy="1181100"/>
+          </a:xfrm>
+          <a:prstGeom prst="rect">
+            <a:avLst/>
+          </a:prstGeom>
+        </p:spPr>
+      </p:pic>
+      <p:sp>
+        <p:nvSpPr>
+          <p:cNvPr id="5" name="文本框 4">
+            <a:extLst>
+              <a:ext uri="{FF2B5EF4-FFF2-40B4-BE49-F238E27FC236}">
+                <a16:creationId xmlns:a16="http://schemas.microsoft.com/office/drawing/2014/main" id="{42157F99-7C07-9E40-B777-37C2228760EC}"/>
+              </a:ext>
+            </a:extLst>
+          </p:cNvPr>
+          <p:cNvSpPr txBox="1"/>
+          <p:nvPr/>
+        </p:nvSpPr>
+        <p:spPr>
+          <a:xfrm>
+            <a:off x="4878159" y="344766"/>
+            <a:ext cx="543739" cy="307777"/>
+          </a:xfrm>
+          <a:prstGeom prst="rect">
+            <a:avLst/>
+          </a:prstGeom>
+          <a:noFill/>
+        </p:spPr>
+        <p:txBody>
+          <a:bodyPr wrap="none" rtlCol="0">
+            <a:spAutoFit/>
+          </a:bodyPr>
+          <a:lstStyle/>
+          <a:p>
+            <a:r>
+              <a:rPr kumimoji="1" lang="zh-CN" altLang="en-US" sz="1400" dirty="0"/>
+              <a:t>注释</a:t>
+            </a:r>
+          </a:p>
+        </p:txBody>
+      </p:sp>
+      <p:sp>
+        <p:nvSpPr>
+          <p:cNvPr id="6" name="矩形 5">
+            <a:extLst>
+              <a:ext uri="{FF2B5EF4-FFF2-40B4-BE49-F238E27FC236}">
+                <a16:creationId xmlns:a16="http://schemas.microsoft.com/office/drawing/2014/main" id="{6FCC0F15-CFB7-F141-B088-C252C9162E07}"/>
+              </a:ext>
+            </a:extLst>
+          </p:cNvPr>
+          <p:cNvSpPr/>
+          <p:nvPr/>
+        </p:nvSpPr>
+        <p:spPr>
+          <a:xfrm>
+            <a:off x="1932563" y="397041"/>
+            <a:ext cx="1199483" cy="203229"/>
+          </a:xfrm>
+          <a:prstGeom prst="rect">
+            <a:avLst/>
+          </a:prstGeom>
+          <a:noFill/>
+          <a:ln>
+            <a:solidFill>
+              <a:srgbClr val="0432FF"/>
+            </a:solidFill>
+          </a:ln>
+        </p:spPr>
+        <p:style>
+          <a:lnRef idx="1">
+            <a:schemeClr val="accent1"/>
+          </a:lnRef>
+          <a:fillRef idx="3">
+            <a:schemeClr val="accent1"/>
+          </a:fillRef>
+          <a:effectRef idx="2">
+            <a:schemeClr val="accent1"/>
+          </a:effectRef>
+          <a:fontRef idx="minor">
+            <a:schemeClr val="lt1"/>
+          </a:fontRef>
+        </p:style>
+        <p:txBody>
+          <a:bodyPr rtlCol="0" anchor="ctr"/>
+          <a:lstStyle/>
+          <a:p>
+            <a:pPr algn="ctr"/>
+            <a:endParaRPr kumimoji="1" lang="zh-CN" altLang="en-US"/>
+          </a:p>
+        </p:txBody>
+      </p:sp>
+      <p:cxnSp>
+        <p:nvCxnSpPr>
+          <p:cNvPr id="8" name="直线连接符 7">
+            <a:extLst>
+              <a:ext uri="{FF2B5EF4-FFF2-40B4-BE49-F238E27FC236}">
+                <a16:creationId xmlns:a16="http://schemas.microsoft.com/office/drawing/2014/main" id="{C44A7C77-92EC-BD42-8692-A0CBC38A00C9}"/>
+              </a:ext>
+            </a:extLst>
+          </p:cNvPr>
+          <p:cNvCxnSpPr>
+            <a:cxnSpLocks/>
+            <a:stCxn id="6" idx="3"/>
+            <a:endCxn id="5" idx="1"/>
+          </p:cNvCxnSpPr>
+          <p:nvPr/>
+        </p:nvCxnSpPr>
+        <p:spPr>
+          <a:xfrm flipV="1">
+            <a:off x="3132046" y="498655"/>
+            <a:ext cx="1746113" cy="1"/>
+          </a:xfrm>
+          <a:prstGeom prst="line">
+            <a:avLst/>
+          </a:prstGeom>
+          <a:ln>
+            <a:solidFill>
+              <a:srgbClr val="0432FF"/>
+            </a:solidFill>
+          </a:ln>
+        </p:spPr>
+        <p:style>
+          <a:lnRef idx="2">
+            <a:schemeClr val="accent1"/>
+          </a:lnRef>
+          <a:fillRef idx="0">
+            <a:schemeClr val="accent1"/>
+          </a:fillRef>
+          <a:effectRef idx="1">
+            <a:schemeClr val="accent1"/>
+          </a:effectRef>
+          <a:fontRef idx="minor">
+            <a:schemeClr val="tx1"/>
+          </a:fontRef>
+        </p:style>
+      </p:cxnSp>
+      <p:sp>
+        <p:nvSpPr>
+          <p:cNvPr id="13" name="矩形 12">
+            <a:extLst>
+              <a:ext uri="{FF2B5EF4-FFF2-40B4-BE49-F238E27FC236}">
+                <a16:creationId xmlns:a16="http://schemas.microsoft.com/office/drawing/2014/main" id="{A408D28A-A99E-FB45-BC3F-DDCC0B65A3C8}"/>
+              </a:ext>
+            </a:extLst>
+          </p:cNvPr>
+          <p:cNvSpPr/>
+          <p:nvPr/>
+        </p:nvSpPr>
+        <p:spPr>
+          <a:xfrm>
+            <a:off x="1932563" y="782691"/>
+            <a:ext cx="485610" cy="203229"/>
+          </a:xfrm>
+          <a:prstGeom prst="rect">
+            <a:avLst/>
+          </a:prstGeom>
+          <a:noFill/>
+          <a:ln>
+            <a:solidFill>
+              <a:srgbClr val="0432FF"/>
+            </a:solidFill>
+          </a:ln>
+        </p:spPr>
+        <p:style>
+          <a:lnRef idx="1">
+            <a:schemeClr val="accent1"/>
+          </a:lnRef>
+          <a:fillRef idx="3">
+            <a:schemeClr val="accent1"/>
+          </a:fillRef>
+          <a:effectRef idx="2">
+            <a:schemeClr val="accent1"/>
+          </a:effectRef>
+          <a:fontRef idx="minor">
+            <a:schemeClr val="lt1"/>
+          </a:fontRef>
+        </p:style>
+        <p:txBody>
+          <a:bodyPr rtlCol="0" anchor="ctr"/>
+          <a:lstStyle/>
+          <a:p>
+            <a:pPr algn="ctr"/>
+            <a:endParaRPr kumimoji="1" lang="zh-CN" altLang="en-US"/>
+          </a:p>
+        </p:txBody>
+      </p:sp>
+      <p:cxnSp>
+        <p:nvCxnSpPr>
+          <p:cNvPr id="14" name="直线连接符 13">
+            <a:extLst>
+              <a:ext uri="{FF2B5EF4-FFF2-40B4-BE49-F238E27FC236}">
+                <a16:creationId xmlns:a16="http://schemas.microsoft.com/office/drawing/2014/main" id="{BE2B7CD9-3E8F-BE40-BE67-ED825E1EA9F5}"/>
+              </a:ext>
+            </a:extLst>
+          </p:cNvPr>
+          <p:cNvCxnSpPr>
+            <a:cxnSpLocks/>
+          </p:cNvCxnSpPr>
+          <p:nvPr/>
+        </p:nvCxnSpPr>
+        <p:spPr>
+          <a:xfrm>
+            <a:off x="2812533" y="1129742"/>
+            <a:ext cx="2065626" cy="0"/>
+          </a:xfrm>
+          <a:prstGeom prst="line">
+            <a:avLst/>
+          </a:prstGeom>
+          <a:ln>
+            <a:solidFill>
+              <a:srgbClr val="0432FF"/>
+            </a:solidFill>
+          </a:ln>
+        </p:spPr>
+        <p:style>
+          <a:lnRef idx="2">
+            <a:schemeClr val="accent1"/>
+          </a:lnRef>
+          <a:fillRef idx="0">
+            <a:schemeClr val="accent1"/>
+          </a:fillRef>
+          <a:effectRef idx="1">
+            <a:schemeClr val="accent1"/>
+          </a:effectRef>
+          <a:fontRef idx="minor">
+            <a:schemeClr val="tx1"/>
+          </a:fontRef>
+        </p:style>
+      </p:cxnSp>
+      <p:sp>
+        <p:nvSpPr>
+          <p:cNvPr id="16" name="矩形 15">
+            <a:extLst>
+              <a:ext uri="{FF2B5EF4-FFF2-40B4-BE49-F238E27FC236}">
+                <a16:creationId xmlns:a16="http://schemas.microsoft.com/office/drawing/2014/main" id="{826D5631-455E-A84F-BE86-9772D23BE26E}"/>
+              </a:ext>
+            </a:extLst>
+          </p:cNvPr>
+          <p:cNvSpPr/>
+          <p:nvPr/>
+        </p:nvSpPr>
+        <p:spPr>
+          <a:xfrm>
+            <a:off x="2586105" y="782690"/>
+            <a:ext cx="485610" cy="203229"/>
+          </a:xfrm>
+          <a:prstGeom prst="rect">
+            <a:avLst/>
+          </a:prstGeom>
+          <a:noFill/>
+          <a:ln>
+            <a:solidFill>
+              <a:srgbClr val="0432FF"/>
+            </a:solidFill>
+          </a:ln>
+        </p:spPr>
+        <p:style>
+          <a:lnRef idx="1">
+            <a:schemeClr val="accent1"/>
+          </a:lnRef>
+          <a:fillRef idx="3">
+            <a:schemeClr val="accent1"/>
+          </a:fillRef>
+          <a:effectRef idx="2">
+            <a:schemeClr val="accent1"/>
+          </a:effectRef>
+          <a:fontRef idx="minor">
+            <a:schemeClr val="lt1"/>
+          </a:fontRef>
+        </p:style>
+        <p:txBody>
+          <a:bodyPr rtlCol="0" anchor="ctr"/>
+          <a:lstStyle/>
+          <a:p>
+            <a:pPr algn="ctr"/>
+            <a:endParaRPr kumimoji="1" lang="zh-CN" altLang="en-US"/>
+          </a:p>
+        </p:txBody>
+      </p:sp>
+      <p:cxnSp>
+        <p:nvCxnSpPr>
+          <p:cNvPr id="18" name="直线连接符 17">
+            <a:extLst>
+              <a:ext uri="{FF2B5EF4-FFF2-40B4-BE49-F238E27FC236}">
+                <a16:creationId xmlns:a16="http://schemas.microsoft.com/office/drawing/2014/main" id="{573F3735-0D19-9E45-BE5B-CC230C2B45BC}"/>
+              </a:ext>
+            </a:extLst>
+          </p:cNvPr>
+          <p:cNvCxnSpPr>
+            <a:stCxn id="16" idx="2"/>
+          </p:cNvCxnSpPr>
+          <p:nvPr/>
+        </p:nvCxnSpPr>
+        <p:spPr>
+          <a:xfrm>
+            <a:off x="2828910" y="985919"/>
+            <a:ext cx="0" cy="145049"/>
+          </a:xfrm>
+          <a:prstGeom prst="line">
+            <a:avLst/>
+          </a:prstGeom>
+        </p:spPr>
+        <p:style>
+          <a:lnRef idx="2">
+            <a:schemeClr val="accent1"/>
+          </a:lnRef>
+          <a:fillRef idx="0">
+            <a:schemeClr val="accent1"/>
+          </a:fillRef>
+          <a:effectRef idx="1">
+            <a:schemeClr val="accent1"/>
+          </a:effectRef>
+          <a:fontRef idx="minor">
+            <a:schemeClr val="tx1"/>
+          </a:fontRef>
+        </p:style>
+      </p:cxnSp>
+      <p:cxnSp>
+        <p:nvCxnSpPr>
+          <p:cNvPr id="20" name="直线连接符 19">
+            <a:extLst>
+              <a:ext uri="{FF2B5EF4-FFF2-40B4-BE49-F238E27FC236}">
+                <a16:creationId xmlns:a16="http://schemas.microsoft.com/office/drawing/2014/main" id="{847B39AF-2D71-6A43-BEC9-A9BF645CD174}"/>
+              </a:ext>
+            </a:extLst>
+          </p:cNvPr>
+          <p:cNvCxnSpPr/>
+          <p:nvPr/>
+        </p:nvCxnSpPr>
+        <p:spPr>
+          <a:xfrm>
+            <a:off x="2175190" y="993935"/>
+            <a:ext cx="0" cy="145049"/>
+          </a:xfrm>
+          <a:prstGeom prst="line">
+            <a:avLst/>
+          </a:prstGeom>
+        </p:spPr>
+        <p:style>
+          <a:lnRef idx="2">
+            <a:schemeClr val="accent1"/>
+          </a:lnRef>
+          <a:fillRef idx="0">
+            <a:schemeClr val="accent1"/>
+          </a:fillRef>
+          <a:effectRef idx="1">
+            <a:schemeClr val="accent1"/>
+          </a:effectRef>
+          <a:fontRef idx="minor">
+            <a:schemeClr val="tx1"/>
+          </a:fontRef>
+        </p:style>
+      </p:cxnSp>
+      <p:cxnSp>
+        <p:nvCxnSpPr>
+          <p:cNvPr id="21" name="直线连接符 20">
+            <a:extLst>
+              <a:ext uri="{FF2B5EF4-FFF2-40B4-BE49-F238E27FC236}">
+                <a16:creationId xmlns:a16="http://schemas.microsoft.com/office/drawing/2014/main" id="{B85107BA-988A-FD4A-B122-20ED6925672D}"/>
+              </a:ext>
+            </a:extLst>
+          </p:cNvPr>
+          <p:cNvCxnSpPr>
+            <a:cxnSpLocks/>
+          </p:cNvCxnSpPr>
+          <p:nvPr/>
+        </p:nvCxnSpPr>
+        <p:spPr>
+          <a:xfrm>
+            <a:off x="1636295" y="1129742"/>
+            <a:ext cx="538895" cy="0"/>
+          </a:xfrm>
+          <a:prstGeom prst="line">
+            <a:avLst/>
+          </a:prstGeom>
+          <a:ln>
+            <a:solidFill>
+              <a:srgbClr val="0432FF"/>
+            </a:solidFill>
+          </a:ln>
+        </p:spPr>
+        <p:style>
+          <a:lnRef idx="2">
+            <a:schemeClr val="accent1"/>
+          </a:lnRef>
+          <a:fillRef idx="0">
+            <a:schemeClr val="accent1"/>
+          </a:fillRef>
+          <a:effectRef idx="1">
+            <a:schemeClr val="accent1"/>
+          </a:effectRef>
+          <a:fontRef idx="minor">
+            <a:schemeClr val="tx1"/>
+          </a:fontRef>
+        </p:style>
+      </p:cxnSp>
+      <p:sp>
+        <p:nvSpPr>
+          <p:cNvPr id="24" name="文本框 23">
+            <a:extLst>
+              <a:ext uri="{FF2B5EF4-FFF2-40B4-BE49-F238E27FC236}">
+                <a16:creationId xmlns:a16="http://schemas.microsoft.com/office/drawing/2014/main" id="{594ED655-7AFF-8949-B620-52EBDAD7DFE8}"/>
+              </a:ext>
+            </a:extLst>
+          </p:cNvPr>
+          <p:cNvSpPr txBox="1"/>
+          <p:nvPr/>
+        </p:nvSpPr>
+        <p:spPr>
+          <a:xfrm>
+            <a:off x="1082185" y="993935"/>
+            <a:ext cx="543739" cy="307777"/>
+          </a:xfrm>
+          <a:prstGeom prst="rect">
+            <a:avLst/>
+          </a:prstGeom>
+          <a:noFill/>
+        </p:spPr>
+        <p:txBody>
+          <a:bodyPr wrap="none" rtlCol="0">
+            <a:spAutoFit/>
+          </a:bodyPr>
+          <a:lstStyle/>
+          <a:p>
+            <a:r>
+              <a:rPr kumimoji="1" lang="zh-CN" altLang="en-US" sz="1400" dirty="0"/>
+              <a:t>变量</a:t>
+            </a:r>
+          </a:p>
+        </p:txBody>
+      </p:sp>
+      <p:sp>
+        <p:nvSpPr>
+          <p:cNvPr id="25" name="文本框 24">
+            <a:extLst>
+              <a:ext uri="{FF2B5EF4-FFF2-40B4-BE49-F238E27FC236}">
+                <a16:creationId xmlns:a16="http://schemas.microsoft.com/office/drawing/2014/main" id="{795B80AE-A5F7-1041-BBCB-D1DA80F6757A}"/>
+              </a:ext>
+            </a:extLst>
+          </p:cNvPr>
+          <p:cNvSpPr txBox="1"/>
+          <p:nvPr/>
+        </p:nvSpPr>
+        <p:spPr>
+          <a:xfrm>
+            <a:off x="4934627" y="962494"/>
+            <a:ext cx="910827" cy="307777"/>
+          </a:xfrm>
+          <a:prstGeom prst="rect">
+            <a:avLst/>
+          </a:prstGeom>
+          <a:noFill/>
+        </p:spPr>
+        <p:txBody>
+          <a:bodyPr wrap="none" rtlCol="0">
+            <a:spAutoFit/>
+          </a:bodyPr>
+          <a:lstStyle/>
+          <a:p>
+            <a:r>
+              <a:rPr kumimoji="1" lang="zh-CN" altLang="en-US" sz="1400" dirty="0"/>
+              <a:t>输出函数</a:t>
+            </a:r>
+          </a:p>
+        </p:txBody>
+      </p:sp>
+      <p:sp>
+        <p:nvSpPr>
+          <p:cNvPr id="26" name="文本框 25">
+            <a:extLst>
+              <a:ext uri="{FF2B5EF4-FFF2-40B4-BE49-F238E27FC236}">
+                <a16:creationId xmlns:a16="http://schemas.microsoft.com/office/drawing/2014/main" id="{F66B824B-B8D3-6142-8337-9BA79850566F}"/>
+              </a:ext>
+            </a:extLst>
+          </p:cNvPr>
+          <p:cNvSpPr txBox="1"/>
+          <p:nvPr/>
+        </p:nvSpPr>
+        <p:spPr>
+          <a:xfrm>
+            <a:off x="1746239" y="2514600"/>
+            <a:ext cx="1622602" cy="2585323"/>
+          </a:xfrm>
+          <a:prstGeom prst="rect">
+            <a:avLst/>
+          </a:prstGeom>
+          <a:noFill/>
+        </p:spPr>
+        <p:txBody>
+          <a:bodyPr wrap="square" rtlCol="0">
+            <a:spAutoFit/>
+          </a:bodyPr>
+          <a:lstStyle/>
+          <a:p>
+            <a:r>
+              <a:rPr kumimoji="1" lang="en-US" altLang="zh-CN" dirty="0"/>
+              <a:t>name</a:t>
+            </a:r>
+          </a:p>
+          <a:p>
+            <a:endParaRPr kumimoji="1" lang="en-US" altLang="zh-CN" dirty="0"/>
+          </a:p>
+          <a:p>
+            <a:r>
+              <a:rPr kumimoji="1" lang="en-US" altLang="zh-CN" dirty="0"/>
+              <a:t>_name</a:t>
+            </a:r>
+          </a:p>
+          <a:p>
+            <a:endParaRPr kumimoji="1" lang="en-US" altLang="zh-CN" dirty="0"/>
+          </a:p>
+          <a:p>
+            <a:r>
+              <a:rPr kumimoji="1" lang="en-US" altLang="zh-CN" dirty="0"/>
+              <a:t>_name123</a:t>
+            </a:r>
+          </a:p>
+          <a:p>
+            <a:endParaRPr kumimoji="1" lang="en-US" altLang="zh-CN" dirty="0"/>
+          </a:p>
+          <a:p>
+            <a:r>
+              <a:rPr kumimoji="1" lang="en-US" altLang="zh-CN" dirty="0"/>
+              <a:t>Myname</a:t>
+            </a:r>
+          </a:p>
+          <a:p>
+            <a:endParaRPr kumimoji="1" lang="en-US" altLang="zh-CN" dirty="0"/>
+          </a:p>
+          <a:p>
+            <a:r>
+              <a:rPr kumimoji="1" lang="en-US" altLang="zh-CN" dirty="0"/>
+              <a:t>My_name</a:t>
+            </a:r>
+            <a:endParaRPr kumimoji="1" lang="zh-CN" altLang="en-US" dirty="0"/>
+          </a:p>
+        </p:txBody>
+      </p:sp>
+      <p:sp>
+        <p:nvSpPr>
+          <p:cNvPr id="27" name="文本框 26">
+            <a:extLst>
+              <a:ext uri="{FF2B5EF4-FFF2-40B4-BE49-F238E27FC236}">
+                <a16:creationId xmlns:a16="http://schemas.microsoft.com/office/drawing/2014/main" id="{FEF4939C-82B5-E84B-9E92-450325CE3BF0}"/>
+              </a:ext>
+            </a:extLst>
+          </p:cNvPr>
+          <p:cNvSpPr txBox="1"/>
+          <p:nvPr/>
+        </p:nvSpPr>
+        <p:spPr>
+          <a:xfrm>
+            <a:off x="3845346" y="2514599"/>
+            <a:ext cx="1622602" cy="2585323"/>
+          </a:xfrm>
+          <a:prstGeom prst="rect">
+            <a:avLst/>
+          </a:prstGeom>
+          <a:noFill/>
+        </p:spPr>
+        <p:txBody>
+          <a:bodyPr wrap="square" rtlCol="0">
+            <a:spAutoFit/>
+          </a:bodyPr>
+          <a:lstStyle/>
+          <a:p>
+            <a:r>
+              <a:rPr kumimoji="1" lang="en-US" altLang="zh-CN" dirty="0"/>
+              <a:t>.name</a:t>
+            </a:r>
+          </a:p>
+          <a:p>
+            <a:endParaRPr kumimoji="1" lang="en-US" altLang="zh-CN" dirty="0"/>
+          </a:p>
+          <a:p>
+            <a:r>
+              <a:rPr kumimoji="1" lang="en-US" altLang="zh-CN" dirty="0"/>
+              <a:t>$name</a:t>
+            </a:r>
+          </a:p>
+          <a:p>
+            <a:endParaRPr kumimoji="1" lang="en-US" altLang="zh-CN" dirty="0"/>
+          </a:p>
+          <a:p>
+            <a:r>
+              <a:rPr kumimoji="1" lang="en-US" altLang="zh-CN" dirty="0"/>
+              <a:t>123name</a:t>
+            </a:r>
+          </a:p>
+          <a:p>
+            <a:endParaRPr kumimoji="1" lang="en-US" altLang="zh-CN" dirty="0"/>
+          </a:p>
+          <a:p>
+            <a:r>
+              <a:rPr kumimoji="1" lang="en-US" altLang="zh-CN" dirty="0"/>
+              <a:t>My.name</a:t>
+            </a:r>
+          </a:p>
+          <a:p>
+            <a:endParaRPr kumimoji="1" lang="en-US" altLang="zh-CN" dirty="0"/>
+          </a:p>
+          <a:p>
+            <a:r>
+              <a:rPr kumimoji="1" lang="en-US" altLang="zh-CN" dirty="0"/>
+              <a:t>My-name</a:t>
+            </a:r>
+            <a:endParaRPr kumimoji="1" lang="zh-CN" altLang="en-US" dirty="0"/>
+          </a:p>
+        </p:txBody>
+      </p:sp>
+      <p:sp>
+        <p:nvSpPr>
+          <p:cNvPr id="28" name="乘 27">
+            <a:extLst>
+              <a:ext uri="{FF2B5EF4-FFF2-40B4-BE49-F238E27FC236}">
+                <a16:creationId xmlns:a16="http://schemas.microsoft.com/office/drawing/2014/main" id="{F6522BE3-6BB8-FD43-8ED0-64FE059EDFFF}"/>
+              </a:ext>
+            </a:extLst>
+          </p:cNvPr>
+          <p:cNvSpPr/>
+          <p:nvPr/>
+        </p:nvSpPr>
+        <p:spPr>
+          <a:xfrm>
+            <a:off x="4640486" y="2578385"/>
+            <a:ext cx="246441" cy="240630"/>
+          </a:xfrm>
+          <a:prstGeom prst="mathMultiply">
+            <a:avLst>
+              <a:gd name="adj1" fmla="val 16113"/>
+            </a:avLst>
+          </a:prstGeom>
+          <a:solidFill>
+            <a:srgbClr val="FF0000"/>
+          </a:solidFill>
+          <a:ln>
+            <a:solidFill>
+              <a:srgbClr val="C00000"/>
+            </a:solidFill>
+          </a:ln>
+        </p:spPr>
+        <p:style>
+          <a:lnRef idx="1">
+            <a:schemeClr val="accent1"/>
+          </a:lnRef>
+          <a:fillRef idx="3">
+            <a:schemeClr val="accent1"/>
+          </a:fillRef>
+          <a:effectRef idx="2">
+            <a:schemeClr val="accent1"/>
+          </a:effectRef>
+          <a:fontRef idx="minor">
+            <a:schemeClr val="lt1"/>
+          </a:fontRef>
+        </p:style>
+        <p:txBody>
+          <a:bodyPr rtlCol="0" anchor="ctr"/>
+          <a:lstStyle/>
+          <a:p>
+            <a:pPr algn="ctr"/>
+            <a:endParaRPr kumimoji="1" lang="zh-CN" altLang="en-US"/>
+          </a:p>
+        </p:txBody>
+      </p:sp>
+      <p:grpSp>
+        <p:nvGrpSpPr>
+          <p:cNvPr id="35" name="组合 34">
+            <a:extLst>
+              <a:ext uri="{FF2B5EF4-FFF2-40B4-BE49-F238E27FC236}">
+                <a16:creationId xmlns:a16="http://schemas.microsoft.com/office/drawing/2014/main" id="{01FE5161-FE82-534D-A8E4-BCE5960618D6}"/>
+              </a:ext>
+            </a:extLst>
+          </p:cNvPr>
+          <p:cNvGrpSpPr/>
+          <p:nvPr/>
+        </p:nvGrpSpPr>
+        <p:grpSpPr>
+          <a:xfrm>
+            <a:off x="2627962" y="2535543"/>
+            <a:ext cx="242451" cy="326313"/>
+            <a:chOff x="2418173" y="2515978"/>
+            <a:chExt cx="242451" cy="326313"/>
+          </a:xfrm>
+        </p:grpSpPr>
+        <p:sp>
+          <p:nvSpPr>
+            <p:cNvPr id="33" name="矩形 32">
+              <a:extLst>
+                <a:ext uri="{FF2B5EF4-FFF2-40B4-BE49-F238E27FC236}">
+                  <a16:creationId xmlns:a16="http://schemas.microsoft.com/office/drawing/2014/main" id="{D08E06B2-BC84-7448-851C-35EDE594E3C4}"/>
+                </a:ext>
+              </a:extLst>
+            </p:cNvPr>
+            <p:cNvSpPr/>
+            <p:nvPr/>
+          </p:nvSpPr>
+          <p:spPr>
+            <a:xfrm rot="18373262">
+              <a:off x="2447864" y="2677685"/>
+              <a:ext cx="53803" cy="113185"/>
+            </a:xfrm>
+            <a:prstGeom prst="rect">
+              <a:avLst/>
+            </a:prstGeom>
+            <a:solidFill>
+              <a:srgbClr val="00B050"/>
+            </a:solidFill>
+            <a:ln>
+              <a:solidFill>
+                <a:srgbClr val="92D050"/>
+              </a:solidFill>
+            </a:ln>
+          </p:spPr>
+          <p:style>
+            <a:lnRef idx="1">
+              <a:schemeClr val="accent1"/>
+            </a:lnRef>
+            <a:fillRef idx="3">
+              <a:schemeClr val="accent1"/>
+            </a:fillRef>
+            <a:effectRef idx="2">
+              <a:schemeClr val="accent1"/>
+            </a:effectRef>
+            <a:fontRef idx="minor">
+              <a:schemeClr val="lt1"/>
+            </a:fontRef>
+          </p:style>
+          <p:txBody>
+            <a:bodyPr rtlCol="0" anchor="ctr"/>
+            <a:lstStyle/>
+            <a:p>
+              <a:pPr algn="ctr"/>
+              <a:endParaRPr kumimoji="1" lang="zh-CN" altLang="en-US"/>
+            </a:p>
+          </p:txBody>
+        </p:sp>
+        <p:sp>
+          <p:nvSpPr>
+            <p:cNvPr id="32" name="矩形 31">
+              <a:extLst>
+                <a:ext uri="{FF2B5EF4-FFF2-40B4-BE49-F238E27FC236}">
+                  <a16:creationId xmlns:a16="http://schemas.microsoft.com/office/drawing/2014/main" id="{1F4AC4C2-1FFC-884F-82F8-176722DA67A3}"/>
+                </a:ext>
+              </a:extLst>
+            </p:cNvPr>
+            <p:cNvSpPr/>
+            <p:nvPr/>
+          </p:nvSpPr>
+          <p:spPr>
+            <a:xfrm rot="2318528">
+              <a:off x="2620766" y="2515978"/>
+              <a:ext cx="39858" cy="326313"/>
+            </a:xfrm>
+            <a:prstGeom prst="rect">
+              <a:avLst/>
+            </a:prstGeom>
+            <a:solidFill>
+              <a:srgbClr val="00B050"/>
+            </a:solidFill>
+            <a:ln>
+              <a:solidFill>
+                <a:srgbClr val="92D050"/>
+              </a:solidFill>
+            </a:ln>
+          </p:spPr>
+          <p:style>
+            <a:lnRef idx="1">
+              <a:schemeClr val="accent1"/>
+            </a:lnRef>
+            <a:fillRef idx="3">
+              <a:schemeClr val="accent1"/>
+            </a:fillRef>
+            <a:effectRef idx="2">
+              <a:schemeClr val="accent1"/>
+            </a:effectRef>
+            <a:fontRef idx="minor">
+              <a:schemeClr val="lt1"/>
+            </a:fontRef>
+          </p:style>
+          <p:txBody>
+            <a:bodyPr rtlCol="0" anchor="ctr"/>
+            <a:lstStyle/>
+            <a:p>
+              <a:pPr algn="ctr"/>
+              <a:endParaRPr kumimoji="1" lang="zh-CN" altLang="en-US"/>
+            </a:p>
+          </p:txBody>
+        </p:sp>
+      </p:grpSp>
+      <p:grpSp>
+        <p:nvGrpSpPr>
+          <p:cNvPr id="36" name="组合 35">
+            <a:extLst>
+              <a:ext uri="{FF2B5EF4-FFF2-40B4-BE49-F238E27FC236}">
+                <a16:creationId xmlns:a16="http://schemas.microsoft.com/office/drawing/2014/main" id="{7CE9A255-A547-2C43-BB37-A08B622B1D36}"/>
+              </a:ext>
+            </a:extLst>
+          </p:cNvPr>
+          <p:cNvGrpSpPr/>
+          <p:nvPr/>
+        </p:nvGrpSpPr>
+        <p:grpSpPr>
+          <a:xfrm>
+            <a:off x="2896697" y="4134545"/>
+            <a:ext cx="242451" cy="326313"/>
+            <a:chOff x="2418173" y="2515978"/>
+            <a:chExt cx="242451" cy="326313"/>
+          </a:xfrm>
+        </p:grpSpPr>
+        <p:sp>
+          <p:nvSpPr>
+            <p:cNvPr id="37" name="矩形 36">
+              <a:extLst>
+                <a:ext uri="{FF2B5EF4-FFF2-40B4-BE49-F238E27FC236}">
+                  <a16:creationId xmlns:a16="http://schemas.microsoft.com/office/drawing/2014/main" id="{EFB1595F-0A4C-0E4A-8DB5-B5B5A8542A06}"/>
+                </a:ext>
+              </a:extLst>
+            </p:cNvPr>
+            <p:cNvSpPr/>
+            <p:nvPr/>
+          </p:nvSpPr>
+          <p:spPr>
+            <a:xfrm rot="18373262">
+              <a:off x="2447864" y="2677685"/>
+              <a:ext cx="53803" cy="113185"/>
+            </a:xfrm>
+            <a:prstGeom prst="rect">
+              <a:avLst/>
+            </a:prstGeom>
+            <a:solidFill>
+              <a:srgbClr val="00B050"/>
+            </a:solidFill>
+            <a:ln>
+              <a:solidFill>
+                <a:srgbClr val="92D050"/>
+              </a:solidFill>
+            </a:ln>
+          </p:spPr>
+          <p:style>
+            <a:lnRef idx="1">
+              <a:schemeClr val="accent1"/>
+            </a:lnRef>
+            <a:fillRef idx="3">
+              <a:schemeClr val="accent1"/>
+            </a:fillRef>
+            <a:effectRef idx="2">
+              <a:schemeClr val="accent1"/>
+            </a:effectRef>
+            <a:fontRef idx="minor">
+              <a:schemeClr val="lt1"/>
+            </a:fontRef>
+          </p:style>
+          <p:txBody>
+            <a:bodyPr rtlCol="0" anchor="ctr"/>
+            <a:lstStyle/>
+            <a:p>
+              <a:pPr algn="ctr"/>
+              <a:endParaRPr kumimoji="1" lang="zh-CN" altLang="en-US"/>
+            </a:p>
+          </p:txBody>
+        </p:sp>
+        <p:sp>
+          <p:nvSpPr>
+            <p:cNvPr id="38" name="矩形 37">
+              <a:extLst>
+                <a:ext uri="{FF2B5EF4-FFF2-40B4-BE49-F238E27FC236}">
+                  <a16:creationId xmlns:a16="http://schemas.microsoft.com/office/drawing/2014/main" id="{083FBB79-8F89-9E48-8694-8A75F3C8BFFD}"/>
+                </a:ext>
+              </a:extLst>
+            </p:cNvPr>
+            <p:cNvSpPr/>
+            <p:nvPr/>
+          </p:nvSpPr>
+          <p:spPr>
+            <a:xfrm rot="2318528">
+              <a:off x="2620766" y="2515978"/>
+              <a:ext cx="39858" cy="326313"/>
+            </a:xfrm>
+            <a:prstGeom prst="rect">
+              <a:avLst/>
+            </a:prstGeom>
+            <a:solidFill>
+              <a:srgbClr val="00B050"/>
+            </a:solidFill>
+            <a:ln>
+              <a:solidFill>
+                <a:srgbClr val="92D050"/>
+              </a:solidFill>
+            </a:ln>
+          </p:spPr>
+          <p:style>
+            <a:lnRef idx="1">
+              <a:schemeClr val="accent1"/>
+            </a:lnRef>
+            <a:fillRef idx="3">
+              <a:schemeClr val="accent1"/>
+            </a:fillRef>
+            <a:effectRef idx="2">
+              <a:schemeClr val="accent1"/>
+            </a:effectRef>
+            <a:fontRef idx="minor">
+              <a:schemeClr val="lt1"/>
+            </a:fontRef>
+          </p:style>
+          <p:txBody>
+            <a:bodyPr rtlCol="0" anchor="ctr"/>
+            <a:lstStyle/>
+            <a:p>
+              <a:pPr algn="ctr"/>
+              <a:endParaRPr kumimoji="1" lang="zh-CN" altLang="en-US"/>
+            </a:p>
+          </p:txBody>
+        </p:sp>
+      </p:grpSp>
+      <p:grpSp>
+        <p:nvGrpSpPr>
+          <p:cNvPr id="39" name="组合 38">
+            <a:extLst>
+              <a:ext uri="{FF2B5EF4-FFF2-40B4-BE49-F238E27FC236}">
+                <a16:creationId xmlns:a16="http://schemas.microsoft.com/office/drawing/2014/main" id="{2864D8FF-FCD1-B340-973F-553E374D9A9A}"/>
+              </a:ext>
+            </a:extLst>
+          </p:cNvPr>
+          <p:cNvGrpSpPr/>
+          <p:nvPr/>
+        </p:nvGrpSpPr>
+        <p:grpSpPr>
+          <a:xfrm>
+            <a:off x="2886840" y="3559160"/>
+            <a:ext cx="242451" cy="326313"/>
+            <a:chOff x="2418173" y="2515978"/>
+            <a:chExt cx="242451" cy="326313"/>
+          </a:xfrm>
+        </p:grpSpPr>
+        <p:sp>
+          <p:nvSpPr>
+            <p:cNvPr id="40" name="矩形 39">
+              <a:extLst>
+                <a:ext uri="{FF2B5EF4-FFF2-40B4-BE49-F238E27FC236}">
+                  <a16:creationId xmlns:a16="http://schemas.microsoft.com/office/drawing/2014/main" id="{5F52D846-1772-1D4E-82F6-66F8ED9A395B}"/>
+                </a:ext>
+              </a:extLst>
+            </p:cNvPr>
+            <p:cNvSpPr/>
+            <p:nvPr/>
+          </p:nvSpPr>
+          <p:spPr>
+            <a:xfrm rot="18373262">
+              <a:off x="2447864" y="2677685"/>
+              <a:ext cx="53803" cy="113185"/>
+            </a:xfrm>
+            <a:prstGeom prst="rect">
+              <a:avLst/>
+            </a:prstGeom>
+            <a:solidFill>
+              <a:srgbClr val="00B050"/>
+            </a:solidFill>
+            <a:ln>
+              <a:solidFill>
+                <a:srgbClr val="92D050"/>
+              </a:solidFill>
+            </a:ln>
+          </p:spPr>
+          <p:style>
+            <a:lnRef idx="1">
+              <a:schemeClr val="accent1"/>
+            </a:lnRef>
+            <a:fillRef idx="3">
+              <a:schemeClr val="accent1"/>
+            </a:fillRef>
+            <a:effectRef idx="2">
+              <a:schemeClr val="accent1"/>
+            </a:effectRef>
+            <a:fontRef idx="minor">
+              <a:schemeClr val="lt1"/>
+            </a:fontRef>
+          </p:style>
+          <p:txBody>
+            <a:bodyPr rtlCol="0" anchor="ctr"/>
+            <a:lstStyle/>
+            <a:p>
+              <a:pPr algn="ctr"/>
+              <a:endParaRPr kumimoji="1" lang="zh-CN" altLang="en-US"/>
+            </a:p>
+          </p:txBody>
+        </p:sp>
+        <p:sp>
+          <p:nvSpPr>
+            <p:cNvPr id="41" name="矩形 40">
+              <a:extLst>
+                <a:ext uri="{FF2B5EF4-FFF2-40B4-BE49-F238E27FC236}">
+                  <a16:creationId xmlns:a16="http://schemas.microsoft.com/office/drawing/2014/main" id="{60DE3E17-CD06-F04F-A34B-808DA00D8811}"/>
+                </a:ext>
+              </a:extLst>
+            </p:cNvPr>
+            <p:cNvSpPr/>
+            <p:nvPr/>
+          </p:nvSpPr>
+          <p:spPr>
+            <a:xfrm rot="2318528">
+              <a:off x="2620766" y="2515978"/>
+              <a:ext cx="39858" cy="326313"/>
+            </a:xfrm>
+            <a:prstGeom prst="rect">
+              <a:avLst/>
+            </a:prstGeom>
+            <a:solidFill>
+              <a:srgbClr val="00B050"/>
+            </a:solidFill>
+            <a:ln>
+              <a:solidFill>
+                <a:srgbClr val="92D050"/>
+              </a:solidFill>
+            </a:ln>
+          </p:spPr>
+          <p:style>
+            <a:lnRef idx="1">
+              <a:schemeClr val="accent1"/>
+            </a:lnRef>
+            <a:fillRef idx="3">
+              <a:schemeClr val="accent1"/>
+            </a:fillRef>
+            <a:effectRef idx="2">
+              <a:schemeClr val="accent1"/>
+            </a:effectRef>
+            <a:fontRef idx="minor">
+              <a:schemeClr val="lt1"/>
+            </a:fontRef>
+          </p:style>
+          <p:txBody>
+            <a:bodyPr rtlCol="0" anchor="ctr"/>
+            <a:lstStyle/>
+            <a:p>
+              <a:pPr algn="ctr"/>
+              <a:endParaRPr kumimoji="1" lang="zh-CN" altLang="en-US"/>
+            </a:p>
+          </p:txBody>
+        </p:sp>
+      </p:grpSp>
+      <p:grpSp>
+        <p:nvGrpSpPr>
+          <p:cNvPr id="42" name="组合 41">
+            <a:extLst>
+              <a:ext uri="{FF2B5EF4-FFF2-40B4-BE49-F238E27FC236}">
+                <a16:creationId xmlns:a16="http://schemas.microsoft.com/office/drawing/2014/main" id="{57A09B42-7813-1B40-ADFA-559B595DDADE}"/>
+              </a:ext>
+            </a:extLst>
+          </p:cNvPr>
+          <p:cNvGrpSpPr/>
+          <p:nvPr/>
+        </p:nvGrpSpPr>
+        <p:grpSpPr>
+          <a:xfrm>
+            <a:off x="2891737" y="4699966"/>
+            <a:ext cx="242451" cy="326313"/>
+            <a:chOff x="2418173" y="2515978"/>
+            <a:chExt cx="242451" cy="326313"/>
+          </a:xfrm>
+        </p:grpSpPr>
+        <p:sp>
+          <p:nvSpPr>
+            <p:cNvPr id="43" name="矩形 42">
+              <a:extLst>
+                <a:ext uri="{FF2B5EF4-FFF2-40B4-BE49-F238E27FC236}">
+                  <a16:creationId xmlns:a16="http://schemas.microsoft.com/office/drawing/2014/main" id="{60F38B1D-5D10-8C49-AC62-50A2A7FE7F01}"/>
+                </a:ext>
+              </a:extLst>
+            </p:cNvPr>
+            <p:cNvSpPr/>
+            <p:nvPr/>
+          </p:nvSpPr>
+          <p:spPr>
+            <a:xfrm rot="18373262">
+              <a:off x="2447864" y="2677685"/>
+              <a:ext cx="53803" cy="113185"/>
+            </a:xfrm>
+            <a:prstGeom prst="rect">
+              <a:avLst/>
+            </a:prstGeom>
+            <a:solidFill>
+              <a:srgbClr val="00B050"/>
+            </a:solidFill>
+            <a:ln>
+              <a:solidFill>
+                <a:srgbClr val="92D050"/>
+              </a:solidFill>
+            </a:ln>
+          </p:spPr>
+          <p:style>
+            <a:lnRef idx="1">
+              <a:schemeClr val="accent1"/>
+            </a:lnRef>
+            <a:fillRef idx="3">
+              <a:schemeClr val="accent1"/>
+            </a:fillRef>
+            <a:effectRef idx="2">
+              <a:schemeClr val="accent1"/>
+            </a:effectRef>
+            <a:fontRef idx="minor">
+              <a:schemeClr val="lt1"/>
+            </a:fontRef>
+          </p:style>
+          <p:txBody>
+            <a:bodyPr rtlCol="0" anchor="ctr"/>
+            <a:lstStyle/>
+            <a:p>
+              <a:pPr algn="ctr"/>
+              <a:endParaRPr kumimoji="1" lang="zh-CN" altLang="en-US"/>
+            </a:p>
+          </p:txBody>
+        </p:sp>
+        <p:sp>
+          <p:nvSpPr>
+            <p:cNvPr id="44" name="矩形 43">
+              <a:extLst>
+                <a:ext uri="{FF2B5EF4-FFF2-40B4-BE49-F238E27FC236}">
+                  <a16:creationId xmlns:a16="http://schemas.microsoft.com/office/drawing/2014/main" id="{15A30DD4-74A0-B947-85D4-4B06B15E78CC}"/>
+                </a:ext>
+              </a:extLst>
+            </p:cNvPr>
+            <p:cNvSpPr/>
+            <p:nvPr/>
+          </p:nvSpPr>
+          <p:spPr>
+            <a:xfrm rot="2318528">
+              <a:off x="2620766" y="2515978"/>
+              <a:ext cx="39858" cy="326313"/>
+            </a:xfrm>
+            <a:prstGeom prst="rect">
+              <a:avLst/>
+            </a:prstGeom>
+            <a:solidFill>
+              <a:srgbClr val="00B050"/>
+            </a:solidFill>
+            <a:ln>
+              <a:solidFill>
+                <a:srgbClr val="92D050"/>
+              </a:solidFill>
+            </a:ln>
+          </p:spPr>
+          <p:style>
+            <a:lnRef idx="1">
+              <a:schemeClr val="accent1"/>
+            </a:lnRef>
+            <a:fillRef idx="3">
+              <a:schemeClr val="accent1"/>
+            </a:fillRef>
+            <a:effectRef idx="2">
+              <a:schemeClr val="accent1"/>
+            </a:effectRef>
+            <a:fontRef idx="minor">
+              <a:schemeClr val="lt1"/>
+            </a:fontRef>
+          </p:style>
+          <p:txBody>
+            <a:bodyPr rtlCol="0" anchor="ctr"/>
+            <a:lstStyle/>
+            <a:p>
+              <a:pPr algn="ctr"/>
+              <a:endParaRPr kumimoji="1" lang="zh-CN" altLang="en-US"/>
+            </a:p>
+          </p:txBody>
+        </p:sp>
+      </p:grpSp>
+      <p:grpSp>
+        <p:nvGrpSpPr>
+          <p:cNvPr id="45" name="组合 44">
+            <a:extLst>
+              <a:ext uri="{FF2B5EF4-FFF2-40B4-BE49-F238E27FC236}">
+                <a16:creationId xmlns:a16="http://schemas.microsoft.com/office/drawing/2014/main" id="{171A97B5-CABF-234A-9604-DD4AF39C1A2A}"/>
+              </a:ext>
+            </a:extLst>
+          </p:cNvPr>
+          <p:cNvGrpSpPr/>
+          <p:nvPr/>
+        </p:nvGrpSpPr>
+        <p:grpSpPr>
+          <a:xfrm>
+            <a:off x="2623002" y="3022679"/>
+            <a:ext cx="242451" cy="326313"/>
+            <a:chOff x="2418173" y="2515978"/>
+            <a:chExt cx="242451" cy="326313"/>
+          </a:xfrm>
+        </p:grpSpPr>
+        <p:sp>
+          <p:nvSpPr>
+            <p:cNvPr id="46" name="矩形 45">
+              <a:extLst>
+                <a:ext uri="{FF2B5EF4-FFF2-40B4-BE49-F238E27FC236}">
+                  <a16:creationId xmlns:a16="http://schemas.microsoft.com/office/drawing/2014/main" id="{D7989839-FA5D-6A47-BEEF-8512A3DD672C}"/>
+                </a:ext>
+              </a:extLst>
+            </p:cNvPr>
+            <p:cNvSpPr/>
+            <p:nvPr/>
+          </p:nvSpPr>
+          <p:spPr>
+            <a:xfrm rot="18373262">
+              <a:off x="2447864" y="2677685"/>
+              <a:ext cx="53803" cy="113185"/>
+            </a:xfrm>
+            <a:prstGeom prst="rect">
+              <a:avLst/>
+            </a:prstGeom>
+            <a:solidFill>
+              <a:srgbClr val="00B050"/>
+            </a:solidFill>
+            <a:ln>
+              <a:solidFill>
+                <a:srgbClr val="92D050"/>
+              </a:solidFill>
+            </a:ln>
+          </p:spPr>
+          <p:style>
+            <a:lnRef idx="1">
+              <a:schemeClr val="accent1"/>
+            </a:lnRef>
+            <a:fillRef idx="3">
+              <a:schemeClr val="accent1"/>
+            </a:fillRef>
+            <a:effectRef idx="2">
+              <a:schemeClr val="accent1"/>
+            </a:effectRef>
+            <a:fontRef idx="minor">
+              <a:schemeClr val="lt1"/>
+            </a:fontRef>
+          </p:style>
+          <p:txBody>
+            <a:bodyPr rtlCol="0" anchor="ctr"/>
+            <a:lstStyle/>
+            <a:p>
+              <a:pPr algn="ctr"/>
+              <a:endParaRPr kumimoji="1" lang="zh-CN" altLang="en-US"/>
+            </a:p>
+          </p:txBody>
+        </p:sp>
+        <p:sp>
+          <p:nvSpPr>
+            <p:cNvPr id="47" name="矩形 46">
+              <a:extLst>
+                <a:ext uri="{FF2B5EF4-FFF2-40B4-BE49-F238E27FC236}">
+                  <a16:creationId xmlns:a16="http://schemas.microsoft.com/office/drawing/2014/main" id="{AA47A58E-82CA-0B46-AEBA-5D944B47F46A}"/>
+                </a:ext>
+              </a:extLst>
+            </p:cNvPr>
+            <p:cNvSpPr/>
+            <p:nvPr/>
+          </p:nvSpPr>
+          <p:spPr>
+            <a:xfrm rot="2318528">
+              <a:off x="2620766" y="2515978"/>
+              <a:ext cx="39858" cy="326313"/>
+            </a:xfrm>
+            <a:prstGeom prst="rect">
+              <a:avLst/>
+            </a:prstGeom>
+            <a:solidFill>
+              <a:srgbClr val="00B050"/>
+            </a:solidFill>
+            <a:ln>
+              <a:solidFill>
+                <a:srgbClr val="92D050"/>
+              </a:solidFill>
+            </a:ln>
+          </p:spPr>
+          <p:style>
+            <a:lnRef idx="1">
+              <a:schemeClr val="accent1"/>
+            </a:lnRef>
+            <a:fillRef idx="3">
+              <a:schemeClr val="accent1"/>
+            </a:fillRef>
+            <a:effectRef idx="2">
+              <a:schemeClr val="accent1"/>
+            </a:effectRef>
+            <a:fontRef idx="minor">
+              <a:schemeClr val="lt1"/>
+            </a:fontRef>
+          </p:style>
+          <p:txBody>
+            <a:bodyPr rtlCol="0" anchor="ctr"/>
+            <a:lstStyle/>
+            <a:p>
+              <a:pPr algn="ctr"/>
+              <a:endParaRPr kumimoji="1" lang="zh-CN" altLang="en-US"/>
+            </a:p>
+          </p:txBody>
+        </p:sp>
+      </p:grpSp>
+      <p:sp>
+        <p:nvSpPr>
+          <p:cNvPr id="48" name="乘 47">
+            <a:extLst>
+              <a:ext uri="{FF2B5EF4-FFF2-40B4-BE49-F238E27FC236}">
+                <a16:creationId xmlns:a16="http://schemas.microsoft.com/office/drawing/2014/main" id="{CA155762-8391-004F-B11C-ADC939AA974A}"/>
+              </a:ext>
+            </a:extLst>
+          </p:cNvPr>
+          <p:cNvSpPr/>
+          <p:nvPr/>
+        </p:nvSpPr>
+        <p:spPr>
+          <a:xfrm>
+            <a:off x="4656647" y="3136334"/>
+            <a:ext cx="246441" cy="240630"/>
+          </a:xfrm>
+          <a:prstGeom prst="mathMultiply">
+            <a:avLst>
+              <a:gd name="adj1" fmla="val 16113"/>
+            </a:avLst>
+          </a:prstGeom>
+          <a:solidFill>
+            <a:srgbClr val="FF0000"/>
+          </a:solidFill>
+          <a:ln>
+            <a:solidFill>
+              <a:srgbClr val="C00000"/>
+            </a:solidFill>
+          </a:ln>
+        </p:spPr>
+        <p:style>
+          <a:lnRef idx="1">
+            <a:schemeClr val="accent1"/>
+          </a:lnRef>
+          <a:fillRef idx="3">
+            <a:schemeClr val="accent1"/>
+          </a:fillRef>
+          <a:effectRef idx="2">
+            <a:schemeClr val="accent1"/>
+          </a:effectRef>
+          <a:fontRef idx="minor">
+            <a:schemeClr val="lt1"/>
+          </a:fontRef>
+        </p:style>
+        <p:txBody>
+          <a:bodyPr rtlCol="0" anchor="ctr"/>
+          <a:lstStyle/>
+          <a:p>
+            <a:pPr algn="ctr"/>
+            <a:endParaRPr kumimoji="1" lang="zh-CN" altLang="en-US"/>
+          </a:p>
+        </p:txBody>
+      </p:sp>
+      <p:sp>
+        <p:nvSpPr>
+          <p:cNvPr id="49" name="乘 48">
+            <a:extLst>
+              <a:ext uri="{FF2B5EF4-FFF2-40B4-BE49-F238E27FC236}">
+                <a16:creationId xmlns:a16="http://schemas.microsoft.com/office/drawing/2014/main" id="{1E9534FC-3A08-D443-9110-A6EB329031EF}"/>
+              </a:ext>
+            </a:extLst>
+          </p:cNvPr>
+          <p:cNvSpPr/>
+          <p:nvPr/>
+        </p:nvSpPr>
+        <p:spPr>
+          <a:xfrm>
+            <a:off x="4886927" y="3676949"/>
+            <a:ext cx="246441" cy="240630"/>
+          </a:xfrm>
+          <a:prstGeom prst="mathMultiply">
+            <a:avLst>
+              <a:gd name="adj1" fmla="val 16113"/>
+            </a:avLst>
+          </a:prstGeom>
+          <a:solidFill>
+            <a:srgbClr val="FF0000"/>
+          </a:solidFill>
+          <a:ln>
+            <a:solidFill>
+              <a:srgbClr val="C00000"/>
+            </a:solidFill>
+          </a:ln>
+        </p:spPr>
+        <p:style>
+          <a:lnRef idx="1">
+            <a:schemeClr val="accent1"/>
+          </a:lnRef>
+          <a:fillRef idx="3">
+            <a:schemeClr val="accent1"/>
+          </a:fillRef>
+          <a:effectRef idx="2">
+            <a:schemeClr val="accent1"/>
+          </a:effectRef>
+          <a:fontRef idx="minor">
+            <a:schemeClr val="lt1"/>
+          </a:fontRef>
+        </p:style>
+        <p:txBody>
+          <a:bodyPr rtlCol="0" anchor="ctr"/>
+          <a:lstStyle/>
+          <a:p>
+            <a:pPr algn="ctr"/>
+            <a:endParaRPr kumimoji="1" lang="zh-CN" altLang="en-US"/>
+          </a:p>
+        </p:txBody>
+      </p:sp>
+      <p:sp>
+        <p:nvSpPr>
+          <p:cNvPr id="50" name="乘 49">
+            <a:extLst>
+              <a:ext uri="{FF2B5EF4-FFF2-40B4-BE49-F238E27FC236}">
+                <a16:creationId xmlns:a16="http://schemas.microsoft.com/office/drawing/2014/main" id="{8CDDD1ED-7E53-4D4F-962E-865DF15A0F8A}"/>
+              </a:ext>
+            </a:extLst>
+          </p:cNvPr>
+          <p:cNvSpPr/>
+          <p:nvPr/>
+        </p:nvSpPr>
+        <p:spPr>
+          <a:xfrm>
+            <a:off x="4900638" y="4232529"/>
+            <a:ext cx="246441" cy="240630"/>
+          </a:xfrm>
+          <a:prstGeom prst="mathMultiply">
+            <a:avLst>
+              <a:gd name="adj1" fmla="val 16113"/>
+            </a:avLst>
+          </a:prstGeom>
+          <a:solidFill>
+            <a:srgbClr val="FF0000"/>
+          </a:solidFill>
+          <a:ln>
+            <a:solidFill>
+              <a:srgbClr val="C00000"/>
+            </a:solidFill>
+          </a:ln>
+        </p:spPr>
+        <p:style>
+          <a:lnRef idx="1">
+            <a:schemeClr val="accent1"/>
+          </a:lnRef>
+          <a:fillRef idx="3">
+            <a:schemeClr val="accent1"/>
+          </a:fillRef>
+          <a:effectRef idx="2">
+            <a:schemeClr val="accent1"/>
+          </a:effectRef>
+          <a:fontRef idx="minor">
+            <a:schemeClr val="lt1"/>
+          </a:fontRef>
+        </p:style>
+        <p:txBody>
+          <a:bodyPr rtlCol="0" anchor="ctr"/>
+          <a:lstStyle/>
+          <a:p>
+            <a:pPr algn="ctr"/>
+            <a:endParaRPr kumimoji="1" lang="zh-CN" altLang="en-US"/>
+          </a:p>
+        </p:txBody>
+      </p:sp>
+      <p:sp>
+        <p:nvSpPr>
+          <p:cNvPr id="51" name="乘 50">
+            <a:extLst>
+              <a:ext uri="{FF2B5EF4-FFF2-40B4-BE49-F238E27FC236}">
+                <a16:creationId xmlns:a16="http://schemas.microsoft.com/office/drawing/2014/main" id="{4067ECD7-95CE-2F40-B5B7-B55FE9C03BE7}"/>
+              </a:ext>
+            </a:extLst>
+          </p:cNvPr>
+          <p:cNvSpPr/>
+          <p:nvPr/>
+        </p:nvSpPr>
+        <p:spPr>
+          <a:xfrm>
+            <a:off x="4924275" y="4788109"/>
+            <a:ext cx="246441" cy="240630"/>
+          </a:xfrm>
+          <a:prstGeom prst="mathMultiply">
+            <a:avLst>
+              <a:gd name="adj1" fmla="val 16113"/>
+            </a:avLst>
+          </a:prstGeom>
+          <a:solidFill>
+            <a:srgbClr val="FF0000"/>
+          </a:solidFill>
+          <a:ln>
+            <a:solidFill>
+              <a:srgbClr val="C00000"/>
+            </a:solidFill>
+          </a:ln>
+        </p:spPr>
+        <p:style>
+          <a:lnRef idx="1">
+            <a:schemeClr val="accent1"/>
+          </a:lnRef>
+          <a:fillRef idx="3">
+            <a:schemeClr val="accent1"/>
+          </a:fillRef>
+          <a:effectRef idx="2">
+            <a:schemeClr val="accent1"/>
+          </a:effectRef>
+          <a:fontRef idx="minor">
+            <a:schemeClr val="lt1"/>
+          </a:fontRef>
+        </p:style>
+        <p:txBody>
+          <a:bodyPr rtlCol="0" anchor="ctr"/>
+          <a:lstStyle/>
+          <a:p>
+            <a:pPr algn="ctr"/>
+            <a:endParaRPr kumimoji="1" lang="zh-CN" altLang="en-US"/>
+          </a:p>
+        </p:txBody>
+      </p:sp>
+    </p:spTree>
+    <p:extLst>
+      <p:ext uri="{BB962C8B-B14F-4D97-AF65-F5344CB8AC3E}">
+        <p14:creationId xmlns:p14="http://schemas.microsoft.com/office/powerpoint/2010/main" val="3827252949"/>
+      </p:ext>
+    </p:extLst>
+  </p:cSld>
+  <p:clrMapOvr>
+    <a:masterClrMapping/>
+  </p:clrMapOvr>
+</p:sld>
+</file>
+
+<file path=ppt/slides/slide8.xml><?xml version="1.0" encoding="utf-8"?>
+<p:sld xmlns:a="http://schemas.openxmlformats.org/drawingml/2006/main" xmlns:r="http://schemas.openxmlformats.org/officeDocument/2006/relationships" xmlns:p="http://schemas.openxmlformats.org/presentationml/2006/main">
+  <p:cSld>
+    <p:spTree>
+      <p:nvGrpSpPr>
+        <p:cNvPr id="1" name=""/>
+        <p:cNvGrpSpPr/>
+        <p:nvPr/>
+      </p:nvGrpSpPr>
+      <p:grpSpPr>
+        <a:xfrm>
+          <a:off x="0" y="0"/>
+          <a:ext cx="0" cy="0"/>
+          <a:chOff x="0" y="0"/>
+          <a:chExt cx="0" cy="0"/>
+        </a:xfrm>
+      </p:grpSpPr>
+      <p:sp>
+        <p:nvSpPr>
+          <p:cNvPr id="4" name="文本框 3">
+            <a:extLst>
+              <a:ext uri="{FF2B5EF4-FFF2-40B4-BE49-F238E27FC236}">
+                <a16:creationId xmlns:a16="http://schemas.microsoft.com/office/drawing/2014/main" id="{BD5BDBAA-D597-844B-A766-C3663E62A12D}"/>
+              </a:ext>
+            </a:extLst>
+          </p:cNvPr>
+          <p:cNvSpPr txBox="1"/>
+          <p:nvPr/>
+        </p:nvSpPr>
+        <p:spPr>
+          <a:xfrm>
+            <a:off x="0" y="0"/>
+            <a:ext cx="763351" cy="369332"/>
+          </a:xfrm>
+          <a:prstGeom prst="rect">
+            <a:avLst/>
+          </a:prstGeom>
+          <a:noFill/>
+        </p:spPr>
+        <p:txBody>
+          <a:bodyPr wrap="none" rtlCol="0">
+            <a:spAutoFit/>
+          </a:bodyPr>
+          <a:lstStyle/>
+          <a:p>
+            <a:r>
+              <a:rPr kumimoji="1" lang="zh-CN" altLang="en-US" dirty="0"/>
+              <a:t>第</a:t>
+            </a:r>
+            <a:r>
+              <a:rPr kumimoji="1" lang="en-US" altLang="zh-CN" dirty="0"/>
+              <a:t>2</a:t>
+            </a:r>
+            <a:r>
+              <a:rPr kumimoji="1" lang="zh-CN" altLang="en-US" dirty="0"/>
+              <a:t>课</a:t>
+            </a:r>
+          </a:p>
+        </p:txBody>
+      </p:sp>
+      <p:pic>
+        <p:nvPicPr>
+          <p:cNvPr id="5" name="图片 4">
+            <a:extLst>
+              <a:ext uri="{FF2B5EF4-FFF2-40B4-BE49-F238E27FC236}">
+                <a16:creationId xmlns:a16="http://schemas.microsoft.com/office/drawing/2014/main" id="{1ADCF72E-C426-824E-BE36-A856FFB848B2}"/>
+              </a:ext>
+            </a:extLst>
+          </p:cNvPr>
+          <p:cNvPicPr>
+            <a:picLocks noChangeAspect="1"/>
+          </p:cNvPicPr>
+          <p:nvPr/>
+        </p:nvPicPr>
+        <p:blipFill>
+          <a:blip r:embed="rId2"/>
+          <a:stretch>
+            <a:fillRect/>
+          </a:stretch>
+        </p:blipFill>
+        <p:spPr>
+          <a:xfrm>
+            <a:off x="1124295" y="-56014"/>
+            <a:ext cx="1663700" cy="495300"/>
+          </a:xfrm>
+          <a:prstGeom prst="rect">
+            <a:avLst/>
+          </a:prstGeom>
+        </p:spPr>
+      </p:pic>
+      <p:graphicFrame>
+        <p:nvGraphicFramePr>
+          <p:cNvPr id="6" name="表格 5">
+            <a:extLst>
+              <a:ext uri="{FF2B5EF4-FFF2-40B4-BE49-F238E27FC236}">
+                <a16:creationId xmlns:a16="http://schemas.microsoft.com/office/drawing/2014/main" id="{CCD6FDF8-567B-0449-B7E2-8545F3C6601C}"/>
+              </a:ext>
+            </a:extLst>
+          </p:cNvPr>
+          <p:cNvGraphicFramePr>
+            <a:graphicFrameLocks noGrp="1"/>
+          </p:cNvGraphicFramePr>
+          <p:nvPr>
+            <p:extLst>
+              <p:ext uri="{D42A27DB-BD31-4B8C-83A1-F6EECF244321}">
+                <p14:modId xmlns:p14="http://schemas.microsoft.com/office/powerpoint/2010/main" val="830171819"/>
+              </p:ext>
+            </p:extLst>
+          </p:nvPr>
+        </p:nvGraphicFramePr>
+        <p:xfrm>
+          <a:off x="716896" y="581120"/>
+          <a:ext cx="4142199" cy="2011680"/>
+        </p:xfrm>
+        <a:graphic>
+          <a:graphicData uri="http://schemas.openxmlformats.org/drawingml/2006/table">
+            <a:tbl>
+              <a:tblPr firstRow="1" bandRow="1">
+                <a:tableStyleId>{5C22544A-7EE6-4342-B048-85BDC9FD1C3A}</a:tableStyleId>
+              </a:tblPr>
+              <a:tblGrid>
+                <a:gridCol w="1519314">
+                  <a:extLst>
+                    <a:ext uri="{9D8B030D-6E8A-4147-A177-3AD203B41FA5}">
+                      <a16:colId xmlns:a16="http://schemas.microsoft.com/office/drawing/2014/main" val="3479947025"/>
+                    </a:ext>
+                  </a:extLst>
+                </a:gridCol>
+                <a:gridCol w="2622885">
+                  <a:extLst>
+                    <a:ext uri="{9D8B030D-6E8A-4147-A177-3AD203B41FA5}">
+                      <a16:colId xmlns:a16="http://schemas.microsoft.com/office/drawing/2014/main" val="1162382197"/>
+                    </a:ext>
+                  </a:extLst>
+                </a:gridCol>
+              </a:tblGrid>
+              <a:tr h="370840">
+                <a:tc>
+                  <a:txBody>
+                    <a:bodyPr/>
+                    <a:lstStyle/>
+                    <a:p>
+                      <a:r>
+                        <a:rPr lang="en-US" altLang="zh-CN" sz="1400" b="0" kern="1200" dirty="0">
+                          <a:solidFill>
+                            <a:schemeClr val="tx1"/>
+                          </a:solidFill>
+                          <a:effectLst/>
+                          <a:latin typeface="+mn-lt"/>
+                          <a:ea typeface="+mn-ea"/>
+                          <a:cs typeface="+mn-cs"/>
+                        </a:rPr>
+                        <a:t># </a:t>
+                      </a:r>
+                      <a:r>
+                        <a:rPr lang="zh-CN" altLang="en-US" sz="1400" b="0" kern="1200" dirty="0">
+                          <a:solidFill>
+                            <a:schemeClr val="tx1"/>
+                          </a:solidFill>
+                          <a:effectLst/>
+                          <a:latin typeface="+mn-lt"/>
+                          <a:ea typeface="+mn-ea"/>
+                          <a:cs typeface="+mn-cs"/>
+                        </a:rPr>
+                        <a:t>画正方形</a:t>
+                      </a:r>
+                      <a:br>
+                        <a:rPr lang="zh-CN" altLang="en-US" sz="1400" b="0" kern="1200" dirty="0">
+                          <a:solidFill>
+                            <a:schemeClr val="tx1"/>
+                          </a:solidFill>
+                          <a:effectLst/>
+                          <a:latin typeface="+mn-lt"/>
+                          <a:ea typeface="+mn-ea"/>
+                          <a:cs typeface="+mn-cs"/>
+                        </a:rPr>
+                      </a:br>
+                      <a:r>
+                        <a:rPr lang="en" altLang="zh-CN" sz="1400" b="0" dirty="0">
+                          <a:solidFill>
+                            <a:schemeClr val="tx1"/>
+                          </a:solidFill>
+                        </a:rPr>
+                        <a:t>t.fd(</a:t>
+                      </a:r>
+                      <a:r>
+                        <a:rPr lang="en" altLang="zh-CN" sz="1400" b="0" kern="1200" dirty="0">
+                          <a:solidFill>
+                            <a:schemeClr val="tx1"/>
+                          </a:solidFill>
+                          <a:effectLst/>
+                          <a:latin typeface="+mn-lt"/>
+                          <a:ea typeface="+mn-ea"/>
+                          <a:cs typeface="+mn-cs"/>
+                        </a:rPr>
+                        <a:t>100</a:t>
+                      </a:r>
+                      <a:r>
+                        <a:rPr lang="en" altLang="zh-CN" sz="1400" b="0" dirty="0">
+                          <a:solidFill>
+                            <a:schemeClr val="tx1"/>
+                          </a:solidFill>
+                        </a:rPr>
+                        <a:t>)</a:t>
+                      </a:r>
+                      <a:br>
+                        <a:rPr lang="en" altLang="zh-CN" sz="1400" b="0" dirty="0">
+                          <a:solidFill>
+                            <a:schemeClr val="tx1"/>
+                          </a:solidFill>
+                        </a:rPr>
+                      </a:br>
+                      <a:r>
+                        <a:rPr lang="en" altLang="zh-CN" sz="1400" b="0" dirty="0">
+                          <a:solidFill>
+                            <a:schemeClr val="tx1"/>
+                          </a:solidFill>
+                        </a:rPr>
+                        <a:t>t.left(</a:t>
+                      </a:r>
+                      <a:r>
+                        <a:rPr lang="en" altLang="zh-CN" sz="1400" b="0" kern="1200" dirty="0">
+                          <a:solidFill>
+                            <a:schemeClr val="tx1"/>
+                          </a:solidFill>
+                          <a:effectLst/>
+                          <a:latin typeface="+mn-lt"/>
+                          <a:ea typeface="+mn-ea"/>
+                          <a:cs typeface="+mn-cs"/>
+                        </a:rPr>
+                        <a:t>90</a:t>
+                      </a:r>
+                      <a:r>
+                        <a:rPr lang="en" altLang="zh-CN" sz="1400" b="0" dirty="0">
+                          <a:solidFill>
+                            <a:schemeClr val="tx1"/>
+                          </a:solidFill>
+                        </a:rPr>
+                        <a:t>)</a:t>
+                      </a:r>
+                      <a:br>
+                        <a:rPr lang="en" altLang="zh-CN" sz="1400" b="0" dirty="0">
+                          <a:solidFill>
+                            <a:schemeClr val="tx1"/>
+                          </a:solidFill>
+                        </a:rPr>
+                      </a:br>
+                      <a:r>
+                        <a:rPr lang="en" altLang="zh-CN" sz="1400" b="0" dirty="0">
+                          <a:solidFill>
+                            <a:schemeClr val="tx1"/>
+                          </a:solidFill>
+                        </a:rPr>
+                        <a:t>t.fd(</a:t>
+                      </a:r>
+                      <a:r>
+                        <a:rPr lang="en" altLang="zh-CN" sz="1400" b="0" kern="1200" dirty="0">
+                          <a:solidFill>
+                            <a:schemeClr val="tx1"/>
+                          </a:solidFill>
+                          <a:effectLst/>
+                          <a:latin typeface="+mn-lt"/>
+                          <a:ea typeface="+mn-ea"/>
+                          <a:cs typeface="+mn-cs"/>
+                        </a:rPr>
+                        <a:t>100</a:t>
+                      </a:r>
+                      <a:r>
+                        <a:rPr lang="en" altLang="zh-CN" sz="1400" b="0" dirty="0">
+                          <a:solidFill>
+                            <a:schemeClr val="tx1"/>
+                          </a:solidFill>
+                        </a:rPr>
+                        <a:t>)</a:t>
+                      </a:r>
+                      <a:br>
+                        <a:rPr lang="en" altLang="zh-CN" sz="1400" b="0" dirty="0">
+                          <a:solidFill>
+                            <a:schemeClr val="tx1"/>
+                          </a:solidFill>
+                        </a:rPr>
+                      </a:br>
+                      <a:r>
+                        <a:rPr lang="en" altLang="zh-CN" sz="1400" b="0" dirty="0">
+                          <a:solidFill>
+                            <a:schemeClr val="tx1"/>
+                          </a:solidFill>
+                        </a:rPr>
+                        <a:t>t.left(</a:t>
+                      </a:r>
+                      <a:r>
+                        <a:rPr lang="en" altLang="zh-CN" sz="1400" b="0" kern="1200" dirty="0">
+                          <a:solidFill>
+                            <a:schemeClr val="tx1"/>
+                          </a:solidFill>
+                          <a:effectLst/>
+                          <a:latin typeface="+mn-lt"/>
+                          <a:ea typeface="+mn-ea"/>
+                          <a:cs typeface="+mn-cs"/>
+                        </a:rPr>
+                        <a:t>90</a:t>
+                      </a:r>
+                      <a:r>
+                        <a:rPr lang="en" altLang="zh-CN" sz="1400" b="0" dirty="0">
+                          <a:solidFill>
+                            <a:schemeClr val="tx1"/>
+                          </a:solidFill>
+                        </a:rPr>
+                        <a:t>)</a:t>
+                      </a:r>
+                      <a:br>
+                        <a:rPr lang="en" altLang="zh-CN" sz="1400" b="0" dirty="0">
+                          <a:solidFill>
+                            <a:schemeClr val="tx1"/>
+                          </a:solidFill>
+                        </a:rPr>
+                      </a:br>
+                      <a:r>
+                        <a:rPr lang="en" altLang="zh-CN" sz="1400" b="0" dirty="0">
+                          <a:solidFill>
+                            <a:schemeClr val="tx1"/>
+                          </a:solidFill>
+                        </a:rPr>
+                        <a:t>t.fd(</a:t>
+                      </a:r>
+                      <a:r>
+                        <a:rPr lang="en" altLang="zh-CN" sz="1400" b="0" kern="1200" dirty="0">
+                          <a:solidFill>
+                            <a:schemeClr val="tx1"/>
+                          </a:solidFill>
+                          <a:effectLst/>
+                          <a:latin typeface="+mn-lt"/>
+                          <a:ea typeface="+mn-ea"/>
+                          <a:cs typeface="+mn-cs"/>
+                        </a:rPr>
+                        <a:t>100</a:t>
+                      </a:r>
+                      <a:r>
+                        <a:rPr lang="en" altLang="zh-CN" sz="1400" b="0" dirty="0">
+                          <a:solidFill>
+                            <a:schemeClr val="tx1"/>
+                          </a:solidFill>
+                        </a:rPr>
+                        <a:t>)</a:t>
+                      </a:r>
+                      <a:br>
+                        <a:rPr lang="en" altLang="zh-CN" sz="1400" b="0" dirty="0">
+                          <a:solidFill>
+                            <a:schemeClr val="tx1"/>
+                          </a:solidFill>
+                        </a:rPr>
+                      </a:br>
+                      <a:r>
+                        <a:rPr lang="en" altLang="zh-CN" sz="1400" b="0" dirty="0">
+                          <a:solidFill>
+                            <a:schemeClr val="tx1"/>
+                          </a:solidFill>
+                        </a:rPr>
+                        <a:t>t.left(</a:t>
+                      </a:r>
+                      <a:r>
+                        <a:rPr lang="en" altLang="zh-CN" sz="1400" b="0" kern="1200" dirty="0">
+                          <a:solidFill>
+                            <a:schemeClr val="tx1"/>
+                          </a:solidFill>
+                          <a:effectLst/>
+                          <a:latin typeface="+mn-lt"/>
+                          <a:ea typeface="+mn-ea"/>
+                          <a:cs typeface="+mn-cs"/>
+                        </a:rPr>
+                        <a:t>90</a:t>
+                      </a:r>
+                      <a:r>
+                        <a:rPr lang="en" altLang="zh-CN" sz="1400" b="0" dirty="0">
+                          <a:solidFill>
+                            <a:schemeClr val="tx1"/>
+                          </a:solidFill>
+                        </a:rPr>
+                        <a:t>)</a:t>
+                      </a:r>
+                      <a:br>
+                        <a:rPr lang="en" altLang="zh-CN" sz="1400" b="0" dirty="0">
+                          <a:solidFill>
+                            <a:schemeClr val="tx1"/>
+                          </a:solidFill>
+                        </a:rPr>
+                      </a:br>
+                      <a:r>
+                        <a:rPr lang="en" altLang="zh-CN" sz="1400" b="0" dirty="0">
+                          <a:solidFill>
+                            <a:schemeClr val="tx1"/>
+                          </a:solidFill>
+                        </a:rPr>
+                        <a:t>t.fd(</a:t>
+                      </a:r>
+                      <a:r>
+                        <a:rPr lang="en" altLang="zh-CN" sz="1400" b="0" kern="1200" dirty="0">
+                          <a:solidFill>
+                            <a:schemeClr val="tx1"/>
+                          </a:solidFill>
+                          <a:effectLst/>
+                          <a:latin typeface="+mn-lt"/>
+                          <a:ea typeface="+mn-ea"/>
+                          <a:cs typeface="+mn-cs"/>
+                        </a:rPr>
+                        <a:t>100</a:t>
+                      </a:r>
+                      <a:r>
+                        <a:rPr lang="en" altLang="zh-CN" sz="1400" b="0" dirty="0">
+                          <a:solidFill>
+                            <a:schemeClr val="tx1"/>
+                          </a:solidFill>
+                        </a:rPr>
+                        <a:t>)</a:t>
+                      </a:r>
+                      <a:br>
+                        <a:rPr lang="en" altLang="zh-CN" sz="1400" b="0" dirty="0">
+                          <a:solidFill>
+                            <a:schemeClr val="tx1"/>
+                          </a:solidFill>
+                        </a:rPr>
+                      </a:br>
+                      <a:r>
+                        <a:rPr lang="en" altLang="zh-CN" sz="1400" b="0" dirty="0">
+                          <a:solidFill>
+                            <a:schemeClr val="tx1"/>
+                          </a:solidFill>
+                        </a:rPr>
+                        <a:t>t.left(</a:t>
+                      </a:r>
+                      <a:r>
+                        <a:rPr lang="en" altLang="zh-CN" sz="1400" b="0" kern="1200" dirty="0">
+                          <a:solidFill>
+                            <a:schemeClr val="tx1"/>
+                          </a:solidFill>
+                          <a:effectLst/>
+                          <a:latin typeface="+mn-lt"/>
+                          <a:ea typeface="+mn-ea"/>
+                          <a:cs typeface="+mn-cs"/>
+                        </a:rPr>
+                        <a:t>90</a:t>
+                      </a:r>
+                      <a:r>
+                        <a:rPr lang="en" altLang="zh-CN" sz="1400" b="0" dirty="0">
+                          <a:solidFill>
+                            <a:schemeClr val="tx1"/>
+                          </a:solidFill>
+                        </a:rPr>
+                        <a:t>)</a:t>
+                      </a:r>
+                      <a:endParaRPr lang="zh-CN" altLang="en-US" sz="1400" b="0" dirty="0">
+                        <a:solidFill>
+                          <a:schemeClr val="tx1"/>
+                        </a:solidFill>
+                      </a:endParaRPr>
+                    </a:p>
+                  </a:txBody>
+                  <a:tcPr>
+                    <a:lnL w="12700" cap="flat" cmpd="sng" algn="ctr">
+                      <a:solidFill>
+                        <a:schemeClr val="tx2"/>
+                      </a:solidFill>
+                      <a:prstDash val="solid"/>
+                      <a:round/>
+                      <a:headEnd type="none" w="med" len="med"/>
+                      <a:tailEnd type="none" w="med" len="med"/>
+                    </a:lnL>
+                    <a:lnR w="12700" cap="flat" cmpd="sng" algn="ctr">
+                      <a:solidFill>
+                        <a:schemeClr val="tx2"/>
+                      </a:solidFill>
+                      <a:prstDash val="solid"/>
+                      <a:round/>
+                      <a:headEnd type="none" w="med" len="med"/>
+                      <a:tailEnd type="none" w="med" len="med"/>
+                    </a:lnR>
+                    <a:lnT w="12700" cap="flat" cmpd="sng" algn="ctr">
+                      <a:solidFill>
+                        <a:schemeClr val="tx2"/>
+                      </a:solidFill>
+                      <a:prstDash val="solid"/>
+                      <a:round/>
+                      <a:headEnd type="none" w="med" len="med"/>
+                      <a:tailEnd type="none" w="med" len="med"/>
+                    </a:lnT>
+                    <a:lnB w="12700" cap="flat" cmpd="sng" algn="ctr">
+                      <a:solidFill>
+                        <a:schemeClr val="tx2"/>
+                      </a:solidFill>
+                      <a:prstDash val="solid"/>
+                      <a:round/>
+                      <a:headEnd type="none" w="med" len="med"/>
+                      <a:tailEnd type="none" w="med" len="med"/>
+                    </a:lnB>
+                    <a:noFill/>
+                  </a:tcPr>
+                </a:tc>
+                <a:tc>
+                  <a:txBody>
+                    <a:bodyPr/>
+                    <a:lstStyle/>
+                    <a:p>
+                      <a:endParaRPr lang="zh-CN" altLang="en-US" sz="1400" b="0" dirty="0">
+                        <a:solidFill>
+                          <a:schemeClr val="tx1"/>
+                        </a:solidFill>
+                      </a:endParaRPr>
+                    </a:p>
+                  </a:txBody>
+                  <a:tcPr>
+                    <a:lnL w="12700" cap="flat" cmpd="sng" algn="ctr">
+                      <a:solidFill>
+                        <a:schemeClr val="tx2"/>
+                      </a:solidFill>
+                      <a:prstDash val="solid"/>
+                      <a:round/>
+                      <a:headEnd type="none" w="med" len="med"/>
+                      <a:tailEnd type="none" w="med" len="med"/>
+                    </a:lnL>
+                    <a:lnR w="12700" cap="flat" cmpd="sng" algn="ctr">
+                      <a:solidFill>
+                        <a:schemeClr val="tx2"/>
+                      </a:solidFill>
+                      <a:prstDash val="solid"/>
+                      <a:round/>
+                      <a:headEnd type="none" w="med" len="med"/>
+                      <a:tailEnd type="none" w="med" len="med"/>
+                    </a:lnR>
+                    <a:lnT w="12700" cap="flat" cmpd="sng" algn="ctr">
+                      <a:solidFill>
+                        <a:schemeClr val="tx2"/>
+                      </a:solidFill>
+                      <a:prstDash val="solid"/>
+                      <a:round/>
+                      <a:headEnd type="none" w="med" len="med"/>
+                      <a:tailEnd type="none" w="med" len="med"/>
+                    </a:lnT>
+                    <a:lnB w="12700" cap="flat" cmpd="sng" algn="ctr">
+                      <a:solidFill>
+                        <a:schemeClr val="tx2"/>
+                      </a:solidFill>
+                      <a:prstDash val="solid"/>
+                      <a:round/>
+                      <a:headEnd type="none" w="med" len="med"/>
+                      <a:tailEnd type="none" w="med" len="med"/>
+                    </a:lnB>
+                    <a:noFill/>
+                  </a:tcPr>
+                </a:tc>
+                <a:extLst>
+                  <a:ext uri="{0D108BD9-81ED-4DB2-BD59-A6C34878D82A}">
+                    <a16:rowId xmlns:a16="http://schemas.microsoft.com/office/drawing/2014/main" val="395556551"/>
+                  </a:ext>
+                </a:extLst>
+              </a:tr>
+            </a:tbl>
+          </a:graphicData>
+        </a:graphic>
+      </p:graphicFrame>
+      <p:pic>
+        <p:nvPicPr>
+          <p:cNvPr id="8" name="图片 7">
+            <a:extLst>
+              <a:ext uri="{FF2B5EF4-FFF2-40B4-BE49-F238E27FC236}">
+                <a16:creationId xmlns:a16="http://schemas.microsoft.com/office/drawing/2014/main" id="{6D63D86E-AE86-1742-8BBE-CCA845116E79}"/>
+              </a:ext>
+            </a:extLst>
+          </p:cNvPr>
+          <p:cNvPicPr>
+            <a:picLocks noChangeAspect="1"/>
+          </p:cNvPicPr>
+          <p:nvPr/>
+        </p:nvPicPr>
+        <p:blipFill>
+          <a:blip r:embed="rId3"/>
+          <a:stretch>
+            <a:fillRect/>
+          </a:stretch>
+        </p:blipFill>
+        <p:spPr>
+          <a:xfrm>
+            <a:off x="2610861" y="767810"/>
+            <a:ext cx="1841500" cy="1638300"/>
+          </a:xfrm>
+          <a:prstGeom prst="rect">
+            <a:avLst/>
+          </a:prstGeom>
+        </p:spPr>
+      </p:pic>
+      <p:graphicFrame>
+        <p:nvGraphicFramePr>
+          <p:cNvPr id="10" name="表格 9">
+            <a:extLst>
+              <a:ext uri="{FF2B5EF4-FFF2-40B4-BE49-F238E27FC236}">
+                <a16:creationId xmlns:a16="http://schemas.microsoft.com/office/drawing/2014/main" id="{6F12CBF5-5DCB-EB4E-AEFD-E70F5F261F53}"/>
+              </a:ext>
+            </a:extLst>
+          </p:cNvPr>
+          <p:cNvGraphicFramePr>
+            <a:graphicFrameLocks noGrp="1"/>
+          </p:cNvGraphicFramePr>
+          <p:nvPr>
+            <p:extLst>
+              <p:ext uri="{D42A27DB-BD31-4B8C-83A1-F6EECF244321}">
+                <p14:modId xmlns:p14="http://schemas.microsoft.com/office/powerpoint/2010/main" val="1877815686"/>
+              </p:ext>
+            </p:extLst>
+          </p:nvPr>
+        </p:nvGraphicFramePr>
+        <p:xfrm>
+          <a:off x="716896" y="2993187"/>
+          <a:ext cx="4142199" cy="1584960"/>
+        </p:xfrm>
+        <a:graphic>
+          <a:graphicData uri="http://schemas.openxmlformats.org/drawingml/2006/table">
+            <a:tbl>
+              <a:tblPr firstRow="1" bandRow="1">
+                <a:tableStyleId>{5C22544A-7EE6-4342-B048-85BDC9FD1C3A}</a:tableStyleId>
+              </a:tblPr>
+              <a:tblGrid>
+                <a:gridCol w="1519314">
+                  <a:extLst>
+                    <a:ext uri="{9D8B030D-6E8A-4147-A177-3AD203B41FA5}">
+                      <a16:colId xmlns:a16="http://schemas.microsoft.com/office/drawing/2014/main" val="3479947025"/>
+                    </a:ext>
+                  </a:extLst>
+                </a:gridCol>
+                <a:gridCol w="2622885">
+                  <a:extLst>
+                    <a:ext uri="{9D8B030D-6E8A-4147-A177-3AD203B41FA5}">
+                      <a16:colId xmlns:a16="http://schemas.microsoft.com/office/drawing/2014/main" val="1162382197"/>
+                    </a:ext>
+                  </a:extLst>
+                </a:gridCol>
+              </a:tblGrid>
+              <a:tr h="370840">
+                <a:tc>
+                  <a:txBody>
+                    <a:bodyPr/>
+                    <a:lstStyle/>
+                    <a:p>
+                      <a:r>
+                        <a:rPr lang="en-US" altLang="zh-CN" sz="1400" b="0" kern="1200" dirty="0">
+                          <a:solidFill>
+                            <a:schemeClr val="tx1"/>
+                          </a:solidFill>
+                          <a:effectLst/>
+                          <a:latin typeface="+mj-lt"/>
+                          <a:ea typeface="+mn-ea"/>
+                          <a:cs typeface="+mn-cs"/>
+                        </a:rPr>
+                        <a:t># </a:t>
+                      </a:r>
+                      <a:r>
+                        <a:rPr lang="zh-CN" altLang="en-US" sz="1400" b="0" kern="1200" dirty="0">
+                          <a:solidFill>
+                            <a:schemeClr val="tx1"/>
+                          </a:solidFill>
+                          <a:effectLst/>
+                          <a:latin typeface="+mj-lt"/>
+                          <a:ea typeface="+mn-ea"/>
+                          <a:cs typeface="+mn-cs"/>
+                        </a:rPr>
+                        <a:t>画三角形</a:t>
+                      </a:r>
+                      <a:br>
+                        <a:rPr lang="zh-CN" altLang="en-US" sz="1400" b="0" kern="1200" dirty="0">
+                          <a:solidFill>
+                            <a:schemeClr val="tx1"/>
+                          </a:solidFill>
+                          <a:effectLst/>
+                          <a:latin typeface="+mj-lt"/>
+                          <a:ea typeface="+mn-ea"/>
+                          <a:cs typeface="+mn-cs"/>
+                        </a:rPr>
+                      </a:br>
+                      <a:r>
+                        <a:rPr lang="en" altLang="zh-CN" sz="1400" b="0" dirty="0">
+                          <a:solidFill>
+                            <a:schemeClr val="tx1"/>
+                          </a:solidFill>
+                          <a:latin typeface="+mj-lt"/>
+                          <a:ea typeface="+mn-ea"/>
+                        </a:rPr>
+                        <a:t>t.left(</a:t>
+                      </a:r>
+                      <a:r>
+                        <a:rPr lang="en" altLang="zh-CN" sz="1400" b="0" kern="1200" dirty="0">
+                          <a:solidFill>
+                            <a:schemeClr val="tx1"/>
+                          </a:solidFill>
+                          <a:effectLst/>
+                          <a:latin typeface="+mj-lt"/>
+                          <a:ea typeface="+mn-ea"/>
+                          <a:cs typeface="+mn-cs"/>
+                        </a:rPr>
+                        <a:t>120</a:t>
+                      </a:r>
+                      <a:r>
+                        <a:rPr lang="en" altLang="zh-CN" sz="1400" b="0" dirty="0">
+                          <a:solidFill>
+                            <a:schemeClr val="tx1"/>
+                          </a:solidFill>
+                          <a:latin typeface="+mj-lt"/>
+                          <a:ea typeface="+mn-ea"/>
+                        </a:rPr>
+                        <a:t>)</a:t>
+                      </a:r>
+                      <a:br>
+                        <a:rPr lang="en" altLang="zh-CN" sz="1400" b="0" dirty="0">
+                          <a:solidFill>
+                            <a:schemeClr val="tx1"/>
+                          </a:solidFill>
+                          <a:latin typeface="+mj-lt"/>
+                          <a:ea typeface="+mn-ea"/>
+                        </a:rPr>
+                      </a:br>
+                      <a:r>
+                        <a:rPr lang="en" altLang="zh-CN" sz="1400" b="0" dirty="0">
+                          <a:solidFill>
+                            <a:schemeClr val="tx1"/>
+                          </a:solidFill>
+                          <a:latin typeface="+mj-lt"/>
+                          <a:ea typeface="+mn-ea"/>
+                        </a:rPr>
+                        <a:t>t.fd(</a:t>
+                      </a:r>
+                      <a:r>
+                        <a:rPr lang="en" altLang="zh-CN" sz="1400" b="0" kern="1200" dirty="0">
+                          <a:solidFill>
+                            <a:schemeClr val="tx1"/>
+                          </a:solidFill>
+                          <a:effectLst/>
+                          <a:latin typeface="+mj-lt"/>
+                          <a:ea typeface="+mn-ea"/>
+                          <a:cs typeface="+mn-cs"/>
+                        </a:rPr>
+                        <a:t>100</a:t>
+                      </a:r>
+                      <a:r>
+                        <a:rPr lang="en" altLang="zh-CN" sz="1400" b="0" dirty="0">
+                          <a:solidFill>
+                            <a:schemeClr val="tx1"/>
+                          </a:solidFill>
+                          <a:latin typeface="+mj-lt"/>
+                          <a:ea typeface="+mn-ea"/>
+                        </a:rPr>
+                        <a:t>)</a:t>
+                      </a:r>
+                      <a:br>
+                        <a:rPr lang="en" altLang="zh-CN" sz="1400" b="0" dirty="0">
+                          <a:solidFill>
+                            <a:schemeClr val="tx1"/>
+                          </a:solidFill>
+                          <a:latin typeface="+mj-lt"/>
+                          <a:ea typeface="+mn-ea"/>
+                        </a:rPr>
+                      </a:br>
+                      <a:r>
+                        <a:rPr lang="en" altLang="zh-CN" sz="1400" b="0" dirty="0">
+                          <a:solidFill>
+                            <a:schemeClr val="tx1"/>
+                          </a:solidFill>
+                          <a:latin typeface="+mj-lt"/>
+                          <a:ea typeface="+mn-ea"/>
+                        </a:rPr>
+                        <a:t>t.left(</a:t>
+                      </a:r>
+                      <a:r>
+                        <a:rPr lang="en" altLang="zh-CN" sz="1400" b="0" kern="1200" dirty="0">
+                          <a:solidFill>
+                            <a:schemeClr val="tx1"/>
+                          </a:solidFill>
+                          <a:effectLst/>
+                          <a:latin typeface="+mj-lt"/>
+                          <a:ea typeface="+mn-ea"/>
+                          <a:cs typeface="+mn-cs"/>
+                        </a:rPr>
+                        <a:t>120</a:t>
+                      </a:r>
+                      <a:r>
+                        <a:rPr lang="en" altLang="zh-CN" sz="1400" b="0" dirty="0">
+                          <a:solidFill>
+                            <a:schemeClr val="tx1"/>
+                          </a:solidFill>
+                          <a:latin typeface="+mj-lt"/>
+                          <a:ea typeface="+mn-ea"/>
+                        </a:rPr>
+                        <a:t>)</a:t>
+                      </a:r>
+                      <a:br>
+                        <a:rPr lang="en" altLang="zh-CN" sz="1400" b="0" dirty="0">
+                          <a:solidFill>
+                            <a:schemeClr val="tx1"/>
+                          </a:solidFill>
+                          <a:latin typeface="+mj-lt"/>
+                          <a:ea typeface="+mn-ea"/>
+                        </a:rPr>
+                      </a:br>
+                      <a:r>
+                        <a:rPr lang="en" altLang="zh-CN" sz="1400" b="0" dirty="0">
+                          <a:solidFill>
+                            <a:schemeClr val="tx1"/>
+                          </a:solidFill>
+                          <a:latin typeface="+mj-lt"/>
+                          <a:ea typeface="+mn-ea"/>
+                        </a:rPr>
+                        <a:t>t.fd(</a:t>
+                      </a:r>
+                      <a:r>
+                        <a:rPr lang="en" altLang="zh-CN" sz="1400" b="0" kern="1200" dirty="0">
+                          <a:solidFill>
+                            <a:schemeClr val="tx1"/>
+                          </a:solidFill>
+                          <a:effectLst/>
+                          <a:latin typeface="+mj-lt"/>
+                          <a:ea typeface="+mn-ea"/>
+                          <a:cs typeface="+mn-cs"/>
+                        </a:rPr>
+                        <a:t>100</a:t>
+                      </a:r>
+                      <a:r>
+                        <a:rPr lang="en" altLang="zh-CN" sz="1400" b="0" dirty="0">
+                          <a:solidFill>
+                            <a:schemeClr val="tx1"/>
+                          </a:solidFill>
+                          <a:latin typeface="+mj-lt"/>
+                          <a:ea typeface="+mn-ea"/>
+                        </a:rPr>
+                        <a:t>)</a:t>
+                      </a:r>
+                      <a:br>
+                        <a:rPr lang="en" altLang="zh-CN" sz="1400" b="0" dirty="0">
+                          <a:solidFill>
+                            <a:schemeClr val="tx1"/>
+                          </a:solidFill>
+                          <a:latin typeface="+mj-lt"/>
+                          <a:ea typeface="+mn-ea"/>
+                        </a:rPr>
+                      </a:br>
+                      <a:r>
+                        <a:rPr lang="en" altLang="zh-CN" sz="1400" b="0" dirty="0">
+                          <a:solidFill>
+                            <a:schemeClr val="tx1"/>
+                          </a:solidFill>
+                          <a:latin typeface="+mj-lt"/>
+                          <a:ea typeface="+mn-ea"/>
+                        </a:rPr>
+                        <a:t>t.left(</a:t>
+                      </a:r>
+                      <a:r>
+                        <a:rPr lang="en" altLang="zh-CN" sz="1400" b="0" kern="1200" dirty="0">
+                          <a:solidFill>
+                            <a:schemeClr val="tx1"/>
+                          </a:solidFill>
+                          <a:effectLst/>
+                          <a:latin typeface="+mj-lt"/>
+                          <a:ea typeface="+mn-ea"/>
+                          <a:cs typeface="+mn-cs"/>
+                        </a:rPr>
+                        <a:t>120</a:t>
+                      </a:r>
+                      <a:r>
+                        <a:rPr lang="en" altLang="zh-CN" sz="1400" b="0" dirty="0">
+                          <a:solidFill>
+                            <a:schemeClr val="tx1"/>
+                          </a:solidFill>
+                          <a:latin typeface="+mj-lt"/>
+                          <a:ea typeface="+mn-ea"/>
+                        </a:rPr>
+                        <a:t>)</a:t>
+                      </a:r>
+                      <a:br>
+                        <a:rPr lang="en" altLang="zh-CN" sz="1400" b="0" dirty="0">
+                          <a:solidFill>
+                            <a:schemeClr val="tx1"/>
+                          </a:solidFill>
+                          <a:latin typeface="+mj-lt"/>
+                          <a:ea typeface="+mn-ea"/>
+                        </a:rPr>
+                      </a:br>
+                      <a:r>
+                        <a:rPr lang="en" altLang="zh-CN" sz="1400" b="0" dirty="0">
+                          <a:solidFill>
+                            <a:schemeClr val="tx1"/>
+                          </a:solidFill>
+                          <a:latin typeface="+mj-lt"/>
+                          <a:ea typeface="+mn-ea"/>
+                        </a:rPr>
+                        <a:t>t.fd(</a:t>
+                      </a:r>
+                      <a:r>
+                        <a:rPr lang="en" altLang="zh-CN" sz="1400" b="0" kern="1200" dirty="0">
+                          <a:solidFill>
+                            <a:schemeClr val="tx1"/>
+                          </a:solidFill>
+                          <a:effectLst/>
+                          <a:latin typeface="+mj-lt"/>
+                          <a:ea typeface="+mn-ea"/>
+                          <a:cs typeface="+mn-cs"/>
+                        </a:rPr>
+                        <a:t>100</a:t>
+                      </a:r>
+                      <a:r>
+                        <a:rPr lang="en" altLang="zh-CN" sz="1400" b="0" dirty="0">
+                          <a:solidFill>
+                            <a:schemeClr val="tx1"/>
+                          </a:solidFill>
+                          <a:latin typeface="+mj-lt"/>
+                          <a:ea typeface="+mn-ea"/>
+                        </a:rPr>
+                        <a:t>)</a:t>
+                      </a:r>
+                      <a:endParaRPr lang="zh-CN" altLang="en-US" sz="1400" b="0" dirty="0">
+                        <a:solidFill>
+                          <a:schemeClr val="tx1"/>
+                        </a:solidFill>
+                        <a:latin typeface="+mj-lt"/>
+                        <a:ea typeface="+mn-ea"/>
+                      </a:endParaRPr>
+                    </a:p>
+                  </a:txBody>
+                  <a:tcPr>
+                    <a:lnL w="12700" cap="flat" cmpd="sng" algn="ctr">
+                      <a:solidFill>
+                        <a:schemeClr val="tx2"/>
+                      </a:solidFill>
+                      <a:prstDash val="solid"/>
+                      <a:round/>
+                      <a:headEnd type="none" w="med" len="med"/>
+                      <a:tailEnd type="none" w="med" len="med"/>
+                    </a:lnL>
+                    <a:lnR w="12700" cap="flat" cmpd="sng" algn="ctr">
+                      <a:solidFill>
+                        <a:schemeClr val="tx2"/>
+                      </a:solidFill>
+                      <a:prstDash val="solid"/>
+                      <a:round/>
+                      <a:headEnd type="none" w="med" len="med"/>
+                      <a:tailEnd type="none" w="med" len="med"/>
+                    </a:lnR>
+                    <a:lnT w="12700" cap="flat" cmpd="sng" algn="ctr">
+                      <a:solidFill>
+                        <a:schemeClr val="tx2"/>
+                      </a:solidFill>
+                      <a:prstDash val="solid"/>
+                      <a:round/>
+                      <a:headEnd type="none" w="med" len="med"/>
+                      <a:tailEnd type="none" w="med" len="med"/>
+                    </a:lnT>
+                    <a:lnB w="12700" cap="flat" cmpd="sng" algn="ctr">
+                      <a:solidFill>
+                        <a:schemeClr val="tx2"/>
+                      </a:solidFill>
+                      <a:prstDash val="solid"/>
+                      <a:round/>
+                      <a:headEnd type="none" w="med" len="med"/>
+                      <a:tailEnd type="none" w="med" len="med"/>
+                    </a:lnB>
+                    <a:noFill/>
+                  </a:tcPr>
+                </a:tc>
+                <a:tc>
+                  <a:txBody>
+                    <a:bodyPr/>
+                    <a:lstStyle/>
+                    <a:p>
+                      <a:endParaRPr lang="zh-CN" altLang="en-US" sz="1400" b="0" dirty="0">
+                        <a:solidFill>
+                          <a:schemeClr val="tx1"/>
+                        </a:solidFill>
+                      </a:endParaRPr>
+                    </a:p>
+                  </a:txBody>
+                  <a:tcPr>
+                    <a:lnL w="12700" cap="flat" cmpd="sng" algn="ctr">
+                      <a:solidFill>
+                        <a:schemeClr val="tx2"/>
+                      </a:solidFill>
+                      <a:prstDash val="solid"/>
+                      <a:round/>
+                      <a:headEnd type="none" w="med" len="med"/>
+                      <a:tailEnd type="none" w="med" len="med"/>
+                    </a:lnL>
+                    <a:lnR w="12700" cap="flat" cmpd="sng" algn="ctr">
+                      <a:solidFill>
+                        <a:schemeClr val="tx2"/>
+                      </a:solidFill>
+                      <a:prstDash val="solid"/>
+                      <a:round/>
+                      <a:headEnd type="none" w="med" len="med"/>
+                      <a:tailEnd type="none" w="med" len="med"/>
+                    </a:lnR>
+                    <a:lnT w="12700" cap="flat" cmpd="sng" algn="ctr">
+                      <a:solidFill>
+                        <a:schemeClr val="tx2"/>
+                      </a:solidFill>
+                      <a:prstDash val="solid"/>
+                      <a:round/>
+                      <a:headEnd type="none" w="med" len="med"/>
+                      <a:tailEnd type="none" w="med" len="med"/>
+                    </a:lnT>
+                    <a:lnB w="12700" cap="flat" cmpd="sng" algn="ctr">
+                      <a:solidFill>
+                        <a:schemeClr val="tx2"/>
+                      </a:solidFill>
+                      <a:prstDash val="solid"/>
+                      <a:round/>
+                      <a:headEnd type="none" w="med" len="med"/>
+                      <a:tailEnd type="none" w="med" len="med"/>
+                    </a:lnB>
+                    <a:noFill/>
+                  </a:tcPr>
+                </a:tc>
+                <a:extLst>
+                  <a:ext uri="{0D108BD9-81ED-4DB2-BD59-A6C34878D82A}">
+                    <a16:rowId xmlns:a16="http://schemas.microsoft.com/office/drawing/2014/main" val="395556551"/>
+                  </a:ext>
+                </a:extLst>
+              </a:tr>
+            </a:tbl>
+          </a:graphicData>
+        </a:graphic>
+      </p:graphicFrame>
+      <p:pic>
+        <p:nvPicPr>
+          <p:cNvPr id="14" name="图片 13">
+            <a:extLst>
+              <a:ext uri="{FF2B5EF4-FFF2-40B4-BE49-F238E27FC236}">
+                <a16:creationId xmlns:a16="http://schemas.microsoft.com/office/drawing/2014/main" id="{6B1C88DC-E743-B14F-B09C-D50A70F69F8F}"/>
+              </a:ext>
+            </a:extLst>
+          </p:cNvPr>
+          <p:cNvPicPr>
+            <a:picLocks noChangeAspect="1"/>
+          </p:cNvPicPr>
+          <p:nvPr/>
+        </p:nvPicPr>
+        <p:blipFill>
+          <a:blip r:embed="rId4"/>
+          <a:stretch>
+            <a:fillRect/>
+          </a:stretch>
+        </p:blipFill>
+        <p:spPr>
+          <a:xfrm>
+            <a:off x="2523630" y="3137967"/>
+            <a:ext cx="1587500" cy="1295400"/>
+          </a:xfrm>
+          <a:prstGeom prst="rect">
+            <a:avLst/>
+          </a:prstGeom>
+        </p:spPr>
+      </p:pic>
+      <p:graphicFrame>
+        <p:nvGraphicFramePr>
+          <p:cNvPr id="15" name="表格 14">
+            <a:extLst>
+              <a:ext uri="{FF2B5EF4-FFF2-40B4-BE49-F238E27FC236}">
+                <a16:creationId xmlns:a16="http://schemas.microsoft.com/office/drawing/2014/main" id="{F4FDC05B-77C2-A646-89F7-2655234F5BE0}"/>
+              </a:ext>
+            </a:extLst>
+          </p:cNvPr>
+          <p:cNvGraphicFramePr>
+            <a:graphicFrameLocks noGrp="1"/>
+          </p:cNvGraphicFramePr>
+          <p:nvPr>
+            <p:extLst>
+              <p:ext uri="{D42A27DB-BD31-4B8C-83A1-F6EECF244321}">
+                <p14:modId xmlns:p14="http://schemas.microsoft.com/office/powerpoint/2010/main" val="1883233047"/>
+              </p:ext>
+            </p:extLst>
+          </p:nvPr>
+        </p:nvGraphicFramePr>
+        <p:xfrm>
+          <a:off x="716896" y="4978534"/>
+          <a:ext cx="3891199" cy="1491648"/>
+        </p:xfrm>
+        <a:graphic>
+          <a:graphicData uri="http://schemas.openxmlformats.org/drawingml/2006/table">
+            <a:tbl>
+              <a:tblPr firstRow="1" bandRow="1">
+                <a:tableStyleId>{5C22544A-7EE6-4342-B048-85BDC9FD1C3A}</a:tableStyleId>
+              </a:tblPr>
+              <a:tblGrid>
+                <a:gridCol w="1519314">
+                  <a:extLst>
+                    <a:ext uri="{9D8B030D-6E8A-4147-A177-3AD203B41FA5}">
+                      <a16:colId xmlns:a16="http://schemas.microsoft.com/office/drawing/2014/main" val="3479947025"/>
+                    </a:ext>
+                  </a:extLst>
+                </a:gridCol>
+                <a:gridCol w="2371885">
+                  <a:extLst>
+                    <a:ext uri="{9D8B030D-6E8A-4147-A177-3AD203B41FA5}">
+                      <a16:colId xmlns:a16="http://schemas.microsoft.com/office/drawing/2014/main" val="1162382197"/>
+                    </a:ext>
+                  </a:extLst>
+                </a:gridCol>
+              </a:tblGrid>
+              <a:tr h="1491648">
+                <a:tc>
+                  <a:txBody>
+                    <a:bodyPr/>
+                    <a:lstStyle/>
+                    <a:p>
+                      <a:r>
+                        <a:rPr lang="en-US" altLang="zh-CN" sz="1400" b="0" kern="1200" dirty="0">
+                          <a:solidFill>
+                            <a:schemeClr val="tx1"/>
+                          </a:solidFill>
+                          <a:effectLst/>
+                          <a:latin typeface="+mj-lt"/>
+                          <a:ea typeface="+mn-ea"/>
+                          <a:cs typeface="+mn-cs"/>
+                        </a:rPr>
+                        <a:t># </a:t>
+                      </a:r>
+                      <a:r>
+                        <a:rPr lang="zh-CN" altLang="en-US" sz="1400" b="0" kern="1200" dirty="0">
+                          <a:solidFill>
+                            <a:schemeClr val="tx1"/>
+                          </a:solidFill>
+                          <a:effectLst/>
+                          <a:latin typeface="+mj-lt"/>
+                          <a:ea typeface="+mn-ea"/>
+                          <a:cs typeface="+mn-cs"/>
+                        </a:rPr>
+                        <a:t>画圆</a:t>
+                      </a:r>
+                      <a:br>
+                        <a:rPr lang="zh-CN" altLang="en-US" sz="1400" b="0" kern="1200" dirty="0">
+                          <a:solidFill>
+                            <a:schemeClr val="tx1"/>
+                          </a:solidFill>
+                          <a:effectLst/>
+                          <a:latin typeface="+mj-lt"/>
+                          <a:ea typeface="+mn-ea"/>
+                          <a:cs typeface="+mn-cs"/>
+                        </a:rPr>
+                      </a:br>
+                      <a:r>
+                        <a:rPr lang="en" altLang="zh-CN" sz="1400" b="0" kern="1200" dirty="0">
+                          <a:solidFill>
+                            <a:schemeClr val="tx1"/>
+                          </a:solidFill>
+                          <a:effectLst/>
+                          <a:latin typeface="+mj-lt"/>
+                          <a:ea typeface="+mn-ea"/>
+                          <a:cs typeface="+mn-cs"/>
+                        </a:rPr>
+                        <a:t>t.circle(40)</a:t>
+                      </a:r>
+                      <a:endParaRPr lang="zh-CN" altLang="en-US" sz="1400" b="0" kern="1200" dirty="0">
+                        <a:solidFill>
+                          <a:schemeClr val="tx1"/>
+                        </a:solidFill>
+                        <a:effectLst/>
+                        <a:latin typeface="+mj-lt"/>
+                        <a:ea typeface="+mn-ea"/>
+                        <a:cs typeface="+mn-cs"/>
+                      </a:endParaRPr>
+                    </a:p>
+                  </a:txBody>
+                  <a:tcPr>
+                    <a:lnL w="12700" cap="flat" cmpd="sng" algn="ctr">
+                      <a:solidFill>
+                        <a:schemeClr val="tx2"/>
+                      </a:solidFill>
+                      <a:prstDash val="solid"/>
+                      <a:round/>
+                      <a:headEnd type="none" w="med" len="med"/>
+                      <a:tailEnd type="none" w="med" len="med"/>
+                    </a:lnL>
+                    <a:lnR w="12700" cap="flat" cmpd="sng" algn="ctr">
+                      <a:solidFill>
+                        <a:schemeClr val="tx2"/>
+                      </a:solidFill>
+                      <a:prstDash val="solid"/>
+                      <a:round/>
+                      <a:headEnd type="none" w="med" len="med"/>
+                      <a:tailEnd type="none" w="med" len="med"/>
+                    </a:lnR>
+                    <a:lnT w="12700" cap="flat" cmpd="sng" algn="ctr">
+                      <a:solidFill>
+                        <a:schemeClr val="tx2"/>
+                      </a:solidFill>
+                      <a:prstDash val="solid"/>
+                      <a:round/>
+                      <a:headEnd type="none" w="med" len="med"/>
+                      <a:tailEnd type="none" w="med" len="med"/>
+                    </a:lnT>
+                    <a:lnB w="12700" cap="flat" cmpd="sng" algn="ctr">
+                      <a:solidFill>
+                        <a:schemeClr val="tx2"/>
+                      </a:solidFill>
+                      <a:prstDash val="solid"/>
+                      <a:round/>
+                      <a:headEnd type="none" w="med" len="med"/>
+                      <a:tailEnd type="none" w="med" len="med"/>
+                    </a:lnB>
+                    <a:noFill/>
+                  </a:tcPr>
+                </a:tc>
+                <a:tc>
+                  <a:txBody>
+                    <a:bodyPr/>
+                    <a:lstStyle/>
+                    <a:p>
+                      <a:endParaRPr lang="zh-CN" altLang="en-US" sz="1400" b="0" dirty="0">
+                        <a:solidFill>
+                          <a:schemeClr val="tx1"/>
+                        </a:solidFill>
+                      </a:endParaRPr>
+                    </a:p>
+                  </a:txBody>
+                  <a:tcPr>
+                    <a:lnL w="12700" cap="flat" cmpd="sng" algn="ctr">
+                      <a:solidFill>
+                        <a:schemeClr val="tx2"/>
+                      </a:solidFill>
+                      <a:prstDash val="solid"/>
+                      <a:round/>
+                      <a:headEnd type="none" w="med" len="med"/>
+                      <a:tailEnd type="none" w="med" len="med"/>
+                    </a:lnL>
+                    <a:lnR w="12700" cap="flat" cmpd="sng" algn="ctr">
+                      <a:solidFill>
+                        <a:schemeClr val="tx2"/>
+                      </a:solidFill>
+                      <a:prstDash val="solid"/>
+                      <a:round/>
+                      <a:headEnd type="none" w="med" len="med"/>
+                      <a:tailEnd type="none" w="med" len="med"/>
+                    </a:lnR>
+                    <a:lnT w="12700" cap="flat" cmpd="sng" algn="ctr">
+                      <a:solidFill>
+                        <a:schemeClr val="tx2"/>
+                      </a:solidFill>
+                      <a:prstDash val="solid"/>
+                      <a:round/>
+                      <a:headEnd type="none" w="med" len="med"/>
+                      <a:tailEnd type="none" w="med" len="med"/>
+                    </a:lnT>
+                    <a:lnB w="12700" cap="flat" cmpd="sng" algn="ctr">
+                      <a:solidFill>
+                        <a:schemeClr val="tx2"/>
+                      </a:solidFill>
+                      <a:prstDash val="solid"/>
+                      <a:round/>
+                      <a:headEnd type="none" w="med" len="med"/>
+                      <a:tailEnd type="none" w="med" len="med"/>
+                    </a:lnB>
+                    <a:noFill/>
+                  </a:tcPr>
+                </a:tc>
+                <a:extLst>
+                  <a:ext uri="{0D108BD9-81ED-4DB2-BD59-A6C34878D82A}">
+                    <a16:rowId xmlns:a16="http://schemas.microsoft.com/office/drawing/2014/main" val="395556551"/>
+                  </a:ext>
+                </a:extLst>
+              </a:tr>
+            </a:tbl>
+          </a:graphicData>
+        </a:graphic>
+      </p:graphicFrame>
+      <p:pic>
+        <p:nvPicPr>
+          <p:cNvPr id="17" name="图片 16">
+            <a:extLst>
+              <a:ext uri="{FF2B5EF4-FFF2-40B4-BE49-F238E27FC236}">
+                <a16:creationId xmlns:a16="http://schemas.microsoft.com/office/drawing/2014/main" id="{FCDF6D4F-3078-A449-91D0-1DAEF7DB0D42}"/>
+              </a:ext>
+            </a:extLst>
+          </p:cNvPr>
+          <p:cNvPicPr>
+            <a:picLocks noChangeAspect="1"/>
+          </p:cNvPicPr>
+          <p:nvPr/>
+        </p:nvPicPr>
+        <p:blipFill>
+          <a:blip r:embed="rId5"/>
+          <a:stretch>
+            <a:fillRect/>
+          </a:stretch>
+        </p:blipFill>
+        <p:spPr>
+          <a:xfrm>
+            <a:off x="2679380" y="5032375"/>
+            <a:ext cx="1454637" cy="1383966"/>
+          </a:xfrm>
+          <a:prstGeom prst="rect">
+            <a:avLst/>
+          </a:prstGeom>
+        </p:spPr>
+      </p:pic>
+      <p:graphicFrame>
+        <p:nvGraphicFramePr>
+          <p:cNvPr id="18" name="表格 17">
+            <a:extLst>
+              <a:ext uri="{FF2B5EF4-FFF2-40B4-BE49-F238E27FC236}">
+                <a16:creationId xmlns:a16="http://schemas.microsoft.com/office/drawing/2014/main" id="{CE4579BE-6581-314A-8FA0-761CC8DE6AB2}"/>
+              </a:ext>
+            </a:extLst>
+          </p:cNvPr>
+          <p:cNvGraphicFramePr>
+            <a:graphicFrameLocks noGrp="1"/>
+          </p:cNvGraphicFramePr>
+          <p:nvPr>
+            <p:extLst>
+              <p:ext uri="{D42A27DB-BD31-4B8C-83A1-F6EECF244321}">
+                <p14:modId xmlns:p14="http://schemas.microsoft.com/office/powerpoint/2010/main" val="4109034411"/>
+              </p:ext>
+            </p:extLst>
+          </p:nvPr>
+        </p:nvGraphicFramePr>
+        <p:xfrm>
+          <a:off x="5001801" y="4978534"/>
+          <a:ext cx="3889536" cy="1491648"/>
+        </p:xfrm>
+        <a:graphic>
+          <a:graphicData uri="http://schemas.openxmlformats.org/drawingml/2006/table">
+            <a:tbl>
+              <a:tblPr firstRow="1" bandRow="1">
+                <a:tableStyleId>{5C22544A-7EE6-4342-B048-85BDC9FD1C3A}</a:tableStyleId>
+              </a:tblPr>
+              <a:tblGrid>
+                <a:gridCol w="1519314">
+                  <a:extLst>
+                    <a:ext uri="{9D8B030D-6E8A-4147-A177-3AD203B41FA5}">
+                      <a16:colId xmlns:a16="http://schemas.microsoft.com/office/drawing/2014/main" val="3479947025"/>
+                    </a:ext>
+                  </a:extLst>
+                </a:gridCol>
+                <a:gridCol w="2370222">
+                  <a:extLst>
+                    <a:ext uri="{9D8B030D-6E8A-4147-A177-3AD203B41FA5}">
+                      <a16:colId xmlns:a16="http://schemas.microsoft.com/office/drawing/2014/main" val="1162382197"/>
+                    </a:ext>
+                  </a:extLst>
+                </a:gridCol>
+              </a:tblGrid>
+              <a:tr h="1491648">
+                <a:tc>
+                  <a:txBody>
+                    <a:bodyPr/>
+                    <a:lstStyle/>
+                    <a:p>
+                      <a:r>
+                        <a:rPr lang="en-US" altLang="zh-CN" sz="1400" b="0" kern="1200" dirty="0">
+                          <a:solidFill>
+                            <a:schemeClr val="tx1"/>
+                          </a:solidFill>
+                          <a:effectLst/>
+                          <a:latin typeface="+mj-lt"/>
+                          <a:ea typeface="+mn-ea"/>
+                          <a:cs typeface="+mn-cs"/>
+                        </a:rPr>
+                        <a:t># </a:t>
+                      </a:r>
+                      <a:r>
+                        <a:rPr lang="zh-CN" altLang="en-US" sz="1400" b="0" kern="1200" dirty="0">
+                          <a:solidFill>
+                            <a:schemeClr val="tx1"/>
+                          </a:solidFill>
+                          <a:effectLst/>
+                          <a:latin typeface="+mj-lt"/>
+                          <a:ea typeface="+mn-ea"/>
+                          <a:cs typeface="+mn-cs"/>
+                        </a:rPr>
+                        <a:t>画圆</a:t>
+                      </a:r>
+                      <a:br>
+                        <a:rPr lang="zh-CN" altLang="en-US" sz="1400" b="0" kern="1200" dirty="0">
+                          <a:solidFill>
+                            <a:schemeClr val="tx1"/>
+                          </a:solidFill>
+                          <a:effectLst/>
+                          <a:latin typeface="+mj-lt"/>
+                          <a:ea typeface="+mn-ea"/>
+                          <a:cs typeface="+mn-cs"/>
+                        </a:rPr>
+                      </a:br>
+                      <a:r>
+                        <a:rPr lang="en" altLang="zh-CN" sz="1400" b="0" kern="1200" dirty="0">
+                          <a:solidFill>
+                            <a:schemeClr val="tx1"/>
+                          </a:solidFill>
+                          <a:effectLst/>
+                          <a:latin typeface="+mj-lt"/>
+                          <a:ea typeface="+mn-ea"/>
+                          <a:cs typeface="+mn-cs"/>
+                        </a:rPr>
+                        <a:t>t.circle(</a:t>
+                      </a:r>
+                      <a:r>
+                        <a:rPr lang="en-US" altLang="zh-CN" sz="1400" b="0" kern="1200" dirty="0">
+                          <a:solidFill>
+                            <a:schemeClr val="tx1"/>
+                          </a:solidFill>
+                          <a:effectLst/>
+                          <a:latin typeface="+mj-lt"/>
+                          <a:ea typeface="+mn-ea"/>
+                          <a:cs typeface="+mn-cs"/>
+                        </a:rPr>
+                        <a:t>-</a:t>
+                      </a:r>
+                      <a:r>
+                        <a:rPr lang="en" altLang="zh-CN" sz="1400" b="0" kern="1200" dirty="0">
+                          <a:solidFill>
+                            <a:schemeClr val="tx1"/>
+                          </a:solidFill>
+                          <a:effectLst/>
+                          <a:latin typeface="+mj-lt"/>
+                          <a:ea typeface="+mn-ea"/>
+                          <a:cs typeface="+mn-cs"/>
+                        </a:rPr>
+                        <a:t>40)</a:t>
+                      </a:r>
+                      <a:endParaRPr lang="zh-CN" altLang="en-US" sz="1400" b="0" kern="1200" dirty="0">
+                        <a:solidFill>
+                          <a:schemeClr val="tx1"/>
+                        </a:solidFill>
+                        <a:effectLst/>
+                        <a:latin typeface="+mj-lt"/>
+                        <a:ea typeface="+mn-ea"/>
+                        <a:cs typeface="+mn-cs"/>
+                      </a:endParaRPr>
+                    </a:p>
+                  </a:txBody>
+                  <a:tcPr>
+                    <a:lnL w="12700" cap="flat" cmpd="sng" algn="ctr">
+                      <a:solidFill>
+                        <a:schemeClr val="tx2"/>
+                      </a:solidFill>
+                      <a:prstDash val="solid"/>
+                      <a:round/>
+                      <a:headEnd type="none" w="med" len="med"/>
+                      <a:tailEnd type="none" w="med" len="med"/>
+                    </a:lnL>
+                    <a:lnR w="12700" cap="flat" cmpd="sng" algn="ctr">
+                      <a:solidFill>
+                        <a:schemeClr val="tx2"/>
+                      </a:solidFill>
+                      <a:prstDash val="solid"/>
+                      <a:round/>
+                      <a:headEnd type="none" w="med" len="med"/>
+                      <a:tailEnd type="none" w="med" len="med"/>
+                    </a:lnR>
+                    <a:lnT w="12700" cap="flat" cmpd="sng" algn="ctr">
+                      <a:solidFill>
+                        <a:schemeClr val="tx2"/>
+                      </a:solidFill>
+                      <a:prstDash val="solid"/>
+                      <a:round/>
+                      <a:headEnd type="none" w="med" len="med"/>
+                      <a:tailEnd type="none" w="med" len="med"/>
+                    </a:lnT>
+                    <a:lnB w="12700" cap="flat" cmpd="sng" algn="ctr">
+                      <a:solidFill>
+                        <a:schemeClr val="tx2"/>
+                      </a:solidFill>
+                      <a:prstDash val="solid"/>
+                      <a:round/>
+                      <a:headEnd type="none" w="med" len="med"/>
+                      <a:tailEnd type="none" w="med" len="med"/>
+                    </a:lnB>
+                    <a:noFill/>
+                  </a:tcPr>
+                </a:tc>
+                <a:tc>
+                  <a:txBody>
+                    <a:bodyPr/>
+                    <a:lstStyle/>
+                    <a:p>
+                      <a:endParaRPr lang="zh-CN" altLang="en-US" sz="1400" b="0" dirty="0">
+                        <a:solidFill>
+                          <a:schemeClr val="tx1"/>
+                        </a:solidFill>
+                      </a:endParaRPr>
+                    </a:p>
+                  </a:txBody>
+                  <a:tcPr>
+                    <a:lnL w="12700" cap="flat" cmpd="sng" algn="ctr">
+                      <a:solidFill>
+                        <a:schemeClr val="tx2"/>
+                      </a:solidFill>
+                      <a:prstDash val="solid"/>
+                      <a:round/>
+                      <a:headEnd type="none" w="med" len="med"/>
+                      <a:tailEnd type="none" w="med" len="med"/>
+                    </a:lnL>
+                    <a:lnR w="12700" cap="flat" cmpd="sng" algn="ctr">
+                      <a:solidFill>
+                        <a:schemeClr val="tx2"/>
+                      </a:solidFill>
+                      <a:prstDash val="solid"/>
+                      <a:round/>
+                      <a:headEnd type="none" w="med" len="med"/>
+                      <a:tailEnd type="none" w="med" len="med"/>
+                    </a:lnR>
+                    <a:lnT w="12700" cap="flat" cmpd="sng" algn="ctr">
+                      <a:solidFill>
+                        <a:schemeClr val="tx2"/>
+                      </a:solidFill>
+                      <a:prstDash val="solid"/>
+                      <a:round/>
+                      <a:headEnd type="none" w="med" len="med"/>
+                      <a:tailEnd type="none" w="med" len="med"/>
+                    </a:lnT>
+                    <a:lnB w="12700" cap="flat" cmpd="sng" algn="ctr">
+                      <a:solidFill>
+                        <a:schemeClr val="tx2"/>
+                      </a:solidFill>
+                      <a:prstDash val="solid"/>
+                      <a:round/>
+                      <a:headEnd type="none" w="med" len="med"/>
+                      <a:tailEnd type="none" w="med" len="med"/>
+                    </a:lnB>
+                    <a:noFill/>
+                  </a:tcPr>
+                </a:tc>
+                <a:extLst>
+                  <a:ext uri="{0D108BD9-81ED-4DB2-BD59-A6C34878D82A}">
+                    <a16:rowId xmlns:a16="http://schemas.microsoft.com/office/drawing/2014/main" val="395556551"/>
+                  </a:ext>
+                </a:extLst>
+              </a:tr>
+            </a:tbl>
+          </a:graphicData>
+        </a:graphic>
+      </p:graphicFrame>
+      <p:sp>
+        <p:nvSpPr>
+          <p:cNvPr id="21" name="文本框 20">
+            <a:extLst>
+              <a:ext uri="{FF2B5EF4-FFF2-40B4-BE49-F238E27FC236}">
+                <a16:creationId xmlns:a16="http://schemas.microsoft.com/office/drawing/2014/main" id="{4C2E55D0-C4AA-4948-AB89-8D8E52BD9541}"/>
+              </a:ext>
+            </a:extLst>
+          </p:cNvPr>
+          <p:cNvSpPr txBox="1"/>
+          <p:nvPr/>
+        </p:nvSpPr>
+        <p:spPr>
+          <a:xfrm>
+            <a:off x="1431023" y="6490742"/>
+            <a:ext cx="2185214" cy="276999"/>
+          </a:xfrm>
+          <a:prstGeom prst="rect">
+            <a:avLst/>
+          </a:prstGeom>
+          <a:noFill/>
+        </p:spPr>
+        <p:txBody>
+          <a:bodyPr wrap="none" rtlCol="0">
+            <a:spAutoFit/>
+          </a:bodyPr>
+          <a:lstStyle/>
+          <a:p>
+            <a:r>
+              <a:rPr kumimoji="1" lang="zh-CN" altLang="en-US" sz="1200" dirty="0">
+                <a:solidFill>
+                  <a:srgbClr val="FF0000"/>
+                </a:solidFill>
+                <a:latin typeface="Microsoft YaHei" panose="020B0503020204020204" pitchFamily="34" charset="-122"/>
+                <a:ea typeface="Microsoft YaHei" panose="020B0503020204020204" pitchFamily="34" charset="-122"/>
+              </a:rPr>
+              <a:t>半径是正数，沿逆时针方向画</a:t>
+            </a:r>
+          </a:p>
+        </p:txBody>
+      </p:sp>
+      <p:sp>
+        <p:nvSpPr>
+          <p:cNvPr id="22" name="文本框 21">
+            <a:extLst>
+              <a:ext uri="{FF2B5EF4-FFF2-40B4-BE49-F238E27FC236}">
+                <a16:creationId xmlns:a16="http://schemas.microsoft.com/office/drawing/2014/main" id="{4354C168-98E8-4F4D-9C2F-6F97462BAB12}"/>
+              </a:ext>
+            </a:extLst>
+          </p:cNvPr>
+          <p:cNvSpPr txBox="1"/>
+          <p:nvPr/>
+        </p:nvSpPr>
+        <p:spPr>
+          <a:xfrm>
+            <a:off x="5686191" y="6490742"/>
+            <a:ext cx="2223686" cy="276999"/>
+          </a:xfrm>
+          <a:prstGeom prst="rect">
+            <a:avLst/>
+          </a:prstGeom>
+          <a:noFill/>
+        </p:spPr>
+        <p:txBody>
+          <a:bodyPr wrap="none" rtlCol="0">
+            <a:spAutoFit/>
+          </a:bodyPr>
+          <a:lstStyle/>
+          <a:p>
+            <a:r>
+              <a:rPr kumimoji="1" lang="zh-CN" altLang="en-US" sz="1200" dirty="0">
+                <a:solidFill>
+                  <a:srgbClr val="FF0000"/>
+                </a:solidFill>
+                <a:latin typeface="Microsoft YaHei" panose="020B0503020204020204" pitchFamily="34" charset="-122"/>
+                <a:ea typeface="Microsoft YaHei" panose="020B0503020204020204" pitchFamily="34" charset="-122"/>
+              </a:rPr>
+              <a:t>半径是负数，沿顺时针方向画</a:t>
+            </a:r>
+          </a:p>
+        </p:txBody>
+      </p:sp>
+      <p:pic>
+        <p:nvPicPr>
+          <p:cNvPr id="23" name="图片 22">
+            <a:extLst>
+              <a:ext uri="{FF2B5EF4-FFF2-40B4-BE49-F238E27FC236}">
+                <a16:creationId xmlns:a16="http://schemas.microsoft.com/office/drawing/2014/main" id="{C174F167-039D-A649-94A6-D8229E566372}"/>
+              </a:ext>
+            </a:extLst>
+          </p:cNvPr>
+          <p:cNvPicPr>
+            <a:picLocks noChangeAspect="1"/>
+          </p:cNvPicPr>
+          <p:nvPr/>
+        </p:nvPicPr>
+        <p:blipFill>
+          <a:blip r:embed="rId6"/>
+          <a:stretch>
+            <a:fillRect/>
+          </a:stretch>
+        </p:blipFill>
+        <p:spPr>
+          <a:xfrm>
+            <a:off x="6946569" y="5099406"/>
+            <a:ext cx="1296411" cy="1249903"/>
+          </a:xfrm>
+          <a:prstGeom prst="rect">
+            <a:avLst/>
+          </a:prstGeom>
+        </p:spPr>
+      </p:pic>
+      <p:pic>
+        <p:nvPicPr>
+          <p:cNvPr id="24" name="图片 23">
+            <a:extLst>
+              <a:ext uri="{FF2B5EF4-FFF2-40B4-BE49-F238E27FC236}">
+                <a16:creationId xmlns:a16="http://schemas.microsoft.com/office/drawing/2014/main" id="{F3660567-BBFA-7541-95A5-EA4CF7C8E3E7}"/>
+              </a:ext>
+            </a:extLst>
+          </p:cNvPr>
+          <p:cNvPicPr>
+            <a:picLocks noChangeAspect="1"/>
+          </p:cNvPicPr>
+          <p:nvPr/>
+        </p:nvPicPr>
+        <p:blipFill>
+          <a:blip r:embed="rId7"/>
+          <a:stretch>
+            <a:fillRect/>
+          </a:stretch>
+        </p:blipFill>
+        <p:spPr>
+          <a:xfrm>
+            <a:off x="7063487" y="3288867"/>
+            <a:ext cx="901700" cy="723900"/>
+          </a:xfrm>
+          <a:prstGeom prst="rect">
+            <a:avLst/>
+          </a:prstGeom>
+        </p:spPr>
+      </p:pic>
+      <p:graphicFrame>
+        <p:nvGraphicFramePr>
+          <p:cNvPr id="25" name="表格 24">
+            <a:extLst>
+              <a:ext uri="{FF2B5EF4-FFF2-40B4-BE49-F238E27FC236}">
+                <a16:creationId xmlns:a16="http://schemas.microsoft.com/office/drawing/2014/main" id="{E7B1674D-C020-E746-B293-63A36DE7E30D}"/>
+              </a:ext>
+            </a:extLst>
+          </p:cNvPr>
+          <p:cNvGraphicFramePr>
+            <a:graphicFrameLocks noGrp="1"/>
+          </p:cNvGraphicFramePr>
+          <p:nvPr>
+            <p:extLst>
+              <p:ext uri="{D42A27DB-BD31-4B8C-83A1-F6EECF244321}">
+                <p14:modId xmlns:p14="http://schemas.microsoft.com/office/powerpoint/2010/main" val="2433815702"/>
+              </p:ext>
+            </p:extLst>
+          </p:nvPr>
+        </p:nvGraphicFramePr>
+        <p:xfrm>
+          <a:off x="5149788" y="3171386"/>
+          <a:ext cx="3148604" cy="1013596"/>
+        </p:xfrm>
+        <a:graphic>
+          <a:graphicData uri="http://schemas.openxmlformats.org/drawingml/2006/table">
+            <a:tbl>
+              <a:tblPr firstRow="1" bandRow="1">
+                <a:tableStyleId>{5C22544A-7EE6-4342-B048-85BDC9FD1C3A}</a:tableStyleId>
+              </a:tblPr>
+              <a:tblGrid>
+                <a:gridCol w="1519314">
+                  <a:extLst>
+                    <a:ext uri="{9D8B030D-6E8A-4147-A177-3AD203B41FA5}">
+                      <a16:colId xmlns:a16="http://schemas.microsoft.com/office/drawing/2014/main" val="3479947025"/>
+                    </a:ext>
+                  </a:extLst>
+                </a:gridCol>
+                <a:gridCol w="1629290">
+                  <a:extLst>
+                    <a:ext uri="{9D8B030D-6E8A-4147-A177-3AD203B41FA5}">
+                      <a16:colId xmlns:a16="http://schemas.microsoft.com/office/drawing/2014/main" val="1162382197"/>
+                    </a:ext>
+                  </a:extLst>
+                </a:gridCol>
+              </a:tblGrid>
+              <a:tr h="1013596">
+                <a:tc>
+                  <a:txBody>
+                    <a:bodyPr/>
+                    <a:lstStyle/>
+                    <a:p>
+                      <a:r>
+                        <a:rPr lang="en-US" altLang="zh-CN" sz="1400" b="0" kern="1200" dirty="0">
+                          <a:solidFill>
+                            <a:schemeClr val="tx1"/>
+                          </a:solidFill>
+                          <a:effectLst/>
+                          <a:latin typeface="+mj-lt"/>
+                          <a:ea typeface="+mn-ea"/>
+                          <a:cs typeface="+mn-cs"/>
+                        </a:rPr>
+                        <a:t># </a:t>
+                      </a:r>
+                      <a:r>
+                        <a:rPr lang="zh-CN" altLang="en-US" sz="1400" b="0" kern="1200" dirty="0">
+                          <a:solidFill>
+                            <a:schemeClr val="tx1"/>
+                          </a:solidFill>
+                          <a:effectLst/>
+                          <a:latin typeface="+mj-lt"/>
+                          <a:ea typeface="+mn-ea"/>
+                          <a:cs typeface="+mn-cs"/>
+                        </a:rPr>
+                        <a:t>画点</a:t>
+                      </a:r>
+                      <a:br>
+                        <a:rPr lang="zh-CN" altLang="en-US" sz="1400" b="0" kern="1200" dirty="0">
+                          <a:solidFill>
+                            <a:schemeClr val="tx1"/>
+                          </a:solidFill>
+                          <a:effectLst/>
+                          <a:latin typeface="+mj-lt"/>
+                          <a:ea typeface="+mn-ea"/>
+                          <a:cs typeface="+mn-cs"/>
+                        </a:rPr>
+                      </a:br>
+                      <a:r>
+                        <a:rPr lang="en" altLang="zh-CN" sz="1400" b="0" dirty="0">
+                          <a:solidFill>
+                            <a:schemeClr val="tx1"/>
+                          </a:solidFill>
+                          <a:latin typeface="+mj-lt"/>
+                          <a:ea typeface="+mn-ea"/>
+                        </a:rPr>
+                        <a:t>t.dot(</a:t>
+                      </a:r>
+                      <a:r>
+                        <a:rPr lang="en" altLang="zh-CN" sz="1400" b="0" kern="1200" dirty="0">
+                          <a:solidFill>
+                            <a:schemeClr val="tx1"/>
+                          </a:solidFill>
+                          <a:effectLst/>
+                          <a:latin typeface="+mj-lt"/>
+                          <a:ea typeface="+mn-ea"/>
+                          <a:cs typeface="+mn-cs"/>
+                        </a:rPr>
+                        <a:t>20</a:t>
+                      </a:r>
+                      <a:r>
+                        <a:rPr lang="en" altLang="zh-CN" sz="1400" b="0" dirty="0">
+                          <a:solidFill>
+                            <a:schemeClr val="tx1"/>
+                          </a:solidFill>
+                          <a:latin typeface="+mj-lt"/>
+                          <a:ea typeface="+mn-ea"/>
+                        </a:rPr>
+                        <a:t>)</a:t>
+                      </a:r>
+                      <a:br>
+                        <a:rPr lang="en" altLang="zh-CN" sz="1400" b="0" dirty="0">
+                          <a:solidFill>
+                            <a:schemeClr val="tx1"/>
+                          </a:solidFill>
+                          <a:latin typeface="+mj-lt"/>
+                          <a:ea typeface="+mn-ea"/>
+                        </a:rPr>
+                      </a:br>
+                      <a:endParaRPr lang="zh-CN" altLang="en-US" sz="1400" b="0" dirty="0">
+                        <a:solidFill>
+                          <a:schemeClr val="tx1"/>
+                        </a:solidFill>
+                        <a:latin typeface="+mj-lt"/>
+                        <a:ea typeface="+mn-ea"/>
+                      </a:endParaRPr>
+                    </a:p>
+                  </a:txBody>
+                  <a:tcPr>
+                    <a:lnL w="12700" cap="flat" cmpd="sng" algn="ctr">
+                      <a:solidFill>
+                        <a:schemeClr val="tx2"/>
+                      </a:solidFill>
+                      <a:prstDash val="solid"/>
+                      <a:round/>
+                      <a:headEnd type="none" w="med" len="med"/>
+                      <a:tailEnd type="none" w="med" len="med"/>
+                    </a:lnL>
+                    <a:lnR w="12700" cap="flat" cmpd="sng" algn="ctr">
+                      <a:solidFill>
+                        <a:schemeClr val="tx2"/>
+                      </a:solidFill>
+                      <a:prstDash val="solid"/>
+                      <a:round/>
+                      <a:headEnd type="none" w="med" len="med"/>
+                      <a:tailEnd type="none" w="med" len="med"/>
+                    </a:lnR>
+                    <a:lnT w="12700" cap="flat" cmpd="sng" algn="ctr">
+                      <a:solidFill>
+                        <a:schemeClr val="tx2"/>
+                      </a:solidFill>
+                      <a:prstDash val="solid"/>
+                      <a:round/>
+                      <a:headEnd type="none" w="med" len="med"/>
+                      <a:tailEnd type="none" w="med" len="med"/>
+                    </a:lnT>
+                    <a:lnB w="12700" cap="flat" cmpd="sng" algn="ctr">
+                      <a:solidFill>
+                        <a:schemeClr val="tx2"/>
+                      </a:solidFill>
+                      <a:prstDash val="solid"/>
+                      <a:round/>
+                      <a:headEnd type="none" w="med" len="med"/>
+                      <a:tailEnd type="none" w="med" len="med"/>
+                    </a:lnB>
+                    <a:noFill/>
+                  </a:tcPr>
+                </a:tc>
+                <a:tc>
+                  <a:txBody>
+                    <a:bodyPr/>
+                    <a:lstStyle/>
+                    <a:p>
+                      <a:endParaRPr lang="zh-CN" altLang="en-US" sz="1400" b="0" dirty="0">
+                        <a:solidFill>
+                          <a:schemeClr val="tx1"/>
+                        </a:solidFill>
+                      </a:endParaRPr>
+                    </a:p>
+                  </a:txBody>
+                  <a:tcPr>
+                    <a:lnL w="12700" cap="flat" cmpd="sng" algn="ctr">
+                      <a:solidFill>
+                        <a:schemeClr val="tx2"/>
+                      </a:solidFill>
+                      <a:prstDash val="solid"/>
+                      <a:round/>
+                      <a:headEnd type="none" w="med" len="med"/>
+                      <a:tailEnd type="none" w="med" len="med"/>
+                    </a:lnL>
+                    <a:lnR w="12700" cap="flat" cmpd="sng" algn="ctr">
+                      <a:solidFill>
+                        <a:schemeClr val="tx2"/>
+                      </a:solidFill>
+                      <a:prstDash val="solid"/>
+                      <a:round/>
+                      <a:headEnd type="none" w="med" len="med"/>
+                      <a:tailEnd type="none" w="med" len="med"/>
+                    </a:lnR>
+                    <a:lnT w="12700" cap="flat" cmpd="sng" algn="ctr">
+                      <a:solidFill>
+                        <a:schemeClr val="tx2"/>
+                      </a:solidFill>
+                      <a:prstDash val="solid"/>
+                      <a:round/>
+                      <a:headEnd type="none" w="med" len="med"/>
+                      <a:tailEnd type="none" w="med" len="med"/>
+                    </a:lnT>
+                    <a:lnB w="12700" cap="flat" cmpd="sng" algn="ctr">
+                      <a:solidFill>
+                        <a:schemeClr val="tx2"/>
+                      </a:solidFill>
+                      <a:prstDash val="solid"/>
+                      <a:round/>
+                      <a:headEnd type="none" w="med" len="med"/>
+                      <a:tailEnd type="none" w="med" len="med"/>
+                    </a:lnB>
+                    <a:noFill/>
+                  </a:tcPr>
+                </a:tc>
+                <a:extLst>
+                  <a:ext uri="{0D108BD9-81ED-4DB2-BD59-A6C34878D82A}">
+                    <a16:rowId xmlns:a16="http://schemas.microsoft.com/office/drawing/2014/main" val="395556551"/>
+                  </a:ext>
+                </a:extLst>
+              </a:tr>
+            </a:tbl>
+          </a:graphicData>
+        </a:graphic>
+      </p:graphicFrame>
+    </p:spTree>
+    <p:extLst>
+      <p:ext uri="{BB962C8B-B14F-4D97-AF65-F5344CB8AC3E}">
+        <p14:creationId xmlns:p14="http://schemas.microsoft.com/office/powerpoint/2010/main" val="2727882160"/>
+      </p:ext>
+    </p:extLst>
+  </p:cSld>
+  <p:clrMapOvr>
+    <a:masterClrMapping/>
+  </p:clrMapOvr>
+</p:sld>
+</file>
+
+<file path=ppt/slides/slide9.xml><?xml version="1.0" encoding="utf-8"?>
+<p:sld xmlns:a="http://schemas.openxmlformats.org/drawingml/2006/main" xmlns:r="http://schemas.openxmlformats.org/officeDocument/2006/relationships" xmlns:p="http://schemas.openxmlformats.org/presentationml/2006/main">
+  <p:cSld>
+    <p:spTree>
+      <p:nvGrpSpPr>
+        <p:cNvPr id="1" name=""/>
+        <p:cNvGrpSpPr/>
+        <p:nvPr/>
+      </p:nvGrpSpPr>
+      <p:grpSpPr>
+        <a:xfrm>
+          <a:off x="0" y="0"/>
+          <a:ext cx="0" cy="0"/>
+          <a:chOff x="0" y="0"/>
+          <a:chExt cx="0" cy="0"/>
+        </a:xfrm>
+      </p:grpSpPr>
+      <p:graphicFrame>
+        <p:nvGraphicFramePr>
+          <p:cNvPr id="4" name="表格 3">
+            <a:extLst>
+              <a:ext uri="{FF2B5EF4-FFF2-40B4-BE49-F238E27FC236}">
+                <a16:creationId xmlns:a16="http://schemas.microsoft.com/office/drawing/2014/main" id="{F83B562C-A1C4-614D-AFBC-111B3B516D03}"/>
+              </a:ext>
+            </a:extLst>
+          </p:cNvPr>
+          <p:cNvGraphicFramePr>
+            <a:graphicFrameLocks noGrp="1"/>
+          </p:cNvGraphicFramePr>
+          <p:nvPr>
+            <p:extLst>
+              <p:ext uri="{D42A27DB-BD31-4B8C-83A1-F6EECF244321}">
+                <p14:modId xmlns:p14="http://schemas.microsoft.com/office/powerpoint/2010/main" val="2909060152"/>
+              </p:ext>
+            </p:extLst>
+          </p:nvPr>
+        </p:nvGraphicFramePr>
+        <p:xfrm>
+          <a:off x="428139" y="418565"/>
+          <a:ext cx="3891199" cy="1491648"/>
+        </p:xfrm>
+        <a:graphic>
+          <a:graphicData uri="http://schemas.openxmlformats.org/drawingml/2006/table">
+            <a:tbl>
+              <a:tblPr firstRow="1" bandRow="1">
+                <a:tableStyleId>{5C22544A-7EE6-4342-B048-85BDC9FD1C3A}</a:tableStyleId>
+              </a:tblPr>
+              <a:tblGrid>
+                <a:gridCol w="1845829">
+                  <a:extLst>
+                    <a:ext uri="{9D8B030D-6E8A-4147-A177-3AD203B41FA5}">
+                      <a16:colId xmlns:a16="http://schemas.microsoft.com/office/drawing/2014/main" val="3479947025"/>
+                    </a:ext>
+                  </a:extLst>
+                </a:gridCol>
+                <a:gridCol w="2045370">
+                  <a:extLst>
+                    <a:ext uri="{9D8B030D-6E8A-4147-A177-3AD203B41FA5}">
+                      <a16:colId xmlns:a16="http://schemas.microsoft.com/office/drawing/2014/main" val="1162382197"/>
+                    </a:ext>
+                  </a:extLst>
+                </a:gridCol>
+              </a:tblGrid>
+              <a:tr h="1491648">
+                <a:tc>
+                  <a:txBody>
+                    <a:bodyPr/>
+                    <a:lstStyle/>
+                    <a:p>
+                      <a:r>
+                        <a:rPr lang="en-US" altLang="zh-CN" sz="1400" b="0" kern="1200" dirty="0">
+                          <a:solidFill>
+                            <a:schemeClr val="tx1"/>
+                          </a:solidFill>
+                          <a:effectLst/>
+                          <a:latin typeface="+mj-lt"/>
+                          <a:ea typeface="+mn-ea"/>
+                          <a:cs typeface="+mn-cs"/>
+                        </a:rPr>
+                        <a:t># </a:t>
+                      </a:r>
+                      <a:r>
+                        <a:rPr lang="zh-CN" altLang="en-US" sz="1400" b="0" kern="1200" dirty="0">
+                          <a:solidFill>
+                            <a:schemeClr val="tx1"/>
+                          </a:solidFill>
+                          <a:effectLst/>
+                          <a:latin typeface="+mj-lt"/>
+                          <a:ea typeface="+mn-ea"/>
+                          <a:cs typeface="+mn-cs"/>
+                        </a:rPr>
+                        <a:t>画正多边形</a:t>
+                      </a:r>
+                      <a:br>
+                        <a:rPr lang="zh-CN" altLang="en-US" sz="1400" b="0" kern="1200" dirty="0">
+                          <a:solidFill>
+                            <a:schemeClr val="tx1"/>
+                          </a:solidFill>
+                          <a:effectLst/>
+                          <a:latin typeface="+mj-lt"/>
+                          <a:ea typeface="+mn-ea"/>
+                          <a:cs typeface="+mn-cs"/>
+                        </a:rPr>
+                      </a:br>
+                      <a:r>
+                        <a:rPr lang="en" altLang="zh-CN" sz="1400" b="0" kern="1200" dirty="0">
+                          <a:solidFill>
+                            <a:schemeClr val="tx1"/>
+                          </a:solidFill>
+                          <a:effectLst/>
+                          <a:latin typeface="+mj-lt"/>
+                          <a:ea typeface="+mn-ea"/>
+                          <a:cs typeface="+mn-cs"/>
+                        </a:rPr>
+                        <a:t>t.circle(</a:t>
+                      </a:r>
+                      <a:r>
+                        <a:rPr lang="en-US" altLang="zh-CN" sz="1400" b="0" kern="1200" dirty="0">
+                          <a:solidFill>
+                            <a:schemeClr val="tx1"/>
+                          </a:solidFill>
+                          <a:effectLst/>
+                          <a:latin typeface="+mj-lt"/>
+                          <a:ea typeface="+mn-ea"/>
+                          <a:cs typeface="+mn-cs"/>
+                        </a:rPr>
+                        <a:t>8</a:t>
+                      </a:r>
+                      <a:r>
+                        <a:rPr lang="en" altLang="zh-CN" sz="1400" b="0" kern="1200" dirty="0">
+                          <a:solidFill>
+                            <a:schemeClr val="tx1"/>
+                          </a:solidFill>
+                          <a:effectLst/>
+                          <a:latin typeface="+mj-lt"/>
+                          <a:ea typeface="+mn-ea"/>
+                          <a:cs typeface="+mn-cs"/>
+                        </a:rPr>
+                        <a:t>0</a:t>
+                      </a:r>
+                      <a:r>
+                        <a:rPr lang="en-US" altLang="zh-CN" sz="1400" b="0" kern="1200" dirty="0">
+                          <a:solidFill>
+                            <a:schemeClr val="tx1"/>
+                          </a:solidFill>
+                          <a:effectLst/>
+                          <a:latin typeface="+mj-lt"/>
+                          <a:ea typeface="+mn-ea"/>
+                          <a:cs typeface="+mn-cs"/>
+                        </a:rPr>
+                        <a:t>,steps = 3</a:t>
+                      </a:r>
+                      <a:r>
+                        <a:rPr lang="en" altLang="zh-CN" sz="1400" b="0" kern="1200" dirty="0">
+                          <a:solidFill>
+                            <a:schemeClr val="tx1"/>
+                          </a:solidFill>
+                          <a:effectLst/>
+                          <a:latin typeface="+mj-lt"/>
+                          <a:ea typeface="+mn-ea"/>
+                          <a:cs typeface="+mn-cs"/>
+                        </a:rPr>
+                        <a:t>)</a:t>
+                      </a:r>
+                      <a:endParaRPr lang="zh-CN" altLang="en-US" sz="1400" b="0" kern="1200" dirty="0">
+                        <a:solidFill>
+                          <a:schemeClr val="tx1"/>
+                        </a:solidFill>
+                        <a:effectLst/>
+                        <a:latin typeface="+mj-lt"/>
+                        <a:ea typeface="+mn-ea"/>
+                        <a:cs typeface="+mn-cs"/>
+                      </a:endParaRPr>
+                    </a:p>
+                  </a:txBody>
+                  <a:tcPr>
+                    <a:lnL w="12700" cap="flat" cmpd="sng" algn="ctr">
+                      <a:solidFill>
+                        <a:schemeClr val="tx2"/>
+                      </a:solidFill>
+                      <a:prstDash val="solid"/>
+                      <a:round/>
+                      <a:headEnd type="none" w="med" len="med"/>
+                      <a:tailEnd type="none" w="med" len="med"/>
+                    </a:lnL>
+                    <a:lnR w="12700" cap="flat" cmpd="sng" algn="ctr">
+                      <a:solidFill>
+                        <a:schemeClr val="tx2"/>
+                      </a:solidFill>
+                      <a:prstDash val="solid"/>
+                      <a:round/>
+                      <a:headEnd type="none" w="med" len="med"/>
+                      <a:tailEnd type="none" w="med" len="med"/>
+                    </a:lnR>
+                    <a:lnT w="12700" cap="flat" cmpd="sng" algn="ctr">
+                      <a:solidFill>
+                        <a:schemeClr val="tx2"/>
+                      </a:solidFill>
+                      <a:prstDash val="solid"/>
+                      <a:round/>
+                      <a:headEnd type="none" w="med" len="med"/>
+                      <a:tailEnd type="none" w="med" len="med"/>
+                    </a:lnT>
+                    <a:lnB w="12700" cap="flat" cmpd="sng" algn="ctr">
+                      <a:solidFill>
+                        <a:schemeClr val="tx2"/>
+                      </a:solidFill>
+                      <a:prstDash val="solid"/>
+                      <a:round/>
+                      <a:headEnd type="none" w="med" len="med"/>
+                      <a:tailEnd type="none" w="med" len="med"/>
+                    </a:lnB>
+                    <a:noFill/>
+                  </a:tcPr>
+                </a:tc>
+                <a:tc>
+                  <a:txBody>
+                    <a:bodyPr/>
+                    <a:lstStyle/>
+                    <a:p>
+                      <a:endParaRPr lang="zh-CN" altLang="en-US" sz="1400" b="0" dirty="0">
+                        <a:solidFill>
+                          <a:schemeClr val="tx1"/>
+                        </a:solidFill>
+                      </a:endParaRPr>
+                    </a:p>
+                  </a:txBody>
+                  <a:tcPr>
+                    <a:lnL w="12700" cap="flat" cmpd="sng" algn="ctr">
+                      <a:solidFill>
+                        <a:schemeClr val="tx2"/>
+                      </a:solidFill>
+                      <a:prstDash val="solid"/>
+                      <a:round/>
+                      <a:headEnd type="none" w="med" len="med"/>
+                      <a:tailEnd type="none" w="med" len="med"/>
+                    </a:lnL>
+                    <a:lnR w="12700" cap="flat" cmpd="sng" algn="ctr">
+                      <a:solidFill>
+                        <a:schemeClr val="tx2"/>
+                      </a:solidFill>
+                      <a:prstDash val="solid"/>
+                      <a:round/>
+                      <a:headEnd type="none" w="med" len="med"/>
+                      <a:tailEnd type="none" w="med" len="med"/>
+                    </a:lnR>
+                    <a:lnT w="12700" cap="flat" cmpd="sng" algn="ctr">
+                      <a:solidFill>
+                        <a:schemeClr val="tx2"/>
+                      </a:solidFill>
+                      <a:prstDash val="solid"/>
+                      <a:round/>
+                      <a:headEnd type="none" w="med" len="med"/>
+                      <a:tailEnd type="none" w="med" len="med"/>
+                    </a:lnT>
+                    <a:lnB w="12700" cap="flat" cmpd="sng" algn="ctr">
+                      <a:solidFill>
+                        <a:schemeClr val="tx2"/>
+                      </a:solidFill>
+                      <a:prstDash val="solid"/>
+                      <a:round/>
+                      <a:headEnd type="none" w="med" len="med"/>
+                      <a:tailEnd type="none" w="med" len="med"/>
+                    </a:lnB>
+                    <a:noFill/>
+                  </a:tcPr>
+                </a:tc>
+                <a:extLst>
+                  <a:ext uri="{0D108BD9-81ED-4DB2-BD59-A6C34878D82A}">
+                    <a16:rowId xmlns:a16="http://schemas.microsoft.com/office/drawing/2014/main" val="395556551"/>
+                  </a:ext>
+                </a:extLst>
+              </a:tr>
+            </a:tbl>
+          </a:graphicData>
+        </a:graphic>
+      </p:graphicFrame>
+      <p:sp>
+        <p:nvSpPr>
+          <p:cNvPr id="6" name="文本框 5">
+            <a:extLst>
+              <a:ext uri="{FF2B5EF4-FFF2-40B4-BE49-F238E27FC236}">
+                <a16:creationId xmlns:a16="http://schemas.microsoft.com/office/drawing/2014/main" id="{EB0E780A-0E12-7B4C-8EEE-BCD0FF6A06C9}"/>
+              </a:ext>
+            </a:extLst>
+          </p:cNvPr>
+          <p:cNvSpPr txBox="1"/>
+          <p:nvPr/>
+        </p:nvSpPr>
+        <p:spPr>
+          <a:xfrm>
+            <a:off x="2941624" y="418565"/>
+            <a:ext cx="800219" cy="276999"/>
+          </a:xfrm>
+          <a:prstGeom prst="rect">
+            <a:avLst/>
+          </a:prstGeom>
+          <a:noFill/>
+        </p:spPr>
+        <p:txBody>
+          <a:bodyPr wrap="none" rtlCol="0">
+            <a:spAutoFit/>
+          </a:bodyPr>
+          <a:lstStyle/>
+          <a:p>
+            <a:r>
+              <a:rPr kumimoji="1" lang="zh-CN" altLang="en-US" sz="1200" dirty="0">
+                <a:solidFill>
+                  <a:srgbClr val="FF0000"/>
+                </a:solidFill>
+                <a:latin typeface="Microsoft YaHei" panose="020B0503020204020204" pitchFamily="34" charset="-122"/>
+                <a:ea typeface="Microsoft YaHei" panose="020B0503020204020204" pitchFamily="34" charset="-122"/>
+              </a:rPr>
+              <a:t>正三角形</a:t>
+            </a:r>
+          </a:p>
+        </p:txBody>
+      </p:sp>
+      <p:pic>
+        <p:nvPicPr>
+          <p:cNvPr id="8" name="图片 7">
+            <a:extLst>
+              <a:ext uri="{FF2B5EF4-FFF2-40B4-BE49-F238E27FC236}">
+                <a16:creationId xmlns:a16="http://schemas.microsoft.com/office/drawing/2014/main" id="{892F86F4-7CF3-FB47-82B5-F977E3CA8B60}"/>
+              </a:ext>
+            </a:extLst>
+          </p:cNvPr>
+          <p:cNvPicPr>
+            <a:picLocks noChangeAspect="1"/>
+          </p:cNvPicPr>
+          <p:nvPr/>
+        </p:nvPicPr>
+        <p:blipFill>
+          <a:blip r:embed="rId2"/>
+          <a:stretch>
+            <a:fillRect/>
+          </a:stretch>
+        </p:blipFill>
+        <p:spPr>
+          <a:xfrm>
+            <a:off x="2776583" y="695564"/>
+            <a:ext cx="1130300" cy="977900"/>
+          </a:xfrm>
+          <a:prstGeom prst="rect">
+            <a:avLst/>
+          </a:prstGeom>
+        </p:spPr>
+      </p:pic>
+      <p:graphicFrame>
+        <p:nvGraphicFramePr>
+          <p:cNvPr id="9" name="表格 8">
+            <a:extLst>
+              <a:ext uri="{FF2B5EF4-FFF2-40B4-BE49-F238E27FC236}">
+                <a16:creationId xmlns:a16="http://schemas.microsoft.com/office/drawing/2014/main" id="{55CF72C1-EFFA-3045-B64D-D9FB6BB26631}"/>
+              </a:ext>
+            </a:extLst>
+          </p:cNvPr>
+          <p:cNvGraphicFramePr>
+            <a:graphicFrameLocks noGrp="1"/>
+          </p:cNvGraphicFramePr>
+          <p:nvPr>
+            <p:extLst>
+              <p:ext uri="{D42A27DB-BD31-4B8C-83A1-F6EECF244321}">
+                <p14:modId xmlns:p14="http://schemas.microsoft.com/office/powerpoint/2010/main" val="3934460211"/>
+              </p:ext>
+            </p:extLst>
+          </p:nvPr>
+        </p:nvGraphicFramePr>
+        <p:xfrm>
+          <a:off x="4686086" y="410145"/>
+          <a:ext cx="3891199" cy="1491648"/>
+        </p:xfrm>
+        <a:graphic>
+          <a:graphicData uri="http://schemas.openxmlformats.org/drawingml/2006/table">
+            <a:tbl>
+              <a:tblPr firstRow="1" bandRow="1">
+                <a:tableStyleId>{5C22544A-7EE6-4342-B048-85BDC9FD1C3A}</a:tableStyleId>
+              </a:tblPr>
+              <a:tblGrid>
+                <a:gridCol w="1845829">
+                  <a:extLst>
+                    <a:ext uri="{9D8B030D-6E8A-4147-A177-3AD203B41FA5}">
+                      <a16:colId xmlns:a16="http://schemas.microsoft.com/office/drawing/2014/main" val="3479947025"/>
+                    </a:ext>
+                  </a:extLst>
+                </a:gridCol>
+                <a:gridCol w="2045370">
+                  <a:extLst>
+                    <a:ext uri="{9D8B030D-6E8A-4147-A177-3AD203B41FA5}">
+                      <a16:colId xmlns:a16="http://schemas.microsoft.com/office/drawing/2014/main" val="1162382197"/>
+                    </a:ext>
+                  </a:extLst>
+                </a:gridCol>
+              </a:tblGrid>
+              <a:tr h="1491648">
+                <a:tc>
+                  <a:txBody>
+                    <a:bodyPr/>
+                    <a:lstStyle/>
+                    <a:p>
+                      <a:r>
+                        <a:rPr lang="en-US" altLang="zh-CN" sz="1400" b="0" kern="1200" dirty="0">
+                          <a:solidFill>
+                            <a:schemeClr val="tx1"/>
+                          </a:solidFill>
+                          <a:effectLst/>
+                          <a:latin typeface="+mj-lt"/>
+                          <a:ea typeface="+mn-ea"/>
+                          <a:cs typeface="+mn-cs"/>
+                        </a:rPr>
+                        <a:t># </a:t>
+                      </a:r>
+                      <a:r>
+                        <a:rPr lang="zh-CN" altLang="en-US" sz="1400" b="0" kern="1200" dirty="0">
+                          <a:solidFill>
+                            <a:schemeClr val="tx1"/>
+                          </a:solidFill>
+                          <a:effectLst/>
+                          <a:latin typeface="+mj-lt"/>
+                          <a:ea typeface="+mn-ea"/>
+                          <a:cs typeface="+mn-cs"/>
+                        </a:rPr>
+                        <a:t>画正多边形</a:t>
+                      </a:r>
+                      <a:br>
+                        <a:rPr lang="zh-CN" altLang="en-US" sz="1400" b="0" kern="1200" dirty="0">
+                          <a:solidFill>
+                            <a:schemeClr val="tx1"/>
+                          </a:solidFill>
+                          <a:effectLst/>
+                          <a:latin typeface="+mj-lt"/>
+                          <a:ea typeface="+mn-ea"/>
+                          <a:cs typeface="+mn-cs"/>
+                        </a:rPr>
+                      </a:br>
+                      <a:r>
+                        <a:rPr lang="en" altLang="zh-CN" sz="1400" b="0" kern="1200" dirty="0">
+                          <a:solidFill>
+                            <a:schemeClr val="tx1"/>
+                          </a:solidFill>
+                          <a:effectLst/>
+                          <a:latin typeface="+mj-lt"/>
+                          <a:ea typeface="+mn-ea"/>
+                          <a:cs typeface="+mn-cs"/>
+                        </a:rPr>
+                        <a:t>t.circle(</a:t>
+                      </a:r>
+                      <a:r>
+                        <a:rPr lang="en-US" altLang="zh-CN" sz="1400" b="0" kern="1200" dirty="0">
+                          <a:solidFill>
+                            <a:schemeClr val="tx1"/>
+                          </a:solidFill>
+                          <a:effectLst/>
+                          <a:latin typeface="+mj-lt"/>
+                          <a:ea typeface="+mn-ea"/>
+                          <a:cs typeface="+mn-cs"/>
+                        </a:rPr>
+                        <a:t>8</a:t>
+                      </a:r>
+                      <a:r>
+                        <a:rPr lang="en" altLang="zh-CN" sz="1400" b="0" kern="1200" dirty="0">
+                          <a:solidFill>
+                            <a:schemeClr val="tx1"/>
+                          </a:solidFill>
+                          <a:effectLst/>
+                          <a:latin typeface="+mj-lt"/>
+                          <a:ea typeface="+mn-ea"/>
+                          <a:cs typeface="+mn-cs"/>
+                        </a:rPr>
+                        <a:t>0</a:t>
+                      </a:r>
+                      <a:r>
+                        <a:rPr lang="en-US" altLang="zh-CN" sz="1400" b="0" kern="1200" dirty="0">
+                          <a:solidFill>
+                            <a:schemeClr val="tx1"/>
+                          </a:solidFill>
+                          <a:effectLst/>
+                          <a:latin typeface="+mj-lt"/>
+                          <a:ea typeface="+mn-ea"/>
+                          <a:cs typeface="+mn-cs"/>
+                        </a:rPr>
+                        <a:t>,steps = 3</a:t>
+                      </a:r>
+                      <a:r>
+                        <a:rPr lang="en" altLang="zh-CN" sz="1400" b="0" kern="1200" dirty="0">
+                          <a:solidFill>
+                            <a:schemeClr val="tx1"/>
+                          </a:solidFill>
+                          <a:effectLst/>
+                          <a:latin typeface="+mj-lt"/>
+                          <a:ea typeface="+mn-ea"/>
+                          <a:cs typeface="+mn-cs"/>
+                        </a:rPr>
+                        <a:t>)</a:t>
+                      </a:r>
+                      <a:endParaRPr lang="zh-CN" altLang="en-US" sz="1400" b="0" kern="1200" dirty="0">
+                        <a:solidFill>
+                          <a:schemeClr val="tx1"/>
+                        </a:solidFill>
+                        <a:effectLst/>
+                        <a:latin typeface="+mj-lt"/>
+                        <a:ea typeface="+mn-ea"/>
+                        <a:cs typeface="+mn-cs"/>
+                      </a:endParaRPr>
+                    </a:p>
+                  </a:txBody>
+                  <a:tcPr>
+                    <a:lnL w="12700" cap="flat" cmpd="sng" algn="ctr">
+                      <a:solidFill>
+                        <a:schemeClr val="tx2"/>
+                      </a:solidFill>
+                      <a:prstDash val="solid"/>
+                      <a:round/>
+                      <a:headEnd type="none" w="med" len="med"/>
+                      <a:tailEnd type="none" w="med" len="med"/>
+                    </a:lnL>
+                    <a:lnR w="12700" cap="flat" cmpd="sng" algn="ctr">
+                      <a:solidFill>
+                        <a:schemeClr val="tx2"/>
+                      </a:solidFill>
+                      <a:prstDash val="solid"/>
+                      <a:round/>
+                      <a:headEnd type="none" w="med" len="med"/>
+                      <a:tailEnd type="none" w="med" len="med"/>
+                    </a:lnR>
+                    <a:lnT w="12700" cap="flat" cmpd="sng" algn="ctr">
+                      <a:solidFill>
+                        <a:schemeClr val="tx2"/>
+                      </a:solidFill>
+                      <a:prstDash val="solid"/>
+                      <a:round/>
+                      <a:headEnd type="none" w="med" len="med"/>
+                      <a:tailEnd type="none" w="med" len="med"/>
+                    </a:lnT>
+                    <a:lnB w="12700" cap="flat" cmpd="sng" algn="ctr">
+                      <a:solidFill>
+                        <a:schemeClr val="tx2"/>
+                      </a:solidFill>
+                      <a:prstDash val="solid"/>
+                      <a:round/>
+                      <a:headEnd type="none" w="med" len="med"/>
+                      <a:tailEnd type="none" w="med" len="med"/>
+                    </a:lnB>
+                    <a:noFill/>
+                  </a:tcPr>
+                </a:tc>
+                <a:tc>
+                  <a:txBody>
+                    <a:bodyPr/>
+                    <a:lstStyle/>
+                    <a:p>
+                      <a:endParaRPr lang="zh-CN" altLang="en-US" sz="1400" b="0" dirty="0">
+                        <a:solidFill>
+                          <a:schemeClr val="tx1"/>
+                        </a:solidFill>
+                      </a:endParaRPr>
+                    </a:p>
+                  </a:txBody>
+                  <a:tcPr>
+                    <a:lnL w="12700" cap="flat" cmpd="sng" algn="ctr">
+                      <a:solidFill>
+                        <a:schemeClr val="tx2"/>
+                      </a:solidFill>
+                      <a:prstDash val="solid"/>
+                      <a:round/>
+                      <a:headEnd type="none" w="med" len="med"/>
+                      <a:tailEnd type="none" w="med" len="med"/>
+                    </a:lnL>
+                    <a:lnR w="12700" cap="flat" cmpd="sng" algn="ctr">
+                      <a:solidFill>
+                        <a:schemeClr val="tx2"/>
+                      </a:solidFill>
+                      <a:prstDash val="solid"/>
+                      <a:round/>
+                      <a:headEnd type="none" w="med" len="med"/>
+                      <a:tailEnd type="none" w="med" len="med"/>
+                    </a:lnR>
+                    <a:lnT w="12700" cap="flat" cmpd="sng" algn="ctr">
+                      <a:solidFill>
+                        <a:schemeClr val="tx2"/>
+                      </a:solidFill>
+                      <a:prstDash val="solid"/>
+                      <a:round/>
+                      <a:headEnd type="none" w="med" len="med"/>
+                      <a:tailEnd type="none" w="med" len="med"/>
+                    </a:lnT>
+                    <a:lnB w="12700" cap="flat" cmpd="sng" algn="ctr">
+                      <a:solidFill>
+                        <a:schemeClr val="tx2"/>
+                      </a:solidFill>
+                      <a:prstDash val="solid"/>
+                      <a:round/>
+                      <a:headEnd type="none" w="med" len="med"/>
+                      <a:tailEnd type="none" w="med" len="med"/>
+                    </a:lnB>
+                    <a:noFill/>
+                  </a:tcPr>
+                </a:tc>
+                <a:extLst>
+                  <a:ext uri="{0D108BD9-81ED-4DB2-BD59-A6C34878D82A}">
+                    <a16:rowId xmlns:a16="http://schemas.microsoft.com/office/drawing/2014/main" val="395556551"/>
+                  </a:ext>
+                </a:extLst>
+              </a:tr>
+            </a:tbl>
+          </a:graphicData>
+        </a:graphic>
+      </p:graphicFrame>
+      <p:sp>
+        <p:nvSpPr>
+          <p:cNvPr id="10" name="文本框 9">
+            <a:extLst>
+              <a:ext uri="{FF2B5EF4-FFF2-40B4-BE49-F238E27FC236}">
+                <a16:creationId xmlns:a16="http://schemas.microsoft.com/office/drawing/2014/main" id="{78FE17E6-D127-6B42-9100-94CC9D36376A}"/>
+              </a:ext>
+            </a:extLst>
+          </p:cNvPr>
+          <p:cNvSpPr txBox="1"/>
+          <p:nvPr/>
+        </p:nvSpPr>
+        <p:spPr>
+          <a:xfrm>
+            <a:off x="7094331" y="410145"/>
+            <a:ext cx="800219" cy="276999"/>
+          </a:xfrm>
+          <a:prstGeom prst="rect">
+            <a:avLst/>
+          </a:prstGeom>
+          <a:noFill/>
+        </p:spPr>
+        <p:txBody>
+          <a:bodyPr wrap="none" rtlCol="0">
+            <a:spAutoFit/>
+          </a:bodyPr>
+          <a:lstStyle/>
+          <a:p>
+            <a:r>
+              <a:rPr kumimoji="1" lang="zh-CN" altLang="en-US" sz="1200" dirty="0">
+                <a:solidFill>
+                  <a:srgbClr val="FF0000"/>
+                </a:solidFill>
+                <a:latin typeface="Microsoft YaHei" panose="020B0503020204020204" pitchFamily="34" charset="-122"/>
+                <a:ea typeface="Microsoft YaHei" panose="020B0503020204020204" pitchFamily="34" charset="-122"/>
+              </a:rPr>
+              <a:t>正五边形</a:t>
+            </a:r>
+          </a:p>
+        </p:txBody>
+      </p:sp>
+      <p:pic>
+        <p:nvPicPr>
+          <p:cNvPr id="11" name="图片 10">
+            <a:extLst>
+              <a:ext uri="{FF2B5EF4-FFF2-40B4-BE49-F238E27FC236}">
+                <a16:creationId xmlns:a16="http://schemas.microsoft.com/office/drawing/2014/main" id="{C2FCCFBD-999E-494A-A510-91C481D86124}"/>
+              </a:ext>
+            </a:extLst>
+          </p:cNvPr>
+          <p:cNvPicPr>
+            <a:picLocks noChangeAspect="1"/>
+          </p:cNvPicPr>
+          <p:nvPr/>
+        </p:nvPicPr>
+        <p:blipFill>
+          <a:blip r:embed="rId3"/>
+          <a:stretch>
+            <a:fillRect/>
+          </a:stretch>
+        </p:blipFill>
+        <p:spPr>
+          <a:xfrm>
+            <a:off x="6910241" y="687144"/>
+            <a:ext cx="1168400" cy="1117600"/>
+          </a:xfrm>
+          <a:prstGeom prst="rect">
+            <a:avLst/>
+          </a:prstGeom>
+        </p:spPr>
+      </p:pic>
+      <p:pic>
+        <p:nvPicPr>
+          <p:cNvPr id="13" name="图片 12">
+            <a:extLst>
+              <a:ext uri="{FF2B5EF4-FFF2-40B4-BE49-F238E27FC236}">
+                <a16:creationId xmlns:a16="http://schemas.microsoft.com/office/drawing/2014/main" id="{981F6AF1-B6A2-B94E-B6CF-016E93CBFC2B}"/>
+              </a:ext>
+            </a:extLst>
+          </p:cNvPr>
+          <p:cNvPicPr>
+            <a:picLocks noChangeAspect="1"/>
+          </p:cNvPicPr>
+          <p:nvPr/>
+        </p:nvPicPr>
+        <p:blipFill>
+          <a:blip r:embed="rId4"/>
+          <a:stretch>
+            <a:fillRect/>
+          </a:stretch>
+        </p:blipFill>
+        <p:spPr>
+          <a:xfrm>
+            <a:off x="6350" y="2298700"/>
+            <a:ext cx="5516145" cy="1365610"/>
+          </a:xfrm>
+          <a:prstGeom prst="rect">
+            <a:avLst/>
+          </a:prstGeom>
+        </p:spPr>
+      </p:pic>
+    </p:spTree>
+    <p:extLst>
+      <p:ext uri="{BB962C8B-B14F-4D97-AF65-F5344CB8AC3E}">
+        <p14:creationId xmlns:p14="http://schemas.microsoft.com/office/powerpoint/2010/main" val="3891918080"/>
       </p:ext>
     </p:extLst>
   </p:cSld>

--- a/Python入门课0.pptx
+++ b/Python入门课0.pptx
@@ -15,6 +15,8 @@
     <p:sldId id="263" r:id="rId9"/>
     <p:sldId id="264" r:id="rId10"/>
     <p:sldId id="265" r:id="rId11"/>
+    <p:sldId id="266" r:id="rId12"/>
+    <p:sldId id="267" r:id="rId13"/>
   </p:sldIdLst>
   <p:sldSz cx="9144000" cy="6858000" type="screen4x3"/>
   <p:notesSz cx="6858000" cy="9144000"/>
@@ -115,7 +117,7 @@
   </p:defaultTextStyle>
   <p:extLst>
     <p:ext uri="{EFAFB233-063F-42B5-8137-9DF3F51BA10A}">
-      <p15:sldGuideLst xmlns:p15="http://schemas.microsoft.com/office/powerpoint/2012/main">
+      <p15:sldGuideLst xmlns:p15="http://schemas.microsoft.com/office/powerpoint/2012/main" xmlns="">
         <p15:guide id="1" orient="horz" pos="2160">
           <p15:clr>
             <a:srgbClr val="A4A3A4"/>
@@ -311,7 +313,7 @@
           <a:p>
             <a:fld id="{AD413914-F3AF-F74C-BD1B-B3ED4A71B459}" type="datetimeFigureOut">
               <a:rPr kumimoji="1" lang="zh-CN" altLang="en-US" smtClean="0"/>
-              <a:t>2019/12/26</a:t>
+              <a:t>19-12-30</a:t>
             </a:fld>
             <a:endParaRPr kumimoji="1" lang="zh-CN" altLang="en-US"/>
           </a:p>
@@ -479,7 +481,7 @@
           <a:p>
             <a:fld id="{AD413914-F3AF-F74C-BD1B-B3ED4A71B459}" type="datetimeFigureOut">
               <a:rPr kumimoji="1" lang="zh-CN" altLang="en-US" smtClean="0"/>
-              <a:t>2019/12/26</a:t>
+              <a:t>19-12-30</a:t>
             </a:fld>
             <a:endParaRPr kumimoji="1" lang="zh-CN" altLang="en-US"/>
           </a:p>
@@ -657,7 +659,7 @@
           <a:p>
             <a:fld id="{AD413914-F3AF-F74C-BD1B-B3ED4A71B459}" type="datetimeFigureOut">
               <a:rPr kumimoji="1" lang="zh-CN" altLang="en-US" smtClean="0"/>
-              <a:t>2019/12/26</a:t>
+              <a:t>19-12-30</a:t>
             </a:fld>
             <a:endParaRPr kumimoji="1" lang="zh-CN" altLang="en-US"/>
           </a:p>
@@ -825,7 +827,7 @@
           <a:p>
             <a:fld id="{AD413914-F3AF-F74C-BD1B-B3ED4A71B459}" type="datetimeFigureOut">
               <a:rPr kumimoji="1" lang="zh-CN" altLang="en-US" smtClean="0"/>
-              <a:t>2019/12/26</a:t>
+              <a:t>19-12-30</a:t>
             </a:fld>
             <a:endParaRPr kumimoji="1" lang="zh-CN" altLang="en-US"/>
           </a:p>
@@ -1070,7 +1072,7 @@
           <a:p>
             <a:fld id="{AD413914-F3AF-F74C-BD1B-B3ED4A71B459}" type="datetimeFigureOut">
               <a:rPr kumimoji="1" lang="zh-CN" altLang="en-US" smtClean="0"/>
-              <a:t>2019/12/26</a:t>
+              <a:t>19-12-30</a:t>
             </a:fld>
             <a:endParaRPr kumimoji="1" lang="zh-CN" altLang="en-US"/>
           </a:p>
@@ -1355,7 +1357,7 @@
           <a:p>
             <a:fld id="{AD413914-F3AF-F74C-BD1B-B3ED4A71B459}" type="datetimeFigureOut">
               <a:rPr kumimoji="1" lang="zh-CN" altLang="en-US" smtClean="0"/>
-              <a:t>2019/12/26</a:t>
+              <a:t>19-12-30</a:t>
             </a:fld>
             <a:endParaRPr kumimoji="1" lang="zh-CN" altLang="en-US"/>
           </a:p>
@@ -1774,7 +1776,7 @@
           <a:p>
             <a:fld id="{AD413914-F3AF-F74C-BD1B-B3ED4A71B459}" type="datetimeFigureOut">
               <a:rPr kumimoji="1" lang="zh-CN" altLang="en-US" smtClean="0"/>
-              <a:t>2019/12/26</a:t>
+              <a:t>19-12-30</a:t>
             </a:fld>
             <a:endParaRPr kumimoji="1" lang="zh-CN" altLang="en-US"/>
           </a:p>
@@ -1891,7 +1893,7 @@
           <a:p>
             <a:fld id="{AD413914-F3AF-F74C-BD1B-B3ED4A71B459}" type="datetimeFigureOut">
               <a:rPr kumimoji="1" lang="zh-CN" altLang="en-US" smtClean="0"/>
-              <a:t>2019/12/26</a:t>
+              <a:t>19-12-30</a:t>
             </a:fld>
             <a:endParaRPr kumimoji="1" lang="zh-CN" altLang="en-US"/>
           </a:p>
@@ -1986,7 +1988,7 @@
           <a:p>
             <a:fld id="{AD413914-F3AF-F74C-BD1B-B3ED4A71B459}" type="datetimeFigureOut">
               <a:rPr kumimoji="1" lang="zh-CN" altLang="en-US" smtClean="0"/>
-              <a:t>2019/12/26</a:t>
+              <a:t>19-12-30</a:t>
             </a:fld>
             <a:endParaRPr kumimoji="1" lang="zh-CN" altLang="en-US"/>
           </a:p>
@@ -2261,7 +2263,7 @@
           <a:p>
             <a:fld id="{AD413914-F3AF-F74C-BD1B-B3ED4A71B459}" type="datetimeFigureOut">
               <a:rPr kumimoji="1" lang="zh-CN" altLang="en-US" smtClean="0"/>
-              <a:t>2019/12/26</a:t>
+              <a:t>19-12-30</a:t>
             </a:fld>
             <a:endParaRPr kumimoji="1" lang="zh-CN" altLang="en-US"/>
           </a:p>
@@ -2513,7 +2515,7 @@
           <a:p>
             <a:fld id="{AD413914-F3AF-F74C-BD1B-B3ED4A71B459}" type="datetimeFigureOut">
               <a:rPr kumimoji="1" lang="zh-CN" altLang="en-US" smtClean="0"/>
-              <a:t>2019/12/26</a:t>
+              <a:t>19-12-30</a:t>
             </a:fld>
             <a:endParaRPr kumimoji="1" lang="zh-CN" altLang="en-US"/>
           </a:p>
@@ -2724,7 +2726,7 @@
           <a:p>
             <a:fld id="{AD413914-F3AF-F74C-BD1B-B3ED4A71B459}" type="datetimeFigureOut">
               <a:rPr kumimoji="1" lang="zh-CN" altLang="en-US" smtClean="0"/>
-              <a:t>2019/12/26</a:t>
+              <a:t>19-12-30</a:t>
             </a:fld>
             <a:endParaRPr kumimoji="1" lang="zh-CN" altLang="en-US"/>
           </a:p>
@@ -3222,7 +3224,7 @@
           <p:cNvPr id="4" name="文本框 3">
             <a:extLst>
               <a:ext uri="{FF2B5EF4-FFF2-40B4-BE49-F238E27FC236}">
-                <a16:creationId xmlns:a16="http://schemas.microsoft.com/office/drawing/2014/main" id="{5DE04A94-D8ED-C547-9F30-9803974C771C}"/>
+                <a16:creationId xmlns:a16="http://schemas.microsoft.com/office/drawing/2014/main" xmlns="" id="{5DE04A94-D8ED-C547-9F30-9803974C771C}"/>
               </a:ext>
             </a:extLst>
           </p:cNvPr>
@@ -3289,6 +3291,10 @@
             <a:br>
               <a:rPr lang="en" altLang="zh-CN" sz="1200" dirty="0"/>
             </a:br>
+            <a:r>
+              <a:rPr lang="en" altLang="zh-CN" sz="1200" dirty="0"/>
+              <a:t/>
+            </a:r>
             <a:br>
               <a:rPr lang="en" altLang="zh-CN" sz="1200" dirty="0"/>
             </a:br>
@@ -3366,6 +3372,10 @@
             <a:br>
               <a:rPr lang="en" altLang="zh-CN" sz="1200" dirty="0"/>
             </a:br>
+            <a:r>
+              <a:rPr lang="en" altLang="zh-CN" sz="1200" dirty="0"/>
+              <a:t/>
+            </a:r>
             <a:br>
               <a:rPr lang="en" altLang="zh-CN" sz="1200" dirty="0"/>
             </a:br>
@@ -3429,6 +3439,10 @@
             <a:br>
               <a:rPr lang="en" altLang="zh-CN" sz="1200" dirty="0"/>
             </a:br>
+            <a:r>
+              <a:rPr lang="en" altLang="zh-CN" sz="1200" dirty="0"/>
+              <a:t/>
+            </a:r>
             <a:br>
               <a:rPr lang="en" altLang="zh-CN" sz="1200" dirty="0"/>
             </a:br>
@@ -3503,6 +3517,10 @@
             <a:br>
               <a:rPr lang="en" altLang="zh-CN" sz="1200" dirty="0"/>
             </a:br>
+            <a:r>
+              <a:rPr lang="en" altLang="zh-CN" sz="1200" dirty="0"/>
+              <a:t/>
+            </a:r>
             <a:br>
               <a:rPr lang="en" altLang="zh-CN" sz="1200" dirty="0"/>
             </a:br>
@@ -3524,6 +3542,10 @@
             <a:br>
               <a:rPr lang="en" altLang="zh-CN" sz="1200" dirty="0"/>
             </a:br>
+            <a:r>
+              <a:rPr lang="en" altLang="zh-CN" sz="1200" dirty="0"/>
+              <a:t/>
+            </a:r>
             <a:br>
               <a:rPr lang="en" altLang="zh-CN" sz="1200" dirty="0"/>
             </a:br>
@@ -3539,6 +3561,1518 @@
     <p:extLst>
       <p:ext uri="{BB962C8B-B14F-4D97-AF65-F5344CB8AC3E}">
         <p14:creationId xmlns:p14="http://schemas.microsoft.com/office/powerpoint/2010/main" val="3530456240"/>
+      </p:ext>
+    </p:extLst>
+  </p:cSld>
+  <p:clrMapOvr>
+    <a:masterClrMapping/>
+  </p:clrMapOvr>
+</p:sld>
+</file>
+
+<file path=ppt/slides/slide11.xml><?xml version="1.0" encoding="utf-8"?>
+<p:sld xmlns:a="http://schemas.openxmlformats.org/drawingml/2006/main" xmlns:r="http://schemas.openxmlformats.org/officeDocument/2006/relationships" xmlns:p="http://schemas.openxmlformats.org/presentationml/2006/main">
+  <p:cSld>
+    <p:spTree>
+      <p:nvGrpSpPr>
+        <p:cNvPr id="1" name=""/>
+        <p:cNvGrpSpPr/>
+        <p:nvPr/>
+      </p:nvGrpSpPr>
+      <p:grpSpPr>
+        <a:xfrm>
+          <a:off x="0" y="0"/>
+          <a:ext cx="0" cy="0"/>
+          <a:chOff x="0" y="0"/>
+          <a:chExt cx="0" cy="0"/>
+        </a:xfrm>
+      </p:grpSpPr>
+      <p:sp>
+        <p:nvSpPr>
+          <p:cNvPr id="15" name="等腰三角形 14"/>
+          <p:cNvSpPr/>
+          <p:nvPr/>
+        </p:nvSpPr>
+        <p:spPr>
+          <a:xfrm>
+            <a:off x="1294673" y="1974298"/>
+            <a:ext cx="1152487" cy="2424432"/>
+          </a:xfrm>
+          <a:prstGeom prst="triangle">
+            <a:avLst/>
+          </a:prstGeom>
+          <a:solidFill>
+            <a:srgbClr val="008000"/>
+          </a:solidFill>
+          <a:ln>
+            <a:solidFill>
+              <a:schemeClr val="accent3"/>
+            </a:solidFill>
+          </a:ln>
+        </p:spPr>
+        <p:style>
+          <a:lnRef idx="1">
+            <a:schemeClr val="accent1"/>
+          </a:lnRef>
+          <a:fillRef idx="3">
+            <a:schemeClr val="accent1"/>
+          </a:fillRef>
+          <a:effectRef idx="2">
+            <a:schemeClr val="accent1"/>
+          </a:effectRef>
+          <a:fontRef idx="minor">
+            <a:schemeClr val="lt1"/>
+          </a:fontRef>
+        </p:style>
+        <p:txBody>
+          <a:bodyPr rtlCol="0" anchor="ctr"/>
+          <a:lstStyle/>
+          <a:p>
+            <a:pPr algn="ctr"/>
+            <a:endParaRPr kumimoji="1" lang="zh-CN" altLang="en-US"/>
+          </a:p>
+        </p:txBody>
+      </p:sp>
+      <p:sp>
+        <p:nvSpPr>
+          <p:cNvPr id="4" name="文本框 3">
+            <a:extLst>
+              <a:ext uri="{FF2B5EF4-FFF2-40B4-BE49-F238E27FC236}">
+                <a16:creationId xmlns:a16="http://schemas.microsoft.com/office/drawing/2014/main" xmlns="" id="{BD5BDBAA-D597-844B-A766-C3663E62A12D}"/>
+              </a:ext>
+            </a:extLst>
+          </p:cNvPr>
+          <p:cNvSpPr txBox="1"/>
+          <p:nvPr/>
+        </p:nvSpPr>
+        <p:spPr>
+          <a:xfrm>
+            <a:off x="0" y="0"/>
+            <a:ext cx="761747" cy="369332"/>
+          </a:xfrm>
+          <a:prstGeom prst="rect">
+            <a:avLst/>
+          </a:prstGeom>
+          <a:noFill/>
+        </p:spPr>
+        <p:txBody>
+          <a:bodyPr wrap="none" rtlCol="0">
+            <a:spAutoFit/>
+          </a:bodyPr>
+          <a:lstStyle/>
+          <a:p>
+            <a:r>
+              <a:rPr kumimoji="1" lang="zh-CN" altLang="en-US" dirty="0" smtClean="0"/>
+              <a:t>第</a:t>
+            </a:r>
+            <a:r>
+              <a:rPr kumimoji="1" lang="zh-CN" altLang="zh-CN" dirty="0"/>
+              <a:t>3</a:t>
+            </a:r>
+            <a:r>
+              <a:rPr kumimoji="1" lang="zh-CN" altLang="en-US" dirty="0" smtClean="0"/>
+              <a:t>课</a:t>
+            </a:r>
+            <a:endParaRPr kumimoji="1" lang="zh-CN" altLang="en-US" dirty="0"/>
+          </a:p>
+        </p:txBody>
+      </p:sp>
+      <p:cxnSp>
+        <p:nvCxnSpPr>
+          <p:cNvPr id="10" name="直线箭头连接符 9"/>
+          <p:cNvCxnSpPr/>
+          <p:nvPr/>
+        </p:nvCxnSpPr>
+        <p:spPr>
+          <a:xfrm flipH="1" flipV="1">
+            <a:off x="1873766" y="1364155"/>
+            <a:ext cx="31032" cy="3882367"/>
+          </a:xfrm>
+          <a:prstGeom prst="straightConnector1">
+            <a:avLst/>
+          </a:prstGeom>
+          <a:ln>
+            <a:solidFill>
+              <a:srgbClr val="A6A6A6"/>
+            </a:solidFill>
+            <a:tailEnd type="arrow"/>
+          </a:ln>
+        </p:spPr>
+        <p:style>
+          <a:lnRef idx="2">
+            <a:schemeClr val="accent1"/>
+          </a:lnRef>
+          <a:fillRef idx="0">
+            <a:schemeClr val="accent1"/>
+          </a:fillRef>
+          <a:effectRef idx="1">
+            <a:schemeClr val="accent1"/>
+          </a:effectRef>
+          <a:fontRef idx="minor">
+            <a:schemeClr val="tx1"/>
+          </a:fontRef>
+        </p:style>
+      </p:cxnSp>
+      <p:sp>
+        <p:nvSpPr>
+          <p:cNvPr id="11" name="文本框 10"/>
+          <p:cNvSpPr txBox="1"/>
+          <p:nvPr/>
+        </p:nvSpPr>
+        <p:spPr>
+          <a:xfrm>
+            <a:off x="3611598" y="3235515"/>
+            <a:ext cx="287258" cy="369332"/>
+          </a:xfrm>
+          <a:prstGeom prst="rect">
+            <a:avLst/>
+          </a:prstGeom>
+          <a:noFill/>
+        </p:spPr>
+        <p:txBody>
+          <a:bodyPr wrap="none" rtlCol="0">
+            <a:spAutoFit/>
+          </a:bodyPr>
+          <a:lstStyle/>
+          <a:p>
+            <a:r>
+              <a:rPr kumimoji="1" lang="en-US" altLang="zh-CN" dirty="0" smtClean="0"/>
+              <a:t>x</a:t>
+            </a:r>
+            <a:endParaRPr kumimoji="1" lang="zh-CN" altLang="en-US" dirty="0"/>
+          </a:p>
+        </p:txBody>
+      </p:sp>
+      <p:sp>
+        <p:nvSpPr>
+          <p:cNvPr id="12" name="文本框 11"/>
+          <p:cNvSpPr txBox="1"/>
+          <p:nvPr/>
+        </p:nvSpPr>
+        <p:spPr>
+          <a:xfrm>
+            <a:off x="1714459" y="795276"/>
+            <a:ext cx="289149" cy="369332"/>
+          </a:xfrm>
+          <a:prstGeom prst="rect">
+            <a:avLst/>
+          </a:prstGeom>
+          <a:noFill/>
+        </p:spPr>
+        <p:txBody>
+          <a:bodyPr wrap="none" rtlCol="0">
+            <a:spAutoFit/>
+          </a:bodyPr>
+          <a:lstStyle/>
+          <a:p>
+            <a:r>
+              <a:rPr kumimoji="1" lang="en-US" altLang="zh-CN" dirty="0" smtClean="0"/>
+              <a:t>y</a:t>
+            </a:r>
+            <a:endParaRPr kumimoji="1" lang="zh-CN" altLang="en-US" dirty="0"/>
+          </a:p>
+        </p:txBody>
+      </p:sp>
+      <p:sp>
+        <p:nvSpPr>
+          <p:cNvPr id="13" name="等腰三角形 12"/>
+          <p:cNvSpPr/>
+          <p:nvPr/>
+        </p:nvSpPr>
+        <p:spPr>
+          <a:xfrm rot="5400000">
+            <a:off x="1692190" y="3339367"/>
+            <a:ext cx="188454" cy="143916"/>
+          </a:xfrm>
+          <a:prstGeom prst="triangle">
+            <a:avLst/>
+          </a:prstGeom>
+          <a:solidFill>
+            <a:schemeClr val="tx1"/>
+          </a:solidFill>
+          <a:ln>
+            <a:solidFill>
+              <a:srgbClr val="000000"/>
+            </a:solidFill>
+          </a:ln>
+        </p:spPr>
+        <p:style>
+          <a:lnRef idx="1">
+            <a:schemeClr val="accent1"/>
+          </a:lnRef>
+          <a:fillRef idx="3">
+            <a:schemeClr val="accent1"/>
+          </a:fillRef>
+          <a:effectRef idx="2">
+            <a:schemeClr val="accent1"/>
+          </a:effectRef>
+          <a:fontRef idx="minor">
+            <a:schemeClr val="lt1"/>
+          </a:fontRef>
+        </p:style>
+        <p:txBody>
+          <a:bodyPr rtlCol="0" anchor="ctr"/>
+          <a:lstStyle/>
+          <a:p>
+            <a:pPr algn="ctr"/>
+            <a:endParaRPr kumimoji="1" lang="zh-CN" altLang="en-US"/>
+          </a:p>
+        </p:txBody>
+      </p:sp>
+      <p:sp>
+        <p:nvSpPr>
+          <p:cNvPr id="14" name="文本框 13"/>
+          <p:cNvSpPr txBox="1"/>
+          <p:nvPr/>
+        </p:nvSpPr>
+        <p:spPr>
+          <a:xfrm>
+            <a:off x="1858088" y="3420181"/>
+            <a:ext cx="472380" cy="276999"/>
+          </a:xfrm>
+          <a:prstGeom prst="rect">
+            <a:avLst/>
+          </a:prstGeom>
+          <a:noFill/>
+        </p:spPr>
+        <p:txBody>
+          <a:bodyPr wrap="none" rtlCol="0">
+            <a:spAutoFit/>
+          </a:bodyPr>
+          <a:lstStyle/>
+          <a:p>
+            <a:r>
+              <a:rPr kumimoji="1" lang="en-US" altLang="zh-CN" sz="1200" dirty="0" smtClean="0"/>
+              <a:t>(0,0)</a:t>
+            </a:r>
+            <a:endParaRPr kumimoji="1" lang="zh-CN" altLang="en-US" sz="1200" dirty="0"/>
+          </a:p>
+        </p:txBody>
+      </p:sp>
+      <p:sp>
+        <p:nvSpPr>
+          <p:cNvPr id="19" name="文本框 18"/>
+          <p:cNvSpPr txBox="1"/>
+          <p:nvPr/>
+        </p:nvSpPr>
+        <p:spPr>
+          <a:xfrm>
+            <a:off x="2263750" y="2955800"/>
+            <a:ext cx="366657" cy="307777"/>
+          </a:xfrm>
+          <a:prstGeom prst="rect">
+            <a:avLst/>
+          </a:prstGeom>
+          <a:noFill/>
+        </p:spPr>
+        <p:txBody>
+          <a:bodyPr wrap="none" rtlCol="0">
+            <a:spAutoFit/>
+          </a:bodyPr>
+          <a:lstStyle/>
+          <a:p>
+            <a:r>
+              <a:rPr kumimoji="1" lang="en-US" altLang="zh-CN" sz="1400" dirty="0" smtClean="0"/>
+              <a:t>6</a:t>
+            </a:r>
+            <a:r>
+              <a:rPr kumimoji="1" lang="en-US" altLang="zh-CN" sz="1400" dirty="0" smtClean="0"/>
+              <a:t>0</a:t>
+            </a:r>
+            <a:endParaRPr kumimoji="1" lang="zh-CN" altLang="en-US" sz="1400" dirty="0"/>
+          </a:p>
+        </p:txBody>
+      </p:sp>
+      <p:cxnSp>
+        <p:nvCxnSpPr>
+          <p:cNvPr id="25" name="直线连接符 24"/>
+          <p:cNvCxnSpPr/>
+          <p:nvPr/>
+        </p:nvCxnSpPr>
+        <p:spPr>
+          <a:xfrm>
+            <a:off x="2443815" y="3263577"/>
+            <a:ext cx="0" cy="141013"/>
+          </a:xfrm>
+          <a:prstGeom prst="line">
+            <a:avLst/>
+          </a:prstGeom>
+          <a:ln>
+            <a:solidFill>
+              <a:schemeClr val="tx1"/>
+            </a:solidFill>
+          </a:ln>
+        </p:spPr>
+        <p:style>
+          <a:lnRef idx="2">
+            <a:schemeClr val="accent1"/>
+          </a:lnRef>
+          <a:fillRef idx="0">
+            <a:schemeClr val="accent1"/>
+          </a:fillRef>
+          <a:effectRef idx="1">
+            <a:schemeClr val="accent1"/>
+          </a:effectRef>
+          <a:fontRef idx="minor">
+            <a:schemeClr val="tx1"/>
+          </a:fontRef>
+        </p:style>
+      </p:cxnSp>
+      <p:sp>
+        <p:nvSpPr>
+          <p:cNvPr id="28" name="文本框 27"/>
+          <p:cNvSpPr txBox="1"/>
+          <p:nvPr/>
+        </p:nvSpPr>
+        <p:spPr>
+          <a:xfrm>
+            <a:off x="1098515" y="2958009"/>
+            <a:ext cx="421622" cy="307777"/>
+          </a:xfrm>
+          <a:prstGeom prst="rect">
+            <a:avLst/>
+          </a:prstGeom>
+          <a:noFill/>
+        </p:spPr>
+        <p:txBody>
+          <a:bodyPr wrap="none" rtlCol="0">
+            <a:spAutoFit/>
+          </a:bodyPr>
+          <a:lstStyle/>
+          <a:p>
+            <a:r>
+              <a:rPr kumimoji="1" lang="en-US" altLang="zh-CN" sz="1400" dirty="0" smtClean="0"/>
+              <a:t>-6</a:t>
+            </a:r>
+            <a:r>
+              <a:rPr kumimoji="1" lang="en-US" altLang="zh-CN" sz="1400" dirty="0" smtClean="0"/>
+              <a:t>0</a:t>
+            </a:r>
+            <a:endParaRPr kumimoji="1" lang="zh-CN" altLang="en-US" sz="1400" dirty="0"/>
+          </a:p>
+        </p:txBody>
+      </p:sp>
+      <p:cxnSp>
+        <p:nvCxnSpPr>
+          <p:cNvPr id="29" name="直线连接符 28"/>
+          <p:cNvCxnSpPr/>
+          <p:nvPr/>
+        </p:nvCxnSpPr>
+        <p:spPr>
+          <a:xfrm>
+            <a:off x="1291409" y="3265786"/>
+            <a:ext cx="0" cy="141013"/>
+          </a:xfrm>
+          <a:prstGeom prst="line">
+            <a:avLst/>
+          </a:prstGeom>
+          <a:ln>
+            <a:solidFill>
+              <a:schemeClr val="tx1"/>
+            </a:solidFill>
+          </a:ln>
+        </p:spPr>
+        <p:style>
+          <a:lnRef idx="2">
+            <a:schemeClr val="accent1"/>
+          </a:lnRef>
+          <a:fillRef idx="0">
+            <a:schemeClr val="accent1"/>
+          </a:fillRef>
+          <a:effectRef idx="1">
+            <a:schemeClr val="accent1"/>
+          </a:effectRef>
+          <a:fontRef idx="minor">
+            <a:schemeClr val="tx1"/>
+          </a:fontRef>
+        </p:style>
+      </p:cxnSp>
+      <p:cxnSp>
+        <p:nvCxnSpPr>
+          <p:cNvPr id="6" name="直线箭头连接符 5"/>
+          <p:cNvCxnSpPr/>
+          <p:nvPr/>
+        </p:nvCxnSpPr>
+        <p:spPr>
+          <a:xfrm>
+            <a:off x="115458" y="3402540"/>
+            <a:ext cx="3496140" cy="4259"/>
+          </a:xfrm>
+          <a:prstGeom prst="straightConnector1">
+            <a:avLst/>
+          </a:prstGeom>
+          <a:ln>
+            <a:solidFill>
+              <a:schemeClr val="bg1">
+                <a:lumMod val="65000"/>
+              </a:schemeClr>
+            </a:solidFill>
+            <a:tailEnd type="arrow"/>
+          </a:ln>
+        </p:spPr>
+        <p:style>
+          <a:lnRef idx="2">
+            <a:schemeClr val="accent1"/>
+          </a:lnRef>
+          <a:fillRef idx="0">
+            <a:schemeClr val="accent1"/>
+          </a:fillRef>
+          <a:effectRef idx="1">
+            <a:schemeClr val="accent1"/>
+          </a:effectRef>
+          <a:fontRef idx="minor">
+            <a:schemeClr val="tx1"/>
+          </a:fontRef>
+        </p:style>
+      </p:cxnSp>
+      <p:cxnSp>
+        <p:nvCxnSpPr>
+          <p:cNvPr id="30" name="直线连接符 29"/>
+          <p:cNvCxnSpPr/>
+          <p:nvPr/>
+        </p:nvCxnSpPr>
+        <p:spPr>
+          <a:xfrm flipH="1">
+            <a:off x="1852020" y="1978016"/>
+            <a:ext cx="151588" cy="0"/>
+          </a:xfrm>
+          <a:prstGeom prst="line">
+            <a:avLst/>
+          </a:prstGeom>
+          <a:ln>
+            <a:solidFill>
+              <a:schemeClr val="tx1"/>
+            </a:solidFill>
+          </a:ln>
+        </p:spPr>
+        <p:style>
+          <a:lnRef idx="2">
+            <a:schemeClr val="accent1"/>
+          </a:lnRef>
+          <a:fillRef idx="0">
+            <a:schemeClr val="accent1"/>
+          </a:fillRef>
+          <a:effectRef idx="1">
+            <a:schemeClr val="accent1"/>
+          </a:effectRef>
+          <a:fontRef idx="minor">
+            <a:schemeClr val="tx1"/>
+          </a:fontRef>
+        </p:style>
+      </p:cxnSp>
+      <p:sp>
+        <p:nvSpPr>
+          <p:cNvPr id="33" name="文本框 32"/>
+          <p:cNvSpPr txBox="1"/>
+          <p:nvPr/>
+        </p:nvSpPr>
+        <p:spPr>
+          <a:xfrm>
+            <a:off x="1447146" y="1807581"/>
+            <a:ext cx="457652" cy="307777"/>
+          </a:xfrm>
+          <a:prstGeom prst="rect">
+            <a:avLst/>
+          </a:prstGeom>
+          <a:noFill/>
+        </p:spPr>
+        <p:txBody>
+          <a:bodyPr wrap="none" rtlCol="0">
+            <a:spAutoFit/>
+          </a:bodyPr>
+          <a:lstStyle/>
+          <a:p>
+            <a:r>
+              <a:rPr kumimoji="1" lang="en-US" altLang="zh-CN" sz="1400" dirty="0"/>
+              <a:t>120</a:t>
+            </a:r>
+            <a:endParaRPr kumimoji="1" lang="zh-CN" altLang="en-US" sz="1400" dirty="0"/>
+          </a:p>
+        </p:txBody>
+      </p:sp>
+      <p:cxnSp>
+        <p:nvCxnSpPr>
+          <p:cNvPr id="35" name="直线连接符 34"/>
+          <p:cNvCxnSpPr/>
+          <p:nvPr/>
+        </p:nvCxnSpPr>
+        <p:spPr>
+          <a:xfrm flipH="1">
+            <a:off x="1824900" y="4415276"/>
+            <a:ext cx="151588" cy="0"/>
+          </a:xfrm>
+          <a:prstGeom prst="line">
+            <a:avLst/>
+          </a:prstGeom>
+          <a:ln>
+            <a:solidFill>
+              <a:schemeClr val="tx1"/>
+            </a:solidFill>
+          </a:ln>
+        </p:spPr>
+        <p:style>
+          <a:lnRef idx="2">
+            <a:schemeClr val="accent1"/>
+          </a:lnRef>
+          <a:fillRef idx="0">
+            <a:schemeClr val="accent1"/>
+          </a:fillRef>
+          <a:effectRef idx="1">
+            <a:schemeClr val="accent1"/>
+          </a:effectRef>
+          <a:fontRef idx="minor">
+            <a:schemeClr val="tx1"/>
+          </a:fontRef>
+        </p:style>
+      </p:cxnSp>
+      <p:sp>
+        <p:nvSpPr>
+          <p:cNvPr id="36" name="文本框 35"/>
+          <p:cNvSpPr txBox="1"/>
+          <p:nvPr/>
+        </p:nvSpPr>
+        <p:spPr>
+          <a:xfrm>
+            <a:off x="1291736" y="4244841"/>
+            <a:ext cx="547420" cy="307777"/>
+          </a:xfrm>
+          <a:prstGeom prst="rect">
+            <a:avLst/>
+          </a:prstGeom>
+          <a:noFill/>
+        </p:spPr>
+        <p:txBody>
+          <a:bodyPr wrap="none" rtlCol="0">
+            <a:spAutoFit/>
+          </a:bodyPr>
+          <a:lstStyle/>
+          <a:p>
+            <a:r>
+              <a:rPr kumimoji="1" lang="zh-CN" altLang="zh-CN" sz="1400" dirty="0" smtClean="0"/>
+              <a:t>-</a:t>
+            </a:r>
+            <a:r>
+              <a:rPr kumimoji="1" lang="en-US" altLang="zh-CN" sz="1400" dirty="0" smtClean="0"/>
+              <a:t>10</a:t>
+            </a:r>
+            <a:r>
+              <a:rPr kumimoji="1" lang="en-US" altLang="zh-CN" sz="1400" dirty="0" smtClean="0"/>
+              <a:t>0</a:t>
+            </a:r>
+            <a:endParaRPr kumimoji="1" lang="zh-CN" altLang="en-US" sz="1400" dirty="0"/>
+          </a:p>
+        </p:txBody>
+      </p:sp>
+      <p:sp>
+        <p:nvSpPr>
+          <p:cNvPr id="50" name="等腰三角形 49"/>
+          <p:cNvSpPr/>
+          <p:nvPr/>
+        </p:nvSpPr>
+        <p:spPr>
+          <a:xfrm>
+            <a:off x="6235557" y="1932536"/>
+            <a:ext cx="1152487" cy="2424432"/>
+          </a:xfrm>
+          <a:prstGeom prst="triangle">
+            <a:avLst/>
+          </a:prstGeom>
+          <a:solidFill>
+            <a:srgbClr val="008000"/>
+          </a:solidFill>
+          <a:ln>
+            <a:solidFill>
+              <a:schemeClr val="accent3"/>
+            </a:solidFill>
+          </a:ln>
+        </p:spPr>
+        <p:style>
+          <a:lnRef idx="1">
+            <a:schemeClr val="accent1"/>
+          </a:lnRef>
+          <a:fillRef idx="3">
+            <a:schemeClr val="accent1"/>
+          </a:fillRef>
+          <a:effectRef idx="2">
+            <a:schemeClr val="accent1"/>
+          </a:effectRef>
+          <a:fontRef idx="minor">
+            <a:schemeClr val="lt1"/>
+          </a:fontRef>
+        </p:style>
+        <p:txBody>
+          <a:bodyPr rtlCol="0" anchor="ctr"/>
+          <a:lstStyle/>
+          <a:p>
+            <a:pPr algn="ctr"/>
+            <a:endParaRPr kumimoji="1" lang="zh-CN" altLang="en-US"/>
+          </a:p>
+        </p:txBody>
+      </p:sp>
+      <p:sp>
+        <p:nvSpPr>
+          <p:cNvPr id="51" name="文本框 50"/>
+          <p:cNvSpPr txBox="1"/>
+          <p:nvPr/>
+        </p:nvSpPr>
+        <p:spPr>
+          <a:xfrm>
+            <a:off x="8552482" y="3142441"/>
+            <a:ext cx="287258" cy="369332"/>
+          </a:xfrm>
+          <a:prstGeom prst="rect">
+            <a:avLst/>
+          </a:prstGeom>
+          <a:noFill/>
+        </p:spPr>
+        <p:txBody>
+          <a:bodyPr wrap="none" rtlCol="0">
+            <a:spAutoFit/>
+          </a:bodyPr>
+          <a:lstStyle/>
+          <a:p>
+            <a:r>
+              <a:rPr kumimoji="1" lang="en-US" altLang="zh-CN" dirty="0" smtClean="0"/>
+              <a:t>x</a:t>
+            </a:r>
+            <a:endParaRPr kumimoji="1" lang="zh-CN" altLang="en-US" dirty="0"/>
+          </a:p>
+        </p:txBody>
+      </p:sp>
+      <p:sp>
+        <p:nvSpPr>
+          <p:cNvPr id="52" name="文本框 51"/>
+          <p:cNvSpPr txBox="1"/>
+          <p:nvPr/>
+        </p:nvSpPr>
+        <p:spPr>
+          <a:xfrm>
+            <a:off x="6668172" y="830482"/>
+            <a:ext cx="289149" cy="369332"/>
+          </a:xfrm>
+          <a:prstGeom prst="rect">
+            <a:avLst/>
+          </a:prstGeom>
+          <a:noFill/>
+        </p:spPr>
+        <p:txBody>
+          <a:bodyPr wrap="none" rtlCol="0">
+            <a:spAutoFit/>
+          </a:bodyPr>
+          <a:lstStyle/>
+          <a:p>
+            <a:r>
+              <a:rPr kumimoji="1" lang="en-US" altLang="zh-CN" dirty="0" smtClean="0"/>
+              <a:t>y</a:t>
+            </a:r>
+            <a:endParaRPr kumimoji="1" lang="zh-CN" altLang="en-US" dirty="0"/>
+          </a:p>
+        </p:txBody>
+      </p:sp>
+      <p:sp>
+        <p:nvSpPr>
+          <p:cNvPr id="53" name="等腰三角形 52"/>
+          <p:cNvSpPr/>
+          <p:nvPr/>
+        </p:nvSpPr>
+        <p:spPr>
+          <a:xfrm rot="5400000">
+            <a:off x="6633074" y="3297605"/>
+            <a:ext cx="188454" cy="143916"/>
+          </a:xfrm>
+          <a:prstGeom prst="triangle">
+            <a:avLst/>
+          </a:prstGeom>
+          <a:solidFill>
+            <a:schemeClr val="tx1"/>
+          </a:solidFill>
+          <a:ln>
+            <a:solidFill>
+              <a:srgbClr val="000000"/>
+            </a:solidFill>
+          </a:ln>
+        </p:spPr>
+        <p:style>
+          <a:lnRef idx="1">
+            <a:schemeClr val="accent1"/>
+          </a:lnRef>
+          <a:fillRef idx="3">
+            <a:schemeClr val="accent1"/>
+          </a:fillRef>
+          <a:effectRef idx="2">
+            <a:schemeClr val="accent1"/>
+          </a:effectRef>
+          <a:fontRef idx="minor">
+            <a:schemeClr val="lt1"/>
+          </a:fontRef>
+        </p:style>
+        <p:txBody>
+          <a:bodyPr rtlCol="0" anchor="ctr"/>
+          <a:lstStyle/>
+          <a:p>
+            <a:pPr algn="ctr"/>
+            <a:endParaRPr kumimoji="1" lang="zh-CN" altLang="en-US"/>
+          </a:p>
+        </p:txBody>
+      </p:sp>
+      <p:sp>
+        <p:nvSpPr>
+          <p:cNvPr id="54" name="文本框 53"/>
+          <p:cNvSpPr txBox="1"/>
+          <p:nvPr/>
+        </p:nvSpPr>
+        <p:spPr>
+          <a:xfrm>
+            <a:off x="6798972" y="3378419"/>
+            <a:ext cx="472380" cy="276999"/>
+          </a:xfrm>
+          <a:prstGeom prst="rect">
+            <a:avLst/>
+          </a:prstGeom>
+          <a:noFill/>
+        </p:spPr>
+        <p:txBody>
+          <a:bodyPr wrap="none" rtlCol="0">
+            <a:spAutoFit/>
+          </a:bodyPr>
+          <a:lstStyle/>
+          <a:p>
+            <a:r>
+              <a:rPr kumimoji="1" lang="en-US" altLang="zh-CN" sz="1200" dirty="0" smtClean="0"/>
+              <a:t>(0,0)</a:t>
+            </a:r>
+            <a:endParaRPr kumimoji="1" lang="zh-CN" altLang="en-US" sz="1200" dirty="0"/>
+          </a:p>
+        </p:txBody>
+      </p:sp>
+      <p:sp>
+        <p:nvSpPr>
+          <p:cNvPr id="58" name="文本框 57"/>
+          <p:cNvSpPr txBox="1"/>
+          <p:nvPr/>
+        </p:nvSpPr>
+        <p:spPr>
+          <a:xfrm>
+            <a:off x="7166147" y="2914038"/>
+            <a:ext cx="366657" cy="307777"/>
+          </a:xfrm>
+          <a:prstGeom prst="rect">
+            <a:avLst/>
+          </a:prstGeom>
+          <a:noFill/>
+        </p:spPr>
+        <p:txBody>
+          <a:bodyPr wrap="none" rtlCol="0">
+            <a:spAutoFit/>
+          </a:bodyPr>
+          <a:lstStyle/>
+          <a:p>
+            <a:r>
+              <a:rPr kumimoji="1" lang="en-US" altLang="zh-CN" sz="1400" dirty="0" smtClean="0"/>
+              <a:t>6</a:t>
+            </a:r>
+            <a:r>
+              <a:rPr kumimoji="1" lang="en-US" altLang="zh-CN" sz="1400" dirty="0" smtClean="0"/>
+              <a:t>0</a:t>
+            </a:r>
+            <a:endParaRPr kumimoji="1" lang="zh-CN" altLang="en-US" sz="1400" dirty="0"/>
+          </a:p>
+        </p:txBody>
+      </p:sp>
+      <p:cxnSp>
+        <p:nvCxnSpPr>
+          <p:cNvPr id="59" name="直线连接符 58"/>
+          <p:cNvCxnSpPr/>
+          <p:nvPr/>
+        </p:nvCxnSpPr>
+        <p:spPr>
+          <a:xfrm>
+            <a:off x="7346212" y="3221815"/>
+            <a:ext cx="0" cy="141013"/>
+          </a:xfrm>
+          <a:prstGeom prst="line">
+            <a:avLst/>
+          </a:prstGeom>
+          <a:ln>
+            <a:solidFill>
+              <a:schemeClr val="tx1"/>
+            </a:solidFill>
+          </a:ln>
+        </p:spPr>
+        <p:style>
+          <a:lnRef idx="2">
+            <a:schemeClr val="accent1"/>
+          </a:lnRef>
+          <a:fillRef idx="0">
+            <a:schemeClr val="accent1"/>
+          </a:fillRef>
+          <a:effectRef idx="1">
+            <a:schemeClr val="accent1"/>
+          </a:effectRef>
+          <a:fontRef idx="minor">
+            <a:schemeClr val="tx1"/>
+          </a:fontRef>
+        </p:style>
+      </p:cxnSp>
+      <p:sp>
+        <p:nvSpPr>
+          <p:cNvPr id="60" name="文本框 59"/>
+          <p:cNvSpPr txBox="1"/>
+          <p:nvPr/>
+        </p:nvSpPr>
+        <p:spPr>
+          <a:xfrm>
+            <a:off x="6039399" y="2916247"/>
+            <a:ext cx="421622" cy="307777"/>
+          </a:xfrm>
+          <a:prstGeom prst="rect">
+            <a:avLst/>
+          </a:prstGeom>
+          <a:noFill/>
+        </p:spPr>
+        <p:txBody>
+          <a:bodyPr wrap="none" rtlCol="0">
+            <a:spAutoFit/>
+          </a:bodyPr>
+          <a:lstStyle/>
+          <a:p>
+            <a:r>
+              <a:rPr kumimoji="1" lang="en-US" altLang="zh-CN" sz="1400" dirty="0" smtClean="0"/>
+              <a:t>-6</a:t>
+            </a:r>
+            <a:r>
+              <a:rPr kumimoji="1" lang="en-US" altLang="zh-CN" sz="1400" dirty="0" smtClean="0"/>
+              <a:t>0</a:t>
+            </a:r>
+            <a:endParaRPr kumimoji="1" lang="zh-CN" altLang="en-US" sz="1400" dirty="0"/>
+          </a:p>
+        </p:txBody>
+      </p:sp>
+      <p:cxnSp>
+        <p:nvCxnSpPr>
+          <p:cNvPr id="61" name="直线连接符 60"/>
+          <p:cNvCxnSpPr/>
+          <p:nvPr/>
+        </p:nvCxnSpPr>
+        <p:spPr>
+          <a:xfrm>
+            <a:off x="6232293" y="3224024"/>
+            <a:ext cx="0" cy="141013"/>
+          </a:xfrm>
+          <a:prstGeom prst="line">
+            <a:avLst/>
+          </a:prstGeom>
+          <a:ln>
+            <a:solidFill>
+              <a:schemeClr val="tx1"/>
+            </a:solidFill>
+          </a:ln>
+        </p:spPr>
+        <p:style>
+          <a:lnRef idx="2">
+            <a:schemeClr val="accent1"/>
+          </a:lnRef>
+          <a:fillRef idx="0">
+            <a:schemeClr val="accent1"/>
+          </a:fillRef>
+          <a:effectRef idx="1">
+            <a:schemeClr val="accent1"/>
+          </a:effectRef>
+          <a:fontRef idx="minor">
+            <a:schemeClr val="tx1"/>
+          </a:fontRef>
+        </p:style>
+      </p:cxnSp>
+      <p:cxnSp>
+        <p:nvCxnSpPr>
+          <p:cNvPr id="63" name="直线连接符 62"/>
+          <p:cNvCxnSpPr/>
+          <p:nvPr/>
+        </p:nvCxnSpPr>
+        <p:spPr>
+          <a:xfrm>
+            <a:off x="7388044" y="3378419"/>
+            <a:ext cx="0" cy="978549"/>
+          </a:xfrm>
+          <a:prstGeom prst="line">
+            <a:avLst/>
+          </a:prstGeom>
+          <a:ln w="3175" cmpd="sng">
+            <a:solidFill>
+              <a:schemeClr val="bg1">
+                <a:lumMod val="85000"/>
+              </a:schemeClr>
+            </a:solidFill>
+          </a:ln>
+        </p:spPr>
+        <p:style>
+          <a:lnRef idx="2">
+            <a:schemeClr val="accent1"/>
+          </a:lnRef>
+          <a:fillRef idx="0">
+            <a:schemeClr val="accent1"/>
+          </a:fillRef>
+          <a:effectRef idx="1">
+            <a:schemeClr val="accent1"/>
+          </a:effectRef>
+          <a:fontRef idx="minor">
+            <a:schemeClr val="tx1"/>
+          </a:fontRef>
+        </p:style>
+      </p:cxnSp>
+      <p:cxnSp>
+        <p:nvCxnSpPr>
+          <p:cNvPr id="64" name="直线连接符 63"/>
+          <p:cNvCxnSpPr/>
+          <p:nvPr/>
+        </p:nvCxnSpPr>
+        <p:spPr>
+          <a:xfrm>
+            <a:off x="6235557" y="3394965"/>
+            <a:ext cx="0" cy="978549"/>
+          </a:xfrm>
+          <a:prstGeom prst="line">
+            <a:avLst/>
+          </a:prstGeom>
+          <a:ln w="3175" cmpd="sng">
+            <a:solidFill>
+              <a:schemeClr val="bg1">
+                <a:lumMod val="85000"/>
+              </a:schemeClr>
+            </a:solidFill>
+          </a:ln>
+        </p:spPr>
+        <p:style>
+          <a:lnRef idx="2">
+            <a:schemeClr val="accent1"/>
+          </a:lnRef>
+          <a:fillRef idx="0">
+            <a:schemeClr val="accent1"/>
+          </a:fillRef>
+          <a:effectRef idx="1">
+            <a:schemeClr val="accent1"/>
+          </a:effectRef>
+          <a:fontRef idx="minor">
+            <a:schemeClr val="tx1"/>
+          </a:fontRef>
+        </p:style>
+      </p:cxnSp>
+      <p:cxnSp>
+        <p:nvCxnSpPr>
+          <p:cNvPr id="65" name="直线箭头连接符 64"/>
+          <p:cNvCxnSpPr/>
+          <p:nvPr/>
+        </p:nvCxnSpPr>
+        <p:spPr>
+          <a:xfrm flipH="1" flipV="1">
+            <a:off x="6814650" y="1322393"/>
+            <a:ext cx="31032" cy="3882367"/>
+          </a:xfrm>
+          <a:prstGeom prst="straightConnector1">
+            <a:avLst/>
+          </a:prstGeom>
+          <a:ln>
+            <a:solidFill>
+              <a:srgbClr val="A6A6A6"/>
+            </a:solidFill>
+            <a:tailEnd type="arrow"/>
+          </a:ln>
+        </p:spPr>
+        <p:style>
+          <a:lnRef idx="2">
+            <a:schemeClr val="accent1"/>
+          </a:lnRef>
+          <a:fillRef idx="0">
+            <a:schemeClr val="accent1"/>
+          </a:fillRef>
+          <a:effectRef idx="1">
+            <a:schemeClr val="accent1"/>
+          </a:effectRef>
+          <a:fontRef idx="minor">
+            <a:schemeClr val="tx1"/>
+          </a:fontRef>
+        </p:style>
+      </p:cxnSp>
+      <p:cxnSp>
+        <p:nvCxnSpPr>
+          <p:cNvPr id="66" name="直线箭头连接符 65"/>
+          <p:cNvCxnSpPr/>
+          <p:nvPr/>
+        </p:nvCxnSpPr>
+        <p:spPr>
+          <a:xfrm>
+            <a:off x="5056342" y="3360778"/>
+            <a:ext cx="3496140" cy="4259"/>
+          </a:xfrm>
+          <a:prstGeom prst="straightConnector1">
+            <a:avLst/>
+          </a:prstGeom>
+          <a:ln>
+            <a:solidFill>
+              <a:schemeClr val="bg1">
+                <a:lumMod val="65000"/>
+              </a:schemeClr>
+            </a:solidFill>
+            <a:tailEnd type="arrow"/>
+          </a:ln>
+        </p:spPr>
+        <p:style>
+          <a:lnRef idx="2">
+            <a:schemeClr val="accent1"/>
+          </a:lnRef>
+          <a:fillRef idx="0">
+            <a:schemeClr val="accent1"/>
+          </a:fillRef>
+          <a:effectRef idx="1">
+            <a:schemeClr val="accent1"/>
+          </a:effectRef>
+          <a:fontRef idx="minor">
+            <a:schemeClr val="tx1"/>
+          </a:fontRef>
+        </p:style>
+      </p:cxnSp>
+      <p:sp>
+        <p:nvSpPr>
+          <p:cNvPr id="67" name="文本框 66"/>
+          <p:cNvSpPr txBox="1"/>
+          <p:nvPr/>
+        </p:nvSpPr>
+        <p:spPr>
+          <a:xfrm>
+            <a:off x="6540940" y="4356968"/>
+            <a:ext cx="547420" cy="307777"/>
+          </a:xfrm>
+          <a:prstGeom prst="rect">
+            <a:avLst/>
+          </a:prstGeom>
+          <a:noFill/>
+        </p:spPr>
+        <p:txBody>
+          <a:bodyPr wrap="none" rtlCol="0">
+            <a:spAutoFit/>
+          </a:bodyPr>
+          <a:lstStyle/>
+          <a:p>
+            <a:r>
+              <a:rPr kumimoji="1" lang="zh-CN" altLang="zh-CN" sz="1400" dirty="0" smtClean="0"/>
+              <a:t>-</a:t>
+            </a:r>
+            <a:r>
+              <a:rPr kumimoji="1" lang="en-US" altLang="zh-CN" sz="1400" dirty="0" smtClean="0"/>
+              <a:t>10</a:t>
+            </a:r>
+            <a:r>
+              <a:rPr kumimoji="1" lang="en-US" altLang="zh-CN" sz="1400" dirty="0" smtClean="0"/>
+              <a:t>0</a:t>
+            </a:r>
+            <a:endParaRPr kumimoji="1" lang="zh-CN" altLang="en-US" sz="1400" dirty="0"/>
+          </a:p>
+        </p:txBody>
+      </p:sp>
+      <p:sp>
+        <p:nvSpPr>
+          <p:cNvPr id="62" name="文本框 61"/>
+          <p:cNvSpPr txBox="1"/>
+          <p:nvPr/>
+        </p:nvSpPr>
+        <p:spPr>
+          <a:xfrm>
+            <a:off x="6585824" y="1645965"/>
+            <a:ext cx="457652" cy="307777"/>
+          </a:xfrm>
+          <a:prstGeom prst="rect">
+            <a:avLst/>
+          </a:prstGeom>
+          <a:noFill/>
+        </p:spPr>
+        <p:txBody>
+          <a:bodyPr wrap="none" rtlCol="0">
+            <a:spAutoFit/>
+          </a:bodyPr>
+          <a:lstStyle/>
+          <a:p>
+            <a:r>
+              <a:rPr kumimoji="1" lang="en-US" altLang="zh-CN" sz="1400" dirty="0"/>
+              <a:t>120</a:t>
+            </a:r>
+            <a:endParaRPr kumimoji="1" lang="zh-CN" altLang="en-US" sz="1400" dirty="0"/>
+          </a:p>
+        </p:txBody>
+      </p:sp>
+      <p:sp>
+        <p:nvSpPr>
+          <p:cNvPr id="68" name="右箭头 67"/>
+          <p:cNvSpPr/>
+          <p:nvPr/>
+        </p:nvSpPr>
+        <p:spPr>
+          <a:xfrm>
+            <a:off x="4105338" y="3317098"/>
+            <a:ext cx="525997" cy="244069"/>
+          </a:xfrm>
+          <a:prstGeom prst="rightArrow">
+            <a:avLst/>
+          </a:prstGeom>
+        </p:spPr>
+        <p:style>
+          <a:lnRef idx="2">
+            <a:schemeClr val="accent6">
+              <a:shade val="50000"/>
+            </a:schemeClr>
+          </a:lnRef>
+          <a:fillRef idx="1">
+            <a:schemeClr val="accent6"/>
+          </a:fillRef>
+          <a:effectRef idx="0">
+            <a:schemeClr val="accent6"/>
+          </a:effectRef>
+          <a:fontRef idx="minor">
+            <a:schemeClr val="lt1"/>
+          </a:fontRef>
+        </p:style>
+        <p:txBody>
+          <a:bodyPr rtlCol="0" anchor="ctr"/>
+          <a:lstStyle/>
+          <a:p>
+            <a:pPr algn="ctr"/>
+            <a:endParaRPr kumimoji="1" lang="zh-CN" altLang="en-US"/>
+          </a:p>
+        </p:txBody>
+      </p:sp>
+      <p:sp>
+        <p:nvSpPr>
+          <p:cNvPr id="71" name="线形标注 1 70"/>
+          <p:cNvSpPr/>
+          <p:nvPr/>
+        </p:nvSpPr>
+        <p:spPr>
+          <a:xfrm>
+            <a:off x="7322162" y="1746963"/>
+            <a:ext cx="485078" cy="185525"/>
+          </a:xfrm>
+          <a:prstGeom prst="borderCallout1">
+            <a:avLst>
+              <a:gd name="adj1" fmla="val 48257"/>
+              <a:gd name="adj2" fmla="val -433"/>
+              <a:gd name="adj3" fmla="val 124303"/>
+              <a:gd name="adj4" fmla="val -105302"/>
+            </a:avLst>
+          </a:prstGeom>
+          <a:ln>
+            <a:solidFill>
+              <a:srgbClr val="984807"/>
+            </a:solidFill>
+          </a:ln>
+        </p:spPr>
+        <p:style>
+          <a:lnRef idx="1">
+            <a:schemeClr val="accent1"/>
+          </a:lnRef>
+          <a:fillRef idx="3">
+            <a:schemeClr val="accent1"/>
+          </a:fillRef>
+          <a:effectRef idx="2">
+            <a:schemeClr val="accent1"/>
+          </a:effectRef>
+          <a:fontRef idx="minor">
+            <a:schemeClr val="lt1"/>
+          </a:fontRef>
+        </p:style>
+        <p:txBody>
+          <a:bodyPr rtlCol="0" anchor="ctr"/>
+          <a:lstStyle/>
+          <a:p>
+            <a:pPr algn="ctr"/>
+            <a:endParaRPr kumimoji="1" lang="zh-CN" altLang="en-US"/>
+          </a:p>
+        </p:txBody>
+      </p:sp>
+      <p:sp>
+        <p:nvSpPr>
+          <p:cNvPr id="55" name="文本框 54"/>
+          <p:cNvSpPr txBox="1"/>
+          <p:nvPr/>
+        </p:nvSpPr>
+        <p:spPr>
+          <a:xfrm>
+            <a:off x="7244374" y="1686702"/>
+            <a:ext cx="628372" cy="276999"/>
+          </a:xfrm>
+          <a:prstGeom prst="rect">
+            <a:avLst/>
+          </a:prstGeom>
+          <a:solidFill>
+            <a:schemeClr val="accent6">
+              <a:lumMod val="20000"/>
+              <a:lumOff val="80000"/>
+            </a:schemeClr>
+          </a:solidFill>
+          <a:ln>
+            <a:solidFill>
+              <a:schemeClr val="accent6">
+                <a:lumMod val="50000"/>
+              </a:schemeClr>
+            </a:solidFill>
+          </a:ln>
+        </p:spPr>
+        <p:txBody>
+          <a:bodyPr wrap="none" rtlCol="0">
+            <a:spAutoFit/>
+          </a:bodyPr>
+          <a:lstStyle/>
+          <a:p>
+            <a:r>
+              <a:rPr kumimoji="1" lang="en-US" altLang="zh-CN" sz="1200" dirty="0" smtClean="0"/>
+              <a:t>(0,</a:t>
+            </a:r>
+            <a:r>
+              <a:rPr kumimoji="1" lang="en-US" altLang="zh-CN" sz="1200" dirty="0" smtClean="0"/>
+              <a:t>120</a:t>
+            </a:r>
+            <a:r>
+              <a:rPr kumimoji="1" lang="en-US" altLang="zh-CN" sz="1200" dirty="0" smtClean="0"/>
+              <a:t>)</a:t>
+            </a:r>
+            <a:endParaRPr kumimoji="1" lang="zh-CN" altLang="en-US" sz="1200" dirty="0"/>
+          </a:p>
+        </p:txBody>
+      </p:sp>
+      <p:sp>
+        <p:nvSpPr>
+          <p:cNvPr id="72" name="线形标注 1 71"/>
+          <p:cNvSpPr/>
+          <p:nvPr/>
+        </p:nvSpPr>
+        <p:spPr>
+          <a:xfrm>
+            <a:off x="7725960" y="4592302"/>
+            <a:ext cx="645467" cy="215873"/>
+          </a:xfrm>
+          <a:prstGeom prst="borderCallout1">
+            <a:avLst>
+              <a:gd name="adj1" fmla="val 48257"/>
+              <a:gd name="adj2" fmla="val -433"/>
+              <a:gd name="adj3" fmla="val -116657"/>
+              <a:gd name="adj4" fmla="val -50377"/>
+            </a:avLst>
+          </a:prstGeom>
+          <a:solidFill>
+            <a:srgbClr val="FDEADA"/>
+          </a:solidFill>
+          <a:ln>
+            <a:solidFill>
+              <a:srgbClr val="984807"/>
+            </a:solidFill>
+          </a:ln>
+        </p:spPr>
+        <p:style>
+          <a:lnRef idx="1">
+            <a:schemeClr val="accent1"/>
+          </a:lnRef>
+          <a:fillRef idx="3">
+            <a:schemeClr val="accent1"/>
+          </a:fillRef>
+          <a:effectRef idx="2">
+            <a:schemeClr val="accent1"/>
+          </a:effectRef>
+          <a:fontRef idx="minor">
+            <a:schemeClr val="lt1"/>
+          </a:fontRef>
+        </p:style>
+        <p:txBody>
+          <a:bodyPr rtlCol="0" anchor="ctr"/>
+          <a:lstStyle/>
+          <a:p>
+            <a:pPr algn="ctr"/>
+            <a:endParaRPr kumimoji="1" lang="zh-CN" altLang="en-US"/>
+          </a:p>
+        </p:txBody>
+      </p:sp>
+      <p:sp>
+        <p:nvSpPr>
+          <p:cNvPr id="56" name="文本框 55"/>
+          <p:cNvSpPr txBox="1"/>
+          <p:nvPr/>
+        </p:nvSpPr>
+        <p:spPr>
+          <a:xfrm>
+            <a:off x="7669395" y="4551496"/>
+            <a:ext cx="783312" cy="276999"/>
+          </a:xfrm>
+          <a:prstGeom prst="rect">
+            <a:avLst/>
+          </a:prstGeom>
+          <a:noFill/>
+        </p:spPr>
+        <p:txBody>
+          <a:bodyPr wrap="none" rtlCol="0">
+            <a:spAutoFit/>
+          </a:bodyPr>
+          <a:lstStyle/>
+          <a:p>
+            <a:r>
+              <a:rPr kumimoji="1" lang="en-US" altLang="zh-CN" sz="1200" dirty="0" smtClean="0"/>
+              <a:t>(</a:t>
+            </a:r>
+            <a:r>
+              <a:rPr kumimoji="1" lang="en-US" altLang="zh-CN" sz="1200" dirty="0" smtClean="0"/>
+              <a:t>6</a:t>
+            </a:r>
+            <a:r>
+              <a:rPr kumimoji="1" lang="en-US" altLang="zh-CN" sz="1200" dirty="0" smtClean="0"/>
+              <a:t>0,</a:t>
+            </a:r>
+            <a:r>
+              <a:rPr kumimoji="1" lang="zh-CN" altLang="zh-CN" sz="1200" dirty="0" smtClean="0"/>
+              <a:t>-</a:t>
+            </a:r>
+            <a:r>
+              <a:rPr kumimoji="1" lang="en-US" altLang="zh-CN" sz="1200" dirty="0" smtClean="0"/>
+              <a:t>100</a:t>
+            </a:r>
+            <a:r>
+              <a:rPr kumimoji="1" lang="en-US" altLang="zh-CN" sz="1200" dirty="0" smtClean="0"/>
+              <a:t>)</a:t>
+            </a:r>
+            <a:endParaRPr kumimoji="1" lang="zh-CN" altLang="en-US" sz="1200" dirty="0"/>
+          </a:p>
+        </p:txBody>
+      </p:sp>
+      <p:sp>
+        <p:nvSpPr>
+          <p:cNvPr id="73" name="线形标注 1 72"/>
+          <p:cNvSpPr/>
+          <p:nvPr/>
+        </p:nvSpPr>
+        <p:spPr>
+          <a:xfrm>
+            <a:off x="5242560" y="4575433"/>
+            <a:ext cx="796839" cy="215873"/>
+          </a:xfrm>
+          <a:prstGeom prst="borderCallout1">
+            <a:avLst>
+              <a:gd name="adj1" fmla="val 57670"/>
+              <a:gd name="adj2" fmla="val 101880"/>
+              <a:gd name="adj3" fmla="val -93126"/>
+              <a:gd name="adj4" fmla="val 122690"/>
+            </a:avLst>
+          </a:prstGeom>
+          <a:solidFill>
+            <a:srgbClr val="FDEADA"/>
+          </a:solidFill>
+          <a:ln>
+            <a:solidFill>
+              <a:srgbClr val="984807"/>
+            </a:solidFill>
+          </a:ln>
+        </p:spPr>
+        <p:style>
+          <a:lnRef idx="1">
+            <a:schemeClr val="accent1"/>
+          </a:lnRef>
+          <a:fillRef idx="3">
+            <a:schemeClr val="accent1"/>
+          </a:fillRef>
+          <a:effectRef idx="2">
+            <a:schemeClr val="accent1"/>
+          </a:effectRef>
+          <a:fontRef idx="minor">
+            <a:schemeClr val="lt1"/>
+          </a:fontRef>
+        </p:style>
+        <p:txBody>
+          <a:bodyPr rtlCol="0" anchor="ctr"/>
+          <a:lstStyle/>
+          <a:p>
+            <a:pPr algn="ctr"/>
+            <a:endParaRPr kumimoji="1" lang="zh-CN" altLang="en-US"/>
+          </a:p>
+        </p:txBody>
+      </p:sp>
+      <p:sp>
+        <p:nvSpPr>
+          <p:cNvPr id="74" name="文本框 73"/>
+          <p:cNvSpPr txBox="1"/>
+          <p:nvPr/>
+        </p:nvSpPr>
+        <p:spPr>
+          <a:xfrm>
+            <a:off x="5251692" y="4532298"/>
+            <a:ext cx="830426" cy="276999"/>
+          </a:xfrm>
+          <a:prstGeom prst="rect">
+            <a:avLst/>
+          </a:prstGeom>
+          <a:noFill/>
+        </p:spPr>
+        <p:txBody>
+          <a:bodyPr wrap="none" rtlCol="0">
+            <a:spAutoFit/>
+          </a:bodyPr>
+          <a:lstStyle/>
+          <a:p>
+            <a:r>
+              <a:rPr kumimoji="1" lang="en-US" altLang="zh-CN" sz="1200" dirty="0" smtClean="0"/>
+              <a:t>(</a:t>
+            </a:r>
+            <a:r>
+              <a:rPr kumimoji="1" lang="en-US" altLang="zh-CN" sz="1200" dirty="0" smtClean="0"/>
+              <a:t>-6</a:t>
+            </a:r>
+            <a:r>
+              <a:rPr kumimoji="1" lang="en-US" altLang="zh-CN" sz="1200" dirty="0" smtClean="0"/>
+              <a:t>0,</a:t>
+            </a:r>
+            <a:r>
+              <a:rPr kumimoji="1" lang="zh-CN" altLang="zh-CN" sz="1200" dirty="0" smtClean="0"/>
+              <a:t>-</a:t>
+            </a:r>
+            <a:r>
+              <a:rPr kumimoji="1" lang="en-US" altLang="zh-CN" sz="1200" dirty="0" smtClean="0"/>
+              <a:t>100</a:t>
+            </a:r>
+            <a:r>
+              <a:rPr kumimoji="1" lang="en-US" altLang="zh-CN" sz="1200" dirty="0" smtClean="0"/>
+              <a:t>)</a:t>
+            </a:r>
+            <a:endParaRPr kumimoji="1" lang="zh-CN" altLang="en-US" sz="1200" dirty="0"/>
+          </a:p>
+        </p:txBody>
+      </p:sp>
+    </p:spTree>
+    <p:extLst>
+      <p:ext uri="{BB962C8B-B14F-4D97-AF65-F5344CB8AC3E}">
+        <p14:creationId xmlns:p14="http://schemas.microsoft.com/office/powerpoint/2010/main" val="2613863549"/>
+      </p:ext>
+    </p:extLst>
+  </p:cSld>
+  <p:clrMapOvr>
+    <a:masterClrMapping/>
+  </p:clrMapOvr>
+</p:sld>
+</file>
+
+<file path=ppt/slides/slide12.xml><?xml version="1.0" encoding="utf-8"?>
+<p:sld xmlns:a="http://schemas.openxmlformats.org/drawingml/2006/main" xmlns:r="http://schemas.openxmlformats.org/officeDocument/2006/relationships" xmlns:p="http://schemas.openxmlformats.org/presentationml/2006/main">
+  <p:cSld>
+    <p:spTree>
+      <p:nvGrpSpPr>
+        <p:cNvPr id="1" name=""/>
+        <p:cNvGrpSpPr/>
+        <p:nvPr/>
+      </p:nvGrpSpPr>
+      <p:grpSpPr>
+        <a:xfrm>
+          <a:off x="0" y="0"/>
+          <a:ext cx="0" cy="0"/>
+          <a:chOff x="0" y="0"/>
+          <a:chExt cx="0" cy="0"/>
+        </a:xfrm>
+      </p:grpSpPr>
+    </p:spTree>
+    <p:extLst>
+      <p:ext uri="{BB962C8B-B14F-4D97-AF65-F5344CB8AC3E}">
+        <p14:creationId xmlns:p14="http://schemas.microsoft.com/office/powerpoint/2010/main" val="2662693387"/>
       </p:ext>
     </p:extLst>
   </p:cSld>
@@ -3842,7 +5376,7 @@
           <p:cNvPr id="4" name="图片 3">
             <a:extLst>
               <a:ext uri="{FF2B5EF4-FFF2-40B4-BE49-F238E27FC236}">
-                <a16:creationId xmlns:a16="http://schemas.microsoft.com/office/drawing/2014/main" id="{47BD909E-0407-6547-A312-16D88644D991}"/>
+                <a16:creationId xmlns:a16="http://schemas.microsoft.com/office/drawing/2014/main" xmlns="" id="{47BD909E-0407-6547-A312-16D88644D991}"/>
               </a:ext>
             </a:extLst>
           </p:cNvPr>
@@ -3872,7 +5406,7 @@
           <p:cNvPr id="5" name="图片 4">
             <a:extLst>
               <a:ext uri="{FF2B5EF4-FFF2-40B4-BE49-F238E27FC236}">
-                <a16:creationId xmlns:a16="http://schemas.microsoft.com/office/drawing/2014/main" id="{6A687442-6EB4-8546-92AF-1A7B9659A9BC}"/>
+                <a16:creationId xmlns:a16="http://schemas.microsoft.com/office/drawing/2014/main" xmlns="" id="{6A687442-6EB4-8546-92AF-1A7B9659A9BC}"/>
               </a:ext>
             </a:extLst>
           </p:cNvPr>
@@ -3902,7 +5436,7 @@
           <p:cNvPr id="6" name="文本框 5">
             <a:extLst>
               <a:ext uri="{FF2B5EF4-FFF2-40B4-BE49-F238E27FC236}">
-                <a16:creationId xmlns:a16="http://schemas.microsoft.com/office/drawing/2014/main" id="{6791F464-515D-8A45-BD4C-6D7FA9E277FB}"/>
+                <a16:creationId xmlns:a16="http://schemas.microsoft.com/office/drawing/2014/main" xmlns="" id="{6791F464-515D-8A45-BD4C-6D7FA9E277FB}"/>
               </a:ext>
             </a:extLst>
           </p:cNvPr>
@@ -3937,7 +5471,7 @@
           <p:cNvPr id="7" name="图片 6">
             <a:extLst>
               <a:ext uri="{FF2B5EF4-FFF2-40B4-BE49-F238E27FC236}">
-                <a16:creationId xmlns:a16="http://schemas.microsoft.com/office/drawing/2014/main" id="{D4F82629-3B85-2246-BC7F-92CA44BEE099}"/>
+                <a16:creationId xmlns:a16="http://schemas.microsoft.com/office/drawing/2014/main" xmlns="" id="{D4F82629-3B85-2246-BC7F-92CA44BEE099}"/>
               </a:ext>
             </a:extLst>
           </p:cNvPr>
@@ -3967,7 +5501,7 @@
           <p:cNvPr id="8" name="图片 7">
             <a:extLst>
               <a:ext uri="{FF2B5EF4-FFF2-40B4-BE49-F238E27FC236}">
-                <a16:creationId xmlns:a16="http://schemas.microsoft.com/office/drawing/2014/main" id="{CF73261E-E64C-674F-8F9C-CDAEC46D7DB9}"/>
+                <a16:creationId xmlns:a16="http://schemas.microsoft.com/office/drawing/2014/main" xmlns="" id="{CF73261E-E64C-674F-8F9C-CDAEC46D7DB9}"/>
               </a:ext>
             </a:extLst>
           </p:cNvPr>
@@ -3997,7 +5531,7 @@
           <p:cNvPr id="9" name="图片 8">
             <a:extLst>
               <a:ext uri="{FF2B5EF4-FFF2-40B4-BE49-F238E27FC236}">
-                <a16:creationId xmlns:a16="http://schemas.microsoft.com/office/drawing/2014/main" id="{7C779ED6-F909-A34A-9966-86A112C19C8A}"/>
+                <a16:creationId xmlns:a16="http://schemas.microsoft.com/office/drawing/2014/main" xmlns="" id="{7C779ED6-F909-A34A-9966-86A112C19C8A}"/>
               </a:ext>
             </a:extLst>
           </p:cNvPr>
@@ -4057,7 +5591,7 @@
           <p:cNvPr id="4" name="图片 3">
             <a:extLst>
               <a:ext uri="{FF2B5EF4-FFF2-40B4-BE49-F238E27FC236}">
-                <a16:creationId xmlns:a16="http://schemas.microsoft.com/office/drawing/2014/main" id="{55097208-0B4E-D649-A033-519BCB0B830C}"/>
+                <a16:creationId xmlns:a16="http://schemas.microsoft.com/office/drawing/2014/main" xmlns="" id="{55097208-0B4E-D649-A033-519BCB0B830C}"/>
               </a:ext>
             </a:extLst>
           </p:cNvPr>
@@ -4087,7 +5621,7 @@
           <p:cNvPr id="7" name="图片 6">
             <a:extLst>
               <a:ext uri="{FF2B5EF4-FFF2-40B4-BE49-F238E27FC236}">
-                <a16:creationId xmlns:a16="http://schemas.microsoft.com/office/drawing/2014/main" id="{781C3A80-7953-754D-8530-AD600C3308B2}"/>
+                <a16:creationId xmlns:a16="http://schemas.microsoft.com/office/drawing/2014/main" xmlns="" id="{781C3A80-7953-754D-8530-AD600C3308B2}"/>
               </a:ext>
             </a:extLst>
           </p:cNvPr>
@@ -4117,7 +5651,7 @@
           <p:cNvPr id="8" name="图片 7">
             <a:extLst>
               <a:ext uri="{FF2B5EF4-FFF2-40B4-BE49-F238E27FC236}">
-                <a16:creationId xmlns:a16="http://schemas.microsoft.com/office/drawing/2014/main" id="{60689FE2-2D8A-6D4E-8C9B-9CEC26514C6A}"/>
+                <a16:creationId xmlns:a16="http://schemas.microsoft.com/office/drawing/2014/main" xmlns="" id="{60689FE2-2D8A-6D4E-8C9B-9CEC26514C6A}"/>
               </a:ext>
             </a:extLst>
           </p:cNvPr>
@@ -4147,7 +5681,7 @@
           <p:cNvPr id="9" name="图片 8">
             <a:extLst>
               <a:ext uri="{FF2B5EF4-FFF2-40B4-BE49-F238E27FC236}">
-                <a16:creationId xmlns:a16="http://schemas.microsoft.com/office/drawing/2014/main" id="{090A02D6-1F11-DF44-9A52-2A8F9295CBCC}"/>
+                <a16:creationId xmlns:a16="http://schemas.microsoft.com/office/drawing/2014/main" xmlns="" id="{090A02D6-1F11-DF44-9A52-2A8F9295CBCC}"/>
               </a:ext>
             </a:extLst>
           </p:cNvPr>
@@ -4207,7 +5741,7 @@
           <p:cNvPr id="52" name="图片 51">
             <a:extLst>
               <a:ext uri="{FF2B5EF4-FFF2-40B4-BE49-F238E27FC236}">
-                <a16:creationId xmlns:a16="http://schemas.microsoft.com/office/drawing/2014/main" id="{A002F934-2256-414F-8C5D-D5C4973FE799}"/>
+                <a16:creationId xmlns:a16="http://schemas.microsoft.com/office/drawing/2014/main" xmlns="" id="{A002F934-2256-414F-8C5D-D5C4973FE799}"/>
               </a:ext>
             </a:extLst>
           </p:cNvPr>
@@ -4237,7 +5771,7 @@
           <p:cNvPr id="5" name="文本框 4">
             <a:extLst>
               <a:ext uri="{FF2B5EF4-FFF2-40B4-BE49-F238E27FC236}">
-                <a16:creationId xmlns:a16="http://schemas.microsoft.com/office/drawing/2014/main" id="{42157F99-7C07-9E40-B777-37C2228760EC}"/>
+                <a16:creationId xmlns:a16="http://schemas.microsoft.com/office/drawing/2014/main" xmlns="" id="{42157F99-7C07-9E40-B777-37C2228760EC}"/>
               </a:ext>
             </a:extLst>
           </p:cNvPr>
@@ -4272,7 +5806,7 @@
           <p:cNvPr id="6" name="矩形 5">
             <a:extLst>
               <a:ext uri="{FF2B5EF4-FFF2-40B4-BE49-F238E27FC236}">
-                <a16:creationId xmlns:a16="http://schemas.microsoft.com/office/drawing/2014/main" id="{6FCC0F15-CFB7-F141-B088-C252C9162E07}"/>
+                <a16:creationId xmlns:a16="http://schemas.microsoft.com/office/drawing/2014/main" xmlns="" id="{6FCC0F15-CFB7-F141-B088-C252C9162E07}"/>
               </a:ext>
             </a:extLst>
           </p:cNvPr>
@@ -4322,7 +5856,7 @@
           <p:cNvPr id="8" name="直线连接符 7">
             <a:extLst>
               <a:ext uri="{FF2B5EF4-FFF2-40B4-BE49-F238E27FC236}">
-                <a16:creationId xmlns:a16="http://schemas.microsoft.com/office/drawing/2014/main" id="{C44A7C77-92EC-BD42-8692-A0CBC38A00C9}"/>
+                <a16:creationId xmlns:a16="http://schemas.microsoft.com/office/drawing/2014/main" xmlns="" id="{C44A7C77-92EC-BD42-8692-A0CBC38A00C9}"/>
               </a:ext>
             </a:extLst>
           </p:cNvPr>
@@ -4367,7 +5901,7 @@
           <p:cNvPr id="13" name="矩形 12">
             <a:extLst>
               <a:ext uri="{FF2B5EF4-FFF2-40B4-BE49-F238E27FC236}">
-                <a16:creationId xmlns:a16="http://schemas.microsoft.com/office/drawing/2014/main" id="{A408D28A-A99E-FB45-BC3F-DDCC0B65A3C8}"/>
+                <a16:creationId xmlns:a16="http://schemas.microsoft.com/office/drawing/2014/main" xmlns="" id="{A408D28A-A99E-FB45-BC3F-DDCC0B65A3C8}"/>
               </a:ext>
             </a:extLst>
           </p:cNvPr>
@@ -4417,7 +5951,7 @@
           <p:cNvPr id="14" name="直线连接符 13">
             <a:extLst>
               <a:ext uri="{FF2B5EF4-FFF2-40B4-BE49-F238E27FC236}">
-                <a16:creationId xmlns:a16="http://schemas.microsoft.com/office/drawing/2014/main" id="{BE2B7CD9-3E8F-BE40-BE67-ED825E1EA9F5}"/>
+                <a16:creationId xmlns:a16="http://schemas.microsoft.com/office/drawing/2014/main" xmlns="" id="{BE2B7CD9-3E8F-BE40-BE67-ED825E1EA9F5}"/>
               </a:ext>
             </a:extLst>
           </p:cNvPr>
@@ -4460,7 +5994,7 @@
           <p:cNvPr id="16" name="矩形 15">
             <a:extLst>
               <a:ext uri="{FF2B5EF4-FFF2-40B4-BE49-F238E27FC236}">
-                <a16:creationId xmlns:a16="http://schemas.microsoft.com/office/drawing/2014/main" id="{826D5631-455E-A84F-BE86-9772D23BE26E}"/>
+                <a16:creationId xmlns:a16="http://schemas.microsoft.com/office/drawing/2014/main" xmlns="" id="{826D5631-455E-A84F-BE86-9772D23BE26E}"/>
               </a:ext>
             </a:extLst>
           </p:cNvPr>
@@ -4510,7 +6044,7 @@
           <p:cNvPr id="18" name="直线连接符 17">
             <a:extLst>
               <a:ext uri="{FF2B5EF4-FFF2-40B4-BE49-F238E27FC236}">
-                <a16:creationId xmlns:a16="http://schemas.microsoft.com/office/drawing/2014/main" id="{573F3735-0D19-9E45-BE5B-CC230C2B45BC}"/>
+                <a16:creationId xmlns:a16="http://schemas.microsoft.com/office/drawing/2014/main" xmlns="" id="{573F3735-0D19-9E45-BE5B-CC230C2B45BC}"/>
               </a:ext>
             </a:extLst>
           </p:cNvPr>
@@ -4548,7 +6082,7 @@
           <p:cNvPr id="20" name="直线连接符 19">
             <a:extLst>
               <a:ext uri="{FF2B5EF4-FFF2-40B4-BE49-F238E27FC236}">
-                <a16:creationId xmlns:a16="http://schemas.microsoft.com/office/drawing/2014/main" id="{847B39AF-2D71-6A43-BEC9-A9BF645CD174}"/>
+                <a16:creationId xmlns:a16="http://schemas.microsoft.com/office/drawing/2014/main" xmlns="" id="{847B39AF-2D71-6A43-BEC9-A9BF645CD174}"/>
               </a:ext>
             </a:extLst>
           </p:cNvPr>
@@ -4584,7 +6118,7 @@
           <p:cNvPr id="21" name="直线连接符 20">
             <a:extLst>
               <a:ext uri="{FF2B5EF4-FFF2-40B4-BE49-F238E27FC236}">
-                <a16:creationId xmlns:a16="http://schemas.microsoft.com/office/drawing/2014/main" id="{B85107BA-988A-FD4A-B122-20ED6925672D}"/>
+                <a16:creationId xmlns:a16="http://schemas.microsoft.com/office/drawing/2014/main" xmlns="" id="{B85107BA-988A-FD4A-B122-20ED6925672D}"/>
               </a:ext>
             </a:extLst>
           </p:cNvPr>
@@ -4627,7 +6161,7 @@
           <p:cNvPr id="24" name="文本框 23">
             <a:extLst>
               <a:ext uri="{FF2B5EF4-FFF2-40B4-BE49-F238E27FC236}">
-                <a16:creationId xmlns:a16="http://schemas.microsoft.com/office/drawing/2014/main" id="{594ED655-7AFF-8949-B620-52EBDAD7DFE8}"/>
+                <a16:creationId xmlns:a16="http://schemas.microsoft.com/office/drawing/2014/main" xmlns="" id="{594ED655-7AFF-8949-B620-52EBDAD7DFE8}"/>
               </a:ext>
             </a:extLst>
           </p:cNvPr>
@@ -4662,7 +6196,7 @@
           <p:cNvPr id="25" name="文本框 24">
             <a:extLst>
               <a:ext uri="{FF2B5EF4-FFF2-40B4-BE49-F238E27FC236}">
-                <a16:creationId xmlns:a16="http://schemas.microsoft.com/office/drawing/2014/main" id="{795B80AE-A5F7-1041-BBCB-D1DA80F6757A}"/>
+                <a16:creationId xmlns:a16="http://schemas.microsoft.com/office/drawing/2014/main" xmlns="" id="{795B80AE-A5F7-1041-BBCB-D1DA80F6757A}"/>
               </a:ext>
             </a:extLst>
           </p:cNvPr>
@@ -4697,7 +6231,7 @@
           <p:cNvPr id="26" name="文本框 25">
             <a:extLst>
               <a:ext uri="{FF2B5EF4-FFF2-40B4-BE49-F238E27FC236}">
-                <a16:creationId xmlns:a16="http://schemas.microsoft.com/office/drawing/2014/main" id="{F66B824B-B8D3-6142-8337-9BA79850566F}"/>
+                <a16:creationId xmlns:a16="http://schemas.microsoft.com/office/drawing/2014/main" xmlns="" id="{F66B824B-B8D3-6142-8337-9BA79850566F}"/>
               </a:ext>
             </a:extLst>
           </p:cNvPr>
@@ -4769,7 +6303,7 @@
           <p:cNvPr id="27" name="文本框 26">
             <a:extLst>
               <a:ext uri="{FF2B5EF4-FFF2-40B4-BE49-F238E27FC236}">
-                <a16:creationId xmlns:a16="http://schemas.microsoft.com/office/drawing/2014/main" id="{FEF4939C-82B5-E84B-9E92-450325CE3BF0}"/>
+                <a16:creationId xmlns:a16="http://schemas.microsoft.com/office/drawing/2014/main" xmlns="" id="{FEF4939C-82B5-E84B-9E92-450325CE3BF0}"/>
               </a:ext>
             </a:extLst>
           </p:cNvPr>
@@ -4841,7 +6375,7 @@
           <p:cNvPr id="28" name="乘 27">
             <a:extLst>
               <a:ext uri="{FF2B5EF4-FFF2-40B4-BE49-F238E27FC236}">
-                <a16:creationId xmlns:a16="http://schemas.microsoft.com/office/drawing/2014/main" id="{F6522BE3-6BB8-FD43-8ED0-64FE059EDFFF}"/>
+                <a16:creationId xmlns:a16="http://schemas.microsoft.com/office/drawing/2014/main" xmlns="" id="{F6522BE3-6BB8-FD43-8ED0-64FE059EDFFF}"/>
               </a:ext>
             </a:extLst>
           </p:cNvPr>
@@ -4895,7 +6429,7 @@
           <p:cNvPr id="35" name="组合 34">
             <a:extLst>
               <a:ext uri="{FF2B5EF4-FFF2-40B4-BE49-F238E27FC236}">
-                <a16:creationId xmlns:a16="http://schemas.microsoft.com/office/drawing/2014/main" id="{01FE5161-FE82-534D-A8E4-BCE5960618D6}"/>
+                <a16:creationId xmlns:a16="http://schemas.microsoft.com/office/drawing/2014/main" xmlns="" id="{01FE5161-FE82-534D-A8E4-BCE5960618D6}"/>
               </a:ext>
             </a:extLst>
           </p:cNvPr>
@@ -4915,7 +6449,7 @@
             <p:cNvPr id="33" name="矩形 32">
               <a:extLst>
                 <a:ext uri="{FF2B5EF4-FFF2-40B4-BE49-F238E27FC236}">
-                  <a16:creationId xmlns:a16="http://schemas.microsoft.com/office/drawing/2014/main" id="{D08E06B2-BC84-7448-851C-35EDE594E3C4}"/>
+                  <a16:creationId xmlns:a16="http://schemas.microsoft.com/office/drawing/2014/main" xmlns="" id="{D08E06B2-BC84-7448-851C-35EDE594E3C4}"/>
                 </a:ext>
               </a:extLst>
             </p:cNvPr>
@@ -4967,7 +6501,7 @@
             <p:cNvPr id="32" name="矩形 31">
               <a:extLst>
                 <a:ext uri="{FF2B5EF4-FFF2-40B4-BE49-F238E27FC236}">
-                  <a16:creationId xmlns:a16="http://schemas.microsoft.com/office/drawing/2014/main" id="{1F4AC4C2-1FFC-884F-82F8-176722DA67A3}"/>
+                  <a16:creationId xmlns:a16="http://schemas.microsoft.com/office/drawing/2014/main" xmlns="" id="{1F4AC4C2-1FFC-884F-82F8-176722DA67A3}"/>
                 </a:ext>
               </a:extLst>
             </p:cNvPr>
@@ -5020,7 +6554,7 @@
           <p:cNvPr id="36" name="组合 35">
             <a:extLst>
               <a:ext uri="{FF2B5EF4-FFF2-40B4-BE49-F238E27FC236}">
-                <a16:creationId xmlns:a16="http://schemas.microsoft.com/office/drawing/2014/main" id="{7CE9A255-A547-2C43-BB37-A08B622B1D36}"/>
+                <a16:creationId xmlns:a16="http://schemas.microsoft.com/office/drawing/2014/main" xmlns="" id="{7CE9A255-A547-2C43-BB37-A08B622B1D36}"/>
               </a:ext>
             </a:extLst>
           </p:cNvPr>
@@ -5040,7 +6574,7 @@
             <p:cNvPr id="37" name="矩形 36">
               <a:extLst>
                 <a:ext uri="{FF2B5EF4-FFF2-40B4-BE49-F238E27FC236}">
-                  <a16:creationId xmlns:a16="http://schemas.microsoft.com/office/drawing/2014/main" id="{EFB1595F-0A4C-0E4A-8DB5-B5B5A8542A06}"/>
+                  <a16:creationId xmlns:a16="http://schemas.microsoft.com/office/drawing/2014/main" xmlns="" id="{EFB1595F-0A4C-0E4A-8DB5-B5B5A8542A06}"/>
                 </a:ext>
               </a:extLst>
             </p:cNvPr>
@@ -5092,7 +6626,7 @@
             <p:cNvPr id="38" name="矩形 37">
               <a:extLst>
                 <a:ext uri="{FF2B5EF4-FFF2-40B4-BE49-F238E27FC236}">
-                  <a16:creationId xmlns:a16="http://schemas.microsoft.com/office/drawing/2014/main" id="{083FBB79-8F89-9E48-8694-8A75F3C8BFFD}"/>
+                  <a16:creationId xmlns:a16="http://schemas.microsoft.com/office/drawing/2014/main" xmlns="" id="{083FBB79-8F89-9E48-8694-8A75F3C8BFFD}"/>
                 </a:ext>
               </a:extLst>
             </p:cNvPr>
@@ -5145,7 +6679,7 @@
           <p:cNvPr id="39" name="组合 38">
             <a:extLst>
               <a:ext uri="{FF2B5EF4-FFF2-40B4-BE49-F238E27FC236}">
-                <a16:creationId xmlns:a16="http://schemas.microsoft.com/office/drawing/2014/main" id="{2864D8FF-FCD1-B340-973F-553E374D9A9A}"/>
+                <a16:creationId xmlns:a16="http://schemas.microsoft.com/office/drawing/2014/main" xmlns="" id="{2864D8FF-FCD1-B340-973F-553E374D9A9A}"/>
               </a:ext>
             </a:extLst>
           </p:cNvPr>
@@ -5165,7 +6699,7 @@
             <p:cNvPr id="40" name="矩形 39">
               <a:extLst>
                 <a:ext uri="{FF2B5EF4-FFF2-40B4-BE49-F238E27FC236}">
-                  <a16:creationId xmlns:a16="http://schemas.microsoft.com/office/drawing/2014/main" id="{5F52D846-1772-1D4E-82F6-66F8ED9A395B}"/>
+                  <a16:creationId xmlns:a16="http://schemas.microsoft.com/office/drawing/2014/main" xmlns="" id="{5F52D846-1772-1D4E-82F6-66F8ED9A395B}"/>
                 </a:ext>
               </a:extLst>
             </p:cNvPr>
@@ -5217,7 +6751,7 @@
             <p:cNvPr id="41" name="矩形 40">
               <a:extLst>
                 <a:ext uri="{FF2B5EF4-FFF2-40B4-BE49-F238E27FC236}">
-                  <a16:creationId xmlns:a16="http://schemas.microsoft.com/office/drawing/2014/main" id="{60DE3E17-CD06-F04F-A34B-808DA00D8811}"/>
+                  <a16:creationId xmlns:a16="http://schemas.microsoft.com/office/drawing/2014/main" xmlns="" id="{60DE3E17-CD06-F04F-A34B-808DA00D8811}"/>
                 </a:ext>
               </a:extLst>
             </p:cNvPr>
@@ -5270,7 +6804,7 @@
           <p:cNvPr id="42" name="组合 41">
             <a:extLst>
               <a:ext uri="{FF2B5EF4-FFF2-40B4-BE49-F238E27FC236}">
-                <a16:creationId xmlns:a16="http://schemas.microsoft.com/office/drawing/2014/main" id="{57A09B42-7813-1B40-ADFA-559B595DDADE}"/>
+                <a16:creationId xmlns:a16="http://schemas.microsoft.com/office/drawing/2014/main" xmlns="" id="{57A09B42-7813-1B40-ADFA-559B595DDADE}"/>
               </a:ext>
             </a:extLst>
           </p:cNvPr>
@@ -5290,7 +6824,7 @@
             <p:cNvPr id="43" name="矩形 42">
               <a:extLst>
                 <a:ext uri="{FF2B5EF4-FFF2-40B4-BE49-F238E27FC236}">
-                  <a16:creationId xmlns:a16="http://schemas.microsoft.com/office/drawing/2014/main" id="{60F38B1D-5D10-8C49-AC62-50A2A7FE7F01}"/>
+                  <a16:creationId xmlns:a16="http://schemas.microsoft.com/office/drawing/2014/main" xmlns="" id="{60F38B1D-5D10-8C49-AC62-50A2A7FE7F01}"/>
                 </a:ext>
               </a:extLst>
             </p:cNvPr>
@@ -5342,7 +6876,7 @@
             <p:cNvPr id="44" name="矩形 43">
               <a:extLst>
                 <a:ext uri="{FF2B5EF4-FFF2-40B4-BE49-F238E27FC236}">
-                  <a16:creationId xmlns:a16="http://schemas.microsoft.com/office/drawing/2014/main" id="{15A30DD4-74A0-B947-85D4-4B06B15E78CC}"/>
+                  <a16:creationId xmlns:a16="http://schemas.microsoft.com/office/drawing/2014/main" xmlns="" id="{15A30DD4-74A0-B947-85D4-4B06B15E78CC}"/>
                 </a:ext>
               </a:extLst>
             </p:cNvPr>
@@ -5395,7 +6929,7 @@
           <p:cNvPr id="45" name="组合 44">
             <a:extLst>
               <a:ext uri="{FF2B5EF4-FFF2-40B4-BE49-F238E27FC236}">
-                <a16:creationId xmlns:a16="http://schemas.microsoft.com/office/drawing/2014/main" id="{171A97B5-CABF-234A-9604-DD4AF39C1A2A}"/>
+                <a16:creationId xmlns:a16="http://schemas.microsoft.com/office/drawing/2014/main" xmlns="" id="{171A97B5-CABF-234A-9604-DD4AF39C1A2A}"/>
               </a:ext>
             </a:extLst>
           </p:cNvPr>
@@ -5415,7 +6949,7 @@
             <p:cNvPr id="46" name="矩形 45">
               <a:extLst>
                 <a:ext uri="{FF2B5EF4-FFF2-40B4-BE49-F238E27FC236}">
-                  <a16:creationId xmlns:a16="http://schemas.microsoft.com/office/drawing/2014/main" id="{D7989839-FA5D-6A47-BEEF-8512A3DD672C}"/>
+                  <a16:creationId xmlns:a16="http://schemas.microsoft.com/office/drawing/2014/main" xmlns="" id="{D7989839-FA5D-6A47-BEEF-8512A3DD672C}"/>
                 </a:ext>
               </a:extLst>
             </p:cNvPr>
@@ -5467,7 +7001,7 @@
             <p:cNvPr id="47" name="矩形 46">
               <a:extLst>
                 <a:ext uri="{FF2B5EF4-FFF2-40B4-BE49-F238E27FC236}">
-                  <a16:creationId xmlns:a16="http://schemas.microsoft.com/office/drawing/2014/main" id="{AA47A58E-82CA-0B46-AEBA-5D944B47F46A}"/>
+                  <a16:creationId xmlns:a16="http://schemas.microsoft.com/office/drawing/2014/main" xmlns="" id="{AA47A58E-82CA-0B46-AEBA-5D944B47F46A}"/>
                 </a:ext>
               </a:extLst>
             </p:cNvPr>
@@ -5520,7 +7054,7 @@
           <p:cNvPr id="48" name="乘 47">
             <a:extLst>
               <a:ext uri="{FF2B5EF4-FFF2-40B4-BE49-F238E27FC236}">
-                <a16:creationId xmlns:a16="http://schemas.microsoft.com/office/drawing/2014/main" id="{CA155762-8391-004F-B11C-ADC939AA974A}"/>
+                <a16:creationId xmlns:a16="http://schemas.microsoft.com/office/drawing/2014/main" xmlns="" id="{CA155762-8391-004F-B11C-ADC939AA974A}"/>
               </a:ext>
             </a:extLst>
           </p:cNvPr>
@@ -5574,7 +7108,7 @@
           <p:cNvPr id="49" name="乘 48">
             <a:extLst>
               <a:ext uri="{FF2B5EF4-FFF2-40B4-BE49-F238E27FC236}">
-                <a16:creationId xmlns:a16="http://schemas.microsoft.com/office/drawing/2014/main" id="{1E9534FC-3A08-D443-9110-A6EB329031EF}"/>
+                <a16:creationId xmlns:a16="http://schemas.microsoft.com/office/drawing/2014/main" xmlns="" id="{1E9534FC-3A08-D443-9110-A6EB329031EF}"/>
               </a:ext>
             </a:extLst>
           </p:cNvPr>
@@ -5628,7 +7162,7 @@
           <p:cNvPr id="50" name="乘 49">
             <a:extLst>
               <a:ext uri="{FF2B5EF4-FFF2-40B4-BE49-F238E27FC236}">
-                <a16:creationId xmlns:a16="http://schemas.microsoft.com/office/drawing/2014/main" id="{8CDDD1ED-7E53-4D4F-962E-865DF15A0F8A}"/>
+                <a16:creationId xmlns:a16="http://schemas.microsoft.com/office/drawing/2014/main" xmlns="" id="{8CDDD1ED-7E53-4D4F-962E-865DF15A0F8A}"/>
               </a:ext>
             </a:extLst>
           </p:cNvPr>
@@ -5682,7 +7216,7 @@
           <p:cNvPr id="51" name="乘 50">
             <a:extLst>
               <a:ext uri="{FF2B5EF4-FFF2-40B4-BE49-F238E27FC236}">
-                <a16:creationId xmlns:a16="http://schemas.microsoft.com/office/drawing/2014/main" id="{4067ECD7-95CE-2F40-B5B7-B55FE9C03BE7}"/>
+                <a16:creationId xmlns:a16="http://schemas.microsoft.com/office/drawing/2014/main" xmlns="" id="{4067ECD7-95CE-2F40-B5B7-B55FE9C03BE7}"/>
               </a:ext>
             </a:extLst>
           </p:cNvPr>
@@ -5766,7 +7300,7 @@
           <p:cNvPr id="4" name="文本框 3">
             <a:extLst>
               <a:ext uri="{FF2B5EF4-FFF2-40B4-BE49-F238E27FC236}">
-                <a16:creationId xmlns:a16="http://schemas.microsoft.com/office/drawing/2014/main" id="{BD5BDBAA-D597-844B-A766-C3663E62A12D}"/>
+                <a16:creationId xmlns:a16="http://schemas.microsoft.com/office/drawing/2014/main" xmlns="" id="{BD5BDBAA-D597-844B-A766-C3663E62A12D}"/>
               </a:ext>
             </a:extLst>
           </p:cNvPr>
@@ -5809,7 +7343,7 @@
           <p:cNvPr id="5" name="图片 4">
             <a:extLst>
               <a:ext uri="{FF2B5EF4-FFF2-40B4-BE49-F238E27FC236}">
-                <a16:creationId xmlns:a16="http://schemas.microsoft.com/office/drawing/2014/main" id="{1ADCF72E-C426-824E-BE36-A856FFB848B2}"/>
+                <a16:creationId xmlns:a16="http://schemas.microsoft.com/office/drawing/2014/main" xmlns="" id="{1ADCF72E-C426-824E-BE36-A856FFB848B2}"/>
               </a:ext>
             </a:extLst>
           </p:cNvPr>
@@ -5839,7 +7373,7 @@
           <p:cNvPr id="6" name="表格 5">
             <a:extLst>
               <a:ext uri="{FF2B5EF4-FFF2-40B4-BE49-F238E27FC236}">
-                <a16:creationId xmlns:a16="http://schemas.microsoft.com/office/drawing/2014/main" id="{CCD6FDF8-567B-0449-B7E2-8545F3C6601C}"/>
+                <a16:creationId xmlns:a16="http://schemas.microsoft.com/office/drawing/2014/main" xmlns="" id="{CCD6FDF8-567B-0449-B7E2-8545F3C6601C}"/>
               </a:ext>
             </a:extLst>
           </p:cNvPr>
@@ -5868,14 +7402,14 @@
                 <a:gridCol w="1519314">
                   <a:extLst>
                     <a:ext uri="{9D8B030D-6E8A-4147-A177-3AD203B41FA5}">
-                      <a16:colId xmlns:a16="http://schemas.microsoft.com/office/drawing/2014/main" val="3479947025"/>
+                      <a16:colId xmlns:a16="http://schemas.microsoft.com/office/drawing/2014/main" xmlns="" val="3479947025"/>
                     </a:ext>
                   </a:extLst>
                 </a:gridCol>
                 <a:gridCol w="2622885">
                   <a:extLst>
                     <a:ext uri="{9D8B030D-6E8A-4147-A177-3AD203B41FA5}">
-                      <a16:colId xmlns:a16="http://schemas.microsoft.com/office/drawing/2014/main" val="1162382197"/>
+                      <a16:colId xmlns:a16="http://schemas.microsoft.com/office/drawing/2014/main" xmlns="" val="1162382197"/>
                     </a:ext>
                   </a:extLst>
                 </a:gridCol>
@@ -6295,7 +7829,7 @@
                 </a:tc>
                 <a:extLst>
                   <a:ext uri="{0D108BD9-81ED-4DB2-BD59-A6C34878D82A}">
-                    <a16:rowId xmlns:a16="http://schemas.microsoft.com/office/drawing/2014/main" val="395556551"/>
+                    <a16:rowId xmlns:a16="http://schemas.microsoft.com/office/drawing/2014/main" xmlns="" val="395556551"/>
                   </a:ext>
                 </a:extLst>
               </a:tr>
@@ -6308,7 +7842,7 @@
           <p:cNvPr id="8" name="图片 7">
             <a:extLst>
               <a:ext uri="{FF2B5EF4-FFF2-40B4-BE49-F238E27FC236}">
-                <a16:creationId xmlns:a16="http://schemas.microsoft.com/office/drawing/2014/main" id="{6D63D86E-AE86-1742-8BBE-CCA845116E79}"/>
+                <a16:creationId xmlns:a16="http://schemas.microsoft.com/office/drawing/2014/main" xmlns="" id="{6D63D86E-AE86-1742-8BBE-CCA845116E79}"/>
               </a:ext>
             </a:extLst>
           </p:cNvPr>
@@ -6338,7 +7872,7 @@
           <p:cNvPr id="10" name="表格 9">
             <a:extLst>
               <a:ext uri="{FF2B5EF4-FFF2-40B4-BE49-F238E27FC236}">
-                <a16:creationId xmlns:a16="http://schemas.microsoft.com/office/drawing/2014/main" id="{6F12CBF5-5DCB-EB4E-AEFD-E70F5F261F53}"/>
+                <a16:creationId xmlns:a16="http://schemas.microsoft.com/office/drawing/2014/main" xmlns="" id="{6F12CBF5-5DCB-EB4E-AEFD-E70F5F261F53}"/>
               </a:ext>
             </a:extLst>
           </p:cNvPr>
@@ -6367,14 +7901,14 @@
                 <a:gridCol w="1519314">
                   <a:extLst>
                     <a:ext uri="{9D8B030D-6E8A-4147-A177-3AD203B41FA5}">
-                      <a16:colId xmlns:a16="http://schemas.microsoft.com/office/drawing/2014/main" val="3479947025"/>
+                      <a16:colId xmlns:a16="http://schemas.microsoft.com/office/drawing/2014/main" xmlns="" val="3479947025"/>
                     </a:ext>
                   </a:extLst>
                 </a:gridCol>
                 <a:gridCol w="2622885">
                   <a:extLst>
                     <a:ext uri="{9D8B030D-6E8A-4147-A177-3AD203B41FA5}">
-                      <a16:colId xmlns:a16="http://schemas.microsoft.com/office/drawing/2014/main" val="1162382197"/>
+                      <a16:colId xmlns:a16="http://schemas.microsoft.com/office/drawing/2014/main" xmlns="" val="1162382197"/>
                     </a:ext>
                   </a:extLst>
                 </a:gridCol>
@@ -6760,7 +8294,7 @@
                 </a:tc>
                 <a:extLst>
                   <a:ext uri="{0D108BD9-81ED-4DB2-BD59-A6C34878D82A}">
-                    <a16:rowId xmlns:a16="http://schemas.microsoft.com/office/drawing/2014/main" val="395556551"/>
+                    <a16:rowId xmlns:a16="http://schemas.microsoft.com/office/drawing/2014/main" xmlns="" val="395556551"/>
                   </a:ext>
                 </a:extLst>
               </a:tr>
@@ -6773,7 +8307,7 @@
           <p:cNvPr id="14" name="图片 13">
             <a:extLst>
               <a:ext uri="{FF2B5EF4-FFF2-40B4-BE49-F238E27FC236}">
-                <a16:creationId xmlns:a16="http://schemas.microsoft.com/office/drawing/2014/main" id="{6B1C88DC-E743-B14F-B09C-D50A70F69F8F}"/>
+                <a16:creationId xmlns:a16="http://schemas.microsoft.com/office/drawing/2014/main" xmlns="" id="{6B1C88DC-E743-B14F-B09C-D50A70F69F8F}"/>
               </a:ext>
             </a:extLst>
           </p:cNvPr>
@@ -6803,7 +8337,7 @@
           <p:cNvPr id="15" name="表格 14">
             <a:extLst>
               <a:ext uri="{FF2B5EF4-FFF2-40B4-BE49-F238E27FC236}">
-                <a16:creationId xmlns:a16="http://schemas.microsoft.com/office/drawing/2014/main" id="{F4FDC05B-77C2-A646-89F7-2655234F5BE0}"/>
+                <a16:creationId xmlns:a16="http://schemas.microsoft.com/office/drawing/2014/main" xmlns="" id="{F4FDC05B-77C2-A646-89F7-2655234F5BE0}"/>
               </a:ext>
             </a:extLst>
           </p:cNvPr>
@@ -6832,14 +8366,14 @@
                 <a:gridCol w="1519314">
                   <a:extLst>
                     <a:ext uri="{9D8B030D-6E8A-4147-A177-3AD203B41FA5}">
-                      <a16:colId xmlns:a16="http://schemas.microsoft.com/office/drawing/2014/main" val="3479947025"/>
+                      <a16:colId xmlns:a16="http://schemas.microsoft.com/office/drawing/2014/main" xmlns="" val="3479947025"/>
                     </a:ext>
                   </a:extLst>
                 </a:gridCol>
                 <a:gridCol w="2371885">
                   <a:extLst>
                     <a:ext uri="{9D8B030D-6E8A-4147-A177-3AD203B41FA5}">
-                      <a16:colId xmlns:a16="http://schemas.microsoft.com/office/drawing/2014/main" val="1162382197"/>
+                      <a16:colId xmlns:a16="http://schemas.microsoft.com/office/drawing/2014/main" xmlns="" val="1162382197"/>
                     </a:ext>
                   </a:extLst>
                 </a:gridCol>
@@ -7002,7 +8536,7 @@
                 </a:tc>
                 <a:extLst>
                   <a:ext uri="{0D108BD9-81ED-4DB2-BD59-A6C34878D82A}">
-                    <a16:rowId xmlns:a16="http://schemas.microsoft.com/office/drawing/2014/main" val="395556551"/>
+                    <a16:rowId xmlns:a16="http://schemas.microsoft.com/office/drawing/2014/main" xmlns="" val="395556551"/>
                   </a:ext>
                 </a:extLst>
               </a:tr>
@@ -7015,7 +8549,7 @@
           <p:cNvPr id="17" name="图片 16">
             <a:extLst>
               <a:ext uri="{FF2B5EF4-FFF2-40B4-BE49-F238E27FC236}">
-                <a16:creationId xmlns:a16="http://schemas.microsoft.com/office/drawing/2014/main" id="{FCDF6D4F-3078-A449-91D0-1DAEF7DB0D42}"/>
+                <a16:creationId xmlns:a16="http://schemas.microsoft.com/office/drawing/2014/main" xmlns="" id="{FCDF6D4F-3078-A449-91D0-1DAEF7DB0D42}"/>
               </a:ext>
             </a:extLst>
           </p:cNvPr>
@@ -7045,7 +8579,7 @@
           <p:cNvPr id="18" name="表格 17">
             <a:extLst>
               <a:ext uri="{FF2B5EF4-FFF2-40B4-BE49-F238E27FC236}">
-                <a16:creationId xmlns:a16="http://schemas.microsoft.com/office/drawing/2014/main" id="{CE4579BE-6581-314A-8FA0-761CC8DE6AB2}"/>
+                <a16:creationId xmlns:a16="http://schemas.microsoft.com/office/drawing/2014/main" xmlns="" id="{CE4579BE-6581-314A-8FA0-761CC8DE6AB2}"/>
               </a:ext>
             </a:extLst>
           </p:cNvPr>
@@ -7074,14 +8608,14 @@
                 <a:gridCol w="1519314">
                   <a:extLst>
                     <a:ext uri="{9D8B030D-6E8A-4147-A177-3AD203B41FA5}">
-                      <a16:colId xmlns:a16="http://schemas.microsoft.com/office/drawing/2014/main" val="3479947025"/>
+                      <a16:colId xmlns:a16="http://schemas.microsoft.com/office/drawing/2014/main" xmlns="" val="3479947025"/>
                     </a:ext>
                   </a:extLst>
                 </a:gridCol>
                 <a:gridCol w="2370222">
                   <a:extLst>
                     <a:ext uri="{9D8B030D-6E8A-4147-A177-3AD203B41FA5}">
-                      <a16:colId xmlns:a16="http://schemas.microsoft.com/office/drawing/2014/main" val="1162382197"/>
+                      <a16:colId xmlns:a16="http://schemas.microsoft.com/office/drawing/2014/main" xmlns="" val="1162382197"/>
                     </a:ext>
                   </a:extLst>
                 </a:gridCol>
@@ -7268,7 +8802,7 @@
                 </a:tc>
                 <a:extLst>
                   <a:ext uri="{0D108BD9-81ED-4DB2-BD59-A6C34878D82A}">
-                    <a16:rowId xmlns:a16="http://schemas.microsoft.com/office/drawing/2014/main" val="395556551"/>
+                    <a16:rowId xmlns:a16="http://schemas.microsoft.com/office/drawing/2014/main" xmlns="" val="395556551"/>
                   </a:ext>
                 </a:extLst>
               </a:tr>
@@ -7281,7 +8815,7 @@
           <p:cNvPr id="21" name="文本框 20">
             <a:extLst>
               <a:ext uri="{FF2B5EF4-FFF2-40B4-BE49-F238E27FC236}">
-                <a16:creationId xmlns:a16="http://schemas.microsoft.com/office/drawing/2014/main" id="{4C2E55D0-C4AA-4948-AB89-8D8E52BD9541}"/>
+                <a16:creationId xmlns:a16="http://schemas.microsoft.com/office/drawing/2014/main" xmlns="" id="{4C2E55D0-C4AA-4948-AB89-8D8E52BD9541}"/>
               </a:ext>
             </a:extLst>
           </p:cNvPr>
@@ -7322,7 +8856,7 @@
           <p:cNvPr id="22" name="文本框 21">
             <a:extLst>
               <a:ext uri="{FF2B5EF4-FFF2-40B4-BE49-F238E27FC236}">
-                <a16:creationId xmlns:a16="http://schemas.microsoft.com/office/drawing/2014/main" id="{4354C168-98E8-4F4D-9C2F-6F97462BAB12}"/>
+                <a16:creationId xmlns:a16="http://schemas.microsoft.com/office/drawing/2014/main" xmlns="" id="{4354C168-98E8-4F4D-9C2F-6F97462BAB12}"/>
               </a:ext>
             </a:extLst>
           </p:cNvPr>
@@ -7363,7 +8897,7 @@
           <p:cNvPr id="23" name="图片 22">
             <a:extLst>
               <a:ext uri="{FF2B5EF4-FFF2-40B4-BE49-F238E27FC236}">
-                <a16:creationId xmlns:a16="http://schemas.microsoft.com/office/drawing/2014/main" id="{C174F167-039D-A649-94A6-D8229E566372}"/>
+                <a16:creationId xmlns:a16="http://schemas.microsoft.com/office/drawing/2014/main" xmlns="" id="{C174F167-039D-A649-94A6-D8229E566372}"/>
               </a:ext>
             </a:extLst>
           </p:cNvPr>
@@ -7393,7 +8927,7 @@
           <p:cNvPr id="24" name="图片 23">
             <a:extLst>
               <a:ext uri="{FF2B5EF4-FFF2-40B4-BE49-F238E27FC236}">
-                <a16:creationId xmlns:a16="http://schemas.microsoft.com/office/drawing/2014/main" id="{F3660567-BBFA-7541-95A5-EA4CF7C8E3E7}"/>
+                <a16:creationId xmlns:a16="http://schemas.microsoft.com/office/drawing/2014/main" xmlns="" id="{F3660567-BBFA-7541-95A5-EA4CF7C8E3E7}"/>
               </a:ext>
             </a:extLst>
           </p:cNvPr>
@@ -7423,7 +8957,7 @@
           <p:cNvPr id="25" name="表格 24">
             <a:extLst>
               <a:ext uri="{FF2B5EF4-FFF2-40B4-BE49-F238E27FC236}">
-                <a16:creationId xmlns:a16="http://schemas.microsoft.com/office/drawing/2014/main" id="{E7B1674D-C020-E746-B293-63A36DE7E30D}"/>
+                <a16:creationId xmlns:a16="http://schemas.microsoft.com/office/drawing/2014/main" xmlns="" id="{E7B1674D-C020-E746-B293-63A36DE7E30D}"/>
               </a:ext>
             </a:extLst>
           </p:cNvPr>
@@ -7452,14 +8986,14 @@
                 <a:gridCol w="1519314">
                   <a:extLst>
                     <a:ext uri="{9D8B030D-6E8A-4147-A177-3AD203B41FA5}">
-                      <a16:colId xmlns:a16="http://schemas.microsoft.com/office/drawing/2014/main" val="3479947025"/>
+                      <a16:colId xmlns:a16="http://schemas.microsoft.com/office/drawing/2014/main" xmlns="" val="3479947025"/>
                     </a:ext>
                   </a:extLst>
                 </a:gridCol>
                 <a:gridCol w="1629290">
                   <a:extLst>
                     <a:ext uri="{9D8B030D-6E8A-4147-A177-3AD203B41FA5}">
-                      <a16:colId xmlns:a16="http://schemas.microsoft.com/office/drawing/2014/main" val="1162382197"/>
+                      <a16:colId xmlns:a16="http://schemas.microsoft.com/office/drawing/2014/main" xmlns="" val="1162382197"/>
                     </a:ext>
                   </a:extLst>
                 </a:gridCol>
@@ -7649,7 +9183,7 @@
                 </a:tc>
                 <a:extLst>
                   <a:ext uri="{0D108BD9-81ED-4DB2-BD59-A6C34878D82A}">
-                    <a16:rowId xmlns:a16="http://schemas.microsoft.com/office/drawing/2014/main" val="395556551"/>
+                    <a16:rowId xmlns:a16="http://schemas.microsoft.com/office/drawing/2014/main" xmlns="" val="395556551"/>
                   </a:ext>
                 </a:extLst>
               </a:tr>
@@ -7692,7 +9226,7 @@
           <p:cNvPr id="4" name="表格 3">
             <a:extLst>
               <a:ext uri="{FF2B5EF4-FFF2-40B4-BE49-F238E27FC236}">
-                <a16:creationId xmlns:a16="http://schemas.microsoft.com/office/drawing/2014/main" id="{F83B562C-A1C4-614D-AFBC-111B3B516D03}"/>
+                <a16:creationId xmlns:a16="http://schemas.microsoft.com/office/drawing/2014/main" xmlns="" id="{F83B562C-A1C4-614D-AFBC-111B3B516D03}"/>
               </a:ext>
             </a:extLst>
           </p:cNvPr>
@@ -7721,14 +9255,14 @@
                 <a:gridCol w="1845829">
                   <a:extLst>
                     <a:ext uri="{9D8B030D-6E8A-4147-A177-3AD203B41FA5}">
-                      <a16:colId xmlns:a16="http://schemas.microsoft.com/office/drawing/2014/main" val="3479947025"/>
+                      <a16:colId xmlns:a16="http://schemas.microsoft.com/office/drawing/2014/main" xmlns="" val="3479947025"/>
                     </a:ext>
                   </a:extLst>
                 </a:gridCol>
                 <a:gridCol w="2045370">
                   <a:extLst>
                     <a:ext uri="{9D8B030D-6E8A-4147-A177-3AD203B41FA5}">
-                      <a16:colId xmlns:a16="http://schemas.microsoft.com/office/drawing/2014/main" val="1162382197"/>
+                      <a16:colId xmlns:a16="http://schemas.microsoft.com/office/drawing/2014/main" xmlns="" val="1162382197"/>
                     </a:ext>
                   </a:extLst>
                 </a:gridCol>
@@ -7939,7 +9473,7 @@
                 </a:tc>
                 <a:extLst>
                   <a:ext uri="{0D108BD9-81ED-4DB2-BD59-A6C34878D82A}">
-                    <a16:rowId xmlns:a16="http://schemas.microsoft.com/office/drawing/2014/main" val="395556551"/>
+                    <a16:rowId xmlns:a16="http://schemas.microsoft.com/office/drawing/2014/main" xmlns="" val="395556551"/>
                   </a:ext>
                 </a:extLst>
               </a:tr>
@@ -7952,7 +9486,7 @@
           <p:cNvPr id="6" name="文本框 5">
             <a:extLst>
               <a:ext uri="{FF2B5EF4-FFF2-40B4-BE49-F238E27FC236}">
-                <a16:creationId xmlns:a16="http://schemas.microsoft.com/office/drawing/2014/main" id="{EB0E780A-0E12-7B4C-8EEE-BCD0FF6A06C9}"/>
+                <a16:creationId xmlns:a16="http://schemas.microsoft.com/office/drawing/2014/main" xmlns="" id="{EB0E780A-0E12-7B4C-8EEE-BCD0FF6A06C9}"/>
               </a:ext>
             </a:extLst>
           </p:cNvPr>
@@ -7993,7 +9527,7 @@
           <p:cNvPr id="8" name="图片 7">
             <a:extLst>
               <a:ext uri="{FF2B5EF4-FFF2-40B4-BE49-F238E27FC236}">
-                <a16:creationId xmlns:a16="http://schemas.microsoft.com/office/drawing/2014/main" id="{892F86F4-7CF3-FB47-82B5-F977E3CA8B60}"/>
+                <a16:creationId xmlns:a16="http://schemas.microsoft.com/office/drawing/2014/main" xmlns="" id="{892F86F4-7CF3-FB47-82B5-F977E3CA8B60}"/>
               </a:ext>
             </a:extLst>
           </p:cNvPr>
@@ -8023,7 +9557,7 @@
           <p:cNvPr id="9" name="表格 8">
             <a:extLst>
               <a:ext uri="{FF2B5EF4-FFF2-40B4-BE49-F238E27FC236}">
-                <a16:creationId xmlns:a16="http://schemas.microsoft.com/office/drawing/2014/main" id="{55CF72C1-EFFA-3045-B64D-D9FB6BB26631}"/>
+                <a16:creationId xmlns:a16="http://schemas.microsoft.com/office/drawing/2014/main" xmlns="" id="{55CF72C1-EFFA-3045-B64D-D9FB6BB26631}"/>
               </a:ext>
             </a:extLst>
           </p:cNvPr>
@@ -8052,14 +9586,14 @@
                 <a:gridCol w="1845829">
                   <a:extLst>
                     <a:ext uri="{9D8B030D-6E8A-4147-A177-3AD203B41FA5}">
-                      <a16:colId xmlns:a16="http://schemas.microsoft.com/office/drawing/2014/main" val="3479947025"/>
+                      <a16:colId xmlns:a16="http://schemas.microsoft.com/office/drawing/2014/main" xmlns="" val="3479947025"/>
                     </a:ext>
                   </a:extLst>
                 </a:gridCol>
                 <a:gridCol w="2045370">
                   <a:extLst>
                     <a:ext uri="{9D8B030D-6E8A-4147-A177-3AD203B41FA5}">
-                      <a16:colId xmlns:a16="http://schemas.microsoft.com/office/drawing/2014/main" val="1162382197"/>
+                      <a16:colId xmlns:a16="http://schemas.microsoft.com/office/drawing/2014/main" xmlns="" val="1162382197"/>
                     </a:ext>
                   </a:extLst>
                 </a:gridCol>
@@ -8270,7 +9804,7 @@
                 </a:tc>
                 <a:extLst>
                   <a:ext uri="{0D108BD9-81ED-4DB2-BD59-A6C34878D82A}">
-                    <a16:rowId xmlns:a16="http://schemas.microsoft.com/office/drawing/2014/main" val="395556551"/>
+                    <a16:rowId xmlns:a16="http://schemas.microsoft.com/office/drawing/2014/main" xmlns="" val="395556551"/>
                   </a:ext>
                 </a:extLst>
               </a:tr>
@@ -8283,7 +9817,7 @@
           <p:cNvPr id="10" name="文本框 9">
             <a:extLst>
               <a:ext uri="{FF2B5EF4-FFF2-40B4-BE49-F238E27FC236}">
-                <a16:creationId xmlns:a16="http://schemas.microsoft.com/office/drawing/2014/main" id="{78FE17E6-D127-6B42-9100-94CC9D36376A}"/>
+                <a16:creationId xmlns:a16="http://schemas.microsoft.com/office/drawing/2014/main" xmlns="" id="{78FE17E6-D127-6B42-9100-94CC9D36376A}"/>
               </a:ext>
             </a:extLst>
           </p:cNvPr>
@@ -8324,7 +9858,7 @@
           <p:cNvPr id="11" name="图片 10">
             <a:extLst>
               <a:ext uri="{FF2B5EF4-FFF2-40B4-BE49-F238E27FC236}">
-                <a16:creationId xmlns:a16="http://schemas.microsoft.com/office/drawing/2014/main" id="{C2FCCFBD-999E-494A-A510-91C481D86124}"/>
+                <a16:creationId xmlns:a16="http://schemas.microsoft.com/office/drawing/2014/main" xmlns="" id="{C2FCCFBD-999E-494A-A510-91C481D86124}"/>
               </a:ext>
             </a:extLst>
           </p:cNvPr>
@@ -8354,7 +9888,7 @@
           <p:cNvPr id="13" name="图片 12">
             <a:extLst>
               <a:ext uri="{FF2B5EF4-FFF2-40B4-BE49-F238E27FC236}">
-                <a16:creationId xmlns:a16="http://schemas.microsoft.com/office/drawing/2014/main" id="{981F6AF1-B6A2-B94E-B6CF-016E93CBFC2B}"/>
+                <a16:creationId xmlns:a16="http://schemas.microsoft.com/office/drawing/2014/main" xmlns="" id="{981F6AF1-B6A2-B94E-B6CF-016E93CBFC2B}"/>
               </a:ext>
             </a:extLst>
           </p:cNvPr>

--- a/Python入门课0.pptx
+++ b/Python入门课0.pptx
@@ -17,6 +17,10 @@
     <p:sldId id="265" r:id="rId11"/>
     <p:sldId id="266" r:id="rId12"/>
     <p:sldId id="267" r:id="rId13"/>
+    <p:sldId id="268" r:id="rId14"/>
+    <p:sldId id="269" r:id="rId15"/>
+    <p:sldId id="270" r:id="rId16"/>
+    <p:sldId id="271" r:id="rId17"/>
   </p:sldIdLst>
   <p:sldSz cx="9144000" cy="6858000" type="screen4x3"/>
   <p:notesSz cx="6858000" cy="9144000"/>
@@ -5069,10 +5073,4628 @@
           <a:chExt cx="0" cy="0"/>
         </a:xfrm>
       </p:grpSpPr>
+      <p:pic>
+        <p:nvPicPr>
+          <p:cNvPr id="29" name="图片 28"/>
+          <p:cNvPicPr>
+            <a:picLocks noChangeAspect="1"/>
+          </p:cNvPicPr>
+          <p:nvPr/>
+        </p:nvPicPr>
+        <p:blipFill>
+          <a:blip r:embed="rId2"/>
+          <a:stretch>
+            <a:fillRect/>
+          </a:stretch>
+        </p:blipFill>
+        <p:spPr>
+          <a:xfrm>
+            <a:off x="0" y="293943"/>
+            <a:ext cx="3652248" cy="3565059"/>
+          </a:xfrm>
+          <a:prstGeom prst="rect">
+            <a:avLst/>
+          </a:prstGeom>
+        </p:spPr>
+      </p:pic>
+      <p:pic>
+        <p:nvPicPr>
+          <p:cNvPr id="30" name="图片 29"/>
+          <p:cNvPicPr>
+            <a:picLocks noChangeAspect="1"/>
+          </p:cNvPicPr>
+          <p:nvPr/>
+        </p:nvPicPr>
+        <p:blipFill>
+          <a:blip r:embed="rId3"/>
+          <a:stretch>
+            <a:fillRect/>
+          </a:stretch>
+        </p:blipFill>
+        <p:spPr>
+          <a:xfrm>
+            <a:off x="3652248" y="782476"/>
+            <a:ext cx="1876957" cy="2350752"/>
+          </a:xfrm>
+          <a:prstGeom prst="rect">
+            <a:avLst/>
+          </a:prstGeom>
+        </p:spPr>
+      </p:pic>
+      <p:pic>
+        <p:nvPicPr>
+          <p:cNvPr id="31" name="图片 30"/>
+          <p:cNvPicPr>
+            <a:picLocks noChangeAspect="1"/>
+          </p:cNvPicPr>
+          <p:nvPr/>
+        </p:nvPicPr>
+        <p:blipFill>
+          <a:blip r:embed="rId4"/>
+          <a:stretch>
+            <a:fillRect/>
+          </a:stretch>
+        </p:blipFill>
+        <p:spPr>
+          <a:xfrm>
+            <a:off x="5800820" y="782476"/>
+            <a:ext cx="1467887" cy="2326650"/>
+          </a:xfrm>
+          <a:prstGeom prst="rect">
+            <a:avLst/>
+          </a:prstGeom>
+        </p:spPr>
+      </p:pic>
+      <p:pic>
+        <p:nvPicPr>
+          <p:cNvPr id="32" name="图片 31"/>
+          <p:cNvPicPr>
+            <a:picLocks noChangeAspect="1"/>
+          </p:cNvPicPr>
+          <p:nvPr/>
+        </p:nvPicPr>
+        <p:blipFill>
+          <a:blip r:embed="rId5"/>
+          <a:stretch>
+            <a:fillRect/>
+          </a:stretch>
+        </p:blipFill>
+        <p:spPr>
+          <a:xfrm>
+            <a:off x="7043633" y="2632635"/>
+            <a:ext cx="1393057" cy="2452733"/>
+          </a:xfrm>
+          <a:prstGeom prst="rect">
+            <a:avLst/>
+          </a:prstGeom>
+        </p:spPr>
+      </p:pic>
     </p:spTree>
     <p:extLst>
       <p:ext uri="{BB962C8B-B14F-4D97-AF65-F5344CB8AC3E}">
         <p14:creationId xmlns:p14="http://schemas.microsoft.com/office/powerpoint/2010/main" val="2662693387"/>
+      </p:ext>
+    </p:extLst>
+  </p:cSld>
+  <p:clrMapOvr>
+    <a:masterClrMapping/>
+  </p:clrMapOvr>
+</p:sld>
+</file>
+
+<file path=ppt/slides/slide13.xml><?xml version="1.0" encoding="utf-8"?>
+<p:sld xmlns:a="http://schemas.openxmlformats.org/drawingml/2006/main" xmlns:r="http://schemas.openxmlformats.org/officeDocument/2006/relationships" xmlns:p="http://schemas.openxmlformats.org/presentationml/2006/main">
+  <p:cSld>
+    <p:spTree>
+      <p:nvGrpSpPr>
+        <p:cNvPr id="1" name=""/>
+        <p:cNvGrpSpPr/>
+        <p:nvPr/>
+      </p:nvGrpSpPr>
+      <p:grpSpPr>
+        <a:xfrm>
+          <a:off x="0" y="0"/>
+          <a:ext cx="0" cy="0"/>
+          <a:chOff x="0" y="0"/>
+          <a:chExt cx="0" cy="0"/>
+        </a:xfrm>
+      </p:grpSpPr>
+      <p:sp>
+        <p:nvSpPr>
+          <p:cNvPr id="4" name="等腰三角形 3"/>
+          <p:cNvSpPr/>
+          <p:nvPr/>
+        </p:nvSpPr>
+        <p:spPr>
+          <a:xfrm>
+            <a:off x="1506928" y="1385047"/>
+            <a:ext cx="1152487" cy="2424432"/>
+          </a:xfrm>
+          <a:prstGeom prst="triangle">
+            <a:avLst/>
+          </a:prstGeom>
+          <a:solidFill>
+            <a:srgbClr val="008000"/>
+          </a:solidFill>
+          <a:ln>
+            <a:solidFill>
+              <a:schemeClr val="accent3"/>
+            </a:solidFill>
+          </a:ln>
+        </p:spPr>
+        <p:style>
+          <a:lnRef idx="1">
+            <a:schemeClr val="accent1"/>
+          </a:lnRef>
+          <a:fillRef idx="3">
+            <a:schemeClr val="accent1"/>
+          </a:fillRef>
+          <a:effectRef idx="2">
+            <a:schemeClr val="accent1"/>
+          </a:effectRef>
+          <a:fontRef idx="minor">
+            <a:schemeClr val="lt1"/>
+          </a:fontRef>
+        </p:style>
+        <p:txBody>
+          <a:bodyPr rtlCol="0" anchor="ctr"/>
+          <a:lstStyle/>
+          <a:p>
+            <a:pPr algn="ctr"/>
+            <a:endParaRPr kumimoji="1" lang="zh-CN" altLang="en-US"/>
+          </a:p>
+        </p:txBody>
+      </p:sp>
+      <p:sp>
+        <p:nvSpPr>
+          <p:cNvPr id="5" name="文本框 4"/>
+          <p:cNvSpPr txBox="1"/>
+          <p:nvPr/>
+        </p:nvSpPr>
+        <p:spPr>
+          <a:xfrm>
+            <a:off x="3823853" y="2594952"/>
+            <a:ext cx="287258" cy="369332"/>
+          </a:xfrm>
+          <a:prstGeom prst="rect">
+            <a:avLst/>
+          </a:prstGeom>
+          <a:noFill/>
+        </p:spPr>
+        <p:txBody>
+          <a:bodyPr wrap="none" rtlCol="0">
+            <a:spAutoFit/>
+          </a:bodyPr>
+          <a:lstStyle/>
+          <a:p>
+            <a:r>
+              <a:rPr kumimoji="1" lang="en-US" altLang="zh-CN" dirty="0" smtClean="0"/>
+              <a:t>x</a:t>
+            </a:r>
+            <a:endParaRPr kumimoji="1" lang="zh-CN" altLang="en-US" dirty="0"/>
+          </a:p>
+        </p:txBody>
+      </p:sp>
+      <p:sp>
+        <p:nvSpPr>
+          <p:cNvPr id="6" name="等腰三角形 5"/>
+          <p:cNvSpPr/>
+          <p:nvPr/>
+        </p:nvSpPr>
+        <p:spPr>
+          <a:xfrm rot="5400000">
+            <a:off x="1904445" y="2750116"/>
+            <a:ext cx="188454" cy="143916"/>
+          </a:xfrm>
+          <a:prstGeom prst="triangle">
+            <a:avLst/>
+          </a:prstGeom>
+          <a:solidFill>
+            <a:schemeClr val="tx1"/>
+          </a:solidFill>
+          <a:ln>
+            <a:solidFill>
+              <a:srgbClr val="000000"/>
+            </a:solidFill>
+          </a:ln>
+        </p:spPr>
+        <p:style>
+          <a:lnRef idx="1">
+            <a:schemeClr val="accent1"/>
+          </a:lnRef>
+          <a:fillRef idx="3">
+            <a:schemeClr val="accent1"/>
+          </a:fillRef>
+          <a:effectRef idx="2">
+            <a:schemeClr val="accent1"/>
+          </a:effectRef>
+          <a:fontRef idx="minor">
+            <a:schemeClr val="lt1"/>
+          </a:fontRef>
+        </p:style>
+        <p:txBody>
+          <a:bodyPr rtlCol="0" anchor="ctr"/>
+          <a:lstStyle/>
+          <a:p>
+            <a:pPr algn="ctr"/>
+            <a:endParaRPr kumimoji="1" lang="zh-CN" altLang="en-US"/>
+          </a:p>
+        </p:txBody>
+      </p:sp>
+      <p:sp>
+        <p:nvSpPr>
+          <p:cNvPr id="7" name="文本框 6"/>
+          <p:cNvSpPr txBox="1"/>
+          <p:nvPr/>
+        </p:nvSpPr>
+        <p:spPr>
+          <a:xfrm>
+            <a:off x="2070343" y="2830930"/>
+            <a:ext cx="472380" cy="276999"/>
+          </a:xfrm>
+          <a:prstGeom prst="rect">
+            <a:avLst/>
+          </a:prstGeom>
+          <a:noFill/>
+        </p:spPr>
+        <p:txBody>
+          <a:bodyPr wrap="none" rtlCol="0">
+            <a:spAutoFit/>
+          </a:bodyPr>
+          <a:lstStyle/>
+          <a:p>
+            <a:r>
+              <a:rPr kumimoji="1" lang="en-US" altLang="zh-CN" sz="1200" dirty="0" smtClean="0"/>
+              <a:t>(0,0)</a:t>
+            </a:r>
+            <a:endParaRPr kumimoji="1" lang="zh-CN" altLang="en-US" sz="1200" dirty="0"/>
+          </a:p>
+        </p:txBody>
+      </p:sp>
+      <p:sp>
+        <p:nvSpPr>
+          <p:cNvPr id="8" name="文本框 7"/>
+          <p:cNvSpPr txBox="1"/>
+          <p:nvPr/>
+        </p:nvSpPr>
+        <p:spPr>
+          <a:xfrm>
+            <a:off x="2437518" y="2366549"/>
+            <a:ext cx="366657" cy="307777"/>
+          </a:xfrm>
+          <a:prstGeom prst="rect">
+            <a:avLst/>
+          </a:prstGeom>
+          <a:noFill/>
+        </p:spPr>
+        <p:txBody>
+          <a:bodyPr wrap="none" rtlCol="0">
+            <a:spAutoFit/>
+          </a:bodyPr>
+          <a:lstStyle/>
+          <a:p>
+            <a:r>
+              <a:rPr kumimoji="1" lang="en-US" altLang="zh-CN" sz="1400" dirty="0" smtClean="0"/>
+              <a:t>6</a:t>
+            </a:r>
+            <a:r>
+              <a:rPr kumimoji="1" lang="en-US" altLang="zh-CN" sz="1400" dirty="0" smtClean="0"/>
+              <a:t>0</a:t>
+            </a:r>
+            <a:endParaRPr kumimoji="1" lang="zh-CN" altLang="en-US" sz="1400" dirty="0"/>
+          </a:p>
+        </p:txBody>
+      </p:sp>
+      <p:cxnSp>
+        <p:nvCxnSpPr>
+          <p:cNvPr id="9" name="直线连接符 8"/>
+          <p:cNvCxnSpPr/>
+          <p:nvPr/>
+        </p:nvCxnSpPr>
+        <p:spPr>
+          <a:xfrm>
+            <a:off x="2617583" y="2674326"/>
+            <a:ext cx="0" cy="141013"/>
+          </a:xfrm>
+          <a:prstGeom prst="line">
+            <a:avLst/>
+          </a:prstGeom>
+          <a:ln>
+            <a:solidFill>
+              <a:schemeClr val="tx1"/>
+            </a:solidFill>
+          </a:ln>
+        </p:spPr>
+        <p:style>
+          <a:lnRef idx="2">
+            <a:schemeClr val="accent1"/>
+          </a:lnRef>
+          <a:fillRef idx="0">
+            <a:schemeClr val="accent1"/>
+          </a:fillRef>
+          <a:effectRef idx="1">
+            <a:schemeClr val="accent1"/>
+          </a:effectRef>
+          <a:fontRef idx="minor">
+            <a:schemeClr val="tx1"/>
+          </a:fontRef>
+        </p:style>
+      </p:cxnSp>
+      <p:sp>
+        <p:nvSpPr>
+          <p:cNvPr id="10" name="文本框 9"/>
+          <p:cNvSpPr txBox="1"/>
+          <p:nvPr/>
+        </p:nvSpPr>
+        <p:spPr>
+          <a:xfrm>
+            <a:off x="1310770" y="2368758"/>
+            <a:ext cx="421622" cy="307777"/>
+          </a:xfrm>
+          <a:prstGeom prst="rect">
+            <a:avLst/>
+          </a:prstGeom>
+          <a:noFill/>
+        </p:spPr>
+        <p:txBody>
+          <a:bodyPr wrap="none" rtlCol="0">
+            <a:spAutoFit/>
+          </a:bodyPr>
+          <a:lstStyle/>
+          <a:p>
+            <a:r>
+              <a:rPr kumimoji="1" lang="en-US" altLang="zh-CN" sz="1400" dirty="0" smtClean="0"/>
+              <a:t>-6</a:t>
+            </a:r>
+            <a:r>
+              <a:rPr kumimoji="1" lang="en-US" altLang="zh-CN" sz="1400" dirty="0" smtClean="0"/>
+              <a:t>0</a:t>
+            </a:r>
+            <a:endParaRPr kumimoji="1" lang="zh-CN" altLang="en-US" sz="1400" dirty="0"/>
+          </a:p>
+        </p:txBody>
+      </p:sp>
+      <p:cxnSp>
+        <p:nvCxnSpPr>
+          <p:cNvPr id="11" name="直线连接符 10"/>
+          <p:cNvCxnSpPr/>
+          <p:nvPr/>
+        </p:nvCxnSpPr>
+        <p:spPr>
+          <a:xfrm>
+            <a:off x="1503664" y="2676535"/>
+            <a:ext cx="0" cy="141013"/>
+          </a:xfrm>
+          <a:prstGeom prst="line">
+            <a:avLst/>
+          </a:prstGeom>
+          <a:ln>
+            <a:solidFill>
+              <a:schemeClr val="tx1"/>
+            </a:solidFill>
+          </a:ln>
+        </p:spPr>
+        <p:style>
+          <a:lnRef idx="2">
+            <a:schemeClr val="accent1"/>
+          </a:lnRef>
+          <a:fillRef idx="0">
+            <a:schemeClr val="accent1"/>
+          </a:fillRef>
+          <a:effectRef idx="1">
+            <a:schemeClr val="accent1"/>
+          </a:effectRef>
+          <a:fontRef idx="minor">
+            <a:schemeClr val="tx1"/>
+          </a:fontRef>
+        </p:style>
+      </p:cxnSp>
+      <p:cxnSp>
+        <p:nvCxnSpPr>
+          <p:cNvPr id="12" name="直线连接符 11"/>
+          <p:cNvCxnSpPr/>
+          <p:nvPr/>
+        </p:nvCxnSpPr>
+        <p:spPr>
+          <a:xfrm>
+            <a:off x="2659415" y="2830930"/>
+            <a:ext cx="0" cy="978549"/>
+          </a:xfrm>
+          <a:prstGeom prst="line">
+            <a:avLst/>
+          </a:prstGeom>
+          <a:ln w="3175" cmpd="sng">
+            <a:solidFill>
+              <a:schemeClr val="bg1">
+                <a:lumMod val="85000"/>
+              </a:schemeClr>
+            </a:solidFill>
+          </a:ln>
+        </p:spPr>
+        <p:style>
+          <a:lnRef idx="2">
+            <a:schemeClr val="accent1"/>
+          </a:lnRef>
+          <a:fillRef idx="0">
+            <a:schemeClr val="accent1"/>
+          </a:fillRef>
+          <a:effectRef idx="1">
+            <a:schemeClr val="accent1"/>
+          </a:effectRef>
+          <a:fontRef idx="minor">
+            <a:schemeClr val="tx1"/>
+          </a:fontRef>
+        </p:style>
+      </p:cxnSp>
+      <p:cxnSp>
+        <p:nvCxnSpPr>
+          <p:cNvPr id="13" name="直线连接符 12"/>
+          <p:cNvCxnSpPr/>
+          <p:nvPr/>
+        </p:nvCxnSpPr>
+        <p:spPr>
+          <a:xfrm>
+            <a:off x="1506928" y="2847476"/>
+            <a:ext cx="0" cy="978549"/>
+          </a:xfrm>
+          <a:prstGeom prst="line">
+            <a:avLst/>
+          </a:prstGeom>
+          <a:ln w="3175" cmpd="sng">
+            <a:solidFill>
+              <a:schemeClr val="bg1">
+                <a:lumMod val="85000"/>
+              </a:schemeClr>
+            </a:solidFill>
+          </a:ln>
+        </p:spPr>
+        <p:style>
+          <a:lnRef idx="2">
+            <a:schemeClr val="accent1"/>
+          </a:lnRef>
+          <a:fillRef idx="0">
+            <a:schemeClr val="accent1"/>
+          </a:fillRef>
+          <a:effectRef idx="1">
+            <a:schemeClr val="accent1"/>
+          </a:effectRef>
+          <a:fontRef idx="minor">
+            <a:schemeClr val="tx1"/>
+          </a:fontRef>
+        </p:style>
+      </p:cxnSp>
+      <p:cxnSp>
+        <p:nvCxnSpPr>
+          <p:cNvPr id="14" name="直线箭头连接符 13"/>
+          <p:cNvCxnSpPr/>
+          <p:nvPr/>
+        </p:nvCxnSpPr>
+        <p:spPr>
+          <a:xfrm flipH="1" flipV="1">
+            <a:off x="2086021" y="774905"/>
+            <a:ext cx="31032" cy="4248814"/>
+          </a:xfrm>
+          <a:prstGeom prst="straightConnector1">
+            <a:avLst/>
+          </a:prstGeom>
+          <a:ln>
+            <a:solidFill>
+              <a:srgbClr val="A6A6A6"/>
+            </a:solidFill>
+            <a:tailEnd type="arrow"/>
+          </a:ln>
+        </p:spPr>
+        <p:style>
+          <a:lnRef idx="2">
+            <a:schemeClr val="accent1"/>
+          </a:lnRef>
+          <a:fillRef idx="0">
+            <a:schemeClr val="accent1"/>
+          </a:fillRef>
+          <a:effectRef idx="1">
+            <a:schemeClr val="accent1"/>
+          </a:effectRef>
+          <a:fontRef idx="minor">
+            <a:schemeClr val="tx1"/>
+          </a:fontRef>
+        </p:style>
+      </p:cxnSp>
+      <p:cxnSp>
+        <p:nvCxnSpPr>
+          <p:cNvPr id="15" name="直线箭头连接符 14"/>
+          <p:cNvCxnSpPr/>
+          <p:nvPr/>
+        </p:nvCxnSpPr>
+        <p:spPr>
+          <a:xfrm>
+            <a:off x="327713" y="2813289"/>
+            <a:ext cx="3496140" cy="4259"/>
+          </a:xfrm>
+          <a:prstGeom prst="straightConnector1">
+            <a:avLst/>
+          </a:prstGeom>
+          <a:ln>
+            <a:solidFill>
+              <a:schemeClr val="bg1">
+                <a:lumMod val="65000"/>
+              </a:schemeClr>
+            </a:solidFill>
+            <a:tailEnd type="arrow"/>
+          </a:ln>
+        </p:spPr>
+        <p:style>
+          <a:lnRef idx="2">
+            <a:schemeClr val="accent1"/>
+          </a:lnRef>
+          <a:fillRef idx="0">
+            <a:schemeClr val="accent1"/>
+          </a:fillRef>
+          <a:effectRef idx="1">
+            <a:schemeClr val="accent1"/>
+          </a:effectRef>
+          <a:fontRef idx="minor">
+            <a:schemeClr val="tx1"/>
+          </a:fontRef>
+        </p:style>
+      </p:cxnSp>
+      <p:sp>
+        <p:nvSpPr>
+          <p:cNvPr id="17" name="文本框 16"/>
+          <p:cNvSpPr txBox="1"/>
+          <p:nvPr/>
+        </p:nvSpPr>
+        <p:spPr>
+          <a:xfrm>
+            <a:off x="1857195" y="1098476"/>
+            <a:ext cx="457652" cy="307777"/>
+          </a:xfrm>
+          <a:prstGeom prst="rect">
+            <a:avLst/>
+          </a:prstGeom>
+          <a:noFill/>
+        </p:spPr>
+        <p:txBody>
+          <a:bodyPr wrap="none" rtlCol="0">
+            <a:spAutoFit/>
+          </a:bodyPr>
+          <a:lstStyle/>
+          <a:p>
+            <a:r>
+              <a:rPr kumimoji="1" lang="en-US" altLang="zh-CN" sz="1400" dirty="0"/>
+              <a:t>120</a:t>
+            </a:r>
+            <a:endParaRPr kumimoji="1" lang="zh-CN" altLang="en-US" sz="1400" dirty="0"/>
+          </a:p>
+        </p:txBody>
+      </p:sp>
+      <p:sp>
+        <p:nvSpPr>
+          <p:cNvPr id="22" name="线形标注 1 21"/>
+          <p:cNvSpPr/>
+          <p:nvPr/>
+        </p:nvSpPr>
+        <p:spPr>
+          <a:xfrm>
+            <a:off x="875970" y="4441398"/>
+            <a:ext cx="653071" cy="215873"/>
+          </a:xfrm>
+          <a:prstGeom prst="borderCallout1">
+            <a:avLst>
+              <a:gd name="adj1" fmla="val 57670"/>
+              <a:gd name="adj2" fmla="val 101880"/>
+              <a:gd name="adj3" fmla="val 53964"/>
+              <a:gd name="adj4" fmla="val 173921"/>
+            </a:avLst>
+          </a:prstGeom>
+          <a:solidFill>
+            <a:srgbClr val="B9CDE5"/>
+          </a:solidFill>
+          <a:ln>
+            <a:solidFill>
+              <a:srgbClr val="3366FF"/>
+            </a:solidFill>
+          </a:ln>
+        </p:spPr>
+        <p:style>
+          <a:lnRef idx="2">
+            <a:schemeClr val="dk1"/>
+          </a:lnRef>
+          <a:fillRef idx="1">
+            <a:schemeClr val="lt1"/>
+          </a:fillRef>
+          <a:effectRef idx="0">
+            <a:schemeClr val="dk1"/>
+          </a:effectRef>
+          <a:fontRef idx="minor">
+            <a:schemeClr val="dk1"/>
+          </a:fontRef>
+        </p:style>
+        <p:txBody>
+          <a:bodyPr rtlCol="0" anchor="ctr"/>
+          <a:lstStyle/>
+          <a:p>
+            <a:pPr algn="ctr"/>
+            <a:endParaRPr kumimoji="1" lang="zh-CN" altLang="en-US"/>
+          </a:p>
+        </p:txBody>
+      </p:sp>
+      <p:sp>
+        <p:nvSpPr>
+          <p:cNvPr id="23" name="文本框 22"/>
+          <p:cNvSpPr txBox="1"/>
+          <p:nvPr/>
+        </p:nvSpPr>
+        <p:spPr>
+          <a:xfrm>
+            <a:off x="854734" y="4402956"/>
+            <a:ext cx="704264" cy="276999"/>
+          </a:xfrm>
+          <a:prstGeom prst="rect">
+            <a:avLst/>
+          </a:prstGeom>
+          <a:noFill/>
+        </p:spPr>
+        <p:txBody>
+          <a:bodyPr wrap="none" rtlCol="0">
+            <a:spAutoFit/>
+          </a:bodyPr>
+          <a:lstStyle/>
+          <a:p>
+            <a:r>
+              <a:rPr kumimoji="1" lang="en-US" altLang="zh-CN" sz="1200" dirty="0" smtClean="0"/>
+              <a:t>(</a:t>
+            </a:r>
+            <a:r>
+              <a:rPr kumimoji="1" lang="zh-CN" altLang="zh-CN" sz="1200" dirty="0"/>
+              <a:t>0</a:t>
+            </a:r>
+            <a:r>
+              <a:rPr kumimoji="1" lang="en-US" altLang="zh-CN" sz="1200" dirty="0" smtClean="0"/>
+              <a:t>,</a:t>
+            </a:r>
+            <a:r>
+              <a:rPr kumimoji="1" lang="zh-CN" altLang="zh-CN" sz="1200" dirty="0" smtClean="0"/>
+              <a:t>-</a:t>
+            </a:r>
+            <a:r>
+              <a:rPr kumimoji="1" lang="en-US" altLang="zh-CN" sz="1200" dirty="0" smtClean="0"/>
+              <a:t>170</a:t>
+            </a:r>
+            <a:r>
+              <a:rPr kumimoji="1" lang="en-US" altLang="zh-CN" sz="1200" dirty="0" smtClean="0"/>
+              <a:t>)</a:t>
+            </a:r>
+            <a:endParaRPr kumimoji="1" lang="zh-CN" altLang="en-US" sz="1200" dirty="0"/>
+          </a:p>
+        </p:txBody>
+      </p:sp>
+      <p:sp>
+        <p:nvSpPr>
+          <p:cNvPr id="24" name="圆角矩形 23"/>
+          <p:cNvSpPr/>
+          <p:nvPr/>
+        </p:nvSpPr>
+        <p:spPr>
+          <a:xfrm>
+            <a:off x="1935440" y="3711958"/>
+            <a:ext cx="323842" cy="976095"/>
+          </a:xfrm>
+          <a:prstGeom prst="roundRect">
+            <a:avLst>
+              <a:gd name="adj" fmla="val 50000"/>
+            </a:avLst>
+          </a:prstGeom>
+          <a:solidFill>
+            <a:srgbClr val="800000"/>
+          </a:solidFill>
+          <a:ln>
+            <a:solidFill>
+              <a:srgbClr val="984807"/>
+            </a:solidFill>
+          </a:ln>
+        </p:spPr>
+        <p:style>
+          <a:lnRef idx="1">
+            <a:schemeClr val="accent1"/>
+          </a:lnRef>
+          <a:fillRef idx="3">
+            <a:schemeClr val="accent1"/>
+          </a:fillRef>
+          <a:effectRef idx="2">
+            <a:schemeClr val="accent1"/>
+          </a:effectRef>
+          <a:fontRef idx="minor">
+            <a:schemeClr val="lt1"/>
+          </a:fontRef>
+        </p:style>
+        <p:txBody>
+          <a:bodyPr rtlCol="0" anchor="ctr"/>
+          <a:lstStyle/>
+          <a:p>
+            <a:pPr algn="ctr"/>
+            <a:endParaRPr kumimoji="1" lang="zh-CN" altLang="en-US"/>
+          </a:p>
+        </p:txBody>
+      </p:sp>
+      <p:sp>
+        <p:nvSpPr>
+          <p:cNvPr id="20" name="线形标注 1 19"/>
+          <p:cNvSpPr/>
+          <p:nvPr/>
+        </p:nvSpPr>
+        <p:spPr>
+          <a:xfrm>
+            <a:off x="2715980" y="3903437"/>
+            <a:ext cx="645467" cy="215873"/>
+          </a:xfrm>
+          <a:prstGeom prst="borderCallout1">
+            <a:avLst>
+              <a:gd name="adj1" fmla="val 48257"/>
+              <a:gd name="adj2" fmla="val -433"/>
+              <a:gd name="adj3" fmla="val -37858"/>
+              <a:gd name="adj4" fmla="val -90783"/>
+            </a:avLst>
+          </a:prstGeom>
+          <a:solidFill>
+            <a:srgbClr val="B9CDE5"/>
+          </a:solidFill>
+          <a:ln>
+            <a:solidFill>
+              <a:srgbClr val="3366FF"/>
+            </a:solidFill>
+          </a:ln>
+        </p:spPr>
+        <p:style>
+          <a:lnRef idx="2">
+            <a:schemeClr val="dk1"/>
+          </a:lnRef>
+          <a:fillRef idx="1">
+            <a:schemeClr val="lt1"/>
+          </a:fillRef>
+          <a:effectRef idx="0">
+            <a:schemeClr val="dk1"/>
+          </a:effectRef>
+          <a:fontRef idx="minor">
+            <a:schemeClr val="dk1"/>
+          </a:fontRef>
+        </p:style>
+        <p:txBody>
+          <a:bodyPr rtlCol="0" anchor="ctr"/>
+          <a:lstStyle/>
+          <a:p>
+            <a:pPr algn="ctr"/>
+            <a:endParaRPr kumimoji="1" lang="zh-CN" altLang="en-US"/>
+          </a:p>
+        </p:txBody>
+      </p:sp>
+      <p:sp>
+        <p:nvSpPr>
+          <p:cNvPr id="21" name="文本框 20"/>
+          <p:cNvSpPr txBox="1"/>
+          <p:nvPr/>
+        </p:nvSpPr>
+        <p:spPr>
+          <a:xfrm>
+            <a:off x="2659415" y="3858137"/>
+            <a:ext cx="705316" cy="276999"/>
+          </a:xfrm>
+          <a:prstGeom prst="rect">
+            <a:avLst/>
+          </a:prstGeom>
+          <a:noFill/>
+        </p:spPr>
+        <p:txBody>
+          <a:bodyPr wrap="none" rtlCol="0">
+            <a:spAutoFit/>
+          </a:bodyPr>
+          <a:lstStyle/>
+          <a:p>
+            <a:r>
+              <a:rPr kumimoji="1" lang="en-US" altLang="zh-CN" sz="1200" dirty="0" smtClean="0"/>
+              <a:t>(0,</a:t>
+            </a:r>
+            <a:r>
+              <a:rPr kumimoji="1" lang="zh-CN" altLang="zh-CN" sz="1200" dirty="0" smtClean="0"/>
+              <a:t>-</a:t>
+            </a:r>
+            <a:r>
+              <a:rPr kumimoji="1" lang="en-US" altLang="zh-CN" sz="1200" dirty="0" smtClean="0"/>
+              <a:t>100</a:t>
+            </a:r>
+            <a:r>
+              <a:rPr kumimoji="1" lang="en-US" altLang="zh-CN" sz="1200" dirty="0" smtClean="0"/>
+              <a:t>)</a:t>
+            </a:r>
+            <a:endParaRPr kumimoji="1" lang="zh-CN" altLang="en-US" sz="1200" dirty="0"/>
+          </a:p>
+        </p:txBody>
+      </p:sp>
+      <p:sp>
+        <p:nvSpPr>
+          <p:cNvPr id="40" name="五角星 39"/>
+          <p:cNvSpPr/>
+          <p:nvPr/>
+        </p:nvSpPr>
+        <p:spPr>
+          <a:xfrm>
+            <a:off x="4830476" y="1225656"/>
+            <a:ext cx="2347305" cy="2281785"/>
+          </a:xfrm>
+          <a:prstGeom prst="star5">
+            <a:avLst/>
+          </a:prstGeom>
+          <a:solidFill>
+            <a:srgbClr val="FFFF00"/>
+          </a:solidFill>
+          <a:ln>
+            <a:solidFill>
+              <a:srgbClr val="CDB706"/>
+            </a:solidFill>
+          </a:ln>
+        </p:spPr>
+        <p:style>
+          <a:lnRef idx="1">
+            <a:schemeClr val="accent1"/>
+          </a:lnRef>
+          <a:fillRef idx="3">
+            <a:schemeClr val="accent1"/>
+          </a:fillRef>
+          <a:effectRef idx="2">
+            <a:schemeClr val="accent1"/>
+          </a:effectRef>
+          <a:fontRef idx="minor">
+            <a:schemeClr val="lt1"/>
+          </a:fontRef>
+        </p:style>
+        <p:txBody>
+          <a:bodyPr rtlCol="0" anchor="ctr"/>
+          <a:lstStyle/>
+          <a:p>
+            <a:pPr algn="ctr"/>
+            <a:endParaRPr kumimoji="1" lang="zh-CN" altLang="en-US"/>
+          </a:p>
+        </p:txBody>
+      </p:sp>
+    </p:spTree>
+    <p:extLst>
+      <p:ext uri="{BB962C8B-B14F-4D97-AF65-F5344CB8AC3E}">
+        <p14:creationId xmlns:p14="http://schemas.microsoft.com/office/powerpoint/2010/main" val="1074218723"/>
+      </p:ext>
+    </p:extLst>
+  </p:cSld>
+  <p:clrMapOvr>
+    <a:masterClrMapping/>
+  </p:clrMapOvr>
+</p:sld>
+</file>
+
+<file path=ppt/slides/slide14.xml><?xml version="1.0" encoding="utf-8"?>
+<p:sld xmlns:a="http://schemas.openxmlformats.org/drawingml/2006/main" xmlns:r="http://schemas.openxmlformats.org/officeDocument/2006/relationships" xmlns:p="http://schemas.openxmlformats.org/presentationml/2006/main">
+  <p:cSld>
+    <p:spTree>
+      <p:nvGrpSpPr>
+        <p:cNvPr id="1" name=""/>
+        <p:cNvGrpSpPr/>
+        <p:nvPr/>
+      </p:nvGrpSpPr>
+      <p:grpSpPr>
+        <a:xfrm>
+          <a:off x="0" y="0"/>
+          <a:ext cx="0" cy="0"/>
+          <a:chOff x="0" y="0"/>
+          <a:chExt cx="0" cy="0"/>
+        </a:xfrm>
+      </p:grpSpPr>
+      <p:sp>
+        <p:nvSpPr>
+          <p:cNvPr id="4" name="五角星 3"/>
+          <p:cNvSpPr/>
+          <p:nvPr/>
+        </p:nvSpPr>
+        <p:spPr>
+          <a:xfrm>
+            <a:off x="4663381" y="319902"/>
+            <a:ext cx="2347305" cy="2281785"/>
+          </a:xfrm>
+          <a:prstGeom prst="star5">
+            <a:avLst/>
+          </a:prstGeom>
+          <a:solidFill>
+            <a:srgbClr val="FFFF00"/>
+          </a:solidFill>
+          <a:ln>
+            <a:solidFill>
+              <a:srgbClr val="CDB706"/>
+            </a:solidFill>
+          </a:ln>
+        </p:spPr>
+        <p:style>
+          <a:lnRef idx="1">
+            <a:schemeClr val="accent1"/>
+          </a:lnRef>
+          <a:fillRef idx="3">
+            <a:schemeClr val="accent1"/>
+          </a:fillRef>
+          <a:effectRef idx="2">
+            <a:schemeClr val="accent1"/>
+          </a:effectRef>
+          <a:fontRef idx="minor">
+            <a:schemeClr val="lt1"/>
+          </a:fontRef>
+        </p:style>
+        <p:txBody>
+          <a:bodyPr rtlCol="0" anchor="ctr"/>
+          <a:lstStyle/>
+          <a:p>
+            <a:pPr algn="ctr"/>
+            <a:endParaRPr kumimoji="1" lang="zh-CN" altLang="en-US"/>
+          </a:p>
+        </p:txBody>
+      </p:sp>
+      <p:sp>
+        <p:nvSpPr>
+          <p:cNvPr id="5" name="文本框 4"/>
+          <p:cNvSpPr txBox="1"/>
+          <p:nvPr/>
+        </p:nvSpPr>
+        <p:spPr>
+          <a:xfrm>
+            <a:off x="6046818" y="880133"/>
+            <a:ext cx="301660" cy="369332"/>
+          </a:xfrm>
+          <a:prstGeom prst="rect">
+            <a:avLst/>
+          </a:prstGeom>
+          <a:noFill/>
+        </p:spPr>
+        <p:txBody>
+          <a:bodyPr wrap="none" rtlCol="0">
+            <a:spAutoFit/>
+          </a:bodyPr>
+          <a:lstStyle/>
+          <a:p>
+            <a:r>
+              <a:rPr kumimoji="1" lang="en-US" altLang="zh-CN" dirty="0" smtClean="0"/>
+              <a:t>1</a:t>
+            </a:r>
+            <a:endParaRPr kumimoji="1" lang="zh-CN" altLang="en-US" dirty="0"/>
+          </a:p>
+        </p:txBody>
+      </p:sp>
+      <p:sp>
+        <p:nvSpPr>
+          <p:cNvPr id="6" name="文本框 5"/>
+          <p:cNvSpPr txBox="1"/>
+          <p:nvPr/>
+        </p:nvSpPr>
+        <p:spPr>
+          <a:xfrm>
+            <a:off x="7010686" y="981861"/>
+            <a:ext cx="301660" cy="369332"/>
+          </a:xfrm>
+          <a:prstGeom prst="rect">
+            <a:avLst/>
+          </a:prstGeom>
+          <a:noFill/>
+        </p:spPr>
+        <p:txBody>
+          <a:bodyPr wrap="none" rtlCol="0">
+            <a:spAutoFit/>
+          </a:bodyPr>
+          <a:lstStyle/>
+          <a:p>
+            <a:r>
+              <a:rPr kumimoji="1" lang="en-US" altLang="zh-CN" dirty="0"/>
+              <a:t>2</a:t>
+            </a:r>
+            <a:endParaRPr kumimoji="1" lang="zh-CN" altLang="en-US" dirty="0"/>
+          </a:p>
+        </p:txBody>
+      </p:sp>
+      <p:sp>
+        <p:nvSpPr>
+          <p:cNvPr id="7" name="文本框 6"/>
+          <p:cNvSpPr txBox="1"/>
+          <p:nvPr/>
+        </p:nvSpPr>
+        <p:spPr>
+          <a:xfrm>
+            <a:off x="5688935" y="2031935"/>
+            <a:ext cx="301660" cy="369332"/>
+          </a:xfrm>
+          <a:prstGeom prst="rect">
+            <a:avLst/>
+          </a:prstGeom>
+          <a:noFill/>
+        </p:spPr>
+        <p:txBody>
+          <a:bodyPr wrap="none" rtlCol="0">
+            <a:spAutoFit/>
+          </a:bodyPr>
+          <a:lstStyle/>
+          <a:p>
+            <a:r>
+              <a:rPr kumimoji="1" lang="en-US" altLang="zh-CN" dirty="0" smtClean="0"/>
+              <a:t>5</a:t>
+            </a:r>
+            <a:endParaRPr kumimoji="1" lang="zh-CN" altLang="en-US" dirty="0"/>
+          </a:p>
+        </p:txBody>
+      </p:sp>
+      <p:sp>
+        <p:nvSpPr>
+          <p:cNvPr id="8" name="文本框 7"/>
+          <p:cNvSpPr txBox="1"/>
+          <p:nvPr/>
+        </p:nvSpPr>
+        <p:spPr>
+          <a:xfrm>
+            <a:off x="6526991" y="2515061"/>
+            <a:ext cx="301660" cy="369332"/>
+          </a:xfrm>
+          <a:prstGeom prst="rect">
+            <a:avLst/>
+          </a:prstGeom>
+          <a:noFill/>
+        </p:spPr>
+        <p:txBody>
+          <a:bodyPr wrap="none" rtlCol="0">
+            <a:spAutoFit/>
+          </a:bodyPr>
+          <a:lstStyle/>
+          <a:p>
+            <a:r>
+              <a:rPr kumimoji="1" lang="en-US" altLang="zh-CN" dirty="0" smtClean="0"/>
+              <a:t>4</a:t>
+            </a:r>
+            <a:endParaRPr kumimoji="1" lang="zh-CN" altLang="en-US" dirty="0"/>
+          </a:p>
+        </p:txBody>
+      </p:sp>
+      <p:sp>
+        <p:nvSpPr>
+          <p:cNvPr id="9" name="文本框 8"/>
+          <p:cNvSpPr txBox="1"/>
+          <p:nvPr/>
+        </p:nvSpPr>
+        <p:spPr>
+          <a:xfrm>
+            <a:off x="6311836" y="1587482"/>
+            <a:ext cx="301660" cy="369332"/>
+          </a:xfrm>
+          <a:prstGeom prst="rect">
+            <a:avLst/>
+          </a:prstGeom>
+          <a:noFill/>
+        </p:spPr>
+        <p:txBody>
+          <a:bodyPr wrap="none" rtlCol="0">
+            <a:spAutoFit/>
+          </a:bodyPr>
+          <a:lstStyle/>
+          <a:p>
+            <a:r>
+              <a:rPr kumimoji="1" lang="en-US" altLang="zh-CN" dirty="0" smtClean="0"/>
+              <a:t>3</a:t>
+            </a:r>
+            <a:endParaRPr kumimoji="1" lang="zh-CN" altLang="en-US" dirty="0"/>
+          </a:p>
+        </p:txBody>
+      </p:sp>
+      <p:sp>
+        <p:nvSpPr>
+          <p:cNvPr id="10" name="文本框 9"/>
+          <p:cNvSpPr txBox="1"/>
+          <p:nvPr/>
+        </p:nvSpPr>
+        <p:spPr>
+          <a:xfrm>
+            <a:off x="4911484" y="2535622"/>
+            <a:ext cx="301660" cy="369332"/>
+          </a:xfrm>
+          <a:prstGeom prst="rect">
+            <a:avLst/>
+          </a:prstGeom>
+          <a:noFill/>
+        </p:spPr>
+        <p:txBody>
+          <a:bodyPr wrap="none" rtlCol="0">
+            <a:spAutoFit/>
+          </a:bodyPr>
+          <a:lstStyle/>
+          <a:p>
+            <a:r>
+              <a:rPr kumimoji="1" lang="en-US" altLang="zh-CN" dirty="0" smtClean="0"/>
+              <a:t>6</a:t>
+            </a:r>
+          </a:p>
+        </p:txBody>
+      </p:sp>
+      <p:sp>
+        <p:nvSpPr>
+          <p:cNvPr id="11" name="文本框 10"/>
+          <p:cNvSpPr txBox="1"/>
+          <p:nvPr/>
+        </p:nvSpPr>
+        <p:spPr>
+          <a:xfrm>
+            <a:off x="5103361" y="1621513"/>
+            <a:ext cx="301660" cy="369332"/>
+          </a:xfrm>
+          <a:prstGeom prst="rect">
+            <a:avLst/>
+          </a:prstGeom>
+          <a:noFill/>
+        </p:spPr>
+        <p:txBody>
+          <a:bodyPr wrap="none" rtlCol="0">
+            <a:spAutoFit/>
+          </a:bodyPr>
+          <a:lstStyle/>
+          <a:p>
+            <a:r>
+              <a:rPr kumimoji="1" lang="en-US" altLang="zh-CN" dirty="0"/>
+              <a:t>7</a:t>
+            </a:r>
+            <a:endParaRPr kumimoji="1" lang="en-US" altLang="zh-CN" dirty="0" smtClean="0"/>
+          </a:p>
+        </p:txBody>
+      </p:sp>
+      <p:sp>
+        <p:nvSpPr>
+          <p:cNvPr id="12" name="文本框 11"/>
+          <p:cNvSpPr txBox="1"/>
+          <p:nvPr/>
+        </p:nvSpPr>
+        <p:spPr>
+          <a:xfrm>
+            <a:off x="4361721" y="1056765"/>
+            <a:ext cx="301660" cy="369332"/>
+          </a:xfrm>
+          <a:prstGeom prst="rect">
+            <a:avLst/>
+          </a:prstGeom>
+          <a:noFill/>
+        </p:spPr>
+        <p:txBody>
+          <a:bodyPr wrap="none" rtlCol="0">
+            <a:spAutoFit/>
+          </a:bodyPr>
+          <a:lstStyle/>
+          <a:p>
+            <a:r>
+              <a:rPr kumimoji="1" lang="en-US" altLang="zh-CN" dirty="0" smtClean="0"/>
+              <a:t>8</a:t>
+            </a:r>
+          </a:p>
+        </p:txBody>
+      </p:sp>
+      <p:sp>
+        <p:nvSpPr>
+          <p:cNvPr id="13" name="文本框 12"/>
+          <p:cNvSpPr txBox="1"/>
+          <p:nvPr/>
+        </p:nvSpPr>
+        <p:spPr>
+          <a:xfrm>
+            <a:off x="5286166" y="866834"/>
+            <a:ext cx="301660" cy="369332"/>
+          </a:xfrm>
+          <a:prstGeom prst="rect">
+            <a:avLst/>
+          </a:prstGeom>
+          <a:noFill/>
+        </p:spPr>
+        <p:txBody>
+          <a:bodyPr wrap="none" rtlCol="0">
+            <a:spAutoFit/>
+          </a:bodyPr>
+          <a:lstStyle/>
+          <a:p>
+            <a:r>
+              <a:rPr kumimoji="1" lang="en-US" altLang="zh-CN" dirty="0"/>
+              <a:t>9</a:t>
+            </a:r>
+            <a:endParaRPr kumimoji="1" lang="en-US" altLang="zh-CN" dirty="0" smtClean="0"/>
+          </a:p>
+        </p:txBody>
+      </p:sp>
+      <p:sp>
+        <p:nvSpPr>
+          <p:cNvPr id="14" name="文本框 13"/>
+          <p:cNvSpPr txBox="1"/>
+          <p:nvPr/>
+        </p:nvSpPr>
+        <p:spPr>
+          <a:xfrm>
+            <a:off x="5620895" y="25248"/>
+            <a:ext cx="418654" cy="369332"/>
+          </a:xfrm>
+          <a:prstGeom prst="rect">
+            <a:avLst/>
+          </a:prstGeom>
+          <a:noFill/>
+        </p:spPr>
+        <p:txBody>
+          <a:bodyPr wrap="none" rtlCol="0">
+            <a:spAutoFit/>
+          </a:bodyPr>
+          <a:lstStyle/>
+          <a:p>
+            <a:r>
+              <a:rPr kumimoji="1" lang="en-US" altLang="zh-CN" dirty="0" smtClean="0"/>
+              <a:t>10</a:t>
+            </a:r>
+          </a:p>
+        </p:txBody>
+      </p:sp>
+      <p:cxnSp>
+        <p:nvCxnSpPr>
+          <p:cNvPr id="16" name="直线箭头连接符 15"/>
+          <p:cNvCxnSpPr>
+            <a:stCxn id="5" idx="3"/>
+          </p:cNvCxnSpPr>
+          <p:nvPr/>
+        </p:nvCxnSpPr>
+        <p:spPr>
+          <a:xfrm>
+            <a:off x="6348478" y="1064799"/>
+            <a:ext cx="662208" cy="0"/>
+          </a:xfrm>
+          <a:prstGeom prst="straightConnector1">
+            <a:avLst/>
+          </a:prstGeom>
+          <a:ln>
+            <a:solidFill>
+              <a:srgbClr val="0000FF"/>
+            </a:solidFill>
+            <a:tailEnd type="arrow"/>
+          </a:ln>
+        </p:spPr>
+        <p:style>
+          <a:lnRef idx="2">
+            <a:schemeClr val="accent1"/>
+          </a:lnRef>
+          <a:fillRef idx="0">
+            <a:schemeClr val="accent1"/>
+          </a:fillRef>
+          <a:effectRef idx="1">
+            <a:schemeClr val="accent1"/>
+          </a:effectRef>
+          <a:fontRef idx="minor">
+            <a:schemeClr val="tx1"/>
+          </a:fontRef>
+        </p:style>
+      </p:cxnSp>
+      <p:cxnSp>
+        <p:nvCxnSpPr>
+          <p:cNvPr id="23" name="直线箭头连接符 22"/>
+          <p:cNvCxnSpPr>
+            <a:stCxn id="6" idx="2"/>
+          </p:cNvCxnSpPr>
+          <p:nvPr/>
+        </p:nvCxnSpPr>
+        <p:spPr>
+          <a:xfrm flipH="1">
+            <a:off x="6613800" y="1351193"/>
+            <a:ext cx="547716" cy="420955"/>
+          </a:xfrm>
+          <a:prstGeom prst="straightConnector1">
+            <a:avLst/>
+          </a:prstGeom>
+          <a:ln>
+            <a:solidFill>
+              <a:srgbClr val="0000FF"/>
+            </a:solidFill>
+            <a:tailEnd type="arrow"/>
+          </a:ln>
+        </p:spPr>
+        <p:style>
+          <a:lnRef idx="2">
+            <a:schemeClr val="accent1"/>
+          </a:lnRef>
+          <a:fillRef idx="0">
+            <a:schemeClr val="accent1"/>
+          </a:fillRef>
+          <a:effectRef idx="1">
+            <a:schemeClr val="accent1"/>
+          </a:effectRef>
+          <a:fontRef idx="minor">
+            <a:schemeClr val="tx1"/>
+          </a:fontRef>
+        </p:style>
+      </p:cxnSp>
+      <p:cxnSp>
+        <p:nvCxnSpPr>
+          <p:cNvPr id="26" name="直线箭头连接符 25"/>
+          <p:cNvCxnSpPr/>
+          <p:nvPr/>
+        </p:nvCxnSpPr>
+        <p:spPr>
+          <a:xfrm>
+            <a:off x="6553386" y="1842594"/>
+            <a:ext cx="162470" cy="558673"/>
+          </a:xfrm>
+          <a:prstGeom prst="straightConnector1">
+            <a:avLst/>
+          </a:prstGeom>
+          <a:ln>
+            <a:tailEnd type="arrow"/>
+          </a:ln>
+        </p:spPr>
+        <p:style>
+          <a:lnRef idx="2">
+            <a:schemeClr val="accent1"/>
+          </a:lnRef>
+          <a:fillRef idx="0">
+            <a:schemeClr val="accent1"/>
+          </a:fillRef>
+          <a:effectRef idx="1">
+            <a:schemeClr val="accent1"/>
+          </a:effectRef>
+          <a:fontRef idx="minor">
+            <a:schemeClr val="tx1"/>
+          </a:fontRef>
+        </p:style>
+      </p:cxnSp>
+      <p:cxnSp>
+        <p:nvCxnSpPr>
+          <p:cNvPr id="35" name="直线箭头连接符 34"/>
+          <p:cNvCxnSpPr/>
+          <p:nvPr/>
+        </p:nvCxnSpPr>
+        <p:spPr>
+          <a:xfrm flipH="1" flipV="1">
+            <a:off x="5893700" y="2294059"/>
+            <a:ext cx="545496" cy="483126"/>
+          </a:xfrm>
+          <a:prstGeom prst="straightConnector1">
+            <a:avLst/>
+          </a:prstGeom>
+          <a:ln>
+            <a:tailEnd type="arrow"/>
+          </a:ln>
+        </p:spPr>
+        <p:style>
+          <a:lnRef idx="2">
+            <a:schemeClr val="accent1"/>
+          </a:lnRef>
+          <a:fillRef idx="0">
+            <a:schemeClr val="accent1"/>
+          </a:fillRef>
+          <a:effectRef idx="1">
+            <a:schemeClr val="accent1"/>
+          </a:effectRef>
+          <a:fontRef idx="minor">
+            <a:schemeClr val="tx1"/>
+          </a:fontRef>
+        </p:style>
+      </p:cxnSp>
+      <p:cxnSp>
+        <p:nvCxnSpPr>
+          <p:cNvPr id="39" name="直线箭头连接符 38"/>
+          <p:cNvCxnSpPr/>
+          <p:nvPr/>
+        </p:nvCxnSpPr>
+        <p:spPr>
+          <a:xfrm flipH="1">
+            <a:off x="5286166" y="2401267"/>
+            <a:ext cx="547716" cy="420955"/>
+          </a:xfrm>
+          <a:prstGeom prst="straightConnector1">
+            <a:avLst/>
+          </a:prstGeom>
+          <a:ln>
+            <a:tailEnd type="arrow"/>
+          </a:ln>
+        </p:spPr>
+        <p:style>
+          <a:lnRef idx="2">
+            <a:schemeClr val="accent1"/>
+          </a:lnRef>
+          <a:fillRef idx="0">
+            <a:schemeClr val="accent1"/>
+          </a:fillRef>
+          <a:effectRef idx="1">
+            <a:schemeClr val="accent1"/>
+          </a:effectRef>
+          <a:fontRef idx="minor">
+            <a:schemeClr val="tx1"/>
+          </a:fontRef>
+        </p:style>
+      </p:cxnSp>
+      <p:cxnSp>
+        <p:nvCxnSpPr>
+          <p:cNvPr id="40" name="直线箭头连接符 39"/>
+          <p:cNvCxnSpPr/>
+          <p:nvPr/>
+        </p:nvCxnSpPr>
+        <p:spPr>
+          <a:xfrm flipV="1">
+            <a:off x="4911484" y="1956814"/>
+            <a:ext cx="248103" cy="611146"/>
+          </a:xfrm>
+          <a:prstGeom prst="straightConnector1">
+            <a:avLst/>
+          </a:prstGeom>
+          <a:ln>
+            <a:tailEnd type="arrow"/>
+          </a:ln>
+        </p:spPr>
+        <p:style>
+          <a:lnRef idx="2">
+            <a:schemeClr val="accent1"/>
+          </a:lnRef>
+          <a:fillRef idx="0">
+            <a:schemeClr val="accent1"/>
+          </a:fillRef>
+          <a:effectRef idx="1">
+            <a:schemeClr val="accent1"/>
+          </a:effectRef>
+          <a:fontRef idx="minor">
+            <a:schemeClr val="tx1"/>
+          </a:fontRef>
+        </p:style>
+      </p:cxnSp>
+      <p:cxnSp>
+        <p:nvCxnSpPr>
+          <p:cNvPr id="49" name="直线箭头连接符 48"/>
+          <p:cNvCxnSpPr/>
+          <p:nvPr/>
+        </p:nvCxnSpPr>
+        <p:spPr>
+          <a:xfrm flipH="1" flipV="1">
+            <a:off x="4558586" y="1361725"/>
+            <a:ext cx="601001" cy="410423"/>
+          </a:xfrm>
+          <a:prstGeom prst="straightConnector1">
+            <a:avLst/>
+          </a:prstGeom>
+          <a:ln>
+            <a:tailEnd type="arrow"/>
+          </a:ln>
+        </p:spPr>
+        <p:style>
+          <a:lnRef idx="2">
+            <a:schemeClr val="accent1"/>
+          </a:lnRef>
+          <a:fillRef idx="0">
+            <a:schemeClr val="accent1"/>
+          </a:fillRef>
+          <a:effectRef idx="1">
+            <a:schemeClr val="accent1"/>
+          </a:effectRef>
+          <a:fontRef idx="minor">
+            <a:schemeClr val="tx1"/>
+          </a:fontRef>
+        </p:style>
+      </p:cxnSp>
+      <p:cxnSp>
+        <p:nvCxnSpPr>
+          <p:cNvPr id="52" name="直线箭头连接符 51"/>
+          <p:cNvCxnSpPr/>
+          <p:nvPr/>
+        </p:nvCxnSpPr>
+        <p:spPr>
+          <a:xfrm>
+            <a:off x="4580380" y="1068827"/>
+            <a:ext cx="662208" cy="0"/>
+          </a:xfrm>
+          <a:prstGeom prst="straightConnector1">
+            <a:avLst/>
+          </a:prstGeom>
+          <a:ln>
+            <a:tailEnd type="arrow"/>
+          </a:ln>
+        </p:spPr>
+        <p:style>
+          <a:lnRef idx="2">
+            <a:schemeClr val="accent1"/>
+          </a:lnRef>
+          <a:fillRef idx="0">
+            <a:schemeClr val="accent1"/>
+          </a:fillRef>
+          <a:effectRef idx="1">
+            <a:schemeClr val="accent1"/>
+          </a:effectRef>
+          <a:fontRef idx="minor">
+            <a:schemeClr val="tx1"/>
+          </a:fontRef>
+        </p:style>
+      </p:cxnSp>
+      <p:cxnSp>
+        <p:nvCxnSpPr>
+          <p:cNvPr id="53" name="直线箭头连接符 52"/>
+          <p:cNvCxnSpPr/>
+          <p:nvPr/>
+        </p:nvCxnSpPr>
+        <p:spPr>
+          <a:xfrm flipV="1">
+            <a:off x="5372792" y="349480"/>
+            <a:ext cx="248103" cy="611146"/>
+          </a:xfrm>
+          <a:prstGeom prst="straightConnector1">
+            <a:avLst/>
+          </a:prstGeom>
+          <a:ln>
+            <a:tailEnd type="arrow"/>
+          </a:ln>
+        </p:spPr>
+        <p:style>
+          <a:lnRef idx="2">
+            <a:schemeClr val="accent1"/>
+          </a:lnRef>
+          <a:fillRef idx="0">
+            <a:schemeClr val="accent1"/>
+          </a:fillRef>
+          <a:effectRef idx="1">
+            <a:schemeClr val="accent1"/>
+          </a:effectRef>
+          <a:fontRef idx="minor">
+            <a:schemeClr val="tx1"/>
+          </a:fontRef>
+        </p:style>
+      </p:cxnSp>
+      <p:cxnSp>
+        <p:nvCxnSpPr>
+          <p:cNvPr id="54" name="直线箭头连接符 53"/>
+          <p:cNvCxnSpPr/>
+          <p:nvPr/>
+        </p:nvCxnSpPr>
+        <p:spPr>
+          <a:xfrm>
+            <a:off x="6039549" y="394580"/>
+            <a:ext cx="162470" cy="558673"/>
+          </a:xfrm>
+          <a:prstGeom prst="straightConnector1">
+            <a:avLst/>
+          </a:prstGeom>
+          <a:ln>
+            <a:tailEnd type="arrow"/>
+          </a:ln>
+        </p:spPr>
+        <p:style>
+          <a:lnRef idx="2">
+            <a:schemeClr val="accent1"/>
+          </a:lnRef>
+          <a:fillRef idx="0">
+            <a:schemeClr val="accent1"/>
+          </a:fillRef>
+          <a:effectRef idx="1">
+            <a:schemeClr val="accent1"/>
+          </a:effectRef>
+          <a:fontRef idx="minor">
+            <a:schemeClr val="tx1"/>
+          </a:fontRef>
+        </p:style>
+      </p:cxnSp>
+      <p:sp>
+        <p:nvSpPr>
+          <p:cNvPr id="55" name="五角星 54"/>
+          <p:cNvSpPr/>
+          <p:nvPr/>
+        </p:nvSpPr>
+        <p:spPr>
+          <a:xfrm>
+            <a:off x="1167620" y="311685"/>
+            <a:ext cx="2347305" cy="2281785"/>
+          </a:xfrm>
+          <a:prstGeom prst="star5">
+            <a:avLst/>
+          </a:prstGeom>
+          <a:solidFill>
+            <a:srgbClr val="FFFF00"/>
+          </a:solidFill>
+          <a:ln>
+            <a:solidFill>
+              <a:srgbClr val="CDB706"/>
+            </a:solidFill>
+          </a:ln>
+        </p:spPr>
+        <p:style>
+          <a:lnRef idx="2">
+            <a:schemeClr val="dk1"/>
+          </a:lnRef>
+          <a:fillRef idx="1">
+            <a:schemeClr val="lt1"/>
+          </a:fillRef>
+          <a:effectRef idx="0">
+            <a:schemeClr val="dk1"/>
+          </a:effectRef>
+          <a:fontRef idx="minor">
+            <a:schemeClr val="dk1"/>
+          </a:fontRef>
+        </p:style>
+        <p:txBody>
+          <a:bodyPr rtlCol="0" anchor="ctr"/>
+          <a:lstStyle/>
+          <a:p>
+            <a:pPr algn="ctr"/>
+            <a:endParaRPr kumimoji="1" lang="zh-CN" altLang="en-US"/>
+          </a:p>
+        </p:txBody>
+      </p:sp>
+      <p:sp>
+        <p:nvSpPr>
+          <p:cNvPr id="56" name="文本框 55"/>
+          <p:cNvSpPr txBox="1"/>
+          <p:nvPr/>
+        </p:nvSpPr>
+        <p:spPr>
+          <a:xfrm>
+            <a:off x="2551057" y="871916"/>
+            <a:ext cx="301660" cy="369332"/>
+          </a:xfrm>
+          <a:prstGeom prst="rect">
+            <a:avLst/>
+          </a:prstGeom>
+          <a:noFill/>
+        </p:spPr>
+        <p:txBody>
+          <a:bodyPr wrap="none" rtlCol="0">
+            <a:spAutoFit/>
+          </a:bodyPr>
+          <a:lstStyle/>
+          <a:p>
+            <a:r>
+              <a:rPr kumimoji="1" lang="en-US" altLang="zh-CN" dirty="0" smtClean="0"/>
+              <a:t>1</a:t>
+            </a:r>
+            <a:endParaRPr kumimoji="1" lang="zh-CN" altLang="en-US" dirty="0"/>
+          </a:p>
+        </p:txBody>
+      </p:sp>
+      <p:sp>
+        <p:nvSpPr>
+          <p:cNvPr id="57" name="文本框 56"/>
+          <p:cNvSpPr txBox="1"/>
+          <p:nvPr/>
+        </p:nvSpPr>
+        <p:spPr>
+          <a:xfrm>
+            <a:off x="3514925" y="915653"/>
+            <a:ext cx="301660" cy="369332"/>
+          </a:xfrm>
+          <a:prstGeom prst="rect">
+            <a:avLst/>
+          </a:prstGeom>
+          <a:noFill/>
+        </p:spPr>
+        <p:txBody>
+          <a:bodyPr wrap="none" rtlCol="0">
+            <a:spAutoFit/>
+          </a:bodyPr>
+          <a:lstStyle/>
+          <a:p>
+            <a:r>
+              <a:rPr kumimoji="1" lang="en-US" altLang="zh-CN" dirty="0"/>
+              <a:t>2</a:t>
+            </a:r>
+            <a:endParaRPr kumimoji="1" lang="zh-CN" altLang="en-US" dirty="0"/>
+          </a:p>
+        </p:txBody>
+      </p:sp>
+      <p:sp>
+        <p:nvSpPr>
+          <p:cNvPr id="58" name="文本框 57"/>
+          <p:cNvSpPr txBox="1"/>
+          <p:nvPr/>
+        </p:nvSpPr>
+        <p:spPr>
+          <a:xfrm>
+            <a:off x="2193174" y="2023718"/>
+            <a:ext cx="301660" cy="369332"/>
+          </a:xfrm>
+          <a:prstGeom prst="rect">
+            <a:avLst/>
+          </a:prstGeom>
+          <a:noFill/>
+        </p:spPr>
+        <p:txBody>
+          <a:bodyPr wrap="none" rtlCol="0">
+            <a:spAutoFit/>
+          </a:bodyPr>
+          <a:lstStyle/>
+          <a:p>
+            <a:r>
+              <a:rPr kumimoji="1" lang="en-US" altLang="zh-CN" dirty="0" smtClean="0"/>
+              <a:t>5</a:t>
+            </a:r>
+            <a:endParaRPr kumimoji="1" lang="zh-CN" altLang="en-US" dirty="0"/>
+          </a:p>
+        </p:txBody>
+      </p:sp>
+      <p:sp>
+        <p:nvSpPr>
+          <p:cNvPr id="59" name="文本框 58"/>
+          <p:cNvSpPr txBox="1"/>
+          <p:nvPr/>
+        </p:nvSpPr>
+        <p:spPr>
+          <a:xfrm>
+            <a:off x="3017402" y="2440011"/>
+            <a:ext cx="301660" cy="369332"/>
+          </a:xfrm>
+          <a:prstGeom prst="rect">
+            <a:avLst/>
+          </a:prstGeom>
+          <a:noFill/>
+        </p:spPr>
+        <p:txBody>
+          <a:bodyPr wrap="none" rtlCol="0">
+            <a:spAutoFit/>
+          </a:bodyPr>
+          <a:lstStyle/>
+          <a:p>
+            <a:r>
+              <a:rPr kumimoji="1" lang="en-US" altLang="zh-CN" dirty="0" smtClean="0"/>
+              <a:t>4</a:t>
+            </a:r>
+            <a:endParaRPr kumimoji="1" lang="zh-CN" altLang="en-US" dirty="0"/>
+          </a:p>
+        </p:txBody>
+      </p:sp>
+      <p:sp>
+        <p:nvSpPr>
+          <p:cNvPr id="60" name="文本框 59"/>
+          <p:cNvSpPr txBox="1"/>
+          <p:nvPr/>
+        </p:nvSpPr>
+        <p:spPr>
+          <a:xfrm>
+            <a:off x="2785150" y="1567105"/>
+            <a:ext cx="301660" cy="369332"/>
+          </a:xfrm>
+          <a:prstGeom prst="rect">
+            <a:avLst/>
+          </a:prstGeom>
+          <a:noFill/>
+        </p:spPr>
+        <p:txBody>
+          <a:bodyPr wrap="none" rtlCol="0">
+            <a:spAutoFit/>
+          </a:bodyPr>
+          <a:lstStyle/>
+          <a:p>
+            <a:r>
+              <a:rPr kumimoji="1" lang="en-US" altLang="zh-CN" dirty="0" smtClean="0"/>
+              <a:t>3</a:t>
+            </a:r>
+            <a:endParaRPr kumimoji="1" lang="zh-CN" altLang="en-US" dirty="0"/>
+          </a:p>
+        </p:txBody>
+      </p:sp>
+      <p:sp>
+        <p:nvSpPr>
+          <p:cNvPr id="61" name="文本框 60"/>
+          <p:cNvSpPr txBox="1"/>
+          <p:nvPr/>
+        </p:nvSpPr>
+        <p:spPr>
+          <a:xfrm>
+            <a:off x="1415723" y="2527405"/>
+            <a:ext cx="301660" cy="369332"/>
+          </a:xfrm>
+          <a:prstGeom prst="rect">
+            <a:avLst/>
+          </a:prstGeom>
+          <a:noFill/>
+        </p:spPr>
+        <p:txBody>
+          <a:bodyPr wrap="none" rtlCol="0">
+            <a:spAutoFit/>
+          </a:bodyPr>
+          <a:lstStyle/>
+          <a:p>
+            <a:r>
+              <a:rPr kumimoji="1" lang="en-US" altLang="zh-CN" dirty="0" smtClean="0"/>
+              <a:t>6</a:t>
+            </a:r>
+          </a:p>
+        </p:txBody>
+      </p:sp>
+      <p:sp>
+        <p:nvSpPr>
+          <p:cNvPr id="62" name="文本框 61"/>
+          <p:cNvSpPr txBox="1"/>
+          <p:nvPr/>
+        </p:nvSpPr>
+        <p:spPr>
+          <a:xfrm>
+            <a:off x="1607600" y="1613296"/>
+            <a:ext cx="301660" cy="369332"/>
+          </a:xfrm>
+          <a:prstGeom prst="rect">
+            <a:avLst/>
+          </a:prstGeom>
+          <a:noFill/>
+        </p:spPr>
+        <p:txBody>
+          <a:bodyPr wrap="none" rtlCol="0">
+            <a:spAutoFit/>
+          </a:bodyPr>
+          <a:lstStyle/>
+          <a:p>
+            <a:r>
+              <a:rPr kumimoji="1" lang="en-US" altLang="zh-CN" dirty="0"/>
+              <a:t>7</a:t>
+            </a:r>
+            <a:endParaRPr kumimoji="1" lang="en-US" altLang="zh-CN" dirty="0" smtClean="0"/>
+          </a:p>
+        </p:txBody>
+      </p:sp>
+      <p:sp>
+        <p:nvSpPr>
+          <p:cNvPr id="63" name="文本框 62"/>
+          <p:cNvSpPr txBox="1"/>
+          <p:nvPr/>
+        </p:nvSpPr>
+        <p:spPr>
+          <a:xfrm>
+            <a:off x="865960" y="1048548"/>
+            <a:ext cx="301660" cy="369332"/>
+          </a:xfrm>
+          <a:prstGeom prst="rect">
+            <a:avLst/>
+          </a:prstGeom>
+          <a:noFill/>
+        </p:spPr>
+        <p:txBody>
+          <a:bodyPr wrap="none" rtlCol="0">
+            <a:spAutoFit/>
+          </a:bodyPr>
+          <a:lstStyle/>
+          <a:p>
+            <a:r>
+              <a:rPr kumimoji="1" lang="en-US" altLang="zh-CN" dirty="0" smtClean="0"/>
+              <a:t>8</a:t>
+            </a:r>
+          </a:p>
+        </p:txBody>
+      </p:sp>
+      <p:sp>
+        <p:nvSpPr>
+          <p:cNvPr id="64" name="文本框 63"/>
+          <p:cNvSpPr txBox="1"/>
+          <p:nvPr/>
+        </p:nvSpPr>
+        <p:spPr>
+          <a:xfrm>
+            <a:off x="1790405" y="858617"/>
+            <a:ext cx="301660" cy="369332"/>
+          </a:xfrm>
+          <a:prstGeom prst="rect">
+            <a:avLst/>
+          </a:prstGeom>
+          <a:noFill/>
+        </p:spPr>
+        <p:txBody>
+          <a:bodyPr wrap="none" rtlCol="0">
+            <a:spAutoFit/>
+          </a:bodyPr>
+          <a:lstStyle/>
+          <a:p>
+            <a:r>
+              <a:rPr kumimoji="1" lang="en-US" altLang="zh-CN" dirty="0"/>
+              <a:t>9</a:t>
+            </a:r>
+            <a:endParaRPr kumimoji="1" lang="en-US" altLang="zh-CN" dirty="0" smtClean="0"/>
+          </a:p>
+        </p:txBody>
+      </p:sp>
+      <p:sp>
+        <p:nvSpPr>
+          <p:cNvPr id="65" name="文本框 64"/>
+          <p:cNvSpPr txBox="1"/>
+          <p:nvPr/>
+        </p:nvSpPr>
+        <p:spPr>
+          <a:xfrm>
+            <a:off x="2125134" y="17031"/>
+            <a:ext cx="418654" cy="369332"/>
+          </a:xfrm>
+          <a:prstGeom prst="rect">
+            <a:avLst/>
+          </a:prstGeom>
+          <a:noFill/>
+        </p:spPr>
+        <p:txBody>
+          <a:bodyPr wrap="none" rtlCol="0">
+            <a:spAutoFit/>
+          </a:bodyPr>
+          <a:lstStyle/>
+          <a:p>
+            <a:r>
+              <a:rPr kumimoji="1" lang="en-US" altLang="zh-CN" dirty="0" smtClean="0"/>
+              <a:t>10</a:t>
+            </a:r>
+          </a:p>
+        </p:txBody>
+      </p:sp>
+      <p:sp>
+        <p:nvSpPr>
+          <p:cNvPr id="67" name="正五边形 66"/>
+          <p:cNvSpPr/>
+          <p:nvPr/>
+        </p:nvSpPr>
+        <p:spPr>
+          <a:xfrm rot="10800000">
+            <a:off x="1897920" y="1185582"/>
+            <a:ext cx="887230" cy="871861"/>
+          </a:xfrm>
+          <a:prstGeom prst="pentagon">
+            <a:avLst/>
+          </a:prstGeom>
+          <a:solidFill>
+            <a:schemeClr val="bg1"/>
+          </a:solidFill>
+          <a:ln>
+            <a:solidFill>
+              <a:srgbClr val="CDB706"/>
+            </a:solidFill>
+          </a:ln>
+        </p:spPr>
+        <p:style>
+          <a:lnRef idx="2">
+            <a:schemeClr val="dk1"/>
+          </a:lnRef>
+          <a:fillRef idx="1">
+            <a:schemeClr val="lt1"/>
+          </a:fillRef>
+          <a:effectRef idx="0">
+            <a:schemeClr val="dk1"/>
+          </a:effectRef>
+          <a:fontRef idx="minor">
+            <a:schemeClr val="dk1"/>
+          </a:fontRef>
+        </p:style>
+        <p:txBody>
+          <a:bodyPr rtlCol="0" anchor="ctr"/>
+          <a:lstStyle/>
+          <a:p>
+            <a:pPr algn="ctr"/>
+            <a:endParaRPr kumimoji="1" lang="zh-CN" altLang="en-US"/>
+          </a:p>
+        </p:txBody>
+      </p:sp>
+    </p:spTree>
+    <p:extLst>
+      <p:ext uri="{BB962C8B-B14F-4D97-AF65-F5344CB8AC3E}">
+        <p14:creationId xmlns:p14="http://schemas.microsoft.com/office/powerpoint/2010/main" val="1180917304"/>
+      </p:ext>
+    </p:extLst>
+  </p:cSld>
+  <p:clrMapOvr>
+    <a:masterClrMapping/>
+  </p:clrMapOvr>
+</p:sld>
+</file>
+
+<file path=ppt/slides/slide15.xml><?xml version="1.0" encoding="utf-8"?>
+<p:sld xmlns:a="http://schemas.openxmlformats.org/drawingml/2006/main" xmlns:r="http://schemas.openxmlformats.org/officeDocument/2006/relationships" xmlns:p="http://schemas.openxmlformats.org/presentationml/2006/main">
+  <p:cSld>
+    <p:spTree>
+      <p:nvGrpSpPr>
+        <p:cNvPr id="1" name=""/>
+        <p:cNvGrpSpPr/>
+        <p:nvPr/>
+      </p:nvGrpSpPr>
+      <p:grpSpPr>
+        <a:xfrm>
+          <a:off x="0" y="0"/>
+          <a:ext cx="0" cy="0"/>
+          <a:chOff x="0" y="0"/>
+          <a:chExt cx="0" cy="0"/>
+        </a:xfrm>
+      </p:grpSpPr>
+      <p:sp>
+        <p:nvSpPr>
+          <p:cNvPr id="34" name="五角星 33"/>
+          <p:cNvSpPr/>
+          <p:nvPr/>
+        </p:nvSpPr>
+        <p:spPr>
+          <a:xfrm>
+            <a:off x="767366" y="3911889"/>
+            <a:ext cx="2347305" cy="2281785"/>
+          </a:xfrm>
+          <a:prstGeom prst="star5">
+            <a:avLst/>
+          </a:prstGeom>
+          <a:solidFill>
+            <a:srgbClr val="FFFF00"/>
+          </a:solidFill>
+          <a:ln>
+            <a:solidFill>
+              <a:srgbClr val="CDB706"/>
+            </a:solidFill>
+          </a:ln>
+        </p:spPr>
+        <p:style>
+          <a:lnRef idx="2">
+            <a:schemeClr val="dk1"/>
+          </a:lnRef>
+          <a:fillRef idx="1">
+            <a:schemeClr val="lt1"/>
+          </a:fillRef>
+          <a:effectRef idx="0">
+            <a:schemeClr val="dk1"/>
+          </a:effectRef>
+          <a:fontRef idx="minor">
+            <a:schemeClr val="dk1"/>
+          </a:fontRef>
+        </p:style>
+        <p:txBody>
+          <a:bodyPr rtlCol="0" anchor="ctr"/>
+          <a:lstStyle/>
+          <a:p>
+            <a:pPr algn="ctr"/>
+            <a:endParaRPr kumimoji="1" lang="zh-CN" altLang="en-US"/>
+          </a:p>
+        </p:txBody>
+      </p:sp>
+      <p:sp>
+        <p:nvSpPr>
+          <p:cNvPr id="35" name="文本框 34"/>
+          <p:cNvSpPr txBox="1"/>
+          <p:nvPr/>
+        </p:nvSpPr>
+        <p:spPr>
+          <a:xfrm>
+            <a:off x="2150803" y="4472120"/>
+            <a:ext cx="301660" cy="369332"/>
+          </a:xfrm>
+          <a:prstGeom prst="rect">
+            <a:avLst/>
+          </a:prstGeom>
+          <a:noFill/>
+        </p:spPr>
+        <p:txBody>
+          <a:bodyPr wrap="none" rtlCol="0">
+            <a:spAutoFit/>
+          </a:bodyPr>
+          <a:lstStyle/>
+          <a:p>
+            <a:r>
+              <a:rPr kumimoji="1" lang="en-US" altLang="zh-CN" dirty="0" smtClean="0"/>
+              <a:t>1</a:t>
+            </a:r>
+            <a:endParaRPr kumimoji="1" lang="zh-CN" altLang="en-US" dirty="0"/>
+          </a:p>
+        </p:txBody>
+      </p:sp>
+      <p:sp>
+        <p:nvSpPr>
+          <p:cNvPr id="36" name="文本框 35"/>
+          <p:cNvSpPr txBox="1"/>
+          <p:nvPr/>
+        </p:nvSpPr>
+        <p:spPr>
+          <a:xfrm>
+            <a:off x="3114671" y="4515857"/>
+            <a:ext cx="301660" cy="369332"/>
+          </a:xfrm>
+          <a:prstGeom prst="rect">
+            <a:avLst/>
+          </a:prstGeom>
+          <a:noFill/>
+        </p:spPr>
+        <p:txBody>
+          <a:bodyPr wrap="none" rtlCol="0">
+            <a:spAutoFit/>
+          </a:bodyPr>
+          <a:lstStyle/>
+          <a:p>
+            <a:r>
+              <a:rPr kumimoji="1" lang="en-US" altLang="zh-CN" dirty="0"/>
+              <a:t>2</a:t>
+            </a:r>
+            <a:endParaRPr kumimoji="1" lang="zh-CN" altLang="en-US" dirty="0"/>
+          </a:p>
+        </p:txBody>
+      </p:sp>
+      <p:sp>
+        <p:nvSpPr>
+          <p:cNvPr id="37" name="文本框 36"/>
+          <p:cNvSpPr txBox="1"/>
+          <p:nvPr/>
+        </p:nvSpPr>
+        <p:spPr>
+          <a:xfrm>
+            <a:off x="1792920" y="5623922"/>
+            <a:ext cx="301660" cy="369332"/>
+          </a:xfrm>
+          <a:prstGeom prst="rect">
+            <a:avLst/>
+          </a:prstGeom>
+          <a:noFill/>
+        </p:spPr>
+        <p:txBody>
+          <a:bodyPr wrap="none" rtlCol="0">
+            <a:spAutoFit/>
+          </a:bodyPr>
+          <a:lstStyle/>
+          <a:p>
+            <a:r>
+              <a:rPr kumimoji="1" lang="en-US" altLang="zh-CN" dirty="0" smtClean="0"/>
+              <a:t>5</a:t>
+            </a:r>
+            <a:endParaRPr kumimoji="1" lang="zh-CN" altLang="en-US" dirty="0"/>
+          </a:p>
+        </p:txBody>
+      </p:sp>
+      <p:sp>
+        <p:nvSpPr>
+          <p:cNvPr id="38" name="文本框 37"/>
+          <p:cNvSpPr txBox="1"/>
+          <p:nvPr/>
+        </p:nvSpPr>
+        <p:spPr>
+          <a:xfrm>
+            <a:off x="2617148" y="6040215"/>
+            <a:ext cx="301660" cy="369332"/>
+          </a:xfrm>
+          <a:prstGeom prst="rect">
+            <a:avLst/>
+          </a:prstGeom>
+          <a:noFill/>
+        </p:spPr>
+        <p:txBody>
+          <a:bodyPr wrap="none" rtlCol="0">
+            <a:spAutoFit/>
+          </a:bodyPr>
+          <a:lstStyle/>
+          <a:p>
+            <a:r>
+              <a:rPr kumimoji="1" lang="en-US" altLang="zh-CN" dirty="0" smtClean="0"/>
+              <a:t>4</a:t>
+            </a:r>
+            <a:endParaRPr kumimoji="1" lang="zh-CN" altLang="en-US" dirty="0"/>
+          </a:p>
+        </p:txBody>
+      </p:sp>
+      <p:sp>
+        <p:nvSpPr>
+          <p:cNvPr id="39" name="文本框 38"/>
+          <p:cNvSpPr txBox="1"/>
+          <p:nvPr/>
+        </p:nvSpPr>
+        <p:spPr>
+          <a:xfrm>
+            <a:off x="2384896" y="5167309"/>
+            <a:ext cx="301660" cy="369332"/>
+          </a:xfrm>
+          <a:prstGeom prst="rect">
+            <a:avLst/>
+          </a:prstGeom>
+          <a:noFill/>
+        </p:spPr>
+        <p:txBody>
+          <a:bodyPr wrap="none" rtlCol="0">
+            <a:spAutoFit/>
+          </a:bodyPr>
+          <a:lstStyle/>
+          <a:p>
+            <a:r>
+              <a:rPr kumimoji="1" lang="en-US" altLang="zh-CN" dirty="0" smtClean="0"/>
+              <a:t>3</a:t>
+            </a:r>
+            <a:endParaRPr kumimoji="1" lang="zh-CN" altLang="en-US" dirty="0"/>
+          </a:p>
+        </p:txBody>
+      </p:sp>
+      <p:sp>
+        <p:nvSpPr>
+          <p:cNvPr id="40" name="文本框 39"/>
+          <p:cNvSpPr txBox="1"/>
+          <p:nvPr/>
+        </p:nvSpPr>
+        <p:spPr>
+          <a:xfrm>
+            <a:off x="1015469" y="6127609"/>
+            <a:ext cx="301660" cy="369332"/>
+          </a:xfrm>
+          <a:prstGeom prst="rect">
+            <a:avLst/>
+          </a:prstGeom>
+          <a:noFill/>
+        </p:spPr>
+        <p:txBody>
+          <a:bodyPr wrap="none" rtlCol="0">
+            <a:spAutoFit/>
+          </a:bodyPr>
+          <a:lstStyle/>
+          <a:p>
+            <a:r>
+              <a:rPr kumimoji="1" lang="en-US" altLang="zh-CN" dirty="0" smtClean="0"/>
+              <a:t>6</a:t>
+            </a:r>
+          </a:p>
+        </p:txBody>
+      </p:sp>
+      <p:sp>
+        <p:nvSpPr>
+          <p:cNvPr id="41" name="文本框 40"/>
+          <p:cNvSpPr txBox="1"/>
+          <p:nvPr/>
+        </p:nvSpPr>
+        <p:spPr>
+          <a:xfrm>
+            <a:off x="1207346" y="5213500"/>
+            <a:ext cx="301660" cy="369332"/>
+          </a:xfrm>
+          <a:prstGeom prst="rect">
+            <a:avLst/>
+          </a:prstGeom>
+          <a:noFill/>
+        </p:spPr>
+        <p:txBody>
+          <a:bodyPr wrap="none" rtlCol="0">
+            <a:spAutoFit/>
+          </a:bodyPr>
+          <a:lstStyle/>
+          <a:p>
+            <a:r>
+              <a:rPr kumimoji="1" lang="en-US" altLang="zh-CN" dirty="0"/>
+              <a:t>7</a:t>
+            </a:r>
+            <a:endParaRPr kumimoji="1" lang="en-US" altLang="zh-CN" dirty="0" smtClean="0"/>
+          </a:p>
+        </p:txBody>
+      </p:sp>
+      <p:sp>
+        <p:nvSpPr>
+          <p:cNvPr id="42" name="文本框 41"/>
+          <p:cNvSpPr txBox="1"/>
+          <p:nvPr/>
+        </p:nvSpPr>
+        <p:spPr>
+          <a:xfrm>
+            <a:off x="465706" y="4648752"/>
+            <a:ext cx="301660" cy="369332"/>
+          </a:xfrm>
+          <a:prstGeom prst="rect">
+            <a:avLst/>
+          </a:prstGeom>
+          <a:noFill/>
+        </p:spPr>
+        <p:txBody>
+          <a:bodyPr wrap="none" rtlCol="0">
+            <a:spAutoFit/>
+          </a:bodyPr>
+          <a:lstStyle/>
+          <a:p>
+            <a:r>
+              <a:rPr kumimoji="1" lang="en-US" altLang="zh-CN" dirty="0" smtClean="0"/>
+              <a:t>8</a:t>
+            </a:r>
+          </a:p>
+        </p:txBody>
+      </p:sp>
+      <p:sp>
+        <p:nvSpPr>
+          <p:cNvPr id="43" name="文本框 42"/>
+          <p:cNvSpPr txBox="1"/>
+          <p:nvPr/>
+        </p:nvSpPr>
+        <p:spPr>
+          <a:xfrm>
+            <a:off x="1390151" y="4458821"/>
+            <a:ext cx="301660" cy="369332"/>
+          </a:xfrm>
+          <a:prstGeom prst="rect">
+            <a:avLst/>
+          </a:prstGeom>
+          <a:noFill/>
+        </p:spPr>
+        <p:txBody>
+          <a:bodyPr wrap="none" rtlCol="0">
+            <a:spAutoFit/>
+          </a:bodyPr>
+          <a:lstStyle/>
+          <a:p>
+            <a:r>
+              <a:rPr kumimoji="1" lang="en-US" altLang="zh-CN" dirty="0"/>
+              <a:t>9</a:t>
+            </a:r>
+            <a:endParaRPr kumimoji="1" lang="en-US" altLang="zh-CN" dirty="0" smtClean="0"/>
+          </a:p>
+        </p:txBody>
+      </p:sp>
+      <p:sp>
+        <p:nvSpPr>
+          <p:cNvPr id="44" name="文本框 43"/>
+          <p:cNvSpPr txBox="1"/>
+          <p:nvPr/>
+        </p:nvSpPr>
+        <p:spPr>
+          <a:xfrm>
+            <a:off x="1724880" y="3617235"/>
+            <a:ext cx="418654" cy="369332"/>
+          </a:xfrm>
+          <a:prstGeom prst="rect">
+            <a:avLst/>
+          </a:prstGeom>
+          <a:noFill/>
+        </p:spPr>
+        <p:txBody>
+          <a:bodyPr wrap="none" rtlCol="0">
+            <a:spAutoFit/>
+          </a:bodyPr>
+          <a:lstStyle/>
+          <a:p>
+            <a:r>
+              <a:rPr kumimoji="1" lang="en-US" altLang="zh-CN" dirty="0" smtClean="0"/>
+              <a:t>10</a:t>
+            </a:r>
+          </a:p>
+        </p:txBody>
+      </p:sp>
+      <p:sp>
+        <p:nvSpPr>
+          <p:cNvPr id="45" name="正五边形 44"/>
+          <p:cNvSpPr/>
+          <p:nvPr/>
+        </p:nvSpPr>
+        <p:spPr>
+          <a:xfrm rot="10800000">
+            <a:off x="1497666" y="4785786"/>
+            <a:ext cx="887230" cy="871861"/>
+          </a:xfrm>
+          <a:prstGeom prst="pentagon">
+            <a:avLst/>
+          </a:prstGeom>
+          <a:solidFill>
+            <a:schemeClr val="bg1"/>
+          </a:solidFill>
+          <a:ln>
+            <a:solidFill>
+              <a:srgbClr val="CDB706"/>
+            </a:solidFill>
+          </a:ln>
+        </p:spPr>
+        <p:style>
+          <a:lnRef idx="2">
+            <a:schemeClr val="dk1"/>
+          </a:lnRef>
+          <a:fillRef idx="1">
+            <a:schemeClr val="lt1"/>
+          </a:fillRef>
+          <a:effectRef idx="0">
+            <a:schemeClr val="dk1"/>
+          </a:effectRef>
+          <a:fontRef idx="minor">
+            <a:schemeClr val="dk1"/>
+          </a:fontRef>
+        </p:style>
+        <p:txBody>
+          <a:bodyPr rtlCol="0" anchor="ctr"/>
+          <a:lstStyle/>
+          <a:p>
+            <a:pPr algn="ctr"/>
+            <a:endParaRPr kumimoji="1" lang="zh-CN" altLang="en-US" dirty="0"/>
+          </a:p>
+        </p:txBody>
+      </p:sp>
+      <p:sp>
+        <p:nvSpPr>
+          <p:cNvPr id="51" name="弧 50"/>
+          <p:cNvSpPr/>
+          <p:nvPr/>
+        </p:nvSpPr>
+        <p:spPr>
+          <a:xfrm rot="13045347">
+            <a:off x="2800518" y="4757498"/>
+            <a:ext cx="221732" cy="228020"/>
+          </a:xfrm>
+          <a:prstGeom prst="arc">
+            <a:avLst/>
+          </a:prstGeom>
+        </p:spPr>
+        <p:style>
+          <a:lnRef idx="2">
+            <a:schemeClr val="accent1"/>
+          </a:lnRef>
+          <a:fillRef idx="0">
+            <a:schemeClr val="accent1"/>
+          </a:fillRef>
+          <a:effectRef idx="1">
+            <a:schemeClr val="accent1"/>
+          </a:effectRef>
+          <a:fontRef idx="minor">
+            <a:schemeClr val="tx1"/>
+          </a:fontRef>
+        </p:style>
+        <p:txBody>
+          <a:bodyPr rtlCol="0" anchor="ctr"/>
+          <a:lstStyle/>
+          <a:p>
+            <a:pPr algn="ctr"/>
+            <a:endParaRPr kumimoji="1" lang="zh-CN" altLang="en-US"/>
+          </a:p>
+        </p:txBody>
+      </p:sp>
+      <p:sp>
+        <p:nvSpPr>
+          <p:cNvPr id="52" name="文本框 51"/>
+          <p:cNvSpPr txBox="1"/>
+          <p:nvPr/>
+        </p:nvSpPr>
+        <p:spPr>
+          <a:xfrm>
+            <a:off x="2503227" y="4735809"/>
+            <a:ext cx="366657" cy="307777"/>
+          </a:xfrm>
+          <a:prstGeom prst="rect">
+            <a:avLst/>
+          </a:prstGeom>
+          <a:noFill/>
+        </p:spPr>
+        <p:txBody>
+          <a:bodyPr wrap="none" rtlCol="0">
+            <a:spAutoFit/>
+          </a:bodyPr>
+          <a:lstStyle/>
+          <a:p>
+            <a:r>
+              <a:rPr kumimoji="1" lang="en-US" altLang="zh-CN" sz="1400" dirty="0" smtClean="0"/>
+              <a:t>3</a:t>
+            </a:r>
+            <a:r>
+              <a:rPr kumimoji="1" lang="en-US" altLang="zh-CN" sz="1400" dirty="0" smtClean="0">
+                <a:latin typeface="+mj-lt"/>
+              </a:rPr>
+              <a:t>6</a:t>
+            </a:r>
+          </a:p>
+        </p:txBody>
+      </p:sp>
+      <p:grpSp>
+        <p:nvGrpSpPr>
+          <p:cNvPr id="53" name="组 52"/>
+          <p:cNvGrpSpPr/>
+          <p:nvPr/>
+        </p:nvGrpSpPr>
+        <p:grpSpPr>
+          <a:xfrm>
+            <a:off x="3124952" y="4787930"/>
+            <a:ext cx="812348" cy="9960"/>
+            <a:chOff x="4663381" y="5083942"/>
+            <a:chExt cx="812348" cy="9960"/>
+          </a:xfrm>
+        </p:grpSpPr>
+        <p:cxnSp>
+          <p:nvCxnSpPr>
+            <p:cNvPr id="54" name="直线连接符 53"/>
+            <p:cNvCxnSpPr/>
+            <p:nvPr/>
+          </p:nvCxnSpPr>
+          <p:spPr>
+            <a:xfrm>
+              <a:off x="4663381" y="5083942"/>
+              <a:ext cx="167304" cy="0"/>
+            </a:xfrm>
+            <a:prstGeom prst="line">
+              <a:avLst/>
+            </a:prstGeom>
+          </p:spPr>
+          <p:style>
+            <a:lnRef idx="2">
+              <a:schemeClr val="accent1"/>
+            </a:lnRef>
+            <a:fillRef idx="0">
+              <a:schemeClr val="accent1"/>
+            </a:fillRef>
+            <a:effectRef idx="1">
+              <a:schemeClr val="accent1"/>
+            </a:effectRef>
+            <a:fontRef idx="minor">
+              <a:schemeClr val="tx1"/>
+            </a:fontRef>
+          </p:style>
+        </p:cxnSp>
+        <p:cxnSp>
+          <p:nvCxnSpPr>
+            <p:cNvPr id="55" name="直线连接符 54"/>
+            <p:cNvCxnSpPr/>
+            <p:nvPr/>
+          </p:nvCxnSpPr>
+          <p:spPr>
+            <a:xfrm>
+              <a:off x="4883821" y="5088922"/>
+              <a:ext cx="167304" cy="0"/>
+            </a:xfrm>
+            <a:prstGeom prst="line">
+              <a:avLst/>
+            </a:prstGeom>
+          </p:spPr>
+          <p:style>
+            <a:lnRef idx="2">
+              <a:schemeClr val="accent1"/>
+            </a:lnRef>
+            <a:fillRef idx="0">
+              <a:schemeClr val="accent1"/>
+            </a:fillRef>
+            <a:effectRef idx="1">
+              <a:schemeClr val="accent1"/>
+            </a:effectRef>
+            <a:fontRef idx="minor">
+              <a:schemeClr val="tx1"/>
+            </a:fontRef>
+          </p:style>
+        </p:cxnSp>
+        <p:cxnSp>
+          <p:nvCxnSpPr>
+            <p:cNvPr id="56" name="直线连接符 55"/>
+            <p:cNvCxnSpPr/>
+            <p:nvPr/>
+          </p:nvCxnSpPr>
+          <p:spPr>
+            <a:xfrm>
+              <a:off x="5087985" y="5088922"/>
+              <a:ext cx="167304" cy="0"/>
+            </a:xfrm>
+            <a:prstGeom prst="line">
+              <a:avLst/>
+            </a:prstGeom>
+          </p:spPr>
+          <p:style>
+            <a:lnRef idx="2">
+              <a:schemeClr val="accent1"/>
+            </a:lnRef>
+            <a:fillRef idx="0">
+              <a:schemeClr val="accent1"/>
+            </a:fillRef>
+            <a:effectRef idx="1">
+              <a:schemeClr val="accent1"/>
+            </a:effectRef>
+            <a:fontRef idx="minor">
+              <a:schemeClr val="tx1"/>
+            </a:fontRef>
+          </p:style>
+        </p:cxnSp>
+        <p:cxnSp>
+          <p:nvCxnSpPr>
+            <p:cNvPr id="57" name="直线连接符 56"/>
+            <p:cNvCxnSpPr/>
+            <p:nvPr/>
+          </p:nvCxnSpPr>
+          <p:spPr>
+            <a:xfrm>
+              <a:off x="5308425" y="5093902"/>
+              <a:ext cx="167304" cy="0"/>
+            </a:xfrm>
+            <a:prstGeom prst="line">
+              <a:avLst/>
+            </a:prstGeom>
+          </p:spPr>
+          <p:style>
+            <a:lnRef idx="2">
+              <a:schemeClr val="accent1"/>
+            </a:lnRef>
+            <a:fillRef idx="0">
+              <a:schemeClr val="accent1"/>
+            </a:fillRef>
+            <a:effectRef idx="1">
+              <a:schemeClr val="accent1"/>
+            </a:effectRef>
+            <a:fontRef idx="minor">
+              <a:schemeClr val="tx1"/>
+            </a:fontRef>
+          </p:style>
+        </p:cxnSp>
+      </p:grpSp>
+      <p:sp>
+        <p:nvSpPr>
+          <p:cNvPr id="58" name="弧 57"/>
+          <p:cNvSpPr/>
+          <p:nvPr/>
+        </p:nvSpPr>
+        <p:spPr>
+          <a:xfrm rot="7193485">
+            <a:off x="2868899" y="4549742"/>
+            <a:ext cx="422310" cy="379634"/>
+          </a:xfrm>
+          <a:prstGeom prst="arc">
+            <a:avLst>
+              <a:gd name="adj1" fmla="val 16005237"/>
+              <a:gd name="adj2" fmla="val 0"/>
+            </a:avLst>
+          </a:prstGeom>
+        </p:spPr>
+        <p:style>
+          <a:lnRef idx="2">
+            <a:schemeClr val="accent1"/>
+          </a:lnRef>
+          <a:fillRef idx="0">
+            <a:schemeClr val="accent1"/>
+          </a:fillRef>
+          <a:effectRef idx="1">
+            <a:schemeClr val="accent1"/>
+          </a:effectRef>
+          <a:fontRef idx="minor">
+            <a:schemeClr val="tx1"/>
+          </a:fontRef>
+        </p:style>
+        <p:txBody>
+          <a:bodyPr rtlCol="0" anchor="ctr"/>
+          <a:lstStyle/>
+          <a:p>
+            <a:pPr algn="ctr"/>
+            <a:endParaRPr kumimoji="1" lang="zh-CN" altLang="en-US"/>
+          </a:p>
+        </p:txBody>
+      </p:sp>
+      <p:sp>
+        <p:nvSpPr>
+          <p:cNvPr id="59" name="文本框 58"/>
+          <p:cNvSpPr txBox="1"/>
+          <p:nvPr/>
+        </p:nvSpPr>
+        <p:spPr>
+          <a:xfrm>
+            <a:off x="3114669" y="4845430"/>
+            <a:ext cx="457652" cy="307777"/>
+          </a:xfrm>
+          <a:prstGeom prst="rect">
+            <a:avLst/>
+          </a:prstGeom>
+          <a:noFill/>
+        </p:spPr>
+        <p:txBody>
+          <a:bodyPr wrap="none" rtlCol="0">
+            <a:spAutoFit/>
+          </a:bodyPr>
+          <a:lstStyle/>
+          <a:p>
+            <a:r>
+              <a:rPr kumimoji="1" lang="en-US" altLang="zh-CN" sz="1400" dirty="0" smtClean="0"/>
+              <a:t>144</a:t>
+            </a:r>
+          </a:p>
+        </p:txBody>
+      </p:sp>
+      <p:cxnSp>
+        <p:nvCxnSpPr>
+          <p:cNvPr id="72" name="直线箭头连接符 71"/>
+          <p:cNvCxnSpPr>
+            <a:endCxn id="34" idx="4"/>
+          </p:cNvCxnSpPr>
+          <p:nvPr/>
+        </p:nvCxnSpPr>
+        <p:spPr>
+          <a:xfrm flipV="1">
+            <a:off x="2206734" y="4783451"/>
+            <a:ext cx="907935" cy="4479"/>
+          </a:xfrm>
+          <a:prstGeom prst="straightConnector1">
+            <a:avLst/>
+          </a:prstGeom>
+          <a:ln>
+            <a:solidFill>
+              <a:srgbClr val="0000FF"/>
+            </a:solidFill>
+            <a:tailEnd type="arrow"/>
+          </a:ln>
+        </p:spPr>
+        <p:style>
+          <a:lnRef idx="2">
+            <a:schemeClr val="accent1"/>
+          </a:lnRef>
+          <a:fillRef idx="0">
+            <a:schemeClr val="accent1"/>
+          </a:fillRef>
+          <a:effectRef idx="1">
+            <a:schemeClr val="accent1"/>
+          </a:effectRef>
+          <a:fontRef idx="minor">
+            <a:schemeClr val="tx1"/>
+          </a:fontRef>
+        </p:style>
+      </p:cxnSp>
+      <p:cxnSp>
+        <p:nvCxnSpPr>
+          <p:cNvPr id="74" name="直线箭头连接符 73"/>
+          <p:cNvCxnSpPr>
+            <a:endCxn id="39" idx="1"/>
+          </p:cNvCxnSpPr>
+          <p:nvPr/>
+        </p:nvCxnSpPr>
+        <p:spPr>
+          <a:xfrm flipH="1">
+            <a:off x="2384896" y="4817892"/>
+            <a:ext cx="699219" cy="534083"/>
+          </a:xfrm>
+          <a:prstGeom prst="straightConnector1">
+            <a:avLst/>
+          </a:prstGeom>
+          <a:ln>
+            <a:solidFill>
+              <a:srgbClr val="0000FF"/>
+            </a:solidFill>
+            <a:tailEnd type="arrow"/>
+          </a:ln>
+        </p:spPr>
+        <p:style>
+          <a:lnRef idx="2">
+            <a:schemeClr val="accent1"/>
+          </a:lnRef>
+          <a:fillRef idx="0">
+            <a:schemeClr val="accent1"/>
+          </a:fillRef>
+          <a:effectRef idx="1">
+            <a:schemeClr val="accent1"/>
+          </a:effectRef>
+          <a:fontRef idx="minor">
+            <a:schemeClr val="tx1"/>
+          </a:fontRef>
+        </p:style>
+      </p:cxnSp>
+      <p:sp>
+        <p:nvSpPr>
+          <p:cNvPr id="76" name="五角星 75"/>
+          <p:cNvSpPr/>
+          <p:nvPr/>
+        </p:nvSpPr>
+        <p:spPr>
+          <a:xfrm>
+            <a:off x="699799" y="739780"/>
+            <a:ext cx="2347305" cy="2281785"/>
+          </a:xfrm>
+          <a:prstGeom prst="star5">
+            <a:avLst/>
+          </a:prstGeom>
+          <a:solidFill>
+            <a:srgbClr val="FFFF00"/>
+          </a:solidFill>
+          <a:ln>
+            <a:solidFill>
+              <a:srgbClr val="CDB706"/>
+            </a:solidFill>
+          </a:ln>
+        </p:spPr>
+        <p:style>
+          <a:lnRef idx="2">
+            <a:schemeClr val="dk1"/>
+          </a:lnRef>
+          <a:fillRef idx="1">
+            <a:schemeClr val="lt1"/>
+          </a:fillRef>
+          <a:effectRef idx="0">
+            <a:schemeClr val="dk1"/>
+          </a:effectRef>
+          <a:fontRef idx="minor">
+            <a:schemeClr val="dk1"/>
+          </a:fontRef>
+        </p:style>
+        <p:txBody>
+          <a:bodyPr rtlCol="0" anchor="ctr"/>
+          <a:lstStyle/>
+          <a:p>
+            <a:pPr algn="ctr"/>
+            <a:endParaRPr kumimoji="1" lang="zh-CN" altLang="en-US"/>
+          </a:p>
+        </p:txBody>
+      </p:sp>
+      <p:sp>
+        <p:nvSpPr>
+          <p:cNvPr id="77" name="文本框 76"/>
+          <p:cNvSpPr txBox="1"/>
+          <p:nvPr/>
+        </p:nvSpPr>
+        <p:spPr>
+          <a:xfrm>
+            <a:off x="2083236" y="1300011"/>
+            <a:ext cx="301660" cy="369332"/>
+          </a:xfrm>
+          <a:prstGeom prst="rect">
+            <a:avLst/>
+          </a:prstGeom>
+          <a:noFill/>
+        </p:spPr>
+        <p:txBody>
+          <a:bodyPr wrap="none" rtlCol="0">
+            <a:spAutoFit/>
+          </a:bodyPr>
+          <a:lstStyle/>
+          <a:p>
+            <a:r>
+              <a:rPr kumimoji="1" lang="en-US" altLang="zh-CN" dirty="0" smtClean="0"/>
+              <a:t>1</a:t>
+            </a:r>
+            <a:endParaRPr kumimoji="1" lang="zh-CN" altLang="en-US" dirty="0"/>
+          </a:p>
+        </p:txBody>
+      </p:sp>
+      <p:sp>
+        <p:nvSpPr>
+          <p:cNvPr id="78" name="文本框 77"/>
+          <p:cNvSpPr txBox="1"/>
+          <p:nvPr/>
+        </p:nvSpPr>
+        <p:spPr>
+          <a:xfrm>
+            <a:off x="3047104" y="1343748"/>
+            <a:ext cx="301660" cy="369332"/>
+          </a:xfrm>
+          <a:prstGeom prst="rect">
+            <a:avLst/>
+          </a:prstGeom>
+          <a:noFill/>
+        </p:spPr>
+        <p:txBody>
+          <a:bodyPr wrap="none" rtlCol="0">
+            <a:spAutoFit/>
+          </a:bodyPr>
+          <a:lstStyle/>
+          <a:p>
+            <a:r>
+              <a:rPr kumimoji="1" lang="en-US" altLang="zh-CN" dirty="0"/>
+              <a:t>2</a:t>
+            </a:r>
+            <a:endParaRPr kumimoji="1" lang="zh-CN" altLang="en-US" dirty="0"/>
+          </a:p>
+        </p:txBody>
+      </p:sp>
+      <p:sp>
+        <p:nvSpPr>
+          <p:cNvPr id="79" name="文本框 78"/>
+          <p:cNvSpPr txBox="1"/>
+          <p:nvPr/>
+        </p:nvSpPr>
+        <p:spPr>
+          <a:xfrm>
+            <a:off x="1725353" y="2451813"/>
+            <a:ext cx="301660" cy="369332"/>
+          </a:xfrm>
+          <a:prstGeom prst="rect">
+            <a:avLst/>
+          </a:prstGeom>
+          <a:noFill/>
+        </p:spPr>
+        <p:txBody>
+          <a:bodyPr wrap="none" rtlCol="0">
+            <a:spAutoFit/>
+          </a:bodyPr>
+          <a:lstStyle/>
+          <a:p>
+            <a:r>
+              <a:rPr kumimoji="1" lang="en-US" altLang="zh-CN" dirty="0" smtClean="0"/>
+              <a:t>5</a:t>
+            </a:r>
+            <a:endParaRPr kumimoji="1" lang="zh-CN" altLang="en-US" dirty="0"/>
+          </a:p>
+        </p:txBody>
+      </p:sp>
+      <p:sp>
+        <p:nvSpPr>
+          <p:cNvPr id="80" name="文本框 79"/>
+          <p:cNvSpPr txBox="1"/>
+          <p:nvPr/>
+        </p:nvSpPr>
+        <p:spPr>
+          <a:xfrm>
+            <a:off x="2549581" y="2868106"/>
+            <a:ext cx="301660" cy="369332"/>
+          </a:xfrm>
+          <a:prstGeom prst="rect">
+            <a:avLst/>
+          </a:prstGeom>
+          <a:noFill/>
+        </p:spPr>
+        <p:txBody>
+          <a:bodyPr wrap="none" rtlCol="0">
+            <a:spAutoFit/>
+          </a:bodyPr>
+          <a:lstStyle/>
+          <a:p>
+            <a:r>
+              <a:rPr kumimoji="1" lang="en-US" altLang="zh-CN" dirty="0" smtClean="0"/>
+              <a:t>4</a:t>
+            </a:r>
+            <a:endParaRPr kumimoji="1" lang="zh-CN" altLang="en-US" dirty="0"/>
+          </a:p>
+        </p:txBody>
+      </p:sp>
+      <p:sp>
+        <p:nvSpPr>
+          <p:cNvPr id="81" name="文本框 80"/>
+          <p:cNvSpPr txBox="1"/>
+          <p:nvPr/>
+        </p:nvSpPr>
+        <p:spPr>
+          <a:xfrm>
+            <a:off x="2317329" y="1995200"/>
+            <a:ext cx="301660" cy="369332"/>
+          </a:xfrm>
+          <a:prstGeom prst="rect">
+            <a:avLst/>
+          </a:prstGeom>
+          <a:noFill/>
+        </p:spPr>
+        <p:txBody>
+          <a:bodyPr wrap="none" rtlCol="0">
+            <a:spAutoFit/>
+          </a:bodyPr>
+          <a:lstStyle/>
+          <a:p>
+            <a:r>
+              <a:rPr kumimoji="1" lang="en-US" altLang="zh-CN" dirty="0" smtClean="0"/>
+              <a:t>3</a:t>
+            </a:r>
+            <a:endParaRPr kumimoji="1" lang="zh-CN" altLang="en-US" dirty="0"/>
+          </a:p>
+        </p:txBody>
+      </p:sp>
+      <p:sp>
+        <p:nvSpPr>
+          <p:cNvPr id="82" name="文本框 81"/>
+          <p:cNvSpPr txBox="1"/>
+          <p:nvPr/>
+        </p:nvSpPr>
+        <p:spPr>
+          <a:xfrm>
+            <a:off x="947902" y="2955500"/>
+            <a:ext cx="301660" cy="369332"/>
+          </a:xfrm>
+          <a:prstGeom prst="rect">
+            <a:avLst/>
+          </a:prstGeom>
+          <a:noFill/>
+        </p:spPr>
+        <p:txBody>
+          <a:bodyPr wrap="none" rtlCol="0">
+            <a:spAutoFit/>
+          </a:bodyPr>
+          <a:lstStyle/>
+          <a:p>
+            <a:r>
+              <a:rPr kumimoji="1" lang="en-US" altLang="zh-CN" dirty="0" smtClean="0"/>
+              <a:t>6</a:t>
+            </a:r>
+          </a:p>
+        </p:txBody>
+      </p:sp>
+      <p:sp>
+        <p:nvSpPr>
+          <p:cNvPr id="83" name="文本框 82"/>
+          <p:cNvSpPr txBox="1"/>
+          <p:nvPr/>
+        </p:nvSpPr>
+        <p:spPr>
+          <a:xfrm>
+            <a:off x="1139779" y="2041391"/>
+            <a:ext cx="301660" cy="369332"/>
+          </a:xfrm>
+          <a:prstGeom prst="rect">
+            <a:avLst/>
+          </a:prstGeom>
+          <a:noFill/>
+        </p:spPr>
+        <p:txBody>
+          <a:bodyPr wrap="none" rtlCol="0">
+            <a:spAutoFit/>
+          </a:bodyPr>
+          <a:lstStyle/>
+          <a:p>
+            <a:r>
+              <a:rPr kumimoji="1" lang="en-US" altLang="zh-CN" dirty="0"/>
+              <a:t>7</a:t>
+            </a:r>
+            <a:endParaRPr kumimoji="1" lang="en-US" altLang="zh-CN" dirty="0" smtClean="0"/>
+          </a:p>
+        </p:txBody>
+      </p:sp>
+      <p:sp>
+        <p:nvSpPr>
+          <p:cNvPr id="84" name="文本框 83"/>
+          <p:cNvSpPr txBox="1"/>
+          <p:nvPr/>
+        </p:nvSpPr>
+        <p:spPr>
+          <a:xfrm>
+            <a:off x="398139" y="1476643"/>
+            <a:ext cx="301660" cy="369332"/>
+          </a:xfrm>
+          <a:prstGeom prst="rect">
+            <a:avLst/>
+          </a:prstGeom>
+          <a:noFill/>
+        </p:spPr>
+        <p:txBody>
+          <a:bodyPr wrap="none" rtlCol="0">
+            <a:spAutoFit/>
+          </a:bodyPr>
+          <a:lstStyle/>
+          <a:p>
+            <a:r>
+              <a:rPr kumimoji="1" lang="en-US" altLang="zh-CN" dirty="0" smtClean="0"/>
+              <a:t>8</a:t>
+            </a:r>
+          </a:p>
+        </p:txBody>
+      </p:sp>
+      <p:sp>
+        <p:nvSpPr>
+          <p:cNvPr id="85" name="文本框 84"/>
+          <p:cNvSpPr txBox="1"/>
+          <p:nvPr/>
+        </p:nvSpPr>
+        <p:spPr>
+          <a:xfrm>
+            <a:off x="1322584" y="1286712"/>
+            <a:ext cx="301660" cy="369332"/>
+          </a:xfrm>
+          <a:prstGeom prst="rect">
+            <a:avLst/>
+          </a:prstGeom>
+          <a:noFill/>
+        </p:spPr>
+        <p:txBody>
+          <a:bodyPr wrap="none" rtlCol="0">
+            <a:spAutoFit/>
+          </a:bodyPr>
+          <a:lstStyle/>
+          <a:p>
+            <a:r>
+              <a:rPr kumimoji="1" lang="en-US" altLang="zh-CN" dirty="0"/>
+              <a:t>9</a:t>
+            </a:r>
+            <a:endParaRPr kumimoji="1" lang="en-US" altLang="zh-CN" dirty="0" smtClean="0"/>
+          </a:p>
+        </p:txBody>
+      </p:sp>
+      <p:sp>
+        <p:nvSpPr>
+          <p:cNvPr id="86" name="文本框 85"/>
+          <p:cNvSpPr txBox="1"/>
+          <p:nvPr/>
+        </p:nvSpPr>
+        <p:spPr>
+          <a:xfrm>
+            <a:off x="1657313" y="445126"/>
+            <a:ext cx="418654" cy="369332"/>
+          </a:xfrm>
+          <a:prstGeom prst="rect">
+            <a:avLst/>
+          </a:prstGeom>
+          <a:noFill/>
+        </p:spPr>
+        <p:txBody>
+          <a:bodyPr wrap="none" rtlCol="0">
+            <a:spAutoFit/>
+          </a:bodyPr>
+          <a:lstStyle/>
+          <a:p>
+            <a:r>
+              <a:rPr kumimoji="1" lang="en-US" altLang="zh-CN" dirty="0" smtClean="0"/>
+              <a:t>10</a:t>
+            </a:r>
+          </a:p>
+        </p:txBody>
+      </p:sp>
+      <p:sp>
+        <p:nvSpPr>
+          <p:cNvPr id="87" name="正五边形 86"/>
+          <p:cNvSpPr/>
+          <p:nvPr/>
+        </p:nvSpPr>
+        <p:spPr>
+          <a:xfrm rot="10800000">
+            <a:off x="1430099" y="1613677"/>
+            <a:ext cx="887230" cy="871861"/>
+          </a:xfrm>
+          <a:prstGeom prst="pentagon">
+            <a:avLst/>
+          </a:prstGeom>
+          <a:solidFill>
+            <a:schemeClr val="bg1"/>
+          </a:solidFill>
+          <a:ln>
+            <a:solidFill>
+              <a:srgbClr val="CDB706"/>
+            </a:solidFill>
+          </a:ln>
+        </p:spPr>
+        <p:style>
+          <a:lnRef idx="2">
+            <a:schemeClr val="dk1"/>
+          </a:lnRef>
+          <a:fillRef idx="1">
+            <a:schemeClr val="lt1"/>
+          </a:fillRef>
+          <a:effectRef idx="0">
+            <a:schemeClr val="dk1"/>
+          </a:effectRef>
+          <a:fontRef idx="minor">
+            <a:schemeClr val="dk1"/>
+          </a:fontRef>
+        </p:style>
+        <p:txBody>
+          <a:bodyPr rtlCol="0" anchor="ctr"/>
+          <a:lstStyle/>
+          <a:p>
+            <a:pPr algn="ctr"/>
+            <a:endParaRPr kumimoji="1" lang="zh-CN" altLang="en-US" dirty="0"/>
+          </a:p>
+        </p:txBody>
+      </p:sp>
+      <p:sp>
+        <p:nvSpPr>
+          <p:cNvPr id="88" name="弧 87"/>
+          <p:cNvSpPr/>
+          <p:nvPr/>
+        </p:nvSpPr>
+        <p:spPr>
+          <a:xfrm rot="5800333">
+            <a:off x="1434136" y="1461847"/>
+            <a:ext cx="315650" cy="289007"/>
+          </a:xfrm>
+          <a:prstGeom prst="arc">
+            <a:avLst/>
+          </a:prstGeom>
+        </p:spPr>
+        <p:style>
+          <a:lnRef idx="2">
+            <a:schemeClr val="accent1"/>
+          </a:lnRef>
+          <a:fillRef idx="0">
+            <a:schemeClr val="accent1"/>
+          </a:fillRef>
+          <a:effectRef idx="1">
+            <a:schemeClr val="accent1"/>
+          </a:effectRef>
+          <a:fontRef idx="minor">
+            <a:schemeClr val="tx1"/>
+          </a:fontRef>
+        </p:style>
+        <p:txBody>
+          <a:bodyPr rtlCol="0" anchor="ctr"/>
+          <a:lstStyle/>
+          <a:p>
+            <a:pPr algn="ctr"/>
+            <a:endParaRPr kumimoji="1" lang="zh-CN" altLang="en-US"/>
+          </a:p>
+        </p:txBody>
+      </p:sp>
+      <p:sp>
+        <p:nvSpPr>
+          <p:cNvPr id="89" name="文本框 88"/>
+          <p:cNvSpPr txBox="1"/>
+          <p:nvPr/>
+        </p:nvSpPr>
+        <p:spPr>
+          <a:xfrm>
+            <a:off x="1624244" y="1733614"/>
+            <a:ext cx="457652" cy="307777"/>
+          </a:xfrm>
+          <a:prstGeom prst="rect">
+            <a:avLst/>
+          </a:prstGeom>
+          <a:noFill/>
+        </p:spPr>
+        <p:txBody>
+          <a:bodyPr wrap="none" rtlCol="0">
+            <a:spAutoFit/>
+          </a:bodyPr>
+          <a:lstStyle/>
+          <a:p>
+            <a:r>
+              <a:rPr kumimoji="1" lang="en-US" altLang="zh-CN" sz="1400" dirty="0" smtClean="0"/>
+              <a:t>108</a:t>
+            </a:r>
+          </a:p>
+        </p:txBody>
+      </p:sp>
+      <p:cxnSp>
+        <p:nvCxnSpPr>
+          <p:cNvPr id="90" name="直线连接符 89"/>
+          <p:cNvCxnSpPr>
+            <a:stCxn id="87" idx="4"/>
+            <a:endCxn id="76" idx="4"/>
+          </p:cNvCxnSpPr>
+          <p:nvPr/>
+        </p:nvCxnSpPr>
+        <p:spPr>
+          <a:xfrm flipV="1">
+            <a:off x="1599545" y="1611342"/>
+            <a:ext cx="1447557" cy="2337"/>
+          </a:xfrm>
+          <a:prstGeom prst="line">
+            <a:avLst/>
+          </a:prstGeom>
+        </p:spPr>
+        <p:style>
+          <a:lnRef idx="2">
+            <a:schemeClr val="accent1"/>
+          </a:lnRef>
+          <a:fillRef idx="0">
+            <a:schemeClr val="accent1"/>
+          </a:fillRef>
+          <a:effectRef idx="1">
+            <a:schemeClr val="accent1"/>
+          </a:effectRef>
+          <a:fontRef idx="minor">
+            <a:schemeClr val="tx1"/>
+          </a:fontRef>
+        </p:style>
+      </p:cxnSp>
+      <p:cxnSp>
+        <p:nvCxnSpPr>
+          <p:cNvPr id="91" name="直线连接符 90"/>
+          <p:cNvCxnSpPr>
+            <a:stCxn id="87" idx="4"/>
+          </p:cNvCxnSpPr>
+          <p:nvPr/>
+        </p:nvCxnSpPr>
+        <p:spPr>
+          <a:xfrm flipH="1">
+            <a:off x="1139779" y="1613679"/>
+            <a:ext cx="459766" cy="1407886"/>
+          </a:xfrm>
+          <a:prstGeom prst="line">
+            <a:avLst/>
+          </a:prstGeom>
+        </p:spPr>
+        <p:style>
+          <a:lnRef idx="2">
+            <a:schemeClr val="accent1"/>
+          </a:lnRef>
+          <a:fillRef idx="0">
+            <a:schemeClr val="accent1"/>
+          </a:fillRef>
+          <a:effectRef idx="1">
+            <a:schemeClr val="accent1"/>
+          </a:effectRef>
+          <a:fontRef idx="minor">
+            <a:schemeClr val="tx1"/>
+          </a:fontRef>
+        </p:style>
+      </p:cxnSp>
+      <p:cxnSp>
+        <p:nvCxnSpPr>
+          <p:cNvPr id="92" name="直线连接符 91"/>
+          <p:cNvCxnSpPr>
+            <a:endCxn id="76" idx="4"/>
+          </p:cNvCxnSpPr>
+          <p:nvPr/>
+        </p:nvCxnSpPr>
+        <p:spPr>
+          <a:xfrm flipV="1">
+            <a:off x="1139779" y="1611342"/>
+            <a:ext cx="1907323" cy="1410223"/>
+          </a:xfrm>
+          <a:prstGeom prst="line">
+            <a:avLst/>
+          </a:prstGeom>
+        </p:spPr>
+        <p:style>
+          <a:lnRef idx="2">
+            <a:schemeClr val="accent1"/>
+          </a:lnRef>
+          <a:fillRef idx="0">
+            <a:schemeClr val="accent1"/>
+          </a:fillRef>
+          <a:effectRef idx="1">
+            <a:schemeClr val="accent1"/>
+          </a:effectRef>
+          <a:fontRef idx="minor">
+            <a:schemeClr val="tx1"/>
+          </a:fontRef>
+        </p:style>
+      </p:cxnSp>
+      <p:sp>
+        <p:nvSpPr>
+          <p:cNvPr id="93" name="弧 92"/>
+          <p:cNvSpPr/>
+          <p:nvPr/>
+        </p:nvSpPr>
+        <p:spPr>
+          <a:xfrm rot="13045347">
+            <a:off x="2732951" y="1585389"/>
+            <a:ext cx="221732" cy="228020"/>
+          </a:xfrm>
+          <a:prstGeom prst="arc">
+            <a:avLst/>
+          </a:prstGeom>
+        </p:spPr>
+        <p:style>
+          <a:lnRef idx="2">
+            <a:schemeClr val="accent1"/>
+          </a:lnRef>
+          <a:fillRef idx="0">
+            <a:schemeClr val="accent1"/>
+          </a:fillRef>
+          <a:effectRef idx="1">
+            <a:schemeClr val="accent1"/>
+          </a:effectRef>
+          <a:fontRef idx="minor">
+            <a:schemeClr val="tx1"/>
+          </a:fontRef>
+        </p:style>
+        <p:txBody>
+          <a:bodyPr rtlCol="0" anchor="ctr"/>
+          <a:lstStyle/>
+          <a:p>
+            <a:pPr algn="ctr"/>
+            <a:endParaRPr kumimoji="1" lang="zh-CN" altLang="en-US"/>
+          </a:p>
+        </p:txBody>
+      </p:sp>
+      <p:sp>
+        <p:nvSpPr>
+          <p:cNvPr id="94" name="文本框 93"/>
+          <p:cNvSpPr txBox="1"/>
+          <p:nvPr/>
+        </p:nvSpPr>
+        <p:spPr>
+          <a:xfrm>
+            <a:off x="2435660" y="1563700"/>
+            <a:ext cx="366657" cy="307777"/>
+          </a:xfrm>
+          <a:prstGeom prst="rect">
+            <a:avLst/>
+          </a:prstGeom>
+          <a:noFill/>
+        </p:spPr>
+        <p:txBody>
+          <a:bodyPr wrap="none" rtlCol="0">
+            <a:spAutoFit/>
+          </a:bodyPr>
+          <a:lstStyle/>
+          <a:p>
+            <a:r>
+              <a:rPr kumimoji="1" lang="en-US" altLang="zh-CN" sz="1400" dirty="0" smtClean="0"/>
+              <a:t>3</a:t>
+            </a:r>
+            <a:r>
+              <a:rPr kumimoji="1" lang="en-US" altLang="zh-CN" sz="1400" dirty="0" smtClean="0">
+                <a:latin typeface="+mj-lt"/>
+              </a:rPr>
+              <a:t>6</a:t>
+            </a:r>
+          </a:p>
+        </p:txBody>
+      </p:sp>
+      <p:sp>
+        <p:nvSpPr>
+          <p:cNvPr id="104" name="文本框 103"/>
+          <p:cNvSpPr txBox="1"/>
+          <p:nvPr/>
+        </p:nvSpPr>
+        <p:spPr>
+          <a:xfrm>
+            <a:off x="4361721" y="1504126"/>
+            <a:ext cx="2864887" cy="523220"/>
+          </a:xfrm>
+          <a:prstGeom prst="rect">
+            <a:avLst/>
+          </a:prstGeom>
+          <a:noFill/>
+        </p:spPr>
+        <p:txBody>
+          <a:bodyPr wrap="none" rtlCol="0">
+            <a:spAutoFit/>
+          </a:bodyPr>
+          <a:lstStyle/>
+          <a:p>
+            <a:r>
+              <a:rPr kumimoji="1" lang="en-US" altLang="zh-CN" sz="1400" dirty="0" smtClean="0"/>
+              <a:t>1</a:t>
+            </a:r>
+            <a:r>
+              <a:rPr kumimoji="1" lang="zh-CN" altLang="en-US" sz="1400" dirty="0" smtClean="0"/>
+              <a:t>、正多边形内角和</a:t>
+            </a:r>
+            <a:r>
+              <a:rPr kumimoji="1" lang="en-US" altLang="zh-CN" sz="1400" dirty="0" smtClean="0"/>
+              <a:t>=180</a:t>
+            </a:r>
+            <a:r>
+              <a:rPr kumimoji="1" lang="zh-CN" altLang="en-US" sz="1400" dirty="0" smtClean="0"/>
+              <a:t>*（</a:t>
+            </a:r>
+            <a:r>
+              <a:rPr kumimoji="1" lang="en-US" altLang="zh-CN" sz="1400" dirty="0" smtClean="0"/>
+              <a:t>n-2</a:t>
+            </a:r>
+            <a:r>
+              <a:rPr kumimoji="1" lang="zh-CN" altLang="en-US" sz="1400" dirty="0" smtClean="0"/>
+              <a:t>）</a:t>
+            </a:r>
+            <a:endParaRPr kumimoji="1" lang="en-US" altLang="zh-CN" sz="1400" dirty="0" smtClean="0"/>
+          </a:p>
+          <a:p>
+            <a:r>
+              <a:rPr kumimoji="1" lang="zh-CN" altLang="en-US" sz="1400" dirty="0" smtClean="0"/>
+              <a:t>所以，正五边形每个内角为</a:t>
+            </a:r>
+            <a:r>
+              <a:rPr kumimoji="1" lang="en-US" altLang="zh-CN" sz="1400" dirty="0" smtClean="0"/>
+              <a:t>108</a:t>
+            </a:r>
+            <a:r>
+              <a:rPr kumimoji="1" lang="zh-CN" altLang="en-US" sz="1400" dirty="0" smtClean="0"/>
+              <a:t>度</a:t>
+            </a:r>
+            <a:endParaRPr kumimoji="1" lang="zh-CN" altLang="en-US" sz="1400" dirty="0"/>
+          </a:p>
+        </p:txBody>
+      </p:sp>
+      <p:sp>
+        <p:nvSpPr>
+          <p:cNvPr id="105" name="文本框 104"/>
+          <p:cNvSpPr txBox="1"/>
+          <p:nvPr/>
+        </p:nvSpPr>
+        <p:spPr>
+          <a:xfrm>
+            <a:off x="4367089" y="2116206"/>
+            <a:ext cx="3780302" cy="523220"/>
+          </a:xfrm>
+          <a:prstGeom prst="rect">
+            <a:avLst/>
+          </a:prstGeom>
+          <a:noFill/>
+        </p:spPr>
+        <p:txBody>
+          <a:bodyPr wrap="none" rtlCol="0">
+            <a:spAutoFit/>
+          </a:bodyPr>
+          <a:lstStyle/>
+          <a:p>
+            <a:r>
+              <a:rPr kumimoji="1" lang="en-US" altLang="zh-CN" sz="1400" dirty="0" smtClean="0"/>
+              <a:t>2</a:t>
+            </a:r>
+            <a:r>
+              <a:rPr kumimoji="1" lang="zh-CN" altLang="en-US" sz="1400" dirty="0" smtClean="0"/>
+              <a:t>、由</a:t>
+            </a:r>
+            <a:r>
+              <a:rPr kumimoji="1" lang="en-US" altLang="zh-CN" sz="1400" dirty="0" smtClean="0"/>
+              <a:t>2</a:t>
+            </a:r>
+            <a:r>
+              <a:rPr kumimoji="1" lang="zh-CN" altLang="en-US" sz="1400" dirty="0" smtClean="0"/>
+              <a:t>、</a:t>
+            </a:r>
+            <a:r>
+              <a:rPr kumimoji="1" lang="en-US" altLang="zh-CN" sz="1400" dirty="0" smtClean="0"/>
+              <a:t>7</a:t>
+            </a:r>
+            <a:r>
+              <a:rPr kumimoji="1" lang="zh-CN" altLang="en-US" sz="1400" dirty="0" smtClean="0"/>
+              <a:t>、</a:t>
+            </a:r>
+            <a:r>
+              <a:rPr kumimoji="1" lang="en-US" altLang="zh-CN" sz="1400" dirty="0" smtClean="0"/>
+              <a:t>9</a:t>
+            </a:r>
+            <a:r>
+              <a:rPr kumimoji="1" lang="zh-CN" altLang="en-US" sz="1400" dirty="0" smtClean="0"/>
+              <a:t>这三个角组成的等腰三角形中，</a:t>
+            </a:r>
+            <a:endParaRPr kumimoji="1" lang="en-US" altLang="zh-CN" sz="1400" dirty="0" smtClean="0"/>
+          </a:p>
+          <a:p>
+            <a:r>
+              <a:rPr kumimoji="1" lang="zh-CN" altLang="zh-CN" sz="1400" dirty="0" smtClean="0"/>
+              <a:t>9</a:t>
+            </a:r>
+            <a:r>
+              <a:rPr kumimoji="1" lang="zh-CN" altLang="en-US" sz="1400" dirty="0" smtClean="0"/>
+              <a:t>对应的角是</a:t>
+            </a:r>
+            <a:r>
+              <a:rPr kumimoji="1" lang="en-US" altLang="zh-CN" sz="1400" dirty="0" smtClean="0"/>
+              <a:t>108</a:t>
+            </a:r>
+            <a:r>
+              <a:rPr kumimoji="1" lang="zh-CN" altLang="en-US" sz="1400" dirty="0" smtClean="0"/>
+              <a:t>度，所以</a:t>
+            </a:r>
+            <a:r>
+              <a:rPr kumimoji="1" lang="en-US" altLang="zh-CN" sz="1400" dirty="0" smtClean="0"/>
+              <a:t>2</a:t>
+            </a:r>
+            <a:r>
+              <a:rPr kumimoji="1" lang="zh-CN" altLang="en-US" sz="1400" dirty="0" smtClean="0"/>
+              <a:t>和</a:t>
+            </a:r>
+            <a:r>
+              <a:rPr kumimoji="1" lang="en-US" altLang="zh-CN" sz="1400" dirty="0" smtClean="0"/>
+              <a:t>6</a:t>
+            </a:r>
+            <a:r>
+              <a:rPr kumimoji="1" lang="zh-CN" altLang="en-US" sz="1400" dirty="0" smtClean="0"/>
+              <a:t>对应的角为</a:t>
+            </a:r>
+            <a:r>
+              <a:rPr kumimoji="1" lang="zh-CN" altLang="zh-CN" sz="1400" dirty="0" smtClean="0"/>
+              <a:t>3</a:t>
+            </a:r>
+            <a:r>
+              <a:rPr kumimoji="1" lang="en-US" altLang="zh-CN" sz="1400" dirty="0" smtClean="0"/>
+              <a:t>6</a:t>
+            </a:r>
+            <a:r>
+              <a:rPr kumimoji="1" lang="zh-CN" altLang="en-US" sz="1400" dirty="0" smtClean="0"/>
+              <a:t>度</a:t>
+            </a:r>
+            <a:endParaRPr kumimoji="1" lang="zh-CN" altLang="en-US" sz="1400" dirty="0"/>
+          </a:p>
+        </p:txBody>
+      </p:sp>
+      <p:sp>
+        <p:nvSpPr>
+          <p:cNvPr id="106" name="文本框 105"/>
+          <p:cNvSpPr txBox="1"/>
+          <p:nvPr/>
+        </p:nvSpPr>
+        <p:spPr>
+          <a:xfrm>
+            <a:off x="4399532" y="4730865"/>
+            <a:ext cx="4227915" cy="738664"/>
+          </a:xfrm>
+          <a:prstGeom prst="rect">
+            <a:avLst/>
+          </a:prstGeom>
+          <a:noFill/>
+        </p:spPr>
+        <p:txBody>
+          <a:bodyPr wrap="none" rtlCol="0">
+            <a:spAutoFit/>
+          </a:bodyPr>
+          <a:lstStyle/>
+          <a:p>
+            <a:r>
+              <a:rPr kumimoji="1" lang="zh-CN" altLang="zh-CN" sz="1400" dirty="0"/>
+              <a:t>3</a:t>
+            </a:r>
+            <a:r>
+              <a:rPr kumimoji="1" lang="zh-CN" altLang="en-US" sz="1400" dirty="0" smtClean="0"/>
+              <a:t>、当画笔从</a:t>
+            </a:r>
+            <a:r>
+              <a:rPr kumimoji="1" lang="en-US" altLang="zh-CN" sz="1400" dirty="0" smtClean="0"/>
+              <a:t>1</a:t>
+            </a:r>
+            <a:r>
+              <a:rPr kumimoji="1" lang="zh-CN" altLang="en-US" sz="1400" dirty="0" smtClean="0"/>
+              <a:t>移动到</a:t>
+            </a:r>
+            <a:r>
+              <a:rPr kumimoji="1" lang="en-US" altLang="zh-CN" sz="1400" dirty="0" smtClean="0"/>
+              <a:t>2</a:t>
+            </a:r>
+            <a:r>
+              <a:rPr kumimoji="1" lang="zh-CN" altLang="en-US" sz="1400" dirty="0" smtClean="0"/>
+              <a:t>的时候，它是水平移动的，</a:t>
+            </a:r>
+            <a:endParaRPr kumimoji="1" lang="en-US" altLang="zh-CN" sz="1400" dirty="0" smtClean="0"/>
+          </a:p>
+          <a:p>
+            <a:r>
+              <a:rPr kumimoji="1" lang="zh-CN" altLang="en-US" sz="1400" dirty="0" smtClean="0"/>
+              <a:t>也就是画笔是面向屏幕右侧的，它需要向右转</a:t>
+            </a:r>
+            <a:r>
+              <a:rPr kumimoji="1" lang="en-US" altLang="zh-CN" sz="1400" dirty="0" smtClean="0"/>
+              <a:t>144</a:t>
+            </a:r>
+            <a:r>
+              <a:rPr kumimoji="1" lang="zh-CN" altLang="en-US" sz="1400" dirty="0" smtClean="0"/>
+              <a:t>度</a:t>
+            </a:r>
+            <a:endParaRPr kumimoji="1" lang="en-US" altLang="zh-CN" sz="1400" dirty="0" smtClean="0"/>
+          </a:p>
+          <a:p>
+            <a:r>
+              <a:rPr kumimoji="1" lang="zh-CN" altLang="en-US" sz="1400" dirty="0" smtClean="0"/>
+              <a:t>才能继续向</a:t>
+            </a:r>
+            <a:r>
+              <a:rPr kumimoji="1" lang="en-US" altLang="zh-CN" sz="1400" dirty="0" smtClean="0"/>
+              <a:t>3</a:t>
+            </a:r>
+            <a:r>
+              <a:rPr kumimoji="1" lang="zh-CN" altLang="en-US" sz="1400" dirty="0" smtClean="0"/>
+              <a:t>的方向移动</a:t>
+            </a:r>
+            <a:endParaRPr kumimoji="1" lang="zh-CN" altLang="en-US" sz="1400" dirty="0"/>
+          </a:p>
+        </p:txBody>
+      </p:sp>
+    </p:spTree>
+    <p:extLst>
+      <p:ext uri="{BB962C8B-B14F-4D97-AF65-F5344CB8AC3E}">
+        <p14:creationId xmlns:p14="http://schemas.microsoft.com/office/powerpoint/2010/main" val="2124128914"/>
+      </p:ext>
+    </p:extLst>
+  </p:cSld>
+  <p:clrMapOvr>
+    <a:masterClrMapping/>
+  </p:clrMapOvr>
+</p:sld>
+</file>
+
+<file path=ppt/slides/slide16.xml><?xml version="1.0" encoding="utf-8"?>
+<p:sld xmlns:a="http://schemas.openxmlformats.org/drawingml/2006/main" xmlns:r="http://schemas.openxmlformats.org/officeDocument/2006/relationships" xmlns:p="http://schemas.openxmlformats.org/presentationml/2006/main">
+  <p:cSld>
+    <p:spTree>
+      <p:nvGrpSpPr>
+        <p:cNvPr id="1" name=""/>
+        <p:cNvGrpSpPr/>
+        <p:nvPr/>
+      </p:nvGrpSpPr>
+      <p:grpSpPr>
+        <a:xfrm>
+          <a:off x="0" y="0"/>
+          <a:ext cx="0" cy="0"/>
+          <a:chOff x="0" y="0"/>
+          <a:chExt cx="0" cy="0"/>
+        </a:xfrm>
+      </p:grpSpPr>
+      <p:sp>
+        <p:nvSpPr>
+          <p:cNvPr id="32" name="矩形 31"/>
+          <p:cNvSpPr/>
+          <p:nvPr/>
+        </p:nvSpPr>
+        <p:spPr>
+          <a:xfrm>
+            <a:off x="1576781" y="4525841"/>
+            <a:ext cx="1463337" cy="1140355"/>
+          </a:xfrm>
+          <a:prstGeom prst="rect">
+            <a:avLst/>
+          </a:prstGeom>
+          <a:noFill/>
+        </p:spPr>
+        <p:style>
+          <a:lnRef idx="1">
+            <a:schemeClr val="accent1"/>
+          </a:lnRef>
+          <a:fillRef idx="3">
+            <a:schemeClr val="accent1"/>
+          </a:fillRef>
+          <a:effectRef idx="2">
+            <a:schemeClr val="accent1"/>
+          </a:effectRef>
+          <a:fontRef idx="minor">
+            <a:schemeClr val="lt1"/>
+          </a:fontRef>
+        </p:style>
+        <p:txBody>
+          <a:bodyPr rtlCol="0" anchor="ctr"/>
+          <a:lstStyle/>
+          <a:p>
+            <a:pPr algn="ctr"/>
+            <a:endParaRPr kumimoji="1" lang="zh-CN" altLang="en-US"/>
+          </a:p>
+        </p:txBody>
+      </p:sp>
+      <p:sp>
+        <p:nvSpPr>
+          <p:cNvPr id="4" name="五角星 3"/>
+          <p:cNvSpPr/>
+          <p:nvPr/>
+        </p:nvSpPr>
+        <p:spPr>
+          <a:xfrm>
+            <a:off x="551227" y="436172"/>
+            <a:ext cx="2347305" cy="2281785"/>
+          </a:xfrm>
+          <a:prstGeom prst="star5">
+            <a:avLst/>
+          </a:prstGeom>
+          <a:solidFill>
+            <a:srgbClr val="FFFF00"/>
+          </a:solidFill>
+          <a:ln>
+            <a:solidFill>
+              <a:srgbClr val="CDB706"/>
+            </a:solidFill>
+          </a:ln>
+        </p:spPr>
+        <p:style>
+          <a:lnRef idx="2">
+            <a:schemeClr val="dk1"/>
+          </a:lnRef>
+          <a:fillRef idx="1">
+            <a:schemeClr val="lt1"/>
+          </a:fillRef>
+          <a:effectRef idx="0">
+            <a:schemeClr val="dk1"/>
+          </a:effectRef>
+          <a:fontRef idx="minor">
+            <a:schemeClr val="dk1"/>
+          </a:fontRef>
+        </p:style>
+        <p:txBody>
+          <a:bodyPr rtlCol="0" anchor="ctr"/>
+          <a:lstStyle/>
+          <a:p>
+            <a:pPr algn="ctr"/>
+            <a:endParaRPr kumimoji="1" lang="zh-CN" altLang="en-US"/>
+          </a:p>
+        </p:txBody>
+      </p:sp>
+      <p:sp>
+        <p:nvSpPr>
+          <p:cNvPr id="5" name="文本框 4"/>
+          <p:cNvSpPr txBox="1"/>
+          <p:nvPr/>
+        </p:nvSpPr>
+        <p:spPr>
+          <a:xfrm>
+            <a:off x="1934664" y="996403"/>
+            <a:ext cx="301660" cy="369332"/>
+          </a:xfrm>
+          <a:prstGeom prst="rect">
+            <a:avLst/>
+          </a:prstGeom>
+          <a:noFill/>
+        </p:spPr>
+        <p:txBody>
+          <a:bodyPr wrap="none" rtlCol="0">
+            <a:spAutoFit/>
+          </a:bodyPr>
+          <a:lstStyle/>
+          <a:p>
+            <a:r>
+              <a:rPr kumimoji="1" lang="en-US" altLang="zh-CN" dirty="0" smtClean="0"/>
+              <a:t>1</a:t>
+            </a:r>
+            <a:endParaRPr kumimoji="1" lang="zh-CN" altLang="en-US" dirty="0"/>
+          </a:p>
+        </p:txBody>
+      </p:sp>
+      <p:sp>
+        <p:nvSpPr>
+          <p:cNvPr id="6" name="文本框 5"/>
+          <p:cNvSpPr txBox="1"/>
+          <p:nvPr/>
+        </p:nvSpPr>
+        <p:spPr>
+          <a:xfrm>
+            <a:off x="2898532" y="1040140"/>
+            <a:ext cx="301660" cy="369332"/>
+          </a:xfrm>
+          <a:prstGeom prst="rect">
+            <a:avLst/>
+          </a:prstGeom>
+          <a:noFill/>
+        </p:spPr>
+        <p:txBody>
+          <a:bodyPr wrap="none" rtlCol="0">
+            <a:spAutoFit/>
+          </a:bodyPr>
+          <a:lstStyle/>
+          <a:p>
+            <a:r>
+              <a:rPr kumimoji="1" lang="en-US" altLang="zh-CN" dirty="0"/>
+              <a:t>2</a:t>
+            </a:r>
+            <a:endParaRPr kumimoji="1" lang="zh-CN" altLang="en-US" dirty="0"/>
+          </a:p>
+        </p:txBody>
+      </p:sp>
+      <p:sp>
+        <p:nvSpPr>
+          <p:cNvPr id="7" name="文本框 6"/>
+          <p:cNvSpPr txBox="1"/>
+          <p:nvPr/>
+        </p:nvSpPr>
+        <p:spPr>
+          <a:xfrm>
+            <a:off x="1576781" y="2148205"/>
+            <a:ext cx="301660" cy="369332"/>
+          </a:xfrm>
+          <a:prstGeom prst="rect">
+            <a:avLst/>
+          </a:prstGeom>
+          <a:noFill/>
+        </p:spPr>
+        <p:txBody>
+          <a:bodyPr wrap="none" rtlCol="0">
+            <a:spAutoFit/>
+          </a:bodyPr>
+          <a:lstStyle/>
+          <a:p>
+            <a:r>
+              <a:rPr kumimoji="1" lang="en-US" altLang="zh-CN" dirty="0" smtClean="0"/>
+              <a:t>5</a:t>
+            </a:r>
+            <a:endParaRPr kumimoji="1" lang="zh-CN" altLang="en-US" dirty="0"/>
+          </a:p>
+        </p:txBody>
+      </p:sp>
+      <p:sp>
+        <p:nvSpPr>
+          <p:cNvPr id="8" name="文本框 7"/>
+          <p:cNvSpPr txBox="1"/>
+          <p:nvPr/>
+        </p:nvSpPr>
+        <p:spPr>
+          <a:xfrm>
+            <a:off x="2401009" y="2564498"/>
+            <a:ext cx="301660" cy="369332"/>
+          </a:xfrm>
+          <a:prstGeom prst="rect">
+            <a:avLst/>
+          </a:prstGeom>
+          <a:noFill/>
+        </p:spPr>
+        <p:txBody>
+          <a:bodyPr wrap="none" rtlCol="0">
+            <a:spAutoFit/>
+          </a:bodyPr>
+          <a:lstStyle/>
+          <a:p>
+            <a:r>
+              <a:rPr kumimoji="1" lang="en-US" altLang="zh-CN" dirty="0" smtClean="0"/>
+              <a:t>4</a:t>
+            </a:r>
+            <a:endParaRPr kumimoji="1" lang="zh-CN" altLang="en-US" dirty="0"/>
+          </a:p>
+        </p:txBody>
+      </p:sp>
+      <p:sp>
+        <p:nvSpPr>
+          <p:cNvPr id="9" name="文本框 8"/>
+          <p:cNvSpPr txBox="1"/>
+          <p:nvPr/>
+        </p:nvSpPr>
+        <p:spPr>
+          <a:xfrm>
+            <a:off x="2168757" y="1691592"/>
+            <a:ext cx="301660" cy="369332"/>
+          </a:xfrm>
+          <a:prstGeom prst="rect">
+            <a:avLst/>
+          </a:prstGeom>
+          <a:noFill/>
+        </p:spPr>
+        <p:txBody>
+          <a:bodyPr wrap="none" rtlCol="0">
+            <a:spAutoFit/>
+          </a:bodyPr>
+          <a:lstStyle/>
+          <a:p>
+            <a:r>
+              <a:rPr kumimoji="1" lang="en-US" altLang="zh-CN" dirty="0" smtClean="0"/>
+              <a:t>3</a:t>
+            </a:r>
+            <a:endParaRPr kumimoji="1" lang="zh-CN" altLang="en-US" dirty="0"/>
+          </a:p>
+        </p:txBody>
+      </p:sp>
+      <p:sp>
+        <p:nvSpPr>
+          <p:cNvPr id="10" name="文本框 9"/>
+          <p:cNvSpPr txBox="1"/>
+          <p:nvPr/>
+        </p:nvSpPr>
+        <p:spPr>
+          <a:xfrm>
+            <a:off x="799330" y="2651892"/>
+            <a:ext cx="301660" cy="369332"/>
+          </a:xfrm>
+          <a:prstGeom prst="rect">
+            <a:avLst/>
+          </a:prstGeom>
+          <a:noFill/>
+        </p:spPr>
+        <p:txBody>
+          <a:bodyPr wrap="none" rtlCol="0">
+            <a:spAutoFit/>
+          </a:bodyPr>
+          <a:lstStyle/>
+          <a:p>
+            <a:r>
+              <a:rPr kumimoji="1" lang="en-US" altLang="zh-CN" dirty="0" smtClean="0"/>
+              <a:t>6</a:t>
+            </a:r>
+          </a:p>
+        </p:txBody>
+      </p:sp>
+      <p:sp>
+        <p:nvSpPr>
+          <p:cNvPr id="11" name="文本框 10"/>
+          <p:cNvSpPr txBox="1"/>
+          <p:nvPr/>
+        </p:nvSpPr>
+        <p:spPr>
+          <a:xfrm>
+            <a:off x="991207" y="1737783"/>
+            <a:ext cx="301660" cy="369332"/>
+          </a:xfrm>
+          <a:prstGeom prst="rect">
+            <a:avLst/>
+          </a:prstGeom>
+          <a:noFill/>
+        </p:spPr>
+        <p:txBody>
+          <a:bodyPr wrap="none" rtlCol="0">
+            <a:spAutoFit/>
+          </a:bodyPr>
+          <a:lstStyle/>
+          <a:p>
+            <a:r>
+              <a:rPr kumimoji="1" lang="en-US" altLang="zh-CN" dirty="0"/>
+              <a:t>7</a:t>
+            </a:r>
+            <a:endParaRPr kumimoji="1" lang="en-US" altLang="zh-CN" dirty="0" smtClean="0"/>
+          </a:p>
+        </p:txBody>
+      </p:sp>
+      <p:sp>
+        <p:nvSpPr>
+          <p:cNvPr id="12" name="文本框 11"/>
+          <p:cNvSpPr txBox="1"/>
+          <p:nvPr/>
+        </p:nvSpPr>
+        <p:spPr>
+          <a:xfrm>
+            <a:off x="249567" y="1173035"/>
+            <a:ext cx="301660" cy="369332"/>
+          </a:xfrm>
+          <a:prstGeom prst="rect">
+            <a:avLst/>
+          </a:prstGeom>
+          <a:noFill/>
+        </p:spPr>
+        <p:txBody>
+          <a:bodyPr wrap="none" rtlCol="0">
+            <a:spAutoFit/>
+          </a:bodyPr>
+          <a:lstStyle/>
+          <a:p>
+            <a:r>
+              <a:rPr kumimoji="1" lang="en-US" altLang="zh-CN" dirty="0" smtClean="0"/>
+              <a:t>8</a:t>
+            </a:r>
+          </a:p>
+        </p:txBody>
+      </p:sp>
+      <p:sp>
+        <p:nvSpPr>
+          <p:cNvPr id="13" name="文本框 12"/>
+          <p:cNvSpPr txBox="1"/>
+          <p:nvPr/>
+        </p:nvSpPr>
+        <p:spPr>
+          <a:xfrm>
+            <a:off x="1174012" y="983104"/>
+            <a:ext cx="301660" cy="369332"/>
+          </a:xfrm>
+          <a:prstGeom prst="rect">
+            <a:avLst/>
+          </a:prstGeom>
+          <a:noFill/>
+        </p:spPr>
+        <p:txBody>
+          <a:bodyPr wrap="none" rtlCol="0">
+            <a:spAutoFit/>
+          </a:bodyPr>
+          <a:lstStyle/>
+          <a:p>
+            <a:r>
+              <a:rPr kumimoji="1" lang="en-US" altLang="zh-CN" dirty="0"/>
+              <a:t>9</a:t>
+            </a:r>
+            <a:endParaRPr kumimoji="1" lang="en-US" altLang="zh-CN" dirty="0" smtClean="0"/>
+          </a:p>
+        </p:txBody>
+      </p:sp>
+      <p:sp>
+        <p:nvSpPr>
+          <p:cNvPr id="14" name="文本框 13"/>
+          <p:cNvSpPr txBox="1"/>
+          <p:nvPr/>
+        </p:nvSpPr>
+        <p:spPr>
+          <a:xfrm>
+            <a:off x="1508741" y="141518"/>
+            <a:ext cx="418654" cy="369332"/>
+          </a:xfrm>
+          <a:prstGeom prst="rect">
+            <a:avLst/>
+          </a:prstGeom>
+          <a:noFill/>
+        </p:spPr>
+        <p:txBody>
+          <a:bodyPr wrap="none" rtlCol="0">
+            <a:spAutoFit/>
+          </a:bodyPr>
+          <a:lstStyle/>
+          <a:p>
+            <a:r>
+              <a:rPr kumimoji="1" lang="en-US" altLang="zh-CN" dirty="0" smtClean="0"/>
+              <a:t>10</a:t>
+            </a:r>
+          </a:p>
+        </p:txBody>
+      </p:sp>
+      <p:sp>
+        <p:nvSpPr>
+          <p:cNvPr id="15" name="正五边形 14"/>
+          <p:cNvSpPr/>
+          <p:nvPr/>
+        </p:nvSpPr>
+        <p:spPr>
+          <a:xfrm rot="10800000">
+            <a:off x="1281527" y="1310069"/>
+            <a:ext cx="887230" cy="871861"/>
+          </a:xfrm>
+          <a:prstGeom prst="pentagon">
+            <a:avLst/>
+          </a:prstGeom>
+          <a:solidFill>
+            <a:schemeClr val="bg1"/>
+          </a:solidFill>
+          <a:ln>
+            <a:solidFill>
+              <a:srgbClr val="CDB706"/>
+            </a:solidFill>
+          </a:ln>
+        </p:spPr>
+        <p:style>
+          <a:lnRef idx="2">
+            <a:schemeClr val="dk1"/>
+          </a:lnRef>
+          <a:fillRef idx="1">
+            <a:schemeClr val="lt1"/>
+          </a:fillRef>
+          <a:effectRef idx="0">
+            <a:schemeClr val="dk1"/>
+          </a:effectRef>
+          <a:fontRef idx="minor">
+            <a:schemeClr val="dk1"/>
+          </a:fontRef>
+        </p:style>
+        <p:txBody>
+          <a:bodyPr rtlCol="0" anchor="ctr"/>
+          <a:lstStyle/>
+          <a:p>
+            <a:pPr algn="ctr"/>
+            <a:endParaRPr kumimoji="1" lang="zh-CN" altLang="en-US" dirty="0"/>
+          </a:p>
+        </p:txBody>
+      </p:sp>
+      <p:sp>
+        <p:nvSpPr>
+          <p:cNvPr id="16" name="弧 15"/>
+          <p:cNvSpPr/>
+          <p:nvPr/>
+        </p:nvSpPr>
+        <p:spPr>
+          <a:xfrm rot="13045347">
+            <a:off x="2584379" y="1281781"/>
+            <a:ext cx="221732" cy="228020"/>
+          </a:xfrm>
+          <a:prstGeom prst="arc">
+            <a:avLst/>
+          </a:prstGeom>
+        </p:spPr>
+        <p:style>
+          <a:lnRef idx="2">
+            <a:schemeClr val="accent1"/>
+          </a:lnRef>
+          <a:fillRef idx="0">
+            <a:schemeClr val="accent1"/>
+          </a:fillRef>
+          <a:effectRef idx="1">
+            <a:schemeClr val="accent1"/>
+          </a:effectRef>
+          <a:fontRef idx="minor">
+            <a:schemeClr val="tx1"/>
+          </a:fontRef>
+        </p:style>
+        <p:txBody>
+          <a:bodyPr rtlCol="0" anchor="ctr"/>
+          <a:lstStyle/>
+          <a:p>
+            <a:pPr algn="ctr"/>
+            <a:endParaRPr kumimoji="1" lang="zh-CN" altLang="en-US"/>
+          </a:p>
+        </p:txBody>
+      </p:sp>
+      <p:sp>
+        <p:nvSpPr>
+          <p:cNvPr id="17" name="文本框 16"/>
+          <p:cNvSpPr txBox="1"/>
+          <p:nvPr/>
+        </p:nvSpPr>
+        <p:spPr>
+          <a:xfrm>
+            <a:off x="2287088" y="1260092"/>
+            <a:ext cx="366657" cy="307777"/>
+          </a:xfrm>
+          <a:prstGeom prst="rect">
+            <a:avLst/>
+          </a:prstGeom>
+          <a:noFill/>
+        </p:spPr>
+        <p:txBody>
+          <a:bodyPr wrap="none" rtlCol="0">
+            <a:spAutoFit/>
+          </a:bodyPr>
+          <a:lstStyle/>
+          <a:p>
+            <a:r>
+              <a:rPr kumimoji="1" lang="en-US" altLang="zh-CN" sz="1400" dirty="0" smtClean="0"/>
+              <a:t>3</a:t>
+            </a:r>
+            <a:r>
+              <a:rPr kumimoji="1" lang="en-US" altLang="zh-CN" sz="1400" dirty="0" smtClean="0">
+                <a:latin typeface="+mj-lt"/>
+              </a:rPr>
+              <a:t>6</a:t>
+            </a:r>
+          </a:p>
+        </p:txBody>
+      </p:sp>
+      <p:sp>
+        <p:nvSpPr>
+          <p:cNvPr id="25" name="弧 24"/>
+          <p:cNvSpPr/>
+          <p:nvPr/>
+        </p:nvSpPr>
+        <p:spPr>
+          <a:xfrm rot="8898247">
+            <a:off x="2021687" y="1769455"/>
+            <a:ext cx="234943" cy="250855"/>
+          </a:xfrm>
+          <a:prstGeom prst="arc">
+            <a:avLst>
+              <a:gd name="adj1" fmla="val 16005237"/>
+              <a:gd name="adj2" fmla="val 0"/>
+            </a:avLst>
+          </a:prstGeom>
+        </p:spPr>
+        <p:style>
+          <a:lnRef idx="2">
+            <a:schemeClr val="accent1"/>
+          </a:lnRef>
+          <a:fillRef idx="0">
+            <a:schemeClr val="accent1"/>
+          </a:fillRef>
+          <a:effectRef idx="1">
+            <a:schemeClr val="accent1"/>
+          </a:effectRef>
+          <a:fontRef idx="minor">
+            <a:schemeClr val="tx1"/>
+          </a:fontRef>
+        </p:style>
+        <p:txBody>
+          <a:bodyPr rtlCol="0" anchor="ctr"/>
+          <a:lstStyle/>
+          <a:p>
+            <a:pPr algn="ctr"/>
+            <a:endParaRPr kumimoji="1" lang="zh-CN" altLang="en-US"/>
+          </a:p>
+        </p:txBody>
+      </p:sp>
+      <p:sp>
+        <p:nvSpPr>
+          <p:cNvPr id="26" name="文本框 25"/>
+          <p:cNvSpPr txBox="1"/>
+          <p:nvPr/>
+        </p:nvSpPr>
+        <p:spPr>
+          <a:xfrm>
+            <a:off x="1908119" y="1957493"/>
+            <a:ext cx="366657" cy="307777"/>
+          </a:xfrm>
+          <a:prstGeom prst="rect">
+            <a:avLst/>
+          </a:prstGeom>
+          <a:noFill/>
+        </p:spPr>
+        <p:txBody>
+          <a:bodyPr wrap="none" rtlCol="0">
+            <a:spAutoFit/>
+          </a:bodyPr>
+          <a:lstStyle/>
+          <a:p>
+            <a:r>
+              <a:rPr kumimoji="1" lang="en-US" altLang="zh-CN" sz="1400" dirty="0" smtClean="0">
+                <a:latin typeface="+mj-lt"/>
+              </a:rPr>
+              <a:t>72</a:t>
+            </a:r>
+          </a:p>
+        </p:txBody>
+      </p:sp>
+      <p:cxnSp>
+        <p:nvCxnSpPr>
+          <p:cNvPr id="27" name="直线箭头连接符 26"/>
+          <p:cNvCxnSpPr>
+            <a:endCxn id="4" idx="4"/>
+          </p:cNvCxnSpPr>
+          <p:nvPr/>
+        </p:nvCxnSpPr>
+        <p:spPr>
+          <a:xfrm flipV="1">
+            <a:off x="1990595" y="1307734"/>
+            <a:ext cx="907935" cy="4479"/>
+          </a:xfrm>
+          <a:prstGeom prst="straightConnector1">
+            <a:avLst/>
+          </a:prstGeom>
+          <a:ln>
+            <a:solidFill>
+              <a:srgbClr val="0000FF"/>
+            </a:solidFill>
+            <a:tailEnd type="arrow"/>
+          </a:ln>
+        </p:spPr>
+        <p:style>
+          <a:lnRef idx="2">
+            <a:schemeClr val="accent1"/>
+          </a:lnRef>
+          <a:fillRef idx="0">
+            <a:schemeClr val="accent1"/>
+          </a:fillRef>
+          <a:effectRef idx="1">
+            <a:schemeClr val="accent1"/>
+          </a:effectRef>
+          <a:fontRef idx="minor">
+            <a:schemeClr val="tx1"/>
+          </a:fontRef>
+        </p:style>
+      </p:cxnSp>
+      <p:cxnSp>
+        <p:nvCxnSpPr>
+          <p:cNvPr id="28" name="直线箭头连接符 27"/>
+          <p:cNvCxnSpPr>
+            <a:endCxn id="9" idx="1"/>
+          </p:cNvCxnSpPr>
+          <p:nvPr/>
+        </p:nvCxnSpPr>
+        <p:spPr>
+          <a:xfrm flipH="1">
+            <a:off x="2168757" y="1342175"/>
+            <a:ext cx="699219" cy="534083"/>
+          </a:xfrm>
+          <a:prstGeom prst="straightConnector1">
+            <a:avLst/>
+          </a:prstGeom>
+          <a:ln>
+            <a:solidFill>
+              <a:srgbClr val="0000FF"/>
+            </a:solidFill>
+            <a:tailEnd type="arrow"/>
+          </a:ln>
+        </p:spPr>
+        <p:style>
+          <a:lnRef idx="2">
+            <a:schemeClr val="accent1"/>
+          </a:lnRef>
+          <a:fillRef idx="0">
+            <a:schemeClr val="accent1"/>
+          </a:fillRef>
+          <a:effectRef idx="1">
+            <a:schemeClr val="accent1"/>
+          </a:effectRef>
+          <a:fontRef idx="minor">
+            <a:schemeClr val="tx1"/>
+          </a:fontRef>
+        </p:style>
+      </p:cxnSp>
+      <p:sp>
+        <p:nvSpPr>
+          <p:cNvPr id="29" name="文本框 28"/>
+          <p:cNvSpPr txBox="1"/>
+          <p:nvPr/>
+        </p:nvSpPr>
+        <p:spPr>
+          <a:xfrm>
+            <a:off x="4183393" y="1255148"/>
+            <a:ext cx="4428666" cy="523220"/>
+          </a:xfrm>
+          <a:prstGeom prst="rect">
+            <a:avLst/>
+          </a:prstGeom>
+          <a:noFill/>
+        </p:spPr>
+        <p:txBody>
+          <a:bodyPr wrap="none" rtlCol="0">
+            <a:spAutoFit/>
+          </a:bodyPr>
+          <a:lstStyle/>
+          <a:p>
+            <a:r>
+              <a:rPr kumimoji="1" lang="en-US" altLang="zh-CN" sz="1400" dirty="0" smtClean="0"/>
+              <a:t>4</a:t>
+            </a:r>
+            <a:r>
+              <a:rPr kumimoji="1" lang="zh-CN" altLang="en-US" sz="1400" dirty="0" smtClean="0"/>
+              <a:t>、画笔移动到</a:t>
+            </a:r>
+            <a:r>
+              <a:rPr kumimoji="1" lang="en-US" altLang="zh-CN" sz="1400" dirty="0" smtClean="0"/>
+              <a:t>3</a:t>
+            </a:r>
+            <a:r>
+              <a:rPr kumimoji="1" lang="zh-CN" altLang="en-US" sz="1400" dirty="0" smtClean="0"/>
+              <a:t>后，五角星的第一个角就画好了，</a:t>
+            </a:r>
+            <a:endParaRPr kumimoji="1" lang="en-US" altLang="zh-CN" sz="1400" dirty="0" smtClean="0"/>
+          </a:p>
+          <a:p>
+            <a:r>
+              <a:rPr kumimoji="1" lang="zh-CN" altLang="en-US" sz="1400" dirty="0" smtClean="0"/>
+              <a:t>但还需要左转</a:t>
+            </a:r>
+            <a:r>
+              <a:rPr kumimoji="1" lang="en-US" altLang="zh-CN" sz="1400" dirty="0" smtClean="0"/>
+              <a:t>72</a:t>
+            </a:r>
+            <a:r>
+              <a:rPr kumimoji="1" lang="zh-CN" altLang="en-US" sz="1400" dirty="0" smtClean="0"/>
+              <a:t>度面向</a:t>
+            </a:r>
+            <a:r>
+              <a:rPr kumimoji="1" lang="en-US" altLang="zh-CN" sz="1400" dirty="0" smtClean="0"/>
+              <a:t>4</a:t>
+            </a:r>
+            <a:r>
+              <a:rPr kumimoji="1" lang="zh-CN" altLang="en-US" sz="1400" dirty="0" smtClean="0"/>
+              <a:t>的方向，准备下一个角的描画</a:t>
+            </a:r>
+            <a:endParaRPr kumimoji="1" lang="zh-CN" altLang="en-US" sz="1400" dirty="0"/>
+          </a:p>
+        </p:txBody>
+      </p:sp>
+      <p:sp>
+        <p:nvSpPr>
+          <p:cNvPr id="30" name="矩形 29"/>
+          <p:cNvSpPr/>
+          <p:nvPr/>
+        </p:nvSpPr>
+        <p:spPr>
+          <a:xfrm>
+            <a:off x="1292867" y="4158091"/>
+            <a:ext cx="4572000" cy="1508105"/>
+          </a:xfrm>
+          <a:prstGeom prst="rect">
+            <a:avLst/>
+          </a:prstGeom>
+        </p:spPr>
+        <p:txBody>
+          <a:bodyPr>
+            <a:spAutoFit/>
+          </a:bodyPr>
+          <a:lstStyle/>
+          <a:p>
+            <a:r>
+              <a:rPr lang="en-US" altLang="zh-CN" dirty="0">
+                <a:solidFill>
+                  <a:srgbClr val="FF0000"/>
+                </a:solidFill>
+              </a:rPr>
+              <a:t>for i in range(5</a:t>
+            </a:r>
+            <a:r>
+              <a:rPr lang="en-US" altLang="zh-CN" dirty="0" smtClean="0">
+                <a:solidFill>
+                  <a:srgbClr val="FF0000"/>
+                </a:solidFill>
+              </a:rPr>
+              <a:t>) </a:t>
+            </a:r>
+            <a:r>
+              <a:rPr lang="en-US" altLang="zh-CN" sz="2000" b="1" dirty="0" smtClean="0">
+                <a:solidFill>
+                  <a:srgbClr val="FF0000"/>
+                </a:solidFill>
+              </a:rPr>
+              <a:t>:</a:t>
+            </a:r>
+            <a:endParaRPr lang="en-US" altLang="zh-CN" sz="2000" b="1" dirty="0">
+              <a:solidFill>
+                <a:srgbClr val="FF0000"/>
+              </a:solidFill>
+            </a:endParaRPr>
+          </a:p>
+          <a:p>
+            <a:r>
+              <a:rPr lang="nl-NL" altLang="zh-CN" dirty="0"/>
+              <a:t>    </a:t>
+            </a:r>
+            <a:r>
+              <a:rPr lang="zh-CN" altLang="en-US" dirty="0" smtClean="0"/>
+              <a:t>  </a:t>
+            </a:r>
+            <a:r>
+              <a:rPr lang="nl-NL" altLang="zh-CN" dirty="0" smtClean="0"/>
+              <a:t>t.fd</a:t>
+            </a:r>
+            <a:r>
+              <a:rPr lang="nl-NL" altLang="zh-CN" dirty="0"/>
+              <a:t>(20)</a:t>
+            </a:r>
+          </a:p>
+          <a:p>
+            <a:r>
+              <a:rPr lang="en-US" altLang="zh-CN" dirty="0"/>
+              <a:t>   </a:t>
+            </a:r>
+            <a:r>
+              <a:rPr lang="zh-CN" altLang="en-US" dirty="0" smtClean="0"/>
+              <a:t> </a:t>
+            </a:r>
+            <a:r>
+              <a:rPr lang="en-US" altLang="zh-CN" dirty="0" smtClean="0"/>
+              <a:t> </a:t>
+            </a:r>
+            <a:r>
+              <a:rPr lang="en-US" altLang="zh-CN" dirty="0"/>
+              <a:t>t.right(144)</a:t>
+            </a:r>
+          </a:p>
+          <a:p>
+            <a:r>
+              <a:rPr lang="nl-NL" altLang="zh-CN" dirty="0"/>
+              <a:t>   </a:t>
+            </a:r>
+            <a:r>
+              <a:rPr lang="zh-CN" altLang="en-US" dirty="0" smtClean="0"/>
+              <a:t> </a:t>
+            </a:r>
+            <a:r>
+              <a:rPr lang="nl-NL" altLang="zh-CN" dirty="0" smtClean="0"/>
+              <a:t> </a:t>
+            </a:r>
+            <a:r>
+              <a:rPr lang="nl-NL" altLang="zh-CN" dirty="0"/>
+              <a:t>t.fd(20)</a:t>
+            </a:r>
+          </a:p>
+          <a:p>
+            <a:r>
+              <a:rPr lang="nl-NL" altLang="zh-CN" dirty="0"/>
+              <a:t>   </a:t>
+            </a:r>
+            <a:r>
+              <a:rPr lang="zh-CN" altLang="en-US" dirty="0"/>
+              <a:t> </a:t>
+            </a:r>
+            <a:r>
+              <a:rPr lang="en-US" altLang="zh-CN" dirty="0" smtClean="0"/>
+              <a:t> </a:t>
+            </a:r>
+            <a:r>
+              <a:rPr lang="is-IS" altLang="zh-CN" dirty="0" smtClean="0"/>
+              <a:t>t</a:t>
+            </a:r>
+            <a:r>
+              <a:rPr lang="en-US" altLang="zh-CN" dirty="0" smtClean="0"/>
+              <a:t>.</a:t>
+            </a:r>
+            <a:r>
+              <a:rPr lang="is-IS" altLang="zh-CN" dirty="0" smtClean="0"/>
+              <a:t>left</a:t>
+            </a:r>
+            <a:r>
+              <a:rPr lang="is-IS" altLang="zh-CN" dirty="0"/>
+              <a:t>(72)</a:t>
+            </a:r>
+          </a:p>
+        </p:txBody>
+      </p:sp>
+      <p:sp>
+        <p:nvSpPr>
+          <p:cNvPr id="33" name="文本框 32"/>
+          <p:cNvSpPr txBox="1"/>
+          <p:nvPr/>
+        </p:nvSpPr>
+        <p:spPr>
+          <a:xfrm>
+            <a:off x="3040118" y="4759179"/>
+            <a:ext cx="723275" cy="307777"/>
+          </a:xfrm>
+          <a:prstGeom prst="rect">
+            <a:avLst/>
+          </a:prstGeom>
+          <a:noFill/>
+        </p:spPr>
+        <p:txBody>
+          <a:bodyPr wrap="none" rtlCol="0">
+            <a:spAutoFit/>
+          </a:bodyPr>
+          <a:lstStyle/>
+          <a:p>
+            <a:r>
+              <a:rPr kumimoji="1" lang="zh-CN" altLang="en-US" sz="1400" dirty="0" smtClean="0"/>
+              <a:t>循环体</a:t>
+            </a:r>
+            <a:endParaRPr kumimoji="1" lang="zh-CN" altLang="en-US" sz="1400" dirty="0"/>
+          </a:p>
+        </p:txBody>
+      </p:sp>
+      <p:sp>
+        <p:nvSpPr>
+          <p:cNvPr id="34" name="文本框 33"/>
+          <p:cNvSpPr txBox="1"/>
+          <p:nvPr/>
+        </p:nvSpPr>
+        <p:spPr>
+          <a:xfrm>
+            <a:off x="1100990" y="4004202"/>
+            <a:ext cx="4303131" cy="307777"/>
+          </a:xfrm>
+          <a:prstGeom prst="rect">
+            <a:avLst/>
+          </a:prstGeom>
+          <a:noFill/>
+        </p:spPr>
+        <p:txBody>
+          <a:bodyPr wrap="none" rtlCol="0">
+            <a:spAutoFit/>
+          </a:bodyPr>
+          <a:lstStyle/>
+          <a:p>
+            <a:r>
+              <a:rPr kumimoji="1" lang="en-US" altLang="zh-CN" sz="1400" dirty="0" smtClean="0"/>
+              <a:t>#</a:t>
+            </a:r>
+            <a:r>
+              <a:rPr kumimoji="1" lang="zh-CN" altLang="en-US" sz="1400" dirty="0" smtClean="0"/>
+              <a:t> 循环语句，</a:t>
+            </a:r>
+            <a:r>
+              <a:rPr kumimoji="1" lang="en-US" altLang="zh-CN" sz="1400" dirty="0" smtClean="0"/>
+              <a:t>range(5)</a:t>
+            </a:r>
+            <a:r>
+              <a:rPr kumimoji="1" lang="zh-CN" altLang="en-US" sz="1400" dirty="0" smtClean="0"/>
+              <a:t>代表循环</a:t>
+            </a:r>
+            <a:r>
+              <a:rPr kumimoji="1" lang="en-US" altLang="zh-CN" sz="1400" dirty="0" smtClean="0"/>
+              <a:t>5</a:t>
+            </a:r>
+            <a:r>
+              <a:rPr kumimoji="1" lang="zh-CN" altLang="en-US" sz="1400" dirty="0" smtClean="0"/>
+              <a:t>次，注意后面的冒号</a:t>
+            </a:r>
+            <a:endParaRPr kumimoji="1" lang="zh-CN" altLang="en-US" sz="1400" dirty="0"/>
+          </a:p>
+        </p:txBody>
+      </p:sp>
+      <p:pic>
+        <p:nvPicPr>
+          <p:cNvPr id="35" name="图片 34"/>
+          <p:cNvPicPr>
+            <a:picLocks noChangeAspect="1"/>
+          </p:cNvPicPr>
+          <p:nvPr/>
+        </p:nvPicPr>
+        <p:blipFill>
+          <a:blip r:embed="rId2"/>
+          <a:stretch>
+            <a:fillRect/>
+          </a:stretch>
+        </p:blipFill>
+        <p:spPr>
+          <a:xfrm>
+            <a:off x="5864867" y="3843988"/>
+            <a:ext cx="1828800" cy="1574800"/>
+          </a:xfrm>
+          <a:prstGeom prst="rect">
+            <a:avLst/>
+          </a:prstGeom>
+        </p:spPr>
+      </p:pic>
+    </p:spTree>
+    <p:extLst>
+      <p:ext uri="{BB962C8B-B14F-4D97-AF65-F5344CB8AC3E}">
+        <p14:creationId xmlns:p14="http://schemas.microsoft.com/office/powerpoint/2010/main" val="2598416730"/>
       </p:ext>
     </p:extLst>
   </p:cSld>

--- a/Python入门课0.pptx
+++ b/Python入门课0.pptx
@@ -15,12 +15,11 @@
     <p:sldId id="263" r:id="rId9"/>
     <p:sldId id="264" r:id="rId10"/>
     <p:sldId id="265" r:id="rId11"/>
-    <p:sldId id="266" r:id="rId12"/>
-    <p:sldId id="267" r:id="rId13"/>
-    <p:sldId id="268" r:id="rId14"/>
-    <p:sldId id="269" r:id="rId15"/>
-    <p:sldId id="270" r:id="rId16"/>
-    <p:sldId id="271" r:id="rId17"/>
+    <p:sldId id="269" r:id="rId12"/>
+    <p:sldId id="270" r:id="rId13"/>
+    <p:sldId id="271" r:id="rId14"/>
+    <p:sldId id="266" r:id="rId15"/>
+    <p:sldId id="268" r:id="rId16"/>
   </p:sldIdLst>
   <p:sldSz cx="9144000" cy="6858000" type="screen4x3"/>
   <p:notesSz cx="6858000" cy="9144000"/>
@@ -3593,24 +3592,24 @@
       </p:grpSpPr>
       <p:sp>
         <p:nvSpPr>
-          <p:cNvPr id="15" name="等腰三角形 14"/>
+          <p:cNvPr id="4" name="五角星 3"/>
           <p:cNvSpPr/>
           <p:nvPr/>
         </p:nvSpPr>
         <p:spPr>
           <a:xfrm>
-            <a:off x="1294673" y="1974298"/>
-            <a:ext cx="1152487" cy="2424432"/>
-          </a:xfrm>
-          <a:prstGeom prst="triangle">
+            <a:off x="4663381" y="319902"/>
+            <a:ext cx="2347305" cy="2281785"/>
+          </a:xfrm>
+          <a:prstGeom prst="star5">
             <a:avLst/>
           </a:prstGeom>
           <a:solidFill>
-            <a:srgbClr val="008000"/>
+            <a:srgbClr val="FFFF00"/>
           </a:solidFill>
           <a:ln>
             <a:solidFill>
-              <a:schemeClr val="accent3"/>
+              <a:srgbClr val="CDB706"/>
             </a:solidFill>
           </a:ln>
         </p:spPr>
@@ -3639,20 +3638,14 @@
       </p:sp>
       <p:sp>
         <p:nvSpPr>
-          <p:cNvPr id="4" name="文本框 3">
-            <a:extLst>
-              <a:ext uri="{FF2B5EF4-FFF2-40B4-BE49-F238E27FC236}">
-                <a16:creationId xmlns:a16="http://schemas.microsoft.com/office/drawing/2014/main" xmlns="" id="{BD5BDBAA-D597-844B-A766-C3663E62A12D}"/>
-              </a:ext>
-            </a:extLst>
-          </p:cNvPr>
+          <p:cNvPr id="5" name="文本框 4"/>
           <p:cNvSpPr txBox="1"/>
           <p:nvPr/>
         </p:nvSpPr>
         <p:spPr>
           <a:xfrm>
-            <a:off x="0" y="0"/>
-            <a:ext cx="761747" cy="369332"/>
+            <a:off x="6046818" y="880133"/>
+            <a:ext cx="301660" cy="369332"/>
           </a:xfrm>
           <a:prstGeom prst="rect">
             <a:avLst/>
@@ -3666,67 +3659,23 @@
           <a:lstStyle/>
           <a:p>
             <a:r>
-              <a:rPr kumimoji="1" lang="zh-CN" altLang="en-US" dirty="0" smtClean="0"/>
-              <a:t>第</a:t>
-            </a:r>
-            <a:r>
-              <a:rPr kumimoji="1" lang="zh-CN" altLang="zh-CN" dirty="0"/>
-              <a:t>3</a:t>
-            </a:r>
-            <a:r>
-              <a:rPr kumimoji="1" lang="zh-CN" altLang="en-US" dirty="0" smtClean="0"/>
-              <a:t>课</a:t>
+              <a:rPr kumimoji="1" lang="en-US" altLang="zh-CN" dirty="0" smtClean="0"/>
+              <a:t>1</a:t>
             </a:r>
             <a:endParaRPr kumimoji="1" lang="zh-CN" altLang="en-US" dirty="0"/>
           </a:p>
         </p:txBody>
       </p:sp>
-      <p:cxnSp>
-        <p:nvCxnSpPr>
-          <p:cNvPr id="10" name="直线箭头连接符 9"/>
-          <p:cNvCxnSpPr/>
-          <p:nvPr/>
-        </p:nvCxnSpPr>
-        <p:spPr>
-          <a:xfrm flipH="1" flipV="1">
-            <a:off x="1873766" y="1364155"/>
-            <a:ext cx="31032" cy="3882367"/>
-          </a:xfrm>
-          <a:prstGeom prst="straightConnector1">
-            <a:avLst/>
-          </a:prstGeom>
-          <a:ln>
-            <a:solidFill>
-              <a:srgbClr val="A6A6A6"/>
-            </a:solidFill>
-            <a:tailEnd type="arrow"/>
-          </a:ln>
-        </p:spPr>
-        <p:style>
-          <a:lnRef idx="2">
-            <a:schemeClr val="accent1"/>
-          </a:lnRef>
-          <a:fillRef idx="0">
-            <a:schemeClr val="accent1"/>
-          </a:fillRef>
-          <a:effectRef idx="1">
-            <a:schemeClr val="accent1"/>
-          </a:effectRef>
-          <a:fontRef idx="minor">
-            <a:schemeClr val="tx1"/>
-          </a:fontRef>
-        </p:style>
-      </p:cxnSp>
-      <p:sp>
-        <p:nvSpPr>
-          <p:cNvPr id="11" name="文本框 10"/>
+      <p:sp>
+        <p:nvSpPr>
+          <p:cNvPr id="6" name="文本框 5"/>
           <p:cNvSpPr txBox="1"/>
           <p:nvPr/>
         </p:nvSpPr>
         <p:spPr>
           <a:xfrm>
-            <a:off x="3611598" y="3235515"/>
-            <a:ext cx="287258" cy="369332"/>
+            <a:off x="7010686" y="981861"/>
+            <a:ext cx="301660" cy="369332"/>
           </a:xfrm>
           <a:prstGeom prst="rect">
             <a:avLst/>
@@ -3740,8 +3689,8 @@
           <a:lstStyle/>
           <a:p>
             <a:r>
-              <a:rPr kumimoji="1" lang="en-US" altLang="zh-CN" dirty="0" smtClean="0"/>
-              <a:t>x</a:t>
+              <a:rPr kumimoji="1" lang="en-US" altLang="zh-CN" dirty="0"/>
+              <a:t>2</a:t>
             </a:r>
             <a:endParaRPr kumimoji="1" lang="zh-CN" altLang="en-US" dirty="0"/>
           </a:p>
@@ -3749,14 +3698,14 @@
       </p:sp>
       <p:sp>
         <p:nvSpPr>
-          <p:cNvPr id="12" name="文本框 11"/>
+          <p:cNvPr id="7" name="文本框 6"/>
           <p:cNvSpPr txBox="1"/>
           <p:nvPr/>
         </p:nvSpPr>
         <p:spPr>
           <a:xfrm>
-            <a:off x="1714459" y="795276"/>
-            <a:ext cx="289149" cy="369332"/>
+            <a:off x="5688935" y="2031935"/>
+            <a:ext cx="301660" cy="369332"/>
           </a:xfrm>
           <a:prstGeom prst="rect">
             <a:avLst/>
@@ -3771,7 +3720,7 @@
           <a:p>
             <a:r>
               <a:rPr kumimoji="1" lang="en-US" altLang="zh-CN" dirty="0" smtClean="0"/>
-              <a:t>y</a:t>
+              <a:t>5</a:t>
             </a:r>
             <a:endParaRPr kumimoji="1" lang="zh-CN" altLang="en-US" dirty="0"/>
           </a:p>
@@ -3779,60 +3728,14 @@
       </p:sp>
       <p:sp>
         <p:nvSpPr>
-          <p:cNvPr id="13" name="等腰三角形 12"/>
-          <p:cNvSpPr/>
-          <p:nvPr/>
-        </p:nvSpPr>
-        <p:spPr>
-          <a:xfrm rot="5400000">
-            <a:off x="1692190" y="3339367"/>
-            <a:ext cx="188454" cy="143916"/>
-          </a:xfrm>
-          <a:prstGeom prst="triangle">
-            <a:avLst/>
-          </a:prstGeom>
-          <a:solidFill>
-            <a:schemeClr val="tx1"/>
-          </a:solidFill>
-          <a:ln>
-            <a:solidFill>
-              <a:srgbClr val="000000"/>
-            </a:solidFill>
-          </a:ln>
-        </p:spPr>
-        <p:style>
-          <a:lnRef idx="1">
-            <a:schemeClr val="accent1"/>
-          </a:lnRef>
-          <a:fillRef idx="3">
-            <a:schemeClr val="accent1"/>
-          </a:fillRef>
-          <a:effectRef idx="2">
-            <a:schemeClr val="accent1"/>
-          </a:effectRef>
-          <a:fontRef idx="minor">
-            <a:schemeClr val="lt1"/>
-          </a:fontRef>
-        </p:style>
-        <p:txBody>
-          <a:bodyPr rtlCol="0" anchor="ctr"/>
-          <a:lstStyle/>
-          <a:p>
-            <a:pPr algn="ctr"/>
-            <a:endParaRPr kumimoji="1" lang="zh-CN" altLang="en-US"/>
-          </a:p>
-        </p:txBody>
-      </p:sp>
-      <p:sp>
-        <p:nvSpPr>
-          <p:cNvPr id="14" name="文本框 13"/>
+          <p:cNvPr id="8" name="文本框 7"/>
           <p:cNvSpPr txBox="1"/>
           <p:nvPr/>
         </p:nvSpPr>
         <p:spPr>
           <a:xfrm>
-            <a:off x="1858088" y="3420181"/>
-            <a:ext cx="472380" cy="276999"/>
+            <a:off x="6526991" y="2515061"/>
+            <a:ext cx="301660" cy="369332"/>
           </a:xfrm>
           <a:prstGeom prst="rect">
             <a:avLst/>
@@ -3846,23 +3749,23 @@
           <a:lstStyle/>
           <a:p>
             <a:r>
-              <a:rPr kumimoji="1" lang="en-US" altLang="zh-CN" sz="1200" dirty="0" smtClean="0"/>
-              <a:t>(0,0)</a:t>
-            </a:r>
-            <a:endParaRPr kumimoji="1" lang="zh-CN" altLang="en-US" sz="1200" dirty="0"/>
-          </a:p>
-        </p:txBody>
-      </p:sp>
-      <p:sp>
-        <p:nvSpPr>
-          <p:cNvPr id="19" name="文本框 18"/>
+              <a:rPr kumimoji="1" lang="en-US" altLang="zh-CN" dirty="0" smtClean="0"/>
+              <a:t>4</a:t>
+            </a:r>
+            <a:endParaRPr kumimoji="1" lang="zh-CN" altLang="en-US" dirty="0"/>
+          </a:p>
+        </p:txBody>
+      </p:sp>
+      <p:sp>
+        <p:nvSpPr>
+          <p:cNvPr id="9" name="文本框 8"/>
           <p:cNvSpPr txBox="1"/>
           <p:nvPr/>
         </p:nvSpPr>
         <p:spPr>
           <a:xfrm>
-            <a:off x="2263750" y="2955800"/>
-            <a:ext cx="366657" cy="307777"/>
+            <a:off x="6311836" y="1587482"/>
+            <a:ext cx="301660" cy="369332"/>
           </a:xfrm>
           <a:prstGeom prst="rect">
             <a:avLst/>
@@ -3876,62 +3779,23 @@
           <a:lstStyle/>
           <a:p>
             <a:r>
-              <a:rPr kumimoji="1" lang="en-US" altLang="zh-CN" sz="1400" dirty="0" smtClean="0"/>
-              <a:t>6</a:t>
-            </a:r>
-            <a:r>
-              <a:rPr kumimoji="1" lang="en-US" altLang="zh-CN" sz="1400" dirty="0" smtClean="0"/>
-              <a:t>0</a:t>
-            </a:r>
-            <a:endParaRPr kumimoji="1" lang="zh-CN" altLang="en-US" sz="1400" dirty="0"/>
-          </a:p>
-        </p:txBody>
-      </p:sp>
-      <p:cxnSp>
-        <p:nvCxnSpPr>
-          <p:cNvPr id="25" name="直线连接符 24"/>
-          <p:cNvCxnSpPr/>
-          <p:nvPr/>
-        </p:nvCxnSpPr>
-        <p:spPr>
-          <a:xfrm>
-            <a:off x="2443815" y="3263577"/>
-            <a:ext cx="0" cy="141013"/>
-          </a:xfrm>
-          <a:prstGeom prst="line">
-            <a:avLst/>
-          </a:prstGeom>
-          <a:ln>
-            <a:solidFill>
-              <a:schemeClr val="tx1"/>
-            </a:solidFill>
-          </a:ln>
-        </p:spPr>
-        <p:style>
-          <a:lnRef idx="2">
-            <a:schemeClr val="accent1"/>
-          </a:lnRef>
-          <a:fillRef idx="0">
-            <a:schemeClr val="accent1"/>
-          </a:fillRef>
-          <a:effectRef idx="1">
-            <a:schemeClr val="accent1"/>
-          </a:effectRef>
-          <a:fontRef idx="minor">
-            <a:schemeClr val="tx1"/>
-          </a:fontRef>
-        </p:style>
-      </p:cxnSp>
-      <p:sp>
-        <p:nvSpPr>
-          <p:cNvPr id="28" name="文本框 27"/>
+              <a:rPr kumimoji="1" lang="en-US" altLang="zh-CN" dirty="0" smtClean="0"/>
+              <a:t>3</a:t>
+            </a:r>
+            <a:endParaRPr kumimoji="1" lang="zh-CN" altLang="en-US" dirty="0"/>
+          </a:p>
+        </p:txBody>
+      </p:sp>
+      <p:sp>
+        <p:nvSpPr>
+          <p:cNvPr id="10" name="文本框 9"/>
           <p:cNvSpPr txBox="1"/>
           <p:nvPr/>
         </p:nvSpPr>
         <p:spPr>
           <a:xfrm>
-            <a:off x="1098515" y="2958009"/>
-            <a:ext cx="421622" cy="307777"/>
+            <a:off x="4911484" y="2535622"/>
+            <a:ext cx="301660" cy="369332"/>
           </a:xfrm>
           <a:prstGeom prst="rect">
             <a:avLst/>
@@ -3945,35 +3809,151 @@
           <a:lstStyle/>
           <a:p>
             <a:r>
-              <a:rPr kumimoji="1" lang="en-US" altLang="zh-CN" sz="1400" dirty="0" smtClean="0"/>
-              <a:t>-6</a:t>
-            </a:r>
-            <a:r>
-              <a:rPr kumimoji="1" lang="en-US" altLang="zh-CN" sz="1400" dirty="0" smtClean="0"/>
-              <a:t>0</a:t>
-            </a:r>
-            <a:endParaRPr kumimoji="1" lang="zh-CN" altLang="en-US" sz="1400" dirty="0"/>
+              <a:rPr kumimoji="1" lang="en-US" altLang="zh-CN" dirty="0" smtClean="0"/>
+              <a:t>6</a:t>
+            </a:r>
+          </a:p>
+        </p:txBody>
+      </p:sp>
+      <p:sp>
+        <p:nvSpPr>
+          <p:cNvPr id="11" name="文本框 10"/>
+          <p:cNvSpPr txBox="1"/>
+          <p:nvPr/>
+        </p:nvSpPr>
+        <p:spPr>
+          <a:xfrm>
+            <a:off x="5103361" y="1621513"/>
+            <a:ext cx="301660" cy="369332"/>
+          </a:xfrm>
+          <a:prstGeom prst="rect">
+            <a:avLst/>
+          </a:prstGeom>
+          <a:noFill/>
+        </p:spPr>
+        <p:txBody>
+          <a:bodyPr wrap="none" rtlCol="0">
+            <a:spAutoFit/>
+          </a:bodyPr>
+          <a:lstStyle/>
+          <a:p>
+            <a:r>
+              <a:rPr kumimoji="1" lang="en-US" altLang="zh-CN" dirty="0"/>
+              <a:t>7</a:t>
+            </a:r>
+            <a:endParaRPr kumimoji="1" lang="en-US" altLang="zh-CN" dirty="0" smtClean="0"/>
+          </a:p>
+        </p:txBody>
+      </p:sp>
+      <p:sp>
+        <p:nvSpPr>
+          <p:cNvPr id="12" name="文本框 11"/>
+          <p:cNvSpPr txBox="1"/>
+          <p:nvPr/>
+        </p:nvSpPr>
+        <p:spPr>
+          <a:xfrm>
+            <a:off x="4361721" y="1056765"/>
+            <a:ext cx="301660" cy="369332"/>
+          </a:xfrm>
+          <a:prstGeom prst="rect">
+            <a:avLst/>
+          </a:prstGeom>
+          <a:noFill/>
+        </p:spPr>
+        <p:txBody>
+          <a:bodyPr wrap="none" rtlCol="0">
+            <a:spAutoFit/>
+          </a:bodyPr>
+          <a:lstStyle/>
+          <a:p>
+            <a:r>
+              <a:rPr kumimoji="1" lang="en-US" altLang="zh-CN" dirty="0" smtClean="0"/>
+              <a:t>8</a:t>
+            </a:r>
+          </a:p>
+        </p:txBody>
+      </p:sp>
+      <p:sp>
+        <p:nvSpPr>
+          <p:cNvPr id="13" name="文本框 12"/>
+          <p:cNvSpPr txBox="1"/>
+          <p:nvPr/>
+        </p:nvSpPr>
+        <p:spPr>
+          <a:xfrm>
+            <a:off x="5286166" y="866834"/>
+            <a:ext cx="301660" cy="369332"/>
+          </a:xfrm>
+          <a:prstGeom prst="rect">
+            <a:avLst/>
+          </a:prstGeom>
+          <a:noFill/>
+        </p:spPr>
+        <p:txBody>
+          <a:bodyPr wrap="none" rtlCol="0">
+            <a:spAutoFit/>
+          </a:bodyPr>
+          <a:lstStyle/>
+          <a:p>
+            <a:r>
+              <a:rPr kumimoji="1" lang="en-US" altLang="zh-CN" dirty="0"/>
+              <a:t>9</a:t>
+            </a:r>
+            <a:endParaRPr kumimoji="1" lang="en-US" altLang="zh-CN" dirty="0" smtClean="0"/>
+          </a:p>
+        </p:txBody>
+      </p:sp>
+      <p:sp>
+        <p:nvSpPr>
+          <p:cNvPr id="14" name="文本框 13"/>
+          <p:cNvSpPr txBox="1"/>
+          <p:nvPr/>
+        </p:nvSpPr>
+        <p:spPr>
+          <a:xfrm>
+            <a:off x="5620895" y="25248"/>
+            <a:ext cx="418654" cy="369332"/>
+          </a:xfrm>
+          <a:prstGeom prst="rect">
+            <a:avLst/>
+          </a:prstGeom>
+          <a:noFill/>
+        </p:spPr>
+        <p:txBody>
+          <a:bodyPr wrap="none" rtlCol="0">
+            <a:spAutoFit/>
+          </a:bodyPr>
+          <a:lstStyle/>
+          <a:p>
+            <a:r>
+              <a:rPr kumimoji="1" lang="en-US" altLang="zh-CN" dirty="0" smtClean="0"/>
+              <a:t>10</a:t>
+            </a:r>
           </a:p>
         </p:txBody>
       </p:sp>
       <p:cxnSp>
         <p:nvCxnSpPr>
-          <p:cNvPr id="29" name="直线连接符 28"/>
-          <p:cNvCxnSpPr/>
+          <p:cNvPr id="16" name="直线箭头连接符 15"/>
+          <p:cNvCxnSpPr>
+            <a:stCxn id="5" idx="3"/>
+          </p:cNvCxnSpPr>
           <p:nvPr/>
         </p:nvCxnSpPr>
         <p:spPr>
           <a:xfrm>
-            <a:off x="1291409" y="3265786"/>
-            <a:ext cx="0" cy="141013"/>
-          </a:xfrm>
-          <a:prstGeom prst="line">
+            <a:off x="6348478" y="1064799"/>
+            <a:ext cx="662208" cy="0"/>
+          </a:xfrm>
+          <a:prstGeom prst="straightConnector1">
             <a:avLst/>
           </a:prstGeom>
           <a:ln>
             <a:solidFill>
-              <a:schemeClr val="tx1"/>
+              <a:srgbClr val="0000FF"/>
             </a:solidFill>
+            <a:tailEnd type="arrow"/>
           </a:ln>
         </p:spPr>
         <p:style>
@@ -3993,23 +3973,23 @@
       </p:cxnSp>
       <p:cxnSp>
         <p:nvCxnSpPr>
-          <p:cNvPr id="6" name="直线箭头连接符 5"/>
-          <p:cNvCxnSpPr/>
+          <p:cNvPr id="23" name="直线箭头连接符 22"/>
+          <p:cNvCxnSpPr>
+            <a:stCxn id="6" idx="2"/>
+          </p:cNvCxnSpPr>
           <p:nvPr/>
         </p:nvCxnSpPr>
         <p:spPr>
-          <a:xfrm>
-            <a:off x="115458" y="3402540"/>
-            <a:ext cx="3496140" cy="4259"/>
+          <a:xfrm flipH="1">
+            <a:off x="6613800" y="1351193"/>
+            <a:ext cx="547716" cy="420955"/>
           </a:xfrm>
           <a:prstGeom prst="straightConnector1">
             <a:avLst/>
           </a:prstGeom>
           <a:ln>
             <a:solidFill>
-              <a:schemeClr val="bg1">
-                <a:lumMod val="65000"/>
-              </a:schemeClr>
+              <a:srgbClr val="0000FF"/>
             </a:solidFill>
             <a:tailEnd type="arrow"/>
           </a:ln>
@@ -4031,445 +4011,20 @@
       </p:cxnSp>
       <p:cxnSp>
         <p:nvCxnSpPr>
-          <p:cNvPr id="30" name="直线连接符 29"/>
+          <p:cNvPr id="26" name="直线箭头连接符 25"/>
           <p:cNvCxnSpPr/>
           <p:nvPr/>
         </p:nvCxnSpPr>
         <p:spPr>
-          <a:xfrm flipH="1">
-            <a:off x="1852020" y="1978016"/>
-            <a:ext cx="151588" cy="0"/>
-          </a:xfrm>
-          <a:prstGeom prst="line">
+          <a:xfrm>
+            <a:off x="6553386" y="1842594"/>
+            <a:ext cx="162470" cy="558673"/>
+          </a:xfrm>
+          <a:prstGeom prst="straightConnector1">
             <a:avLst/>
           </a:prstGeom>
           <a:ln>
-            <a:solidFill>
-              <a:schemeClr val="tx1"/>
-            </a:solidFill>
-          </a:ln>
-        </p:spPr>
-        <p:style>
-          <a:lnRef idx="2">
-            <a:schemeClr val="accent1"/>
-          </a:lnRef>
-          <a:fillRef idx="0">
-            <a:schemeClr val="accent1"/>
-          </a:fillRef>
-          <a:effectRef idx="1">
-            <a:schemeClr val="accent1"/>
-          </a:effectRef>
-          <a:fontRef idx="minor">
-            <a:schemeClr val="tx1"/>
-          </a:fontRef>
-        </p:style>
-      </p:cxnSp>
-      <p:sp>
-        <p:nvSpPr>
-          <p:cNvPr id="33" name="文本框 32"/>
-          <p:cNvSpPr txBox="1"/>
-          <p:nvPr/>
-        </p:nvSpPr>
-        <p:spPr>
-          <a:xfrm>
-            <a:off x="1447146" y="1807581"/>
-            <a:ext cx="457652" cy="307777"/>
-          </a:xfrm>
-          <a:prstGeom prst="rect">
-            <a:avLst/>
-          </a:prstGeom>
-          <a:noFill/>
-        </p:spPr>
-        <p:txBody>
-          <a:bodyPr wrap="none" rtlCol="0">
-            <a:spAutoFit/>
-          </a:bodyPr>
-          <a:lstStyle/>
-          <a:p>
-            <a:r>
-              <a:rPr kumimoji="1" lang="en-US" altLang="zh-CN" sz="1400" dirty="0"/>
-              <a:t>120</a:t>
-            </a:r>
-            <a:endParaRPr kumimoji="1" lang="zh-CN" altLang="en-US" sz="1400" dirty="0"/>
-          </a:p>
-        </p:txBody>
-      </p:sp>
-      <p:cxnSp>
-        <p:nvCxnSpPr>
-          <p:cNvPr id="35" name="直线连接符 34"/>
-          <p:cNvCxnSpPr/>
-          <p:nvPr/>
-        </p:nvCxnSpPr>
-        <p:spPr>
-          <a:xfrm flipH="1">
-            <a:off x="1824900" y="4415276"/>
-            <a:ext cx="151588" cy="0"/>
-          </a:xfrm>
-          <a:prstGeom prst="line">
-            <a:avLst/>
-          </a:prstGeom>
-          <a:ln>
-            <a:solidFill>
-              <a:schemeClr val="tx1"/>
-            </a:solidFill>
-          </a:ln>
-        </p:spPr>
-        <p:style>
-          <a:lnRef idx="2">
-            <a:schemeClr val="accent1"/>
-          </a:lnRef>
-          <a:fillRef idx="0">
-            <a:schemeClr val="accent1"/>
-          </a:fillRef>
-          <a:effectRef idx="1">
-            <a:schemeClr val="accent1"/>
-          </a:effectRef>
-          <a:fontRef idx="minor">
-            <a:schemeClr val="tx1"/>
-          </a:fontRef>
-        </p:style>
-      </p:cxnSp>
-      <p:sp>
-        <p:nvSpPr>
-          <p:cNvPr id="36" name="文本框 35"/>
-          <p:cNvSpPr txBox="1"/>
-          <p:nvPr/>
-        </p:nvSpPr>
-        <p:spPr>
-          <a:xfrm>
-            <a:off x="1291736" y="4244841"/>
-            <a:ext cx="547420" cy="307777"/>
-          </a:xfrm>
-          <a:prstGeom prst="rect">
-            <a:avLst/>
-          </a:prstGeom>
-          <a:noFill/>
-        </p:spPr>
-        <p:txBody>
-          <a:bodyPr wrap="none" rtlCol="0">
-            <a:spAutoFit/>
-          </a:bodyPr>
-          <a:lstStyle/>
-          <a:p>
-            <a:r>
-              <a:rPr kumimoji="1" lang="zh-CN" altLang="zh-CN" sz="1400" dirty="0" smtClean="0"/>
-              <a:t>-</a:t>
-            </a:r>
-            <a:r>
-              <a:rPr kumimoji="1" lang="en-US" altLang="zh-CN" sz="1400" dirty="0" smtClean="0"/>
-              <a:t>10</a:t>
-            </a:r>
-            <a:r>
-              <a:rPr kumimoji="1" lang="en-US" altLang="zh-CN" sz="1400" dirty="0" smtClean="0"/>
-              <a:t>0</a:t>
-            </a:r>
-            <a:endParaRPr kumimoji="1" lang="zh-CN" altLang="en-US" sz="1400" dirty="0"/>
-          </a:p>
-        </p:txBody>
-      </p:sp>
-      <p:sp>
-        <p:nvSpPr>
-          <p:cNvPr id="50" name="等腰三角形 49"/>
-          <p:cNvSpPr/>
-          <p:nvPr/>
-        </p:nvSpPr>
-        <p:spPr>
-          <a:xfrm>
-            <a:off x="6235557" y="1932536"/>
-            <a:ext cx="1152487" cy="2424432"/>
-          </a:xfrm>
-          <a:prstGeom prst="triangle">
-            <a:avLst/>
-          </a:prstGeom>
-          <a:solidFill>
-            <a:srgbClr val="008000"/>
-          </a:solidFill>
-          <a:ln>
-            <a:solidFill>
-              <a:schemeClr val="accent3"/>
-            </a:solidFill>
-          </a:ln>
-        </p:spPr>
-        <p:style>
-          <a:lnRef idx="1">
-            <a:schemeClr val="accent1"/>
-          </a:lnRef>
-          <a:fillRef idx="3">
-            <a:schemeClr val="accent1"/>
-          </a:fillRef>
-          <a:effectRef idx="2">
-            <a:schemeClr val="accent1"/>
-          </a:effectRef>
-          <a:fontRef idx="minor">
-            <a:schemeClr val="lt1"/>
-          </a:fontRef>
-        </p:style>
-        <p:txBody>
-          <a:bodyPr rtlCol="0" anchor="ctr"/>
-          <a:lstStyle/>
-          <a:p>
-            <a:pPr algn="ctr"/>
-            <a:endParaRPr kumimoji="1" lang="zh-CN" altLang="en-US"/>
-          </a:p>
-        </p:txBody>
-      </p:sp>
-      <p:sp>
-        <p:nvSpPr>
-          <p:cNvPr id="51" name="文本框 50"/>
-          <p:cNvSpPr txBox="1"/>
-          <p:nvPr/>
-        </p:nvSpPr>
-        <p:spPr>
-          <a:xfrm>
-            <a:off x="8552482" y="3142441"/>
-            <a:ext cx="287258" cy="369332"/>
-          </a:xfrm>
-          <a:prstGeom prst="rect">
-            <a:avLst/>
-          </a:prstGeom>
-          <a:noFill/>
-        </p:spPr>
-        <p:txBody>
-          <a:bodyPr wrap="none" rtlCol="0">
-            <a:spAutoFit/>
-          </a:bodyPr>
-          <a:lstStyle/>
-          <a:p>
-            <a:r>
-              <a:rPr kumimoji="1" lang="en-US" altLang="zh-CN" dirty="0" smtClean="0"/>
-              <a:t>x</a:t>
-            </a:r>
-            <a:endParaRPr kumimoji="1" lang="zh-CN" altLang="en-US" dirty="0"/>
-          </a:p>
-        </p:txBody>
-      </p:sp>
-      <p:sp>
-        <p:nvSpPr>
-          <p:cNvPr id="52" name="文本框 51"/>
-          <p:cNvSpPr txBox="1"/>
-          <p:nvPr/>
-        </p:nvSpPr>
-        <p:spPr>
-          <a:xfrm>
-            <a:off x="6668172" y="830482"/>
-            <a:ext cx="289149" cy="369332"/>
-          </a:xfrm>
-          <a:prstGeom prst="rect">
-            <a:avLst/>
-          </a:prstGeom>
-          <a:noFill/>
-        </p:spPr>
-        <p:txBody>
-          <a:bodyPr wrap="none" rtlCol="0">
-            <a:spAutoFit/>
-          </a:bodyPr>
-          <a:lstStyle/>
-          <a:p>
-            <a:r>
-              <a:rPr kumimoji="1" lang="en-US" altLang="zh-CN" dirty="0" smtClean="0"/>
-              <a:t>y</a:t>
-            </a:r>
-            <a:endParaRPr kumimoji="1" lang="zh-CN" altLang="en-US" dirty="0"/>
-          </a:p>
-        </p:txBody>
-      </p:sp>
-      <p:sp>
-        <p:nvSpPr>
-          <p:cNvPr id="53" name="等腰三角形 52"/>
-          <p:cNvSpPr/>
-          <p:nvPr/>
-        </p:nvSpPr>
-        <p:spPr>
-          <a:xfrm rot="5400000">
-            <a:off x="6633074" y="3297605"/>
-            <a:ext cx="188454" cy="143916"/>
-          </a:xfrm>
-          <a:prstGeom prst="triangle">
-            <a:avLst/>
-          </a:prstGeom>
-          <a:solidFill>
-            <a:schemeClr val="tx1"/>
-          </a:solidFill>
-          <a:ln>
-            <a:solidFill>
-              <a:srgbClr val="000000"/>
-            </a:solidFill>
-          </a:ln>
-        </p:spPr>
-        <p:style>
-          <a:lnRef idx="1">
-            <a:schemeClr val="accent1"/>
-          </a:lnRef>
-          <a:fillRef idx="3">
-            <a:schemeClr val="accent1"/>
-          </a:fillRef>
-          <a:effectRef idx="2">
-            <a:schemeClr val="accent1"/>
-          </a:effectRef>
-          <a:fontRef idx="minor">
-            <a:schemeClr val="lt1"/>
-          </a:fontRef>
-        </p:style>
-        <p:txBody>
-          <a:bodyPr rtlCol="0" anchor="ctr"/>
-          <a:lstStyle/>
-          <a:p>
-            <a:pPr algn="ctr"/>
-            <a:endParaRPr kumimoji="1" lang="zh-CN" altLang="en-US"/>
-          </a:p>
-        </p:txBody>
-      </p:sp>
-      <p:sp>
-        <p:nvSpPr>
-          <p:cNvPr id="54" name="文本框 53"/>
-          <p:cNvSpPr txBox="1"/>
-          <p:nvPr/>
-        </p:nvSpPr>
-        <p:spPr>
-          <a:xfrm>
-            <a:off x="6798972" y="3378419"/>
-            <a:ext cx="472380" cy="276999"/>
-          </a:xfrm>
-          <a:prstGeom prst="rect">
-            <a:avLst/>
-          </a:prstGeom>
-          <a:noFill/>
-        </p:spPr>
-        <p:txBody>
-          <a:bodyPr wrap="none" rtlCol="0">
-            <a:spAutoFit/>
-          </a:bodyPr>
-          <a:lstStyle/>
-          <a:p>
-            <a:r>
-              <a:rPr kumimoji="1" lang="en-US" altLang="zh-CN" sz="1200" dirty="0" smtClean="0"/>
-              <a:t>(0,0)</a:t>
-            </a:r>
-            <a:endParaRPr kumimoji="1" lang="zh-CN" altLang="en-US" sz="1200" dirty="0"/>
-          </a:p>
-        </p:txBody>
-      </p:sp>
-      <p:sp>
-        <p:nvSpPr>
-          <p:cNvPr id="58" name="文本框 57"/>
-          <p:cNvSpPr txBox="1"/>
-          <p:nvPr/>
-        </p:nvSpPr>
-        <p:spPr>
-          <a:xfrm>
-            <a:off x="7166147" y="2914038"/>
-            <a:ext cx="366657" cy="307777"/>
-          </a:xfrm>
-          <a:prstGeom prst="rect">
-            <a:avLst/>
-          </a:prstGeom>
-          <a:noFill/>
-        </p:spPr>
-        <p:txBody>
-          <a:bodyPr wrap="none" rtlCol="0">
-            <a:spAutoFit/>
-          </a:bodyPr>
-          <a:lstStyle/>
-          <a:p>
-            <a:r>
-              <a:rPr kumimoji="1" lang="en-US" altLang="zh-CN" sz="1400" dirty="0" smtClean="0"/>
-              <a:t>6</a:t>
-            </a:r>
-            <a:r>
-              <a:rPr kumimoji="1" lang="en-US" altLang="zh-CN" sz="1400" dirty="0" smtClean="0"/>
-              <a:t>0</a:t>
-            </a:r>
-            <a:endParaRPr kumimoji="1" lang="zh-CN" altLang="en-US" sz="1400" dirty="0"/>
-          </a:p>
-        </p:txBody>
-      </p:sp>
-      <p:cxnSp>
-        <p:nvCxnSpPr>
-          <p:cNvPr id="59" name="直线连接符 58"/>
-          <p:cNvCxnSpPr/>
-          <p:nvPr/>
-        </p:nvCxnSpPr>
-        <p:spPr>
-          <a:xfrm>
-            <a:off x="7346212" y="3221815"/>
-            <a:ext cx="0" cy="141013"/>
-          </a:xfrm>
-          <a:prstGeom prst="line">
-            <a:avLst/>
-          </a:prstGeom>
-          <a:ln>
-            <a:solidFill>
-              <a:schemeClr val="tx1"/>
-            </a:solidFill>
-          </a:ln>
-        </p:spPr>
-        <p:style>
-          <a:lnRef idx="2">
-            <a:schemeClr val="accent1"/>
-          </a:lnRef>
-          <a:fillRef idx="0">
-            <a:schemeClr val="accent1"/>
-          </a:fillRef>
-          <a:effectRef idx="1">
-            <a:schemeClr val="accent1"/>
-          </a:effectRef>
-          <a:fontRef idx="minor">
-            <a:schemeClr val="tx1"/>
-          </a:fontRef>
-        </p:style>
-      </p:cxnSp>
-      <p:sp>
-        <p:nvSpPr>
-          <p:cNvPr id="60" name="文本框 59"/>
-          <p:cNvSpPr txBox="1"/>
-          <p:nvPr/>
-        </p:nvSpPr>
-        <p:spPr>
-          <a:xfrm>
-            <a:off x="6039399" y="2916247"/>
-            <a:ext cx="421622" cy="307777"/>
-          </a:xfrm>
-          <a:prstGeom prst="rect">
-            <a:avLst/>
-          </a:prstGeom>
-          <a:noFill/>
-        </p:spPr>
-        <p:txBody>
-          <a:bodyPr wrap="none" rtlCol="0">
-            <a:spAutoFit/>
-          </a:bodyPr>
-          <a:lstStyle/>
-          <a:p>
-            <a:r>
-              <a:rPr kumimoji="1" lang="en-US" altLang="zh-CN" sz="1400" dirty="0" smtClean="0"/>
-              <a:t>-6</a:t>
-            </a:r>
-            <a:r>
-              <a:rPr kumimoji="1" lang="en-US" altLang="zh-CN" sz="1400" dirty="0" smtClean="0"/>
-              <a:t>0</a:t>
-            </a:r>
-            <a:endParaRPr kumimoji="1" lang="zh-CN" altLang="en-US" sz="1400" dirty="0"/>
-          </a:p>
-        </p:txBody>
-      </p:sp>
-      <p:cxnSp>
-        <p:nvCxnSpPr>
-          <p:cNvPr id="61" name="直线连接符 60"/>
-          <p:cNvCxnSpPr/>
-          <p:nvPr/>
-        </p:nvCxnSpPr>
-        <p:spPr>
-          <a:xfrm>
-            <a:off x="6232293" y="3224024"/>
-            <a:ext cx="0" cy="141013"/>
-          </a:xfrm>
-          <a:prstGeom prst="line">
-            <a:avLst/>
-          </a:prstGeom>
-          <a:ln>
-            <a:solidFill>
-              <a:schemeClr val="tx1"/>
-            </a:solidFill>
+            <a:tailEnd type="arrow"/>
           </a:ln>
         </p:spPr>
         <p:style>
@@ -4489,24 +4044,20 @@
       </p:cxnSp>
       <p:cxnSp>
         <p:nvCxnSpPr>
-          <p:cNvPr id="63" name="直线连接符 62"/>
+          <p:cNvPr id="35" name="直线箭头连接符 34"/>
           <p:cNvCxnSpPr/>
           <p:nvPr/>
         </p:nvCxnSpPr>
         <p:spPr>
-          <a:xfrm>
-            <a:off x="7388044" y="3378419"/>
-            <a:ext cx="0" cy="978549"/>
-          </a:xfrm>
-          <a:prstGeom prst="line">
-            <a:avLst/>
-          </a:prstGeom>
-          <a:ln w="3175" cmpd="sng">
-            <a:solidFill>
-              <a:schemeClr val="bg1">
-                <a:lumMod val="85000"/>
-              </a:schemeClr>
-            </a:solidFill>
+          <a:xfrm flipH="1" flipV="1">
+            <a:off x="5893700" y="2294059"/>
+            <a:ext cx="545496" cy="483126"/>
+          </a:xfrm>
+          <a:prstGeom prst="straightConnector1">
+            <a:avLst/>
+          </a:prstGeom>
+          <a:ln>
+            <a:tailEnd type="arrow"/>
           </a:ln>
         </p:spPr>
         <p:style>
@@ -4526,24 +4077,20 @@
       </p:cxnSp>
       <p:cxnSp>
         <p:nvCxnSpPr>
-          <p:cNvPr id="64" name="直线连接符 63"/>
+          <p:cNvPr id="39" name="直线箭头连接符 38"/>
           <p:cNvCxnSpPr/>
           <p:nvPr/>
         </p:nvCxnSpPr>
         <p:spPr>
-          <a:xfrm>
-            <a:off x="6235557" y="3394965"/>
-            <a:ext cx="0" cy="978549"/>
-          </a:xfrm>
-          <a:prstGeom prst="line">
-            <a:avLst/>
-          </a:prstGeom>
-          <a:ln w="3175" cmpd="sng">
-            <a:solidFill>
-              <a:schemeClr val="bg1">
-                <a:lumMod val="85000"/>
-              </a:schemeClr>
-            </a:solidFill>
+          <a:xfrm flipH="1">
+            <a:off x="5286166" y="2401267"/>
+            <a:ext cx="547716" cy="420955"/>
+          </a:xfrm>
+          <a:prstGeom prst="straightConnector1">
+            <a:avLst/>
+          </a:prstGeom>
+          <a:ln>
+            <a:tailEnd type="arrow"/>
           </a:ln>
         </p:spPr>
         <p:style>
@@ -4563,22 +4110,19 @@
       </p:cxnSp>
       <p:cxnSp>
         <p:nvCxnSpPr>
-          <p:cNvPr id="65" name="直线箭头连接符 64"/>
+          <p:cNvPr id="40" name="直线箭头连接符 39"/>
           <p:cNvCxnSpPr/>
           <p:nvPr/>
         </p:nvCxnSpPr>
         <p:spPr>
-          <a:xfrm flipH="1" flipV="1">
-            <a:off x="6814650" y="1322393"/>
-            <a:ext cx="31032" cy="3882367"/>
+          <a:xfrm flipV="1">
+            <a:off x="4911484" y="1956814"/>
+            <a:ext cx="248103" cy="611146"/>
           </a:xfrm>
           <a:prstGeom prst="straightConnector1">
             <a:avLst/>
           </a:prstGeom>
           <a:ln>
-            <a:solidFill>
-              <a:srgbClr val="A6A6A6"/>
-            </a:solidFill>
             <a:tailEnd type="arrow"/>
           </a:ln>
         </p:spPr>
@@ -4599,879 +4143,20 @@
       </p:cxnSp>
       <p:cxnSp>
         <p:nvCxnSpPr>
-          <p:cNvPr id="66" name="直线箭头连接符 65"/>
+          <p:cNvPr id="49" name="直线箭头连接符 48"/>
           <p:cNvCxnSpPr/>
           <p:nvPr/>
         </p:nvCxnSpPr>
         <p:spPr>
-          <a:xfrm>
-            <a:off x="5056342" y="3360778"/>
-            <a:ext cx="3496140" cy="4259"/>
+          <a:xfrm flipH="1" flipV="1">
+            <a:off x="4558586" y="1361725"/>
+            <a:ext cx="601001" cy="410423"/>
           </a:xfrm>
           <a:prstGeom prst="straightConnector1">
             <a:avLst/>
           </a:prstGeom>
           <a:ln>
-            <a:solidFill>
-              <a:schemeClr val="bg1">
-                <a:lumMod val="65000"/>
-              </a:schemeClr>
-            </a:solidFill>
             <a:tailEnd type="arrow"/>
-          </a:ln>
-        </p:spPr>
-        <p:style>
-          <a:lnRef idx="2">
-            <a:schemeClr val="accent1"/>
-          </a:lnRef>
-          <a:fillRef idx="0">
-            <a:schemeClr val="accent1"/>
-          </a:fillRef>
-          <a:effectRef idx="1">
-            <a:schemeClr val="accent1"/>
-          </a:effectRef>
-          <a:fontRef idx="minor">
-            <a:schemeClr val="tx1"/>
-          </a:fontRef>
-        </p:style>
-      </p:cxnSp>
-      <p:sp>
-        <p:nvSpPr>
-          <p:cNvPr id="67" name="文本框 66"/>
-          <p:cNvSpPr txBox="1"/>
-          <p:nvPr/>
-        </p:nvSpPr>
-        <p:spPr>
-          <a:xfrm>
-            <a:off x="6540940" y="4356968"/>
-            <a:ext cx="547420" cy="307777"/>
-          </a:xfrm>
-          <a:prstGeom prst="rect">
-            <a:avLst/>
-          </a:prstGeom>
-          <a:noFill/>
-        </p:spPr>
-        <p:txBody>
-          <a:bodyPr wrap="none" rtlCol="0">
-            <a:spAutoFit/>
-          </a:bodyPr>
-          <a:lstStyle/>
-          <a:p>
-            <a:r>
-              <a:rPr kumimoji="1" lang="zh-CN" altLang="zh-CN" sz="1400" dirty="0" smtClean="0"/>
-              <a:t>-</a:t>
-            </a:r>
-            <a:r>
-              <a:rPr kumimoji="1" lang="en-US" altLang="zh-CN" sz="1400" dirty="0" smtClean="0"/>
-              <a:t>10</a:t>
-            </a:r>
-            <a:r>
-              <a:rPr kumimoji="1" lang="en-US" altLang="zh-CN" sz="1400" dirty="0" smtClean="0"/>
-              <a:t>0</a:t>
-            </a:r>
-            <a:endParaRPr kumimoji="1" lang="zh-CN" altLang="en-US" sz="1400" dirty="0"/>
-          </a:p>
-        </p:txBody>
-      </p:sp>
-      <p:sp>
-        <p:nvSpPr>
-          <p:cNvPr id="62" name="文本框 61"/>
-          <p:cNvSpPr txBox="1"/>
-          <p:nvPr/>
-        </p:nvSpPr>
-        <p:spPr>
-          <a:xfrm>
-            <a:off x="6585824" y="1645965"/>
-            <a:ext cx="457652" cy="307777"/>
-          </a:xfrm>
-          <a:prstGeom prst="rect">
-            <a:avLst/>
-          </a:prstGeom>
-          <a:noFill/>
-        </p:spPr>
-        <p:txBody>
-          <a:bodyPr wrap="none" rtlCol="0">
-            <a:spAutoFit/>
-          </a:bodyPr>
-          <a:lstStyle/>
-          <a:p>
-            <a:r>
-              <a:rPr kumimoji="1" lang="en-US" altLang="zh-CN" sz="1400" dirty="0"/>
-              <a:t>120</a:t>
-            </a:r>
-            <a:endParaRPr kumimoji="1" lang="zh-CN" altLang="en-US" sz="1400" dirty="0"/>
-          </a:p>
-        </p:txBody>
-      </p:sp>
-      <p:sp>
-        <p:nvSpPr>
-          <p:cNvPr id="68" name="右箭头 67"/>
-          <p:cNvSpPr/>
-          <p:nvPr/>
-        </p:nvSpPr>
-        <p:spPr>
-          <a:xfrm>
-            <a:off x="4105338" y="3317098"/>
-            <a:ext cx="525997" cy="244069"/>
-          </a:xfrm>
-          <a:prstGeom prst="rightArrow">
-            <a:avLst/>
-          </a:prstGeom>
-        </p:spPr>
-        <p:style>
-          <a:lnRef idx="2">
-            <a:schemeClr val="accent6">
-              <a:shade val="50000"/>
-            </a:schemeClr>
-          </a:lnRef>
-          <a:fillRef idx="1">
-            <a:schemeClr val="accent6"/>
-          </a:fillRef>
-          <a:effectRef idx="0">
-            <a:schemeClr val="accent6"/>
-          </a:effectRef>
-          <a:fontRef idx="minor">
-            <a:schemeClr val="lt1"/>
-          </a:fontRef>
-        </p:style>
-        <p:txBody>
-          <a:bodyPr rtlCol="0" anchor="ctr"/>
-          <a:lstStyle/>
-          <a:p>
-            <a:pPr algn="ctr"/>
-            <a:endParaRPr kumimoji="1" lang="zh-CN" altLang="en-US"/>
-          </a:p>
-        </p:txBody>
-      </p:sp>
-      <p:sp>
-        <p:nvSpPr>
-          <p:cNvPr id="71" name="线形标注 1 70"/>
-          <p:cNvSpPr/>
-          <p:nvPr/>
-        </p:nvSpPr>
-        <p:spPr>
-          <a:xfrm>
-            <a:off x="7322162" y="1746963"/>
-            <a:ext cx="485078" cy="185525"/>
-          </a:xfrm>
-          <a:prstGeom prst="borderCallout1">
-            <a:avLst>
-              <a:gd name="adj1" fmla="val 48257"/>
-              <a:gd name="adj2" fmla="val -433"/>
-              <a:gd name="adj3" fmla="val 124303"/>
-              <a:gd name="adj4" fmla="val -105302"/>
-            </a:avLst>
-          </a:prstGeom>
-          <a:ln>
-            <a:solidFill>
-              <a:srgbClr val="984807"/>
-            </a:solidFill>
-          </a:ln>
-        </p:spPr>
-        <p:style>
-          <a:lnRef idx="1">
-            <a:schemeClr val="accent1"/>
-          </a:lnRef>
-          <a:fillRef idx="3">
-            <a:schemeClr val="accent1"/>
-          </a:fillRef>
-          <a:effectRef idx="2">
-            <a:schemeClr val="accent1"/>
-          </a:effectRef>
-          <a:fontRef idx="minor">
-            <a:schemeClr val="lt1"/>
-          </a:fontRef>
-        </p:style>
-        <p:txBody>
-          <a:bodyPr rtlCol="0" anchor="ctr"/>
-          <a:lstStyle/>
-          <a:p>
-            <a:pPr algn="ctr"/>
-            <a:endParaRPr kumimoji="1" lang="zh-CN" altLang="en-US"/>
-          </a:p>
-        </p:txBody>
-      </p:sp>
-      <p:sp>
-        <p:nvSpPr>
-          <p:cNvPr id="55" name="文本框 54"/>
-          <p:cNvSpPr txBox="1"/>
-          <p:nvPr/>
-        </p:nvSpPr>
-        <p:spPr>
-          <a:xfrm>
-            <a:off x="7244374" y="1686702"/>
-            <a:ext cx="628372" cy="276999"/>
-          </a:xfrm>
-          <a:prstGeom prst="rect">
-            <a:avLst/>
-          </a:prstGeom>
-          <a:solidFill>
-            <a:schemeClr val="accent6">
-              <a:lumMod val="20000"/>
-              <a:lumOff val="80000"/>
-            </a:schemeClr>
-          </a:solidFill>
-          <a:ln>
-            <a:solidFill>
-              <a:schemeClr val="accent6">
-                <a:lumMod val="50000"/>
-              </a:schemeClr>
-            </a:solidFill>
-          </a:ln>
-        </p:spPr>
-        <p:txBody>
-          <a:bodyPr wrap="none" rtlCol="0">
-            <a:spAutoFit/>
-          </a:bodyPr>
-          <a:lstStyle/>
-          <a:p>
-            <a:r>
-              <a:rPr kumimoji="1" lang="en-US" altLang="zh-CN" sz="1200" dirty="0" smtClean="0"/>
-              <a:t>(0,</a:t>
-            </a:r>
-            <a:r>
-              <a:rPr kumimoji="1" lang="en-US" altLang="zh-CN" sz="1200" dirty="0" smtClean="0"/>
-              <a:t>120</a:t>
-            </a:r>
-            <a:r>
-              <a:rPr kumimoji="1" lang="en-US" altLang="zh-CN" sz="1200" dirty="0" smtClean="0"/>
-              <a:t>)</a:t>
-            </a:r>
-            <a:endParaRPr kumimoji="1" lang="zh-CN" altLang="en-US" sz="1200" dirty="0"/>
-          </a:p>
-        </p:txBody>
-      </p:sp>
-      <p:sp>
-        <p:nvSpPr>
-          <p:cNvPr id="72" name="线形标注 1 71"/>
-          <p:cNvSpPr/>
-          <p:nvPr/>
-        </p:nvSpPr>
-        <p:spPr>
-          <a:xfrm>
-            <a:off x="7725960" y="4592302"/>
-            <a:ext cx="645467" cy="215873"/>
-          </a:xfrm>
-          <a:prstGeom prst="borderCallout1">
-            <a:avLst>
-              <a:gd name="adj1" fmla="val 48257"/>
-              <a:gd name="adj2" fmla="val -433"/>
-              <a:gd name="adj3" fmla="val -116657"/>
-              <a:gd name="adj4" fmla="val -50377"/>
-            </a:avLst>
-          </a:prstGeom>
-          <a:solidFill>
-            <a:srgbClr val="FDEADA"/>
-          </a:solidFill>
-          <a:ln>
-            <a:solidFill>
-              <a:srgbClr val="984807"/>
-            </a:solidFill>
-          </a:ln>
-        </p:spPr>
-        <p:style>
-          <a:lnRef idx="1">
-            <a:schemeClr val="accent1"/>
-          </a:lnRef>
-          <a:fillRef idx="3">
-            <a:schemeClr val="accent1"/>
-          </a:fillRef>
-          <a:effectRef idx="2">
-            <a:schemeClr val="accent1"/>
-          </a:effectRef>
-          <a:fontRef idx="minor">
-            <a:schemeClr val="lt1"/>
-          </a:fontRef>
-        </p:style>
-        <p:txBody>
-          <a:bodyPr rtlCol="0" anchor="ctr"/>
-          <a:lstStyle/>
-          <a:p>
-            <a:pPr algn="ctr"/>
-            <a:endParaRPr kumimoji="1" lang="zh-CN" altLang="en-US"/>
-          </a:p>
-        </p:txBody>
-      </p:sp>
-      <p:sp>
-        <p:nvSpPr>
-          <p:cNvPr id="56" name="文本框 55"/>
-          <p:cNvSpPr txBox="1"/>
-          <p:nvPr/>
-        </p:nvSpPr>
-        <p:spPr>
-          <a:xfrm>
-            <a:off x="7669395" y="4551496"/>
-            <a:ext cx="783312" cy="276999"/>
-          </a:xfrm>
-          <a:prstGeom prst="rect">
-            <a:avLst/>
-          </a:prstGeom>
-          <a:noFill/>
-        </p:spPr>
-        <p:txBody>
-          <a:bodyPr wrap="none" rtlCol="0">
-            <a:spAutoFit/>
-          </a:bodyPr>
-          <a:lstStyle/>
-          <a:p>
-            <a:r>
-              <a:rPr kumimoji="1" lang="en-US" altLang="zh-CN" sz="1200" dirty="0" smtClean="0"/>
-              <a:t>(</a:t>
-            </a:r>
-            <a:r>
-              <a:rPr kumimoji="1" lang="en-US" altLang="zh-CN" sz="1200" dirty="0" smtClean="0"/>
-              <a:t>6</a:t>
-            </a:r>
-            <a:r>
-              <a:rPr kumimoji="1" lang="en-US" altLang="zh-CN" sz="1200" dirty="0" smtClean="0"/>
-              <a:t>0,</a:t>
-            </a:r>
-            <a:r>
-              <a:rPr kumimoji="1" lang="zh-CN" altLang="zh-CN" sz="1200" dirty="0" smtClean="0"/>
-              <a:t>-</a:t>
-            </a:r>
-            <a:r>
-              <a:rPr kumimoji="1" lang="en-US" altLang="zh-CN" sz="1200" dirty="0" smtClean="0"/>
-              <a:t>100</a:t>
-            </a:r>
-            <a:r>
-              <a:rPr kumimoji="1" lang="en-US" altLang="zh-CN" sz="1200" dirty="0" smtClean="0"/>
-              <a:t>)</a:t>
-            </a:r>
-            <a:endParaRPr kumimoji="1" lang="zh-CN" altLang="en-US" sz="1200" dirty="0"/>
-          </a:p>
-        </p:txBody>
-      </p:sp>
-      <p:sp>
-        <p:nvSpPr>
-          <p:cNvPr id="73" name="线形标注 1 72"/>
-          <p:cNvSpPr/>
-          <p:nvPr/>
-        </p:nvSpPr>
-        <p:spPr>
-          <a:xfrm>
-            <a:off x="5242560" y="4575433"/>
-            <a:ext cx="796839" cy="215873"/>
-          </a:xfrm>
-          <a:prstGeom prst="borderCallout1">
-            <a:avLst>
-              <a:gd name="adj1" fmla="val 57670"/>
-              <a:gd name="adj2" fmla="val 101880"/>
-              <a:gd name="adj3" fmla="val -93126"/>
-              <a:gd name="adj4" fmla="val 122690"/>
-            </a:avLst>
-          </a:prstGeom>
-          <a:solidFill>
-            <a:srgbClr val="FDEADA"/>
-          </a:solidFill>
-          <a:ln>
-            <a:solidFill>
-              <a:srgbClr val="984807"/>
-            </a:solidFill>
-          </a:ln>
-        </p:spPr>
-        <p:style>
-          <a:lnRef idx="1">
-            <a:schemeClr val="accent1"/>
-          </a:lnRef>
-          <a:fillRef idx="3">
-            <a:schemeClr val="accent1"/>
-          </a:fillRef>
-          <a:effectRef idx="2">
-            <a:schemeClr val="accent1"/>
-          </a:effectRef>
-          <a:fontRef idx="minor">
-            <a:schemeClr val="lt1"/>
-          </a:fontRef>
-        </p:style>
-        <p:txBody>
-          <a:bodyPr rtlCol="0" anchor="ctr"/>
-          <a:lstStyle/>
-          <a:p>
-            <a:pPr algn="ctr"/>
-            <a:endParaRPr kumimoji="1" lang="zh-CN" altLang="en-US"/>
-          </a:p>
-        </p:txBody>
-      </p:sp>
-      <p:sp>
-        <p:nvSpPr>
-          <p:cNvPr id="74" name="文本框 73"/>
-          <p:cNvSpPr txBox="1"/>
-          <p:nvPr/>
-        </p:nvSpPr>
-        <p:spPr>
-          <a:xfrm>
-            <a:off x="5251692" y="4532298"/>
-            <a:ext cx="830426" cy="276999"/>
-          </a:xfrm>
-          <a:prstGeom prst="rect">
-            <a:avLst/>
-          </a:prstGeom>
-          <a:noFill/>
-        </p:spPr>
-        <p:txBody>
-          <a:bodyPr wrap="none" rtlCol="0">
-            <a:spAutoFit/>
-          </a:bodyPr>
-          <a:lstStyle/>
-          <a:p>
-            <a:r>
-              <a:rPr kumimoji="1" lang="en-US" altLang="zh-CN" sz="1200" dirty="0" smtClean="0"/>
-              <a:t>(</a:t>
-            </a:r>
-            <a:r>
-              <a:rPr kumimoji="1" lang="en-US" altLang="zh-CN" sz="1200" dirty="0" smtClean="0"/>
-              <a:t>-6</a:t>
-            </a:r>
-            <a:r>
-              <a:rPr kumimoji="1" lang="en-US" altLang="zh-CN" sz="1200" dirty="0" smtClean="0"/>
-              <a:t>0,</a:t>
-            </a:r>
-            <a:r>
-              <a:rPr kumimoji="1" lang="zh-CN" altLang="zh-CN" sz="1200" dirty="0" smtClean="0"/>
-              <a:t>-</a:t>
-            </a:r>
-            <a:r>
-              <a:rPr kumimoji="1" lang="en-US" altLang="zh-CN" sz="1200" dirty="0" smtClean="0"/>
-              <a:t>100</a:t>
-            </a:r>
-            <a:r>
-              <a:rPr kumimoji="1" lang="en-US" altLang="zh-CN" sz="1200" dirty="0" smtClean="0"/>
-              <a:t>)</a:t>
-            </a:r>
-            <a:endParaRPr kumimoji="1" lang="zh-CN" altLang="en-US" sz="1200" dirty="0"/>
-          </a:p>
-        </p:txBody>
-      </p:sp>
-    </p:spTree>
-    <p:extLst>
-      <p:ext uri="{BB962C8B-B14F-4D97-AF65-F5344CB8AC3E}">
-        <p14:creationId xmlns:p14="http://schemas.microsoft.com/office/powerpoint/2010/main" val="2613863549"/>
-      </p:ext>
-    </p:extLst>
-  </p:cSld>
-  <p:clrMapOvr>
-    <a:masterClrMapping/>
-  </p:clrMapOvr>
-</p:sld>
-</file>
-
-<file path=ppt/slides/slide12.xml><?xml version="1.0" encoding="utf-8"?>
-<p:sld xmlns:a="http://schemas.openxmlformats.org/drawingml/2006/main" xmlns:r="http://schemas.openxmlformats.org/officeDocument/2006/relationships" xmlns:p="http://schemas.openxmlformats.org/presentationml/2006/main">
-  <p:cSld>
-    <p:spTree>
-      <p:nvGrpSpPr>
-        <p:cNvPr id="1" name=""/>
-        <p:cNvGrpSpPr/>
-        <p:nvPr/>
-      </p:nvGrpSpPr>
-      <p:grpSpPr>
-        <a:xfrm>
-          <a:off x="0" y="0"/>
-          <a:ext cx="0" cy="0"/>
-          <a:chOff x="0" y="0"/>
-          <a:chExt cx="0" cy="0"/>
-        </a:xfrm>
-      </p:grpSpPr>
-      <p:pic>
-        <p:nvPicPr>
-          <p:cNvPr id="29" name="图片 28"/>
-          <p:cNvPicPr>
-            <a:picLocks noChangeAspect="1"/>
-          </p:cNvPicPr>
-          <p:nvPr/>
-        </p:nvPicPr>
-        <p:blipFill>
-          <a:blip r:embed="rId2"/>
-          <a:stretch>
-            <a:fillRect/>
-          </a:stretch>
-        </p:blipFill>
-        <p:spPr>
-          <a:xfrm>
-            <a:off x="0" y="293943"/>
-            <a:ext cx="3652248" cy="3565059"/>
-          </a:xfrm>
-          <a:prstGeom prst="rect">
-            <a:avLst/>
-          </a:prstGeom>
-        </p:spPr>
-      </p:pic>
-      <p:pic>
-        <p:nvPicPr>
-          <p:cNvPr id="30" name="图片 29"/>
-          <p:cNvPicPr>
-            <a:picLocks noChangeAspect="1"/>
-          </p:cNvPicPr>
-          <p:nvPr/>
-        </p:nvPicPr>
-        <p:blipFill>
-          <a:blip r:embed="rId3"/>
-          <a:stretch>
-            <a:fillRect/>
-          </a:stretch>
-        </p:blipFill>
-        <p:spPr>
-          <a:xfrm>
-            <a:off x="3652248" y="782476"/>
-            <a:ext cx="1876957" cy="2350752"/>
-          </a:xfrm>
-          <a:prstGeom prst="rect">
-            <a:avLst/>
-          </a:prstGeom>
-        </p:spPr>
-      </p:pic>
-      <p:pic>
-        <p:nvPicPr>
-          <p:cNvPr id="31" name="图片 30"/>
-          <p:cNvPicPr>
-            <a:picLocks noChangeAspect="1"/>
-          </p:cNvPicPr>
-          <p:nvPr/>
-        </p:nvPicPr>
-        <p:blipFill>
-          <a:blip r:embed="rId4"/>
-          <a:stretch>
-            <a:fillRect/>
-          </a:stretch>
-        </p:blipFill>
-        <p:spPr>
-          <a:xfrm>
-            <a:off x="5800820" y="782476"/>
-            <a:ext cx="1467887" cy="2326650"/>
-          </a:xfrm>
-          <a:prstGeom prst="rect">
-            <a:avLst/>
-          </a:prstGeom>
-        </p:spPr>
-      </p:pic>
-      <p:pic>
-        <p:nvPicPr>
-          <p:cNvPr id="32" name="图片 31"/>
-          <p:cNvPicPr>
-            <a:picLocks noChangeAspect="1"/>
-          </p:cNvPicPr>
-          <p:nvPr/>
-        </p:nvPicPr>
-        <p:blipFill>
-          <a:blip r:embed="rId5"/>
-          <a:stretch>
-            <a:fillRect/>
-          </a:stretch>
-        </p:blipFill>
-        <p:spPr>
-          <a:xfrm>
-            <a:off x="7043633" y="2632635"/>
-            <a:ext cx="1393057" cy="2452733"/>
-          </a:xfrm>
-          <a:prstGeom prst="rect">
-            <a:avLst/>
-          </a:prstGeom>
-        </p:spPr>
-      </p:pic>
-    </p:spTree>
-    <p:extLst>
-      <p:ext uri="{BB962C8B-B14F-4D97-AF65-F5344CB8AC3E}">
-        <p14:creationId xmlns:p14="http://schemas.microsoft.com/office/powerpoint/2010/main" val="2662693387"/>
-      </p:ext>
-    </p:extLst>
-  </p:cSld>
-  <p:clrMapOvr>
-    <a:masterClrMapping/>
-  </p:clrMapOvr>
-</p:sld>
-</file>
-
-<file path=ppt/slides/slide13.xml><?xml version="1.0" encoding="utf-8"?>
-<p:sld xmlns:a="http://schemas.openxmlformats.org/drawingml/2006/main" xmlns:r="http://schemas.openxmlformats.org/officeDocument/2006/relationships" xmlns:p="http://schemas.openxmlformats.org/presentationml/2006/main">
-  <p:cSld>
-    <p:spTree>
-      <p:nvGrpSpPr>
-        <p:cNvPr id="1" name=""/>
-        <p:cNvGrpSpPr/>
-        <p:nvPr/>
-      </p:nvGrpSpPr>
-      <p:grpSpPr>
-        <a:xfrm>
-          <a:off x="0" y="0"/>
-          <a:ext cx="0" cy="0"/>
-          <a:chOff x="0" y="0"/>
-          <a:chExt cx="0" cy="0"/>
-        </a:xfrm>
-      </p:grpSpPr>
-      <p:sp>
-        <p:nvSpPr>
-          <p:cNvPr id="4" name="等腰三角形 3"/>
-          <p:cNvSpPr/>
-          <p:nvPr/>
-        </p:nvSpPr>
-        <p:spPr>
-          <a:xfrm>
-            <a:off x="1506928" y="1385047"/>
-            <a:ext cx="1152487" cy="2424432"/>
-          </a:xfrm>
-          <a:prstGeom prst="triangle">
-            <a:avLst/>
-          </a:prstGeom>
-          <a:solidFill>
-            <a:srgbClr val="008000"/>
-          </a:solidFill>
-          <a:ln>
-            <a:solidFill>
-              <a:schemeClr val="accent3"/>
-            </a:solidFill>
-          </a:ln>
-        </p:spPr>
-        <p:style>
-          <a:lnRef idx="1">
-            <a:schemeClr val="accent1"/>
-          </a:lnRef>
-          <a:fillRef idx="3">
-            <a:schemeClr val="accent1"/>
-          </a:fillRef>
-          <a:effectRef idx="2">
-            <a:schemeClr val="accent1"/>
-          </a:effectRef>
-          <a:fontRef idx="minor">
-            <a:schemeClr val="lt1"/>
-          </a:fontRef>
-        </p:style>
-        <p:txBody>
-          <a:bodyPr rtlCol="0" anchor="ctr"/>
-          <a:lstStyle/>
-          <a:p>
-            <a:pPr algn="ctr"/>
-            <a:endParaRPr kumimoji="1" lang="zh-CN" altLang="en-US"/>
-          </a:p>
-        </p:txBody>
-      </p:sp>
-      <p:sp>
-        <p:nvSpPr>
-          <p:cNvPr id="5" name="文本框 4"/>
-          <p:cNvSpPr txBox="1"/>
-          <p:nvPr/>
-        </p:nvSpPr>
-        <p:spPr>
-          <a:xfrm>
-            <a:off x="3823853" y="2594952"/>
-            <a:ext cx="287258" cy="369332"/>
-          </a:xfrm>
-          <a:prstGeom prst="rect">
-            <a:avLst/>
-          </a:prstGeom>
-          <a:noFill/>
-        </p:spPr>
-        <p:txBody>
-          <a:bodyPr wrap="none" rtlCol="0">
-            <a:spAutoFit/>
-          </a:bodyPr>
-          <a:lstStyle/>
-          <a:p>
-            <a:r>
-              <a:rPr kumimoji="1" lang="en-US" altLang="zh-CN" dirty="0" smtClean="0"/>
-              <a:t>x</a:t>
-            </a:r>
-            <a:endParaRPr kumimoji="1" lang="zh-CN" altLang="en-US" dirty="0"/>
-          </a:p>
-        </p:txBody>
-      </p:sp>
-      <p:sp>
-        <p:nvSpPr>
-          <p:cNvPr id="6" name="等腰三角形 5"/>
-          <p:cNvSpPr/>
-          <p:nvPr/>
-        </p:nvSpPr>
-        <p:spPr>
-          <a:xfrm rot="5400000">
-            <a:off x="1904445" y="2750116"/>
-            <a:ext cx="188454" cy="143916"/>
-          </a:xfrm>
-          <a:prstGeom prst="triangle">
-            <a:avLst/>
-          </a:prstGeom>
-          <a:solidFill>
-            <a:schemeClr val="tx1"/>
-          </a:solidFill>
-          <a:ln>
-            <a:solidFill>
-              <a:srgbClr val="000000"/>
-            </a:solidFill>
-          </a:ln>
-        </p:spPr>
-        <p:style>
-          <a:lnRef idx="1">
-            <a:schemeClr val="accent1"/>
-          </a:lnRef>
-          <a:fillRef idx="3">
-            <a:schemeClr val="accent1"/>
-          </a:fillRef>
-          <a:effectRef idx="2">
-            <a:schemeClr val="accent1"/>
-          </a:effectRef>
-          <a:fontRef idx="minor">
-            <a:schemeClr val="lt1"/>
-          </a:fontRef>
-        </p:style>
-        <p:txBody>
-          <a:bodyPr rtlCol="0" anchor="ctr"/>
-          <a:lstStyle/>
-          <a:p>
-            <a:pPr algn="ctr"/>
-            <a:endParaRPr kumimoji="1" lang="zh-CN" altLang="en-US"/>
-          </a:p>
-        </p:txBody>
-      </p:sp>
-      <p:sp>
-        <p:nvSpPr>
-          <p:cNvPr id="7" name="文本框 6"/>
-          <p:cNvSpPr txBox="1"/>
-          <p:nvPr/>
-        </p:nvSpPr>
-        <p:spPr>
-          <a:xfrm>
-            <a:off x="2070343" y="2830930"/>
-            <a:ext cx="472380" cy="276999"/>
-          </a:xfrm>
-          <a:prstGeom prst="rect">
-            <a:avLst/>
-          </a:prstGeom>
-          <a:noFill/>
-        </p:spPr>
-        <p:txBody>
-          <a:bodyPr wrap="none" rtlCol="0">
-            <a:spAutoFit/>
-          </a:bodyPr>
-          <a:lstStyle/>
-          <a:p>
-            <a:r>
-              <a:rPr kumimoji="1" lang="en-US" altLang="zh-CN" sz="1200" dirty="0" smtClean="0"/>
-              <a:t>(0,0)</a:t>
-            </a:r>
-            <a:endParaRPr kumimoji="1" lang="zh-CN" altLang="en-US" sz="1200" dirty="0"/>
-          </a:p>
-        </p:txBody>
-      </p:sp>
-      <p:sp>
-        <p:nvSpPr>
-          <p:cNvPr id="8" name="文本框 7"/>
-          <p:cNvSpPr txBox="1"/>
-          <p:nvPr/>
-        </p:nvSpPr>
-        <p:spPr>
-          <a:xfrm>
-            <a:off x="2437518" y="2366549"/>
-            <a:ext cx="366657" cy="307777"/>
-          </a:xfrm>
-          <a:prstGeom prst="rect">
-            <a:avLst/>
-          </a:prstGeom>
-          <a:noFill/>
-        </p:spPr>
-        <p:txBody>
-          <a:bodyPr wrap="none" rtlCol="0">
-            <a:spAutoFit/>
-          </a:bodyPr>
-          <a:lstStyle/>
-          <a:p>
-            <a:r>
-              <a:rPr kumimoji="1" lang="en-US" altLang="zh-CN" sz="1400" dirty="0" smtClean="0"/>
-              <a:t>6</a:t>
-            </a:r>
-            <a:r>
-              <a:rPr kumimoji="1" lang="en-US" altLang="zh-CN" sz="1400" dirty="0" smtClean="0"/>
-              <a:t>0</a:t>
-            </a:r>
-            <a:endParaRPr kumimoji="1" lang="zh-CN" altLang="en-US" sz="1400" dirty="0"/>
-          </a:p>
-        </p:txBody>
-      </p:sp>
-      <p:cxnSp>
-        <p:nvCxnSpPr>
-          <p:cNvPr id="9" name="直线连接符 8"/>
-          <p:cNvCxnSpPr/>
-          <p:nvPr/>
-        </p:nvCxnSpPr>
-        <p:spPr>
-          <a:xfrm>
-            <a:off x="2617583" y="2674326"/>
-            <a:ext cx="0" cy="141013"/>
-          </a:xfrm>
-          <a:prstGeom prst="line">
-            <a:avLst/>
-          </a:prstGeom>
-          <a:ln>
-            <a:solidFill>
-              <a:schemeClr val="tx1"/>
-            </a:solidFill>
-          </a:ln>
-        </p:spPr>
-        <p:style>
-          <a:lnRef idx="2">
-            <a:schemeClr val="accent1"/>
-          </a:lnRef>
-          <a:fillRef idx="0">
-            <a:schemeClr val="accent1"/>
-          </a:fillRef>
-          <a:effectRef idx="1">
-            <a:schemeClr val="accent1"/>
-          </a:effectRef>
-          <a:fontRef idx="minor">
-            <a:schemeClr val="tx1"/>
-          </a:fontRef>
-        </p:style>
-      </p:cxnSp>
-      <p:sp>
-        <p:nvSpPr>
-          <p:cNvPr id="10" name="文本框 9"/>
-          <p:cNvSpPr txBox="1"/>
-          <p:nvPr/>
-        </p:nvSpPr>
-        <p:spPr>
-          <a:xfrm>
-            <a:off x="1310770" y="2368758"/>
-            <a:ext cx="421622" cy="307777"/>
-          </a:xfrm>
-          <a:prstGeom prst="rect">
-            <a:avLst/>
-          </a:prstGeom>
-          <a:noFill/>
-        </p:spPr>
-        <p:txBody>
-          <a:bodyPr wrap="none" rtlCol="0">
-            <a:spAutoFit/>
-          </a:bodyPr>
-          <a:lstStyle/>
-          <a:p>
-            <a:r>
-              <a:rPr kumimoji="1" lang="en-US" altLang="zh-CN" sz="1400" dirty="0" smtClean="0"/>
-              <a:t>-6</a:t>
-            </a:r>
-            <a:r>
-              <a:rPr kumimoji="1" lang="en-US" altLang="zh-CN" sz="1400" dirty="0" smtClean="0"/>
-              <a:t>0</a:t>
-            </a:r>
-            <a:endParaRPr kumimoji="1" lang="zh-CN" altLang="en-US" sz="1400" dirty="0"/>
-          </a:p>
-        </p:txBody>
-      </p:sp>
-      <p:cxnSp>
-        <p:nvCxnSpPr>
-          <p:cNvPr id="11" name="直线连接符 10"/>
-          <p:cNvCxnSpPr/>
-          <p:nvPr/>
-        </p:nvCxnSpPr>
-        <p:spPr>
-          <a:xfrm>
-            <a:off x="1503664" y="2676535"/>
-            <a:ext cx="0" cy="141013"/>
-          </a:xfrm>
-          <a:prstGeom prst="line">
-            <a:avLst/>
-          </a:prstGeom>
-          <a:ln>
-            <a:solidFill>
-              <a:schemeClr val="tx1"/>
-            </a:solidFill>
           </a:ln>
         </p:spPr>
         <p:style>
@@ -5491,24 +4176,20 @@
       </p:cxnSp>
       <p:cxnSp>
         <p:nvCxnSpPr>
-          <p:cNvPr id="12" name="直线连接符 11"/>
+          <p:cNvPr id="52" name="直线箭头连接符 51"/>
           <p:cNvCxnSpPr/>
           <p:nvPr/>
         </p:nvCxnSpPr>
         <p:spPr>
           <a:xfrm>
-            <a:off x="2659415" y="2830930"/>
-            <a:ext cx="0" cy="978549"/>
-          </a:xfrm>
-          <a:prstGeom prst="line">
-            <a:avLst/>
-          </a:prstGeom>
-          <a:ln w="3175" cmpd="sng">
-            <a:solidFill>
-              <a:schemeClr val="bg1">
-                <a:lumMod val="85000"/>
-              </a:schemeClr>
-            </a:solidFill>
+            <a:off x="4580380" y="1068827"/>
+            <a:ext cx="662208" cy="0"/>
+          </a:xfrm>
+          <a:prstGeom prst="straightConnector1">
+            <a:avLst/>
+          </a:prstGeom>
+          <a:ln>
+            <a:tailEnd type="arrow"/>
           </a:ln>
         </p:spPr>
         <p:style>
@@ -5528,24 +4209,20 @@
       </p:cxnSp>
       <p:cxnSp>
         <p:nvCxnSpPr>
-          <p:cNvPr id="13" name="直线连接符 12"/>
+          <p:cNvPr id="53" name="直线箭头连接符 52"/>
           <p:cNvCxnSpPr/>
           <p:nvPr/>
         </p:nvCxnSpPr>
         <p:spPr>
-          <a:xfrm>
-            <a:off x="1506928" y="2847476"/>
-            <a:ext cx="0" cy="978549"/>
-          </a:xfrm>
-          <a:prstGeom prst="line">
-            <a:avLst/>
-          </a:prstGeom>
-          <a:ln w="3175" cmpd="sng">
-            <a:solidFill>
-              <a:schemeClr val="bg1">
-                <a:lumMod val="85000"/>
-              </a:schemeClr>
-            </a:solidFill>
+          <a:xfrm flipV="1">
+            <a:off x="5372792" y="349480"/>
+            <a:ext cx="248103" cy="611146"/>
+          </a:xfrm>
+          <a:prstGeom prst="straightConnector1">
+            <a:avLst/>
+          </a:prstGeom>
+          <a:ln>
+            <a:tailEnd type="arrow"/>
           </a:ln>
         </p:spPr>
         <p:style>
@@ -5565,22 +4242,19 @@
       </p:cxnSp>
       <p:cxnSp>
         <p:nvCxnSpPr>
-          <p:cNvPr id="14" name="直线箭头连接符 13"/>
+          <p:cNvPr id="54" name="直线箭头连接符 53"/>
           <p:cNvCxnSpPr/>
           <p:nvPr/>
         </p:nvCxnSpPr>
         <p:spPr>
-          <a:xfrm flipH="1" flipV="1">
-            <a:off x="2086021" y="774905"/>
-            <a:ext cx="31032" cy="4248814"/>
+          <a:xfrm>
+            <a:off x="6039549" y="394580"/>
+            <a:ext cx="162470" cy="558673"/>
           </a:xfrm>
           <a:prstGeom prst="straightConnector1">
             <a:avLst/>
           </a:prstGeom>
           <a:ln>
-            <a:solidFill>
-              <a:srgbClr val="A6A6A6"/>
-            </a:solidFill>
             <a:tailEnd type="arrow"/>
           </a:ln>
         </p:spPr>
@@ -5599,99 +4273,26 @@
           </a:fontRef>
         </p:style>
       </p:cxnSp>
-      <p:cxnSp>
-        <p:nvCxnSpPr>
-          <p:cNvPr id="15" name="直线箭头连接符 14"/>
-          <p:cNvCxnSpPr/>
-          <p:nvPr/>
-        </p:nvCxnSpPr>
-        <p:spPr>
-          <a:xfrm>
-            <a:off x="327713" y="2813289"/>
-            <a:ext cx="3496140" cy="4259"/>
-          </a:xfrm>
-          <a:prstGeom prst="straightConnector1">
-            <a:avLst/>
-          </a:prstGeom>
-          <a:ln>
-            <a:solidFill>
-              <a:schemeClr val="bg1">
-                <a:lumMod val="65000"/>
-              </a:schemeClr>
-            </a:solidFill>
-            <a:tailEnd type="arrow"/>
-          </a:ln>
-        </p:spPr>
-        <p:style>
-          <a:lnRef idx="2">
-            <a:schemeClr val="accent1"/>
-          </a:lnRef>
-          <a:fillRef idx="0">
-            <a:schemeClr val="accent1"/>
-          </a:fillRef>
-          <a:effectRef idx="1">
-            <a:schemeClr val="accent1"/>
-          </a:effectRef>
-          <a:fontRef idx="minor">
-            <a:schemeClr val="tx1"/>
-          </a:fontRef>
-        </p:style>
-      </p:cxnSp>
-      <p:sp>
-        <p:nvSpPr>
-          <p:cNvPr id="17" name="文本框 16"/>
-          <p:cNvSpPr txBox="1"/>
-          <p:nvPr/>
-        </p:nvSpPr>
-        <p:spPr>
-          <a:xfrm>
-            <a:off x="1857195" y="1098476"/>
-            <a:ext cx="457652" cy="307777"/>
-          </a:xfrm>
-          <a:prstGeom prst="rect">
-            <a:avLst/>
-          </a:prstGeom>
-          <a:noFill/>
-        </p:spPr>
-        <p:txBody>
-          <a:bodyPr wrap="none" rtlCol="0">
-            <a:spAutoFit/>
-          </a:bodyPr>
-          <a:lstStyle/>
-          <a:p>
-            <a:r>
-              <a:rPr kumimoji="1" lang="en-US" altLang="zh-CN" sz="1400" dirty="0"/>
-              <a:t>120</a:t>
-            </a:r>
-            <a:endParaRPr kumimoji="1" lang="zh-CN" altLang="en-US" sz="1400" dirty="0"/>
-          </a:p>
-        </p:txBody>
-      </p:sp>
-      <p:sp>
-        <p:nvSpPr>
-          <p:cNvPr id="22" name="线形标注 1 21"/>
+      <p:sp>
+        <p:nvSpPr>
+          <p:cNvPr id="55" name="五角星 54"/>
           <p:cNvSpPr/>
           <p:nvPr/>
         </p:nvSpPr>
         <p:spPr>
           <a:xfrm>
-            <a:off x="875970" y="4441398"/>
-            <a:ext cx="653071" cy="215873"/>
-          </a:xfrm>
-          <a:prstGeom prst="borderCallout1">
-            <a:avLst>
-              <a:gd name="adj1" fmla="val 57670"/>
-              <a:gd name="adj2" fmla="val 101880"/>
-              <a:gd name="adj3" fmla="val 53964"/>
-              <a:gd name="adj4" fmla="val 173921"/>
-            </a:avLst>
+            <a:off x="1167620" y="311685"/>
+            <a:ext cx="2347305" cy="2281785"/>
+          </a:xfrm>
+          <a:prstGeom prst="star5">
+            <a:avLst/>
           </a:prstGeom>
           <a:solidFill>
-            <a:srgbClr val="B9CDE5"/>
+            <a:srgbClr val="FFFF00"/>
           </a:solidFill>
           <a:ln>
             <a:solidFill>
-              <a:srgbClr val="3366FF"/>
+              <a:srgbClr val="CDB706"/>
             </a:solidFill>
           </a:ln>
         </p:spPr>
@@ -5720,14 +4321,14 @@
       </p:sp>
       <p:sp>
         <p:nvSpPr>
-          <p:cNvPr id="23" name="文本框 22"/>
+          <p:cNvPr id="56" name="文本框 55"/>
           <p:cNvSpPr txBox="1"/>
           <p:nvPr/>
         </p:nvSpPr>
         <p:spPr>
           <a:xfrm>
-            <a:off x="854734" y="4402956"/>
-            <a:ext cx="704264" cy="276999"/>
+            <a:off x="2551057" y="871916"/>
+            <a:ext cx="301660" cy="369332"/>
           </a:xfrm>
           <a:prstGeom prst="rect">
             <a:avLst/>
@@ -5741,106 +4342,300 @@
           <a:lstStyle/>
           <a:p>
             <a:r>
-              <a:rPr kumimoji="1" lang="en-US" altLang="zh-CN" sz="1200" dirty="0" smtClean="0"/>
-              <a:t>(</a:t>
-            </a:r>
-            <a:r>
-              <a:rPr kumimoji="1" lang="zh-CN" altLang="zh-CN" sz="1200" dirty="0"/>
-              <a:t>0</a:t>
-            </a:r>
-            <a:r>
-              <a:rPr kumimoji="1" lang="en-US" altLang="zh-CN" sz="1200" dirty="0" smtClean="0"/>
-              <a:t>,</a:t>
-            </a:r>
-            <a:r>
-              <a:rPr kumimoji="1" lang="zh-CN" altLang="zh-CN" sz="1200" dirty="0" smtClean="0"/>
-              <a:t>-</a:t>
-            </a:r>
-            <a:r>
-              <a:rPr kumimoji="1" lang="en-US" altLang="zh-CN" sz="1200" dirty="0" smtClean="0"/>
-              <a:t>170</a:t>
-            </a:r>
-            <a:r>
-              <a:rPr kumimoji="1" lang="en-US" altLang="zh-CN" sz="1200" dirty="0" smtClean="0"/>
-              <a:t>)</a:t>
-            </a:r>
-            <a:endParaRPr kumimoji="1" lang="zh-CN" altLang="en-US" sz="1200" dirty="0"/>
-          </a:p>
-        </p:txBody>
-      </p:sp>
-      <p:sp>
-        <p:nvSpPr>
-          <p:cNvPr id="24" name="圆角矩形 23"/>
+              <a:rPr kumimoji="1" lang="en-US" altLang="zh-CN" dirty="0" smtClean="0"/>
+              <a:t>1</a:t>
+            </a:r>
+            <a:endParaRPr kumimoji="1" lang="zh-CN" altLang="en-US" dirty="0"/>
+          </a:p>
+        </p:txBody>
+      </p:sp>
+      <p:sp>
+        <p:nvSpPr>
+          <p:cNvPr id="57" name="文本框 56"/>
+          <p:cNvSpPr txBox="1"/>
+          <p:nvPr/>
+        </p:nvSpPr>
+        <p:spPr>
+          <a:xfrm>
+            <a:off x="3514925" y="915653"/>
+            <a:ext cx="301660" cy="369332"/>
+          </a:xfrm>
+          <a:prstGeom prst="rect">
+            <a:avLst/>
+          </a:prstGeom>
+          <a:noFill/>
+        </p:spPr>
+        <p:txBody>
+          <a:bodyPr wrap="none" rtlCol="0">
+            <a:spAutoFit/>
+          </a:bodyPr>
+          <a:lstStyle/>
+          <a:p>
+            <a:r>
+              <a:rPr kumimoji="1" lang="en-US" altLang="zh-CN" dirty="0"/>
+              <a:t>2</a:t>
+            </a:r>
+            <a:endParaRPr kumimoji="1" lang="zh-CN" altLang="en-US" dirty="0"/>
+          </a:p>
+        </p:txBody>
+      </p:sp>
+      <p:sp>
+        <p:nvSpPr>
+          <p:cNvPr id="58" name="文本框 57"/>
+          <p:cNvSpPr txBox="1"/>
+          <p:nvPr/>
+        </p:nvSpPr>
+        <p:spPr>
+          <a:xfrm>
+            <a:off x="2193174" y="2023718"/>
+            <a:ext cx="301660" cy="369332"/>
+          </a:xfrm>
+          <a:prstGeom prst="rect">
+            <a:avLst/>
+          </a:prstGeom>
+          <a:noFill/>
+        </p:spPr>
+        <p:txBody>
+          <a:bodyPr wrap="none" rtlCol="0">
+            <a:spAutoFit/>
+          </a:bodyPr>
+          <a:lstStyle/>
+          <a:p>
+            <a:r>
+              <a:rPr kumimoji="1" lang="en-US" altLang="zh-CN" dirty="0" smtClean="0"/>
+              <a:t>5</a:t>
+            </a:r>
+            <a:endParaRPr kumimoji="1" lang="zh-CN" altLang="en-US" dirty="0"/>
+          </a:p>
+        </p:txBody>
+      </p:sp>
+      <p:sp>
+        <p:nvSpPr>
+          <p:cNvPr id="59" name="文本框 58"/>
+          <p:cNvSpPr txBox="1"/>
+          <p:nvPr/>
+        </p:nvSpPr>
+        <p:spPr>
+          <a:xfrm>
+            <a:off x="3017402" y="2440011"/>
+            <a:ext cx="301660" cy="369332"/>
+          </a:xfrm>
+          <a:prstGeom prst="rect">
+            <a:avLst/>
+          </a:prstGeom>
+          <a:noFill/>
+        </p:spPr>
+        <p:txBody>
+          <a:bodyPr wrap="none" rtlCol="0">
+            <a:spAutoFit/>
+          </a:bodyPr>
+          <a:lstStyle/>
+          <a:p>
+            <a:r>
+              <a:rPr kumimoji="1" lang="en-US" altLang="zh-CN" dirty="0" smtClean="0"/>
+              <a:t>4</a:t>
+            </a:r>
+            <a:endParaRPr kumimoji="1" lang="zh-CN" altLang="en-US" dirty="0"/>
+          </a:p>
+        </p:txBody>
+      </p:sp>
+      <p:sp>
+        <p:nvSpPr>
+          <p:cNvPr id="60" name="文本框 59"/>
+          <p:cNvSpPr txBox="1"/>
+          <p:nvPr/>
+        </p:nvSpPr>
+        <p:spPr>
+          <a:xfrm>
+            <a:off x="2785150" y="1567105"/>
+            <a:ext cx="301660" cy="369332"/>
+          </a:xfrm>
+          <a:prstGeom prst="rect">
+            <a:avLst/>
+          </a:prstGeom>
+          <a:noFill/>
+        </p:spPr>
+        <p:txBody>
+          <a:bodyPr wrap="none" rtlCol="0">
+            <a:spAutoFit/>
+          </a:bodyPr>
+          <a:lstStyle/>
+          <a:p>
+            <a:r>
+              <a:rPr kumimoji="1" lang="en-US" altLang="zh-CN" dirty="0" smtClean="0"/>
+              <a:t>3</a:t>
+            </a:r>
+            <a:endParaRPr kumimoji="1" lang="zh-CN" altLang="en-US" dirty="0"/>
+          </a:p>
+        </p:txBody>
+      </p:sp>
+      <p:sp>
+        <p:nvSpPr>
+          <p:cNvPr id="61" name="文本框 60"/>
+          <p:cNvSpPr txBox="1"/>
+          <p:nvPr/>
+        </p:nvSpPr>
+        <p:spPr>
+          <a:xfrm>
+            <a:off x="1415723" y="2527405"/>
+            <a:ext cx="301660" cy="369332"/>
+          </a:xfrm>
+          <a:prstGeom prst="rect">
+            <a:avLst/>
+          </a:prstGeom>
+          <a:noFill/>
+        </p:spPr>
+        <p:txBody>
+          <a:bodyPr wrap="none" rtlCol="0">
+            <a:spAutoFit/>
+          </a:bodyPr>
+          <a:lstStyle/>
+          <a:p>
+            <a:r>
+              <a:rPr kumimoji="1" lang="en-US" altLang="zh-CN" dirty="0" smtClean="0"/>
+              <a:t>6</a:t>
+            </a:r>
+          </a:p>
+        </p:txBody>
+      </p:sp>
+      <p:sp>
+        <p:nvSpPr>
+          <p:cNvPr id="62" name="文本框 61"/>
+          <p:cNvSpPr txBox="1"/>
+          <p:nvPr/>
+        </p:nvSpPr>
+        <p:spPr>
+          <a:xfrm>
+            <a:off x="1607600" y="1613296"/>
+            <a:ext cx="301660" cy="369332"/>
+          </a:xfrm>
+          <a:prstGeom prst="rect">
+            <a:avLst/>
+          </a:prstGeom>
+          <a:noFill/>
+        </p:spPr>
+        <p:txBody>
+          <a:bodyPr wrap="none" rtlCol="0">
+            <a:spAutoFit/>
+          </a:bodyPr>
+          <a:lstStyle/>
+          <a:p>
+            <a:r>
+              <a:rPr kumimoji="1" lang="en-US" altLang="zh-CN" dirty="0"/>
+              <a:t>7</a:t>
+            </a:r>
+            <a:endParaRPr kumimoji="1" lang="en-US" altLang="zh-CN" dirty="0" smtClean="0"/>
+          </a:p>
+        </p:txBody>
+      </p:sp>
+      <p:sp>
+        <p:nvSpPr>
+          <p:cNvPr id="63" name="文本框 62"/>
+          <p:cNvSpPr txBox="1"/>
+          <p:nvPr/>
+        </p:nvSpPr>
+        <p:spPr>
+          <a:xfrm>
+            <a:off x="865960" y="1048548"/>
+            <a:ext cx="301660" cy="369332"/>
+          </a:xfrm>
+          <a:prstGeom prst="rect">
+            <a:avLst/>
+          </a:prstGeom>
+          <a:noFill/>
+        </p:spPr>
+        <p:txBody>
+          <a:bodyPr wrap="none" rtlCol="0">
+            <a:spAutoFit/>
+          </a:bodyPr>
+          <a:lstStyle/>
+          <a:p>
+            <a:r>
+              <a:rPr kumimoji="1" lang="en-US" altLang="zh-CN" dirty="0" smtClean="0"/>
+              <a:t>8</a:t>
+            </a:r>
+          </a:p>
+        </p:txBody>
+      </p:sp>
+      <p:sp>
+        <p:nvSpPr>
+          <p:cNvPr id="64" name="文本框 63"/>
+          <p:cNvSpPr txBox="1"/>
+          <p:nvPr/>
+        </p:nvSpPr>
+        <p:spPr>
+          <a:xfrm>
+            <a:off x="1790405" y="858617"/>
+            <a:ext cx="301660" cy="369332"/>
+          </a:xfrm>
+          <a:prstGeom prst="rect">
+            <a:avLst/>
+          </a:prstGeom>
+          <a:noFill/>
+        </p:spPr>
+        <p:txBody>
+          <a:bodyPr wrap="none" rtlCol="0">
+            <a:spAutoFit/>
+          </a:bodyPr>
+          <a:lstStyle/>
+          <a:p>
+            <a:r>
+              <a:rPr kumimoji="1" lang="en-US" altLang="zh-CN" dirty="0"/>
+              <a:t>9</a:t>
+            </a:r>
+            <a:endParaRPr kumimoji="1" lang="en-US" altLang="zh-CN" dirty="0" smtClean="0"/>
+          </a:p>
+        </p:txBody>
+      </p:sp>
+      <p:sp>
+        <p:nvSpPr>
+          <p:cNvPr id="65" name="文本框 64"/>
+          <p:cNvSpPr txBox="1"/>
+          <p:nvPr/>
+        </p:nvSpPr>
+        <p:spPr>
+          <a:xfrm>
+            <a:off x="2125134" y="17031"/>
+            <a:ext cx="418654" cy="369332"/>
+          </a:xfrm>
+          <a:prstGeom prst="rect">
+            <a:avLst/>
+          </a:prstGeom>
+          <a:noFill/>
+        </p:spPr>
+        <p:txBody>
+          <a:bodyPr wrap="none" rtlCol="0">
+            <a:spAutoFit/>
+          </a:bodyPr>
+          <a:lstStyle/>
+          <a:p>
+            <a:r>
+              <a:rPr kumimoji="1" lang="en-US" altLang="zh-CN" dirty="0" smtClean="0"/>
+              <a:t>10</a:t>
+            </a:r>
+          </a:p>
+        </p:txBody>
+      </p:sp>
+      <p:sp>
+        <p:nvSpPr>
+          <p:cNvPr id="67" name="正五边形 66"/>
           <p:cNvSpPr/>
           <p:nvPr/>
         </p:nvSpPr>
         <p:spPr>
-          <a:xfrm>
-            <a:off x="1935440" y="3711958"/>
-            <a:ext cx="323842" cy="976095"/>
-          </a:xfrm>
-          <a:prstGeom prst="roundRect">
-            <a:avLst>
-              <a:gd name="adj" fmla="val 50000"/>
-            </a:avLst>
+          <a:xfrm rot="10800000">
+            <a:off x="1897920" y="1185582"/>
+            <a:ext cx="887230" cy="871861"/>
+          </a:xfrm>
+          <a:prstGeom prst="pentagon">
+            <a:avLst/>
           </a:prstGeom>
           <a:solidFill>
-            <a:srgbClr val="800000"/>
+            <a:schemeClr val="bg1"/>
           </a:solidFill>
           <a:ln>
             <a:solidFill>
-              <a:srgbClr val="984807"/>
-            </a:solidFill>
-          </a:ln>
-        </p:spPr>
-        <p:style>
-          <a:lnRef idx="1">
-            <a:schemeClr val="accent1"/>
-          </a:lnRef>
-          <a:fillRef idx="3">
-            <a:schemeClr val="accent1"/>
-          </a:fillRef>
-          <a:effectRef idx="2">
-            <a:schemeClr val="accent1"/>
-          </a:effectRef>
-          <a:fontRef idx="minor">
-            <a:schemeClr val="lt1"/>
-          </a:fontRef>
-        </p:style>
-        <p:txBody>
-          <a:bodyPr rtlCol="0" anchor="ctr"/>
-          <a:lstStyle/>
-          <a:p>
-            <a:pPr algn="ctr"/>
-            <a:endParaRPr kumimoji="1" lang="zh-CN" altLang="en-US"/>
-          </a:p>
-        </p:txBody>
-      </p:sp>
-      <p:sp>
-        <p:nvSpPr>
-          <p:cNvPr id="20" name="线形标注 1 19"/>
-          <p:cNvSpPr/>
-          <p:nvPr/>
-        </p:nvSpPr>
-        <p:spPr>
-          <a:xfrm>
-            <a:off x="2715980" y="3903437"/>
-            <a:ext cx="645467" cy="215873"/>
-          </a:xfrm>
-          <a:prstGeom prst="borderCallout1">
-            <a:avLst>
-              <a:gd name="adj1" fmla="val 48257"/>
-              <a:gd name="adj2" fmla="val -433"/>
-              <a:gd name="adj3" fmla="val -37858"/>
-              <a:gd name="adj4" fmla="val -90783"/>
-            </a:avLst>
-          </a:prstGeom>
-          <a:solidFill>
-            <a:srgbClr val="B9CDE5"/>
-          </a:solidFill>
-          <a:ln>
-            <a:solidFill>
-              <a:srgbClr val="3366FF"/>
+              <a:srgbClr val="CDB706"/>
             </a:solidFill>
           </a:ln>
         </p:spPr>
@@ -5869,55 +4664,13 @@
       </p:sp>
       <p:sp>
         <p:nvSpPr>
-          <p:cNvPr id="21" name="文本框 20"/>
-          <p:cNvSpPr txBox="1"/>
-          <p:nvPr/>
-        </p:nvSpPr>
-        <p:spPr>
-          <a:xfrm>
-            <a:off x="2659415" y="3858137"/>
-            <a:ext cx="705316" cy="276999"/>
-          </a:xfrm>
-          <a:prstGeom prst="rect">
-            <a:avLst/>
-          </a:prstGeom>
-          <a:noFill/>
-        </p:spPr>
-        <p:txBody>
-          <a:bodyPr wrap="none" rtlCol="0">
-            <a:spAutoFit/>
-          </a:bodyPr>
-          <a:lstStyle/>
-          <a:p>
-            <a:r>
-              <a:rPr kumimoji="1" lang="en-US" altLang="zh-CN" sz="1200" dirty="0" smtClean="0"/>
-              <a:t>(0,</a:t>
-            </a:r>
-            <a:r>
-              <a:rPr kumimoji="1" lang="zh-CN" altLang="zh-CN" sz="1200" dirty="0" smtClean="0"/>
-              <a:t>-</a:t>
-            </a:r>
-            <a:r>
-              <a:rPr kumimoji="1" lang="en-US" altLang="zh-CN" sz="1200" dirty="0" smtClean="0"/>
-              <a:t>100</a:t>
-            </a:r>
-            <a:r>
-              <a:rPr kumimoji="1" lang="en-US" altLang="zh-CN" sz="1200" dirty="0" smtClean="0"/>
-              <a:t>)</a:t>
-            </a:r>
-            <a:endParaRPr kumimoji="1" lang="zh-CN" altLang="en-US" sz="1200" dirty="0"/>
-          </a:p>
-        </p:txBody>
-      </p:sp>
-      <p:sp>
-        <p:nvSpPr>
-          <p:cNvPr id="40" name="五角星 39"/>
+          <p:cNvPr id="110" name="五角星 109"/>
           <p:cNvSpPr/>
           <p:nvPr/>
         </p:nvSpPr>
         <p:spPr>
           <a:xfrm>
-            <a:off x="4830476" y="1225656"/>
+            <a:off x="971757" y="3219700"/>
             <a:ext cx="2347305" cy="2281785"/>
           </a:xfrm>
           <a:prstGeom prst="star5">
@@ -5955,92 +4708,22 @@
           </a:p>
         </p:txBody>
       </p:sp>
-    </p:spTree>
-    <p:extLst>
-      <p:ext uri="{BB962C8B-B14F-4D97-AF65-F5344CB8AC3E}">
-        <p14:creationId xmlns:p14="http://schemas.microsoft.com/office/powerpoint/2010/main" val="1074218723"/>
-      </p:ext>
-    </p:extLst>
-  </p:cSld>
-  <p:clrMapOvr>
-    <a:masterClrMapping/>
-  </p:clrMapOvr>
-</p:sld>
-</file>
-
-<file path=ppt/slides/slide14.xml><?xml version="1.0" encoding="utf-8"?>
-<p:sld xmlns:a="http://schemas.openxmlformats.org/drawingml/2006/main" xmlns:r="http://schemas.openxmlformats.org/officeDocument/2006/relationships" xmlns:p="http://schemas.openxmlformats.org/presentationml/2006/main">
-  <p:cSld>
-    <p:spTree>
-      <p:nvGrpSpPr>
-        <p:cNvPr id="1" name=""/>
-        <p:cNvGrpSpPr/>
-        <p:nvPr/>
-      </p:nvGrpSpPr>
-      <p:grpSpPr>
-        <a:xfrm>
-          <a:off x="0" y="0"/>
-          <a:ext cx="0" cy="0"/>
-          <a:chOff x="0" y="0"/>
-          <a:chExt cx="0" cy="0"/>
-        </a:xfrm>
-      </p:grpSpPr>
-      <p:sp>
-        <p:nvSpPr>
-          <p:cNvPr id="4" name="五角星 3"/>
-          <p:cNvSpPr/>
-          <p:nvPr/>
-        </p:nvSpPr>
-        <p:spPr>
-          <a:xfrm>
-            <a:off x="4663381" y="319902"/>
-            <a:ext cx="2347305" cy="2281785"/>
-          </a:xfrm>
-          <a:prstGeom prst="star5">
-            <a:avLst/>
-          </a:prstGeom>
-          <a:solidFill>
-            <a:srgbClr val="FFFF00"/>
-          </a:solidFill>
-          <a:ln>
-            <a:solidFill>
-              <a:srgbClr val="CDB706"/>
-            </a:solidFill>
-          </a:ln>
-        </p:spPr>
-        <p:style>
-          <a:lnRef idx="1">
-            <a:schemeClr val="accent1"/>
-          </a:lnRef>
-          <a:fillRef idx="3">
-            <a:schemeClr val="accent1"/>
-          </a:fillRef>
-          <a:effectRef idx="2">
-            <a:schemeClr val="accent1"/>
-          </a:effectRef>
-          <a:fontRef idx="minor">
-            <a:schemeClr val="lt1"/>
-          </a:fontRef>
-        </p:style>
-        <p:txBody>
-          <a:bodyPr rtlCol="0" anchor="ctr"/>
-          <a:lstStyle/>
-          <a:p>
-            <a:pPr algn="ctr"/>
-            <a:endParaRPr kumimoji="1" lang="zh-CN" altLang="en-US"/>
-          </a:p>
-        </p:txBody>
-      </p:sp>
-      <p:sp>
-        <p:nvSpPr>
-          <p:cNvPr id="5" name="文本框 4"/>
+      <p:sp>
+        <p:nvSpPr>
+          <p:cNvPr id="111" name="文本框 110">
+            <a:extLst>
+              <a:ext uri="{FF2B5EF4-FFF2-40B4-BE49-F238E27FC236}">
+                <a16:creationId xmlns:a16="http://schemas.microsoft.com/office/drawing/2014/main" xmlns="" id="{BD5BDBAA-D597-844B-A766-C3663E62A12D}"/>
+              </a:ext>
+            </a:extLst>
+          </p:cNvPr>
           <p:cNvSpPr txBox="1"/>
           <p:nvPr/>
         </p:nvSpPr>
         <p:spPr>
           <a:xfrm>
-            <a:off x="6046818" y="880133"/>
-            <a:ext cx="301660" cy="369332"/>
+            <a:off x="0" y="0"/>
+            <a:ext cx="761747" cy="369332"/>
           </a:xfrm>
           <a:prstGeom prst="rect">
             <a:avLst/>
@@ -6054,1006 +4737,18 @@
           <a:lstStyle/>
           <a:p>
             <a:r>
-              <a:rPr kumimoji="1" lang="en-US" altLang="zh-CN" dirty="0" smtClean="0"/>
-              <a:t>1</a:t>
+              <a:rPr kumimoji="1" lang="zh-CN" altLang="en-US" dirty="0" smtClean="0"/>
+              <a:t>第</a:t>
+            </a:r>
+            <a:r>
+              <a:rPr kumimoji="1" lang="zh-CN" altLang="zh-CN" dirty="0"/>
+              <a:t>3</a:t>
+            </a:r>
+            <a:r>
+              <a:rPr kumimoji="1" lang="zh-CN" altLang="en-US" dirty="0" smtClean="0"/>
+              <a:t>课</a:t>
             </a:r>
             <a:endParaRPr kumimoji="1" lang="zh-CN" altLang="en-US" dirty="0"/>
-          </a:p>
-        </p:txBody>
-      </p:sp>
-      <p:sp>
-        <p:nvSpPr>
-          <p:cNvPr id="6" name="文本框 5"/>
-          <p:cNvSpPr txBox="1"/>
-          <p:nvPr/>
-        </p:nvSpPr>
-        <p:spPr>
-          <a:xfrm>
-            <a:off x="7010686" y="981861"/>
-            <a:ext cx="301660" cy="369332"/>
-          </a:xfrm>
-          <a:prstGeom prst="rect">
-            <a:avLst/>
-          </a:prstGeom>
-          <a:noFill/>
-        </p:spPr>
-        <p:txBody>
-          <a:bodyPr wrap="none" rtlCol="0">
-            <a:spAutoFit/>
-          </a:bodyPr>
-          <a:lstStyle/>
-          <a:p>
-            <a:r>
-              <a:rPr kumimoji="1" lang="en-US" altLang="zh-CN" dirty="0"/>
-              <a:t>2</a:t>
-            </a:r>
-            <a:endParaRPr kumimoji="1" lang="zh-CN" altLang="en-US" dirty="0"/>
-          </a:p>
-        </p:txBody>
-      </p:sp>
-      <p:sp>
-        <p:nvSpPr>
-          <p:cNvPr id="7" name="文本框 6"/>
-          <p:cNvSpPr txBox="1"/>
-          <p:nvPr/>
-        </p:nvSpPr>
-        <p:spPr>
-          <a:xfrm>
-            <a:off x="5688935" y="2031935"/>
-            <a:ext cx="301660" cy="369332"/>
-          </a:xfrm>
-          <a:prstGeom prst="rect">
-            <a:avLst/>
-          </a:prstGeom>
-          <a:noFill/>
-        </p:spPr>
-        <p:txBody>
-          <a:bodyPr wrap="none" rtlCol="0">
-            <a:spAutoFit/>
-          </a:bodyPr>
-          <a:lstStyle/>
-          <a:p>
-            <a:r>
-              <a:rPr kumimoji="1" lang="en-US" altLang="zh-CN" dirty="0" smtClean="0"/>
-              <a:t>5</a:t>
-            </a:r>
-            <a:endParaRPr kumimoji="1" lang="zh-CN" altLang="en-US" dirty="0"/>
-          </a:p>
-        </p:txBody>
-      </p:sp>
-      <p:sp>
-        <p:nvSpPr>
-          <p:cNvPr id="8" name="文本框 7"/>
-          <p:cNvSpPr txBox="1"/>
-          <p:nvPr/>
-        </p:nvSpPr>
-        <p:spPr>
-          <a:xfrm>
-            <a:off x="6526991" y="2515061"/>
-            <a:ext cx="301660" cy="369332"/>
-          </a:xfrm>
-          <a:prstGeom prst="rect">
-            <a:avLst/>
-          </a:prstGeom>
-          <a:noFill/>
-        </p:spPr>
-        <p:txBody>
-          <a:bodyPr wrap="none" rtlCol="0">
-            <a:spAutoFit/>
-          </a:bodyPr>
-          <a:lstStyle/>
-          <a:p>
-            <a:r>
-              <a:rPr kumimoji="1" lang="en-US" altLang="zh-CN" dirty="0" smtClean="0"/>
-              <a:t>4</a:t>
-            </a:r>
-            <a:endParaRPr kumimoji="1" lang="zh-CN" altLang="en-US" dirty="0"/>
-          </a:p>
-        </p:txBody>
-      </p:sp>
-      <p:sp>
-        <p:nvSpPr>
-          <p:cNvPr id="9" name="文本框 8"/>
-          <p:cNvSpPr txBox="1"/>
-          <p:nvPr/>
-        </p:nvSpPr>
-        <p:spPr>
-          <a:xfrm>
-            <a:off x="6311836" y="1587482"/>
-            <a:ext cx="301660" cy="369332"/>
-          </a:xfrm>
-          <a:prstGeom prst="rect">
-            <a:avLst/>
-          </a:prstGeom>
-          <a:noFill/>
-        </p:spPr>
-        <p:txBody>
-          <a:bodyPr wrap="none" rtlCol="0">
-            <a:spAutoFit/>
-          </a:bodyPr>
-          <a:lstStyle/>
-          <a:p>
-            <a:r>
-              <a:rPr kumimoji="1" lang="en-US" altLang="zh-CN" dirty="0" smtClean="0"/>
-              <a:t>3</a:t>
-            </a:r>
-            <a:endParaRPr kumimoji="1" lang="zh-CN" altLang="en-US" dirty="0"/>
-          </a:p>
-        </p:txBody>
-      </p:sp>
-      <p:sp>
-        <p:nvSpPr>
-          <p:cNvPr id="10" name="文本框 9"/>
-          <p:cNvSpPr txBox="1"/>
-          <p:nvPr/>
-        </p:nvSpPr>
-        <p:spPr>
-          <a:xfrm>
-            <a:off x="4911484" y="2535622"/>
-            <a:ext cx="301660" cy="369332"/>
-          </a:xfrm>
-          <a:prstGeom prst="rect">
-            <a:avLst/>
-          </a:prstGeom>
-          <a:noFill/>
-        </p:spPr>
-        <p:txBody>
-          <a:bodyPr wrap="none" rtlCol="0">
-            <a:spAutoFit/>
-          </a:bodyPr>
-          <a:lstStyle/>
-          <a:p>
-            <a:r>
-              <a:rPr kumimoji="1" lang="en-US" altLang="zh-CN" dirty="0" smtClean="0"/>
-              <a:t>6</a:t>
-            </a:r>
-          </a:p>
-        </p:txBody>
-      </p:sp>
-      <p:sp>
-        <p:nvSpPr>
-          <p:cNvPr id="11" name="文本框 10"/>
-          <p:cNvSpPr txBox="1"/>
-          <p:nvPr/>
-        </p:nvSpPr>
-        <p:spPr>
-          <a:xfrm>
-            <a:off x="5103361" y="1621513"/>
-            <a:ext cx="301660" cy="369332"/>
-          </a:xfrm>
-          <a:prstGeom prst="rect">
-            <a:avLst/>
-          </a:prstGeom>
-          <a:noFill/>
-        </p:spPr>
-        <p:txBody>
-          <a:bodyPr wrap="none" rtlCol="0">
-            <a:spAutoFit/>
-          </a:bodyPr>
-          <a:lstStyle/>
-          <a:p>
-            <a:r>
-              <a:rPr kumimoji="1" lang="en-US" altLang="zh-CN" dirty="0"/>
-              <a:t>7</a:t>
-            </a:r>
-            <a:endParaRPr kumimoji="1" lang="en-US" altLang="zh-CN" dirty="0" smtClean="0"/>
-          </a:p>
-        </p:txBody>
-      </p:sp>
-      <p:sp>
-        <p:nvSpPr>
-          <p:cNvPr id="12" name="文本框 11"/>
-          <p:cNvSpPr txBox="1"/>
-          <p:nvPr/>
-        </p:nvSpPr>
-        <p:spPr>
-          <a:xfrm>
-            <a:off x="4361721" y="1056765"/>
-            <a:ext cx="301660" cy="369332"/>
-          </a:xfrm>
-          <a:prstGeom prst="rect">
-            <a:avLst/>
-          </a:prstGeom>
-          <a:noFill/>
-        </p:spPr>
-        <p:txBody>
-          <a:bodyPr wrap="none" rtlCol="0">
-            <a:spAutoFit/>
-          </a:bodyPr>
-          <a:lstStyle/>
-          <a:p>
-            <a:r>
-              <a:rPr kumimoji="1" lang="en-US" altLang="zh-CN" dirty="0" smtClean="0"/>
-              <a:t>8</a:t>
-            </a:r>
-          </a:p>
-        </p:txBody>
-      </p:sp>
-      <p:sp>
-        <p:nvSpPr>
-          <p:cNvPr id="13" name="文本框 12"/>
-          <p:cNvSpPr txBox="1"/>
-          <p:nvPr/>
-        </p:nvSpPr>
-        <p:spPr>
-          <a:xfrm>
-            <a:off x="5286166" y="866834"/>
-            <a:ext cx="301660" cy="369332"/>
-          </a:xfrm>
-          <a:prstGeom prst="rect">
-            <a:avLst/>
-          </a:prstGeom>
-          <a:noFill/>
-        </p:spPr>
-        <p:txBody>
-          <a:bodyPr wrap="none" rtlCol="0">
-            <a:spAutoFit/>
-          </a:bodyPr>
-          <a:lstStyle/>
-          <a:p>
-            <a:r>
-              <a:rPr kumimoji="1" lang="en-US" altLang="zh-CN" dirty="0"/>
-              <a:t>9</a:t>
-            </a:r>
-            <a:endParaRPr kumimoji="1" lang="en-US" altLang="zh-CN" dirty="0" smtClean="0"/>
-          </a:p>
-        </p:txBody>
-      </p:sp>
-      <p:sp>
-        <p:nvSpPr>
-          <p:cNvPr id="14" name="文本框 13"/>
-          <p:cNvSpPr txBox="1"/>
-          <p:nvPr/>
-        </p:nvSpPr>
-        <p:spPr>
-          <a:xfrm>
-            <a:off x="5620895" y="25248"/>
-            <a:ext cx="418654" cy="369332"/>
-          </a:xfrm>
-          <a:prstGeom prst="rect">
-            <a:avLst/>
-          </a:prstGeom>
-          <a:noFill/>
-        </p:spPr>
-        <p:txBody>
-          <a:bodyPr wrap="none" rtlCol="0">
-            <a:spAutoFit/>
-          </a:bodyPr>
-          <a:lstStyle/>
-          <a:p>
-            <a:r>
-              <a:rPr kumimoji="1" lang="en-US" altLang="zh-CN" dirty="0" smtClean="0"/>
-              <a:t>10</a:t>
-            </a:r>
-          </a:p>
-        </p:txBody>
-      </p:sp>
-      <p:cxnSp>
-        <p:nvCxnSpPr>
-          <p:cNvPr id="16" name="直线箭头连接符 15"/>
-          <p:cNvCxnSpPr>
-            <a:stCxn id="5" idx="3"/>
-          </p:cNvCxnSpPr>
-          <p:nvPr/>
-        </p:nvCxnSpPr>
-        <p:spPr>
-          <a:xfrm>
-            <a:off x="6348478" y="1064799"/>
-            <a:ext cx="662208" cy="0"/>
-          </a:xfrm>
-          <a:prstGeom prst="straightConnector1">
-            <a:avLst/>
-          </a:prstGeom>
-          <a:ln>
-            <a:solidFill>
-              <a:srgbClr val="0000FF"/>
-            </a:solidFill>
-            <a:tailEnd type="arrow"/>
-          </a:ln>
-        </p:spPr>
-        <p:style>
-          <a:lnRef idx="2">
-            <a:schemeClr val="accent1"/>
-          </a:lnRef>
-          <a:fillRef idx="0">
-            <a:schemeClr val="accent1"/>
-          </a:fillRef>
-          <a:effectRef idx="1">
-            <a:schemeClr val="accent1"/>
-          </a:effectRef>
-          <a:fontRef idx="minor">
-            <a:schemeClr val="tx1"/>
-          </a:fontRef>
-        </p:style>
-      </p:cxnSp>
-      <p:cxnSp>
-        <p:nvCxnSpPr>
-          <p:cNvPr id="23" name="直线箭头连接符 22"/>
-          <p:cNvCxnSpPr>
-            <a:stCxn id="6" idx="2"/>
-          </p:cNvCxnSpPr>
-          <p:nvPr/>
-        </p:nvCxnSpPr>
-        <p:spPr>
-          <a:xfrm flipH="1">
-            <a:off x="6613800" y="1351193"/>
-            <a:ext cx="547716" cy="420955"/>
-          </a:xfrm>
-          <a:prstGeom prst="straightConnector1">
-            <a:avLst/>
-          </a:prstGeom>
-          <a:ln>
-            <a:solidFill>
-              <a:srgbClr val="0000FF"/>
-            </a:solidFill>
-            <a:tailEnd type="arrow"/>
-          </a:ln>
-        </p:spPr>
-        <p:style>
-          <a:lnRef idx="2">
-            <a:schemeClr val="accent1"/>
-          </a:lnRef>
-          <a:fillRef idx="0">
-            <a:schemeClr val="accent1"/>
-          </a:fillRef>
-          <a:effectRef idx="1">
-            <a:schemeClr val="accent1"/>
-          </a:effectRef>
-          <a:fontRef idx="minor">
-            <a:schemeClr val="tx1"/>
-          </a:fontRef>
-        </p:style>
-      </p:cxnSp>
-      <p:cxnSp>
-        <p:nvCxnSpPr>
-          <p:cNvPr id="26" name="直线箭头连接符 25"/>
-          <p:cNvCxnSpPr/>
-          <p:nvPr/>
-        </p:nvCxnSpPr>
-        <p:spPr>
-          <a:xfrm>
-            <a:off x="6553386" y="1842594"/>
-            <a:ext cx="162470" cy="558673"/>
-          </a:xfrm>
-          <a:prstGeom prst="straightConnector1">
-            <a:avLst/>
-          </a:prstGeom>
-          <a:ln>
-            <a:tailEnd type="arrow"/>
-          </a:ln>
-        </p:spPr>
-        <p:style>
-          <a:lnRef idx="2">
-            <a:schemeClr val="accent1"/>
-          </a:lnRef>
-          <a:fillRef idx="0">
-            <a:schemeClr val="accent1"/>
-          </a:fillRef>
-          <a:effectRef idx="1">
-            <a:schemeClr val="accent1"/>
-          </a:effectRef>
-          <a:fontRef idx="minor">
-            <a:schemeClr val="tx1"/>
-          </a:fontRef>
-        </p:style>
-      </p:cxnSp>
-      <p:cxnSp>
-        <p:nvCxnSpPr>
-          <p:cNvPr id="35" name="直线箭头连接符 34"/>
-          <p:cNvCxnSpPr/>
-          <p:nvPr/>
-        </p:nvCxnSpPr>
-        <p:spPr>
-          <a:xfrm flipH="1" flipV="1">
-            <a:off x="5893700" y="2294059"/>
-            <a:ext cx="545496" cy="483126"/>
-          </a:xfrm>
-          <a:prstGeom prst="straightConnector1">
-            <a:avLst/>
-          </a:prstGeom>
-          <a:ln>
-            <a:tailEnd type="arrow"/>
-          </a:ln>
-        </p:spPr>
-        <p:style>
-          <a:lnRef idx="2">
-            <a:schemeClr val="accent1"/>
-          </a:lnRef>
-          <a:fillRef idx="0">
-            <a:schemeClr val="accent1"/>
-          </a:fillRef>
-          <a:effectRef idx="1">
-            <a:schemeClr val="accent1"/>
-          </a:effectRef>
-          <a:fontRef idx="minor">
-            <a:schemeClr val="tx1"/>
-          </a:fontRef>
-        </p:style>
-      </p:cxnSp>
-      <p:cxnSp>
-        <p:nvCxnSpPr>
-          <p:cNvPr id="39" name="直线箭头连接符 38"/>
-          <p:cNvCxnSpPr/>
-          <p:nvPr/>
-        </p:nvCxnSpPr>
-        <p:spPr>
-          <a:xfrm flipH="1">
-            <a:off x="5286166" y="2401267"/>
-            <a:ext cx="547716" cy="420955"/>
-          </a:xfrm>
-          <a:prstGeom prst="straightConnector1">
-            <a:avLst/>
-          </a:prstGeom>
-          <a:ln>
-            <a:tailEnd type="arrow"/>
-          </a:ln>
-        </p:spPr>
-        <p:style>
-          <a:lnRef idx="2">
-            <a:schemeClr val="accent1"/>
-          </a:lnRef>
-          <a:fillRef idx="0">
-            <a:schemeClr val="accent1"/>
-          </a:fillRef>
-          <a:effectRef idx="1">
-            <a:schemeClr val="accent1"/>
-          </a:effectRef>
-          <a:fontRef idx="minor">
-            <a:schemeClr val="tx1"/>
-          </a:fontRef>
-        </p:style>
-      </p:cxnSp>
-      <p:cxnSp>
-        <p:nvCxnSpPr>
-          <p:cNvPr id="40" name="直线箭头连接符 39"/>
-          <p:cNvCxnSpPr/>
-          <p:nvPr/>
-        </p:nvCxnSpPr>
-        <p:spPr>
-          <a:xfrm flipV="1">
-            <a:off x="4911484" y="1956814"/>
-            <a:ext cx="248103" cy="611146"/>
-          </a:xfrm>
-          <a:prstGeom prst="straightConnector1">
-            <a:avLst/>
-          </a:prstGeom>
-          <a:ln>
-            <a:tailEnd type="arrow"/>
-          </a:ln>
-        </p:spPr>
-        <p:style>
-          <a:lnRef idx="2">
-            <a:schemeClr val="accent1"/>
-          </a:lnRef>
-          <a:fillRef idx="0">
-            <a:schemeClr val="accent1"/>
-          </a:fillRef>
-          <a:effectRef idx="1">
-            <a:schemeClr val="accent1"/>
-          </a:effectRef>
-          <a:fontRef idx="minor">
-            <a:schemeClr val="tx1"/>
-          </a:fontRef>
-        </p:style>
-      </p:cxnSp>
-      <p:cxnSp>
-        <p:nvCxnSpPr>
-          <p:cNvPr id="49" name="直线箭头连接符 48"/>
-          <p:cNvCxnSpPr/>
-          <p:nvPr/>
-        </p:nvCxnSpPr>
-        <p:spPr>
-          <a:xfrm flipH="1" flipV="1">
-            <a:off x="4558586" y="1361725"/>
-            <a:ext cx="601001" cy="410423"/>
-          </a:xfrm>
-          <a:prstGeom prst="straightConnector1">
-            <a:avLst/>
-          </a:prstGeom>
-          <a:ln>
-            <a:tailEnd type="arrow"/>
-          </a:ln>
-        </p:spPr>
-        <p:style>
-          <a:lnRef idx="2">
-            <a:schemeClr val="accent1"/>
-          </a:lnRef>
-          <a:fillRef idx="0">
-            <a:schemeClr val="accent1"/>
-          </a:fillRef>
-          <a:effectRef idx="1">
-            <a:schemeClr val="accent1"/>
-          </a:effectRef>
-          <a:fontRef idx="minor">
-            <a:schemeClr val="tx1"/>
-          </a:fontRef>
-        </p:style>
-      </p:cxnSp>
-      <p:cxnSp>
-        <p:nvCxnSpPr>
-          <p:cNvPr id="52" name="直线箭头连接符 51"/>
-          <p:cNvCxnSpPr/>
-          <p:nvPr/>
-        </p:nvCxnSpPr>
-        <p:spPr>
-          <a:xfrm>
-            <a:off x="4580380" y="1068827"/>
-            <a:ext cx="662208" cy="0"/>
-          </a:xfrm>
-          <a:prstGeom prst="straightConnector1">
-            <a:avLst/>
-          </a:prstGeom>
-          <a:ln>
-            <a:tailEnd type="arrow"/>
-          </a:ln>
-        </p:spPr>
-        <p:style>
-          <a:lnRef idx="2">
-            <a:schemeClr val="accent1"/>
-          </a:lnRef>
-          <a:fillRef idx="0">
-            <a:schemeClr val="accent1"/>
-          </a:fillRef>
-          <a:effectRef idx="1">
-            <a:schemeClr val="accent1"/>
-          </a:effectRef>
-          <a:fontRef idx="minor">
-            <a:schemeClr val="tx1"/>
-          </a:fontRef>
-        </p:style>
-      </p:cxnSp>
-      <p:cxnSp>
-        <p:nvCxnSpPr>
-          <p:cNvPr id="53" name="直线箭头连接符 52"/>
-          <p:cNvCxnSpPr/>
-          <p:nvPr/>
-        </p:nvCxnSpPr>
-        <p:spPr>
-          <a:xfrm flipV="1">
-            <a:off x="5372792" y="349480"/>
-            <a:ext cx="248103" cy="611146"/>
-          </a:xfrm>
-          <a:prstGeom prst="straightConnector1">
-            <a:avLst/>
-          </a:prstGeom>
-          <a:ln>
-            <a:tailEnd type="arrow"/>
-          </a:ln>
-        </p:spPr>
-        <p:style>
-          <a:lnRef idx="2">
-            <a:schemeClr val="accent1"/>
-          </a:lnRef>
-          <a:fillRef idx="0">
-            <a:schemeClr val="accent1"/>
-          </a:fillRef>
-          <a:effectRef idx="1">
-            <a:schemeClr val="accent1"/>
-          </a:effectRef>
-          <a:fontRef idx="minor">
-            <a:schemeClr val="tx1"/>
-          </a:fontRef>
-        </p:style>
-      </p:cxnSp>
-      <p:cxnSp>
-        <p:nvCxnSpPr>
-          <p:cNvPr id="54" name="直线箭头连接符 53"/>
-          <p:cNvCxnSpPr/>
-          <p:nvPr/>
-        </p:nvCxnSpPr>
-        <p:spPr>
-          <a:xfrm>
-            <a:off x="6039549" y="394580"/>
-            <a:ext cx="162470" cy="558673"/>
-          </a:xfrm>
-          <a:prstGeom prst="straightConnector1">
-            <a:avLst/>
-          </a:prstGeom>
-          <a:ln>
-            <a:tailEnd type="arrow"/>
-          </a:ln>
-        </p:spPr>
-        <p:style>
-          <a:lnRef idx="2">
-            <a:schemeClr val="accent1"/>
-          </a:lnRef>
-          <a:fillRef idx="0">
-            <a:schemeClr val="accent1"/>
-          </a:fillRef>
-          <a:effectRef idx="1">
-            <a:schemeClr val="accent1"/>
-          </a:effectRef>
-          <a:fontRef idx="minor">
-            <a:schemeClr val="tx1"/>
-          </a:fontRef>
-        </p:style>
-      </p:cxnSp>
-      <p:sp>
-        <p:nvSpPr>
-          <p:cNvPr id="55" name="五角星 54"/>
-          <p:cNvSpPr/>
-          <p:nvPr/>
-        </p:nvSpPr>
-        <p:spPr>
-          <a:xfrm>
-            <a:off x="1167620" y="311685"/>
-            <a:ext cx="2347305" cy="2281785"/>
-          </a:xfrm>
-          <a:prstGeom prst="star5">
-            <a:avLst/>
-          </a:prstGeom>
-          <a:solidFill>
-            <a:srgbClr val="FFFF00"/>
-          </a:solidFill>
-          <a:ln>
-            <a:solidFill>
-              <a:srgbClr val="CDB706"/>
-            </a:solidFill>
-          </a:ln>
-        </p:spPr>
-        <p:style>
-          <a:lnRef idx="2">
-            <a:schemeClr val="dk1"/>
-          </a:lnRef>
-          <a:fillRef idx="1">
-            <a:schemeClr val="lt1"/>
-          </a:fillRef>
-          <a:effectRef idx="0">
-            <a:schemeClr val="dk1"/>
-          </a:effectRef>
-          <a:fontRef idx="minor">
-            <a:schemeClr val="dk1"/>
-          </a:fontRef>
-        </p:style>
-        <p:txBody>
-          <a:bodyPr rtlCol="0" anchor="ctr"/>
-          <a:lstStyle/>
-          <a:p>
-            <a:pPr algn="ctr"/>
-            <a:endParaRPr kumimoji="1" lang="zh-CN" altLang="en-US"/>
-          </a:p>
-        </p:txBody>
-      </p:sp>
-      <p:sp>
-        <p:nvSpPr>
-          <p:cNvPr id="56" name="文本框 55"/>
-          <p:cNvSpPr txBox="1"/>
-          <p:nvPr/>
-        </p:nvSpPr>
-        <p:spPr>
-          <a:xfrm>
-            <a:off x="2551057" y="871916"/>
-            <a:ext cx="301660" cy="369332"/>
-          </a:xfrm>
-          <a:prstGeom prst="rect">
-            <a:avLst/>
-          </a:prstGeom>
-          <a:noFill/>
-        </p:spPr>
-        <p:txBody>
-          <a:bodyPr wrap="none" rtlCol="0">
-            <a:spAutoFit/>
-          </a:bodyPr>
-          <a:lstStyle/>
-          <a:p>
-            <a:r>
-              <a:rPr kumimoji="1" lang="en-US" altLang="zh-CN" dirty="0" smtClean="0"/>
-              <a:t>1</a:t>
-            </a:r>
-            <a:endParaRPr kumimoji="1" lang="zh-CN" altLang="en-US" dirty="0"/>
-          </a:p>
-        </p:txBody>
-      </p:sp>
-      <p:sp>
-        <p:nvSpPr>
-          <p:cNvPr id="57" name="文本框 56"/>
-          <p:cNvSpPr txBox="1"/>
-          <p:nvPr/>
-        </p:nvSpPr>
-        <p:spPr>
-          <a:xfrm>
-            <a:off x="3514925" y="915653"/>
-            <a:ext cx="301660" cy="369332"/>
-          </a:xfrm>
-          <a:prstGeom prst="rect">
-            <a:avLst/>
-          </a:prstGeom>
-          <a:noFill/>
-        </p:spPr>
-        <p:txBody>
-          <a:bodyPr wrap="none" rtlCol="0">
-            <a:spAutoFit/>
-          </a:bodyPr>
-          <a:lstStyle/>
-          <a:p>
-            <a:r>
-              <a:rPr kumimoji="1" lang="en-US" altLang="zh-CN" dirty="0"/>
-              <a:t>2</a:t>
-            </a:r>
-            <a:endParaRPr kumimoji="1" lang="zh-CN" altLang="en-US" dirty="0"/>
-          </a:p>
-        </p:txBody>
-      </p:sp>
-      <p:sp>
-        <p:nvSpPr>
-          <p:cNvPr id="58" name="文本框 57"/>
-          <p:cNvSpPr txBox="1"/>
-          <p:nvPr/>
-        </p:nvSpPr>
-        <p:spPr>
-          <a:xfrm>
-            <a:off x="2193174" y="2023718"/>
-            <a:ext cx="301660" cy="369332"/>
-          </a:xfrm>
-          <a:prstGeom prst="rect">
-            <a:avLst/>
-          </a:prstGeom>
-          <a:noFill/>
-        </p:spPr>
-        <p:txBody>
-          <a:bodyPr wrap="none" rtlCol="0">
-            <a:spAutoFit/>
-          </a:bodyPr>
-          <a:lstStyle/>
-          <a:p>
-            <a:r>
-              <a:rPr kumimoji="1" lang="en-US" altLang="zh-CN" dirty="0" smtClean="0"/>
-              <a:t>5</a:t>
-            </a:r>
-            <a:endParaRPr kumimoji="1" lang="zh-CN" altLang="en-US" dirty="0"/>
-          </a:p>
-        </p:txBody>
-      </p:sp>
-      <p:sp>
-        <p:nvSpPr>
-          <p:cNvPr id="59" name="文本框 58"/>
-          <p:cNvSpPr txBox="1"/>
-          <p:nvPr/>
-        </p:nvSpPr>
-        <p:spPr>
-          <a:xfrm>
-            <a:off x="3017402" y="2440011"/>
-            <a:ext cx="301660" cy="369332"/>
-          </a:xfrm>
-          <a:prstGeom prst="rect">
-            <a:avLst/>
-          </a:prstGeom>
-          <a:noFill/>
-        </p:spPr>
-        <p:txBody>
-          <a:bodyPr wrap="none" rtlCol="0">
-            <a:spAutoFit/>
-          </a:bodyPr>
-          <a:lstStyle/>
-          <a:p>
-            <a:r>
-              <a:rPr kumimoji="1" lang="en-US" altLang="zh-CN" dirty="0" smtClean="0"/>
-              <a:t>4</a:t>
-            </a:r>
-            <a:endParaRPr kumimoji="1" lang="zh-CN" altLang="en-US" dirty="0"/>
-          </a:p>
-        </p:txBody>
-      </p:sp>
-      <p:sp>
-        <p:nvSpPr>
-          <p:cNvPr id="60" name="文本框 59"/>
-          <p:cNvSpPr txBox="1"/>
-          <p:nvPr/>
-        </p:nvSpPr>
-        <p:spPr>
-          <a:xfrm>
-            <a:off x="2785150" y="1567105"/>
-            <a:ext cx="301660" cy="369332"/>
-          </a:xfrm>
-          <a:prstGeom prst="rect">
-            <a:avLst/>
-          </a:prstGeom>
-          <a:noFill/>
-        </p:spPr>
-        <p:txBody>
-          <a:bodyPr wrap="none" rtlCol="0">
-            <a:spAutoFit/>
-          </a:bodyPr>
-          <a:lstStyle/>
-          <a:p>
-            <a:r>
-              <a:rPr kumimoji="1" lang="en-US" altLang="zh-CN" dirty="0" smtClean="0"/>
-              <a:t>3</a:t>
-            </a:r>
-            <a:endParaRPr kumimoji="1" lang="zh-CN" altLang="en-US" dirty="0"/>
-          </a:p>
-        </p:txBody>
-      </p:sp>
-      <p:sp>
-        <p:nvSpPr>
-          <p:cNvPr id="61" name="文本框 60"/>
-          <p:cNvSpPr txBox="1"/>
-          <p:nvPr/>
-        </p:nvSpPr>
-        <p:spPr>
-          <a:xfrm>
-            <a:off x="1415723" y="2527405"/>
-            <a:ext cx="301660" cy="369332"/>
-          </a:xfrm>
-          <a:prstGeom prst="rect">
-            <a:avLst/>
-          </a:prstGeom>
-          <a:noFill/>
-        </p:spPr>
-        <p:txBody>
-          <a:bodyPr wrap="none" rtlCol="0">
-            <a:spAutoFit/>
-          </a:bodyPr>
-          <a:lstStyle/>
-          <a:p>
-            <a:r>
-              <a:rPr kumimoji="1" lang="en-US" altLang="zh-CN" dirty="0" smtClean="0"/>
-              <a:t>6</a:t>
-            </a:r>
-          </a:p>
-        </p:txBody>
-      </p:sp>
-      <p:sp>
-        <p:nvSpPr>
-          <p:cNvPr id="62" name="文本框 61"/>
-          <p:cNvSpPr txBox="1"/>
-          <p:nvPr/>
-        </p:nvSpPr>
-        <p:spPr>
-          <a:xfrm>
-            <a:off x="1607600" y="1613296"/>
-            <a:ext cx="301660" cy="369332"/>
-          </a:xfrm>
-          <a:prstGeom prst="rect">
-            <a:avLst/>
-          </a:prstGeom>
-          <a:noFill/>
-        </p:spPr>
-        <p:txBody>
-          <a:bodyPr wrap="none" rtlCol="0">
-            <a:spAutoFit/>
-          </a:bodyPr>
-          <a:lstStyle/>
-          <a:p>
-            <a:r>
-              <a:rPr kumimoji="1" lang="en-US" altLang="zh-CN" dirty="0"/>
-              <a:t>7</a:t>
-            </a:r>
-            <a:endParaRPr kumimoji="1" lang="en-US" altLang="zh-CN" dirty="0" smtClean="0"/>
-          </a:p>
-        </p:txBody>
-      </p:sp>
-      <p:sp>
-        <p:nvSpPr>
-          <p:cNvPr id="63" name="文本框 62"/>
-          <p:cNvSpPr txBox="1"/>
-          <p:nvPr/>
-        </p:nvSpPr>
-        <p:spPr>
-          <a:xfrm>
-            <a:off x="865960" y="1048548"/>
-            <a:ext cx="301660" cy="369332"/>
-          </a:xfrm>
-          <a:prstGeom prst="rect">
-            <a:avLst/>
-          </a:prstGeom>
-          <a:noFill/>
-        </p:spPr>
-        <p:txBody>
-          <a:bodyPr wrap="none" rtlCol="0">
-            <a:spAutoFit/>
-          </a:bodyPr>
-          <a:lstStyle/>
-          <a:p>
-            <a:r>
-              <a:rPr kumimoji="1" lang="en-US" altLang="zh-CN" dirty="0" smtClean="0"/>
-              <a:t>8</a:t>
-            </a:r>
-          </a:p>
-        </p:txBody>
-      </p:sp>
-      <p:sp>
-        <p:nvSpPr>
-          <p:cNvPr id="64" name="文本框 63"/>
-          <p:cNvSpPr txBox="1"/>
-          <p:nvPr/>
-        </p:nvSpPr>
-        <p:spPr>
-          <a:xfrm>
-            <a:off x="1790405" y="858617"/>
-            <a:ext cx="301660" cy="369332"/>
-          </a:xfrm>
-          <a:prstGeom prst="rect">
-            <a:avLst/>
-          </a:prstGeom>
-          <a:noFill/>
-        </p:spPr>
-        <p:txBody>
-          <a:bodyPr wrap="none" rtlCol="0">
-            <a:spAutoFit/>
-          </a:bodyPr>
-          <a:lstStyle/>
-          <a:p>
-            <a:r>
-              <a:rPr kumimoji="1" lang="en-US" altLang="zh-CN" dirty="0"/>
-              <a:t>9</a:t>
-            </a:r>
-            <a:endParaRPr kumimoji="1" lang="en-US" altLang="zh-CN" dirty="0" smtClean="0"/>
-          </a:p>
-        </p:txBody>
-      </p:sp>
-      <p:sp>
-        <p:nvSpPr>
-          <p:cNvPr id="65" name="文本框 64"/>
-          <p:cNvSpPr txBox="1"/>
-          <p:nvPr/>
-        </p:nvSpPr>
-        <p:spPr>
-          <a:xfrm>
-            <a:off x="2125134" y="17031"/>
-            <a:ext cx="418654" cy="369332"/>
-          </a:xfrm>
-          <a:prstGeom prst="rect">
-            <a:avLst/>
-          </a:prstGeom>
-          <a:noFill/>
-        </p:spPr>
-        <p:txBody>
-          <a:bodyPr wrap="none" rtlCol="0">
-            <a:spAutoFit/>
-          </a:bodyPr>
-          <a:lstStyle/>
-          <a:p>
-            <a:r>
-              <a:rPr kumimoji="1" lang="en-US" altLang="zh-CN" dirty="0" smtClean="0"/>
-              <a:t>10</a:t>
-            </a:r>
-          </a:p>
-        </p:txBody>
-      </p:sp>
-      <p:sp>
-        <p:nvSpPr>
-          <p:cNvPr id="67" name="正五边形 66"/>
-          <p:cNvSpPr/>
-          <p:nvPr/>
-        </p:nvSpPr>
-        <p:spPr>
-          <a:xfrm rot="10800000">
-            <a:off x="1897920" y="1185582"/>
-            <a:ext cx="887230" cy="871861"/>
-          </a:xfrm>
-          <a:prstGeom prst="pentagon">
-            <a:avLst/>
-          </a:prstGeom>
-          <a:solidFill>
-            <a:schemeClr val="bg1"/>
-          </a:solidFill>
-          <a:ln>
-            <a:solidFill>
-              <a:srgbClr val="CDB706"/>
-            </a:solidFill>
-          </a:ln>
-        </p:spPr>
-        <p:style>
-          <a:lnRef idx="2">
-            <a:schemeClr val="dk1"/>
-          </a:lnRef>
-          <a:fillRef idx="1">
-            <a:schemeClr val="lt1"/>
-          </a:fillRef>
-          <a:effectRef idx="0">
-            <a:schemeClr val="dk1"/>
-          </a:effectRef>
-          <a:fontRef idx="minor">
-            <a:schemeClr val="dk1"/>
-          </a:fontRef>
-        </p:style>
-        <p:txBody>
-          <a:bodyPr rtlCol="0" anchor="ctr"/>
-          <a:lstStyle/>
-          <a:p>
-            <a:pPr algn="ctr"/>
-            <a:endParaRPr kumimoji="1" lang="zh-CN" altLang="en-US"/>
           </a:p>
         </p:txBody>
       </p:sp>
@@ -7070,7 +4765,7 @@
 </p:sld>
 </file>
 
-<file path=ppt/slides/slide15.xml><?xml version="1.0" encoding="utf-8"?>
+<file path=ppt/slides/slide12.xml><?xml version="1.0" encoding="utf-8"?>
 <p:sld xmlns:a="http://schemas.openxmlformats.org/drawingml/2006/main" xmlns:r="http://schemas.openxmlformats.org/officeDocument/2006/relationships" xmlns:p="http://schemas.openxmlformats.org/presentationml/2006/main">
   <p:cSld>
     <p:spTree>
@@ -8719,7 +6414,7 @@
 </p:sld>
 </file>
 
-<file path=ppt/slides/slide16.xml><?xml version="1.0" encoding="utf-8"?>
+<file path=ppt/slides/slide13.xml><?xml version="1.0" encoding="utf-8"?>
 <p:sld xmlns:a="http://schemas.openxmlformats.org/drawingml/2006/main" xmlns:r="http://schemas.openxmlformats.org/officeDocument/2006/relationships" xmlns:p="http://schemas.openxmlformats.org/presentationml/2006/main">
   <p:cSld>
     <p:spTree>
@@ -9695,6 +7390,2228 @@
     <p:extLst>
       <p:ext uri="{BB962C8B-B14F-4D97-AF65-F5344CB8AC3E}">
         <p14:creationId xmlns:p14="http://schemas.microsoft.com/office/powerpoint/2010/main" val="2598416730"/>
+      </p:ext>
+    </p:extLst>
+  </p:cSld>
+  <p:clrMapOvr>
+    <a:masterClrMapping/>
+  </p:clrMapOvr>
+</p:sld>
+</file>
+
+<file path=ppt/slides/slide14.xml><?xml version="1.0" encoding="utf-8"?>
+<p:sld xmlns:a="http://schemas.openxmlformats.org/drawingml/2006/main" xmlns:r="http://schemas.openxmlformats.org/officeDocument/2006/relationships" xmlns:p="http://schemas.openxmlformats.org/presentationml/2006/main">
+  <p:cSld>
+    <p:spTree>
+      <p:nvGrpSpPr>
+        <p:cNvPr id="1" name=""/>
+        <p:cNvGrpSpPr/>
+        <p:nvPr/>
+      </p:nvGrpSpPr>
+      <p:grpSpPr>
+        <a:xfrm>
+          <a:off x="0" y="0"/>
+          <a:ext cx="0" cy="0"/>
+          <a:chOff x="0" y="0"/>
+          <a:chExt cx="0" cy="0"/>
+        </a:xfrm>
+      </p:grpSpPr>
+      <p:sp>
+        <p:nvSpPr>
+          <p:cNvPr id="15" name="等腰三角形 14"/>
+          <p:cNvSpPr/>
+          <p:nvPr/>
+        </p:nvSpPr>
+        <p:spPr>
+          <a:xfrm>
+            <a:off x="1294673" y="1974298"/>
+            <a:ext cx="1152487" cy="2424432"/>
+          </a:xfrm>
+          <a:prstGeom prst="triangle">
+            <a:avLst/>
+          </a:prstGeom>
+          <a:solidFill>
+            <a:srgbClr val="008000"/>
+          </a:solidFill>
+          <a:ln>
+            <a:solidFill>
+              <a:schemeClr val="accent3"/>
+            </a:solidFill>
+          </a:ln>
+        </p:spPr>
+        <p:style>
+          <a:lnRef idx="1">
+            <a:schemeClr val="accent1"/>
+          </a:lnRef>
+          <a:fillRef idx="3">
+            <a:schemeClr val="accent1"/>
+          </a:fillRef>
+          <a:effectRef idx="2">
+            <a:schemeClr val="accent1"/>
+          </a:effectRef>
+          <a:fontRef idx="minor">
+            <a:schemeClr val="lt1"/>
+          </a:fontRef>
+        </p:style>
+        <p:txBody>
+          <a:bodyPr rtlCol="0" anchor="ctr"/>
+          <a:lstStyle/>
+          <a:p>
+            <a:pPr algn="ctr"/>
+            <a:endParaRPr kumimoji="1" lang="zh-CN" altLang="en-US"/>
+          </a:p>
+        </p:txBody>
+      </p:sp>
+      <p:sp>
+        <p:nvSpPr>
+          <p:cNvPr id="4" name="文本框 3">
+            <a:extLst>
+              <a:ext uri="{FF2B5EF4-FFF2-40B4-BE49-F238E27FC236}">
+                <a16:creationId xmlns:a16="http://schemas.microsoft.com/office/drawing/2014/main" xmlns="" id="{BD5BDBAA-D597-844B-A766-C3663E62A12D}"/>
+              </a:ext>
+            </a:extLst>
+          </p:cNvPr>
+          <p:cNvSpPr txBox="1"/>
+          <p:nvPr/>
+        </p:nvSpPr>
+        <p:spPr>
+          <a:xfrm>
+            <a:off x="0" y="0"/>
+            <a:ext cx="763325" cy="369332"/>
+          </a:xfrm>
+          <a:prstGeom prst="rect">
+            <a:avLst/>
+          </a:prstGeom>
+          <a:noFill/>
+        </p:spPr>
+        <p:txBody>
+          <a:bodyPr wrap="none" rtlCol="0">
+            <a:spAutoFit/>
+          </a:bodyPr>
+          <a:lstStyle/>
+          <a:p>
+            <a:r>
+              <a:rPr kumimoji="1" lang="zh-CN" altLang="en-US" dirty="0" smtClean="0"/>
+              <a:t>第</a:t>
+            </a:r>
+            <a:r>
+              <a:rPr kumimoji="1" lang="en-US" altLang="zh-CN" dirty="0"/>
+              <a:t>4</a:t>
+            </a:r>
+            <a:r>
+              <a:rPr kumimoji="1" lang="zh-CN" altLang="en-US" dirty="0" smtClean="0"/>
+              <a:t>课</a:t>
+            </a:r>
+            <a:endParaRPr kumimoji="1" lang="zh-CN" altLang="en-US" dirty="0"/>
+          </a:p>
+        </p:txBody>
+      </p:sp>
+      <p:cxnSp>
+        <p:nvCxnSpPr>
+          <p:cNvPr id="10" name="直线箭头连接符 9"/>
+          <p:cNvCxnSpPr/>
+          <p:nvPr/>
+        </p:nvCxnSpPr>
+        <p:spPr>
+          <a:xfrm flipH="1" flipV="1">
+            <a:off x="1873766" y="1364155"/>
+            <a:ext cx="31032" cy="3882367"/>
+          </a:xfrm>
+          <a:prstGeom prst="straightConnector1">
+            <a:avLst/>
+          </a:prstGeom>
+          <a:ln>
+            <a:solidFill>
+              <a:srgbClr val="A6A6A6"/>
+            </a:solidFill>
+            <a:tailEnd type="arrow"/>
+          </a:ln>
+        </p:spPr>
+        <p:style>
+          <a:lnRef idx="2">
+            <a:schemeClr val="accent1"/>
+          </a:lnRef>
+          <a:fillRef idx="0">
+            <a:schemeClr val="accent1"/>
+          </a:fillRef>
+          <a:effectRef idx="1">
+            <a:schemeClr val="accent1"/>
+          </a:effectRef>
+          <a:fontRef idx="minor">
+            <a:schemeClr val="tx1"/>
+          </a:fontRef>
+        </p:style>
+      </p:cxnSp>
+      <p:sp>
+        <p:nvSpPr>
+          <p:cNvPr id="11" name="文本框 10"/>
+          <p:cNvSpPr txBox="1"/>
+          <p:nvPr/>
+        </p:nvSpPr>
+        <p:spPr>
+          <a:xfrm>
+            <a:off x="3611598" y="3235515"/>
+            <a:ext cx="287258" cy="369332"/>
+          </a:xfrm>
+          <a:prstGeom prst="rect">
+            <a:avLst/>
+          </a:prstGeom>
+          <a:noFill/>
+        </p:spPr>
+        <p:txBody>
+          <a:bodyPr wrap="none" rtlCol="0">
+            <a:spAutoFit/>
+          </a:bodyPr>
+          <a:lstStyle/>
+          <a:p>
+            <a:r>
+              <a:rPr kumimoji="1" lang="en-US" altLang="zh-CN" dirty="0" smtClean="0"/>
+              <a:t>x</a:t>
+            </a:r>
+            <a:endParaRPr kumimoji="1" lang="zh-CN" altLang="en-US" dirty="0"/>
+          </a:p>
+        </p:txBody>
+      </p:sp>
+      <p:sp>
+        <p:nvSpPr>
+          <p:cNvPr id="12" name="文本框 11"/>
+          <p:cNvSpPr txBox="1"/>
+          <p:nvPr/>
+        </p:nvSpPr>
+        <p:spPr>
+          <a:xfrm>
+            <a:off x="1714459" y="795276"/>
+            <a:ext cx="289149" cy="369332"/>
+          </a:xfrm>
+          <a:prstGeom prst="rect">
+            <a:avLst/>
+          </a:prstGeom>
+          <a:noFill/>
+        </p:spPr>
+        <p:txBody>
+          <a:bodyPr wrap="none" rtlCol="0">
+            <a:spAutoFit/>
+          </a:bodyPr>
+          <a:lstStyle/>
+          <a:p>
+            <a:r>
+              <a:rPr kumimoji="1" lang="en-US" altLang="zh-CN" dirty="0" smtClean="0"/>
+              <a:t>y</a:t>
+            </a:r>
+            <a:endParaRPr kumimoji="1" lang="zh-CN" altLang="en-US" dirty="0"/>
+          </a:p>
+        </p:txBody>
+      </p:sp>
+      <p:sp>
+        <p:nvSpPr>
+          <p:cNvPr id="13" name="等腰三角形 12"/>
+          <p:cNvSpPr/>
+          <p:nvPr/>
+        </p:nvSpPr>
+        <p:spPr>
+          <a:xfrm rot="5400000">
+            <a:off x="1692190" y="3339367"/>
+            <a:ext cx="188454" cy="143916"/>
+          </a:xfrm>
+          <a:prstGeom prst="triangle">
+            <a:avLst/>
+          </a:prstGeom>
+          <a:solidFill>
+            <a:schemeClr val="tx1"/>
+          </a:solidFill>
+          <a:ln>
+            <a:solidFill>
+              <a:srgbClr val="000000"/>
+            </a:solidFill>
+          </a:ln>
+        </p:spPr>
+        <p:style>
+          <a:lnRef idx="1">
+            <a:schemeClr val="accent1"/>
+          </a:lnRef>
+          <a:fillRef idx="3">
+            <a:schemeClr val="accent1"/>
+          </a:fillRef>
+          <a:effectRef idx="2">
+            <a:schemeClr val="accent1"/>
+          </a:effectRef>
+          <a:fontRef idx="minor">
+            <a:schemeClr val="lt1"/>
+          </a:fontRef>
+        </p:style>
+        <p:txBody>
+          <a:bodyPr rtlCol="0" anchor="ctr"/>
+          <a:lstStyle/>
+          <a:p>
+            <a:pPr algn="ctr"/>
+            <a:endParaRPr kumimoji="1" lang="zh-CN" altLang="en-US"/>
+          </a:p>
+        </p:txBody>
+      </p:sp>
+      <p:sp>
+        <p:nvSpPr>
+          <p:cNvPr id="14" name="文本框 13"/>
+          <p:cNvSpPr txBox="1"/>
+          <p:nvPr/>
+        </p:nvSpPr>
+        <p:spPr>
+          <a:xfrm>
+            <a:off x="1858088" y="3420181"/>
+            <a:ext cx="472380" cy="276999"/>
+          </a:xfrm>
+          <a:prstGeom prst="rect">
+            <a:avLst/>
+          </a:prstGeom>
+          <a:noFill/>
+        </p:spPr>
+        <p:txBody>
+          <a:bodyPr wrap="none" rtlCol="0">
+            <a:spAutoFit/>
+          </a:bodyPr>
+          <a:lstStyle/>
+          <a:p>
+            <a:r>
+              <a:rPr kumimoji="1" lang="en-US" altLang="zh-CN" sz="1200" dirty="0" smtClean="0"/>
+              <a:t>(0,0)</a:t>
+            </a:r>
+            <a:endParaRPr kumimoji="1" lang="zh-CN" altLang="en-US" sz="1200" dirty="0"/>
+          </a:p>
+        </p:txBody>
+      </p:sp>
+      <p:sp>
+        <p:nvSpPr>
+          <p:cNvPr id="19" name="文本框 18"/>
+          <p:cNvSpPr txBox="1"/>
+          <p:nvPr/>
+        </p:nvSpPr>
+        <p:spPr>
+          <a:xfrm>
+            <a:off x="2263750" y="2955800"/>
+            <a:ext cx="366657" cy="307777"/>
+          </a:xfrm>
+          <a:prstGeom prst="rect">
+            <a:avLst/>
+          </a:prstGeom>
+          <a:noFill/>
+        </p:spPr>
+        <p:txBody>
+          <a:bodyPr wrap="none" rtlCol="0">
+            <a:spAutoFit/>
+          </a:bodyPr>
+          <a:lstStyle/>
+          <a:p>
+            <a:r>
+              <a:rPr kumimoji="1" lang="en-US" altLang="zh-CN" sz="1400" dirty="0" smtClean="0"/>
+              <a:t>6</a:t>
+            </a:r>
+            <a:r>
+              <a:rPr kumimoji="1" lang="en-US" altLang="zh-CN" sz="1400" dirty="0" smtClean="0"/>
+              <a:t>0</a:t>
+            </a:r>
+            <a:endParaRPr kumimoji="1" lang="zh-CN" altLang="en-US" sz="1400" dirty="0"/>
+          </a:p>
+        </p:txBody>
+      </p:sp>
+      <p:cxnSp>
+        <p:nvCxnSpPr>
+          <p:cNvPr id="25" name="直线连接符 24"/>
+          <p:cNvCxnSpPr/>
+          <p:nvPr/>
+        </p:nvCxnSpPr>
+        <p:spPr>
+          <a:xfrm>
+            <a:off x="2443815" y="3263577"/>
+            <a:ext cx="0" cy="141013"/>
+          </a:xfrm>
+          <a:prstGeom prst="line">
+            <a:avLst/>
+          </a:prstGeom>
+          <a:ln>
+            <a:solidFill>
+              <a:schemeClr val="tx1"/>
+            </a:solidFill>
+          </a:ln>
+        </p:spPr>
+        <p:style>
+          <a:lnRef idx="2">
+            <a:schemeClr val="accent1"/>
+          </a:lnRef>
+          <a:fillRef idx="0">
+            <a:schemeClr val="accent1"/>
+          </a:fillRef>
+          <a:effectRef idx="1">
+            <a:schemeClr val="accent1"/>
+          </a:effectRef>
+          <a:fontRef idx="minor">
+            <a:schemeClr val="tx1"/>
+          </a:fontRef>
+        </p:style>
+      </p:cxnSp>
+      <p:sp>
+        <p:nvSpPr>
+          <p:cNvPr id="28" name="文本框 27"/>
+          <p:cNvSpPr txBox="1"/>
+          <p:nvPr/>
+        </p:nvSpPr>
+        <p:spPr>
+          <a:xfrm>
+            <a:off x="1098515" y="2958009"/>
+            <a:ext cx="421622" cy="307777"/>
+          </a:xfrm>
+          <a:prstGeom prst="rect">
+            <a:avLst/>
+          </a:prstGeom>
+          <a:noFill/>
+        </p:spPr>
+        <p:txBody>
+          <a:bodyPr wrap="none" rtlCol="0">
+            <a:spAutoFit/>
+          </a:bodyPr>
+          <a:lstStyle/>
+          <a:p>
+            <a:r>
+              <a:rPr kumimoji="1" lang="en-US" altLang="zh-CN" sz="1400" dirty="0" smtClean="0"/>
+              <a:t>-6</a:t>
+            </a:r>
+            <a:r>
+              <a:rPr kumimoji="1" lang="en-US" altLang="zh-CN" sz="1400" dirty="0" smtClean="0"/>
+              <a:t>0</a:t>
+            </a:r>
+            <a:endParaRPr kumimoji="1" lang="zh-CN" altLang="en-US" sz="1400" dirty="0"/>
+          </a:p>
+        </p:txBody>
+      </p:sp>
+      <p:cxnSp>
+        <p:nvCxnSpPr>
+          <p:cNvPr id="29" name="直线连接符 28"/>
+          <p:cNvCxnSpPr/>
+          <p:nvPr/>
+        </p:nvCxnSpPr>
+        <p:spPr>
+          <a:xfrm>
+            <a:off x="1291409" y="3265786"/>
+            <a:ext cx="0" cy="141013"/>
+          </a:xfrm>
+          <a:prstGeom prst="line">
+            <a:avLst/>
+          </a:prstGeom>
+          <a:ln>
+            <a:solidFill>
+              <a:schemeClr val="tx1"/>
+            </a:solidFill>
+          </a:ln>
+        </p:spPr>
+        <p:style>
+          <a:lnRef idx="2">
+            <a:schemeClr val="accent1"/>
+          </a:lnRef>
+          <a:fillRef idx="0">
+            <a:schemeClr val="accent1"/>
+          </a:fillRef>
+          <a:effectRef idx="1">
+            <a:schemeClr val="accent1"/>
+          </a:effectRef>
+          <a:fontRef idx="minor">
+            <a:schemeClr val="tx1"/>
+          </a:fontRef>
+        </p:style>
+      </p:cxnSp>
+      <p:cxnSp>
+        <p:nvCxnSpPr>
+          <p:cNvPr id="6" name="直线箭头连接符 5"/>
+          <p:cNvCxnSpPr/>
+          <p:nvPr/>
+        </p:nvCxnSpPr>
+        <p:spPr>
+          <a:xfrm>
+            <a:off x="115458" y="3402540"/>
+            <a:ext cx="3496140" cy="4259"/>
+          </a:xfrm>
+          <a:prstGeom prst="straightConnector1">
+            <a:avLst/>
+          </a:prstGeom>
+          <a:ln>
+            <a:solidFill>
+              <a:schemeClr val="bg1">
+                <a:lumMod val="65000"/>
+              </a:schemeClr>
+            </a:solidFill>
+            <a:tailEnd type="arrow"/>
+          </a:ln>
+        </p:spPr>
+        <p:style>
+          <a:lnRef idx="2">
+            <a:schemeClr val="accent1"/>
+          </a:lnRef>
+          <a:fillRef idx="0">
+            <a:schemeClr val="accent1"/>
+          </a:fillRef>
+          <a:effectRef idx="1">
+            <a:schemeClr val="accent1"/>
+          </a:effectRef>
+          <a:fontRef idx="minor">
+            <a:schemeClr val="tx1"/>
+          </a:fontRef>
+        </p:style>
+      </p:cxnSp>
+      <p:cxnSp>
+        <p:nvCxnSpPr>
+          <p:cNvPr id="30" name="直线连接符 29"/>
+          <p:cNvCxnSpPr/>
+          <p:nvPr/>
+        </p:nvCxnSpPr>
+        <p:spPr>
+          <a:xfrm flipH="1">
+            <a:off x="1852020" y="1978016"/>
+            <a:ext cx="151588" cy="0"/>
+          </a:xfrm>
+          <a:prstGeom prst="line">
+            <a:avLst/>
+          </a:prstGeom>
+          <a:ln>
+            <a:solidFill>
+              <a:schemeClr val="tx1"/>
+            </a:solidFill>
+          </a:ln>
+        </p:spPr>
+        <p:style>
+          <a:lnRef idx="2">
+            <a:schemeClr val="accent1"/>
+          </a:lnRef>
+          <a:fillRef idx="0">
+            <a:schemeClr val="accent1"/>
+          </a:fillRef>
+          <a:effectRef idx="1">
+            <a:schemeClr val="accent1"/>
+          </a:effectRef>
+          <a:fontRef idx="minor">
+            <a:schemeClr val="tx1"/>
+          </a:fontRef>
+        </p:style>
+      </p:cxnSp>
+      <p:sp>
+        <p:nvSpPr>
+          <p:cNvPr id="33" name="文本框 32"/>
+          <p:cNvSpPr txBox="1"/>
+          <p:nvPr/>
+        </p:nvSpPr>
+        <p:spPr>
+          <a:xfrm>
+            <a:off x="1447146" y="1807581"/>
+            <a:ext cx="457652" cy="307777"/>
+          </a:xfrm>
+          <a:prstGeom prst="rect">
+            <a:avLst/>
+          </a:prstGeom>
+          <a:noFill/>
+        </p:spPr>
+        <p:txBody>
+          <a:bodyPr wrap="none" rtlCol="0">
+            <a:spAutoFit/>
+          </a:bodyPr>
+          <a:lstStyle/>
+          <a:p>
+            <a:r>
+              <a:rPr kumimoji="1" lang="en-US" altLang="zh-CN" sz="1400" dirty="0"/>
+              <a:t>120</a:t>
+            </a:r>
+            <a:endParaRPr kumimoji="1" lang="zh-CN" altLang="en-US" sz="1400" dirty="0"/>
+          </a:p>
+        </p:txBody>
+      </p:sp>
+      <p:cxnSp>
+        <p:nvCxnSpPr>
+          <p:cNvPr id="35" name="直线连接符 34"/>
+          <p:cNvCxnSpPr/>
+          <p:nvPr/>
+        </p:nvCxnSpPr>
+        <p:spPr>
+          <a:xfrm flipH="1">
+            <a:off x="1824900" y="4415276"/>
+            <a:ext cx="151588" cy="0"/>
+          </a:xfrm>
+          <a:prstGeom prst="line">
+            <a:avLst/>
+          </a:prstGeom>
+          <a:ln>
+            <a:solidFill>
+              <a:schemeClr val="tx1"/>
+            </a:solidFill>
+          </a:ln>
+        </p:spPr>
+        <p:style>
+          <a:lnRef idx="2">
+            <a:schemeClr val="accent1"/>
+          </a:lnRef>
+          <a:fillRef idx="0">
+            <a:schemeClr val="accent1"/>
+          </a:fillRef>
+          <a:effectRef idx="1">
+            <a:schemeClr val="accent1"/>
+          </a:effectRef>
+          <a:fontRef idx="minor">
+            <a:schemeClr val="tx1"/>
+          </a:fontRef>
+        </p:style>
+      </p:cxnSp>
+      <p:sp>
+        <p:nvSpPr>
+          <p:cNvPr id="36" name="文本框 35"/>
+          <p:cNvSpPr txBox="1"/>
+          <p:nvPr/>
+        </p:nvSpPr>
+        <p:spPr>
+          <a:xfrm>
+            <a:off x="1291736" y="4244841"/>
+            <a:ext cx="547420" cy="307777"/>
+          </a:xfrm>
+          <a:prstGeom prst="rect">
+            <a:avLst/>
+          </a:prstGeom>
+          <a:noFill/>
+        </p:spPr>
+        <p:txBody>
+          <a:bodyPr wrap="none" rtlCol="0">
+            <a:spAutoFit/>
+          </a:bodyPr>
+          <a:lstStyle/>
+          <a:p>
+            <a:r>
+              <a:rPr kumimoji="1" lang="zh-CN" altLang="zh-CN" sz="1400" dirty="0" smtClean="0"/>
+              <a:t>-</a:t>
+            </a:r>
+            <a:r>
+              <a:rPr kumimoji="1" lang="en-US" altLang="zh-CN" sz="1400" dirty="0" smtClean="0"/>
+              <a:t>10</a:t>
+            </a:r>
+            <a:r>
+              <a:rPr kumimoji="1" lang="en-US" altLang="zh-CN" sz="1400" dirty="0" smtClean="0"/>
+              <a:t>0</a:t>
+            </a:r>
+            <a:endParaRPr kumimoji="1" lang="zh-CN" altLang="en-US" sz="1400" dirty="0"/>
+          </a:p>
+        </p:txBody>
+      </p:sp>
+      <p:sp>
+        <p:nvSpPr>
+          <p:cNvPr id="50" name="等腰三角形 49"/>
+          <p:cNvSpPr/>
+          <p:nvPr/>
+        </p:nvSpPr>
+        <p:spPr>
+          <a:xfrm>
+            <a:off x="6235557" y="1932536"/>
+            <a:ext cx="1152487" cy="2424432"/>
+          </a:xfrm>
+          <a:prstGeom prst="triangle">
+            <a:avLst/>
+          </a:prstGeom>
+          <a:solidFill>
+            <a:srgbClr val="008000"/>
+          </a:solidFill>
+          <a:ln>
+            <a:solidFill>
+              <a:schemeClr val="accent3"/>
+            </a:solidFill>
+          </a:ln>
+        </p:spPr>
+        <p:style>
+          <a:lnRef idx="1">
+            <a:schemeClr val="accent1"/>
+          </a:lnRef>
+          <a:fillRef idx="3">
+            <a:schemeClr val="accent1"/>
+          </a:fillRef>
+          <a:effectRef idx="2">
+            <a:schemeClr val="accent1"/>
+          </a:effectRef>
+          <a:fontRef idx="minor">
+            <a:schemeClr val="lt1"/>
+          </a:fontRef>
+        </p:style>
+        <p:txBody>
+          <a:bodyPr rtlCol="0" anchor="ctr"/>
+          <a:lstStyle/>
+          <a:p>
+            <a:pPr algn="ctr"/>
+            <a:endParaRPr kumimoji="1" lang="zh-CN" altLang="en-US"/>
+          </a:p>
+        </p:txBody>
+      </p:sp>
+      <p:sp>
+        <p:nvSpPr>
+          <p:cNvPr id="51" name="文本框 50"/>
+          <p:cNvSpPr txBox="1"/>
+          <p:nvPr/>
+        </p:nvSpPr>
+        <p:spPr>
+          <a:xfrm>
+            <a:off x="8552482" y="3142441"/>
+            <a:ext cx="287258" cy="369332"/>
+          </a:xfrm>
+          <a:prstGeom prst="rect">
+            <a:avLst/>
+          </a:prstGeom>
+          <a:noFill/>
+        </p:spPr>
+        <p:txBody>
+          <a:bodyPr wrap="none" rtlCol="0">
+            <a:spAutoFit/>
+          </a:bodyPr>
+          <a:lstStyle/>
+          <a:p>
+            <a:r>
+              <a:rPr kumimoji="1" lang="en-US" altLang="zh-CN" dirty="0" smtClean="0"/>
+              <a:t>x</a:t>
+            </a:r>
+            <a:endParaRPr kumimoji="1" lang="zh-CN" altLang="en-US" dirty="0"/>
+          </a:p>
+        </p:txBody>
+      </p:sp>
+      <p:sp>
+        <p:nvSpPr>
+          <p:cNvPr id="52" name="文本框 51"/>
+          <p:cNvSpPr txBox="1"/>
+          <p:nvPr/>
+        </p:nvSpPr>
+        <p:spPr>
+          <a:xfrm>
+            <a:off x="6668172" y="830482"/>
+            <a:ext cx="289149" cy="369332"/>
+          </a:xfrm>
+          <a:prstGeom prst="rect">
+            <a:avLst/>
+          </a:prstGeom>
+          <a:noFill/>
+        </p:spPr>
+        <p:txBody>
+          <a:bodyPr wrap="none" rtlCol="0">
+            <a:spAutoFit/>
+          </a:bodyPr>
+          <a:lstStyle/>
+          <a:p>
+            <a:r>
+              <a:rPr kumimoji="1" lang="en-US" altLang="zh-CN" dirty="0" smtClean="0"/>
+              <a:t>y</a:t>
+            </a:r>
+            <a:endParaRPr kumimoji="1" lang="zh-CN" altLang="en-US" dirty="0"/>
+          </a:p>
+        </p:txBody>
+      </p:sp>
+      <p:sp>
+        <p:nvSpPr>
+          <p:cNvPr id="53" name="等腰三角形 52"/>
+          <p:cNvSpPr/>
+          <p:nvPr/>
+        </p:nvSpPr>
+        <p:spPr>
+          <a:xfrm rot="5400000">
+            <a:off x="6633074" y="3297605"/>
+            <a:ext cx="188454" cy="143916"/>
+          </a:xfrm>
+          <a:prstGeom prst="triangle">
+            <a:avLst/>
+          </a:prstGeom>
+          <a:solidFill>
+            <a:schemeClr val="tx1"/>
+          </a:solidFill>
+          <a:ln>
+            <a:solidFill>
+              <a:srgbClr val="000000"/>
+            </a:solidFill>
+          </a:ln>
+        </p:spPr>
+        <p:style>
+          <a:lnRef idx="1">
+            <a:schemeClr val="accent1"/>
+          </a:lnRef>
+          <a:fillRef idx="3">
+            <a:schemeClr val="accent1"/>
+          </a:fillRef>
+          <a:effectRef idx="2">
+            <a:schemeClr val="accent1"/>
+          </a:effectRef>
+          <a:fontRef idx="minor">
+            <a:schemeClr val="lt1"/>
+          </a:fontRef>
+        </p:style>
+        <p:txBody>
+          <a:bodyPr rtlCol="0" anchor="ctr"/>
+          <a:lstStyle/>
+          <a:p>
+            <a:pPr algn="ctr"/>
+            <a:endParaRPr kumimoji="1" lang="zh-CN" altLang="en-US"/>
+          </a:p>
+        </p:txBody>
+      </p:sp>
+      <p:sp>
+        <p:nvSpPr>
+          <p:cNvPr id="54" name="文本框 53"/>
+          <p:cNvSpPr txBox="1"/>
+          <p:nvPr/>
+        </p:nvSpPr>
+        <p:spPr>
+          <a:xfrm>
+            <a:off x="6798972" y="3378419"/>
+            <a:ext cx="472380" cy="276999"/>
+          </a:xfrm>
+          <a:prstGeom prst="rect">
+            <a:avLst/>
+          </a:prstGeom>
+          <a:noFill/>
+        </p:spPr>
+        <p:txBody>
+          <a:bodyPr wrap="none" rtlCol="0">
+            <a:spAutoFit/>
+          </a:bodyPr>
+          <a:lstStyle/>
+          <a:p>
+            <a:r>
+              <a:rPr kumimoji="1" lang="en-US" altLang="zh-CN" sz="1200" dirty="0" smtClean="0"/>
+              <a:t>(0,0)</a:t>
+            </a:r>
+            <a:endParaRPr kumimoji="1" lang="zh-CN" altLang="en-US" sz="1200" dirty="0"/>
+          </a:p>
+        </p:txBody>
+      </p:sp>
+      <p:sp>
+        <p:nvSpPr>
+          <p:cNvPr id="58" name="文本框 57"/>
+          <p:cNvSpPr txBox="1"/>
+          <p:nvPr/>
+        </p:nvSpPr>
+        <p:spPr>
+          <a:xfrm>
+            <a:off x="7166147" y="2914038"/>
+            <a:ext cx="366657" cy="307777"/>
+          </a:xfrm>
+          <a:prstGeom prst="rect">
+            <a:avLst/>
+          </a:prstGeom>
+          <a:noFill/>
+        </p:spPr>
+        <p:txBody>
+          <a:bodyPr wrap="none" rtlCol="0">
+            <a:spAutoFit/>
+          </a:bodyPr>
+          <a:lstStyle/>
+          <a:p>
+            <a:r>
+              <a:rPr kumimoji="1" lang="en-US" altLang="zh-CN" sz="1400" dirty="0" smtClean="0"/>
+              <a:t>6</a:t>
+            </a:r>
+            <a:r>
+              <a:rPr kumimoji="1" lang="en-US" altLang="zh-CN" sz="1400" dirty="0" smtClean="0"/>
+              <a:t>0</a:t>
+            </a:r>
+            <a:endParaRPr kumimoji="1" lang="zh-CN" altLang="en-US" sz="1400" dirty="0"/>
+          </a:p>
+        </p:txBody>
+      </p:sp>
+      <p:cxnSp>
+        <p:nvCxnSpPr>
+          <p:cNvPr id="59" name="直线连接符 58"/>
+          <p:cNvCxnSpPr/>
+          <p:nvPr/>
+        </p:nvCxnSpPr>
+        <p:spPr>
+          <a:xfrm>
+            <a:off x="7346212" y="3221815"/>
+            <a:ext cx="0" cy="141013"/>
+          </a:xfrm>
+          <a:prstGeom prst="line">
+            <a:avLst/>
+          </a:prstGeom>
+          <a:ln>
+            <a:solidFill>
+              <a:schemeClr val="tx1"/>
+            </a:solidFill>
+          </a:ln>
+        </p:spPr>
+        <p:style>
+          <a:lnRef idx="2">
+            <a:schemeClr val="accent1"/>
+          </a:lnRef>
+          <a:fillRef idx="0">
+            <a:schemeClr val="accent1"/>
+          </a:fillRef>
+          <a:effectRef idx="1">
+            <a:schemeClr val="accent1"/>
+          </a:effectRef>
+          <a:fontRef idx="minor">
+            <a:schemeClr val="tx1"/>
+          </a:fontRef>
+        </p:style>
+      </p:cxnSp>
+      <p:sp>
+        <p:nvSpPr>
+          <p:cNvPr id="60" name="文本框 59"/>
+          <p:cNvSpPr txBox="1"/>
+          <p:nvPr/>
+        </p:nvSpPr>
+        <p:spPr>
+          <a:xfrm>
+            <a:off x="6039399" y="2916247"/>
+            <a:ext cx="421622" cy="307777"/>
+          </a:xfrm>
+          <a:prstGeom prst="rect">
+            <a:avLst/>
+          </a:prstGeom>
+          <a:noFill/>
+        </p:spPr>
+        <p:txBody>
+          <a:bodyPr wrap="none" rtlCol="0">
+            <a:spAutoFit/>
+          </a:bodyPr>
+          <a:lstStyle/>
+          <a:p>
+            <a:r>
+              <a:rPr kumimoji="1" lang="en-US" altLang="zh-CN" sz="1400" dirty="0" smtClean="0"/>
+              <a:t>-6</a:t>
+            </a:r>
+            <a:r>
+              <a:rPr kumimoji="1" lang="en-US" altLang="zh-CN" sz="1400" dirty="0" smtClean="0"/>
+              <a:t>0</a:t>
+            </a:r>
+            <a:endParaRPr kumimoji="1" lang="zh-CN" altLang="en-US" sz="1400" dirty="0"/>
+          </a:p>
+        </p:txBody>
+      </p:sp>
+      <p:cxnSp>
+        <p:nvCxnSpPr>
+          <p:cNvPr id="61" name="直线连接符 60"/>
+          <p:cNvCxnSpPr/>
+          <p:nvPr/>
+        </p:nvCxnSpPr>
+        <p:spPr>
+          <a:xfrm>
+            <a:off x="6232293" y="3224024"/>
+            <a:ext cx="0" cy="141013"/>
+          </a:xfrm>
+          <a:prstGeom prst="line">
+            <a:avLst/>
+          </a:prstGeom>
+          <a:ln>
+            <a:solidFill>
+              <a:schemeClr val="tx1"/>
+            </a:solidFill>
+          </a:ln>
+        </p:spPr>
+        <p:style>
+          <a:lnRef idx="2">
+            <a:schemeClr val="accent1"/>
+          </a:lnRef>
+          <a:fillRef idx="0">
+            <a:schemeClr val="accent1"/>
+          </a:fillRef>
+          <a:effectRef idx="1">
+            <a:schemeClr val="accent1"/>
+          </a:effectRef>
+          <a:fontRef idx="minor">
+            <a:schemeClr val="tx1"/>
+          </a:fontRef>
+        </p:style>
+      </p:cxnSp>
+      <p:cxnSp>
+        <p:nvCxnSpPr>
+          <p:cNvPr id="63" name="直线连接符 62"/>
+          <p:cNvCxnSpPr/>
+          <p:nvPr/>
+        </p:nvCxnSpPr>
+        <p:spPr>
+          <a:xfrm>
+            <a:off x="7388044" y="3378419"/>
+            <a:ext cx="0" cy="978549"/>
+          </a:xfrm>
+          <a:prstGeom prst="line">
+            <a:avLst/>
+          </a:prstGeom>
+          <a:ln w="3175" cmpd="sng">
+            <a:solidFill>
+              <a:schemeClr val="bg1">
+                <a:lumMod val="85000"/>
+              </a:schemeClr>
+            </a:solidFill>
+          </a:ln>
+        </p:spPr>
+        <p:style>
+          <a:lnRef idx="2">
+            <a:schemeClr val="accent1"/>
+          </a:lnRef>
+          <a:fillRef idx="0">
+            <a:schemeClr val="accent1"/>
+          </a:fillRef>
+          <a:effectRef idx="1">
+            <a:schemeClr val="accent1"/>
+          </a:effectRef>
+          <a:fontRef idx="minor">
+            <a:schemeClr val="tx1"/>
+          </a:fontRef>
+        </p:style>
+      </p:cxnSp>
+      <p:cxnSp>
+        <p:nvCxnSpPr>
+          <p:cNvPr id="64" name="直线连接符 63"/>
+          <p:cNvCxnSpPr/>
+          <p:nvPr/>
+        </p:nvCxnSpPr>
+        <p:spPr>
+          <a:xfrm>
+            <a:off x="6235557" y="3394965"/>
+            <a:ext cx="0" cy="978549"/>
+          </a:xfrm>
+          <a:prstGeom prst="line">
+            <a:avLst/>
+          </a:prstGeom>
+          <a:ln w="3175" cmpd="sng">
+            <a:solidFill>
+              <a:schemeClr val="bg1">
+                <a:lumMod val="85000"/>
+              </a:schemeClr>
+            </a:solidFill>
+          </a:ln>
+        </p:spPr>
+        <p:style>
+          <a:lnRef idx="2">
+            <a:schemeClr val="accent1"/>
+          </a:lnRef>
+          <a:fillRef idx="0">
+            <a:schemeClr val="accent1"/>
+          </a:fillRef>
+          <a:effectRef idx="1">
+            <a:schemeClr val="accent1"/>
+          </a:effectRef>
+          <a:fontRef idx="minor">
+            <a:schemeClr val="tx1"/>
+          </a:fontRef>
+        </p:style>
+      </p:cxnSp>
+      <p:cxnSp>
+        <p:nvCxnSpPr>
+          <p:cNvPr id="65" name="直线箭头连接符 64"/>
+          <p:cNvCxnSpPr/>
+          <p:nvPr/>
+        </p:nvCxnSpPr>
+        <p:spPr>
+          <a:xfrm flipH="1" flipV="1">
+            <a:off x="6814650" y="1322393"/>
+            <a:ext cx="31032" cy="3882367"/>
+          </a:xfrm>
+          <a:prstGeom prst="straightConnector1">
+            <a:avLst/>
+          </a:prstGeom>
+          <a:ln>
+            <a:solidFill>
+              <a:srgbClr val="A6A6A6"/>
+            </a:solidFill>
+            <a:tailEnd type="arrow"/>
+          </a:ln>
+        </p:spPr>
+        <p:style>
+          <a:lnRef idx="2">
+            <a:schemeClr val="accent1"/>
+          </a:lnRef>
+          <a:fillRef idx="0">
+            <a:schemeClr val="accent1"/>
+          </a:fillRef>
+          <a:effectRef idx="1">
+            <a:schemeClr val="accent1"/>
+          </a:effectRef>
+          <a:fontRef idx="minor">
+            <a:schemeClr val="tx1"/>
+          </a:fontRef>
+        </p:style>
+      </p:cxnSp>
+      <p:cxnSp>
+        <p:nvCxnSpPr>
+          <p:cNvPr id="66" name="直线箭头连接符 65"/>
+          <p:cNvCxnSpPr/>
+          <p:nvPr/>
+        </p:nvCxnSpPr>
+        <p:spPr>
+          <a:xfrm>
+            <a:off x="5056342" y="3360778"/>
+            <a:ext cx="3496140" cy="4259"/>
+          </a:xfrm>
+          <a:prstGeom prst="straightConnector1">
+            <a:avLst/>
+          </a:prstGeom>
+          <a:ln>
+            <a:solidFill>
+              <a:schemeClr val="bg1">
+                <a:lumMod val="65000"/>
+              </a:schemeClr>
+            </a:solidFill>
+            <a:tailEnd type="arrow"/>
+          </a:ln>
+        </p:spPr>
+        <p:style>
+          <a:lnRef idx="2">
+            <a:schemeClr val="accent1"/>
+          </a:lnRef>
+          <a:fillRef idx="0">
+            <a:schemeClr val="accent1"/>
+          </a:fillRef>
+          <a:effectRef idx="1">
+            <a:schemeClr val="accent1"/>
+          </a:effectRef>
+          <a:fontRef idx="minor">
+            <a:schemeClr val="tx1"/>
+          </a:fontRef>
+        </p:style>
+      </p:cxnSp>
+      <p:sp>
+        <p:nvSpPr>
+          <p:cNvPr id="67" name="文本框 66"/>
+          <p:cNvSpPr txBox="1"/>
+          <p:nvPr/>
+        </p:nvSpPr>
+        <p:spPr>
+          <a:xfrm>
+            <a:off x="6540940" y="4356968"/>
+            <a:ext cx="547420" cy="307777"/>
+          </a:xfrm>
+          <a:prstGeom prst="rect">
+            <a:avLst/>
+          </a:prstGeom>
+          <a:noFill/>
+        </p:spPr>
+        <p:txBody>
+          <a:bodyPr wrap="none" rtlCol="0">
+            <a:spAutoFit/>
+          </a:bodyPr>
+          <a:lstStyle/>
+          <a:p>
+            <a:r>
+              <a:rPr kumimoji="1" lang="zh-CN" altLang="zh-CN" sz="1400" dirty="0" smtClean="0"/>
+              <a:t>-</a:t>
+            </a:r>
+            <a:r>
+              <a:rPr kumimoji="1" lang="en-US" altLang="zh-CN" sz="1400" dirty="0" smtClean="0"/>
+              <a:t>10</a:t>
+            </a:r>
+            <a:r>
+              <a:rPr kumimoji="1" lang="en-US" altLang="zh-CN" sz="1400" dirty="0" smtClean="0"/>
+              <a:t>0</a:t>
+            </a:r>
+            <a:endParaRPr kumimoji="1" lang="zh-CN" altLang="en-US" sz="1400" dirty="0"/>
+          </a:p>
+        </p:txBody>
+      </p:sp>
+      <p:sp>
+        <p:nvSpPr>
+          <p:cNvPr id="62" name="文本框 61"/>
+          <p:cNvSpPr txBox="1"/>
+          <p:nvPr/>
+        </p:nvSpPr>
+        <p:spPr>
+          <a:xfrm>
+            <a:off x="6585824" y="1645965"/>
+            <a:ext cx="457652" cy="307777"/>
+          </a:xfrm>
+          <a:prstGeom prst="rect">
+            <a:avLst/>
+          </a:prstGeom>
+          <a:noFill/>
+        </p:spPr>
+        <p:txBody>
+          <a:bodyPr wrap="none" rtlCol="0">
+            <a:spAutoFit/>
+          </a:bodyPr>
+          <a:lstStyle/>
+          <a:p>
+            <a:r>
+              <a:rPr kumimoji="1" lang="en-US" altLang="zh-CN" sz="1400" dirty="0"/>
+              <a:t>120</a:t>
+            </a:r>
+            <a:endParaRPr kumimoji="1" lang="zh-CN" altLang="en-US" sz="1400" dirty="0"/>
+          </a:p>
+        </p:txBody>
+      </p:sp>
+      <p:sp>
+        <p:nvSpPr>
+          <p:cNvPr id="68" name="右箭头 67"/>
+          <p:cNvSpPr/>
+          <p:nvPr/>
+        </p:nvSpPr>
+        <p:spPr>
+          <a:xfrm>
+            <a:off x="4105338" y="3317098"/>
+            <a:ext cx="525997" cy="244069"/>
+          </a:xfrm>
+          <a:prstGeom prst="rightArrow">
+            <a:avLst/>
+          </a:prstGeom>
+        </p:spPr>
+        <p:style>
+          <a:lnRef idx="2">
+            <a:schemeClr val="accent6">
+              <a:shade val="50000"/>
+            </a:schemeClr>
+          </a:lnRef>
+          <a:fillRef idx="1">
+            <a:schemeClr val="accent6"/>
+          </a:fillRef>
+          <a:effectRef idx="0">
+            <a:schemeClr val="accent6"/>
+          </a:effectRef>
+          <a:fontRef idx="minor">
+            <a:schemeClr val="lt1"/>
+          </a:fontRef>
+        </p:style>
+        <p:txBody>
+          <a:bodyPr rtlCol="0" anchor="ctr"/>
+          <a:lstStyle/>
+          <a:p>
+            <a:pPr algn="ctr"/>
+            <a:endParaRPr kumimoji="1" lang="zh-CN" altLang="en-US"/>
+          </a:p>
+        </p:txBody>
+      </p:sp>
+      <p:sp>
+        <p:nvSpPr>
+          <p:cNvPr id="71" name="线形标注 1 70"/>
+          <p:cNvSpPr/>
+          <p:nvPr/>
+        </p:nvSpPr>
+        <p:spPr>
+          <a:xfrm>
+            <a:off x="7322162" y="1746963"/>
+            <a:ext cx="485078" cy="185525"/>
+          </a:xfrm>
+          <a:prstGeom prst="borderCallout1">
+            <a:avLst>
+              <a:gd name="adj1" fmla="val 48257"/>
+              <a:gd name="adj2" fmla="val -433"/>
+              <a:gd name="adj3" fmla="val 124303"/>
+              <a:gd name="adj4" fmla="val -105302"/>
+            </a:avLst>
+          </a:prstGeom>
+          <a:ln>
+            <a:solidFill>
+              <a:srgbClr val="984807"/>
+            </a:solidFill>
+          </a:ln>
+        </p:spPr>
+        <p:style>
+          <a:lnRef idx="1">
+            <a:schemeClr val="accent1"/>
+          </a:lnRef>
+          <a:fillRef idx="3">
+            <a:schemeClr val="accent1"/>
+          </a:fillRef>
+          <a:effectRef idx="2">
+            <a:schemeClr val="accent1"/>
+          </a:effectRef>
+          <a:fontRef idx="minor">
+            <a:schemeClr val="lt1"/>
+          </a:fontRef>
+        </p:style>
+        <p:txBody>
+          <a:bodyPr rtlCol="0" anchor="ctr"/>
+          <a:lstStyle/>
+          <a:p>
+            <a:pPr algn="ctr"/>
+            <a:endParaRPr kumimoji="1" lang="zh-CN" altLang="en-US"/>
+          </a:p>
+        </p:txBody>
+      </p:sp>
+      <p:sp>
+        <p:nvSpPr>
+          <p:cNvPr id="55" name="文本框 54"/>
+          <p:cNvSpPr txBox="1"/>
+          <p:nvPr/>
+        </p:nvSpPr>
+        <p:spPr>
+          <a:xfrm>
+            <a:off x="7244374" y="1686702"/>
+            <a:ext cx="628372" cy="276999"/>
+          </a:xfrm>
+          <a:prstGeom prst="rect">
+            <a:avLst/>
+          </a:prstGeom>
+          <a:solidFill>
+            <a:schemeClr val="accent6">
+              <a:lumMod val="20000"/>
+              <a:lumOff val="80000"/>
+            </a:schemeClr>
+          </a:solidFill>
+          <a:ln>
+            <a:solidFill>
+              <a:schemeClr val="accent6">
+                <a:lumMod val="50000"/>
+              </a:schemeClr>
+            </a:solidFill>
+          </a:ln>
+        </p:spPr>
+        <p:txBody>
+          <a:bodyPr wrap="none" rtlCol="0">
+            <a:spAutoFit/>
+          </a:bodyPr>
+          <a:lstStyle/>
+          <a:p>
+            <a:r>
+              <a:rPr kumimoji="1" lang="en-US" altLang="zh-CN" sz="1200" dirty="0" smtClean="0"/>
+              <a:t>(0,</a:t>
+            </a:r>
+            <a:r>
+              <a:rPr kumimoji="1" lang="en-US" altLang="zh-CN" sz="1200" dirty="0" smtClean="0"/>
+              <a:t>120</a:t>
+            </a:r>
+            <a:r>
+              <a:rPr kumimoji="1" lang="en-US" altLang="zh-CN" sz="1200" dirty="0" smtClean="0"/>
+              <a:t>)</a:t>
+            </a:r>
+            <a:endParaRPr kumimoji="1" lang="zh-CN" altLang="en-US" sz="1200" dirty="0"/>
+          </a:p>
+        </p:txBody>
+      </p:sp>
+      <p:sp>
+        <p:nvSpPr>
+          <p:cNvPr id="72" name="线形标注 1 71"/>
+          <p:cNvSpPr/>
+          <p:nvPr/>
+        </p:nvSpPr>
+        <p:spPr>
+          <a:xfrm>
+            <a:off x="7725960" y="4592302"/>
+            <a:ext cx="645467" cy="215873"/>
+          </a:xfrm>
+          <a:prstGeom prst="borderCallout1">
+            <a:avLst>
+              <a:gd name="adj1" fmla="val 48257"/>
+              <a:gd name="adj2" fmla="val -433"/>
+              <a:gd name="adj3" fmla="val -116657"/>
+              <a:gd name="adj4" fmla="val -50377"/>
+            </a:avLst>
+          </a:prstGeom>
+          <a:solidFill>
+            <a:srgbClr val="FDEADA"/>
+          </a:solidFill>
+          <a:ln>
+            <a:solidFill>
+              <a:srgbClr val="984807"/>
+            </a:solidFill>
+          </a:ln>
+        </p:spPr>
+        <p:style>
+          <a:lnRef idx="1">
+            <a:schemeClr val="accent1"/>
+          </a:lnRef>
+          <a:fillRef idx="3">
+            <a:schemeClr val="accent1"/>
+          </a:fillRef>
+          <a:effectRef idx="2">
+            <a:schemeClr val="accent1"/>
+          </a:effectRef>
+          <a:fontRef idx="minor">
+            <a:schemeClr val="lt1"/>
+          </a:fontRef>
+        </p:style>
+        <p:txBody>
+          <a:bodyPr rtlCol="0" anchor="ctr"/>
+          <a:lstStyle/>
+          <a:p>
+            <a:pPr algn="ctr"/>
+            <a:endParaRPr kumimoji="1" lang="zh-CN" altLang="en-US"/>
+          </a:p>
+        </p:txBody>
+      </p:sp>
+      <p:sp>
+        <p:nvSpPr>
+          <p:cNvPr id="56" name="文本框 55"/>
+          <p:cNvSpPr txBox="1"/>
+          <p:nvPr/>
+        </p:nvSpPr>
+        <p:spPr>
+          <a:xfrm>
+            <a:off x="7669395" y="4551496"/>
+            <a:ext cx="783312" cy="276999"/>
+          </a:xfrm>
+          <a:prstGeom prst="rect">
+            <a:avLst/>
+          </a:prstGeom>
+          <a:noFill/>
+        </p:spPr>
+        <p:txBody>
+          <a:bodyPr wrap="none" rtlCol="0">
+            <a:spAutoFit/>
+          </a:bodyPr>
+          <a:lstStyle/>
+          <a:p>
+            <a:r>
+              <a:rPr kumimoji="1" lang="en-US" altLang="zh-CN" sz="1200" dirty="0" smtClean="0"/>
+              <a:t>(</a:t>
+            </a:r>
+            <a:r>
+              <a:rPr kumimoji="1" lang="en-US" altLang="zh-CN" sz="1200" dirty="0" smtClean="0"/>
+              <a:t>6</a:t>
+            </a:r>
+            <a:r>
+              <a:rPr kumimoji="1" lang="en-US" altLang="zh-CN" sz="1200" dirty="0" smtClean="0"/>
+              <a:t>0,</a:t>
+            </a:r>
+            <a:r>
+              <a:rPr kumimoji="1" lang="zh-CN" altLang="zh-CN" sz="1200" dirty="0" smtClean="0"/>
+              <a:t>-</a:t>
+            </a:r>
+            <a:r>
+              <a:rPr kumimoji="1" lang="en-US" altLang="zh-CN" sz="1200" dirty="0" smtClean="0"/>
+              <a:t>100</a:t>
+            </a:r>
+            <a:r>
+              <a:rPr kumimoji="1" lang="en-US" altLang="zh-CN" sz="1200" dirty="0" smtClean="0"/>
+              <a:t>)</a:t>
+            </a:r>
+            <a:endParaRPr kumimoji="1" lang="zh-CN" altLang="en-US" sz="1200" dirty="0"/>
+          </a:p>
+        </p:txBody>
+      </p:sp>
+      <p:sp>
+        <p:nvSpPr>
+          <p:cNvPr id="73" name="线形标注 1 72"/>
+          <p:cNvSpPr/>
+          <p:nvPr/>
+        </p:nvSpPr>
+        <p:spPr>
+          <a:xfrm>
+            <a:off x="5242560" y="4575433"/>
+            <a:ext cx="796839" cy="215873"/>
+          </a:xfrm>
+          <a:prstGeom prst="borderCallout1">
+            <a:avLst>
+              <a:gd name="adj1" fmla="val 57670"/>
+              <a:gd name="adj2" fmla="val 101880"/>
+              <a:gd name="adj3" fmla="val -93126"/>
+              <a:gd name="adj4" fmla="val 122690"/>
+            </a:avLst>
+          </a:prstGeom>
+          <a:solidFill>
+            <a:srgbClr val="FDEADA"/>
+          </a:solidFill>
+          <a:ln>
+            <a:solidFill>
+              <a:srgbClr val="984807"/>
+            </a:solidFill>
+          </a:ln>
+        </p:spPr>
+        <p:style>
+          <a:lnRef idx="1">
+            <a:schemeClr val="accent1"/>
+          </a:lnRef>
+          <a:fillRef idx="3">
+            <a:schemeClr val="accent1"/>
+          </a:fillRef>
+          <a:effectRef idx="2">
+            <a:schemeClr val="accent1"/>
+          </a:effectRef>
+          <a:fontRef idx="minor">
+            <a:schemeClr val="lt1"/>
+          </a:fontRef>
+        </p:style>
+        <p:txBody>
+          <a:bodyPr rtlCol="0" anchor="ctr"/>
+          <a:lstStyle/>
+          <a:p>
+            <a:pPr algn="ctr"/>
+            <a:endParaRPr kumimoji="1" lang="zh-CN" altLang="en-US"/>
+          </a:p>
+        </p:txBody>
+      </p:sp>
+      <p:sp>
+        <p:nvSpPr>
+          <p:cNvPr id="74" name="文本框 73"/>
+          <p:cNvSpPr txBox="1"/>
+          <p:nvPr/>
+        </p:nvSpPr>
+        <p:spPr>
+          <a:xfrm>
+            <a:off x="5251692" y="4532298"/>
+            <a:ext cx="830426" cy="276999"/>
+          </a:xfrm>
+          <a:prstGeom prst="rect">
+            <a:avLst/>
+          </a:prstGeom>
+          <a:noFill/>
+        </p:spPr>
+        <p:txBody>
+          <a:bodyPr wrap="none" rtlCol="0">
+            <a:spAutoFit/>
+          </a:bodyPr>
+          <a:lstStyle/>
+          <a:p>
+            <a:r>
+              <a:rPr kumimoji="1" lang="en-US" altLang="zh-CN" sz="1200" dirty="0" smtClean="0"/>
+              <a:t>(</a:t>
+            </a:r>
+            <a:r>
+              <a:rPr kumimoji="1" lang="en-US" altLang="zh-CN" sz="1200" dirty="0" smtClean="0"/>
+              <a:t>-6</a:t>
+            </a:r>
+            <a:r>
+              <a:rPr kumimoji="1" lang="en-US" altLang="zh-CN" sz="1200" dirty="0" smtClean="0"/>
+              <a:t>0,</a:t>
+            </a:r>
+            <a:r>
+              <a:rPr kumimoji="1" lang="zh-CN" altLang="zh-CN" sz="1200" dirty="0" smtClean="0"/>
+              <a:t>-</a:t>
+            </a:r>
+            <a:r>
+              <a:rPr kumimoji="1" lang="en-US" altLang="zh-CN" sz="1200" dirty="0" smtClean="0"/>
+              <a:t>100</a:t>
+            </a:r>
+            <a:r>
+              <a:rPr kumimoji="1" lang="en-US" altLang="zh-CN" sz="1200" dirty="0" smtClean="0"/>
+              <a:t>)</a:t>
+            </a:r>
+            <a:endParaRPr kumimoji="1" lang="zh-CN" altLang="en-US" sz="1200" dirty="0"/>
+          </a:p>
+        </p:txBody>
+      </p:sp>
+    </p:spTree>
+    <p:extLst>
+      <p:ext uri="{BB962C8B-B14F-4D97-AF65-F5344CB8AC3E}">
+        <p14:creationId xmlns:p14="http://schemas.microsoft.com/office/powerpoint/2010/main" val="2613863549"/>
+      </p:ext>
+    </p:extLst>
+  </p:cSld>
+  <p:clrMapOvr>
+    <a:masterClrMapping/>
+  </p:clrMapOvr>
+</p:sld>
+</file>
+
+<file path=ppt/slides/slide15.xml><?xml version="1.0" encoding="utf-8"?>
+<p:sld xmlns:a="http://schemas.openxmlformats.org/drawingml/2006/main" xmlns:r="http://schemas.openxmlformats.org/officeDocument/2006/relationships" xmlns:p="http://schemas.openxmlformats.org/presentationml/2006/main">
+  <p:cSld>
+    <p:spTree>
+      <p:nvGrpSpPr>
+        <p:cNvPr id="1" name=""/>
+        <p:cNvGrpSpPr/>
+        <p:nvPr/>
+      </p:nvGrpSpPr>
+      <p:grpSpPr>
+        <a:xfrm>
+          <a:off x="0" y="0"/>
+          <a:ext cx="0" cy="0"/>
+          <a:chOff x="0" y="0"/>
+          <a:chExt cx="0" cy="0"/>
+        </a:xfrm>
+      </p:grpSpPr>
+      <p:sp>
+        <p:nvSpPr>
+          <p:cNvPr id="4" name="等腰三角形 3"/>
+          <p:cNvSpPr/>
+          <p:nvPr/>
+        </p:nvSpPr>
+        <p:spPr>
+          <a:xfrm>
+            <a:off x="1506928" y="1385047"/>
+            <a:ext cx="1152487" cy="2424432"/>
+          </a:xfrm>
+          <a:prstGeom prst="triangle">
+            <a:avLst/>
+          </a:prstGeom>
+          <a:solidFill>
+            <a:srgbClr val="008000"/>
+          </a:solidFill>
+          <a:ln>
+            <a:solidFill>
+              <a:schemeClr val="accent3"/>
+            </a:solidFill>
+          </a:ln>
+        </p:spPr>
+        <p:style>
+          <a:lnRef idx="1">
+            <a:schemeClr val="accent1"/>
+          </a:lnRef>
+          <a:fillRef idx="3">
+            <a:schemeClr val="accent1"/>
+          </a:fillRef>
+          <a:effectRef idx="2">
+            <a:schemeClr val="accent1"/>
+          </a:effectRef>
+          <a:fontRef idx="minor">
+            <a:schemeClr val="lt1"/>
+          </a:fontRef>
+        </p:style>
+        <p:txBody>
+          <a:bodyPr rtlCol="0" anchor="ctr"/>
+          <a:lstStyle/>
+          <a:p>
+            <a:pPr algn="ctr"/>
+            <a:endParaRPr kumimoji="1" lang="zh-CN" altLang="en-US"/>
+          </a:p>
+        </p:txBody>
+      </p:sp>
+      <p:sp>
+        <p:nvSpPr>
+          <p:cNvPr id="5" name="文本框 4"/>
+          <p:cNvSpPr txBox="1"/>
+          <p:nvPr/>
+        </p:nvSpPr>
+        <p:spPr>
+          <a:xfrm>
+            <a:off x="3823853" y="2594952"/>
+            <a:ext cx="287258" cy="369332"/>
+          </a:xfrm>
+          <a:prstGeom prst="rect">
+            <a:avLst/>
+          </a:prstGeom>
+          <a:noFill/>
+        </p:spPr>
+        <p:txBody>
+          <a:bodyPr wrap="none" rtlCol="0">
+            <a:spAutoFit/>
+          </a:bodyPr>
+          <a:lstStyle/>
+          <a:p>
+            <a:r>
+              <a:rPr kumimoji="1" lang="en-US" altLang="zh-CN" dirty="0" smtClean="0"/>
+              <a:t>x</a:t>
+            </a:r>
+            <a:endParaRPr kumimoji="1" lang="zh-CN" altLang="en-US" dirty="0"/>
+          </a:p>
+        </p:txBody>
+      </p:sp>
+      <p:sp>
+        <p:nvSpPr>
+          <p:cNvPr id="6" name="等腰三角形 5"/>
+          <p:cNvSpPr/>
+          <p:nvPr/>
+        </p:nvSpPr>
+        <p:spPr>
+          <a:xfrm rot="5400000">
+            <a:off x="1904445" y="2750116"/>
+            <a:ext cx="188454" cy="143916"/>
+          </a:xfrm>
+          <a:prstGeom prst="triangle">
+            <a:avLst/>
+          </a:prstGeom>
+          <a:solidFill>
+            <a:schemeClr val="tx1"/>
+          </a:solidFill>
+          <a:ln>
+            <a:solidFill>
+              <a:srgbClr val="000000"/>
+            </a:solidFill>
+          </a:ln>
+        </p:spPr>
+        <p:style>
+          <a:lnRef idx="1">
+            <a:schemeClr val="accent1"/>
+          </a:lnRef>
+          <a:fillRef idx="3">
+            <a:schemeClr val="accent1"/>
+          </a:fillRef>
+          <a:effectRef idx="2">
+            <a:schemeClr val="accent1"/>
+          </a:effectRef>
+          <a:fontRef idx="minor">
+            <a:schemeClr val="lt1"/>
+          </a:fontRef>
+        </p:style>
+        <p:txBody>
+          <a:bodyPr rtlCol="0" anchor="ctr"/>
+          <a:lstStyle/>
+          <a:p>
+            <a:pPr algn="ctr"/>
+            <a:endParaRPr kumimoji="1" lang="zh-CN" altLang="en-US"/>
+          </a:p>
+        </p:txBody>
+      </p:sp>
+      <p:sp>
+        <p:nvSpPr>
+          <p:cNvPr id="7" name="文本框 6"/>
+          <p:cNvSpPr txBox="1"/>
+          <p:nvPr/>
+        </p:nvSpPr>
+        <p:spPr>
+          <a:xfrm>
+            <a:off x="2070343" y="2830930"/>
+            <a:ext cx="472380" cy="276999"/>
+          </a:xfrm>
+          <a:prstGeom prst="rect">
+            <a:avLst/>
+          </a:prstGeom>
+          <a:noFill/>
+        </p:spPr>
+        <p:txBody>
+          <a:bodyPr wrap="none" rtlCol="0">
+            <a:spAutoFit/>
+          </a:bodyPr>
+          <a:lstStyle/>
+          <a:p>
+            <a:r>
+              <a:rPr kumimoji="1" lang="en-US" altLang="zh-CN" sz="1200" dirty="0" smtClean="0"/>
+              <a:t>(0,0)</a:t>
+            </a:r>
+            <a:endParaRPr kumimoji="1" lang="zh-CN" altLang="en-US" sz="1200" dirty="0"/>
+          </a:p>
+        </p:txBody>
+      </p:sp>
+      <p:sp>
+        <p:nvSpPr>
+          <p:cNvPr id="8" name="文本框 7"/>
+          <p:cNvSpPr txBox="1"/>
+          <p:nvPr/>
+        </p:nvSpPr>
+        <p:spPr>
+          <a:xfrm>
+            <a:off x="2437518" y="2366549"/>
+            <a:ext cx="366657" cy="307777"/>
+          </a:xfrm>
+          <a:prstGeom prst="rect">
+            <a:avLst/>
+          </a:prstGeom>
+          <a:noFill/>
+        </p:spPr>
+        <p:txBody>
+          <a:bodyPr wrap="none" rtlCol="0">
+            <a:spAutoFit/>
+          </a:bodyPr>
+          <a:lstStyle/>
+          <a:p>
+            <a:r>
+              <a:rPr kumimoji="1" lang="en-US" altLang="zh-CN" sz="1400" dirty="0" smtClean="0"/>
+              <a:t>6</a:t>
+            </a:r>
+            <a:r>
+              <a:rPr kumimoji="1" lang="en-US" altLang="zh-CN" sz="1400" dirty="0" smtClean="0"/>
+              <a:t>0</a:t>
+            </a:r>
+            <a:endParaRPr kumimoji="1" lang="zh-CN" altLang="en-US" sz="1400" dirty="0"/>
+          </a:p>
+        </p:txBody>
+      </p:sp>
+      <p:cxnSp>
+        <p:nvCxnSpPr>
+          <p:cNvPr id="9" name="直线连接符 8"/>
+          <p:cNvCxnSpPr/>
+          <p:nvPr/>
+        </p:nvCxnSpPr>
+        <p:spPr>
+          <a:xfrm>
+            <a:off x="2617583" y="2674326"/>
+            <a:ext cx="0" cy="141013"/>
+          </a:xfrm>
+          <a:prstGeom prst="line">
+            <a:avLst/>
+          </a:prstGeom>
+          <a:ln>
+            <a:solidFill>
+              <a:schemeClr val="tx1"/>
+            </a:solidFill>
+          </a:ln>
+        </p:spPr>
+        <p:style>
+          <a:lnRef idx="2">
+            <a:schemeClr val="accent1"/>
+          </a:lnRef>
+          <a:fillRef idx="0">
+            <a:schemeClr val="accent1"/>
+          </a:fillRef>
+          <a:effectRef idx="1">
+            <a:schemeClr val="accent1"/>
+          </a:effectRef>
+          <a:fontRef idx="minor">
+            <a:schemeClr val="tx1"/>
+          </a:fontRef>
+        </p:style>
+      </p:cxnSp>
+      <p:sp>
+        <p:nvSpPr>
+          <p:cNvPr id="10" name="文本框 9"/>
+          <p:cNvSpPr txBox="1"/>
+          <p:nvPr/>
+        </p:nvSpPr>
+        <p:spPr>
+          <a:xfrm>
+            <a:off x="1310770" y="2368758"/>
+            <a:ext cx="421622" cy="307777"/>
+          </a:xfrm>
+          <a:prstGeom prst="rect">
+            <a:avLst/>
+          </a:prstGeom>
+          <a:noFill/>
+        </p:spPr>
+        <p:txBody>
+          <a:bodyPr wrap="none" rtlCol="0">
+            <a:spAutoFit/>
+          </a:bodyPr>
+          <a:lstStyle/>
+          <a:p>
+            <a:r>
+              <a:rPr kumimoji="1" lang="en-US" altLang="zh-CN" sz="1400" dirty="0" smtClean="0"/>
+              <a:t>-6</a:t>
+            </a:r>
+            <a:r>
+              <a:rPr kumimoji="1" lang="en-US" altLang="zh-CN" sz="1400" dirty="0" smtClean="0"/>
+              <a:t>0</a:t>
+            </a:r>
+            <a:endParaRPr kumimoji="1" lang="zh-CN" altLang="en-US" sz="1400" dirty="0"/>
+          </a:p>
+        </p:txBody>
+      </p:sp>
+      <p:cxnSp>
+        <p:nvCxnSpPr>
+          <p:cNvPr id="11" name="直线连接符 10"/>
+          <p:cNvCxnSpPr/>
+          <p:nvPr/>
+        </p:nvCxnSpPr>
+        <p:spPr>
+          <a:xfrm>
+            <a:off x="1503664" y="2676535"/>
+            <a:ext cx="0" cy="141013"/>
+          </a:xfrm>
+          <a:prstGeom prst="line">
+            <a:avLst/>
+          </a:prstGeom>
+          <a:ln>
+            <a:solidFill>
+              <a:schemeClr val="tx1"/>
+            </a:solidFill>
+          </a:ln>
+        </p:spPr>
+        <p:style>
+          <a:lnRef idx="2">
+            <a:schemeClr val="accent1"/>
+          </a:lnRef>
+          <a:fillRef idx="0">
+            <a:schemeClr val="accent1"/>
+          </a:fillRef>
+          <a:effectRef idx="1">
+            <a:schemeClr val="accent1"/>
+          </a:effectRef>
+          <a:fontRef idx="minor">
+            <a:schemeClr val="tx1"/>
+          </a:fontRef>
+        </p:style>
+      </p:cxnSp>
+      <p:cxnSp>
+        <p:nvCxnSpPr>
+          <p:cNvPr id="12" name="直线连接符 11"/>
+          <p:cNvCxnSpPr/>
+          <p:nvPr/>
+        </p:nvCxnSpPr>
+        <p:spPr>
+          <a:xfrm>
+            <a:off x="2659415" y="2830930"/>
+            <a:ext cx="0" cy="978549"/>
+          </a:xfrm>
+          <a:prstGeom prst="line">
+            <a:avLst/>
+          </a:prstGeom>
+          <a:ln w="3175" cmpd="sng">
+            <a:solidFill>
+              <a:schemeClr val="bg1">
+                <a:lumMod val="85000"/>
+              </a:schemeClr>
+            </a:solidFill>
+          </a:ln>
+        </p:spPr>
+        <p:style>
+          <a:lnRef idx="2">
+            <a:schemeClr val="accent1"/>
+          </a:lnRef>
+          <a:fillRef idx="0">
+            <a:schemeClr val="accent1"/>
+          </a:fillRef>
+          <a:effectRef idx="1">
+            <a:schemeClr val="accent1"/>
+          </a:effectRef>
+          <a:fontRef idx="minor">
+            <a:schemeClr val="tx1"/>
+          </a:fontRef>
+        </p:style>
+      </p:cxnSp>
+      <p:cxnSp>
+        <p:nvCxnSpPr>
+          <p:cNvPr id="13" name="直线连接符 12"/>
+          <p:cNvCxnSpPr/>
+          <p:nvPr/>
+        </p:nvCxnSpPr>
+        <p:spPr>
+          <a:xfrm>
+            <a:off x="1506928" y="2847476"/>
+            <a:ext cx="0" cy="978549"/>
+          </a:xfrm>
+          <a:prstGeom prst="line">
+            <a:avLst/>
+          </a:prstGeom>
+          <a:ln w="3175" cmpd="sng">
+            <a:solidFill>
+              <a:schemeClr val="bg1">
+                <a:lumMod val="85000"/>
+              </a:schemeClr>
+            </a:solidFill>
+          </a:ln>
+        </p:spPr>
+        <p:style>
+          <a:lnRef idx="2">
+            <a:schemeClr val="accent1"/>
+          </a:lnRef>
+          <a:fillRef idx="0">
+            <a:schemeClr val="accent1"/>
+          </a:fillRef>
+          <a:effectRef idx="1">
+            <a:schemeClr val="accent1"/>
+          </a:effectRef>
+          <a:fontRef idx="minor">
+            <a:schemeClr val="tx1"/>
+          </a:fontRef>
+        </p:style>
+      </p:cxnSp>
+      <p:cxnSp>
+        <p:nvCxnSpPr>
+          <p:cNvPr id="14" name="直线箭头连接符 13"/>
+          <p:cNvCxnSpPr/>
+          <p:nvPr/>
+        </p:nvCxnSpPr>
+        <p:spPr>
+          <a:xfrm flipH="1" flipV="1">
+            <a:off x="2086021" y="774905"/>
+            <a:ext cx="31032" cy="4248814"/>
+          </a:xfrm>
+          <a:prstGeom prst="straightConnector1">
+            <a:avLst/>
+          </a:prstGeom>
+          <a:ln>
+            <a:solidFill>
+              <a:srgbClr val="A6A6A6"/>
+            </a:solidFill>
+            <a:tailEnd type="arrow"/>
+          </a:ln>
+        </p:spPr>
+        <p:style>
+          <a:lnRef idx="2">
+            <a:schemeClr val="accent1"/>
+          </a:lnRef>
+          <a:fillRef idx="0">
+            <a:schemeClr val="accent1"/>
+          </a:fillRef>
+          <a:effectRef idx="1">
+            <a:schemeClr val="accent1"/>
+          </a:effectRef>
+          <a:fontRef idx="minor">
+            <a:schemeClr val="tx1"/>
+          </a:fontRef>
+        </p:style>
+      </p:cxnSp>
+      <p:cxnSp>
+        <p:nvCxnSpPr>
+          <p:cNvPr id="15" name="直线箭头连接符 14"/>
+          <p:cNvCxnSpPr/>
+          <p:nvPr/>
+        </p:nvCxnSpPr>
+        <p:spPr>
+          <a:xfrm>
+            <a:off x="327713" y="2813289"/>
+            <a:ext cx="3496140" cy="4259"/>
+          </a:xfrm>
+          <a:prstGeom prst="straightConnector1">
+            <a:avLst/>
+          </a:prstGeom>
+          <a:ln>
+            <a:solidFill>
+              <a:schemeClr val="bg1">
+                <a:lumMod val="65000"/>
+              </a:schemeClr>
+            </a:solidFill>
+            <a:tailEnd type="arrow"/>
+          </a:ln>
+        </p:spPr>
+        <p:style>
+          <a:lnRef idx="2">
+            <a:schemeClr val="accent1"/>
+          </a:lnRef>
+          <a:fillRef idx="0">
+            <a:schemeClr val="accent1"/>
+          </a:fillRef>
+          <a:effectRef idx="1">
+            <a:schemeClr val="accent1"/>
+          </a:effectRef>
+          <a:fontRef idx="minor">
+            <a:schemeClr val="tx1"/>
+          </a:fontRef>
+        </p:style>
+      </p:cxnSp>
+      <p:sp>
+        <p:nvSpPr>
+          <p:cNvPr id="17" name="文本框 16"/>
+          <p:cNvSpPr txBox="1"/>
+          <p:nvPr/>
+        </p:nvSpPr>
+        <p:spPr>
+          <a:xfrm>
+            <a:off x="1857195" y="1098476"/>
+            <a:ext cx="457652" cy="307777"/>
+          </a:xfrm>
+          <a:prstGeom prst="rect">
+            <a:avLst/>
+          </a:prstGeom>
+          <a:noFill/>
+        </p:spPr>
+        <p:txBody>
+          <a:bodyPr wrap="none" rtlCol="0">
+            <a:spAutoFit/>
+          </a:bodyPr>
+          <a:lstStyle/>
+          <a:p>
+            <a:r>
+              <a:rPr kumimoji="1" lang="en-US" altLang="zh-CN" sz="1400" dirty="0"/>
+              <a:t>120</a:t>
+            </a:r>
+            <a:endParaRPr kumimoji="1" lang="zh-CN" altLang="en-US" sz="1400" dirty="0"/>
+          </a:p>
+        </p:txBody>
+      </p:sp>
+      <p:sp>
+        <p:nvSpPr>
+          <p:cNvPr id="22" name="线形标注 1 21"/>
+          <p:cNvSpPr/>
+          <p:nvPr/>
+        </p:nvSpPr>
+        <p:spPr>
+          <a:xfrm>
+            <a:off x="875970" y="4441398"/>
+            <a:ext cx="653071" cy="215873"/>
+          </a:xfrm>
+          <a:prstGeom prst="borderCallout1">
+            <a:avLst>
+              <a:gd name="adj1" fmla="val 57670"/>
+              <a:gd name="adj2" fmla="val 101880"/>
+              <a:gd name="adj3" fmla="val 53964"/>
+              <a:gd name="adj4" fmla="val 173921"/>
+            </a:avLst>
+          </a:prstGeom>
+          <a:solidFill>
+            <a:srgbClr val="B9CDE5"/>
+          </a:solidFill>
+          <a:ln>
+            <a:solidFill>
+              <a:srgbClr val="3366FF"/>
+            </a:solidFill>
+          </a:ln>
+        </p:spPr>
+        <p:style>
+          <a:lnRef idx="2">
+            <a:schemeClr val="dk1"/>
+          </a:lnRef>
+          <a:fillRef idx="1">
+            <a:schemeClr val="lt1"/>
+          </a:fillRef>
+          <a:effectRef idx="0">
+            <a:schemeClr val="dk1"/>
+          </a:effectRef>
+          <a:fontRef idx="minor">
+            <a:schemeClr val="dk1"/>
+          </a:fontRef>
+        </p:style>
+        <p:txBody>
+          <a:bodyPr rtlCol="0" anchor="ctr"/>
+          <a:lstStyle/>
+          <a:p>
+            <a:pPr algn="ctr"/>
+            <a:endParaRPr kumimoji="1" lang="zh-CN" altLang="en-US"/>
+          </a:p>
+        </p:txBody>
+      </p:sp>
+      <p:sp>
+        <p:nvSpPr>
+          <p:cNvPr id="23" name="文本框 22"/>
+          <p:cNvSpPr txBox="1"/>
+          <p:nvPr/>
+        </p:nvSpPr>
+        <p:spPr>
+          <a:xfrm>
+            <a:off x="854734" y="4402956"/>
+            <a:ext cx="704264" cy="276999"/>
+          </a:xfrm>
+          <a:prstGeom prst="rect">
+            <a:avLst/>
+          </a:prstGeom>
+          <a:noFill/>
+        </p:spPr>
+        <p:txBody>
+          <a:bodyPr wrap="none" rtlCol="0">
+            <a:spAutoFit/>
+          </a:bodyPr>
+          <a:lstStyle/>
+          <a:p>
+            <a:r>
+              <a:rPr kumimoji="1" lang="en-US" altLang="zh-CN" sz="1200" dirty="0" smtClean="0"/>
+              <a:t>(</a:t>
+            </a:r>
+            <a:r>
+              <a:rPr kumimoji="1" lang="zh-CN" altLang="zh-CN" sz="1200" dirty="0"/>
+              <a:t>0</a:t>
+            </a:r>
+            <a:r>
+              <a:rPr kumimoji="1" lang="en-US" altLang="zh-CN" sz="1200" dirty="0" smtClean="0"/>
+              <a:t>,</a:t>
+            </a:r>
+            <a:r>
+              <a:rPr kumimoji="1" lang="zh-CN" altLang="zh-CN" sz="1200" dirty="0" smtClean="0"/>
+              <a:t>-</a:t>
+            </a:r>
+            <a:r>
+              <a:rPr kumimoji="1" lang="en-US" altLang="zh-CN" sz="1200" dirty="0" smtClean="0"/>
+              <a:t>170</a:t>
+            </a:r>
+            <a:r>
+              <a:rPr kumimoji="1" lang="en-US" altLang="zh-CN" sz="1200" dirty="0" smtClean="0"/>
+              <a:t>)</a:t>
+            </a:r>
+            <a:endParaRPr kumimoji="1" lang="zh-CN" altLang="en-US" sz="1200" dirty="0"/>
+          </a:p>
+        </p:txBody>
+      </p:sp>
+      <p:sp>
+        <p:nvSpPr>
+          <p:cNvPr id="24" name="圆角矩形 23"/>
+          <p:cNvSpPr/>
+          <p:nvPr/>
+        </p:nvSpPr>
+        <p:spPr>
+          <a:xfrm>
+            <a:off x="1935440" y="3711958"/>
+            <a:ext cx="323842" cy="976095"/>
+          </a:xfrm>
+          <a:prstGeom prst="roundRect">
+            <a:avLst>
+              <a:gd name="adj" fmla="val 50000"/>
+            </a:avLst>
+          </a:prstGeom>
+          <a:solidFill>
+            <a:srgbClr val="800000"/>
+          </a:solidFill>
+          <a:ln>
+            <a:solidFill>
+              <a:srgbClr val="984807"/>
+            </a:solidFill>
+          </a:ln>
+        </p:spPr>
+        <p:style>
+          <a:lnRef idx="1">
+            <a:schemeClr val="accent1"/>
+          </a:lnRef>
+          <a:fillRef idx="3">
+            <a:schemeClr val="accent1"/>
+          </a:fillRef>
+          <a:effectRef idx="2">
+            <a:schemeClr val="accent1"/>
+          </a:effectRef>
+          <a:fontRef idx="minor">
+            <a:schemeClr val="lt1"/>
+          </a:fontRef>
+        </p:style>
+        <p:txBody>
+          <a:bodyPr rtlCol="0" anchor="ctr"/>
+          <a:lstStyle/>
+          <a:p>
+            <a:pPr algn="ctr"/>
+            <a:endParaRPr kumimoji="1" lang="zh-CN" altLang="en-US"/>
+          </a:p>
+        </p:txBody>
+      </p:sp>
+      <p:sp>
+        <p:nvSpPr>
+          <p:cNvPr id="20" name="线形标注 1 19"/>
+          <p:cNvSpPr/>
+          <p:nvPr/>
+        </p:nvSpPr>
+        <p:spPr>
+          <a:xfrm>
+            <a:off x="2715980" y="3903437"/>
+            <a:ext cx="645467" cy="215873"/>
+          </a:xfrm>
+          <a:prstGeom prst="borderCallout1">
+            <a:avLst>
+              <a:gd name="adj1" fmla="val 48257"/>
+              <a:gd name="adj2" fmla="val -433"/>
+              <a:gd name="adj3" fmla="val -37858"/>
+              <a:gd name="adj4" fmla="val -90783"/>
+            </a:avLst>
+          </a:prstGeom>
+          <a:solidFill>
+            <a:srgbClr val="B9CDE5"/>
+          </a:solidFill>
+          <a:ln>
+            <a:solidFill>
+              <a:srgbClr val="3366FF"/>
+            </a:solidFill>
+          </a:ln>
+        </p:spPr>
+        <p:style>
+          <a:lnRef idx="2">
+            <a:schemeClr val="dk1"/>
+          </a:lnRef>
+          <a:fillRef idx="1">
+            <a:schemeClr val="lt1"/>
+          </a:fillRef>
+          <a:effectRef idx="0">
+            <a:schemeClr val="dk1"/>
+          </a:effectRef>
+          <a:fontRef idx="minor">
+            <a:schemeClr val="dk1"/>
+          </a:fontRef>
+        </p:style>
+        <p:txBody>
+          <a:bodyPr rtlCol="0" anchor="ctr"/>
+          <a:lstStyle/>
+          <a:p>
+            <a:pPr algn="ctr"/>
+            <a:endParaRPr kumimoji="1" lang="zh-CN" altLang="en-US"/>
+          </a:p>
+        </p:txBody>
+      </p:sp>
+      <p:sp>
+        <p:nvSpPr>
+          <p:cNvPr id="21" name="文本框 20"/>
+          <p:cNvSpPr txBox="1"/>
+          <p:nvPr/>
+        </p:nvSpPr>
+        <p:spPr>
+          <a:xfrm>
+            <a:off x="2659415" y="3858137"/>
+            <a:ext cx="705316" cy="276999"/>
+          </a:xfrm>
+          <a:prstGeom prst="rect">
+            <a:avLst/>
+          </a:prstGeom>
+          <a:noFill/>
+        </p:spPr>
+        <p:txBody>
+          <a:bodyPr wrap="none" rtlCol="0">
+            <a:spAutoFit/>
+          </a:bodyPr>
+          <a:lstStyle/>
+          <a:p>
+            <a:r>
+              <a:rPr kumimoji="1" lang="en-US" altLang="zh-CN" sz="1200" dirty="0" smtClean="0"/>
+              <a:t>(0,</a:t>
+            </a:r>
+            <a:r>
+              <a:rPr kumimoji="1" lang="zh-CN" altLang="zh-CN" sz="1200" dirty="0" smtClean="0"/>
+              <a:t>-</a:t>
+            </a:r>
+            <a:r>
+              <a:rPr kumimoji="1" lang="en-US" altLang="zh-CN" sz="1200" dirty="0" smtClean="0"/>
+              <a:t>100</a:t>
+            </a:r>
+            <a:r>
+              <a:rPr kumimoji="1" lang="en-US" altLang="zh-CN" sz="1200" dirty="0" smtClean="0"/>
+              <a:t>)</a:t>
+            </a:r>
+            <a:endParaRPr kumimoji="1" lang="zh-CN" altLang="en-US" sz="1200" dirty="0"/>
+          </a:p>
+        </p:txBody>
+      </p:sp>
+    </p:spTree>
+    <p:extLst>
+      <p:ext uri="{BB962C8B-B14F-4D97-AF65-F5344CB8AC3E}">
+        <p14:creationId xmlns:p14="http://schemas.microsoft.com/office/powerpoint/2010/main" val="1074218723"/>
       </p:ext>
     </p:extLst>
   </p:cSld>

--- a/Python入门课0.pptx
+++ b/Python入门课0.pptx
@@ -18,10 +18,12 @@
     <p:sldId id="269" r:id="rId12"/>
     <p:sldId id="270" r:id="rId13"/>
     <p:sldId id="271" r:id="rId14"/>
-    <p:sldId id="267" r:id="rId15"/>
-    <p:sldId id="266" r:id="rId16"/>
-    <p:sldId id="268" r:id="rId17"/>
-    <p:sldId id="272" r:id="rId18"/>
+    <p:sldId id="273" r:id="rId15"/>
+    <p:sldId id="267" r:id="rId16"/>
+    <p:sldId id="266" r:id="rId17"/>
+    <p:sldId id="268" r:id="rId18"/>
+    <p:sldId id="272" r:id="rId19"/>
+    <p:sldId id="274" r:id="rId20"/>
   </p:sldIdLst>
   <p:sldSz cx="9144000" cy="6858000" type="screen4x3"/>
   <p:notesSz cx="6858000" cy="9144000"/>
@@ -122,7 +124,7 @@
   </p:defaultTextStyle>
   <p:extLst>
     <p:ext uri="{EFAFB233-063F-42B5-8137-9DF3F51BA10A}">
-      <p15:sldGuideLst xmlns:p15="http://schemas.microsoft.com/office/powerpoint/2012/main">
+      <p15:sldGuideLst xmlns:p15="http://schemas.microsoft.com/office/powerpoint/2012/main" xmlns="">
         <p15:guide id="1" orient="horz" pos="2160">
           <p15:clr>
             <a:srgbClr val="A4A3A4"/>
@@ -318,7 +320,7 @@
           <a:p>
             <a:fld id="{AD413914-F3AF-F74C-BD1B-B3ED4A71B459}" type="datetimeFigureOut">
               <a:rPr kumimoji="1" lang="zh-CN" altLang="en-US" smtClean="0"/>
-              <a:t>2020/1/7</a:t>
+              <a:t>20-1-15</a:t>
             </a:fld>
             <a:endParaRPr kumimoji="1" lang="zh-CN" altLang="en-US"/>
           </a:p>
@@ -486,7 +488,7 @@
           <a:p>
             <a:fld id="{AD413914-F3AF-F74C-BD1B-B3ED4A71B459}" type="datetimeFigureOut">
               <a:rPr kumimoji="1" lang="zh-CN" altLang="en-US" smtClean="0"/>
-              <a:t>2020/1/7</a:t>
+              <a:t>20-1-15</a:t>
             </a:fld>
             <a:endParaRPr kumimoji="1" lang="zh-CN" altLang="en-US"/>
           </a:p>
@@ -664,7 +666,7 @@
           <a:p>
             <a:fld id="{AD413914-F3AF-F74C-BD1B-B3ED4A71B459}" type="datetimeFigureOut">
               <a:rPr kumimoji="1" lang="zh-CN" altLang="en-US" smtClean="0"/>
-              <a:t>2020/1/7</a:t>
+              <a:t>20-1-15</a:t>
             </a:fld>
             <a:endParaRPr kumimoji="1" lang="zh-CN" altLang="en-US"/>
           </a:p>
@@ -832,7 +834,7 @@
           <a:p>
             <a:fld id="{AD413914-F3AF-F74C-BD1B-B3ED4A71B459}" type="datetimeFigureOut">
               <a:rPr kumimoji="1" lang="zh-CN" altLang="en-US" smtClean="0"/>
-              <a:t>2020/1/7</a:t>
+              <a:t>20-1-15</a:t>
             </a:fld>
             <a:endParaRPr kumimoji="1" lang="zh-CN" altLang="en-US"/>
           </a:p>
@@ -1077,7 +1079,7 @@
           <a:p>
             <a:fld id="{AD413914-F3AF-F74C-BD1B-B3ED4A71B459}" type="datetimeFigureOut">
               <a:rPr kumimoji="1" lang="zh-CN" altLang="en-US" smtClean="0"/>
-              <a:t>2020/1/7</a:t>
+              <a:t>20-1-15</a:t>
             </a:fld>
             <a:endParaRPr kumimoji="1" lang="zh-CN" altLang="en-US"/>
           </a:p>
@@ -1362,7 +1364,7 @@
           <a:p>
             <a:fld id="{AD413914-F3AF-F74C-BD1B-B3ED4A71B459}" type="datetimeFigureOut">
               <a:rPr kumimoji="1" lang="zh-CN" altLang="en-US" smtClean="0"/>
-              <a:t>2020/1/7</a:t>
+              <a:t>20-1-15</a:t>
             </a:fld>
             <a:endParaRPr kumimoji="1" lang="zh-CN" altLang="en-US"/>
           </a:p>
@@ -1781,7 +1783,7 @@
           <a:p>
             <a:fld id="{AD413914-F3AF-F74C-BD1B-B3ED4A71B459}" type="datetimeFigureOut">
               <a:rPr kumimoji="1" lang="zh-CN" altLang="en-US" smtClean="0"/>
-              <a:t>2020/1/7</a:t>
+              <a:t>20-1-15</a:t>
             </a:fld>
             <a:endParaRPr kumimoji="1" lang="zh-CN" altLang="en-US"/>
           </a:p>
@@ -1898,7 +1900,7 @@
           <a:p>
             <a:fld id="{AD413914-F3AF-F74C-BD1B-B3ED4A71B459}" type="datetimeFigureOut">
               <a:rPr kumimoji="1" lang="zh-CN" altLang="en-US" smtClean="0"/>
-              <a:t>2020/1/7</a:t>
+              <a:t>20-1-15</a:t>
             </a:fld>
             <a:endParaRPr kumimoji="1" lang="zh-CN" altLang="en-US"/>
           </a:p>
@@ -1993,7 +1995,7 @@
           <a:p>
             <a:fld id="{AD413914-F3AF-F74C-BD1B-B3ED4A71B459}" type="datetimeFigureOut">
               <a:rPr kumimoji="1" lang="zh-CN" altLang="en-US" smtClean="0"/>
-              <a:t>2020/1/7</a:t>
+              <a:t>20-1-15</a:t>
             </a:fld>
             <a:endParaRPr kumimoji="1" lang="zh-CN" altLang="en-US"/>
           </a:p>
@@ -2268,7 +2270,7 @@
           <a:p>
             <a:fld id="{AD413914-F3AF-F74C-BD1B-B3ED4A71B459}" type="datetimeFigureOut">
               <a:rPr kumimoji="1" lang="zh-CN" altLang="en-US" smtClean="0"/>
-              <a:t>2020/1/7</a:t>
+              <a:t>20-1-15</a:t>
             </a:fld>
             <a:endParaRPr kumimoji="1" lang="zh-CN" altLang="en-US"/>
           </a:p>
@@ -2520,7 +2522,7 @@
           <a:p>
             <a:fld id="{AD413914-F3AF-F74C-BD1B-B3ED4A71B459}" type="datetimeFigureOut">
               <a:rPr kumimoji="1" lang="zh-CN" altLang="en-US" smtClean="0"/>
-              <a:t>2020/1/7</a:t>
+              <a:t>20-1-15</a:t>
             </a:fld>
             <a:endParaRPr kumimoji="1" lang="zh-CN" altLang="en-US"/>
           </a:p>
@@ -2731,7 +2733,7 @@
           <a:p>
             <a:fld id="{AD413914-F3AF-F74C-BD1B-B3ED4A71B459}" type="datetimeFigureOut">
               <a:rPr kumimoji="1" lang="zh-CN" altLang="en-US" smtClean="0"/>
-              <a:t>2020/1/7</a:t>
+              <a:t>20-1-15</a:t>
             </a:fld>
             <a:endParaRPr kumimoji="1" lang="zh-CN" altLang="en-US"/>
           </a:p>
@@ -3229,7 +3231,7 @@
           <p:cNvPr id="4" name="文本框 3">
             <a:extLst>
               <a:ext uri="{FF2B5EF4-FFF2-40B4-BE49-F238E27FC236}">
-                <a16:creationId xmlns:a16="http://schemas.microsoft.com/office/drawing/2014/main" id="{5DE04A94-D8ED-C547-9F30-9803974C771C}"/>
+                <a16:creationId xmlns:a16="http://schemas.microsoft.com/office/drawing/2014/main" xmlns="" id="{5DE04A94-D8ED-C547-9F30-9803974C771C}"/>
               </a:ext>
             </a:extLst>
           </p:cNvPr>
@@ -3296,6 +3298,10 @@
             <a:br>
               <a:rPr lang="en" altLang="zh-CN" sz="1200" dirty="0"/>
             </a:br>
+            <a:r>
+              <a:rPr lang="en" altLang="zh-CN" sz="1200" dirty="0"/>
+              <a:t/>
+            </a:r>
             <a:br>
               <a:rPr lang="en" altLang="zh-CN" sz="1200" dirty="0"/>
             </a:br>
@@ -3373,6 +3379,10 @@
             <a:br>
               <a:rPr lang="en" altLang="zh-CN" sz="1200" dirty="0"/>
             </a:br>
+            <a:r>
+              <a:rPr lang="en" altLang="zh-CN" sz="1200" dirty="0"/>
+              <a:t/>
+            </a:r>
             <a:br>
               <a:rPr lang="en" altLang="zh-CN" sz="1200" dirty="0"/>
             </a:br>
@@ -3436,6 +3446,10 @@
             <a:br>
               <a:rPr lang="en" altLang="zh-CN" sz="1200" dirty="0"/>
             </a:br>
+            <a:r>
+              <a:rPr lang="en" altLang="zh-CN" sz="1200" dirty="0"/>
+              <a:t/>
+            </a:r>
             <a:br>
               <a:rPr lang="en" altLang="zh-CN" sz="1200" dirty="0"/>
             </a:br>
@@ -3510,6 +3524,10 @@
             <a:br>
               <a:rPr lang="en" altLang="zh-CN" sz="1200" dirty="0"/>
             </a:br>
+            <a:r>
+              <a:rPr lang="en" altLang="zh-CN" sz="1200" dirty="0"/>
+              <a:t/>
+            </a:r>
             <a:br>
               <a:rPr lang="en" altLang="zh-CN" sz="1200" dirty="0"/>
             </a:br>
@@ -3531,6 +3549,10 @@
             <a:br>
               <a:rPr lang="en" altLang="zh-CN" sz="1200" dirty="0"/>
             </a:br>
+            <a:r>
+              <a:rPr lang="en" altLang="zh-CN" sz="1200" dirty="0"/>
+              <a:t/>
+            </a:r>
             <a:br>
               <a:rPr lang="en" altLang="zh-CN" sz="1200" dirty="0"/>
             </a:br>
@@ -4645,7 +4667,7 @@
           <p:cNvPr id="36" name="五角星 35">
             <a:extLst>
               <a:ext uri="{FF2B5EF4-FFF2-40B4-BE49-F238E27FC236}">
-                <a16:creationId xmlns:a16="http://schemas.microsoft.com/office/drawing/2014/main" id="{A032BD03-98D0-594D-A3F2-D6613B8704D1}"/>
+                <a16:creationId xmlns:a16="http://schemas.microsoft.com/office/drawing/2014/main" xmlns="" id="{A032BD03-98D0-594D-A3F2-D6613B8704D1}"/>
               </a:ext>
             </a:extLst>
           </p:cNvPr>
@@ -4697,7 +4719,7 @@
           <p:cNvPr id="37" name="文本框 36">
             <a:extLst>
               <a:ext uri="{FF2B5EF4-FFF2-40B4-BE49-F238E27FC236}">
-                <a16:creationId xmlns:a16="http://schemas.microsoft.com/office/drawing/2014/main" id="{D76544D3-F23A-ED43-A5CA-2B2A2B3A4C72}"/>
+                <a16:creationId xmlns:a16="http://schemas.microsoft.com/office/drawing/2014/main" xmlns="" id="{D76544D3-F23A-ED43-A5CA-2B2A2B3A4C72}"/>
               </a:ext>
             </a:extLst>
           </p:cNvPr>
@@ -4735,6 +4757,30 @@
           </a:p>
         </p:txBody>
       </p:sp>
+      <p:pic>
+        <p:nvPicPr>
+          <p:cNvPr id="3" name="图片 2"/>
+          <p:cNvPicPr>
+            <a:picLocks noChangeAspect="1"/>
+          </p:cNvPicPr>
+          <p:nvPr/>
+        </p:nvPicPr>
+        <p:blipFill>
+          <a:blip r:embed="rId2"/>
+          <a:stretch>
+            <a:fillRect/>
+          </a:stretch>
+        </p:blipFill>
+        <p:spPr>
+          <a:xfrm>
+            <a:off x="4462119" y="3830918"/>
+            <a:ext cx="2699397" cy="1694512"/>
+          </a:xfrm>
+          <a:prstGeom prst="rect">
+            <a:avLst/>
+          </a:prstGeom>
+        </p:spPr>
+      </p:pic>
     </p:spTree>
     <p:extLst>
       <p:ext uri="{BB962C8B-B14F-4D97-AF65-F5344CB8AC3E}">
@@ -7358,9 +7404,130 @@
           <a:chExt cx="0" cy="0"/>
         </a:xfrm>
       </p:grpSpPr>
+      <p:sp>
+        <p:nvSpPr>
+          <p:cNvPr id="4" name="文本框 3"/>
+          <p:cNvSpPr txBox="1"/>
+          <p:nvPr/>
+        </p:nvSpPr>
+        <p:spPr>
+          <a:xfrm>
+            <a:off x="851647" y="762000"/>
+            <a:ext cx="2309947" cy="2862323"/>
+          </a:xfrm>
+          <a:prstGeom prst="rect">
+            <a:avLst/>
+          </a:prstGeom>
+          <a:noFill/>
+        </p:spPr>
+        <p:txBody>
+          <a:bodyPr wrap="none" rtlCol="0">
+            <a:spAutoFit/>
+          </a:bodyPr>
+          <a:lstStyle/>
+          <a:p>
+            <a:r>
+              <a:rPr lang="nl-NL" altLang="zh-CN" dirty="0">
+                <a:solidFill>
+                  <a:srgbClr val="FF0000"/>
+                </a:solidFill>
+              </a:rPr>
+              <a:t>t.pensize(3)</a:t>
+            </a:r>
+            <a:br>
+              <a:rPr lang="nl-NL" altLang="zh-CN" dirty="0">
+                <a:solidFill>
+                  <a:srgbClr val="FF0000"/>
+                </a:solidFill>
+              </a:rPr>
+            </a:br>
+            <a:r>
+              <a:rPr lang="nl-NL" altLang="zh-CN" dirty="0">
+                <a:solidFill>
+                  <a:srgbClr val="FF0000"/>
+                </a:solidFill>
+              </a:rPr>
+              <a:t>t.color('Yellow', 'Gold')</a:t>
+            </a:r>
+            <a:br>
+              <a:rPr lang="nl-NL" altLang="zh-CN" dirty="0">
+                <a:solidFill>
+                  <a:srgbClr val="FF0000"/>
+                </a:solidFill>
+              </a:rPr>
+            </a:br>
+            <a:r>
+              <a:rPr lang="nl-NL" altLang="zh-CN" dirty="0">
+                <a:solidFill>
+                  <a:srgbClr val="FF0000"/>
+                </a:solidFill>
+              </a:rPr>
+              <a:t>t.begin_fill()</a:t>
+            </a:r>
+            <a:br>
+              <a:rPr lang="nl-NL" altLang="zh-CN" dirty="0">
+                <a:solidFill>
+                  <a:srgbClr val="FF0000"/>
+                </a:solidFill>
+              </a:rPr>
+            </a:br>
+            <a:r>
+              <a:rPr lang="nl-NL" altLang="zh-CN" dirty="0"/>
+              <a:t>for i in range(5):</a:t>
+            </a:r>
+            <a:br>
+              <a:rPr lang="nl-NL" altLang="zh-CN" dirty="0"/>
+            </a:br>
+            <a:r>
+              <a:rPr lang="nl-NL" altLang="zh-CN" dirty="0"/>
+              <a:t>    t.fd(20)</a:t>
+            </a:r>
+            <a:br>
+              <a:rPr lang="nl-NL" altLang="zh-CN" dirty="0"/>
+            </a:br>
+            <a:r>
+              <a:rPr lang="nl-NL" altLang="zh-CN" dirty="0"/>
+              <a:t>    t.right(144)</a:t>
+            </a:r>
+            <a:br>
+              <a:rPr lang="nl-NL" altLang="zh-CN" dirty="0"/>
+            </a:br>
+            <a:r>
+              <a:rPr lang="nl-NL" altLang="zh-CN" dirty="0"/>
+              <a:t>    t.fd(20)</a:t>
+            </a:r>
+            <a:br>
+              <a:rPr lang="nl-NL" altLang="zh-CN" dirty="0"/>
+            </a:br>
+            <a:r>
+              <a:rPr lang="nl-NL" altLang="zh-CN" dirty="0"/>
+              <a:t>    t.left(72)</a:t>
+            </a:r>
+            <a:endParaRPr lang="nl-NL" altLang="zh-CN" dirty="0"/>
+          </a:p>
+          <a:p>
+            <a:r>
+              <a:rPr lang="nl-NL" altLang="zh-CN" dirty="0">
+                <a:solidFill>
+                  <a:srgbClr val="FF0000"/>
+                </a:solidFill>
+              </a:rPr>
+              <a:t>t.end_fill()</a:t>
+            </a:r>
+            <a:endParaRPr lang="nl-NL" altLang="zh-CN" dirty="0">
+              <a:solidFill>
+                <a:srgbClr val="FF0000"/>
+              </a:solidFill>
+            </a:endParaRPr>
+          </a:p>
+          <a:p>
+            <a:endParaRPr kumimoji="1" lang="zh-CN" altLang="en-US" dirty="0"/>
+          </a:p>
+        </p:txBody>
+      </p:sp>
       <p:pic>
         <p:nvPicPr>
-          <p:cNvPr id="29" name="图片 28"/>
+          <p:cNvPr id="7" name="图片 6"/>
           <p:cNvPicPr>
             <a:picLocks noChangeAspect="1"/>
           </p:cNvPicPr>
@@ -7374,17 +7541,55 @@
         </p:blipFill>
         <p:spPr>
           <a:xfrm>
-            <a:off x="0" y="293943"/>
-            <a:ext cx="3652248" cy="3565059"/>
+            <a:off x="3375211" y="968092"/>
+            <a:ext cx="2511613" cy="2252478"/>
           </a:xfrm>
           <a:prstGeom prst="rect">
             <a:avLst/>
           </a:prstGeom>
         </p:spPr>
       </p:pic>
+      <p:sp>
+        <p:nvSpPr>
+          <p:cNvPr id="8" name="文本框 7"/>
+          <p:cNvSpPr txBox="1"/>
+          <p:nvPr/>
+        </p:nvSpPr>
+        <p:spPr>
+          <a:xfrm>
+            <a:off x="1030941" y="5229411"/>
+            <a:ext cx="1394845" cy="369332"/>
+          </a:xfrm>
+          <a:prstGeom prst="rect">
+            <a:avLst/>
+          </a:prstGeom>
+          <a:noFill/>
+        </p:spPr>
+        <p:txBody>
+          <a:bodyPr wrap="none" rtlCol="0">
+            <a:spAutoFit/>
+          </a:bodyPr>
+          <a:lstStyle/>
+          <a:p>
+            <a:r>
+              <a:rPr lang="en-US" altLang="zh-CN" dirty="0">
+                <a:solidFill>
+                  <a:srgbClr val="FF0000"/>
+                </a:solidFill>
+              </a:rPr>
+              <a:t>t.hideturtle()</a:t>
+            </a:r>
+            <a:endParaRPr kumimoji="1" lang="zh-CN" altLang="en-US" dirty="0">
+              <a:solidFill>
+                <a:srgbClr val="FF0000"/>
+              </a:solidFill>
+            </a:endParaRPr>
+          </a:p>
+        </p:txBody>
+      </p:sp>
       <p:pic>
         <p:nvPicPr>
-          <p:cNvPr id="30" name="图片 29"/>
+          <p:cNvPr id="9" name="图片 8"/>
           <p:cNvPicPr>
             <a:picLocks noChangeAspect="1"/>
           </p:cNvPicPr>
@@ -7398,109 +7603,18 @@
         </p:blipFill>
         <p:spPr>
           <a:xfrm>
-            <a:off x="3652248" y="782476"/>
-            <a:ext cx="1876957" cy="2350752"/>
+            <a:off x="3548677" y="4222981"/>
+            <a:ext cx="2338147" cy="2132390"/>
           </a:xfrm>
           <a:prstGeom prst="rect">
             <a:avLst/>
           </a:prstGeom>
         </p:spPr>
       </p:pic>
-      <p:pic>
-        <p:nvPicPr>
-          <p:cNvPr id="31" name="图片 30"/>
-          <p:cNvPicPr>
-            <a:picLocks noChangeAspect="1"/>
-          </p:cNvPicPr>
-          <p:nvPr/>
-        </p:nvPicPr>
-        <p:blipFill>
-          <a:blip r:embed="rId4"/>
-          <a:stretch>
-            <a:fillRect/>
-          </a:stretch>
-        </p:blipFill>
-        <p:spPr>
-          <a:xfrm>
-            <a:off x="5800820" y="782476"/>
-            <a:ext cx="1467887" cy="2326650"/>
-          </a:xfrm>
-          <a:prstGeom prst="rect">
-            <a:avLst/>
-          </a:prstGeom>
-        </p:spPr>
-      </p:pic>
-      <p:pic>
-        <p:nvPicPr>
-          <p:cNvPr id="32" name="图片 31"/>
-          <p:cNvPicPr>
-            <a:picLocks noChangeAspect="1"/>
-          </p:cNvPicPr>
-          <p:nvPr/>
-        </p:nvPicPr>
-        <p:blipFill>
-          <a:blip r:embed="rId5"/>
-          <a:stretch>
-            <a:fillRect/>
-          </a:stretch>
-        </p:blipFill>
-        <p:spPr>
-          <a:xfrm>
-            <a:off x="5104291" y="3429000"/>
-            <a:ext cx="1393057" cy="2452733"/>
-          </a:xfrm>
-          <a:prstGeom prst="rect">
-            <a:avLst/>
-          </a:prstGeom>
-        </p:spPr>
-      </p:pic>
-      <p:sp>
-        <p:nvSpPr>
-          <p:cNvPr id="6" name="文本框 5">
-            <a:extLst>
-              <a:ext uri="{FF2B5EF4-FFF2-40B4-BE49-F238E27FC236}">
-                <a16:creationId xmlns:a16="http://schemas.microsoft.com/office/drawing/2014/main" id="{A832A25D-5D87-024A-BC1E-F655F3908DD5}"/>
-              </a:ext>
-            </a:extLst>
-          </p:cNvPr>
-          <p:cNvSpPr txBox="1"/>
-          <p:nvPr/>
-        </p:nvSpPr>
-        <p:spPr>
-          <a:xfrm>
-            <a:off x="0" y="0"/>
-            <a:ext cx="763351" cy="369332"/>
-          </a:xfrm>
-          <a:prstGeom prst="rect">
-            <a:avLst/>
-          </a:prstGeom>
-          <a:noFill/>
-        </p:spPr>
-        <p:txBody>
-          <a:bodyPr wrap="none" rtlCol="0">
-            <a:spAutoFit/>
-          </a:bodyPr>
-          <a:lstStyle/>
-          <a:p>
-            <a:r>
-              <a:rPr kumimoji="1" lang="zh-CN" altLang="en-US" dirty="0"/>
-              <a:t>第</a:t>
-            </a:r>
-            <a:r>
-              <a:rPr kumimoji="1" lang="en-US" altLang="zh-CN" dirty="0"/>
-              <a:t>4</a:t>
-            </a:r>
-            <a:r>
-              <a:rPr kumimoji="1" lang="zh-CN" altLang="en-US" dirty="0"/>
-              <a:t>课</a:t>
-            </a:r>
-          </a:p>
-        </p:txBody>
-      </p:sp>
     </p:spTree>
     <p:extLst>
       <p:ext uri="{BB962C8B-B14F-4D97-AF65-F5344CB8AC3E}">
-        <p14:creationId xmlns:p14="http://schemas.microsoft.com/office/powerpoint/2010/main" val="2662693387"/>
+        <p14:creationId xmlns:p14="http://schemas.microsoft.com/office/powerpoint/2010/main" val="2440857074"/>
       </p:ext>
     </p:extLst>
   </p:cSld>
@@ -7527,98 +7641,118 @@
           <a:chExt cx="0" cy="0"/>
         </a:xfrm>
       </p:grpSpPr>
-      <p:sp>
-        <p:nvSpPr>
-          <p:cNvPr id="15" name="等腰三角形 14"/>
-          <p:cNvSpPr/>
-          <p:nvPr/>
-        </p:nvSpPr>
-        <p:spPr>
-          <a:xfrm>
-            <a:off x="1294673" y="1974298"/>
-            <a:ext cx="1152487" cy="2424432"/>
-          </a:xfrm>
-          <a:prstGeom prst="triangle">
-            <a:avLst/>
-          </a:prstGeom>
-          <a:solidFill>
-            <a:srgbClr val="008000"/>
-          </a:solidFill>
-          <a:ln>
-            <a:solidFill>
-              <a:schemeClr val="accent3"/>
-            </a:solidFill>
-          </a:ln>
-        </p:spPr>
-        <p:style>
-          <a:lnRef idx="1">
-            <a:schemeClr val="accent1"/>
-          </a:lnRef>
-          <a:fillRef idx="3">
-            <a:schemeClr val="accent1"/>
-          </a:fillRef>
-          <a:effectRef idx="2">
-            <a:schemeClr val="accent1"/>
-          </a:effectRef>
-          <a:fontRef idx="minor">
-            <a:schemeClr val="lt1"/>
-          </a:fontRef>
-        </p:style>
-        <p:txBody>
-          <a:bodyPr rtlCol="0" anchor="ctr"/>
-          <a:lstStyle/>
-          <a:p>
-            <a:pPr algn="ctr"/>
-            <a:endParaRPr kumimoji="1" lang="zh-CN" altLang="en-US"/>
-          </a:p>
-        </p:txBody>
-      </p:sp>
-      <p:cxnSp>
-        <p:nvCxnSpPr>
-          <p:cNvPr id="10" name="直线箭头连接符 9"/>
-          <p:cNvCxnSpPr/>
-          <p:nvPr/>
-        </p:nvCxnSpPr>
-        <p:spPr>
-          <a:xfrm flipH="1" flipV="1">
-            <a:off x="1873766" y="1364155"/>
-            <a:ext cx="31032" cy="3882367"/>
-          </a:xfrm>
-          <a:prstGeom prst="straightConnector1">
-            <a:avLst/>
-          </a:prstGeom>
-          <a:ln>
-            <a:solidFill>
-              <a:srgbClr val="A6A6A6"/>
-            </a:solidFill>
-            <a:tailEnd type="arrow"/>
-          </a:ln>
-        </p:spPr>
-        <p:style>
-          <a:lnRef idx="2">
-            <a:schemeClr val="accent1"/>
-          </a:lnRef>
-          <a:fillRef idx="0">
-            <a:schemeClr val="accent1"/>
-          </a:fillRef>
-          <a:effectRef idx="1">
-            <a:schemeClr val="accent1"/>
-          </a:effectRef>
-          <a:fontRef idx="minor">
-            <a:schemeClr val="tx1"/>
-          </a:fontRef>
-        </p:style>
-      </p:cxnSp>
-      <p:sp>
-        <p:nvSpPr>
-          <p:cNvPr id="11" name="文本框 10"/>
+      <p:pic>
+        <p:nvPicPr>
+          <p:cNvPr id="29" name="图片 28"/>
+          <p:cNvPicPr>
+            <a:picLocks noChangeAspect="1"/>
+          </p:cNvPicPr>
+          <p:nvPr/>
+        </p:nvPicPr>
+        <p:blipFill>
+          <a:blip r:embed="rId2"/>
+          <a:stretch>
+            <a:fillRect/>
+          </a:stretch>
+        </p:blipFill>
+        <p:spPr>
+          <a:xfrm>
+            <a:off x="0" y="293943"/>
+            <a:ext cx="3652248" cy="3565059"/>
+          </a:xfrm>
+          <a:prstGeom prst="rect">
+            <a:avLst/>
+          </a:prstGeom>
+        </p:spPr>
+      </p:pic>
+      <p:pic>
+        <p:nvPicPr>
+          <p:cNvPr id="30" name="图片 29"/>
+          <p:cNvPicPr>
+            <a:picLocks noChangeAspect="1"/>
+          </p:cNvPicPr>
+          <p:nvPr/>
+        </p:nvPicPr>
+        <p:blipFill>
+          <a:blip r:embed="rId3"/>
+          <a:stretch>
+            <a:fillRect/>
+          </a:stretch>
+        </p:blipFill>
+        <p:spPr>
+          <a:xfrm>
+            <a:off x="3652248" y="782476"/>
+            <a:ext cx="1876957" cy="2350752"/>
+          </a:xfrm>
+          <a:prstGeom prst="rect">
+            <a:avLst/>
+          </a:prstGeom>
+        </p:spPr>
+      </p:pic>
+      <p:pic>
+        <p:nvPicPr>
+          <p:cNvPr id="31" name="图片 30"/>
+          <p:cNvPicPr>
+            <a:picLocks noChangeAspect="1"/>
+          </p:cNvPicPr>
+          <p:nvPr/>
+        </p:nvPicPr>
+        <p:blipFill>
+          <a:blip r:embed="rId4"/>
+          <a:stretch>
+            <a:fillRect/>
+          </a:stretch>
+        </p:blipFill>
+        <p:spPr>
+          <a:xfrm>
+            <a:off x="5800820" y="782476"/>
+            <a:ext cx="1467887" cy="2326650"/>
+          </a:xfrm>
+          <a:prstGeom prst="rect">
+            <a:avLst/>
+          </a:prstGeom>
+        </p:spPr>
+      </p:pic>
+      <p:pic>
+        <p:nvPicPr>
+          <p:cNvPr id="32" name="图片 31"/>
+          <p:cNvPicPr>
+            <a:picLocks noChangeAspect="1"/>
+          </p:cNvPicPr>
+          <p:nvPr/>
+        </p:nvPicPr>
+        <p:blipFill>
+          <a:blip r:embed="rId5"/>
+          <a:stretch>
+            <a:fillRect/>
+          </a:stretch>
+        </p:blipFill>
+        <p:spPr>
+          <a:xfrm>
+            <a:off x="5104291" y="3429000"/>
+            <a:ext cx="1393057" cy="2452733"/>
+          </a:xfrm>
+          <a:prstGeom prst="rect">
+            <a:avLst/>
+          </a:prstGeom>
+        </p:spPr>
+      </p:pic>
+      <p:sp>
+        <p:nvSpPr>
+          <p:cNvPr id="6" name="文本框 5">
+            <a:extLst>
+              <a:ext uri="{FF2B5EF4-FFF2-40B4-BE49-F238E27FC236}">
+                <a16:creationId xmlns:a16="http://schemas.microsoft.com/office/drawing/2014/main" xmlns="" id="{A832A25D-5D87-024A-BC1E-F655F3908DD5}"/>
+              </a:ext>
+            </a:extLst>
+          </p:cNvPr>
           <p:cNvSpPr txBox="1"/>
           <p:nvPr/>
         </p:nvSpPr>
         <p:spPr>
           <a:xfrm>
-            <a:off x="3611598" y="3235515"/>
-            <a:ext cx="287258" cy="369332"/>
+            <a:off x="0" y="0"/>
+            <a:ext cx="763351" cy="369332"/>
           </a:xfrm>
           <a:prstGeom prst="rect">
             <a:avLst/>
@@ -7632,1257 +7766,24 @@
           <a:lstStyle/>
           <a:p>
             <a:r>
+              <a:rPr kumimoji="1" lang="zh-CN" altLang="en-US" dirty="0"/>
+              <a:t>第</a:t>
+            </a:r>
+            <a:r>
               <a:rPr kumimoji="1" lang="en-US" altLang="zh-CN" dirty="0"/>
-              <a:t>x</a:t>
-            </a:r>
-            <a:endParaRPr kumimoji="1" lang="zh-CN" altLang="en-US" dirty="0"/>
-          </a:p>
-        </p:txBody>
-      </p:sp>
-      <p:sp>
-        <p:nvSpPr>
-          <p:cNvPr id="12" name="文本框 11"/>
-          <p:cNvSpPr txBox="1"/>
-          <p:nvPr/>
-        </p:nvSpPr>
-        <p:spPr>
-          <a:xfrm>
-            <a:off x="1714459" y="795276"/>
-            <a:ext cx="289149" cy="369332"/>
-          </a:xfrm>
-          <a:prstGeom prst="rect">
-            <a:avLst/>
-          </a:prstGeom>
-          <a:noFill/>
-        </p:spPr>
-        <p:txBody>
-          <a:bodyPr wrap="none" rtlCol="0">
-            <a:spAutoFit/>
-          </a:bodyPr>
-          <a:lstStyle/>
-          <a:p>
-            <a:r>
-              <a:rPr kumimoji="1" lang="en-US" altLang="zh-CN" dirty="0"/>
-              <a:t>y</a:t>
-            </a:r>
-            <a:endParaRPr kumimoji="1" lang="zh-CN" altLang="en-US" dirty="0"/>
-          </a:p>
-        </p:txBody>
-      </p:sp>
-      <p:sp>
-        <p:nvSpPr>
-          <p:cNvPr id="13" name="等腰三角形 12"/>
-          <p:cNvSpPr/>
-          <p:nvPr/>
-        </p:nvSpPr>
-        <p:spPr>
-          <a:xfrm rot="5400000">
-            <a:off x="1692190" y="3339367"/>
-            <a:ext cx="188454" cy="143916"/>
-          </a:xfrm>
-          <a:prstGeom prst="triangle">
-            <a:avLst/>
-          </a:prstGeom>
-          <a:solidFill>
-            <a:schemeClr val="tx1"/>
-          </a:solidFill>
-          <a:ln>
-            <a:solidFill>
-              <a:srgbClr val="000000"/>
-            </a:solidFill>
-          </a:ln>
-        </p:spPr>
-        <p:style>
-          <a:lnRef idx="1">
-            <a:schemeClr val="accent1"/>
-          </a:lnRef>
-          <a:fillRef idx="3">
-            <a:schemeClr val="accent1"/>
-          </a:fillRef>
-          <a:effectRef idx="2">
-            <a:schemeClr val="accent1"/>
-          </a:effectRef>
-          <a:fontRef idx="minor">
-            <a:schemeClr val="lt1"/>
-          </a:fontRef>
-        </p:style>
-        <p:txBody>
-          <a:bodyPr rtlCol="0" anchor="ctr"/>
-          <a:lstStyle/>
-          <a:p>
-            <a:pPr algn="ctr"/>
-            <a:endParaRPr kumimoji="1" lang="zh-CN" altLang="en-US"/>
-          </a:p>
-        </p:txBody>
-      </p:sp>
-      <p:sp>
-        <p:nvSpPr>
-          <p:cNvPr id="14" name="文本框 13"/>
-          <p:cNvSpPr txBox="1"/>
-          <p:nvPr/>
-        </p:nvSpPr>
-        <p:spPr>
-          <a:xfrm>
-            <a:off x="1858088" y="3420181"/>
-            <a:ext cx="472380" cy="276999"/>
-          </a:xfrm>
-          <a:prstGeom prst="rect">
-            <a:avLst/>
-          </a:prstGeom>
-          <a:noFill/>
-        </p:spPr>
-        <p:txBody>
-          <a:bodyPr wrap="none" rtlCol="0">
-            <a:spAutoFit/>
-          </a:bodyPr>
-          <a:lstStyle/>
-          <a:p>
-            <a:r>
-              <a:rPr kumimoji="1" lang="en-US" altLang="zh-CN" sz="1200" dirty="0"/>
-              <a:t>(0,0)</a:t>
-            </a:r>
-            <a:endParaRPr kumimoji="1" lang="zh-CN" altLang="en-US" sz="1200" dirty="0"/>
-          </a:p>
-        </p:txBody>
-      </p:sp>
-      <p:sp>
-        <p:nvSpPr>
-          <p:cNvPr id="19" name="文本框 18"/>
-          <p:cNvSpPr txBox="1"/>
-          <p:nvPr/>
-        </p:nvSpPr>
-        <p:spPr>
-          <a:xfrm>
-            <a:off x="2263750" y="2955800"/>
-            <a:ext cx="366657" cy="307777"/>
-          </a:xfrm>
-          <a:prstGeom prst="rect">
-            <a:avLst/>
-          </a:prstGeom>
-          <a:noFill/>
-        </p:spPr>
-        <p:txBody>
-          <a:bodyPr wrap="none" rtlCol="0">
-            <a:spAutoFit/>
-          </a:bodyPr>
-          <a:lstStyle/>
-          <a:p>
-            <a:r>
-              <a:rPr kumimoji="1" lang="en-US" altLang="zh-CN" sz="1400" dirty="0"/>
-              <a:t>60</a:t>
-            </a:r>
-            <a:endParaRPr kumimoji="1" lang="zh-CN" altLang="en-US" sz="1400" dirty="0"/>
-          </a:p>
-        </p:txBody>
-      </p:sp>
-      <p:cxnSp>
-        <p:nvCxnSpPr>
-          <p:cNvPr id="25" name="直线连接符 24"/>
-          <p:cNvCxnSpPr/>
-          <p:nvPr/>
-        </p:nvCxnSpPr>
-        <p:spPr>
-          <a:xfrm>
-            <a:off x="2443815" y="3263577"/>
-            <a:ext cx="0" cy="141013"/>
-          </a:xfrm>
-          <a:prstGeom prst="line">
-            <a:avLst/>
-          </a:prstGeom>
-          <a:ln>
-            <a:solidFill>
-              <a:schemeClr val="tx1"/>
-            </a:solidFill>
-          </a:ln>
-        </p:spPr>
-        <p:style>
-          <a:lnRef idx="2">
-            <a:schemeClr val="accent1"/>
-          </a:lnRef>
-          <a:fillRef idx="0">
-            <a:schemeClr val="accent1"/>
-          </a:fillRef>
-          <a:effectRef idx="1">
-            <a:schemeClr val="accent1"/>
-          </a:effectRef>
-          <a:fontRef idx="minor">
-            <a:schemeClr val="tx1"/>
-          </a:fontRef>
-        </p:style>
-      </p:cxnSp>
-      <p:sp>
-        <p:nvSpPr>
-          <p:cNvPr id="28" name="文本框 27"/>
-          <p:cNvSpPr txBox="1"/>
-          <p:nvPr/>
-        </p:nvSpPr>
-        <p:spPr>
-          <a:xfrm>
-            <a:off x="1098515" y="2958009"/>
-            <a:ext cx="421622" cy="307777"/>
-          </a:xfrm>
-          <a:prstGeom prst="rect">
-            <a:avLst/>
-          </a:prstGeom>
-          <a:noFill/>
-        </p:spPr>
-        <p:txBody>
-          <a:bodyPr wrap="none" rtlCol="0">
-            <a:spAutoFit/>
-          </a:bodyPr>
-          <a:lstStyle/>
-          <a:p>
-            <a:r>
-              <a:rPr kumimoji="1" lang="en-US" altLang="zh-CN" sz="1400" dirty="0"/>
-              <a:t>-60</a:t>
-            </a:r>
-            <a:endParaRPr kumimoji="1" lang="zh-CN" altLang="en-US" sz="1400" dirty="0"/>
-          </a:p>
-        </p:txBody>
-      </p:sp>
-      <p:cxnSp>
-        <p:nvCxnSpPr>
-          <p:cNvPr id="29" name="直线连接符 28"/>
-          <p:cNvCxnSpPr/>
-          <p:nvPr/>
-        </p:nvCxnSpPr>
-        <p:spPr>
-          <a:xfrm>
-            <a:off x="1291409" y="3265786"/>
-            <a:ext cx="0" cy="141013"/>
-          </a:xfrm>
-          <a:prstGeom prst="line">
-            <a:avLst/>
-          </a:prstGeom>
-          <a:ln>
-            <a:solidFill>
-              <a:schemeClr val="tx1"/>
-            </a:solidFill>
-          </a:ln>
-        </p:spPr>
-        <p:style>
-          <a:lnRef idx="2">
-            <a:schemeClr val="accent1"/>
-          </a:lnRef>
-          <a:fillRef idx="0">
-            <a:schemeClr val="accent1"/>
-          </a:fillRef>
-          <a:effectRef idx="1">
-            <a:schemeClr val="accent1"/>
-          </a:effectRef>
-          <a:fontRef idx="minor">
-            <a:schemeClr val="tx1"/>
-          </a:fontRef>
-        </p:style>
-      </p:cxnSp>
-      <p:cxnSp>
-        <p:nvCxnSpPr>
-          <p:cNvPr id="6" name="直线箭头连接符 5"/>
-          <p:cNvCxnSpPr/>
-          <p:nvPr/>
-        </p:nvCxnSpPr>
-        <p:spPr>
-          <a:xfrm>
-            <a:off x="115458" y="3402540"/>
-            <a:ext cx="3496140" cy="4259"/>
-          </a:xfrm>
-          <a:prstGeom prst="straightConnector1">
-            <a:avLst/>
-          </a:prstGeom>
-          <a:ln>
-            <a:solidFill>
-              <a:schemeClr val="bg1">
-                <a:lumMod val="65000"/>
-              </a:schemeClr>
-            </a:solidFill>
-            <a:tailEnd type="arrow"/>
-          </a:ln>
-        </p:spPr>
-        <p:style>
-          <a:lnRef idx="2">
-            <a:schemeClr val="accent1"/>
-          </a:lnRef>
-          <a:fillRef idx="0">
-            <a:schemeClr val="accent1"/>
-          </a:fillRef>
-          <a:effectRef idx="1">
-            <a:schemeClr val="accent1"/>
-          </a:effectRef>
-          <a:fontRef idx="minor">
-            <a:schemeClr val="tx1"/>
-          </a:fontRef>
-        </p:style>
-      </p:cxnSp>
-      <p:cxnSp>
-        <p:nvCxnSpPr>
-          <p:cNvPr id="30" name="直线连接符 29"/>
-          <p:cNvCxnSpPr/>
-          <p:nvPr/>
-        </p:nvCxnSpPr>
-        <p:spPr>
-          <a:xfrm flipH="1">
-            <a:off x="1852020" y="1978016"/>
-            <a:ext cx="151588" cy="0"/>
-          </a:xfrm>
-          <a:prstGeom prst="line">
-            <a:avLst/>
-          </a:prstGeom>
-          <a:ln>
-            <a:solidFill>
-              <a:schemeClr val="tx1"/>
-            </a:solidFill>
-          </a:ln>
-        </p:spPr>
-        <p:style>
-          <a:lnRef idx="2">
-            <a:schemeClr val="accent1"/>
-          </a:lnRef>
-          <a:fillRef idx="0">
-            <a:schemeClr val="accent1"/>
-          </a:fillRef>
-          <a:effectRef idx="1">
-            <a:schemeClr val="accent1"/>
-          </a:effectRef>
-          <a:fontRef idx="minor">
-            <a:schemeClr val="tx1"/>
-          </a:fontRef>
-        </p:style>
-      </p:cxnSp>
-      <p:sp>
-        <p:nvSpPr>
-          <p:cNvPr id="33" name="文本框 32"/>
-          <p:cNvSpPr txBox="1"/>
-          <p:nvPr/>
-        </p:nvSpPr>
-        <p:spPr>
-          <a:xfrm>
-            <a:off x="1447146" y="1807581"/>
-            <a:ext cx="457652" cy="307777"/>
-          </a:xfrm>
-          <a:prstGeom prst="rect">
-            <a:avLst/>
-          </a:prstGeom>
-          <a:noFill/>
-        </p:spPr>
-        <p:txBody>
-          <a:bodyPr wrap="none" rtlCol="0">
-            <a:spAutoFit/>
-          </a:bodyPr>
-          <a:lstStyle/>
-          <a:p>
-            <a:r>
-              <a:rPr kumimoji="1" lang="en-US" altLang="zh-CN" sz="1400" dirty="0"/>
-              <a:t>120</a:t>
-            </a:r>
-            <a:endParaRPr kumimoji="1" lang="zh-CN" altLang="en-US" sz="1400" dirty="0"/>
-          </a:p>
-        </p:txBody>
-      </p:sp>
-      <p:cxnSp>
-        <p:nvCxnSpPr>
-          <p:cNvPr id="35" name="直线连接符 34"/>
-          <p:cNvCxnSpPr/>
-          <p:nvPr/>
-        </p:nvCxnSpPr>
-        <p:spPr>
-          <a:xfrm flipH="1">
-            <a:off x="1824900" y="4415276"/>
-            <a:ext cx="151588" cy="0"/>
-          </a:xfrm>
-          <a:prstGeom prst="line">
-            <a:avLst/>
-          </a:prstGeom>
-          <a:ln>
-            <a:solidFill>
-              <a:schemeClr val="tx1"/>
-            </a:solidFill>
-          </a:ln>
-        </p:spPr>
-        <p:style>
-          <a:lnRef idx="2">
-            <a:schemeClr val="accent1"/>
-          </a:lnRef>
-          <a:fillRef idx="0">
-            <a:schemeClr val="accent1"/>
-          </a:fillRef>
-          <a:effectRef idx="1">
-            <a:schemeClr val="accent1"/>
-          </a:effectRef>
-          <a:fontRef idx="minor">
-            <a:schemeClr val="tx1"/>
-          </a:fontRef>
-        </p:style>
-      </p:cxnSp>
-      <p:sp>
-        <p:nvSpPr>
-          <p:cNvPr id="36" name="文本框 35"/>
-          <p:cNvSpPr txBox="1"/>
-          <p:nvPr/>
-        </p:nvSpPr>
-        <p:spPr>
-          <a:xfrm>
-            <a:off x="1291736" y="4244841"/>
-            <a:ext cx="547420" cy="307777"/>
-          </a:xfrm>
-          <a:prstGeom prst="rect">
-            <a:avLst/>
-          </a:prstGeom>
-          <a:noFill/>
-        </p:spPr>
-        <p:txBody>
-          <a:bodyPr wrap="none" rtlCol="0">
-            <a:spAutoFit/>
-          </a:bodyPr>
-          <a:lstStyle/>
-          <a:p>
-            <a:r>
-              <a:rPr kumimoji="1" lang="zh-CN" altLang="zh-CN" sz="1400" dirty="0"/>
-              <a:t>-</a:t>
-            </a:r>
-            <a:r>
-              <a:rPr kumimoji="1" lang="en-US" altLang="zh-CN" sz="1400" dirty="0"/>
-              <a:t>100</a:t>
-            </a:r>
-            <a:endParaRPr kumimoji="1" lang="zh-CN" altLang="en-US" sz="1400" dirty="0"/>
-          </a:p>
-        </p:txBody>
-      </p:sp>
-      <p:sp>
-        <p:nvSpPr>
-          <p:cNvPr id="50" name="等腰三角形 49"/>
-          <p:cNvSpPr/>
-          <p:nvPr/>
-        </p:nvSpPr>
-        <p:spPr>
-          <a:xfrm>
-            <a:off x="6235557" y="1932536"/>
-            <a:ext cx="1152487" cy="2424432"/>
-          </a:xfrm>
-          <a:prstGeom prst="triangle">
-            <a:avLst/>
-          </a:prstGeom>
-          <a:solidFill>
-            <a:srgbClr val="008000"/>
-          </a:solidFill>
-          <a:ln>
-            <a:solidFill>
-              <a:schemeClr val="accent3"/>
-            </a:solidFill>
-          </a:ln>
-        </p:spPr>
-        <p:style>
-          <a:lnRef idx="1">
-            <a:schemeClr val="accent1"/>
-          </a:lnRef>
-          <a:fillRef idx="3">
-            <a:schemeClr val="accent1"/>
-          </a:fillRef>
-          <a:effectRef idx="2">
-            <a:schemeClr val="accent1"/>
-          </a:effectRef>
-          <a:fontRef idx="minor">
-            <a:schemeClr val="lt1"/>
-          </a:fontRef>
-        </p:style>
-        <p:txBody>
-          <a:bodyPr rtlCol="0" anchor="ctr"/>
-          <a:lstStyle/>
-          <a:p>
-            <a:pPr algn="ctr"/>
-            <a:endParaRPr kumimoji="1" lang="zh-CN" altLang="en-US"/>
-          </a:p>
-        </p:txBody>
-      </p:sp>
-      <p:sp>
-        <p:nvSpPr>
-          <p:cNvPr id="51" name="文本框 50"/>
-          <p:cNvSpPr txBox="1"/>
-          <p:nvPr/>
-        </p:nvSpPr>
-        <p:spPr>
-          <a:xfrm>
-            <a:off x="8552482" y="3142441"/>
-            <a:ext cx="287258" cy="369332"/>
-          </a:xfrm>
-          <a:prstGeom prst="rect">
-            <a:avLst/>
-          </a:prstGeom>
-          <a:noFill/>
-        </p:spPr>
-        <p:txBody>
-          <a:bodyPr wrap="none" rtlCol="0">
-            <a:spAutoFit/>
-          </a:bodyPr>
-          <a:lstStyle/>
-          <a:p>
-            <a:r>
-              <a:rPr kumimoji="1" lang="en-US" altLang="zh-CN" dirty="0"/>
-              <a:t>x</a:t>
-            </a:r>
-            <a:endParaRPr kumimoji="1" lang="zh-CN" altLang="en-US" dirty="0"/>
-          </a:p>
-        </p:txBody>
-      </p:sp>
-      <p:sp>
-        <p:nvSpPr>
-          <p:cNvPr id="52" name="文本框 51"/>
-          <p:cNvSpPr txBox="1"/>
-          <p:nvPr/>
-        </p:nvSpPr>
-        <p:spPr>
-          <a:xfrm>
-            <a:off x="6668172" y="830482"/>
-            <a:ext cx="289149" cy="369332"/>
-          </a:xfrm>
-          <a:prstGeom prst="rect">
-            <a:avLst/>
-          </a:prstGeom>
-          <a:noFill/>
-        </p:spPr>
-        <p:txBody>
-          <a:bodyPr wrap="none" rtlCol="0">
-            <a:spAutoFit/>
-          </a:bodyPr>
-          <a:lstStyle/>
-          <a:p>
-            <a:r>
-              <a:rPr kumimoji="1" lang="en-US" altLang="zh-CN" dirty="0"/>
-              <a:t>y</a:t>
-            </a:r>
-            <a:endParaRPr kumimoji="1" lang="zh-CN" altLang="en-US" dirty="0"/>
-          </a:p>
-        </p:txBody>
-      </p:sp>
-      <p:sp>
-        <p:nvSpPr>
-          <p:cNvPr id="53" name="等腰三角形 52"/>
-          <p:cNvSpPr/>
-          <p:nvPr/>
-        </p:nvSpPr>
-        <p:spPr>
-          <a:xfrm rot="5400000">
-            <a:off x="6633074" y="3297605"/>
-            <a:ext cx="188454" cy="143916"/>
-          </a:xfrm>
-          <a:prstGeom prst="triangle">
-            <a:avLst/>
-          </a:prstGeom>
-          <a:solidFill>
-            <a:schemeClr val="tx1"/>
-          </a:solidFill>
-          <a:ln>
-            <a:solidFill>
-              <a:srgbClr val="000000"/>
-            </a:solidFill>
-          </a:ln>
-        </p:spPr>
-        <p:style>
-          <a:lnRef idx="1">
-            <a:schemeClr val="accent1"/>
-          </a:lnRef>
-          <a:fillRef idx="3">
-            <a:schemeClr val="accent1"/>
-          </a:fillRef>
-          <a:effectRef idx="2">
-            <a:schemeClr val="accent1"/>
-          </a:effectRef>
-          <a:fontRef idx="minor">
-            <a:schemeClr val="lt1"/>
-          </a:fontRef>
-        </p:style>
-        <p:txBody>
-          <a:bodyPr rtlCol="0" anchor="ctr"/>
-          <a:lstStyle/>
-          <a:p>
-            <a:pPr algn="ctr"/>
-            <a:endParaRPr kumimoji="1" lang="zh-CN" altLang="en-US"/>
-          </a:p>
-        </p:txBody>
-      </p:sp>
-      <p:sp>
-        <p:nvSpPr>
-          <p:cNvPr id="54" name="文本框 53"/>
-          <p:cNvSpPr txBox="1"/>
-          <p:nvPr/>
-        </p:nvSpPr>
-        <p:spPr>
-          <a:xfrm>
-            <a:off x="6798972" y="3378419"/>
-            <a:ext cx="472380" cy="276999"/>
-          </a:xfrm>
-          <a:prstGeom prst="rect">
-            <a:avLst/>
-          </a:prstGeom>
-          <a:noFill/>
-        </p:spPr>
-        <p:txBody>
-          <a:bodyPr wrap="none" rtlCol="0">
-            <a:spAutoFit/>
-          </a:bodyPr>
-          <a:lstStyle/>
-          <a:p>
-            <a:r>
-              <a:rPr kumimoji="1" lang="en-US" altLang="zh-CN" sz="1200" dirty="0"/>
-              <a:t>(0,0)</a:t>
-            </a:r>
-            <a:endParaRPr kumimoji="1" lang="zh-CN" altLang="en-US" sz="1200" dirty="0"/>
-          </a:p>
-        </p:txBody>
-      </p:sp>
-      <p:sp>
-        <p:nvSpPr>
-          <p:cNvPr id="58" name="文本框 57"/>
-          <p:cNvSpPr txBox="1"/>
-          <p:nvPr/>
-        </p:nvSpPr>
-        <p:spPr>
-          <a:xfrm>
-            <a:off x="7166147" y="2914038"/>
-            <a:ext cx="366657" cy="307777"/>
-          </a:xfrm>
-          <a:prstGeom prst="rect">
-            <a:avLst/>
-          </a:prstGeom>
-          <a:noFill/>
-        </p:spPr>
-        <p:txBody>
-          <a:bodyPr wrap="none" rtlCol="0">
-            <a:spAutoFit/>
-          </a:bodyPr>
-          <a:lstStyle/>
-          <a:p>
-            <a:r>
-              <a:rPr kumimoji="1" lang="en-US" altLang="zh-CN" sz="1400" dirty="0"/>
-              <a:t>60</a:t>
-            </a:r>
-            <a:endParaRPr kumimoji="1" lang="zh-CN" altLang="en-US" sz="1400" dirty="0"/>
-          </a:p>
-        </p:txBody>
-      </p:sp>
-      <p:cxnSp>
-        <p:nvCxnSpPr>
-          <p:cNvPr id="59" name="直线连接符 58"/>
-          <p:cNvCxnSpPr/>
-          <p:nvPr/>
-        </p:nvCxnSpPr>
-        <p:spPr>
-          <a:xfrm>
-            <a:off x="7346212" y="3221815"/>
-            <a:ext cx="0" cy="141013"/>
-          </a:xfrm>
-          <a:prstGeom prst="line">
-            <a:avLst/>
-          </a:prstGeom>
-          <a:ln>
-            <a:solidFill>
-              <a:schemeClr val="tx1"/>
-            </a:solidFill>
-          </a:ln>
-        </p:spPr>
-        <p:style>
-          <a:lnRef idx="2">
-            <a:schemeClr val="accent1"/>
-          </a:lnRef>
-          <a:fillRef idx="0">
-            <a:schemeClr val="accent1"/>
-          </a:fillRef>
-          <a:effectRef idx="1">
-            <a:schemeClr val="accent1"/>
-          </a:effectRef>
-          <a:fontRef idx="minor">
-            <a:schemeClr val="tx1"/>
-          </a:fontRef>
-        </p:style>
-      </p:cxnSp>
-      <p:sp>
-        <p:nvSpPr>
-          <p:cNvPr id="60" name="文本框 59"/>
-          <p:cNvSpPr txBox="1"/>
-          <p:nvPr/>
-        </p:nvSpPr>
-        <p:spPr>
-          <a:xfrm>
-            <a:off x="6039399" y="2916247"/>
-            <a:ext cx="421622" cy="307777"/>
-          </a:xfrm>
-          <a:prstGeom prst="rect">
-            <a:avLst/>
-          </a:prstGeom>
-          <a:noFill/>
-        </p:spPr>
-        <p:txBody>
-          <a:bodyPr wrap="none" rtlCol="0">
-            <a:spAutoFit/>
-          </a:bodyPr>
-          <a:lstStyle/>
-          <a:p>
-            <a:r>
-              <a:rPr kumimoji="1" lang="en-US" altLang="zh-CN" sz="1400" dirty="0"/>
-              <a:t>-60</a:t>
-            </a:r>
-            <a:endParaRPr kumimoji="1" lang="zh-CN" altLang="en-US" sz="1400" dirty="0"/>
-          </a:p>
-        </p:txBody>
-      </p:sp>
-      <p:cxnSp>
-        <p:nvCxnSpPr>
-          <p:cNvPr id="61" name="直线连接符 60"/>
-          <p:cNvCxnSpPr/>
-          <p:nvPr/>
-        </p:nvCxnSpPr>
-        <p:spPr>
-          <a:xfrm>
-            <a:off x="6232293" y="3224024"/>
-            <a:ext cx="0" cy="141013"/>
-          </a:xfrm>
-          <a:prstGeom prst="line">
-            <a:avLst/>
-          </a:prstGeom>
-          <a:ln>
-            <a:solidFill>
-              <a:schemeClr val="tx1"/>
-            </a:solidFill>
-          </a:ln>
-        </p:spPr>
-        <p:style>
-          <a:lnRef idx="2">
-            <a:schemeClr val="accent1"/>
-          </a:lnRef>
-          <a:fillRef idx="0">
-            <a:schemeClr val="accent1"/>
-          </a:fillRef>
-          <a:effectRef idx="1">
-            <a:schemeClr val="accent1"/>
-          </a:effectRef>
-          <a:fontRef idx="minor">
-            <a:schemeClr val="tx1"/>
-          </a:fontRef>
-        </p:style>
-      </p:cxnSp>
-      <p:cxnSp>
-        <p:nvCxnSpPr>
-          <p:cNvPr id="63" name="直线连接符 62"/>
-          <p:cNvCxnSpPr/>
-          <p:nvPr/>
-        </p:nvCxnSpPr>
-        <p:spPr>
-          <a:xfrm>
-            <a:off x="7388044" y="3378419"/>
-            <a:ext cx="0" cy="978549"/>
-          </a:xfrm>
-          <a:prstGeom prst="line">
-            <a:avLst/>
-          </a:prstGeom>
-          <a:ln w="3175" cmpd="sng">
-            <a:solidFill>
-              <a:schemeClr val="bg1">
-                <a:lumMod val="85000"/>
-              </a:schemeClr>
-            </a:solidFill>
-          </a:ln>
-        </p:spPr>
-        <p:style>
-          <a:lnRef idx="2">
-            <a:schemeClr val="accent1"/>
-          </a:lnRef>
-          <a:fillRef idx="0">
-            <a:schemeClr val="accent1"/>
-          </a:fillRef>
-          <a:effectRef idx="1">
-            <a:schemeClr val="accent1"/>
-          </a:effectRef>
-          <a:fontRef idx="minor">
-            <a:schemeClr val="tx1"/>
-          </a:fontRef>
-        </p:style>
-      </p:cxnSp>
-      <p:cxnSp>
-        <p:nvCxnSpPr>
-          <p:cNvPr id="64" name="直线连接符 63"/>
-          <p:cNvCxnSpPr/>
-          <p:nvPr/>
-        </p:nvCxnSpPr>
-        <p:spPr>
-          <a:xfrm>
-            <a:off x="6235557" y="3394965"/>
-            <a:ext cx="0" cy="978549"/>
-          </a:xfrm>
-          <a:prstGeom prst="line">
-            <a:avLst/>
-          </a:prstGeom>
-          <a:ln w="3175" cmpd="sng">
-            <a:solidFill>
-              <a:schemeClr val="bg1">
-                <a:lumMod val="85000"/>
-              </a:schemeClr>
-            </a:solidFill>
-          </a:ln>
-        </p:spPr>
-        <p:style>
-          <a:lnRef idx="2">
-            <a:schemeClr val="accent1"/>
-          </a:lnRef>
-          <a:fillRef idx="0">
-            <a:schemeClr val="accent1"/>
-          </a:fillRef>
-          <a:effectRef idx="1">
-            <a:schemeClr val="accent1"/>
-          </a:effectRef>
-          <a:fontRef idx="minor">
-            <a:schemeClr val="tx1"/>
-          </a:fontRef>
-        </p:style>
-      </p:cxnSp>
-      <p:cxnSp>
-        <p:nvCxnSpPr>
-          <p:cNvPr id="65" name="直线箭头连接符 64"/>
-          <p:cNvCxnSpPr/>
-          <p:nvPr/>
-        </p:nvCxnSpPr>
-        <p:spPr>
-          <a:xfrm flipH="1" flipV="1">
-            <a:off x="6814650" y="1322393"/>
-            <a:ext cx="31032" cy="3882367"/>
-          </a:xfrm>
-          <a:prstGeom prst="straightConnector1">
-            <a:avLst/>
-          </a:prstGeom>
-          <a:ln>
-            <a:solidFill>
-              <a:srgbClr val="A6A6A6"/>
-            </a:solidFill>
-            <a:tailEnd type="arrow"/>
-          </a:ln>
-        </p:spPr>
-        <p:style>
-          <a:lnRef idx="2">
-            <a:schemeClr val="accent1"/>
-          </a:lnRef>
-          <a:fillRef idx="0">
-            <a:schemeClr val="accent1"/>
-          </a:fillRef>
-          <a:effectRef idx="1">
-            <a:schemeClr val="accent1"/>
-          </a:effectRef>
-          <a:fontRef idx="minor">
-            <a:schemeClr val="tx1"/>
-          </a:fontRef>
-        </p:style>
-      </p:cxnSp>
-      <p:cxnSp>
-        <p:nvCxnSpPr>
-          <p:cNvPr id="66" name="直线箭头连接符 65"/>
-          <p:cNvCxnSpPr/>
-          <p:nvPr/>
-        </p:nvCxnSpPr>
-        <p:spPr>
-          <a:xfrm>
-            <a:off x="5056342" y="3360778"/>
-            <a:ext cx="3496140" cy="4259"/>
-          </a:xfrm>
-          <a:prstGeom prst="straightConnector1">
-            <a:avLst/>
-          </a:prstGeom>
-          <a:ln>
-            <a:solidFill>
-              <a:schemeClr val="bg1">
-                <a:lumMod val="65000"/>
-              </a:schemeClr>
-            </a:solidFill>
-            <a:tailEnd type="arrow"/>
-          </a:ln>
-        </p:spPr>
-        <p:style>
-          <a:lnRef idx="2">
-            <a:schemeClr val="accent1"/>
-          </a:lnRef>
-          <a:fillRef idx="0">
-            <a:schemeClr val="accent1"/>
-          </a:fillRef>
-          <a:effectRef idx="1">
-            <a:schemeClr val="accent1"/>
-          </a:effectRef>
-          <a:fontRef idx="minor">
-            <a:schemeClr val="tx1"/>
-          </a:fontRef>
-        </p:style>
-      </p:cxnSp>
-      <p:sp>
-        <p:nvSpPr>
-          <p:cNvPr id="67" name="文本框 66"/>
-          <p:cNvSpPr txBox="1"/>
-          <p:nvPr/>
-        </p:nvSpPr>
-        <p:spPr>
-          <a:xfrm>
-            <a:off x="6540940" y="4356968"/>
-            <a:ext cx="547420" cy="307777"/>
-          </a:xfrm>
-          <a:prstGeom prst="rect">
-            <a:avLst/>
-          </a:prstGeom>
-          <a:noFill/>
-        </p:spPr>
-        <p:txBody>
-          <a:bodyPr wrap="none" rtlCol="0">
-            <a:spAutoFit/>
-          </a:bodyPr>
-          <a:lstStyle/>
-          <a:p>
-            <a:r>
-              <a:rPr kumimoji="1" lang="zh-CN" altLang="zh-CN" sz="1400" dirty="0"/>
-              <a:t>-</a:t>
-            </a:r>
-            <a:r>
-              <a:rPr kumimoji="1" lang="en-US" altLang="zh-CN" sz="1400" dirty="0"/>
-              <a:t>100</a:t>
-            </a:r>
-            <a:endParaRPr kumimoji="1" lang="zh-CN" altLang="en-US" sz="1400" dirty="0"/>
-          </a:p>
-        </p:txBody>
-      </p:sp>
-      <p:sp>
-        <p:nvSpPr>
-          <p:cNvPr id="62" name="文本框 61"/>
-          <p:cNvSpPr txBox="1"/>
-          <p:nvPr/>
-        </p:nvSpPr>
-        <p:spPr>
-          <a:xfrm>
-            <a:off x="6585824" y="1645965"/>
-            <a:ext cx="457652" cy="307777"/>
-          </a:xfrm>
-          <a:prstGeom prst="rect">
-            <a:avLst/>
-          </a:prstGeom>
-          <a:noFill/>
-        </p:spPr>
-        <p:txBody>
-          <a:bodyPr wrap="none" rtlCol="0">
-            <a:spAutoFit/>
-          </a:bodyPr>
-          <a:lstStyle/>
-          <a:p>
-            <a:r>
-              <a:rPr kumimoji="1" lang="en-US" altLang="zh-CN" sz="1400" dirty="0"/>
-              <a:t>120</a:t>
-            </a:r>
-            <a:endParaRPr kumimoji="1" lang="zh-CN" altLang="en-US" sz="1400" dirty="0"/>
-          </a:p>
-        </p:txBody>
-      </p:sp>
-      <p:sp>
-        <p:nvSpPr>
-          <p:cNvPr id="68" name="右箭头 67"/>
-          <p:cNvSpPr/>
-          <p:nvPr/>
-        </p:nvSpPr>
-        <p:spPr>
-          <a:xfrm>
-            <a:off x="4105338" y="3317098"/>
-            <a:ext cx="525997" cy="244069"/>
-          </a:xfrm>
-          <a:prstGeom prst="rightArrow">
-            <a:avLst/>
-          </a:prstGeom>
-        </p:spPr>
-        <p:style>
-          <a:lnRef idx="2">
-            <a:schemeClr val="accent6">
-              <a:shade val="50000"/>
-            </a:schemeClr>
-          </a:lnRef>
-          <a:fillRef idx="1">
-            <a:schemeClr val="accent6"/>
-          </a:fillRef>
-          <a:effectRef idx="0">
-            <a:schemeClr val="accent6"/>
-          </a:effectRef>
-          <a:fontRef idx="minor">
-            <a:schemeClr val="lt1"/>
-          </a:fontRef>
-        </p:style>
-        <p:txBody>
-          <a:bodyPr rtlCol="0" anchor="ctr"/>
-          <a:lstStyle/>
-          <a:p>
-            <a:pPr algn="ctr"/>
-            <a:endParaRPr kumimoji="1" lang="zh-CN" altLang="en-US"/>
-          </a:p>
-        </p:txBody>
-      </p:sp>
-      <p:sp>
-        <p:nvSpPr>
-          <p:cNvPr id="71" name="线形标注 1 70"/>
-          <p:cNvSpPr/>
-          <p:nvPr/>
-        </p:nvSpPr>
-        <p:spPr>
-          <a:xfrm>
-            <a:off x="7322162" y="1746963"/>
-            <a:ext cx="485078" cy="185525"/>
-          </a:xfrm>
-          <a:prstGeom prst="borderCallout1">
-            <a:avLst>
-              <a:gd name="adj1" fmla="val 48257"/>
-              <a:gd name="adj2" fmla="val -433"/>
-              <a:gd name="adj3" fmla="val 124303"/>
-              <a:gd name="adj4" fmla="val -105302"/>
-            </a:avLst>
-          </a:prstGeom>
-          <a:ln>
-            <a:solidFill>
-              <a:srgbClr val="984807"/>
-            </a:solidFill>
-          </a:ln>
-        </p:spPr>
-        <p:style>
-          <a:lnRef idx="1">
-            <a:schemeClr val="accent1"/>
-          </a:lnRef>
-          <a:fillRef idx="3">
-            <a:schemeClr val="accent1"/>
-          </a:fillRef>
-          <a:effectRef idx="2">
-            <a:schemeClr val="accent1"/>
-          </a:effectRef>
-          <a:fontRef idx="minor">
-            <a:schemeClr val="lt1"/>
-          </a:fontRef>
-        </p:style>
-        <p:txBody>
-          <a:bodyPr rtlCol="0" anchor="ctr"/>
-          <a:lstStyle/>
-          <a:p>
-            <a:pPr algn="ctr"/>
-            <a:endParaRPr kumimoji="1" lang="zh-CN" altLang="en-US"/>
-          </a:p>
-        </p:txBody>
-      </p:sp>
-      <p:sp>
-        <p:nvSpPr>
-          <p:cNvPr id="55" name="文本框 54"/>
-          <p:cNvSpPr txBox="1"/>
-          <p:nvPr/>
-        </p:nvSpPr>
-        <p:spPr>
-          <a:xfrm>
-            <a:off x="7244374" y="1686702"/>
-            <a:ext cx="628372" cy="276999"/>
-          </a:xfrm>
-          <a:prstGeom prst="rect">
-            <a:avLst/>
-          </a:prstGeom>
-          <a:solidFill>
-            <a:schemeClr val="accent6">
-              <a:lumMod val="20000"/>
-              <a:lumOff val="80000"/>
-            </a:schemeClr>
-          </a:solidFill>
-          <a:ln>
-            <a:solidFill>
-              <a:schemeClr val="accent6">
-                <a:lumMod val="50000"/>
-              </a:schemeClr>
-            </a:solidFill>
-          </a:ln>
-        </p:spPr>
-        <p:txBody>
-          <a:bodyPr wrap="none" rtlCol="0">
-            <a:spAutoFit/>
-          </a:bodyPr>
-          <a:lstStyle/>
-          <a:p>
-            <a:r>
-              <a:rPr kumimoji="1" lang="en-US" altLang="zh-CN" sz="1200" dirty="0"/>
-              <a:t>(0,120)</a:t>
-            </a:r>
-            <a:endParaRPr kumimoji="1" lang="zh-CN" altLang="en-US" sz="1200" dirty="0"/>
-          </a:p>
-        </p:txBody>
-      </p:sp>
-      <p:sp>
-        <p:nvSpPr>
-          <p:cNvPr id="72" name="线形标注 1 71"/>
-          <p:cNvSpPr/>
-          <p:nvPr/>
-        </p:nvSpPr>
-        <p:spPr>
-          <a:xfrm>
-            <a:off x="7725960" y="4592302"/>
-            <a:ext cx="645467" cy="215873"/>
-          </a:xfrm>
-          <a:prstGeom prst="borderCallout1">
-            <a:avLst>
-              <a:gd name="adj1" fmla="val 48257"/>
-              <a:gd name="adj2" fmla="val -433"/>
-              <a:gd name="adj3" fmla="val -116657"/>
-              <a:gd name="adj4" fmla="val -50377"/>
-            </a:avLst>
-          </a:prstGeom>
-          <a:solidFill>
-            <a:srgbClr val="FDEADA"/>
-          </a:solidFill>
-          <a:ln>
-            <a:solidFill>
-              <a:srgbClr val="984807"/>
-            </a:solidFill>
-          </a:ln>
-        </p:spPr>
-        <p:style>
-          <a:lnRef idx="1">
-            <a:schemeClr val="accent1"/>
-          </a:lnRef>
-          <a:fillRef idx="3">
-            <a:schemeClr val="accent1"/>
-          </a:fillRef>
-          <a:effectRef idx="2">
-            <a:schemeClr val="accent1"/>
-          </a:effectRef>
-          <a:fontRef idx="minor">
-            <a:schemeClr val="lt1"/>
-          </a:fontRef>
-        </p:style>
-        <p:txBody>
-          <a:bodyPr rtlCol="0" anchor="ctr"/>
-          <a:lstStyle/>
-          <a:p>
-            <a:pPr algn="ctr"/>
-            <a:endParaRPr kumimoji="1" lang="zh-CN" altLang="en-US"/>
-          </a:p>
-        </p:txBody>
-      </p:sp>
-      <p:sp>
-        <p:nvSpPr>
-          <p:cNvPr id="56" name="文本框 55"/>
-          <p:cNvSpPr txBox="1"/>
-          <p:nvPr/>
-        </p:nvSpPr>
-        <p:spPr>
-          <a:xfrm>
-            <a:off x="7669395" y="4551496"/>
-            <a:ext cx="783312" cy="276999"/>
-          </a:xfrm>
-          <a:prstGeom prst="rect">
-            <a:avLst/>
-          </a:prstGeom>
-          <a:noFill/>
-        </p:spPr>
-        <p:txBody>
-          <a:bodyPr wrap="none" rtlCol="0">
-            <a:spAutoFit/>
-          </a:bodyPr>
-          <a:lstStyle/>
-          <a:p>
-            <a:r>
-              <a:rPr kumimoji="1" lang="en-US" altLang="zh-CN" sz="1200" dirty="0"/>
-              <a:t>(60,</a:t>
-            </a:r>
-            <a:r>
-              <a:rPr kumimoji="1" lang="zh-CN" altLang="zh-CN" sz="1200" dirty="0"/>
-              <a:t>-</a:t>
-            </a:r>
-            <a:r>
-              <a:rPr kumimoji="1" lang="en-US" altLang="zh-CN" sz="1200" dirty="0"/>
-              <a:t>100)</a:t>
-            </a:r>
-            <a:endParaRPr kumimoji="1" lang="zh-CN" altLang="en-US" sz="1200" dirty="0"/>
-          </a:p>
-        </p:txBody>
-      </p:sp>
-      <p:sp>
-        <p:nvSpPr>
-          <p:cNvPr id="73" name="线形标注 1 72"/>
-          <p:cNvSpPr/>
-          <p:nvPr/>
-        </p:nvSpPr>
-        <p:spPr>
-          <a:xfrm>
-            <a:off x="5242560" y="4575433"/>
-            <a:ext cx="796839" cy="215873"/>
-          </a:xfrm>
-          <a:prstGeom prst="borderCallout1">
-            <a:avLst>
-              <a:gd name="adj1" fmla="val 57670"/>
-              <a:gd name="adj2" fmla="val 101880"/>
-              <a:gd name="adj3" fmla="val -93126"/>
-              <a:gd name="adj4" fmla="val 122690"/>
-            </a:avLst>
-          </a:prstGeom>
-          <a:solidFill>
-            <a:srgbClr val="FDEADA"/>
-          </a:solidFill>
-          <a:ln>
-            <a:solidFill>
-              <a:srgbClr val="984807"/>
-            </a:solidFill>
-          </a:ln>
-        </p:spPr>
-        <p:style>
-          <a:lnRef idx="1">
-            <a:schemeClr val="accent1"/>
-          </a:lnRef>
-          <a:fillRef idx="3">
-            <a:schemeClr val="accent1"/>
-          </a:fillRef>
-          <a:effectRef idx="2">
-            <a:schemeClr val="accent1"/>
-          </a:effectRef>
-          <a:fontRef idx="minor">
-            <a:schemeClr val="lt1"/>
-          </a:fontRef>
-        </p:style>
-        <p:txBody>
-          <a:bodyPr rtlCol="0" anchor="ctr"/>
-          <a:lstStyle/>
-          <a:p>
-            <a:pPr algn="ctr"/>
-            <a:endParaRPr kumimoji="1" lang="zh-CN" altLang="en-US"/>
-          </a:p>
-        </p:txBody>
-      </p:sp>
-      <p:sp>
-        <p:nvSpPr>
-          <p:cNvPr id="74" name="文本框 73"/>
-          <p:cNvSpPr txBox="1"/>
-          <p:nvPr/>
-        </p:nvSpPr>
-        <p:spPr>
-          <a:xfrm>
-            <a:off x="5251692" y="4532298"/>
-            <a:ext cx="830426" cy="276999"/>
-          </a:xfrm>
-          <a:prstGeom prst="rect">
-            <a:avLst/>
-          </a:prstGeom>
-          <a:noFill/>
-        </p:spPr>
-        <p:txBody>
-          <a:bodyPr wrap="none" rtlCol="0">
-            <a:spAutoFit/>
-          </a:bodyPr>
-          <a:lstStyle/>
-          <a:p>
-            <a:r>
-              <a:rPr kumimoji="1" lang="en-US" altLang="zh-CN" sz="1200" dirty="0"/>
-              <a:t>(-60,</a:t>
-            </a:r>
-            <a:r>
-              <a:rPr kumimoji="1" lang="zh-CN" altLang="zh-CN" sz="1200" dirty="0"/>
-              <a:t>-</a:t>
-            </a:r>
-            <a:r>
-              <a:rPr kumimoji="1" lang="en-US" altLang="zh-CN" sz="1200" dirty="0"/>
-              <a:t>100)</a:t>
-            </a:r>
-            <a:endParaRPr kumimoji="1" lang="zh-CN" altLang="en-US" sz="1200" dirty="0"/>
+              <a:t>4</a:t>
+            </a:r>
+            <a:r>
+              <a:rPr kumimoji="1" lang="zh-CN" altLang="en-US" dirty="0"/>
+              <a:t>课</a:t>
+            </a:r>
           </a:p>
         </p:txBody>
       </p:sp>
     </p:spTree>
     <p:extLst>
       <p:ext uri="{BB962C8B-B14F-4D97-AF65-F5344CB8AC3E}">
-        <p14:creationId xmlns:p14="http://schemas.microsoft.com/office/powerpoint/2010/main" val="2613863549"/>
+        <p14:creationId xmlns:p14="http://schemas.microsoft.com/office/powerpoint/2010/main" val="2662693387"/>
       </p:ext>
     </p:extLst>
   </p:cSld>
@@ -8911,13 +7812,13 @@
       </p:grpSpPr>
       <p:sp>
         <p:nvSpPr>
-          <p:cNvPr id="4" name="等腰三角形 3"/>
+          <p:cNvPr id="15" name="等腰三角形 14"/>
           <p:cNvSpPr/>
           <p:nvPr/>
         </p:nvSpPr>
         <p:spPr>
           <a:xfrm>
-            <a:off x="1506928" y="1385047"/>
+            <a:off x="1294673" y="1974298"/>
             <a:ext cx="1152487" cy="2424432"/>
           </a:xfrm>
           <a:prstGeom prst="triangle">
@@ -8955,15 +7856,51 @@
           </a:p>
         </p:txBody>
       </p:sp>
-      <p:sp>
-        <p:nvSpPr>
-          <p:cNvPr id="5" name="文本框 4"/>
+      <p:cxnSp>
+        <p:nvCxnSpPr>
+          <p:cNvPr id="10" name="直线箭头连接符 9"/>
+          <p:cNvCxnSpPr/>
+          <p:nvPr/>
+        </p:nvCxnSpPr>
+        <p:spPr>
+          <a:xfrm flipH="1" flipV="1">
+            <a:off x="1873766" y="1364155"/>
+            <a:ext cx="31032" cy="3882367"/>
+          </a:xfrm>
+          <a:prstGeom prst="straightConnector1">
+            <a:avLst/>
+          </a:prstGeom>
+          <a:ln>
+            <a:solidFill>
+              <a:srgbClr val="A6A6A6"/>
+            </a:solidFill>
+            <a:tailEnd type="arrow"/>
+          </a:ln>
+        </p:spPr>
+        <p:style>
+          <a:lnRef idx="2">
+            <a:schemeClr val="accent1"/>
+          </a:lnRef>
+          <a:fillRef idx="0">
+            <a:schemeClr val="accent1"/>
+          </a:fillRef>
+          <a:effectRef idx="1">
+            <a:schemeClr val="accent1"/>
+          </a:effectRef>
+          <a:fontRef idx="minor">
+            <a:schemeClr val="tx1"/>
+          </a:fontRef>
+        </p:style>
+      </p:cxnSp>
+      <p:sp>
+        <p:nvSpPr>
+          <p:cNvPr id="11" name="文本框 10"/>
           <p:cNvSpPr txBox="1"/>
           <p:nvPr/>
         </p:nvSpPr>
         <p:spPr>
           <a:xfrm>
-            <a:off x="3823853" y="2594952"/>
+            <a:off x="3611598" y="3235515"/>
             <a:ext cx="287258" cy="369332"/>
           </a:xfrm>
           <a:prstGeom prst="rect">
@@ -8987,13 +7924,43 @@
       </p:sp>
       <p:sp>
         <p:nvSpPr>
-          <p:cNvPr id="6" name="等腰三角形 5"/>
+          <p:cNvPr id="12" name="文本框 11"/>
+          <p:cNvSpPr txBox="1"/>
+          <p:nvPr/>
+        </p:nvSpPr>
+        <p:spPr>
+          <a:xfrm>
+            <a:off x="1714459" y="795276"/>
+            <a:ext cx="289149" cy="369332"/>
+          </a:xfrm>
+          <a:prstGeom prst="rect">
+            <a:avLst/>
+          </a:prstGeom>
+          <a:noFill/>
+        </p:spPr>
+        <p:txBody>
+          <a:bodyPr wrap="none" rtlCol="0">
+            <a:spAutoFit/>
+          </a:bodyPr>
+          <a:lstStyle/>
+          <a:p>
+            <a:r>
+              <a:rPr kumimoji="1" lang="en-US" altLang="zh-CN" dirty="0"/>
+              <a:t>y</a:t>
+            </a:r>
+            <a:endParaRPr kumimoji="1" lang="zh-CN" altLang="en-US" dirty="0"/>
+          </a:p>
+        </p:txBody>
+      </p:sp>
+      <p:sp>
+        <p:nvSpPr>
+          <p:cNvPr id="13" name="等腰三角形 12"/>
           <p:cNvSpPr/>
           <p:nvPr/>
         </p:nvSpPr>
         <p:spPr>
           <a:xfrm rot="5400000">
-            <a:off x="1904445" y="2750116"/>
+            <a:off x="1692190" y="3339367"/>
             <a:ext cx="188454" cy="143916"/>
           </a:xfrm>
           <a:prstGeom prst="triangle">
@@ -9033,13 +8000,13 @@
       </p:sp>
       <p:sp>
         <p:nvSpPr>
-          <p:cNvPr id="7" name="文本框 6"/>
+          <p:cNvPr id="14" name="文本框 13"/>
           <p:cNvSpPr txBox="1"/>
           <p:nvPr/>
         </p:nvSpPr>
         <p:spPr>
           <a:xfrm>
-            <a:off x="2070343" y="2830930"/>
+            <a:off x="1858088" y="3420181"/>
             <a:ext cx="472380" cy="276999"/>
           </a:xfrm>
           <a:prstGeom prst="rect">
@@ -9063,13 +8030,13 @@
       </p:sp>
       <p:sp>
         <p:nvSpPr>
-          <p:cNvPr id="8" name="文本框 7"/>
+          <p:cNvPr id="19" name="文本框 18"/>
           <p:cNvSpPr txBox="1"/>
           <p:nvPr/>
         </p:nvSpPr>
         <p:spPr>
           <a:xfrm>
-            <a:off x="2437518" y="2366549"/>
+            <a:off x="2263750" y="2955800"/>
             <a:ext cx="366657" cy="307777"/>
           </a:xfrm>
           <a:prstGeom prst="rect">
@@ -9093,13 +8060,13 @@
       </p:sp>
       <p:cxnSp>
         <p:nvCxnSpPr>
-          <p:cNvPr id="9" name="直线连接符 8"/>
+          <p:cNvPr id="25" name="直线连接符 24"/>
           <p:cNvCxnSpPr/>
           <p:nvPr/>
         </p:nvCxnSpPr>
         <p:spPr>
           <a:xfrm>
-            <a:off x="2617583" y="2674326"/>
+            <a:off x="2443815" y="3263577"/>
             <a:ext cx="0" cy="141013"/>
           </a:xfrm>
           <a:prstGeom prst="line">
@@ -9128,13 +8095,13 @@
       </p:cxnSp>
       <p:sp>
         <p:nvSpPr>
-          <p:cNvPr id="10" name="文本框 9"/>
+          <p:cNvPr id="28" name="文本框 27"/>
           <p:cNvSpPr txBox="1"/>
           <p:nvPr/>
         </p:nvSpPr>
         <p:spPr>
           <a:xfrm>
-            <a:off x="1310770" y="2368758"/>
+            <a:off x="1098515" y="2958009"/>
             <a:ext cx="421622" cy="307777"/>
           </a:xfrm>
           <a:prstGeom prst="rect">
@@ -9158,13 +8125,13 @@
       </p:sp>
       <p:cxnSp>
         <p:nvCxnSpPr>
-          <p:cNvPr id="11" name="直线连接符 10"/>
+          <p:cNvPr id="29" name="直线连接符 28"/>
           <p:cNvCxnSpPr/>
           <p:nvPr/>
         </p:nvCxnSpPr>
         <p:spPr>
           <a:xfrm>
-            <a:off x="1503664" y="2676535"/>
+            <a:off x="1291409" y="3265786"/>
             <a:ext cx="0" cy="141013"/>
           </a:xfrm>
           <a:prstGeom prst="line">
@@ -9193,24 +8160,25 @@
       </p:cxnSp>
       <p:cxnSp>
         <p:nvCxnSpPr>
-          <p:cNvPr id="12" name="直线连接符 11"/>
+          <p:cNvPr id="6" name="直线箭头连接符 5"/>
           <p:cNvCxnSpPr/>
           <p:nvPr/>
         </p:nvCxnSpPr>
         <p:spPr>
           <a:xfrm>
-            <a:off x="2659415" y="2830930"/>
-            <a:ext cx="0" cy="978549"/>
-          </a:xfrm>
-          <a:prstGeom prst="line">
-            <a:avLst/>
-          </a:prstGeom>
-          <a:ln w="3175" cmpd="sng">
+            <a:off x="115458" y="3402540"/>
+            <a:ext cx="3496140" cy="4259"/>
+          </a:xfrm>
+          <a:prstGeom prst="straightConnector1">
+            <a:avLst/>
+          </a:prstGeom>
+          <a:ln>
             <a:solidFill>
               <a:schemeClr val="bg1">
-                <a:lumMod val="85000"/>
+                <a:lumMod val="65000"/>
               </a:schemeClr>
             </a:solidFill>
+            <a:tailEnd type="arrow"/>
           </a:ln>
         </p:spPr>
         <p:style>
@@ -9230,23 +8198,432 @@
       </p:cxnSp>
       <p:cxnSp>
         <p:nvCxnSpPr>
-          <p:cNvPr id="13" name="直线连接符 12"/>
+          <p:cNvPr id="30" name="直线连接符 29"/>
           <p:cNvCxnSpPr/>
           <p:nvPr/>
         </p:nvCxnSpPr>
         <p:spPr>
-          <a:xfrm>
-            <a:off x="1506928" y="2847476"/>
-            <a:ext cx="0" cy="978549"/>
+          <a:xfrm flipH="1">
+            <a:off x="1852020" y="1978016"/>
+            <a:ext cx="151588" cy="0"/>
           </a:xfrm>
           <a:prstGeom prst="line">
             <a:avLst/>
           </a:prstGeom>
-          <a:ln w="3175" cmpd="sng">
+          <a:ln>
             <a:solidFill>
-              <a:schemeClr val="bg1">
-                <a:lumMod val="85000"/>
-              </a:schemeClr>
+              <a:schemeClr val="tx1"/>
+            </a:solidFill>
+          </a:ln>
+        </p:spPr>
+        <p:style>
+          <a:lnRef idx="2">
+            <a:schemeClr val="accent1"/>
+          </a:lnRef>
+          <a:fillRef idx="0">
+            <a:schemeClr val="accent1"/>
+          </a:fillRef>
+          <a:effectRef idx="1">
+            <a:schemeClr val="accent1"/>
+          </a:effectRef>
+          <a:fontRef idx="minor">
+            <a:schemeClr val="tx1"/>
+          </a:fontRef>
+        </p:style>
+      </p:cxnSp>
+      <p:sp>
+        <p:nvSpPr>
+          <p:cNvPr id="33" name="文本框 32"/>
+          <p:cNvSpPr txBox="1"/>
+          <p:nvPr/>
+        </p:nvSpPr>
+        <p:spPr>
+          <a:xfrm>
+            <a:off x="1447146" y="1807581"/>
+            <a:ext cx="457652" cy="307777"/>
+          </a:xfrm>
+          <a:prstGeom prst="rect">
+            <a:avLst/>
+          </a:prstGeom>
+          <a:noFill/>
+        </p:spPr>
+        <p:txBody>
+          <a:bodyPr wrap="none" rtlCol="0">
+            <a:spAutoFit/>
+          </a:bodyPr>
+          <a:lstStyle/>
+          <a:p>
+            <a:r>
+              <a:rPr kumimoji="1" lang="en-US" altLang="zh-CN" sz="1400" dirty="0"/>
+              <a:t>120</a:t>
+            </a:r>
+            <a:endParaRPr kumimoji="1" lang="zh-CN" altLang="en-US" sz="1400" dirty="0"/>
+          </a:p>
+        </p:txBody>
+      </p:sp>
+      <p:cxnSp>
+        <p:nvCxnSpPr>
+          <p:cNvPr id="35" name="直线连接符 34"/>
+          <p:cNvCxnSpPr/>
+          <p:nvPr/>
+        </p:nvCxnSpPr>
+        <p:spPr>
+          <a:xfrm flipH="1">
+            <a:off x="1824900" y="4415276"/>
+            <a:ext cx="151588" cy="0"/>
+          </a:xfrm>
+          <a:prstGeom prst="line">
+            <a:avLst/>
+          </a:prstGeom>
+          <a:ln>
+            <a:solidFill>
+              <a:schemeClr val="tx1"/>
+            </a:solidFill>
+          </a:ln>
+        </p:spPr>
+        <p:style>
+          <a:lnRef idx="2">
+            <a:schemeClr val="accent1"/>
+          </a:lnRef>
+          <a:fillRef idx="0">
+            <a:schemeClr val="accent1"/>
+          </a:fillRef>
+          <a:effectRef idx="1">
+            <a:schemeClr val="accent1"/>
+          </a:effectRef>
+          <a:fontRef idx="minor">
+            <a:schemeClr val="tx1"/>
+          </a:fontRef>
+        </p:style>
+      </p:cxnSp>
+      <p:sp>
+        <p:nvSpPr>
+          <p:cNvPr id="36" name="文本框 35"/>
+          <p:cNvSpPr txBox="1"/>
+          <p:nvPr/>
+        </p:nvSpPr>
+        <p:spPr>
+          <a:xfrm>
+            <a:off x="1291736" y="4244841"/>
+            <a:ext cx="547420" cy="307777"/>
+          </a:xfrm>
+          <a:prstGeom prst="rect">
+            <a:avLst/>
+          </a:prstGeom>
+          <a:noFill/>
+        </p:spPr>
+        <p:txBody>
+          <a:bodyPr wrap="none" rtlCol="0">
+            <a:spAutoFit/>
+          </a:bodyPr>
+          <a:lstStyle/>
+          <a:p>
+            <a:r>
+              <a:rPr kumimoji="1" lang="zh-CN" altLang="zh-CN" sz="1400" dirty="0"/>
+              <a:t>-</a:t>
+            </a:r>
+            <a:r>
+              <a:rPr kumimoji="1" lang="en-US" altLang="zh-CN" sz="1400" dirty="0"/>
+              <a:t>100</a:t>
+            </a:r>
+            <a:endParaRPr kumimoji="1" lang="zh-CN" altLang="en-US" sz="1400" dirty="0"/>
+          </a:p>
+        </p:txBody>
+      </p:sp>
+      <p:sp>
+        <p:nvSpPr>
+          <p:cNvPr id="50" name="等腰三角形 49"/>
+          <p:cNvSpPr/>
+          <p:nvPr/>
+        </p:nvSpPr>
+        <p:spPr>
+          <a:xfrm>
+            <a:off x="6235557" y="1932536"/>
+            <a:ext cx="1152487" cy="2424432"/>
+          </a:xfrm>
+          <a:prstGeom prst="triangle">
+            <a:avLst/>
+          </a:prstGeom>
+          <a:solidFill>
+            <a:srgbClr val="008000"/>
+          </a:solidFill>
+          <a:ln>
+            <a:solidFill>
+              <a:schemeClr val="accent3"/>
+            </a:solidFill>
+          </a:ln>
+        </p:spPr>
+        <p:style>
+          <a:lnRef idx="1">
+            <a:schemeClr val="accent1"/>
+          </a:lnRef>
+          <a:fillRef idx="3">
+            <a:schemeClr val="accent1"/>
+          </a:fillRef>
+          <a:effectRef idx="2">
+            <a:schemeClr val="accent1"/>
+          </a:effectRef>
+          <a:fontRef idx="minor">
+            <a:schemeClr val="lt1"/>
+          </a:fontRef>
+        </p:style>
+        <p:txBody>
+          <a:bodyPr rtlCol="0" anchor="ctr"/>
+          <a:lstStyle/>
+          <a:p>
+            <a:pPr algn="ctr"/>
+            <a:endParaRPr kumimoji="1" lang="zh-CN" altLang="en-US"/>
+          </a:p>
+        </p:txBody>
+      </p:sp>
+      <p:sp>
+        <p:nvSpPr>
+          <p:cNvPr id="51" name="文本框 50"/>
+          <p:cNvSpPr txBox="1"/>
+          <p:nvPr/>
+        </p:nvSpPr>
+        <p:spPr>
+          <a:xfrm>
+            <a:off x="8552482" y="3142441"/>
+            <a:ext cx="287258" cy="369332"/>
+          </a:xfrm>
+          <a:prstGeom prst="rect">
+            <a:avLst/>
+          </a:prstGeom>
+          <a:noFill/>
+        </p:spPr>
+        <p:txBody>
+          <a:bodyPr wrap="none" rtlCol="0">
+            <a:spAutoFit/>
+          </a:bodyPr>
+          <a:lstStyle/>
+          <a:p>
+            <a:r>
+              <a:rPr kumimoji="1" lang="en-US" altLang="zh-CN" dirty="0"/>
+              <a:t>x</a:t>
+            </a:r>
+            <a:endParaRPr kumimoji="1" lang="zh-CN" altLang="en-US" dirty="0"/>
+          </a:p>
+        </p:txBody>
+      </p:sp>
+      <p:sp>
+        <p:nvSpPr>
+          <p:cNvPr id="52" name="文本框 51"/>
+          <p:cNvSpPr txBox="1"/>
+          <p:nvPr/>
+        </p:nvSpPr>
+        <p:spPr>
+          <a:xfrm>
+            <a:off x="6668172" y="830482"/>
+            <a:ext cx="289149" cy="369332"/>
+          </a:xfrm>
+          <a:prstGeom prst="rect">
+            <a:avLst/>
+          </a:prstGeom>
+          <a:noFill/>
+        </p:spPr>
+        <p:txBody>
+          <a:bodyPr wrap="none" rtlCol="0">
+            <a:spAutoFit/>
+          </a:bodyPr>
+          <a:lstStyle/>
+          <a:p>
+            <a:r>
+              <a:rPr kumimoji="1" lang="en-US" altLang="zh-CN" dirty="0"/>
+              <a:t>y</a:t>
+            </a:r>
+            <a:endParaRPr kumimoji="1" lang="zh-CN" altLang="en-US" dirty="0"/>
+          </a:p>
+        </p:txBody>
+      </p:sp>
+      <p:sp>
+        <p:nvSpPr>
+          <p:cNvPr id="53" name="等腰三角形 52"/>
+          <p:cNvSpPr/>
+          <p:nvPr/>
+        </p:nvSpPr>
+        <p:spPr>
+          <a:xfrm rot="5400000">
+            <a:off x="6633074" y="3297605"/>
+            <a:ext cx="188454" cy="143916"/>
+          </a:xfrm>
+          <a:prstGeom prst="triangle">
+            <a:avLst/>
+          </a:prstGeom>
+          <a:solidFill>
+            <a:schemeClr val="tx1"/>
+          </a:solidFill>
+          <a:ln>
+            <a:solidFill>
+              <a:srgbClr val="000000"/>
+            </a:solidFill>
+          </a:ln>
+        </p:spPr>
+        <p:style>
+          <a:lnRef idx="1">
+            <a:schemeClr val="accent1"/>
+          </a:lnRef>
+          <a:fillRef idx="3">
+            <a:schemeClr val="accent1"/>
+          </a:fillRef>
+          <a:effectRef idx="2">
+            <a:schemeClr val="accent1"/>
+          </a:effectRef>
+          <a:fontRef idx="minor">
+            <a:schemeClr val="lt1"/>
+          </a:fontRef>
+        </p:style>
+        <p:txBody>
+          <a:bodyPr rtlCol="0" anchor="ctr"/>
+          <a:lstStyle/>
+          <a:p>
+            <a:pPr algn="ctr"/>
+            <a:endParaRPr kumimoji="1" lang="zh-CN" altLang="en-US"/>
+          </a:p>
+        </p:txBody>
+      </p:sp>
+      <p:sp>
+        <p:nvSpPr>
+          <p:cNvPr id="54" name="文本框 53"/>
+          <p:cNvSpPr txBox="1"/>
+          <p:nvPr/>
+        </p:nvSpPr>
+        <p:spPr>
+          <a:xfrm>
+            <a:off x="6798972" y="3378419"/>
+            <a:ext cx="472380" cy="276999"/>
+          </a:xfrm>
+          <a:prstGeom prst="rect">
+            <a:avLst/>
+          </a:prstGeom>
+          <a:noFill/>
+        </p:spPr>
+        <p:txBody>
+          <a:bodyPr wrap="none" rtlCol="0">
+            <a:spAutoFit/>
+          </a:bodyPr>
+          <a:lstStyle/>
+          <a:p>
+            <a:r>
+              <a:rPr kumimoji="1" lang="en-US" altLang="zh-CN" sz="1200" dirty="0"/>
+              <a:t>(0,0)</a:t>
+            </a:r>
+            <a:endParaRPr kumimoji="1" lang="zh-CN" altLang="en-US" sz="1200" dirty="0"/>
+          </a:p>
+        </p:txBody>
+      </p:sp>
+      <p:sp>
+        <p:nvSpPr>
+          <p:cNvPr id="58" name="文本框 57"/>
+          <p:cNvSpPr txBox="1"/>
+          <p:nvPr/>
+        </p:nvSpPr>
+        <p:spPr>
+          <a:xfrm>
+            <a:off x="7166147" y="2914038"/>
+            <a:ext cx="366657" cy="307777"/>
+          </a:xfrm>
+          <a:prstGeom prst="rect">
+            <a:avLst/>
+          </a:prstGeom>
+          <a:noFill/>
+        </p:spPr>
+        <p:txBody>
+          <a:bodyPr wrap="none" rtlCol="0">
+            <a:spAutoFit/>
+          </a:bodyPr>
+          <a:lstStyle/>
+          <a:p>
+            <a:r>
+              <a:rPr kumimoji="1" lang="en-US" altLang="zh-CN" sz="1400" dirty="0"/>
+              <a:t>60</a:t>
+            </a:r>
+            <a:endParaRPr kumimoji="1" lang="zh-CN" altLang="en-US" sz="1400" dirty="0"/>
+          </a:p>
+        </p:txBody>
+      </p:sp>
+      <p:cxnSp>
+        <p:nvCxnSpPr>
+          <p:cNvPr id="59" name="直线连接符 58"/>
+          <p:cNvCxnSpPr/>
+          <p:nvPr/>
+        </p:nvCxnSpPr>
+        <p:spPr>
+          <a:xfrm>
+            <a:off x="7346212" y="3221815"/>
+            <a:ext cx="0" cy="141013"/>
+          </a:xfrm>
+          <a:prstGeom prst="line">
+            <a:avLst/>
+          </a:prstGeom>
+          <a:ln>
+            <a:solidFill>
+              <a:schemeClr val="tx1"/>
+            </a:solidFill>
+          </a:ln>
+        </p:spPr>
+        <p:style>
+          <a:lnRef idx="2">
+            <a:schemeClr val="accent1"/>
+          </a:lnRef>
+          <a:fillRef idx="0">
+            <a:schemeClr val="accent1"/>
+          </a:fillRef>
+          <a:effectRef idx="1">
+            <a:schemeClr val="accent1"/>
+          </a:effectRef>
+          <a:fontRef idx="minor">
+            <a:schemeClr val="tx1"/>
+          </a:fontRef>
+        </p:style>
+      </p:cxnSp>
+      <p:sp>
+        <p:nvSpPr>
+          <p:cNvPr id="60" name="文本框 59"/>
+          <p:cNvSpPr txBox="1"/>
+          <p:nvPr/>
+        </p:nvSpPr>
+        <p:spPr>
+          <a:xfrm>
+            <a:off x="6039399" y="2916247"/>
+            <a:ext cx="421622" cy="307777"/>
+          </a:xfrm>
+          <a:prstGeom prst="rect">
+            <a:avLst/>
+          </a:prstGeom>
+          <a:noFill/>
+        </p:spPr>
+        <p:txBody>
+          <a:bodyPr wrap="none" rtlCol="0">
+            <a:spAutoFit/>
+          </a:bodyPr>
+          <a:lstStyle/>
+          <a:p>
+            <a:r>
+              <a:rPr kumimoji="1" lang="en-US" altLang="zh-CN" sz="1400" dirty="0"/>
+              <a:t>-60</a:t>
+            </a:r>
+            <a:endParaRPr kumimoji="1" lang="zh-CN" altLang="en-US" sz="1400" dirty="0"/>
+          </a:p>
+        </p:txBody>
+      </p:sp>
+      <p:cxnSp>
+        <p:nvCxnSpPr>
+          <p:cNvPr id="61" name="直线连接符 60"/>
+          <p:cNvCxnSpPr/>
+          <p:nvPr/>
+        </p:nvCxnSpPr>
+        <p:spPr>
+          <a:xfrm>
+            <a:off x="6232293" y="3224024"/>
+            <a:ext cx="0" cy="141013"/>
+          </a:xfrm>
+          <a:prstGeom prst="line">
+            <a:avLst/>
+          </a:prstGeom>
+          <a:ln>
+            <a:solidFill>
+              <a:schemeClr val="tx1"/>
             </a:solidFill>
           </a:ln>
         </p:spPr>
@@ -9267,23 +8644,24 @@
       </p:cxnSp>
       <p:cxnSp>
         <p:nvCxnSpPr>
-          <p:cNvPr id="14" name="直线箭头连接符 13"/>
+          <p:cNvPr id="63" name="直线连接符 62"/>
           <p:cNvCxnSpPr/>
           <p:nvPr/>
         </p:nvCxnSpPr>
         <p:spPr>
-          <a:xfrm flipH="1" flipV="1">
-            <a:off x="2086021" y="774905"/>
-            <a:ext cx="31032" cy="4248814"/>
-          </a:xfrm>
-          <a:prstGeom prst="straightConnector1">
-            <a:avLst/>
-          </a:prstGeom>
-          <a:ln>
+          <a:xfrm>
+            <a:off x="7388044" y="3378419"/>
+            <a:ext cx="0" cy="978549"/>
+          </a:xfrm>
+          <a:prstGeom prst="line">
+            <a:avLst/>
+          </a:prstGeom>
+          <a:ln w="3175" cmpd="sng">
             <a:solidFill>
-              <a:srgbClr val="A6A6A6"/>
+              <a:schemeClr val="bg1">
+                <a:lumMod val="85000"/>
+              </a:schemeClr>
             </a:solidFill>
-            <a:tailEnd type="arrow"/>
           </a:ln>
         </p:spPr>
         <p:style>
@@ -9303,13 +8681,86 @@
       </p:cxnSp>
       <p:cxnSp>
         <p:nvCxnSpPr>
-          <p:cNvPr id="15" name="直线箭头连接符 14"/>
+          <p:cNvPr id="64" name="直线连接符 63"/>
           <p:cNvCxnSpPr/>
           <p:nvPr/>
         </p:nvCxnSpPr>
         <p:spPr>
           <a:xfrm>
-            <a:off x="327713" y="2813289"/>
+            <a:off x="6235557" y="3394965"/>
+            <a:ext cx="0" cy="978549"/>
+          </a:xfrm>
+          <a:prstGeom prst="line">
+            <a:avLst/>
+          </a:prstGeom>
+          <a:ln w="3175" cmpd="sng">
+            <a:solidFill>
+              <a:schemeClr val="bg1">
+                <a:lumMod val="85000"/>
+              </a:schemeClr>
+            </a:solidFill>
+          </a:ln>
+        </p:spPr>
+        <p:style>
+          <a:lnRef idx="2">
+            <a:schemeClr val="accent1"/>
+          </a:lnRef>
+          <a:fillRef idx="0">
+            <a:schemeClr val="accent1"/>
+          </a:fillRef>
+          <a:effectRef idx="1">
+            <a:schemeClr val="accent1"/>
+          </a:effectRef>
+          <a:fontRef idx="minor">
+            <a:schemeClr val="tx1"/>
+          </a:fontRef>
+        </p:style>
+      </p:cxnSp>
+      <p:cxnSp>
+        <p:nvCxnSpPr>
+          <p:cNvPr id="65" name="直线箭头连接符 64"/>
+          <p:cNvCxnSpPr/>
+          <p:nvPr/>
+        </p:nvCxnSpPr>
+        <p:spPr>
+          <a:xfrm flipH="1" flipV="1">
+            <a:off x="6814650" y="1322393"/>
+            <a:ext cx="31032" cy="3882367"/>
+          </a:xfrm>
+          <a:prstGeom prst="straightConnector1">
+            <a:avLst/>
+          </a:prstGeom>
+          <a:ln>
+            <a:solidFill>
+              <a:srgbClr val="A6A6A6"/>
+            </a:solidFill>
+            <a:tailEnd type="arrow"/>
+          </a:ln>
+        </p:spPr>
+        <p:style>
+          <a:lnRef idx="2">
+            <a:schemeClr val="accent1"/>
+          </a:lnRef>
+          <a:fillRef idx="0">
+            <a:schemeClr val="accent1"/>
+          </a:fillRef>
+          <a:effectRef idx="1">
+            <a:schemeClr val="accent1"/>
+          </a:effectRef>
+          <a:fontRef idx="minor">
+            <a:schemeClr val="tx1"/>
+          </a:fontRef>
+        </p:style>
+      </p:cxnSp>
+      <p:cxnSp>
+        <p:nvCxnSpPr>
+          <p:cNvPr id="66" name="直线箭头连接符 65"/>
+          <p:cNvCxnSpPr/>
+          <p:nvPr/>
+        </p:nvCxnSpPr>
+        <p:spPr>
+          <a:xfrm>
+            <a:off x="5056342" y="3360778"/>
             <a:ext cx="3496140" cy="4259"/>
           </a:xfrm>
           <a:prstGeom prst="straightConnector1">
@@ -9341,70 +8792,183 @@
       </p:cxnSp>
       <p:sp>
         <p:nvSpPr>
-          <p:cNvPr id="22" name="线形标注 1 21"/>
+          <p:cNvPr id="67" name="文本框 66"/>
+          <p:cNvSpPr txBox="1"/>
+          <p:nvPr/>
+        </p:nvSpPr>
+        <p:spPr>
+          <a:xfrm>
+            <a:off x="6540940" y="4356968"/>
+            <a:ext cx="547420" cy="307777"/>
+          </a:xfrm>
+          <a:prstGeom prst="rect">
+            <a:avLst/>
+          </a:prstGeom>
+          <a:noFill/>
+        </p:spPr>
+        <p:txBody>
+          <a:bodyPr wrap="none" rtlCol="0">
+            <a:spAutoFit/>
+          </a:bodyPr>
+          <a:lstStyle/>
+          <a:p>
+            <a:r>
+              <a:rPr kumimoji="1" lang="zh-CN" altLang="zh-CN" sz="1400" dirty="0"/>
+              <a:t>-</a:t>
+            </a:r>
+            <a:r>
+              <a:rPr kumimoji="1" lang="en-US" altLang="zh-CN" sz="1400" dirty="0"/>
+              <a:t>100</a:t>
+            </a:r>
+            <a:endParaRPr kumimoji="1" lang="zh-CN" altLang="en-US" sz="1400" dirty="0"/>
+          </a:p>
+        </p:txBody>
+      </p:sp>
+      <p:sp>
+        <p:nvSpPr>
+          <p:cNvPr id="62" name="文本框 61"/>
+          <p:cNvSpPr txBox="1"/>
+          <p:nvPr/>
+        </p:nvSpPr>
+        <p:spPr>
+          <a:xfrm>
+            <a:off x="6585824" y="1645965"/>
+            <a:ext cx="457652" cy="307777"/>
+          </a:xfrm>
+          <a:prstGeom prst="rect">
+            <a:avLst/>
+          </a:prstGeom>
+          <a:noFill/>
+        </p:spPr>
+        <p:txBody>
+          <a:bodyPr wrap="none" rtlCol="0">
+            <a:spAutoFit/>
+          </a:bodyPr>
+          <a:lstStyle/>
+          <a:p>
+            <a:r>
+              <a:rPr kumimoji="1" lang="en-US" altLang="zh-CN" sz="1400" dirty="0"/>
+              <a:t>120</a:t>
+            </a:r>
+            <a:endParaRPr kumimoji="1" lang="zh-CN" altLang="en-US" sz="1400" dirty="0"/>
+          </a:p>
+        </p:txBody>
+      </p:sp>
+      <p:sp>
+        <p:nvSpPr>
+          <p:cNvPr id="68" name="右箭头 67"/>
           <p:cNvSpPr/>
           <p:nvPr/>
         </p:nvSpPr>
         <p:spPr>
           <a:xfrm>
-            <a:off x="875970" y="4441398"/>
-            <a:ext cx="653071" cy="215873"/>
+            <a:off x="4105338" y="3317098"/>
+            <a:ext cx="525997" cy="244069"/>
+          </a:xfrm>
+          <a:prstGeom prst="rightArrow">
+            <a:avLst/>
+          </a:prstGeom>
+        </p:spPr>
+        <p:style>
+          <a:lnRef idx="2">
+            <a:schemeClr val="accent6">
+              <a:shade val="50000"/>
+            </a:schemeClr>
+          </a:lnRef>
+          <a:fillRef idx="1">
+            <a:schemeClr val="accent6"/>
+          </a:fillRef>
+          <a:effectRef idx="0">
+            <a:schemeClr val="accent6"/>
+          </a:effectRef>
+          <a:fontRef idx="minor">
+            <a:schemeClr val="lt1"/>
+          </a:fontRef>
+        </p:style>
+        <p:txBody>
+          <a:bodyPr rtlCol="0" anchor="ctr"/>
+          <a:lstStyle/>
+          <a:p>
+            <a:pPr algn="ctr"/>
+            <a:endParaRPr kumimoji="1" lang="zh-CN" altLang="en-US"/>
+          </a:p>
+        </p:txBody>
+      </p:sp>
+      <p:sp>
+        <p:nvSpPr>
+          <p:cNvPr id="71" name="线形标注 1 70"/>
+          <p:cNvSpPr/>
+          <p:nvPr/>
+        </p:nvSpPr>
+        <p:spPr>
+          <a:xfrm>
+            <a:off x="7322162" y="1746963"/>
+            <a:ext cx="485078" cy="185525"/>
           </a:xfrm>
           <a:prstGeom prst="borderCallout1">
             <a:avLst>
-              <a:gd name="adj1" fmla="val 57670"/>
-              <a:gd name="adj2" fmla="val 101880"/>
-              <a:gd name="adj3" fmla="val 53964"/>
-              <a:gd name="adj4" fmla="val 173921"/>
+              <a:gd name="adj1" fmla="val 48257"/>
+              <a:gd name="adj2" fmla="val -433"/>
+              <a:gd name="adj3" fmla="val 124303"/>
+              <a:gd name="adj4" fmla="val -105302"/>
             </a:avLst>
           </a:prstGeom>
+          <a:ln>
+            <a:solidFill>
+              <a:srgbClr val="984807"/>
+            </a:solidFill>
+          </a:ln>
+        </p:spPr>
+        <p:style>
+          <a:lnRef idx="1">
+            <a:schemeClr val="accent1"/>
+          </a:lnRef>
+          <a:fillRef idx="3">
+            <a:schemeClr val="accent1"/>
+          </a:fillRef>
+          <a:effectRef idx="2">
+            <a:schemeClr val="accent1"/>
+          </a:effectRef>
+          <a:fontRef idx="minor">
+            <a:schemeClr val="lt1"/>
+          </a:fontRef>
+        </p:style>
+        <p:txBody>
+          <a:bodyPr rtlCol="0" anchor="ctr"/>
+          <a:lstStyle/>
+          <a:p>
+            <a:pPr algn="ctr"/>
+            <a:endParaRPr kumimoji="1" lang="zh-CN" altLang="en-US"/>
+          </a:p>
+        </p:txBody>
+      </p:sp>
+      <p:sp>
+        <p:nvSpPr>
+          <p:cNvPr id="55" name="文本框 54"/>
+          <p:cNvSpPr txBox="1"/>
+          <p:nvPr/>
+        </p:nvSpPr>
+        <p:spPr>
+          <a:xfrm>
+            <a:off x="7244374" y="1686702"/>
+            <a:ext cx="628372" cy="276999"/>
+          </a:xfrm>
+          <a:prstGeom prst="rect">
+            <a:avLst/>
+          </a:prstGeom>
           <a:solidFill>
-            <a:srgbClr val="B9CDE5"/>
+            <a:schemeClr val="accent6">
+              <a:lumMod val="20000"/>
+              <a:lumOff val="80000"/>
+            </a:schemeClr>
           </a:solidFill>
           <a:ln>
             <a:solidFill>
-              <a:srgbClr val="3366FF"/>
+              <a:schemeClr val="accent6">
+                <a:lumMod val="50000"/>
+              </a:schemeClr>
             </a:solidFill>
           </a:ln>
-        </p:spPr>
-        <p:style>
-          <a:lnRef idx="2">
-            <a:schemeClr val="dk1"/>
-          </a:lnRef>
-          <a:fillRef idx="1">
-            <a:schemeClr val="lt1"/>
-          </a:fillRef>
-          <a:effectRef idx="0">
-            <a:schemeClr val="dk1"/>
-          </a:effectRef>
-          <a:fontRef idx="minor">
-            <a:schemeClr val="dk1"/>
-          </a:fontRef>
-        </p:style>
-        <p:txBody>
-          <a:bodyPr rtlCol="0" anchor="ctr"/>
-          <a:lstStyle/>
-          <a:p>
-            <a:pPr algn="ctr"/>
-            <a:endParaRPr kumimoji="1" lang="zh-CN" altLang="en-US"/>
-          </a:p>
-        </p:txBody>
-      </p:sp>
-      <p:sp>
-        <p:nvSpPr>
-          <p:cNvPr id="23" name="文本框 22"/>
-          <p:cNvSpPr txBox="1"/>
-          <p:nvPr/>
-        </p:nvSpPr>
-        <p:spPr>
-          <a:xfrm>
-            <a:off x="854734" y="4402956"/>
-            <a:ext cx="704264" cy="276999"/>
-          </a:xfrm>
-          <a:prstGeom prst="rect">
-            <a:avLst/>
-          </a:prstGeom>
-          <a:noFill/>
         </p:spPr>
         <p:txBody>
           <a:bodyPr wrap="none" rtlCol="0">
@@ -9414,23 +8978,7 @@
           <a:p>
             <a:r>
               <a:rPr kumimoji="1" lang="en-US" altLang="zh-CN" sz="1200" dirty="0"/>
-              <a:t>(</a:t>
-            </a:r>
-            <a:r>
-              <a:rPr kumimoji="1" lang="zh-CN" altLang="zh-CN" sz="1200" dirty="0"/>
-              <a:t>0</a:t>
-            </a:r>
-            <a:r>
-              <a:rPr kumimoji="1" lang="en-US" altLang="zh-CN" sz="1200" dirty="0"/>
-              <a:t>,</a:t>
-            </a:r>
-            <a:r>
-              <a:rPr kumimoji="1" lang="zh-CN" altLang="zh-CN" sz="1200" dirty="0"/>
-              <a:t>-</a:t>
-            </a:r>
-            <a:r>
-              <a:rPr kumimoji="1" lang="en-US" altLang="zh-CN" sz="1200" dirty="0"/>
-              <a:t>170)</a:t>
+              <a:t>(0,120)</a:t>
             </a:r>
             <a:endParaRPr kumimoji="1" lang="zh-CN" altLang="en-US" sz="1200" dirty="0"/>
           </a:p>
@@ -9438,22 +8986,25 @@
       </p:sp>
       <p:sp>
         <p:nvSpPr>
-          <p:cNvPr id="24" name="圆角矩形 23"/>
+          <p:cNvPr id="72" name="线形标注 1 71"/>
           <p:cNvSpPr/>
           <p:nvPr/>
         </p:nvSpPr>
         <p:spPr>
           <a:xfrm>
-            <a:off x="1935440" y="3711958"/>
-            <a:ext cx="323842" cy="976095"/>
-          </a:xfrm>
-          <a:prstGeom prst="roundRect">
+            <a:off x="7725960" y="4592302"/>
+            <a:ext cx="645467" cy="215873"/>
+          </a:xfrm>
+          <a:prstGeom prst="borderCallout1">
             <a:avLst>
-              <a:gd name="adj" fmla="val 50000"/>
+              <a:gd name="adj1" fmla="val 48257"/>
+              <a:gd name="adj2" fmla="val -433"/>
+              <a:gd name="adj3" fmla="val -116657"/>
+              <a:gd name="adj4" fmla="val -50377"/>
             </a:avLst>
           </a:prstGeom>
           <a:solidFill>
-            <a:srgbClr val="800000"/>
+            <a:srgbClr val="FDEADA"/>
           </a:solidFill>
           <a:ln>
             <a:solidFill>
@@ -9486,44 +9037,82 @@
       </p:sp>
       <p:sp>
         <p:nvSpPr>
-          <p:cNvPr id="20" name="线形标注 1 19"/>
+          <p:cNvPr id="56" name="文本框 55"/>
+          <p:cNvSpPr txBox="1"/>
+          <p:nvPr/>
+        </p:nvSpPr>
+        <p:spPr>
+          <a:xfrm>
+            <a:off x="7669395" y="4551496"/>
+            <a:ext cx="783312" cy="276999"/>
+          </a:xfrm>
+          <a:prstGeom prst="rect">
+            <a:avLst/>
+          </a:prstGeom>
+          <a:noFill/>
+        </p:spPr>
+        <p:txBody>
+          <a:bodyPr wrap="none" rtlCol="0">
+            <a:spAutoFit/>
+          </a:bodyPr>
+          <a:lstStyle/>
+          <a:p>
+            <a:r>
+              <a:rPr kumimoji="1" lang="en-US" altLang="zh-CN" sz="1200" dirty="0"/>
+              <a:t>(60,</a:t>
+            </a:r>
+            <a:r>
+              <a:rPr kumimoji="1" lang="zh-CN" altLang="zh-CN" sz="1200" dirty="0"/>
+              <a:t>-</a:t>
+            </a:r>
+            <a:r>
+              <a:rPr kumimoji="1" lang="en-US" altLang="zh-CN" sz="1200" dirty="0"/>
+              <a:t>100)</a:t>
+            </a:r>
+            <a:endParaRPr kumimoji="1" lang="zh-CN" altLang="en-US" sz="1200" dirty="0"/>
+          </a:p>
+        </p:txBody>
+      </p:sp>
+      <p:sp>
+        <p:nvSpPr>
+          <p:cNvPr id="73" name="线形标注 1 72"/>
           <p:cNvSpPr/>
           <p:nvPr/>
         </p:nvSpPr>
         <p:spPr>
           <a:xfrm>
-            <a:off x="2715980" y="3903437"/>
-            <a:ext cx="645467" cy="215873"/>
+            <a:off x="5242560" y="4575433"/>
+            <a:ext cx="796839" cy="215873"/>
           </a:xfrm>
           <a:prstGeom prst="borderCallout1">
             <a:avLst>
-              <a:gd name="adj1" fmla="val 48257"/>
-              <a:gd name="adj2" fmla="val -433"/>
-              <a:gd name="adj3" fmla="val -37858"/>
-              <a:gd name="adj4" fmla="val -90783"/>
+              <a:gd name="adj1" fmla="val 57670"/>
+              <a:gd name="adj2" fmla="val 101880"/>
+              <a:gd name="adj3" fmla="val -93126"/>
+              <a:gd name="adj4" fmla="val 122690"/>
             </a:avLst>
           </a:prstGeom>
           <a:solidFill>
-            <a:srgbClr val="B9CDE5"/>
+            <a:srgbClr val="FDEADA"/>
           </a:solidFill>
           <a:ln>
             <a:solidFill>
-              <a:srgbClr val="3366FF"/>
+              <a:srgbClr val="984807"/>
             </a:solidFill>
           </a:ln>
         </p:spPr>
         <p:style>
-          <a:lnRef idx="2">
-            <a:schemeClr val="dk1"/>
+          <a:lnRef idx="1">
+            <a:schemeClr val="accent1"/>
           </a:lnRef>
-          <a:fillRef idx="1">
-            <a:schemeClr val="lt1"/>
+          <a:fillRef idx="3">
+            <a:schemeClr val="accent1"/>
           </a:fillRef>
-          <a:effectRef idx="0">
-            <a:schemeClr val="dk1"/>
+          <a:effectRef idx="2">
+            <a:schemeClr val="accent1"/>
           </a:effectRef>
           <a:fontRef idx="minor">
-            <a:schemeClr val="dk1"/>
+            <a:schemeClr val="lt1"/>
           </a:fontRef>
         </p:style>
         <p:txBody>
@@ -9537,14 +9126,14 @@
       </p:sp>
       <p:sp>
         <p:nvSpPr>
-          <p:cNvPr id="21" name="文本框 20"/>
+          <p:cNvPr id="74" name="文本框 73"/>
           <p:cNvSpPr txBox="1"/>
           <p:nvPr/>
         </p:nvSpPr>
         <p:spPr>
           <a:xfrm>
-            <a:off x="2659415" y="3858137"/>
-            <a:ext cx="705316" cy="276999"/>
+            <a:off x="5251692" y="4532298"/>
+            <a:ext cx="830426" cy="276999"/>
           </a:xfrm>
           <a:prstGeom prst="rect">
             <a:avLst/>
@@ -9559,7 +9148,7 @@
           <a:p>
             <a:r>
               <a:rPr kumimoji="1" lang="en-US" altLang="zh-CN" sz="1200" dirty="0"/>
-              <a:t>(0,</a:t>
+              <a:t>(-60,</a:t>
             </a:r>
             <a:r>
               <a:rPr kumimoji="1" lang="zh-CN" altLang="zh-CN" sz="1200" dirty="0"/>
@@ -9570,73 +9159,13 @@
               <a:t>100)</a:t>
             </a:r>
             <a:endParaRPr kumimoji="1" lang="zh-CN" altLang="en-US" sz="1200" dirty="0"/>
-          </a:p>
-        </p:txBody>
-      </p:sp>
-      <p:pic>
-        <p:nvPicPr>
-          <p:cNvPr id="2" name="图片 1">
-            <a:extLst>
-              <a:ext uri="{FF2B5EF4-FFF2-40B4-BE49-F238E27FC236}">
-                <a16:creationId xmlns:a16="http://schemas.microsoft.com/office/drawing/2014/main" id="{65B4D540-1397-3941-9EEA-B6982BC45C44}"/>
-              </a:ext>
-            </a:extLst>
-          </p:cNvPr>
-          <p:cNvPicPr>
-            <a:picLocks noChangeAspect="1"/>
-          </p:cNvPicPr>
-          <p:nvPr/>
-        </p:nvPicPr>
-        <p:blipFill>
-          <a:blip r:embed="rId2"/>
-          <a:stretch>
-            <a:fillRect/>
-          </a:stretch>
-        </p:blipFill>
-        <p:spPr>
-          <a:xfrm>
-            <a:off x="6868334" y="787388"/>
-            <a:ext cx="2275666" cy="3717265"/>
-          </a:xfrm>
-          <a:prstGeom prst="rect">
-            <a:avLst/>
-          </a:prstGeom>
-        </p:spPr>
-      </p:pic>
-      <p:sp>
-        <p:nvSpPr>
-          <p:cNvPr id="17" name="文本框 16"/>
-          <p:cNvSpPr txBox="1"/>
-          <p:nvPr/>
-        </p:nvSpPr>
-        <p:spPr>
-          <a:xfrm>
-            <a:off x="1848881" y="1138839"/>
-            <a:ext cx="457652" cy="307777"/>
-          </a:xfrm>
-          <a:prstGeom prst="rect">
-            <a:avLst/>
-          </a:prstGeom>
-          <a:noFill/>
-        </p:spPr>
-        <p:txBody>
-          <a:bodyPr wrap="none" rtlCol="0">
-            <a:spAutoFit/>
-          </a:bodyPr>
-          <a:lstStyle/>
-          <a:p>
-            <a:r>
-              <a:rPr kumimoji="1" lang="en-US" altLang="zh-CN" sz="1400" dirty="0"/>
-              <a:t>120</a:t>
-            </a:r>
-            <a:endParaRPr kumimoji="1" lang="zh-CN" altLang="en-US" sz="1400" dirty="0"/>
           </a:p>
         </p:txBody>
       </p:sp>
     </p:spTree>
     <p:extLst>
       <p:ext uri="{BB962C8B-B14F-4D97-AF65-F5344CB8AC3E}">
-        <p14:creationId xmlns:p14="http://schemas.microsoft.com/office/powerpoint/2010/main" val="1074218723"/>
+        <p14:creationId xmlns:p14="http://schemas.microsoft.com/office/powerpoint/2010/main" val="2613863549"/>
       </p:ext>
     </p:extLst>
   </p:cSld>
@@ -9665,13 +9194,7 @@
       </p:grpSpPr>
       <p:sp>
         <p:nvSpPr>
-          <p:cNvPr id="4" name="等腰三角形 3">
-            <a:extLst>
-              <a:ext uri="{FF2B5EF4-FFF2-40B4-BE49-F238E27FC236}">
-                <a16:creationId xmlns:a16="http://schemas.microsoft.com/office/drawing/2014/main" id="{D2BF6AED-5060-5848-8F7E-C7BD2BF19563}"/>
-              </a:ext>
-            </a:extLst>
-          </p:cNvPr>
+          <p:cNvPr id="4" name="等腰三角形 3"/>
           <p:cNvSpPr/>
           <p:nvPr/>
         </p:nvSpPr>
@@ -9717,13 +9240,7 @@
       </p:sp>
       <p:sp>
         <p:nvSpPr>
-          <p:cNvPr id="5" name="文本框 4">
-            <a:extLst>
-              <a:ext uri="{FF2B5EF4-FFF2-40B4-BE49-F238E27FC236}">
-                <a16:creationId xmlns:a16="http://schemas.microsoft.com/office/drawing/2014/main" id="{B6990875-2368-E546-8BA0-45189428F5F3}"/>
-              </a:ext>
-            </a:extLst>
-          </p:cNvPr>
+          <p:cNvPr id="5" name="文本框 4"/>
           <p:cNvSpPr txBox="1"/>
           <p:nvPr/>
         </p:nvSpPr>
@@ -9753,13 +9270,7 @@
       </p:sp>
       <p:sp>
         <p:nvSpPr>
-          <p:cNvPr id="6" name="等腰三角形 5">
-            <a:extLst>
-              <a:ext uri="{FF2B5EF4-FFF2-40B4-BE49-F238E27FC236}">
-                <a16:creationId xmlns:a16="http://schemas.microsoft.com/office/drawing/2014/main" id="{C9459822-AE12-984F-95F3-072F7658D787}"/>
-              </a:ext>
-            </a:extLst>
-          </p:cNvPr>
+          <p:cNvPr id="6" name="等腰三角形 5"/>
           <p:cNvSpPr/>
           <p:nvPr/>
         </p:nvSpPr>
@@ -9805,13 +9316,7 @@
       </p:sp>
       <p:sp>
         <p:nvSpPr>
-          <p:cNvPr id="7" name="文本框 6">
-            <a:extLst>
-              <a:ext uri="{FF2B5EF4-FFF2-40B4-BE49-F238E27FC236}">
-                <a16:creationId xmlns:a16="http://schemas.microsoft.com/office/drawing/2014/main" id="{1052742A-1F12-D648-B4CC-7D328D43FB95}"/>
-              </a:ext>
-            </a:extLst>
-          </p:cNvPr>
+          <p:cNvPr id="7" name="文本框 6"/>
           <p:cNvSpPr txBox="1"/>
           <p:nvPr/>
         </p:nvSpPr>
@@ -9841,13 +9346,7 @@
       </p:sp>
       <p:sp>
         <p:nvSpPr>
-          <p:cNvPr id="8" name="文本框 7">
-            <a:extLst>
-              <a:ext uri="{FF2B5EF4-FFF2-40B4-BE49-F238E27FC236}">
-                <a16:creationId xmlns:a16="http://schemas.microsoft.com/office/drawing/2014/main" id="{FFEFD607-9519-EA46-AC70-A1023363F17B}"/>
-              </a:ext>
-            </a:extLst>
-          </p:cNvPr>
+          <p:cNvPr id="8" name="文本框 7"/>
           <p:cNvSpPr txBox="1"/>
           <p:nvPr/>
         </p:nvSpPr>
@@ -9877,13 +9376,7 @@
       </p:sp>
       <p:cxnSp>
         <p:nvCxnSpPr>
-          <p:cNvPr id="9" name="直线连接符 8">
-            <a:extLst>
-              <a:ext uri="{FF2B5EF4-FFF2-40B4-BE49-F238E27FC236}">
-                <a16:creationId xmlns:a16="http://schemas.microsoft.com/office/drawing/2014/main" id="{29B6E02C-E8F6-C94D-9C69-1CEA05B6DE42}"/>
-              </a:ext>
-            </a:extLst>
-          </p:cNvPr>
+          <p:cNvPr id="9" name="直线连接符 8"/>
           <p:cNvCxnSpPr/>
           <p:nvPr/>
         </p:nvCxnSpPr>
@@ -9918,10 +9411,800 @@
       </p:cxnSp>
       <p:sp>
         <p:nvSpPr>
+          <p:cNvPr id="10" name="文本框 9"/>
+          <p:cNvSpPr txBox="1"/>
+          <p:nvPr/>
+        </p:nvSpPr>
+        <p:spPr>
+          <a:xfrm>
+            <a:off x="1310770" y="2368758"/>
+            <a:ext cx="421622" cy="307777"/>
+          </a:xfrm>
+          <a:prstGeom prst="rect">
+            <a:avLst/>
+          </a:prstGeom>
+          <a:noFill/>
+        </p:spPr>
+        <p:txBody>
+          <a:bodyPr wrap="none" rtlCol="0">
+            <a:spAutoFit/>
+          </a:bodyPr>
+          <a:lstStyle/>
+          <a:p>
+            <a:r>
+              <a:rPr kumimoji="1" lang="en-US" altLang="zh-CN" sz="1400" dirty="0"/>
+              <a:t>-60</a:t>
+            </a:r>
+            <a:endParaRPr kumimoji="1" lang="zh-CN" altLang="en-US" sz="1400" dirty="0"/>
+          </a:p>
+        </p:txBody>
+      </p:sp>
+      <p:cxnSp>
+        <p:nvCxnSpPr>
+          <p:cNvPr id="11" name="直线连接符 10"/>
+          <p:cNvCxnSpPr/>
+          <p:nvPr/>
+        </p:nvCxnSpPr>
+        <p:spPr>
+          <a:xfrm>
+            <a:off x="1503664" y="2676535"/>
+            <a:ext cx="0" cy="141013"/>
+          </a:xfrm>
+          <a:prstGeom prst="line">
+            <a:avLst/>
+          </a:prstGeom>
+          <a:ln>
+            <a:solidFill>
+              <a:schemeClr val="tx1"/>
+            </a:solidFill>
+          </a:ln>
+        </p:spPr>
+        <p:style>
+          <a:lnRef idx="2">
+            <a:schemeClr val="accent1"/>
+          </a:lnRef>
+          <a:fillRef idx="0">
+            <a:schemeClr val="accent1"/>
+          </a:fillRef>
+          <a:effectRef idx="1">
+            <a:schemeClr val="accent1"/>
+          </a:effectRef>
+          <a:fontRef idx="minor">
+            <a:schemeClr val="tx1"/>
+          </a:fontRef>
+        </p:style>
+      </p:cxnSp>
+      <p:cxnSp>
+        <p:nvCxnSpPr>
+          <p:cNvPr id="12" name="直线连接符 11"/>
+          <p:cNvCxnSpPr/>
+          <p:nvPr/>
+        </p:nvCxnSpPr>
+        <p:spPr>
+          <a:xfrm>
+            <a:off x="2659415" y="2830930"/>
+            <a:ext cx="0" cy="978549"/>
+          </a:xfrm>
+          <a:prstGeom prst="line">
+            <a:avLst/>
+          </a:prstGeom>
+          <a:ln w="3175" cmpd="sng">
+            <a:solidFill>
+              <a:schemeClr val="bg1">
+                <a:lumMod val="85000"/>
+              </a:schemeClr>
+            </a:solidFill>
+          </a:ln>
+        </p:spPr>
+        <p:style>
+          <a:lnRef idx="2">
+            <a:schemeClr val="accent1"/>
+          </a:lnRef>
+          <a:fillRef idx="0">
+            <a:schemeClr val="accent1"/>
+          </a:fillRef>
+          <a:effectRef idx="1">
+            <a:schemeClr val="accent1"/>
+          </a:effectRef>
+          <a:fontRef idx="minor">
+            <a:schemeClr val="tx1"/>
+          </a:fontRef>
+        </p:style>
+      </p:cxnSp>
+      <p:cxnSp>
+        <p:nvCxnSpPr>
+          <p:cNvPr id="13" name="直线连接符 12"/>
+          <p:cNvCxnSpPr/>
+          <p:nvPr/>
+        </p:nvCxnSpPr>
+        <p:spPr>
+          <a:xfrm>
+            <a:off x="1506928" y="2847476"/>
+            <a:ext cx="0" cy="978549"/>
+          </a:xfrm>
+          <a:prstGeom prst="line">
+            <a:avLst/>
+          </a:prstGeom>
+          <a:ln w="3175" cmpd="sng">
+            <a:solidFill>
+              <a:schemeClr val="bg1">
+                <a:lumMod val="85000"/>
+              </a:schemeClr>
+            </a:solidFill>
+          </a:ln>
+        </p:spPr>
+        <p:style>
+          <a:lnRef idx="2">
+            <a:schemeClr val="accent1"/>
+          </a:lnRef>
+          <a:fillRef idx="0">
+            <a:schemeClr val="accent1"/>
+          </a:fillRef>
+          <a:effectRef idx="1">
+            <a:schemeClr val="accent1"/>
+          </a:effectRef>
+          <a:fontRef idx="minor">
+            <a:schemeClr val="tx1"/>
+          </a:fontRef>
+        </p:style>
+      </p:cxnSp>
+      <p:cxnSp>
+        <p:nvCxnSpPr>
+          <p:cNvPr id="14" name="直线箭头连接符 13"/>
+          <p:cNvCxnSpPr/>
+          <p:nvPr/>
+        </p:nvCxnSpPr>
+        <p:spPr>
+          <a:xfrm flipH="1" flipV="1">
+            <a:off x="2086021" y="774905"/>
+            <a:ext cx="31032" cy="4248814"/>
+          </a:xfrm>
+          <a:prstGeom prst="straightConnector1">
+            <a:avLst/>
+          </a:prstGeom>
+          <a:ln>
+            <a:solidFill>
+              <a:srgbClr val="A6A6A6"/>
+            </a:solidFill>
+            <a:tailEnd type="arrow"/>
+          </a:ln>
+        </p:spPr>
+        <p:style>
+          <a:lnRef idx="2">
+            <a:schemeClr val="accent1"/>
+          </a:lnRef>
+          <a:fillRef idx="0">
+            <a:schemeClr val="accent1"/>
+          </a:fillRef>
+          <a:effectRef idx="1">
+            <a:schemeClr val="accent1"/>
+          </a:effectRef>
+          <a:fontRef idx="minor">
+            <a:schemeClr val="tx1"/>
+          </a:fontRef>
+        </p:style>
+      </p:cxnSp>
+      <p:cxnSp>
+        <p:nvCxnSpPr>
+          <p:cNvPr id="15" name="直线箭头连接符 14"/>
+          <p:cNvCxnSpPr/>
+          <p:nvPr/>
+        </p:nvCxnSpPr>
+        <p:spPr>
+          <a:xfrm>
+            <a:off x="327713" y="2813289"/>
+            <a:ext cx="3496140" cy="4259"/>
+          </a:xfrm>
+          <a:prstGeom prst="straightConnector1">
+            <a:avLst/>
+          </a:prstGeom>
+          <a:ln>
+            <a:solidFill>
+              <a:schemeClr val="bg1">
+                <a:lumMod val="65000"/>
+              </a:schemeClr>
+            </a:solidFill>
+            <a:tailEnd type="arrow"/>
+          </a:ln>
+        </p:spPr>
+        <p:style>
+          <a:lnRef idx="2">
+            <a:schemeClr val="accent1"/>
+          </a:lnRef>
+          <a:fillRef idx="0">
+            <a:schemeClr val="accent1"/>
+          </a:fillRef>
+          <a:effectRef idx="1">
+            <a:schemeClr val="accent1"/>
+          </a:effectRef>
+          <a:fontRef idx="minor">
+            <a:schemeClr val="tx1"/>
+          </a:fontRef>
+        </p:style>
+      </p:cxnSp>
+      <p:sp>
+        <p:nvSpPr>
+          <p:cNvPr id="22" name="线形标注 1 21"/>
+          <p:cNvSpPr/>
+          <p:nvPr/>
+        </p:nvSpPr>
+        <p:spPr>
+          <a:xfrm>
+            <a:off x="875970" y="4441398"/>
+            <a:ext cx="653071" cy="215873"/>
+          </a:xfrm>
+          <a:prstGeom prst="borderCallout1">
+            <a:avLst>
+              <a:gd name="adj1" fmla="val 57670"/>
+              <a:gd name="adj2" fmla="val 101880"/>
+              <a:gd name="adj3" fmla="val 53964"/>
+              <a:gd name="adj4" fmla="val 173921"/>
+            </a:avLst>
+          </a:prstGeom>
+          <a:solidFill>
+            <a:srgbClr val="B9CDE5"/>
+          </a:solidFill>
+          <a:ln>
+            <a:solidFill>
+              <a:srgbClr val="3366FF"/>
+            </a:solidFill>
+          </a:ln>
+        </p:spPr>
+        <p:style>
+          <a:lnRef idx="2">
+            <a:schemeClr val="dk1"/>
+          </a:lnRef>
+          <a:fillRef idx="1">
+            <a:schemeClr val="lt1"/>
+          </a:fillRef>
+          <a:effectRef idx="0">
+            <a:schemeClr val="dk1"/>
+          </a:effectRef>
+          <a:fontRef idx="minor">
+            <a:schemeClr val="dk1"/>
+          </a:fontRef>
+        </p:style>
+        <p:txBody>
+          <a:bodyPr rtlCol="0" anchor="ctr"/>
+          <a:lstStyle/>
+          <a:p>
+            <a:pPr algn="ctr"/>
+            <a:endParaRPr kumimoji="1" lang="zh-CN" altLang="en-US"/>
+          </a:p>
+        </p:txBody>
+      </p:sp>
+      <p:sp>
+        <p:nvSpPr>
+          <p:cNvPr id="23" name="文本框 22"/>
+          <p:cNvSpPr txBox="1"/>
+          <p:nvPr/>
+        </p:nvSpPr>
+        <p:spPr>
+          <a:xfrm>
+            <a:off x="854734" y="4402956"/>
+            <a:ext cx="704264" cy="276999"/>
+          </a:xfrm>
+          <a:prstGeom prst="rect">
+            <a:avLst/>
+          </a:prstGeom>
+          <a:noFill/>
+        </p:spPr>
+        <p:txBody>
+          <a:bodyPr wrap="none" rtlCol="0">
+            <a:spAutoFit/>
+          </a:bodyPr>
+          <a:lstStyle/>
+          <a:p>
+            <a:r>
+              <a:rPr kumimoji="1" lang="en-US" altLang="zh-CN" sz="1200" dirty="0"/>
+              <a:t>(</a:t>
+            </a:r>
+            <a:r>
+              <a:rPr kumimoji="1" lang="zh-CN" altLang="zh-CN" sz="1200" dirty="0"/>
+              <a:t>0</a:t>
+            </a:r>
+            <a:r>
+              <a:rPr kumimoji="1" lang="en-US" altLang="zh-CN" sz="1200" dirty="0"/>
+              <a:t>,</a:t>
+            </a:r>
+            <a:r>
+              <a:rPr kumimoji="1" lang="zh-CN" altLang="zh-CN" sz="1200" dirty="0"/>
+              <a:t>-</a:t>
+            </a:r>
+            <a:r>
+              <a:rPr kumimoji="1" lang="en-US" altLang="zh-CN" sz="1200" dirty="0"/>
+              <a:t>170)</a:t>
+            </a:r>
+            <a:endParaRPr kumimoji="1" lang="zh-CN" altLang="en-US" sz="1200" dirty="0"/>
+          </a:p>
+        </p:txBody>
+      </p:sp>
+      <p:sp>
+        <p:nvSpPr>
+          <p:cNvPr id="24" name="圆角矩形 23"/>
+          <p:cNvSpPr/>
+          <p:nvPr/>
+        </p:nvSpPr>
+        <p:spPr>
+          <a:xfrm>
+            <a:off x="1935440" y="3711958"/>
+            <a:ext cx="323842" cy="976095"/>
+          </a:xfrm>
+          <a:prstGeom prst="roundRect">
+            <a:avLst>
+              <a:gd name="adj" fmla="val 50000"/>
+            </a:avLst>
+          </a:prstGeom>
+          <a:solidFill>
+            <a:srgbClr val="800000"/>
+          </a:solidFill>
+          <a:ln>
+            <a:solidFill>
+              <a:srgbClr val="984807"/>
+            </a:solidFill>
+          </a:ln>
+        </p:spPr>
+        <p:style>
+          <a:lnRef idx="1">
+            <a:schemeClr val="accent1"/>
+          </a:lnRef>
+          <a:fillRef idx="3">
+            <a:schemeClr val="accent1"/>
+          </a:fillRef>
+          <a:effectRef idx="2">
+            <a:schemeClr val="accent1"/>
+          </a:effectRef>
+          <a:fontRef idx="minor">
+            <a:schemeClr val="lt1"/>
+          </a:fontRef>
+        </p:style>
+        <p:txBody>
+          <a:bodyPr rtlCol="0" anchor="ctr"/>
+          <a:lstStyle/>
+          <a:p>
+            <a:pPr algn="ctr"/>
+            <a:endParaRPr kumimoji="1" lang="zh-CN" altLang="en-US"/>
+          </a:p>
+        </p:txBody>
+      </p:sp>
+      <p:sp>
+        <p:nvSpPr>
+          <p:cNvPr id="20" name="线形标注 1 19"/>
+          <p:cNvSpPr/>
+          <p:nvPr/>
+        </p:nvSpPr>
+        <p:spPr>
+          <a:xfrm>
+            <a:off x="2715980" y="3903437"/>
+            <a:ext cx="645467" cy="215873"/>
+          </a:xfrm>
+          <a:prstGeom prst="borderCallout1">
+            <a:avLst>
+              <a:gd name="adj1" fmla="val 48257"/>
+              <a:gd name="adj2" fmla="val -433"/>
+              <a:gd name="adj3" fmla="val -37858"/>
+              <a:gd name="adj4" fmla="val -90783"/>
+            </a:avLst>
+          </a:prstGeom>
+          <a:solidFill>
+            <a:srgbClr val="B9CDE5"/>
+          </a:solidFill>
+          <a:ln>
+            <a:solidFill>
+              <a:srgbClr val="3366FF"/>
+            </a:solidFill>
+          </a:ln>
+        </p:spPr>
+        <p:style>
+          <a:lnRef idx="2">
+            <a:schemeClr val="dk1"/>
+          </a:lnRef>
+          <a:fillRef idx="1">
+            <a:schemeClr val="lt1"/>
+          </a:fillRef>
+          <a:effectRef idx="0">
+            <a:schemeClr val="dk1"/>
+          </a:effectRef>
+          <a:fontRef idx="minor">
+            <a:schemeClr val="dk1"/>
+          </a:fontRef>
+        </p:style>
+        <p:txBody>
+          <a:bodyPr rtlCol="0" anchor="ctr"/>
+          <a:lstStyle/>
+          <a:p>
+            <a:pPr algn="ctr"/>
+            <a:endParaRPr kumimoji="1" lang="zh-CN" altLang="en-US"/>
+          </a:p>
+        </p:txBody>
+      </p:sp>
+      <p:sp>
+        <p:nvSpPr>
+          <p:cNvPr id="21" name="文本框 20"/>
+          <p:cNvSpPr txBox="1"/>
+          <p:nvPr/>
+        </p:nvSpPr>
+        <p:spPr>
+          <a:xfrm>
+            <a:off x="2659415" y="3858137"/>
+            <a:ext cx="705316" cy="276999"/>
+          </a:xfrm>
+          <a:prstGeom prst="rect">
+            <a:avLst/>
+          </a:prstGeom>
+          <a:noFill/>
+        </p:spPr>
+        <p:txBody>
+          <a:bodyPr wrap="none" rtlCol="0">
+            <a:spAutoFit/>
+          </a:bodyPr>
+          <a:lstStyle/>
+          <a:p>
+            <a:r>
+              <a:rPr kumimoji="1" lang="en-US" altLang="zh-CN" sz="1200" dirty="0"/>
+              <a:t>(0,</a:t>
+            </a:r>
+            <a:r>
+              <a:rPr kumimoji="1" lang="zh-CN" altLang="zh-CN" sz="1200" dirty="0"/>
+              <a:t>-</a:t>
+            </a:r>
+            <a:r>
+              <a:rPr kumimoji="1" lang="en-US" altLang="zh-CN" sz="1200" dirty="0"/>
+              <a:t>100)</a:t>
+            </a:r>
+            <a:endParaRPr kumimoji="1" lang="zh-CN" altLang="en-US" sz="1200" dirty="0"/>
+          </a:p>
+        </p:txBody>
+      </p:sp>
+      <p:pic>
+        <p:nvPicPr>
+          <p:cNvPr id="2" name="图片 1">
+            <a:extLst>
+              <a:ext uri="{FF2B5EF4-FFF2-40B4-BE49-F238E27FC236}">
+                <a16:creationId xmlns:a16="http://schemas.microsoft.com/office/drawing/2014/main" xmlns="" id="{65B4D540-1397-3941-9EEA-B6982BC45C44}"/>
+              </a:ext>
+            </a:extLst>
+          </p:cNvPr>
+          <p:cNvPicPr>
+            <a:picLocks noChangeAspect="1"/>
+          </p:cNvPicPr>
+          <p:nvPr/>
+        </p:nvPicPr>
+        <p:blipFill>
+          <a:blip r:embed="rId2"/>
+          <a:stretch>
+            <a:fillRect/>
+          </a:stretch>
+        </p:blipFill>
+        <p:spPr>
+          <a:xfrm>
+            <a:off x="6868334" y="787388"/>
+            <a:ext cx="2275666" cy="3717265"/>
+          </a:xfrm>
+          <a:prstGeom prst="rect">
+            <a:avLst/>
+          </a:prstGeom>
+        </p:spPr>
+      </p:pic>
+      <p:sp>
+        <p:nvSpPr>
+          <p:cNvPr id="17" name="文本框 16"/>
+          <p:cNvSpPr txBox="1"/>
+          <p:nvPr/>
+        </p:nvSpPr>
+        <p:spPr>
+          <a:xfrm>
+            <a:off x="1848881" y="1138839"/>
+            <a:ext cx="457652" cy="307777"/>
+          </a:xfrm>
+          <a:prstGeom prst="rect">
+            <a:avLst/>
+          </a:prstGeom>
+          <a:noFill/>
+        </p:spPr>
+        <p:txBody>
+          <a:bodyPr wrap="none" rtlCol="0">
+            <a:spAutoFit/>
+          </a:bodyPr>
+          <a:lstStyle/>
+          <a:p>
+            <a:r>
+              <a:rPr kumimoji="1" lang="en-US" altLang="zh-CN" sz="1400" dirty="0"/>
+              <a:t>120</a:t>
+            </a:r>
+            <a:endParaRPr kumimoji="1" lang="zh-CN" altLang="en-US" sz="1400" dirty="0"/>
+          </a:p>
+        </p:txBody>
+      </p:sp>
+    </p:spTree>
+    <p:extLst>
+      <p:ext uri="{BB962C8B-B14F-4D97-AF65-F5344CB8AC3E}">
+        <p14:creationId xmlns:p14="http://schemas.microsoft.com/office/powerpoint/2010/main" val="1074218723"/>
+      </p:ext>
+    </p:extLst>
+  </p:cSld>
+  <p:clrMapOvr>
+    <a:masterClrMapping/>
+  </p:clrMapOvr>
+</p:sld>
+</file>
+
+<file path=ppt/slides/slide18.xml><?xml version="1.0" encoding="utf-8"?>
+<p:sld xmlns:a="http://schemas.openxmlformats.org/drawingml/2006/main" xmlns:r="http://schemas.openxmlformats.org/officeDocument/2006/relationships" xmlns:p="http://schemas.openxmlformats.org/presentationml/2006/main">
+  <p:cSld>
+    <p:spTree>
+      <p:nvGrpSpPr>
+        <p:cNvPr id="1" name=""/>
+        <p:cNvGrpSpPr/>
+        <p:nvPr/>
+      </p:nvGrpSpPr>
+      <p:grpSpPr>
+        <a:xfrm>
+          <a:off x="0" y="0"/>
+          <a:ext cx="0" cy="0"/>
+          <a:chOff x="0" y="0"/>
+          <a:chExt cx="0" cy="0"/>
+        </a:xfrm>
+      </p:grpSpPr>
+      <p:sp>
+        <p:nvSpPr>
+          <p:cNvPr id="4" name="等腰三角形 3">
+            <a:extLst>
+              <a:ext uri="{FF2B5EF4-FFF2-40B4-BE49-F238E27FC236}">
+                <a16:creationId xmlns:a16="http://schemas.microsoft.com/office/drawing/2014/main" xmlns="" id="{D2BF6AED-5060-5848-8F7E-C7BD2BF19563}"/>
+              </a:ext>
+            </a:extLst>
+          </p:cNvPr>
+          <p:cNvSpPr/>
+          <p:nvPr/>
+        </p:nvSpPr>
+        <p:spPr>
+          <a:xfrm>
+            <a:off x="1506928" y="1385047"/>
+            <a:ext cx="1152487" cy="2424432"/>
+          </a:xfrm>
+          <a:prstGeom prst="triangle">
+            <a:avLst/>
+          </a:prstGeom>
+          <a:solidFill>
+            <a:srgbClr val="008000"/>
+          </a:solidFill>
+          <a:ln>
+            <a:solidFill>
+              <a:schemeClr val="accent3"/>
+            </a:solidFill>
+          </a:ln>
+        </p:spPr>
+        <p:style>
+          <a:lnRef idx="1">
+            <a:schemeClr val="accent1"/>
+          </a:lnRef>
+          <a:fillRef idx="3">
+            <a:schemeClr val="accent1"/>
+          </a:fillRef>
+          <a:effectRef idx="2">
+            <a:schemeClr val="accent1"/>
+          </a:effectRef>
+          <a:fontRef idx="minor">
+            <a:schemeClr val="lt1"/>
+          </a:fontRef>
+        </p:style>
+        <p:txBody>
+          <a:bodyPr rtlCol="0" anchor="ctr"/>
+          <a:lstStyle/>
+          <a:p>
+            <a:pPr algn="ctr"/>
+            <a:endParaRPr kumimoji="1" lang="zh-CN" altLang="en-US"/>
+          </a:p>
+        </p:txBody>
+      </p:sp>
+      <p:sp>
+        <p:nvSpPr>
+          <p:cNvPr id="5" name="文本框 4">
+            <a:extLst>
+              <a:ext uri="{FF2B5EF4-FFF2-40B4-BE49-F238E27FC236}">
+                <a16:creationId xmlns:a16="http://schemas.microsoft.com/office/drawing/2014/main" xmlns="" id="{B6990875-2368-E546-8BA0-45189428F5F3}"/>
+              </a:ext>
+            </a:extLst>
+          </p:cNvPr>
+          <p:cNvSpPr txBox="1"/>
+          <p:nvPr/>
+        </p:nvSpPr>
+        <p:spPr>
+          <a:xfrm>
+            <a:off x="3823853" y="2594952"/>
+            <a:ext cx="287258" cy="369332"/>
+          </a:xfrm>
+          <a:prstGeom prst="rect">
+            <a:avLst/>
+          </a:prstGeom>
+          <a:noFill/>
+        </p:spPr>
+        <p:txBody>
+          <a:bodyPr wrap="none" rtlCol="0">
+            <a:spAutoFit/>
+          </a:bodyPr>
+          <a:lstStyle/>
+          <a:p>
+            <a:r>
+              <a:rPr kumimoji="1" lang="en-US" altLang="zh-CN" dirty="0"/>
+              <a:t>x</a:t>
+            </a:r>
+            <a:endParaRPr kumimoji="1" lang="zh-CN" altLang="en-US" dirty="0"/>
+          </a:p>
+        </p:txBody>
+      </p:sp>
+      <p:sp>
+        <p:nvSpPr>
+          <p:cNvPr id="6" name="等腰三角形 5">
+            <a:extLst>
+              <a:ext uri="{FF2B5EF4-FFF2-40B4-BE49-F238E27FC236}">
+                <a16:creationId xmlns:a16="http://schemas.microsoft.com/office/drawing/2014/main" xmlns="" id="{C9459822-AE12-984F-95F3-072F7658D787}"/>
+              </a:ext>
+            </a:extLst>
+          </p:cNvPr>
+          <p:cNvSpPr/>
+          <p:nvPr/>
+        </p:nvSpPr>
+        <p:spPr>
+          <a:xfrm rot="5400000">
+            <a:off x="1904445" y="2750116"/>
+            <a:ext cx="188454" cy="143916"/>
+          </a:xfrm>
+          <a:prstGeom prst="triangle">
+            <a:avLst/>
+          </a:prstGeom>
+          <a:solidFill>
+            <a:schemeClr val="tx1"/>
+          </a:solidFill>
+          <a:ln>
+            <a:solidFill>
+              <a:srgbClr val="000000"/>
+            </a:solidFill>
+          </a:ln>
+        </p:spPr>
+        <p:style>
+          <a:lnRef idx="1">
+            <a:schemeClr val="accent1"/>
+          </a:lnRef>
+          <a:fillRef idx="3">
+            <a:schemeClr val="accent1"/>
+          </a:fillRef>
+          <a:effectRef idx="2">
+            <a:schemeClr val="accent1"/>
+          </a:effectRef>
+          <a:fontRef idx="minor">
+            <a:schemeClr val="lt1"/>
+          </a:fontRef>
+        </p:style>
+        <p:txBody>
+          <a:bodyPr rtlCol="0" anchor="ctr"/>
+          <a:lstStyle/>
+          <a:p>
+            <a:pPr algn="ctr"/>
+            <a:endParaRPr kumimoji="1" lang="zh-CN" altLang="en-US"/>
+          </a:p>
+        </p:txBody>
+      </p:sp>
+      <p:sp>
+        <p:nvSpPr>
+          <p:cNvPr id="7" name="文本框 6">
+            <a:extLst>
+              <a:ext uri="{FF2B5EF4-FFF2-40B4-BE49-F238E27FC236}">
+                <a16:creationId xmlns:a16="http://schemas.microsoft.com/office/drawing/2014/main" xmlns="" id="{1052742A-1F12-D648-B4CC-7D328D43FB95}"/>
+              </a:ext>
+            </a:extLst>
+          </p:cNvPr>
+          <p:cNvSpPr txBox="1"/>
+          <p:nvPr/>
+        </p:nvSpPr>
+        <p:spPr>
+          <a:xfrm>
+            <a:off x="2070343" y="2830930"/>
+            <a:ext cx="472380" cy="276999"/>
+          </a:xfrm>
+          <a:prstGeom prst="rect">
+            <a:avLst/>
+          </a:prstGeom>
+          <a:noFill/>
+        </p:spPr>
+        <p:txBody>
+          <a:bodyPr wrap="none" rtlCol="0">
+            <a:spAutoFit/>
+          </a:bodyPr>
+          <a:lstStyle/>
+          <a:p>
+            <a:r>
+              <a:rPr kumimoji="1" lang="en-US" altLang="zh-CN" sz="1200" dirty="0"/>
+              <a:t>(0,0)</a:t>
+            </a:r>
+            <a:endParaRPr kumimoji="1" lang="zh-CN" altLang="en-US" sz="1200" dirty="0"/>
+          </a:p>
+        </p:txBody>
+      </p:sp>
+      <p:sp>
+        <p:nvSpPr>
+          <p:cNvPr id="8" name="文本框 7">
+            <a:extLst>
+              <a:ext uri="{FF2B5EF4-FFF2-40B4-BE49-F238E27FC236}">
+                <a16:creationId xmlns:a16="http://schemas.microsoft.com/office/drawing/2014/main" xmlns="" id="{FFEFD607-9519-EA46-AC70-A1023363F17B}"/>
+              </a:ext>
+            </a:extLst>
+          </p:cNvPr>
+          <p:cNvSpPr txBox="1"/>
+          <p:nvPr/>
+        </p:nvSpPr>
+        <p:spPr>
+          <a:xfrm>
+            <a:off x="2437518" y="2366549"/>
+            <a:ext cx="366657" cy="307777"/>
+          </a:xfrm>
+          <a:prstGeom prst="rect">
+            <a:avLst/>
+          </a:prstGeom>
+          <a:noFill/>
+        </p:spPr>
+        <p:txBody>
+          <a:bodyPr wrap="none" rtlCol="0">
+            <a:spAutoFit/>
+          </a:bodyPr>
+          <a:lstStyle/>
+          <a:p>
+            <a:r>
+              <a:rPr kumimoji="1" lang="en-US" altLang="zh-CN" sz="1400" dirty="0"/>
+              <a:t>60</a:t>
+            </a:r>
+            <a:endParaRPr kumimoji="1" lang="zh-CN" altLang="en-US" sz="1400" dirty="0"/>
+          </a:p>
+        </p:txBody>
+      </p:sp>
+      <p:cxnSp>
+        <p:nvCxnSpPr>
+          <p:cNvPr id="9" name="直线连接符 8">
+            <a:extLst>
+              <a:ext uri="{FF2B5EF4-FFF2-40B4-BE49-F238E27FC236}">
+                <a16:creationId xmlns:a16="http://schemas.microsoft.com/office/drawing/2014/main" xmlns="" id="{29B6E02C-E8F6-C94D-9C69-1CEA05B6DE42}"/>
+              </a:ext>
+            </a:extLst>
+          </p:cNvPr>
+          <p:cNvCxnSpPr/>
+          <p:nvPr/>
+        </p:nvCxnSpPr>
+        <p:spPr>
+          <a:xfrm>
+            <a:off x="2617583" y="2674326"/>
+            <a:ext cx="0" cy="141013"/>
+          </a:xfrm>
+          <a:prstGeom prst="line">
+            <a:avLst/>
+          </a:prstGeom>
+          <a:ln>
+            <a:solidFill>
+              <a:schemeClr val="tx1"/>
+            </a:solidFill>
+          </a:ln>
+        </p:spPr>
+        <p:style>
+          <a:lnRef idx="2">
+            <a:schemeClr val="accent1"/>
+          </a:lnRef>
+          <a:fillRef idx="0">
+            <a:schemeClr val="accent1"/>
+          </a:fillRef>
+          <a:effectRef idx="1">
+            <a:schemeClr val="accent1"/>
+          </a:effectRef>
+          <a:fontRef idx="minor">
+            <a:schemeClr val="tx1"/>
+          </a:fontRef>
+        </p:style>
+      </p:cxnSp>
+      <p:sp>
+        <p:nvSpPr>
           <p:cNvPr id="10" name="文本框 9">
             <a:extLst>
               <a:ext uri="{FF2B5EF4-FFF2-40B4-BE49-F238E27FC236}">
-                <a16:creationId xmlns:a16="http://schemas.microsoft.com/office/drawing/2014/main" id="{1FF0DF28-26D2-964E-84F3-E9CA88C0A7C8}"/>
+                <a16:creationId xmlns:a16="http://schemas.microsoft.com/office/drawing/2014/main" xmlns="" id="{1FF0DF28-26D2-964E-84F3-E9CA88C0A7C8}"/>
               </a:ext>
             </a:extLst>
           </p:cNvPr>
@@ -9957,7 +10240,7 @@
           <p:cNvPr id="11" name="直线连接符 10">
             <a:extLst>
               <a:ext uri="{FF2B5EF4-FFF2-40B4-BE49-F238E27FC236}">
-                <a16:creationId xmlns:a16="http://schemas.microsoft.com/office/drawing/2014/main" id="{50197757-AA7A-C949-9868-BCE64DD41C42}"/>
+                <a16:creationId xmlns:a16="http://schemas.microsoft.com/office/drawing/2014/main" xmlns="" id="{50197757-AA7A-C949-9868-BCE64DD41C42}"/>
               </a:ext>
             </a:extLst>
           </p:cNvPr>
@@ -9998,7 +10281,7 @@
           <p:cNvPr id="12" name="直线连接符 11">
             <a:extLst>
               <a:ext uri="{FF2B5EF4-FFF2-40B4-BE49-F238E27FC236}">
-                <a16:creationId xmlns:a16="http://schemas.microsoft.com/office/drawing/2014/main" id="{11DCF2B8-9102-4743-8AC1-7729186F75D4}"/>
+                <a16:creationId xmlns:a16="http://schemas.microsoft.com/office/drawing/2014/main" xmlns="" id="{11DCF2B8-9102-4743-8AC1-7729186F75D4}"/>
               </a:ext>
             </a:extLst>
           </p:cNvPr>
@@ -10041,7 +10324,7 @@
           <p:cNvPr id="13" name="直线连接符 12">
             <a:extLst>
               <a:ext uri="{FF2B5EF4-FFF2-40B4-BE49-F238E27FC236}">
-                <a16:creationId xmlns:a16="http://schemas.microsoft.com/office/drawing/2014/main" id="{DA7EB4AE-CB73-3948-AB5C-C47D0FE96490}"/>
+                <a16:creationId xmlns:a16="http://schemas.microsoft.com/office/drawing/2014/main" xmlns="" id="{DA7EB4AE-CB73-3948-AB5C-C47D0FE96490}"/>
               </a:ext>
             </a:extLst>
           </p:cNvPr>
@@ -10084,7 +10367,7 @@
           <p:cNvPr id="14" name="直线箭头连接符 13">
             <a:extLst>
               <a:ext uri="{FF2B5EF4-FFF2-40B4-BE49-F238E27FC236}">
-                <a16:creationId xmlns:a16="http://schemas.microsoft.com/office/drawing/2014/main" id="{25CA9104-D65F-C242-9761-3793C253E6B0}"/>
+                <a16:creationId xmlns:a16="http://schemas.microsoft.com/office/drawing/2014/main" xmlns="" id="{25CA9104-D65F-C242-9761-3793C253E6B0}"/>
               </a:ext>
             </a:extLst>
           </p:cNvPr>
@@ -10126,7 +10409,7 @@
           <p:cNvPr id="15" name="直线箭头连接符 14">
             <a:extLst>
               <a:ext uri="{FF2B5EF4-FFF2-40B4-BE49-F238E27FC236}">
-                <a16:creationId xmlns:a16="http://schemas.microsoft.com/office/drawing/2014/main" id="{804C7530-C3FC-F945-8E53-627D5F2F09E6}"/>
+                <a16:creationId xmlns:a16="http://schemas.microsoft.com/office/drawing/2014/main" xmlns="" id="{804C7530-C3FC-F945-8E53-627D5F2F09E6}"/>
               </a:ext>
             </a:extLst>
           </p:cNvPr>
@@ -10170,7 +10453,7 @@
           <p:cNvPr id="18" name="圆角矩形 17">
             <a:extLst>
               <a:ext uri="{FF2B5EF4-FFF2-40B4-BE49-F238E27FC236}">
-                <a16:creationId xmlns:a16="http://schemas.microsoft.com/office/drawing/2014/main" id="{D4711976-B213-5B43-AA2D-801C1C52D6B2}"/>
+                <a16:creationId xmlns:a16="http://schemas.microsoft.com/office/drawing/2014/main" xmlns="" id="{D4711976-B213-5B43-AA2D-801C1C52D6B2}"/>
               </a:ext>
             </a:extLst>
           </p:cNvPr>
@@ -10224,7 +10507,7 @@
           <p:cNvPr id="21" name="五角星 20">
             <a:extLst>
               <a:ext uri="{FF2B5EF4-FFF2-40B4-BE49-F238E27FC236}">
-                <a16:creationId xmlns:a16="http://schemas.microsoft.com/office/drawing/2014/main" id="{F7BAE9A9-3F25-6340-968D-CD07CBD3E82C}"/>
+                <a16:creationId xmlns:a16="http://schemas.microsoft.com/office/drawing/2014/main" xmlns="" id="{F7BAE9A9-3F25-6340-968D-CD07CBD3E82C}"/>
               </a:ext>
             </a:extLst>
           </p:cNvPr>
@@ -10276,7 +10559,7 @@
           <p:cNvPr id="22" name="文本框 21">
             <a:extLst>
               <a:ext uri="{FF2B5EF4-FFF2-40B4-BE49-F238E27FC236}">
-                <a16:creationId xmlns:a16="http://schemas.microsoft.com/office/drawing/2014/main" id="{DC0A7FB1-6F95-1C4D-93B2-7CBE1C5612A9}"/>
+                <a16:creationId xmlns:a16="http://schemas.microsoft.com/office/drawing/2014/main" xmlns="" id="{DC0A7FB1-6F95-1C4D-93B2-7CBE1C5612A9}"/>
               </a:ext>
             </a:extLst>
           </p:cNvPr>
@@ -10312,7 +10595,7 @@
           <p:cNvPr id="23" name="椭圆 22">
             <a:extLst>
               <a:ext uri="{FF2B5EF4-FFF2-40B4-BE49-F238E27FC236}">
-                <a16:creationId xmlns:a16="http://schemas.microsoft.com/office/drawing/2014/main" id="{FA4C3624-1077-8F49-A637-9BD37D2CD8FB}"/>
+                <a16:creationId xmlns:a16="http://schemas.microsoft.com/office/drawing/2014/main" xmlns="" id="{FA4C3624-1077-8F49-A637-9BD37D2CD8FB}"/>
               </a:ext>
             </a:extLst>
           </p:cNvPr>
@@ -10358,7 +10641,7 @@
           <p:cNvPr id="24" name="线形标注 1 23">
             <a:extLst>
               <a:ext uri="{FF2B5EF4-FFF2-40B4-BE49-F238E27FC236}">
-                <a16:creationId xmlns:a16="http://schemas.microsoft.com/office/drawing/2014/main" id="{9CF5D382-F2BB-8040-BD09-A5D23726AA7F}"/>
+                <a16:creationId xmlns:a16="http://schemas.microsoft.com/office/drawing/2014/main" xmlns="" id="{9CF5D382-F2BB-8040-BD09-A5D23726AA7F}"/>
               </a:ext>
             </a:extLst>
           </p:cNvPr>
@@ -10415,7 +10698,7 @@
           <p:cNvPr id="25" name="文本框 24">
             <a:extLst>
               <a:ext uri="{FF2B5EF4-FFF2-40B4-BE49-F238E27FC236}">
-                <a16:creationId xmlns:a16="http://schemas.microsoft.com/office/drawing/2014/main" id="{767645E6-4052-A04E-8662-7395DC9A16FE}"/>
+                <a16:creationId xmlns:a16="http://schemas.microsoft.com/office/drawing/2014/main" xmlns="" id="{767645E6-4052-A04E-8662-7395DC9A16FE}"/>
               </a:ext>
             </a:extLst>
           </p:cNvPr>
@@ -10451,7 +10734,7 @@
           <p:cNvPr id="26" name="椭圆 25">
             <a:extLst>
               <a:ext uri="{FF2B5EF4-FFF2-40B4-BE49-F238E27FC236}">
-                <a16:creationId xmlns:a16="http://schemas.microsoft.com/office/drawing/2014/main" id="{F6A90EBA-4E3A-9348-9D65-27218227E846}"/>
+                <a16:creationId xmlns:a16="http://schemas.microsoft.com/office/drawing/2014/main" xmlns="" id="{F6A90EBA-4E3A-9348-9D65-27218227E846}"/>
               </a:ext>
             </a:extLst>
           </p:cNvPr>
@@ -10497,7 +10780,7 @@
           <p:cNvPr id="27" name="线形标注 1 26">
             <a:extLst>
               <a:ext uri="{FF2B5EF4-FFF2-40B4-BE49-F238E27FC236}">
-                <a16:creationId xmlns:a16="http://schemas.microsoft.com/office/drawing/2014/main" id="{FE9884AE-D3D2-6A44-823C-A0E97A443D16}"/>
+                <a16:creationId xmlns:a16="http://schemas.microsoft.com/office/drawing/2014/main" xmlns="" id="{FE9884AE-D3D2-6A44-823C-A0E97A443D16}"/>
               </a:ext>
             </a:extLst>
           </p:cNvPr>
@@ -10554,7 +10837,7 @@
           <p:cNvPr id="28" name="文本框 27">
             <a:extLst>
               <a:ext uri="{FF2B5EF4-FFF2-40B4-BE49-F238E27FC236}">
-                <a16:creationId xmlns:a16="http://schemas.microsoft.com/office/drawing/2014/main" id="{20F697B3-6019-164F-9849-E403AE61377D}"/>
+                <a16:creationId xmlns:a16="http://schemas.microsoft.com/office/drawing/2014/main" xmlns="" id="{20F697B3-6019-164F-9849-E403AE61377D}"/>
               </a:ext>
             </a:extLst>
           </p:cNvPr>
@@ -10590,7 +10873,7 @@
           <p:cNvPr id="29" name="文本框 28">
             <a:extLst>
               <a:ext uri="{FF2B5EF4-FFF2-40B4-BE49-F238E27FC236}">
-                <a16:creationId xmlns:a16="http://schemas.microsoft.com/office/drawing/2014/main" id="{24F4542C-66AD-7040-9728-488A40D0EAA4}"/>
+                <a16:creationId xmlns:a16="http://schemas.microsoft.com/office/drawing/2014/main" xmlns="" id="{24F4542C-66AD-7040-9728-488A40D0EAA4}"/>
               </a:ext>
             </a:extLst>
           </p:cNvPr>
@@ -10626,7 +10909,7 @@
           <p:cNvPr id="30" name="文本框 29">
             <a:extLst>
               <a:ext uri="{FF2B5EF4-FFF2-40B4-BE49-F238E27FC236}">
-                <a16:creationId xmlns:a16="http://schemas.microsoft.com/office/drawing/2014/main" id="{40FD8582-D8DE-E240-B213-6D64B9388727}"/>
+                <a16:creationId xmlns:a16="http://schemas.microsoft.com/office/drawing/2014/main" xmlns="" id="{40FD8582-D8DE-E240-B213-6D64B9388727}"/>
               </a:ext>
             </a:extLst>
           </p:cNvPr>
@@ -10662,7 +10945,7 @@
           <p:cNvPr id="31" name="图片 30">
             <a:extLst>
               <a:ext uri="{FF2B5EF4-FFF2-40B4-BE49-F238E27FC236}">
-                <a16:creationId xmlns:a16="http://schemas.microsoft.com/office/drawing/2014/main" id="{BA7C52C5-FB1B-E24E-9826-658CDC7FA591}"/>
+                <a16:creationId xmlns:a16="http://schemas.microsoft.com/office/drawing/2014/main" xmlns="" id="{BA7C52C5-FB1B-E24E-9826-658CDC7FA591}"/>
               </a:ext>
             </a:extLst>
           </p:cNvPr>
@@ -10692,7 +10975,7 @@
           <p:cNvPr id="33" name="图片 32">
             <a:extLst>
               <a:ext uri="{FF2B5EF4-FFF2-40B4-BE49-F238E27FC236}">
-                <a16:creationId xmlns:a16="http://schemas.microsoft.com/office/drawing/2014/main" id="{41B5E27F-0FEF-0849-86B9-31767F89F61F}"/>
+                <a16:creationId xmlns:a16="http://schemas.microsoft.com/office/drawing/2014/main" xmlns="" id="{41B5E27F-0FEF-0849-86B9-31767F89F61F}"/>
               </a:ext>
             </a:extLst>
           </p:cNvPr>
@@ -10721,6 +11004,60 @@
     <p:extLst>
       <p:ext uri="{BB962C8B-B14F-4D97-AF65-F5344CB8AC3E}">
         <p14:creationId xmlns:p14="http://schemas.microsoft.com/office/powerpoint/2010/main" val="1246405453"/>
+      </p:ext>
+    </p:extLst>
+  </p:cSld>
+  <p:clrMapOvr>
+    <a:masterClrMapping/>
+  </p:clrMapOvr>
+</p:sld>
+</file>
+
+<file path=ppt/slides/slide19.xml><?xml version="1.0" encoding="utf-8"?>
+<p:sld xmlns:a="http://schemas.openxmlformats.org/drawingml/2006/main" xmlns:r="http://schemas.openxmlformats.org/officeDocument/2006/relationships" xmlns:p="http://schemas.openxmlformats.org/presentationml/2006/main">
+  <p:cSld>
+    <p:spTree>
+      <p:nvGrpSpPr>
+        <p:cNvPr id="1" name=""/>
+        <p:cNvGrpSpPr/>
+        <p:nvPr/>
+      </p:nvGrpSpPr>
+      <p:grpSpPr>
+        <a:xfrm>
+          <a:off x="0" y="0"/>
+          <a:ext cx="0" cy="0"/>
+          <a:chOff x="0" y="0"/>
+          <a:chExt cx="0" cy="0"/>
+        </a:xfrm>
+      </p:grpSpPr>
+      <p:pic>
+        <p:nvPicPr>
+          <p:cNvPr id="4" name="图片 3"/>
+          <p:cNvPicPr>
+            <a:picLocks noChangeAspect="1"/>
+          </p:cNvPicPr>
+          <p:nvPr/>
+        </p:nvPicPr>
+        <p:blipFill>
+          <a:blip r:embed="rId2"/>
+          <a:stretch>
+            <a:fillRect/>
+          </a:stretch>
+        </p:blipFill>
+        <p:spPr>
+          <a:xfrm>
+            <a:off x="-286123" y="-254001"/>
+            <a:ext cx="7435873" cy="5602941"/>
+          </a:xfrm>
+          <a:prstGeom prst="rect">
+            <a:avLst/>
+          </a:prstGeom>
+        </p:spPr>
+      </p:pic>
+    </p:spTree>
+    <p:extLst>
+      <p:ext uri="{BB962C8B-B14F-4D97-AF65-F5344CB8AC3E}">
+        <p14:creationId xmlns:p14="http://schemas.microsoft.com/office/powerpoint/2010/main" val="3784587073"/>
       </p:ext>
     </p:extLst>
   </p:cSld>
@@ -11024,7 +11361,7 @@
           <p:cNvPr id="4" name="图片 3">
             <a:extLst>
               <a:ext uri="{FF2B5EF4-FFF2-40B4-BE49-F238E27FC236}">
-                <a16:creationId xmlns:a16="http://schemas.microsoft.com/office/drawing/2014/main" id="{47BD909E-0407-6547-A312-16D88644D991}"/>
+                <a16:creationId xmlns:a16="http://schemas.microsoft.com/office/drawing/2014/main" xmlns="" id="{47BD909E-0407-6547-A312-16D88644D991}"/>
               </a:ext>
             </a:extLst>
           </p:cNvPr>
@@ -11054,7 +11391,7 @@
           <p:cNvPr id="5" name="图片 4">
             <a:extLst>
               <a:ext uri="{FF2B5EF4-FFF2-40B4-BE49-F238E27FC236}">
-                <a16:creationId xmlns:a16="http://schemas.microsoft.com/office/drawing/2014/main" id="{6A687442-6EB4-8546-92AF-1A7B9659A9BC}"/>
+                <a16:creationId xmlns:a16="http://schemas.microsoft.com/office/drawing/2014/main" xmlns="" id="{6A687442-6EB4-8546-92AF-1A7B9659A9BC}"/>
               </a:ext>
             </a:extLst>
           </p:cNvPr>
@@ -11084,7 +11421,7 @@
           <p:cNvPr id="6" name="文本框 5">
             <a:extLst>
               <a:ext uri="{FF2B5EF4-FFF2-40B4-BE49-F238E27FC236}">
-                <a16:creationId xmlns:a16="http://schemas.microsoft.com/office/drawing/2014/main" id="{6791F464-515D-8A45-BD4C-6D7FA9E277FB}"/>
+                <a16:creationId xmlns:a16="http://schemas.microsoft.com/office/drawing/2014/main" xmlns="" id="{6791F464-515D-8A45-BD4C-6D7FA9E277FB}"/>
               </a:ext>
             </a:extLst>
           </p:cNvPr>
@@ -11119,7 +11456,7 @@
           <p:cNvPr id="7" name="图片 6">
             <a:extLst>
               <a:ext uri="{FF2B5EF4-FFF2-40B4-BE49-F238E27FC236}">
-                <a16:creationId xmlns:a16="http://schemas.microsoft.com/office/drawing/2014/main" id="{D4F82629-3B85-2246-BC7F-92CA44BEE099}"/>
+                <a16:creationId xmlns:a16="http://schemas.microsoft.com/office/drawing/2014/main" xmlns="" id="{D4F82629-3B85-2246-BC7F-92CA44BEE099}"/>
               </a:ext>
             </a:extLst>
           </p:cNvPr>
@@ -11149,7 +11486,7 @@
           <p:cNvPr id="8" name="图片 7">
             <a:extLst>
               <a:ext uri="{FF2B5EF4-FFF2-40B4-BE49-F238E27FC236}">
-                <a16:creationId xmlns:a16="http://schemas.microsoft.com/office/drawing/2014/main" id="{CF73261E-E64C-674F-8F9C-CDAEC46D7DB9}"/>
+                <a16:creationId xmlns:a16="http://schemas.microsoft.com/office/drawing/2014/main" xmlns="" id="{CF73261E-E64C-674F-8F9C-CDAEC46D7DB9}"/>
               </a:ext>
             </a:extLst>
           </p:cNvPr>
@@ -11179,7 +11516,7 @@
           <p:cNvPr id="9" name="图片 8">
             <a:extLst>
               <a:ext uri="{FF2B5EF4-FFF2-40B4-BE49-F238E27FC236}">
-                <a16:creationId xmlns:a16="http://schemas.microsoft.com/office/drawing/2014/main" id="{7C779ED6-F909-A34A-9966-86A112C19C8A}"/>
+                <a16:creationId xmlns:a16="http://schemas.microsoft.com/office/drawing/2014/main" xmlns="" id="{7C779ED6-F909-A34A-9966-86A112C19C8A}"/>
               </a:ext>
             </a:extLst>
           </p:cNvPr>
@@ -11239,7 +11576,7 @@
           <p:cNvPr id="4" name="图片 3">
             <a:extLst>
               <a:ext uri="{FF2B5EF4-FFF2-40B4-BE49-F238E27FC236}">
-                <a16:creationId xmlns:a16="http://schemas.microsoft.com/office/drawing/2014/main" id="{55097208-0B4E-D649-A033-519BCB0B830C}"/>
+                <a16:creationId xmlns:a16="http://schemas.microsoft.com/office/drawing/2014/main" xmlns="" id="{55097208-0B4E-D649-A033-519BCB0B830C}"/>
               </a:ext>
             </a:extLst>
           </p:cNvPr>
@@ -11269,7 +11606,7 @@
           <p:cNvPr id="7" name="图片 6">
             <a:extLst>
               <a:ext uri="{FF2B5EF4-FFF2-40B4-BE49-F238E27FC236}">
-                <a16:creationId xmlns:a16="http://schemas.microsoft.com/office/drawing/2014/main" id="{781C3A80-7953-754D-8530-AD600C3308B2}"/>
+                <a16:creationId xmlns:a16="http://schemas.microsoft.com/office/drawing/2014/main" xmlns="" id="{781C3A80-7953-754D-8530-AD600C3308B2}"/>
               </a:ext>
             </a:extLst>
           </p:cNvPr>
@@ -11299,7 +11636,7 @@
           <p:cNvPr id="8" name="图片 7">
             <a:extLst>
               <a:ext uri="{FF2B5EF4-FFF2-40B4-BE49-F238E27FC236}">
-                <a16:creationId xmlns:a16="http://schemas.microsoft.com/office/drawing/2014/main" id="{60689FE2-2D8A-6D4E-8C9B-9CEC26514C6A}"/>
+                <a16:creationId xmlns:a16="http://schemas.microsoft.com/office/drawing/2014/main" xmlns="" id="{60689FE2-2D8A-6D4E-8C9B-9CEC26514C6A}"/>
               </a:ext>
             </a:extLst>
           </p:cNvPr>
@@ -11329,7 +11666,7 @@
           <p:cNvPr id="9" name="图片 8">
             <a:extLst>
               <a:ext uri="{FF2B5EF4-FFF2-40B4-BE49-F238E27FC236}">
-                <a16:creationId xmlns:a16="http://schemas.microsoft.com/office/drawing/2014/main" id="{090A02D6-1F11-DF44-9A52-2A8F9295CBCC}"/>
+                <a16:creationId xmlns:a16="http://schemas.microsoft.com/office/drawing/2014/main" xmlns="" id="{090A02D6-1F11-DF44-9A52-2A8F9295CBCC}"/>
               </a:ext>
             </a:extLst>
           </p:cNvPr>
@@ -11389,7 +11726,7 @@
           <p:cNvPr id="52" name="图片 51">
             <a:extLst>
               <a:ext uri="{FF2B5EF4-FFF2-40B4-BE49-F238E27FC236}">
-                <a16:creationId xmlns:a16="http://schemas.microsoft.com/office/drawing/2014/main" id="{A002F934-2256-414F-8C5D-D5C4973FE799}"/>
+                <a16:creationId xmlns:a16="http://schemas.microsoft.com/office/drawing/2014/main" xmlns="" id="{A002F934-2256-414F-8C5D-D5C4973FE799}"/>
               </a:ext>
             </a:extLst>
           </p:cNvPr>
@@ -11419,7 +11756,7 @@
           <p:cNvPr id="5" name="文本框 4">
             <a:extLst>
               <a:ext uri="{FF2B5EF4-FFF2-40B4-BE49-F238E27FC236}">
-                <a16:creationId xmlns:a16="http://schemas.microsoft.com/office/drawing/2014/main" id="{42157F99-7C07-9E40-B777-37C2228760EC}"/>
+                <a16:creationId xmlns:a16="http://schemas.microsoft.com/office/drawing/2014/main" xmlns="" id="{42157F99-7C07-9E40-B777-37C2228760EC}"/>
               </a:ext>
             </a:extLst>
           </p:cNvPr>
@@ -11454,7 +11791,7 @@
           <p:cNvPr id="6" name="矩形 5">
             <a:extLst>
               <a:ext uri="{FF2B5EF4-FFF2-40B4-BE49-F238E27FC236}">
-                <a16:creationId xmlns:a16="http://schemas.microsoft.com/office/drawing/2014/main" id="{6FCC0F15-CFB7-F141-B088-C252C9162E07}"/>
+                <a16:creationId xmlns:a16="http://schemas.microsoft.com/office/drawing/2014/main" xmlns="" id="{6FCC0F15-CFB7-F141-B088-C252C9162E07}"/>
               </a:ext>
             </a:extLst>
           </p:cNvPr>
@@ -11504,7 +11841,7 @@
           <p:cNvPr id="8" name="直线连接符 7">
             <a:extLst>
               <a:ext uri="{FF2B5EF4-FFF2-40B4-BE49-F238E27FC236}">
-                <a16:creationId xmlns:a16="http://schemas.microsoft.com/office/drawing/2014/main" id="{C44A7C77-92EC-BD42-8692-A0CBC38A00C9}"/>
+                <a16:creationId xmlns:a16="http://schemas.microsoft.com/office/drawing/2014/main" xmlns="" id="{C44A7C77-92EC-BD42-8692-A0CBC38A00C9}"/>
               </a:ext>
             </a:extLst>
           </p:cNvPr>
@@ -11549,7 +11886,7 @@
           <p:cNvPr id="13" name="矩形 12">
             <a:extLst>
               <a:ext uri="{FF2B5EF4-FFF2-40B4-BE49-F238E27FC236}">
-                <a16:creationId xmlns:a16="http://schemas.microsoft.com/office/drawing/2014/main" id="{A408D28A-A99E-FB45-BC3F-DDCC0B65A3C8}"/>
+                <a16:creationId xmlns:a16="http://schemas.microsoft.com/office/drawing/2014/main" xmlns="" id="{A408D28A-A99E-FB45-BC3F-DDCC0B65A3C8}"/>
               </a:ext>
             </a:extLst>
           </p:cNvPr>
@@ -11599,7 +11936,7 @@
           <p:cNvPr id="14" name="直线连接符 13">
             <a:extLst>
               <a:ext uri="{FF2B5EF4-FFF2-40B4-BE49-F238E27FC236}">
-                <a16:creationId xmlns:a16="http://schemas.microsoft.com/office/drawing/2014/main" id="{BE2B7CD9-3E8F-BE40-BE67-ED825E1EA9F5}"/>
+                <a16:creationId xmlns:a16="http://schemas.microsoft.com/office/drawing/2014/main" xmlns="" id="{BE2B7CD9-3E8F-BE40-BE67-ED825E1EA9F5}"/>
               </a:ext>
             </a:extLst>
           </p:cNvPr>
@@ -11642,7 +11979,7 @@
           <p:cNvPr id="16" name="矩形 15">
             <a:extLst>
               <a:ext uri="{FF2B5EF4-FFF2-40B4-BE49-F238E27FC236}">
-                <a16:creationId xmlns:a16="http://schemas.microsoft.com/office/drawing/2014/main" id="{826D5631-455E-A84F-BE86-9772D23BE26E}"/>
+                <a16:creationId xmlns:a16="http://schemas.microsoft.com/office/drawing/2014/main" xmlns="" id="{826D5631-455E-A84F-BE86-9772D23BE26E}"/>
               </a:ext>
             </a:extLst>
           </p:cNvPr>
@@ -11692,7 +12029,7 @@
           <p:cNvPr id="18" name="直线连接符 17">
             <a:extLst>
               <a:ext uri="{FF2B5EF4-FFF2-40B4-BE49-F238E27FC236}">
-                <a16:creationId xmlns:a16="http://schemas.microsoft.com/office/drawing/2014/main" id="{573F3735-0D19-9E45-BE5B-CC230C2B45BC}"/>
+                <a16:creationId xmlns:a16="http://schemas.microsoft.com/office/drawing/2014/main" xmlns="" id="{573F3735-0D19-9E45-BE5B-CC230C2B45BC}"/>
               </a:ext>
             </a:extLst>
           </p:cNvPr>
@@ -11730,7 +12067,7 @@
           <p:cNvPr id="20" name="直线连接符 19">
             <a:extLst>
               <a:ext uri="{FF2B5EF4-FFF2-40B4-BE49-F238E27FC236}">
-                <a16:creationId xmlns:a16="http://schemas.microsoft.com/office/drawing/2014/main" id="{847B39AF-2D71-6A43-BEC9-A9BF645CD174}"/>
+                <a16:creationId xmlns:a16="http://schemas.microsoft.com/office/drawing/2014/main" xmlns="" id="{847B39AF-2D71-6A43-BEC9-A9BF645CD174}"/>
               </a:ext>
             </a:extLst>
           </p:cNvPr>
@@ -11766,7 +12103,7 @@
           <p:cNvPr id="21" name="直线连接符 20">
             <a:extLst>
               <a:ext uri="{FF2B5EF4-FFF2-40B4-BE49-F238E27FC236}">
-                <a16:creationId xmlns:a16="http://schemas.microsoft.com/office/drawing/2014/main" id="{B85107BA-988A-FD4A-B122-20ED6925672D}"/>
+                <a16:creationId xmlns:a16="http://schemas.microsoft.com/office/drawing/2014/main" xmlns="" id="{B85107BA-988A-FD4A-B122-20ED6925672D}"/>
               </a:ext>
             </a:extLst>
           </p:cNvPr>
@@ -11809,7 +12146,7 @@
           <p:cNvPr id="24" name="文本框 23">
             <a:extLst>
               <a:ext uri="{FF2B5EF4-FFF2-40B4-BE49-F238E27FC236}">
-                <a16:creationId xmlns:a16="http://schemas.microsoft.com/office/drawing/2014/main" id="{594ED655-7AFF-8949-B620-52EBDAD7DFE8}"/>
+                <a16:creationId xmlns:a16="http://schemas.microsoft.com/office/drawing/2014/main" xmlns="" id="{594ED655-7AFF-8949-B620-52EBDAD7DFE8}"/>
               </a:ext>
             </a:extLst>
           </p:cNvPr>
@@ -11844,7 +12181,7 @@
           <p:cNvPr id="25" name="文本框 24">
             <a:extLst>
               <a:ext uri="{FF2B5EF4-FFF2-40B4-BE49-F238E27FC236}">
-                <a16:creationId xmlns:a16="http://schemas.microsoft.com/office/drawing/2014/main" id="{795B80AE-A5F7-1041-BBCB-D1DA80F6757A}"/>
+                <a16:creationId xmlns:a16="http://schemas.microsoft.com/office/drawing/2014/main" xmlns="" id="{795B80AE-A5F7-1041-BBCB-D1DA80F6757A}"/>
               </a:ext>
             </a:extLst>
           </p:cNvPr>
@@ -11879,7 +12216,7 @@
           <p:cNvPr id="26" name="文本框 25">
             <a:extLst>
               <a:ext uri="{FF2B5EF4-FFF2-40B4-BE49-F238E27FC236}">
-                <a16:creationId xmlns:a16="http://schemas.microsoft.com/office/drawing/2014/main" id="{F66B824B-B8D3-6142-8337-9BA79850566F}"/>
+                <a16:creationId xmlns:a16="http://schemas.microsoft.com/office/drawing/2014/main" xmlns="" id="{F66B824B-B8D3-6142-8337-9BA79850566F}"/>
               </a:ext>
             </a:extLst>
           </p:cNvPr>
@@ -11951,7 +12288,7 @@
           <p:cNvPr id="27" name="文本框 26">
             <a:extLst>
               <a:ext uri="{FF2B5EF4-FFF2-40B4-BE49-F238E27FC236}">
-                <a16:creationId xmlns:a16="http://schemas.microsoft.com/office/drawing/2014/main" id="{FEF4939C-82B5-E84B-9E92-450325CE3BF0}"/>
+                <a16:creationId xmlns:a16="http://schemas.microsoft.com/office/drawing/2014/main" xmlns="" id="{FEF4939C-82B5-E84B-9E92-450325CE3BF0}"/>
               </a:ext>
             </a:extLst>
           </p:cNvPr>
@@ -12023,7 +12360,7 @@
           <p:cNvPr id="28" name="乘 27">
             <a:extLst>
               <a:ext uri="{FF2B5EF4-FFF2-40B4-BE49-F238E27FC236}">
-                <a16:creationId xmlns:a16="http://schemas.microsoft.com/office/drawing/2014/main" id="{F6522BE3-6BB8-FD43-8ED0-64FE059EDFFF}"/>
+                <a16:creationId xmlns:a16="http://schemas.microsoft.com/office/drawing/2014/main" xmlns="" id="{F6522BE3-6BB8-FD43-8ED0-64FE059EDFFF}"/>
               </a:ext>
             </a:extLst>
           </p:cNvPr>
@@ -12077,7 +12414,7 @@
           <p:cNvPr id="35" name="组合 34">
             <a:extLst>
               <a:ext uri="{FF2B5EF4-FFF2-40B4-BE49-F238E27FC236}">
-                <a16:creationId xmlns:a16="http://schemas.microsoft.com/office/drawing/2014/main" id="{01FE5161-FE82-534D-A8E4-BCE5960618D6}"/>
+                <a16:creationId xmlns:a16="http://schemas.microsoft.com/office/drawing/2014/main" xmlns="" id="{01FE5161-FE82-534D-A8E4-BCE5960618D6}"/>
               </a:ext>
             </a:extLst>
           </p:cNvPr>
@@ -12097,7 +12434,7 @@
             <p:cNvPr id="33" name="矩形 32">
               <a:extLst>
                 <a:ext uri="{FF2B5EF4-FFF2-40B4-BE49-F238E27FC236}">
-                  <a16:creationId xmlns:a16="http://schemas.microsoft.com/office/drawing/2014/main" id="{D08E06B2-BC84-7448-851C-35EDE594E3C4}"/>
+                  <a16:creationId xmlns:a16="http://schemas.microsoft.com/office/drawing/2014/main" xmlns="" id="{D08E06B2-BC84-7448-851C-35EDE594E3C4}"/>
                 </a:ext>
               </a:extLst>
             </p:cNvPr>
@@ -12149,7 +12486,7 @@
             <p:cNvPr id="32" name="矩形 31">
               <a:extLst>
                 <a:ext uri="{FF2B5EF4-FFF2-40B4-BE49-F238E27FC236}">
-                  <a16:creationId xmlns:a16="http://schemas.microsoft.com/office/drawing/2014/main" id="{1F4AC4C2-1FFC-884F-82F8-176722DA67A3}"/>
+                  <a16:creationId xmlns:a16="http://schemas.microsoft.com/office/drawing/2014/main" xmlns="" id="{1F4AC4C2-1FFC-884F-82F8-176722DA67A3}"/>
                 </a:ext>
               </a:extLst>
             </p:cNvPr>
@@ -12202,7 +12539,7 @@
           <p:cNvPr id="36" name="组合 35">
             <a:extLst>
               <a:ext uri="{FF2B5EF4-FFF2-40B4-BE49-F238E27FC236}">
-                <a16:creationId xmlns:a16="http://schemas.microsoft.com/office/drawing/2014/main" id="{7CE9A255-A547-2C43-BB37-A08B622B1D36}"/>
+                <a16:creationId xmlns:a16="http://schemas.microsoft.com/office/drawing/2014/main" xmlns="" id="{7CE9A255-A547-2C43-BB37-A08B622B1D36}"/>
               </a:ext>
             </a:extLst>
           </p:cNvPr>
@@ -12222,7 +12559,7 @@
             <p:cNvPr id="37" name="矩形 36">
               <a:extLst>
                 <a:ext uri="{FF2B5EF4-FFF2-40B4-BE49-F238E27FC236}">
-                  <a16:creationId xmlns:a16="http://schemas.microsoft.com/office/drawing/2014/main" id="{EFB1595F-0A4C-0E4A-8DB5-B5B5A8542A06}"/>
+                  <a16:creationId xmlns:a16="http://schemas.microsoft.com/office/drawing/2014/main" xmlns="" id="{EFB1595F-0A4C-0E4A-8DB5-B5B5A8542A06}"/>
                 </a:ext>
               </a:extLst>
             </p:cNvPr>
@@ -12274,7 +12611,7 @@
             <p:cNvPr id="38" name="矩形 37">
               <a:extLst>
                 <a:ext uri="{FF2B5EF4-FFF2-40B4-BE49-F238E27FC236}">
-                  <a16:creationId xmlns:a16="http://schemas.microsoft.com/office/drawing/2014/main" id="{083FBB79-8F89-9E48-8694-8A75F3C8BFFD}"/>
+                  <a16:creationId xmlns:a16="http://schemas.microsoft.com/office/drawing/2014/main" xmlns="" id="{083FBB79-8F89-9E48-8694-8A75F3C8BFFD}"/>
                 </a:ext>
               </a:extLst>
             </p:cNvPr>
@@ -12327,7 +12664,7 @@
           <p:cNvPr id="39" name="组合 38">
             <a:extLst>
               <a:ext uri="{FF2B5EF4-FFF2-40B4-BE49-F238E27FC236}">
-                <a16:creationId xmlns:a16="http://schemas.microsoft.com/office/drawing/2014/main" id="{2864D8FF-FCD1-B340-973F-553E374D9A9A}"/>
+                <a16:creationId xmlns:a16="http://schemas.microsoft.com/office/drawing/2014/main" xmlns="" id="{2864D8FF-FCD1-B340-973F-553E374D9A9A}"/>
               </a:ext>
             </a:extLst>
           </p:cNvPr>
@@ -12347,7 +12684,7 @@
             <p:cNvPr id="40" name="矩形 39">
               <a:extLst>
                 <a:ext uri="{FF2B5EF4-FFF2-40B4-BE49-F238E27FC236}">
-                  <a16:creationId xmlns:a16="http://schemas.microsoft.com/office/drawing/2014/main" id="{5F52D846-1772-1D4E-82F6-66F8ED9A395B}"/>
+                  <a16:creationId xmlns:a16="http://schemas.microsoft.com/office/drawing/2014/main" xmlns="" id="{5F52D846-1772-1D4E-82F6-66F8ED9A395B}"/>
                 </a:ext>
               </a:extLst>
             </p:cNvPr>
@@ -12399,7 +12736,7 @@
             <p:cNvPr id="41" name="矩形 40">
               <a:extLst>
                 <a:ext uri="{FF2B5EF4-FFF2-40B4-BE49-F238E27FC236}">
-                  <a16:creationId xmlns:a16="http://schemas.microsoft.com/office/drawing/2014/main" id="{60DE3E17-CD06-F04F-A34B-808DA00D8811}"/>
+                  <a16:creationId xmlns:a16="http://schemas.microsoft.com/office/drawing/2014/main" xmlns="" id="{60DE3E17-CD06-F04F-A34B-808DA00D8811}"/>
                 </a:ext>
               </a:extLst>
             </p:cNvPr>
@@ -12452,7 +12789,7 @@
           <p:cNvPr id="42" name="组合 41">
             <a:extLst>
               <a:ext uri="{FF2B5EF4-FFF2-40B4-BE49-F238E27FC236}">
-                <a16:creationId xmlns:a16="http://schemas.microsoft.com/office/drawing/2014/main" id="{57A09B42-7813-1B40-ADFA-559B595DDADE}"/>
+                <a16:creationId xmlns:a16="http://schemas.microsoft.com/office/drawing/2014/main" xmlns="" id="{57A09B42-7813-1B40-ADFA-559B595DDADE}"/>
               </a:ext>
             </a:extLst>
           </p:cNvPr>
@@ -12472,7 +12809,7 @@
             <p:cNvPr id="43" name="矩形 42">
               <a:extLst>
                 <a:ext uri="{FF2B5EF4-FFF2-40B4-BE49-F238E27FC236}">
-                  <a16:creationId xmlns:a16="http://schemas.microsoft.com/office/drawing/2014/main" id="{60F38B1D-5D10-8C49-AC62-50A2A7FE7F01}"/>
+                  <a16:creationId xmlns:a16="http://schemas.microsoft.com/office/drawing/2014/main" xmlns="" id="{60F38B1D-5D10-8C49-AC62-50A2A7FE7F01}"/>
                 </a:ext>
               </a:extLst>
             </p:cNvPr>
@@ -12524,7 +12861,7 @@
             <p:cNvPr id="44" name="矩形 43">
               <a:extLst>
                 <a:ext uri="{FF2B5EF4-FFF2-40B4-BE49-F238E27FC236}">
-                  <a16:creationId xmlns:a16="http://schemas.microsoft.com/office/drawing/2014/main" id="{15A30DD4-74A0-B947-85D4-4B06B15E78CC}"/>
+                  <a16:creationId xmlns:a16="http://schemas.microsoft.com/office/drawing/2014/main" xmlns="" id="{15A30DD4-74A0-B947-85D4-4B06B15E78CC}"/>
                 </a:ext>
               </a:extLst>
             </p:cNvPr>
@@ -12577,7 +12914,7 @@
           <p:cNvPr id="45" name="组合 44">
             <a:extLst>
               <a:ext uri="{FF2B5EF4-FFF2-40B4-BE49-F238E27FC236}">
-                <a16:creationId xmlns:a16="http://schemas.microsoft.com/office/drawing/2014/main" id="{171A97B5-CABF-234A-9604-DD4AF39C1A2A}"/>
+                <a16:creationId xmlns:a16="http://schemas.microsoft.com/office/drawing/2014/main" xmlns="" id="{171A97B5-CABF-234A-9604-DD4AF39C1A2A}"/>
               </a:ext>
             </a:extLst>
           </p:cNvPr>
@@ -12597,7 +12934,7 @@
             <p:cNvPr id="46" name="矩形 45">
               <a:extLst>
                 <a:ext uri="{FF2B5EF4-FFF2-40B4-BE49-F238E27FC236}">
-                  <a16:creationId xmlns:a16="http://schemas.microsoft.com/office/drawing/2014/main" id="{D7989839-FA5D-6A47-BEEF-8512A3DD672C}"/>
+                  <a16:creationId xmlns:a16="http://schemas.microsoft.com/office/drawing/2014/main" xmlns="" id="{D7989839-FA5D-6A47-BEEF-8512A3DD672C}"/>
                 </a:ext>
               </a:extLst>
             </p:cNvPr>
@@ -12649,7 +12986,7 @@
             <p:cNvPr id="47" name="矩形 46">
               <a:extLst>
                 <a:ext uri="{FF2B5EF4-FFF2-40B4-BE49-F238E27FC236}">
-                  <a16:creationId xmlns:a16="http://schemas.microsoft.com/office/drawing/2014/main" id="{AA47A58E-82CA-0B46-AEBA-5D944B47F46A}"/>
+                  <a16:creationId xmlns:a16="http://schemas.microsoft.com/office/drawing/2014/main" xmlns="" id="{AA47A58E-82CA-0B46-AEBA-5D944B47F46A}"/>
                 </a:ext>
               </a:extLst>
             </p:cNvPr>
@@ -12702,7 +13039,7 @@
           <p:cNvPr id="48" name="乘 47">
             <a:extLst>
               <a:ext uri="{FF2B5EF4-FFF2-40B4-BE49-F238E27FC236}">
-                <a16:creationId xmlns:a16="http://schemas.microsoft.com/office/drawing/2014/main" id="{CA155762-8391-004F-B11C-ADC939AA974A}"/>
+                <a16:creationId xmlns:a16="http://schemas.microsoft.com/office/drawing/2014/main" xmlns="" id="{CA155762-8391-004F-B11C-ADC939AA974A}"/>
               </a:ext>
             </a:extLst>
           </p:cNvPr>
@@ -12756,7 +13093,7 @@
           <p:cNvPr id="49" name="乘 48">
             <a:extLst>
               <a:ext uri="{FF2B5EF4-FFF2-40B4-BE49-F238E27FC236}">
-                <a16:creationId xmlns:a16="http://schemas.microsoft.com/office/drawing/2014/main" id="{1E9534FC-3A08-D443-9110-A6EB329031EF}"/>
+                <a16:creationId xmlns:a16="http://schemas.microsoft.com/office/drawing/2014/main" xmlns="" id="{1E9534FC-3A08-D443-9110-A6EB329031EF}"/>
               </a:ext>
             </a:extLst>
           </p:cNvPr>
@@ -12810,7 +13147,7 @@
           <p:cNvPr id="50" name="乘 49">
             <a:extLst>
               <a:ext uri="{FF2B5EF4-FFF2-40B4-BE49-F238E27FC236}">
-                <a16:creationId xmlns:a16="http://schemas.microsoft.com/office/drawing/2014/main" id="{8CDDD1ED-7E53-4D4F-962E-865DF15A0F8A}"/>
+                <a16:creationId xmlns:a16="http://schemas.microsoft.com/office/drawing/2014/main" xmlns="" id="{8CDDD1ED-7E53-4D4F-962E-865DF15A0F8A}"/>
               </a:ext>
             </a:extLst>
           </p:cNvPr>
@@ -12864,7 +13201,7 @@
           <p:cNvPr id="51" name="乘 50">
             <a:extLst>
               <a:ext uri="{FF2B5EF4-FFF2-40B4-BE49-F238E27FC236}">
-                <a16:creationId xmlns:a16="http://schemas.microsoft.com/office/drawing/2014/main" id="{4067ECD7-95CE-2F40-B5B7-B55FE9C03BE7}"/>
+                <a16:creationId xmlns:a16="http://schemas.microsoft.com/office/drawing/2014/main" xmlns="" id="{4067ECD7-95CE-2F40-B5B7-B55FE9C03BE7}"/>
               </a:ext>
             </a:extLst>
           </p:cNvPr>
@@ -12948,7 +13285,7 @@
           <p:cNvPr id="4" name="文本框 3">
             <a:extLst>
               <a:ext uri="{FF2B5EF4-FFF2-40B4-BE49-F238E27FC236}">
-                <a16:creationId xmlns:a16="http://schemas.microsoft.com/office/drawing/2014/main" id="{BD5BDBAA-D597-844B-A766-C3663E62A12D}"/>
+                <a16:creationId xmlns:a16="http://schemas.microsoft.com/office/drawing/2014/main" xmlns="" id="{BD5BDBAA-D597-844B-A766-C3663E62A12D}"/>
               </a:ext>
             </a:extLst>
           </p:cNvPr>
@@ -12991,7 +13328,7 @@
           <p:cNvPr id="5" name="图片 4">
             <a:extLst>
               <a:ext uri="{FF2B5EF4-FFF2-40B4-BE49-F238E27FC236}">
-                <a16:creationId xmlns:a16="http://schemas.microsoft.com/office/drawing/2014/main" id="{1ADCF72E-C426-824E-BE36-A856FFB848B2}"/>
+                <a16:creationId xmlns:a16="http://schemas.microsoft.com/office/drawing/2014/main" xmlns="" id="{1ADCF72E-C426-824E-BE36-A856FFB848B2}"/>
               </a:ext>
             </a:extLst>
           </p:cNvPr>
@@ -13021,7 +13358,7 @@
           <p:cNvPr id="6" name="表格 5">
             <a:extLst>
               <a:ext uri="{FF2B5EF4-FFF2-40B4-BE49-F238E27FC236}">
-                <a16:creationId xmlns:a16="http://schemas.microsoft.com/office/drawing/2014/main" id="{CCD6FDF8-567B-0449-B7E2-8545F3C6601C}"/>
+                <a16:creationId xmlns:a16="http://schemas.microsoft.com/office/drawing/2014/main" xmlns="" id="{CCD6FDF8-567B-0449-B7E2-8545F3C6601C}"/>
               </a:ext>
             </a:extLst>
           </p:cNvPr>
@@ -13050,14 +13387,14 @@
                 <a:gridCol w="1519314">
                   <a:extLst>
                     <a:ext uri="{9D8B030D-6E8A-4147-A177-3AD203B41FA5}">
-                      <a16:colId xmlns:a16="http://schemas.microsoft.com/office/drawing/2014/main" val="3479947025"/>
+                      <a16:colId xmlns:a16="http://schemas.microsoft.com/office/drawing/2014/main" xmlns="" val="3479947025"/>
                     </a:ext>
                   </a:extLst>
                 </a:gridCol>
                 <a:gridCol w="2622885">
                   <a:extLst>
                     <a:ext uri="{9D8B030D-6E8A-4147-A177-3AD203B41FA5}">
-                      <a16:colId xmlns:a16="http://schemas.microsoft.com/office/drawing/2014/main" val="1162382197"/>
+                      <a16:colId xmlns:a16="http://schemas.microsoft.com/office/drawing/2014/main" xmlns="" val="1162382197"/>
                     </a:ext>
                   </a:extLst>
                 </a:gridCol>
@@ -13477,7 +13814,7 @@
                 </a:tc>
                 <a:extLst>
                   <a:ext uri="{0D108BD9-81ED-4DB2-BD59-A6C34878D82A}">
-                    <a16:rowId xmlns:a16="http://schemas.microsoft.com/office/drawing/2014/main" val="395556551"/>
+                    <a16:rowId xmlns:a16="http://schemas.microsoft.com/office/drawing/2014/main" xmlns="" val="395556551"/>
                   </a:ext>
                 </a:extLst>
               </a:tr>
@@ -13490,7 +13827,7 @@
           <p:cNvPr id="8" name="图片 7">
             <a:extLst>
               <a:ext uri="{FF2B5EF4-FFF2-40B4-BE49-F238E27FC236}">
-                <a16:creationId xmlns:a16="http://schemas.microsoft.com/office/drawing/2014/main" id="{6D63D86E-AE86-1742-8BBE-CCA845116E79}"/>
+                <a16:creationId xmlns:a16="http://schemas.microsoft.com/office/drawing/2014/main" xmlns="" id="{6D63D86E-AE86-1742-8BBE-CCA845116E79}"/>
               </a:ext>
             </a:extLst>
           </p:cNvPr>
@@ -13520,7 +13857,7 @@
           <p:cNvPr id="10" name="表格 9">
             <a:extLst>
               <a:ext uri="{FF2B5EF4-FFF2-40B4-BE49-F238E27FC236}">
-                <a16:creationId xmlns:a16="http://schemas.microsoft.com/office/drawing/2014/main" id="{6F12CBF5-5DCB-EB4E-AEFD-E70F5F261F53}"/>
+                <a16:creationId xmlns:a16="http://schemas.microsoft.com/office/drawing/2014/main" xmlns="" id="{6F12CBF5-5DCB-EB4E-AEFD-E70F5F261F53}"/>
               </a:ext>
             </a:extLst>
           </p:cNvPr>
@@ -13530,7 +13867,7 @@
           <p:nvPr>
             <p:extLst>
               <p:ext uri="{D42A27DB-BD31-4B8C-83A1-F6EECF244321}">
-                <p14:modId xmlns:p14="http://schemas.microsoft.com/office/powerpoint/2010/main" val="1877815686"/>
+                <p14:modId xmlns:p14="http://schemas.microsoft.com/office/powerpoint/2010/main" val="367952866"/>
               </p:ext>
             </p:extLst>
           </p:nvPr>
@@ -13549,14 +13886,14 @@
                 <a:gridCol w="1519314">
                   <a:extLst>
                     <a:ext uri="{9D8B030D-6E8A-4147-A177-3AD203B41FA5}">
-                      <a16:colId xmlns:a16="http://schemas.microsoft.com/office/drawing/2014/main" val="3479947025"/>
+                      <a16:colId xmlns:a16="http://schemas.microsoft.com/office/drawing/2014/main" xmlns="" val="3479947025"/>
                     </a:ext>
                   </a:extLst>
                 </a:gridCol>
                 <a:gridCol w="2622885">
                   <a:extLst>
                     <a:ext uri="{9D8B030D-6E8A-4147-A177-3AD203B41FA5}">
-                      <a16:colId xmlns:a16="http://schemas.microsoft.com/office/drawing/2014/main" val="1162382197"/>
+                      <a16:colId xmlns:a16="http://schemas.microsoft.com/office/drawing/2014/main" xmlns="" val="1162382197"/>
                     </a:ext>
                   </a:extLst>
                 </a:gridCol>
@@ -13942,7 +14279,7 @@
                 </a:tc>
                 <a:extLst>
                   <a:ext uri="{0D108BD9-81ED-4DB2-BD59-A6C34878D82A}">
-                    <a16:rowId xmlns:a16="http://schemas.microsoft.com/office/drawing/2014/main" val="395556551"/>
+                    <a16:rowId xmlns:a16="http://schemas.microsoft.com/office/drawing/2014/main" xmlns="" val="395556551"/>
                   </a:ext>
                 </a:extLst>
               </a:tr>
@@ -13955,7 +14292,7 @@
           <p:cNvPr id="14" name="图片 13">
             <a:extLst>
               <a:ext uri="{FF2B5EF4-FFF2-40B4-BE49-F238E27FC236}">
-                <a16:creationId xmlns:a16="http://schemas.microsoft.com/office/drawing/2014/main" id="{6B1C88DC-E743-B14F-B09C-D50A70F69F8F}"/>
+                <a16:creationId xmlns:a16="http://schemas.microsoft.com/office/drawing/2014/main" xmlns="" id="{6B1C88DC-E743-B14F-B09C-D50A70F69F8F}"/>
               </a:ext>
             </a:extLst>
           </p:cNvPr>
@@ -13985,7 +14322,7 @@
           <p:cNvPr id="15" name="表格 14">
             <a:extLst>
               <a:ext uri="{FF2B5EF4-FFF2-40B4-BE49-F238E27FC236}">
-                <a16:creationId xmlns:a16="http://schemas.microsoft.com/office/drawing/2014/main" id="{F4FDC05B-77C2-A646-89F7-2655234F5BE0}"/>
+                <a16:creationId xmlns:a16="http://schemas.microsoft.com/office/drawing/2014/main" xmlns="" id="{F4FDC05B-77C2-A646-89F7-2655234F5BE0}"/>
               </a:ext>
             </a:extLst>
           </p:cNvPr>
@@ -13995,14 +14332,14 @@
           <p:nvPr>
             <p:extLst>
               <p:ext uri="{D42A27DB-BD31-4B8C-83A1-F6EECF244321}">
-                <p14:modId xmlns:p14="http://schemas.microsoft.com/office/powerpoint/2010/main" val="1883233047"/>
+                <p14:modId xmlns:p14="http://schemas.microsoft.com/office/powerpoint/2010/main" val="1143724363"/>
               </p:ext>
             </p:extLst>
           </p:nvPr>
         </p:nvGraphicFramePr>
         <p:xfrm>
           <a:off x="716896" y="4978534"/>
-          <a:ext cx="3891199" cy="1491648"/>
+          <a:ext cx="3891199" cy="1759937"/>
         </p:xfrm>
         <a:graphic>
           <a:graphicData uri="http://schemas.openxmlformats.org/drawingml/2006/table">
@@ -14014,19 +14351,19 @@
                 <a:gridCol w="1519314">
                   <a:extLst>
                     <a:ext uri="{9D8B030D-6E8A-4147-A177-3AD203B41FA5}">
-                      <a16:colId xmlns:a16="http://schemas.microsoft.com/office/drawing/2014/main" val="3479947025"/>
+                      <a16:colId xmlns:a16="http://schemas.microsoft.com/office/drawing/2014/main" xmlns="" val="3479947025"/>
                     </a:ext>
                   </a:extLst>
                 </a:gridCol>
                 <a:gridCol w="2371885">
                   <a:extLst>
                     <a:ext uri="{9D8B030D-6E8A-4147-A177-3AD203B41FA5}">
-                      <a16:colId xmlns:a16="http://schemas.microsoft.com/office/drawing/2014/main" val="1162382197"/>
+                      <a16:colId xmlns:a16="http://schemas.microsoft.com/office/drawing/2014/main" xmlns="" val="1162382197"/>
                     </a:ext>
                   </a:extLst>
                 </a:gridCol>
               </a:tblGrid>
-              <a:tr h="1491648">
+              <a:tr h="1759937">
                 <a:tc>
                   <a:txBody>
                     <a:bodyPr/>
@@ -14184,7 +14521,7 @@
                 </a:tc>
                 <a:extLst>
                   <a:ext uri="{0D108BD9-81ED-4DB2-BD59-A6C34878D82A}">
-                    <a16:rowId xmlns:a16="http://schemas.microsoft.com/office/drawing/2014/main" val="395556551"/>
+                    <a16:rowId xmlns:a16="http://schemas.microsoft.com/office/drawing/2014/main" xmlns="" val="395556551"/>
                   </a:ext>
                 </a:extLst>
               </a:tr>
@@ -14197,7 +14534,7 @@
           <p:cNvPr id="17" name="图片 16">
             <a:extLst>
               <a:ext uri="{FF2B5EF4-FFF2-40B4-BE49-F238E27FC236}">
-                <a16:creationId xmlns:a16="http://schemas.microsoft.com/office/drawing/2014/main" id="{FCDF6D4F-3078-A449-91D0-1DAEF7DB0D42}"/>
+                <a16:creationId xmlns:a16="http://schemas.microsoft.com/office/drawing/2014/main" xmlns="" id="{FCDF6D4F-3078-A449-91D0-1DAEF7DB0D42}"/>
               </a:ext>
             </a:extLst>
           </p:cNvPr>
@@ -14227,7 +14564,7 @@
           <p:cNvPr id="18" name="表格 17">
             <a:extLst>
               <a:ext uri="{FF2B5EF4-FFF2-40B4-BE49-F238E27FC236}">
-                <a16:creationId xmlns:a16="http://schemas.microsoft.com/office/drawing/2014/main" id="{CE4579BE-6581-314A-8FA0-761CC8DE6AB2}"/>
+                <a16:creationId xmlns:a16="http://schemas.microsoft.com/office/drawing/2014/main" xmlns="" id="{CE4579BE-6581-314A-8FA0-761CC8DE6AB2}"/>
               </a:ext>
             </a:extLst>
           </p:cNvPr>
@@ -14237,14 +14574,14 @@
           <p:nvPr>
             <p:extLst>
               <p:ext uri="{D42A27DB-BD31-4B8C-83A1-F6EECF244321}">
-                <p14:modId xmlns:p14="http://schemas.microsoft.com/office/powerpoint/2010/main" val="4109034411"/>
+                <p14:modId xmlns:p14="http://schemas.microsoft.com/office/powerpoint/2010/main" val="3987929203"/>
               </p:ext>
             </p:extLst>
           </p:nvPr>
         </p:nvGraphicFramePr>
         <p:xfrm>
           <a:off x="5001801" y="4978534"/>
-          <a:ext cx="3889536" cy="1491648"/>
+          <a:ext cx="3889536" cy="1744995"/>
         </p:xfrm>
         <a:graphic>
           <a:graphicData uri="http://schemas.openxmlformats.org/drawingml/2006/table">
@@ -14256,19 +14593,19 @@
                 <a:gridCol w="1519314">
                   <a:extLst>
                     <a:ext uri="{9D8B030D-6E8A-4147-A177-3AD203B41FA5}">
-                      <a16:colId xmlns:a16="http://schemas.microsoft.com/office/drawing/2014/main" val="3479947025"/>
+                      <a16:colId xmlns:a16="http://schemas.microsoft.com/office/drawing/2014/main" xmlns="" val="3479947025"/>
                     </a:ext>
                   </a:extLst>
                 </a:gridCol>
                 <a:gridCol w="2370222">
                   <a:extLst>
                     <a:ext uri="{9D8B030D-6E8A-4147-A177-3AD203B41FA5}">
-                      <a16:colId xmlns:a16="http://schemas.microsoft.com/office/drawing/2014/main" val="1162382197"/>
+                      <a16:colId xmlns:a16="http://schemas.microsoft.com/office/drawing/2014/main" xmlns="" val="1162382197"/>
                     </a:ext>
                   </a:extLst>
                 </a:gridCol>
               </a:tblGrid>
-              <a:tr h="1491648">
+              <a:tr h="1744995">
                 <a:tc>
                   <a:txBody>
                     <a:bodyPr/>
@@ -14450,7 +14787,7 @@
                 </a:tc>
                 <a:extLst>
                   <a:ext uri="{0D108BD9-81ED-4DB2-BD59-A6C34878D82A}">
-                    <a16:rowId xmlns:a16="http://schemas.microsoft.com/office/drawing/2014/main" val="395556551"/>
+                    <a16:rowId xmlns:a16="http://schemas.microsoft.com/office/drawing/2014/main" xmlns="" val="395556551"/>
                   </a:ext>
                 </a:extLst>
               </a:tr>
@@ -14463,7 +14800,7 @@
           <p:cNvPr id="21" name="文本框 20">
             <a:extLst>
               <a:ext uri="{FF2B5EF4-FFF2-40B4-BE49-F238E27FC236}">
-                <a16:creationId xmlns:a16="http://schemas.microsoft.com/office/drawing/2014/main" id="{4C2E55D0-C4AA-4948-AB89-8D8E52BD9541}"/>
+                <a16:creationId xmlns:a16="http://schemas.microsoft.com/office/drawing/2014/main" xmlns="" id="{4C2E55D0-C4AA-4948-AB89-8D8E52BD9541}"/>
               </a:ext>
             </a:extLst>
           </p:cNvPr>
@@ -14472,7 +14809,7 @@
         </p:nvSpPr>
         <p:spPr>
           <a:xfrm>
-            <a:off x="1431023" y="6490742"/>
+            <a:off x="2267147" y="6334804"/>
             <a:ext cx="2185214" cy="276999"/>
           </a:xfrm>
           <a:prstGeom prst="rect">
@@ -14504,7 +14841,7 @@
           <p:cNvPr id="22" name="文本框 21">
             <a:extLst>
               <a:ext uri="{FF2B5EF4-FFF2-40B4-BE49-F238E27FC236}">
-                <a16:creationId xmlns:a16="http://schemas.microsoft.com/office/drawing/2014/main" id="{4354C168-98E8-4F4D-9C2F-6F97462BAB12}"/>
+                <a16:creationId xmlns:a16="http://schemas.microsoft.com/office/drawing/2014/main" xmlns="" id="{4354C168-98E8-4F4D-9C2F-6F97462BAB12}"/>
               </a:ext>
             </a:extLst>
           </p:cNvPr>
@@ -14513,7 +14850,7 @@
         </p:nvSpPr>
         <p:spPr>
           <a:xfrm>
-            <a:off x="5686191" y="6490742"/>
+            <a:off x="6667651" y="6363995"/>
             <a:ext cx="2223686" cy="276999"/>
           </a:xfrm>
           <a:prstGeom prst="rect">
@@ -14545,7 +14882,7 @@
           <p:cNvPr id="23" name="图片 22">
             <a:extLst>
               <a:ext uri="{FF2B5EF4-FFF2-40B4-BE49-F238E27FC236}">
-                <a16:creationId xmlns:a16="http://schemas.microsoft.com/office/drawing/2014/main" id="{C174F167-039D-A649-94A6-D8229E566372}"/>
+                <a16:creationId xmlns:a16="http://schemas.microsoft.com/office/drawing/2014/main" xmlns="" id="{C174F167-039D-A649-94A6-D8229E566372}"/>
               </a:ext>
             </a:extLst>
           </p:cNvPr>
@@ -14562,7 +14899,7 @@
         </p:blipFill>
         <p:spPr>
           <a:xfrm>
-            <a:off x="6946569" y="5099406"/>
+            <a:off x="7087079" y="5099406"/>
             <a:ext cx="1296411" cy="1249903"/>
           </a:xfrm>
           <a:prstGeom prst="rect">
@@ -14575,7 +14912,7 @@
           <p:cNvPr id="24" name="图片 23">
             <a:extLst>
               <a:ext uri="{FF2B5EF4-FFF2-40B4-BE49-F238E27FC236}">
-                <a16:creationId xmlns:a16="http://schemas.microsoft.com/office/drawing/2014/main" id="{F3660567-BBFA-7541-95A5-EA4CF7C8E3E7}"/>
+                <a16:creationId xmlns:a16="http://schemas.microsoft.com/office/drawing/2014/main" xmlns="" id="{F3660567-BBFA-7541-95A5-EA4CF7C8E3E7}"/>
               </a:ext>
             </a:extLst>
           </p:cNvPr>
@@ -14605,7 +14942,7 @@
           <p:cNvPr id="25" name="表格 24">
             <a:extLst>
               <a:ext uri="{FF2B5EF4-FFF2-40B4-BE49-F238E27FC236}">
-                <a16:creationId xmlns:a16="http://schemas.microsoft.com/office/drawing/2014/main" id="{E7B1674D-C020-E746-B293-63A36DE7E30D}"/>
+                <a16:creationId xmlns:a16="http://schemas.microsoft.com/office/drawing/2014/main" xmlns="" id="{E7B1674D-C020-E746-B293-63A36DE7E30D}"/>
               </a:ext>
             </a:extLst>
           </p:cNvPr>
@@ -14615,7 +14952,7 @@
           <p:nvPr>
             <p:extLst>
               <p:ext uri="{D42A27DB-BD31-4B8C-83A1-F6EECF244321}">
-                <p14:modId xmlns:p14="http://schemas.microsoft.com/office/powerpoint/2010/main" val="2433815702"/>
+                <p14:modId xmlns:p14="http://schemas.microsoft.com/office/powerpoint/2010/main" val="1411071135"/>
               </p:ext>
             </p:extLst>
           </p:nvPr>
@@ -14634,14 +14971,14 @@
                 <a:gridCol w="1519314">
                   <a:extLst>
                     <a:ext uri="{9D8B030D-6E8A-4147-A177-3AD203B41FA5}">
-                      <a16:colId xmlns:a16="http://schemas.microsoft.com/office/drawing/2014/main" val="3479947025"/>
+                      <a16:colId xmlns:a16="http://schemas.microsoft.com/office/drawing/2014/main" xmlns="" val="3479947025"/>
                     </a:ext>
                   </a:extLst>
                 </a:gridCol>
                 <a:gridCol w="1629290">
                   <a:extLst>
                     <a:ext uri="{9D8B030D-6E8A-4147-A177-3AD203B41FA5}">
-                      <a16:colId xmlns:a16="http://schemas.microsoft.com/office/drawing/2014/main" val="1162382197"/>
+                      <a16:colId xmlns:a16="http://schemas.microsoft.com/office/drawing/2014/main" xmlns="" val="1162382197"/>
                     </a:ext>
                   </a:extLst>
                 </a:gridCol>
@@ -14831,7 +15168,7 @@
                 </a:tc>
                 <a:extLst>
                   <a:ext uri="{0D108BD9-81ED-4DB2-BD59-A6C34878D82A}">
-                    <a16:rowId xmlns:a16="http://schemas.microsoft.com/office/drawing/2014/main" val="395556551"/>
+                    <a16:rowId xmlns:a16="http://schemas.microsoft.com/office/drawing/2014/main" xmlns="" val="395556551"/>
                   </a:ext>
                 </a:extLst>
               </a:tr>
@@ -14874,7 +15211,7 @@
           <p:cNvPr id="4" name="表格 3">
             <a:extLst>
               <a:ext uri="{FF2B5EF4-FFF2-40B4-BE49-F238E27FC236}">
-                <a16:creationId xmlns:a16="http://schemas.microsoft.com/office/drawing/2014/main" id="{F83B562C-A1C4-614D-AFBC-111B3B516D03}"/>
+                <a16:creationId xmlns:a16="http://schemas.microsoft.com/office/drawing/2014/main" xmlns="" id="{F83B562C-A1C4-614D-AFBC-111B3B516D03}"/>
               </a:ext>
             </a:extLst>
           </p:cNvPr>
@@ -14884,7 +15221,7 @@
           <p:nvPr>
             <p:extLst>
               <p:ext uri="{D42A27DB-BD31-4B8C-83A1-F6EECF244321}">
-                <p14:modId xmlns:p14="http://schemas.microsoft.com/office/powerpoint/2010/main" val="2909060152"/>
+                <p14:modId xmlns:p14="http://schemas.microsoft.com/office/powerpoint/2010/main" val="2002173102"/>
               </p:ext>
             </p:extLst>
           </p:nvPr>
@@ -14903,14 +15240,14 @@
                 <a:gridCol w="1845829">
                   <a:extLst>
                     <a:ext uri="{9D8B030D-6E8A-4147-A177-3AD203B41FA5}">
-                      <a16:colId xmlns:a16="http://schemas.microsoft.com/office/drawing/2014/main" val="3479947025"/>
+                      <a16:colId xmlns:a16="http://schemas.microsoft.com/office/drawing/2014/main" xmlns="" val="3479947025"/>
                     </a:ext>
                   </a:extLst>
                 </a:gridCol>
                 <a:gridCol w="2045370">
                   <a:extLst>
                     <a:ext uri="{9D8B030D-6E8A-4147-A177-3AD203B41FA5}">
-                      <a16:colId xmlns:a16="http://schemas.microsoft.com/office/drawing/2014/main" val="1162382197"/>
+                      <a16:colId xmlns:a16="http://schemas.microsoft.com/office/drawing/2014/main" xmlns="" val="1162382197"/>
                     </a:ext>
                   </a:extLst>
                 </a:gridCol>
@@ -15121,7 +15458,7 @@
                 </a:tc>
                 <a:extLst>
                   <a:ext uri="{0D108BD9-81ED-4DB2-BD59-A6C34878D82A}">
-                    <a16:rowId xmlns:a16="http://schemas.microsoft.com/office/drawing/2014/main" val="395556551"/>
+                    <a16:rowId xmlns:a16="http://schemas.microsoft.com/office/drawing/2014/main" xmlns="" val="395556551"/>
                   </a:ext>
                 </a:extLst>
               </a:tr>
@@ -15134,7 +15471,7 @@
           <p:cNvPr id="6" name="文本框 5">
             <a:extLst>
               <a:ext uri="{FF2B5EF4-FFF2-40B4-BE49-F238E27FC236}">
-                <a16:creationId xmlns:a16="http://schemas.microsoft.com/office/drawing/2014/main" id="{EB0E780A-0E12-7B4C-8EEE-BCD0FF6A06C9}"/>
+                <a16:creationId xmlns:a16="http://schemas.microsoft.com/office/drawing/2014/main" xmlns="" id="{EB0E780A-0E12-7B4C-8EEE-BCD0FF6A06C9}"/>
               </a:ext>
             </a:extLst>
           </p:cNvPr>
@@ -15175,7 +15512,7 @@
           <p:cNvPr id="8" name="图片 7">
             <a:extLst>
               <a:ext uri="{FF2B5EF4-FFF2-40B4-BE49-F238E27FC236}">
-                <a16:creationId xmlns:a16="http://schemas.microsoft.com/office/drawing/2014/main" id="{892F86F4-7CF3-FB47-82B5-F977E3CA8B60}"/>
+                <a16:creationId xmlns:a16="http://schemas.microsoft.com/office/drawing/2014/main" xmlns="" id="{892F86F4-7CF3-FB47-82B5-F977E3CA8B60}"/>
               </a:ext>
             </a:extLst>
           </p:cNvPr>
@@ -15205,7 +15542,7 @@
           <p:cNvPr id="9" name="表格 8">
             <a:extLst>
               <a:ext uri="{FF2B5EF4-FFF2-40B4-BE49-F238E27FC236}">
-                <a16:creationId xmlns:a16="http://schemas.microsoft.com/office/drawing/2014/main" id="{55CF72C1-EFFA-3045-B64D-D9FB6BB26631}"/>
+                <a16:creationId xmlns:a16="http://schemas.microsoft.com/office/drawing/2014/main" xmlns="" id="{55CF72C1-EFFA-3045-B64D-D9FB6BB26631}"/>
               </a:ext>
             </a:extLst>
           </p:cNvPr>
@@ -15215,7 +15552,7 @@
           <p:nvPr>
             <p:extLst>
               <p:ext uri="{D42A27DB-BD31-4B8C-83A1-F6EECF244321}">
-                <p14:modId xmlns:p14="http://schemas.microsoft.com/office/powerpoint/2010/main" val="3934460211"/>
+                <p14:modId xmlns:p14="http://schemas.microsoft.com/office/powerpoint/2010/main" val="633284641"/>
               </p:ext>
             </p:extLst>
           </p:nvPr>
@@ -15234,14 +15571,14 @@
                 <a:gridCol w="1845829">
                   <a:extLst>
                     <a:ext uri="{9D8B030D-6E8A-4147-A177-3AD203B41FA5}">
-                      <a16:colId xmlns:a16="http://schemas.microsoft.com/office/drawing/2014/main" val="3479947025"/>
+                      <a16:colId xmlns:a16="http://schemas.microsoft.com/office/drawing/2014/main" xmlns="" val="3479947025"/>
                     </a:ext>
                   </a:extLst>
                 </a:gridCol>
                 <a:gridCol w="2045370">
                   <a:extLst>
                     <a:ext uri="{9D8B030D-6E8A-4147-A177-3AD203B41FA5}">
-                      <a16:colId xmlns:a16="http://schemas.microsoft.com/office/drawing/2014/main" val="1162382197"/>
+                      <a16:colId xmlns:a16="http://schemas.microsoft.com/office/drawing/2014/main" xmlns="" val="1162382197"/>
                     </a:ext>
                   </a:extLst>
                 </a:gridCol>
@@ -15452,7 +15789,7 @@
                 </a:tc>
                 <a:extLst>
                   <a:ext uri="{0D108BD9-81ED-4DB2-BD59-A6C34878D82A}">
-                    <a16:rowId xmlns:a16="http://schemas.microsoft.com/office/drawing/2014/main" val="395556551"/>
+                    <a16:rowId xmlns:a16="http://schemas.microsoft.com/office/drawing/2014/main" xmlns="" val="395556551"/>
                   </a:ext>
                 </a:extLst>
               </a:tr>
@@ -15465,7 +15802,7 @@
           <p:cNvPr id="10" name="文本框 9">
             <a:extLst>
               <a:ext uri="{FF2B5EF4-FFF2-40B4-BE49-F238E27FC236}">
-                <a16:creationId xmlns:a16="http://schemas.microsoft.com/office/drawing/2014/main" id="{78FE17E6-D127-6B42-9100-94CC9D36376A}"/>
+                <a16:creationId xmlns:a16="http://schemas.microsoft.com/office/drawing/2014/main" xmlns="" id="{78FE17E6-D127-6B42-9100-94CC9D36376A}"/>
               </a:ext>
             </a:extLst>
           </p:cNvPr>
@@ -15506,7 +15843,7 @@
           <p:cNvPr id="11" name="图片 10">
             <a:extLst>
               <a:ext uri="{FF2B5EF4-FFF2-40B4-BE49-F238E27FC236}">
-                <a16:creationId xmlns:a16="http://schemas.microsoft.com/office/drawing/2014/main" id="{C2FCCFBD-999E-494A-A510-91C481D86124}"/>
+                <a16:creationId xmlns:a16="http://schemas.microsoft.com/office/drawing/2014/main" xmlns="" id="{C2FCCFBD-999E-494A-A510-91C481D86124}"/>
               </a:ext>
             </a:extLst>
           </p:cNvPr>
@@ -15536,7 +15873,7 @@
           <p:cNvPr id="13" name="图片 12">
             <a:extLst>
               <a:ext uri="{FF2B5EF4-FFF2-40B4-BE49-F238E27FC236}">
-                <a16:creationId xmlns:a16="http://schemas.microsoft.com/office/drawing/2014/main" id="{981F6AF1-B6A2-B94E-B6CF-016E93CBFC2B}"/>
+                <a16:creationId xmlns:a16="http://schemas.microsoft.com/office/drawing/2014/main" xmlns="" id="{981F6AF1-B6A2-B94E-B6CF-016E93CBFC2B}"/>
               </a:ext>
             </a:extLst>
           </p:cNvPr>

--- a/Python入门课0.pptx
+++ b/Python入门课0.pptx
@@ -22,6 +22,7 @@
     <p:sldId id="266" r:id="rId16"/>
     <p:sldId id="268" r:id="rId17"/>
     <p:sldId id="272" r:id="rId18"/>
+    <p:sldId id="273" r:id="rId19"/>
   </p:sldIdLst>
   <p:sldSz cx="9144000" cy="6858000" type="screen4x3"/>
   <p:notesSz cx="6858000" cy="9144000"/>
@@ -10721,6 +10722,929 @@
     <p:extLst>
       <p:ext uri="{BB962C8B-B14F-4D97-AF65-F5344CB8AC3E}">
         <p14:creationId xmlns:p14="http://schemas.microsoft.com/office/powerpoint/2010/main" val="1246405453"/>
+      </p:ext>
+    </p:extLst>
+  </p:cSld>
+  <p:clrMapOvr>
+    <a:masterClrMapping/>
+  </p:clrMapOvr>
+</p:sld>
+</file>
+
+<file path=ppt/slides/slide18.xml><?xml version="1.0" encoding="utf-8"?>
+<p:sld xmlns:a="http://schemas.openxmlformats.org/drawingml/2006/main" xmlns:r="http://schemas.openxmlformats.org/officeDocument/2006/relationships" xmlns:p="http://schemas.openxmlformats.org/presentationml/2006/main">
+  <p:cSld>
+    <p:spTree>
+      <p:nvGrpSpPr>
+        <p:cNvPr id="1" name=""/>
+        <p:cNvGrpSpPr/>
+        <p:nvPr/>
+      </p:nvGrpSpPr>
+      <p:grpSpPr>
+        <a:xfrm>
+          <a:off x="0" y="0"/>
+          <a:ext cx="0" cy="0"/>
+          <a:chOff x="0" y="0"/>
+          <a:chExt cx="0" cy="0"/>
+        </a:xfrm>
+      </p:grpSpPr>
+      <p:sp>
+        <p:nvSpPr>
+          <p:cNvPr id="4" name="菱形 3">
+            <a:extLst>
+              <a:ext uri="{FF2B5EF4-FFF2-40B4-BE49-F238E27FC236}">
+                <a16:creationId xmlns:a16="http://schemas.microsoft.com/office/drawing/2014/main" id="{F9BA0A74-4685-1941-BDFD-864BD1572525}"/>
+              </a:ext>
+            </a:extLst>
+          </p:cNvPr>
+          <p:cNvSpPr/>
+          <p:nvPr/>
+        </p:nvSpPr>
+        <p:spPr>
+          <a:xfrm>
+            <a:off x="1558456" y="1121134"/>
+            <a:ext cx="1558455" cy="564543"/>
+          </a:xfrm>
+          <a:prstGeom prst="diamond">
+            <a:avLst/>
+          </a:prstGeom>
+        </p:spPr>
+        <p:style>
+          <a:lnRef idx="2">
+            <a:schemeClr val="accent1"/>
+          </a:lnRef>
+          <a:fillRef idx="1">
+            <a:schemeClr val="lt1"/>
+          </a:fillRef>
+          <a:effectRef idx="0">
+            <a:schemeClr val="accent1"/>
+          </a:effectRef>
+          <a:fontRef idx="minor">
+            <a:schemeClr val="dk1"/>
+          </a:fontRef>
+        </p:style>
+        <p:txBody>
+          <a:bodyPr rtlCol="0" anchor="ctr"/>
+          <a:lstStyle/>
+          <a:p>
+            <a:pPr algn="ctr"/>
+            <a:endParaRPr kumimoji="1" lang="zh-CN" altLang="en-US"/>
+          </a:p>
+        </p:txBody>
+      </p:sp>
+      <p:sp>
+        <p:nvSpPr>
+          <p:cNvPr id="5" name="矩形 4">
+            <a:extLst>
+              <a:ext uri="{FF2B5EF4-FFF2-40B4-BE49-F238E27FC236}">
+                <a16:creationId xmlns:a16="http://schemas.microsoft.com/office/drawing/2014/main" id="{F6011336-F5F1-3547-88C4-7B57FBE96E6A}"/>
+              </a:ext>
+            </a:extLst>
+          </p:cNvPr>
+          <p:cNvSpPr/>
+          <p:nvPr/>
+        </p:nvSpPr>
+        <p:spPr>
+          <a:xfrm>
+            <a:off x="1587886" y="2285542"/>
+            <a:ext cx="1494838" cy="562551"/>
+          </a:xfrm>
+          <a:prstGeom prst="rect">
+            <a:avLst/>
+          </a:prstGeom>
+        </p:spPr>
+        <p:style>
+          <a:lnRef idx="2">
+            <a:schemeClr val="accent1"/>
+          </a:lnRef>
+          <a:fillRef idx="1">
+            <a:schemeClr val="lt1"/>
+          </a:fillRef>
+          <a:effectRef idx="0">
+            <a:schemeClr val="accent1"/>
+          </a:effectRef>
+          <a:fontRef idx="minor">
+            <a:schemeClr val="dk1"/>
+          </a:fontRef>
+        </p:style>
+        <p:txBody>
+          <a:bodyPr rtlCol="0" anchor="ctr"/>
+          <a:lstStyle/>
+          <a:p>
+            <a:pPr algn="ctr"/>
+            <a:endParaRPr kumimoji="1" lang="zh-CN" altLang="en-US"/>
+          </a:p>
+        </p:txBody>
+      </p:sp>
+      <p:cxnSp>
+        <p:nvCxnSpPr>
+          <p:cNvPr id="7" name="直线箭头连接符 6">
+            <a:extLst>
+              <a:ext uri="{FF2B5EF4-FFF2-40B4-BE49-F238E27FC236}">
+                <a16:creationId xmlns:a16="http://schemas.microsoft.com/office/drawing/2014/main" id="{28FFCF35-FDE7-F149-9CED-BA593EE2FE68}"/>
+              </a:ext>
+            </a:extLst>
+          </p:cNvPr>
+          <p:cNvCxnSpPr>
+            <a:cxnSpLocks/>
+            <a:endCxn id="4" idx="0"/>
+          </p:cNvCxnSpPr>
+          <p:nvPr/>
+        </p:nvCxnSpPr>
+        <p:spPr>
+          <a:xfrm>
+            <a:off x="2337684" y="755374"/>
+            <a:ext cx="0" cy="365760"/>
+          </a:xfrm>
+          <a:prstGeom prst="straightConnector1">
+            <a:avLst/>
+          </a:prstGeom>
+          <a:ln>
+            <a:tailEnd type="triangle"/>
+          </a:ln>
+        </p:spPr>
+        <p:style>
+          <a:lnRef idx="2">
+            <a:schemeClr val="accent1"/>
+          </a:lnRef>
+          <a:fillRef idx="0">
+            <a:schemeClr val="accent1"/>
+          </a:fillRef>
+          <a:effectRef idx="1">
+            <a:schemeClr val="accent1"/>
+          </a:effectRef>
+          <a:fontRef idx="minor">
+            <a:schemeClr val="tx1"/>
+          </a:fontRef>
+        </p:style>
+      </p:cxnSp>
+      <p:cxnSp>
+        <p:nvCxnSpPr>
+          <p:cNvPr id="9" name="直线箭头连接符 8">
+            <a:extLst>
+              <a:ext uri="{FF2B5EF4-FFF2-40B4-BE49-F238E27FC236}">
+                <a16:creationId xmlns:a16="http://schemas.microsoft.com/office/drawing/2014/main" id="{FAF98526-BFA0-DA42-9524-4E8E2478E041}"/>
+              </a:ext>
+            </a:extLst>
+          </p:cNvPr>
+          <p:cNvCxnSpPr>
+            <a:cxnSpLocks/>
+            <a:stCxn id="4" idx="2"/>
+            <a:endCxn id="5" idx="0"/>
+          </p:cNvCxnSpPr>
+          <p:nvPr/>
+        </p:nvCxnSpPr>
+        <p:spPr>
+          <a:xfrm flipH="1">
+            <a:off x="2335305" y="1685677"/>
+            <a:ext cx="2379" cy="599865"/>
+          </a:xfrm>
+          <a:prstGeom prst="straightConnector1">
+            <a:avLst/>
+          </a:prstGeom>
+          <a:ln>
+            <a:tailEnd type="triangle"/>
+          </a:ln>
+        </p:spPr>
+        <p:style>
+          <a:lnRef idx="2">
+            <a:schemeClr val="accent1"/>
+          </a:lnRef>
+          <a:fillRef idx="0">
+            <a:schemeClr val="accent1"/>
+          </a:fillRef>
+          <a:effectRef idx="1">
+            <a:schemeClr val="accent1"/>
+          </a:effectRef>
+          <a:fontRef idx="minor">
+            <a:schemeClr val="tx1"/>
+          </a:fontRef>
+        </p:style>
+      </p:cxnSp>
+      <p:cxnSp>
+        <p:nvCxnSpPr>
+          <p:cNvPr id="10" name="直线箭头连接符 9">
+            <a:extLst>
+              <a:ext uri="{FF2B5EF4-FFF2-40B4-BE49-F238E27FC236}">
+                <a16:creationId xmlns:a16="http://schemas.microsoft.com/office/drawing/2014/main" id="{C62F6126-5EA0-B74B-955B-D7F112CC889D}"/>
+              </a:ext>
+            </a:extLst>
+          </p:cNvPr>
+          <p:cNvCxnSpPr>
+            <a:cxnSpLocks/>
+          </p:cNvCxnSpPr>
+          <p:nvPr/>
+        </p:nvCxnSpPr>
+        <p:spPr>
+          <a:xfrm>
+            <a:off x="2351207" y="2871665"/>
+            <a:ext cx="0" cy="365760"/>
+          </a:xfrm>
+          <a:prstGeom prst="straightConnector1">
+            <a:avLst/>
+          </a:prstGeom>
+          <a:ln>
+            <a:tailEnd type="triangle"/>
+          </a:ln>
+        </p:spPr>
+        <p:style>
+          <a:lnRef idx="2">
+            <a:schemeClr val="accent1"/>
+          </a:lnRef>
+          <a:fillRef idx="0">
+            <a:schemeClr val="accent1"/>
+          </a:fillRef>
+          <a:effectRef idx="1">
+            <a:schemeClr val="accent1"/>
+          </a:effectRef>
+          <a:fontRef idx="minor">
+            <a:schemeClr val="tx1"/>
+          </a:fontRef>
+        </p:style>
+      </p:cxnSp>
+      <p:sp>
+        <p:nvSpPr>
+          <p:cNvPr id="11" name="文本框 10">
+            <a:extLst>
+              <a:ext uri="{FF2B5EF4-FFF2-40B4-BE49-F238E27FC236}">
+                <a16:creationId xmlns:a16="http://schemas.microsoft.com/office/drawing/2014/main" id="{987FBA8B-D367-9C44-8F63-2982B5BAA1E7}"/>
+              </a:ext>
+            </a:extLst>
+          </p:cNvPr>
+          <p:cNvSpPr txBox="1"/>
+          <p:nvPr/>
+        </p:nvSpPr>
+        <p:spPr>
+          <a:xfrm>
+            <a:off x="2330454" y="1772428"/>
+            <a:ext cx="364202" cy="307777"/>
+          </a:xfrm>
+          <a:prstGeom prst="rect">
+            <a:avLst/>
+          </a:prstGeom>
+          <a:noFill/>
+        </p:spPr>
+        <p:txBody>
+          <a:bodyPr wrap="none" rtlCol="0">
+            <a:spAutoFit/>
+          </a:bodyPr>
+          <a:lstStyle/>
+          <a:p>
+            <a:r>
+              <a:rPr kumimoji="1" lang="zh-CN" altLang="en-US" sz="1400" dirty="0"/>
+              <a:t>是</a:t>
+            </a:r>
+          </a:p>
+        </p:txBody>
+      </p:sp>
+      <p:sp>
+        <p:nvSpPr>
+          <p:cNvPr id="12" name="文本框 11">
+            <a:extLst>
+              <a:ext uri="{FF2B5EF4-FFF2-40B4-BE49-F238E27FC236}">
+                <a16:creationId xmlns:a16="http://schemas.microsoft.com/office/drawing/2014/main" id="{5A0926F7-627A-9340-B930-98EF01B1827F}"/>
+              </a:ext>
+            </a:extLst>
+          </p:cNvPr>
+          <p:cNvSpPr txBox="1"/>
+          <p:nvPr/>
+        </p:nvSpPr>
+        <p:spPr>
+          <a:xfrm>
+            <a:off x="3244132" y="1121134"/>
+            <a:ext cx="364202" cy="307777"/>
+          </a:xfrm>
+          <a:prstGeom prst="rect">
+            <a:avLst/>
+          </a:prstGeom>
+          <a:noFill/>
+        </p:spPr>
+        <p:txBody>
+          <a:bodyPr wrap="none" rtlCol="0">
+            <a:spAutoFit/>
+          </a:bodyPr>
+          <a:lstStyle/>
+          <a:p>
+            <a:r>
+              <a:rPr kumimoji="1" lang="zh-CN" altLang="en-US" sz="1400" dirty="0"/>
+              <a:t>否</a:t>
+            </a:r>
+          </a:p>
+        </p:txBody>
+      </p:sp>
+      <p:sp>
+        <p:nvSpPr>
+          <p:cNvPr id="19" name="文本框 18">
+            <a:extLst>
+              <a:ext uri="{FF2B5EF4-FFF2-40B4-BE49-F238E27FC236}">
+                <a16:creationId xmlns:a16="http://schemas.microsoft.com/office/drawing/2014/main" id="{26D85C8F-5EA2-AE47-9DC1-3C3EED5D6DC8}"/>
+              </a:ext>
+            </a:extLst>
+          </p:cNvPr>
+          <p:cNvSpPr txBox="1"/>
+          <p:nvPr/>
+        </p:nvSpPr>
+        <p:spPr>
+          <a:xfrm>
+            <a:off x="1716647" y="1230555"/>
+            <a:ext cx="1242071" cy="307777"/>
+          </a:xfrm>
+          <a:prstGeom prst="rect">
+            <a:avLst/>
+          </a:prstGeom>
+          <a:noFill/>
+        </p:spPr>
+        <p:txBody>
+          <a:bodyPr wrap="none" rtlCol="0">
+            <a:spAutoFit/>
+          </a:bodyPr>
+          <a:lstStyle/>
+          <a:p>
+            <a:r>
+              <a:rPr lang="en" altLang="zh-CN" sz="1400" dirty="0"/>
+              <a:t>isChris == 'yes'</a:t>
+            </a:r>
+            <a:endParaRPr kumimoji="1" lang="zh-CN" altLang="en-US" sz="1400" dirty="0"/>
+          </a:p>
+        </p:txBody>
+      </p:sp>
+      <p:sp>
+        <p:nvSpPr>
+          <p:cNvPr id="20" name="矩形 19">
+            <a:extLst>
+              <a:ext uri="{FF2B5EF4-FFF2-40B4-BE49-F238E27FC236}">
+                <a16:creationId xmlns:a16="http://schemas.microsoft.com/office/drawing/2014/main" id="{4015A3DF-1262-8D4C-A69E-48040288B7F0}"/>
+              </a:ext>
+            </a:extLst>
+          </p:cNvPr>
+          <p:cNvSpPr/>
+          <p:nvPr/>
+        </p:nvSpPr>
+        <p:spPr>
+          <a:xfrm>
+            <a:off x="1779423" y="2410666"/>
+            <a:ext cx="1328701" cy="276999"/>
+          </a:xfrm>
+          <a:prstGeom prst="rect">
+            <a:avLst/>
+          </a:prstGeom>
+        </p:spPr>
+        <p:txBody>
+          <a:bodyPr wrap="square">
+            <a:spAutoFit/>
+          </a:bodyPr>
+          <a:lstStyle/>
+          <a:p>
+            <a:r>
+              <a:rPr lang="zh-CN" altLang="en-US" sz="1200" dirty="0">
+                <a:solidFill>
+                  <a:srgbClr val="808080"/>
+                </a:solidFill>
+              </a:rPr>
+              <a:t>设置屏幕背景</a:t>
+            </a:r>
+            <a:endParaRPr lang="zh-CN" altLang="en-US" sz="1200" dirty="0"/>
+          </a:p>
+        </p:txBody>
+      </p:sp>
+      <p:cxnSp>
+        <p:nvCxnSpPr>
+          <p:cNvPr id="15" name="肘形连接符 14">
+            <a:extLst>
+              <a:ext uri="{FF2B5EF4-FFF2-40B4-BE49-F238E27FC236}">
+                <a16:creationId xmlns:a16="http://schemas.microsoft.com/office/drawing/2014/main" id="{45CD9BB5-17D4-CB48-A7E4-21D7FD030F96}"/>
+              </a:ext>
+            </a:extLst>
+          </p:cNvPr>
+          <p:cNvCxnSpPr>
+            <a:cxnSpLocks/>
+          </p:cNvCxnSpPr>
+          <p:nvPr/>
+        </p:nvCxnSpPr>
+        <p:spPr>
+          <a:xfrm flipH="1">
+            <a:off x="2345579" y="1403406"/>
+            <a:ext cx="780028" cy="1659090"/>
+          </a:xfrm>
+          <a:prstGeom prst="bentConnector4">
+            <a:avLst>
+              <a:gd name="adj1" fmla="val -90469"/>
+              <a:gd name="adj2" fmla="val 99723"/>
+            </a:avLst>
+          </a:prstGeom>
+          <a:ln>
+            <a:tailEnd type="triangle"/>
+          </a:ln>
+        </p:spPr>
+        <p:style>
+          <a:lnRef idx="2">
+            <a:schemeClr val="accent1"/>
+          </a:lnRef>
+          <a:fillRef idx="0">
+            <a:schemeClr val="accent1"/>
+          </a:fillRef>
+          <a:effectRef idx="1">
+            <a:schemeClr val="accent1"/>
+          </a:effectRef>
+          <a:fontRef idx="minor">
+            <a:schemeClr val="tx1"/>
+          </a:fontRef>
+        </p:style>
+      </p:cxnSp>
+      <p:sp>
+        <p:nvSpPr>
+          <p:cNvPr id="32" name="菱形 31">
+            <a:extLst>
+              <a:ext uri="{FF2B5EF4-FFF2-40B4-BE49-F238E27FC236}">
+                <a16:creationId xmlns:a16="http://schemas.microsoft.com/office/drawing/2014/main" id="{0C750F0A-34D1-AC46-9D3D-1B25100C48D0}"/>
+              </a:ext>
+            </a:extLst>
+          </p:cNvPr>
+          <p:cNvSpPr/>
+          <p:nvPr/>
+        </p:nvSpPr>
+        <p:spPr>
+          <a:xfrm>
+            <a:off x="5461714" y="1110861"/>
+            <a:ext cx="1558455" cy="564543"/>
+          </a:xfrm>
+          <a:prstGeom prst="diamond">
+            <a:avLst/>
+          </a:prstGeom>
+        </p:spPr>
+        <p:style>
+          <a:lnRef idx="2">
+            <a:schemeClr val="accent1"/>
+          </a:lnRef>
+          <a:fillRef idx="1">
+            <a:schemeClr val="lt1"/>
+          </a:fillRef>
+          <a:effectRef idx="0">
+            <a:schemeClr val="accent1"/>
+          </a:effectRef>
+          <a:fontRef idx="minor">
+            <a:schemeClr val="dk1"/>
+          </a:fontRef>
+        </p:style>
+        <p:txBody>
+          <a:bodyPr rtlCol="0" anchor="ctr"/>
+          <a:lstStyle/>
+          <a:p>
+            <a:pPr algn="ctr"/>
+            <a:endParaRPr kumimoji="1" lang="zh-CN" altLang="en-US"/>
+          </a:p>
+        </p:txBody>
+      </p:sp>
+      <p:sp>
+        <p:nvSpPr>
+          <p:cNvPr id="33" name="矩形 32">
+            <a:extLst>
+              <a:ext uri="{FF2B5EF4-FFF2-40B4-BE49-F238E27FC236}">
+                <a16:creationId xmlns:a16="http://schemas.microsoft.com/office/drawing/2014/main" id="{A817ED53-7CF3-384C-8B78-EBDDD9F9E1EC}"/>
+              </a:ext>
+            </a:extLst>
+          </p:cNvPr>
+          <p:cNvSpPr/>
+          <p:nvPr/>
+        </p:nvSpPr>
+        <p:spPr>
+          <a:xfrm>
+            <a:off x="5278833" y="2041164"/>
+            <a:ext cx="2379001" cy="854357"/>
+          </a:xfrm>
+          <a:prstGeom prst="rect">
+            <a:avLst/>
+          </a:prstGeom>
+        </p:spPr>
+        <p:style>
+          <a:lnRef idx="2">
+            <a:schemeClr val="accent1"/>
+          </a:lnRef>
+          <a:fillRef idx="1">
+            <a:schemeClr val="lt1"/>
+          </a:fillRef>
+          <a:effectRef idx="0">
+            <a:schemeClr val="accent1"/>
+          </a:effectRef>
+          <a:fontRef idx="minor">
+            <a:schemeClr val="dk1"/>
+          </a:fontRef>
+        </p:style>
+        <p:txBody>
+          <a:bodyPr rtlCol="0" anchor="ctr"/>
+          <a:lstStyle/>
+          <a:p>
+            <a:pPr algn="ctr"/>
+            <a:endParaRPr kumimoji="1" lang="zh-CN" altLang="en-US"/>
+          </a:p>
+        </p:txBody>
+      </p:sp>
+      <p:cxnSp>
+        <p:nvCxnSpPr>
+          <p:cNvPr id="34" name="直线箭头连接符 33">
+            <a:extLst>
+              <a:ext uri="{FF2B5EF4-FFF2-40B4-BE49-F238E27FC236}">
+                <a16:creationId xmlns:a16="http://schemas.microsoft.com/office/drawing/2014/main" id="{B0C36FAE-B35E-EA4E-A956-5F728AA481EC}"/>
+              </a:ext>
+            </a:extLst>
+          </p:cNvPr>
+          <p:cNvCxnSpPr>
+            <a:cxnSpLocks/>
+            <a:endCxn id="32" idx="0"/>
+          </p:cNvCxnSpPr>
+          <p:nvPr/>
+        </p:nvCxnSpPr>
+        <p:spPr>
+          <a:xfrm>
+            <a:off x="6240942" y="745101"/>
+            <a:ext cx="0" cy="365760"/>
+          </a:xfrm>
+          <a:prstGeom prst="straightConnector1">
+            <a:avLst/>
+          </a:prstGeom>
+          <a:ln>
+            <a:tailEnd type="triangle"/>
+          </a:ln>
+        </p:spPr>
+        <p:style>
+          <a:lnRef idx="2">
+            <a:schemeClr val="accent1"/>
+          </a:lnRef>
+          <a:fillRef idx="0">
+            <a:schemeClr val="accent1"/>
+          </a:fillRef>
+          <a:effectRef idx="1">
+            <a:schemeClr val="accent1"/>
+          </a:effectRef>
+          <a:fontRef idx="minor">
+            <a:schemeClr val="tx1"/>
+          </a:fontRef>
+        </p:style>
+      </p:cxnSp>
+      <p:cxnSp>
+        <p:nvCxnSpPr>
+          <p:cNvPr id="35" name="直线箭头连接符 34">
+            <a:extLst>
+              <a:ext uri="{FF2B5EF4-FFF2-40B4-BE49-F238E27FC236}">
+                <a16:creationId xmlns:a16="http://schemas.microsoft.com/office/drawing/2014/main" id="{3B01A867-1F6E-E949-A7EF-B6390D14CA16}"/>
+              </a:ext>
+            </a:extLst>
+          </p:cNvPr>
+          <p:cNvCxnSpPr>
+            <a:cxnSpLocks/>
+          </p:cNvCxnSpPr>
+          <p:nvPr/>
+        </p:nvCxnSpPr>
+        <p:spPr>
+          <a:xfrm>
+            <a:off x="6240942" y="1675404"/>
+            <a:ext cx="0" cy="365760"/>
+          </a:xfrm>
+          <a:prstGeom prst="straightConnector1">
+            <a:avLst/>
+          </a:prstGeom>
+          <a:ln>
+            <a:tailEnd type="triangle"/>
+          </a:ln>
+        </p:spPr>
+        <p:style>
+          <a:lnRef idx="2">
+            <a:schemeClr val="accent1"/>
+          </a:lnRef>
+          <a:fillRef idx="0">
+            <a:schemeClr val="accent1"/>
+          </a:fillRef>
+          <a:effectRef idx="1">
+            <a:schemeClr val="accent1"/>
+          </a:effectRef>
+          <a:fontRef idx="minor">
+            <a:schemeClr val="tx1"/>
+          </a:fontRef>
+        </p:style>
+      </p:cxnSp>
+      <p:cxnSp>
+        <p:nvCxnSpPr>
+          <p:cNvPr id="36" name="直线箭头连接符 35">
+            <a:extLst>
+              <a:ext uri="{FF2B5EF4-FFF2-40B4-BE49-F238E27FC236}">
+                <a16:creationId xmlns:a16="http://schemas.microsoft.com/office/drawing/2014/main" id="{16E9C5A0-D364-994B-8168-2D1617B0A0A1}"/>
+              </a:ext>
+            </a:extLst>
+          </p:cNvPr>
+          <p:cNvCxnSpPr>
+            <a:cxnSpLocks/>
+          </p:cNvCxnSpPr>
+          <p:nvPr/>
+        </p:nvCxnSpPr>
+        <p:spPr>
+          <a:xfrm flipH="1">
+            <a:off x="6240940" y="2879616"/>
+            <a:ext cx="2" cy="491737"/>
+          </a:xfrm>
+          <a:prstGeom prst="straightConnector1">
+            <a:avLst/>
+          </a:prstGeom>
+          <a:ln>
+            <a:tailEnd type="triangle"/>
+          </a:ln>
+        </p:spPr>
+        <p:style>
+          <a:lnRef idx="2">
+            <a:schemeClr val="accent1"/>
+          </a:lnRef>
+          <a:fillRef idx="0">
+            <a:schemeClr val="accent1"/>
+          </a:fillRef>
+          <a:effectRef idx="1">
+            <a:schemeClr val="accent1"/>
+          </a:effectRef>
+          <a:fontRef idx="minor">
+            <a:schemeClr val="tx1"/>
+          </a:fontRef>
+        </p:style>
+      </p:cxnSp>
+      <p:sp>
+        <p:nvSpPr>
+          <p:cNvPr id="37" name="文本框 36">
+            <a:extLst>
+              <a:ext uri="{FF2B5EF4-FFF2-40B4-BE49-F238E27FC236}">
+                <a16:creationId xmlns:a16="http://schemas.microsoft.com/office/drawing/2014/main" id="{946B3985-F287-204E-8D6C-275A9E8FAA50}"/>
+              </a:ext>
+            </a:extLst>
+          </p:cNvPr>
+          <p:cNvSpPr txBox="1"/>
+          <p:nvPr/>
+        </p:nvSpPr>
+        <p:spPr>
+          <a:xfrm>
+            <a:off x="6185282" y="1688490"/>
+            <a:ext cx="364202" cy="307777"/>
+          </a:xfrm>
+          <a:prstGeom prst="rect">
+            <a:avLst/>
+          </a:prstGeom>
+          <a:noFill/>
+        </p:spPr>
+        <p:txBody>
+          <a:bodyPr wrap="none" rtlCol="0">
+            <a:spAutoFit/>
+          </a:bodyPr>
+          <a:lstStyle/>
+          <a:p>
+            <a:r>
+              <a:rPr kumimoji="1" lang="zh-CN" altLang="en-US" sz="1400" dirty="0"/>
+              <a:t>是</a:t>
+            </a:r>
+          </a:p>
+        </p:txBody>
+      </p:sp>
+      <p:sp>
+        <p:nvSpPr>
+          <p:cNvPr id="38" name="文本框 37">
+            <a:extLst>
+              <a:ext uri="{FF2B5EF4-FFF2-40B4-BE49-F238E27FC236}">
+                <a16:creationId xmlns:a16="http://schemas.microsoft.com/office/drawing/2014/main" id="{A4DAF823-EDC2-0848-B318-2D6031332336}"/>
+              </a:ext>
+            </a:extLst>
+          </p:cNvPr>
+          <p:cNvSpPr txBox="1"/>
+          <p:nvPr/>
+        </p:nvSpPr>
+        <p:spPr>
+          <a:xfrm>
+            <a:off x="7147390" y="1110861"/>
+            <a:ext cx="364202" cy="307777"/>
+          </a:xfrm>
+          <a:prstGeom prst="rect">
+            <a:avLst/>
+          </a:prstGeom>
+          <a:noFill/>
+        </p:spPr>
+        <p:txBody>
+          <a:bodyPr wrap="none" rtlCol="0">
+            <a:spAutoFit/>
+          </a:bodyPr>
+          <a:lstStyle/>
+          <a:p>
+            <a:r>
+              <a:rPr kumimoji="1" lang="zh-CN" altLang="en-US" sz="1400" dirty="0"/>
+              <a:t>否</a:t>
+            </a:r>
+          </a:p>
+        </p:txBody>
+      </p:sp>
+      <p:sp>
+        <p:nvSpPr>
+          <p:cNvPr id="39" name="文本框 38">
+            <a:extLst>
+              <a:ext uri="{FF2B5EF4-FFF2-40B4-BE49-F238E27FC236}">
+                <a16:creationId xmlns:a16="http://schemas.microsoft.com/office/drawing/2014/main" id="{5E98B984-0FF0-3B40-9126-32438E2A206D}"/>
+              </a:ext>
+            </a:extLst>
+          </p:cNvPr>
+          <p:cNvSpPr txBox="1"/>
+          <p:nvPr/>
+        </p:nvSpPr>
+        <p:spPr>
+          <a:xfrm>
+            <a:off x="5619905" y="1220282"/>
+            <a:ext cx="1242071" cy="307777"/>
+          </a:xfrm>
+          <a:prstGeom prst="rect">
+            <a:avLst/>
+          </a:prstGeom>
+          <a:noFill/>
+        </p:spPr>
+        <p:txBody>
+          <a:bodyPr wrap="none" rtlCol="0">
+            <a:spAutoFit/>
+          </a:bodyPr>
+          <a:lstStyle/>
+          <a:p>
+            <a:r>
+              <a:rPr lang="en" altLang="zh-CN" sz="1400" dirty="0"/>
+              <a:t>isChris == 'yes'</a:t>
+            </a:r>
+            <a:endParaRPr kumimoji="1" lang="zh-CN" altLang="en-US" sz="1400" dirty="0"/>
+          </a:p>
+        </p:txBody>
+      </p:sp>
+      <p:sp>
+        <p:nvSpPr>
+          <p:cNvPr id="40" name="矩形 39">
+            <a:extLst>
+              <a:ext uri="{FF2B5EF4-FFF2-40B4-BE49-F238E27FC236}">
+                <a16:creationId xmlns:a16="http://schemas.microsoft.com/office/drawing/2014/main" id="{E9F1E7BF-FC0D-A449-B331-61DF13EA8698}"/>
+              </a:ext>
+            </a:extLst>
+          </p:cNvPr>
+          <p:cNvSpPr/>
+          <p:nvPr/>
+        </p:nvSpPr>
+        <p:spPr>
+          <a:xfrm>
+            <a:off x="5533275" y="2022443"/>
+            <a:ext cx="2258153" cy="830997"/>
+          </a:xfrm>
+          <a:prstGeom prst="rect">
+            <a:avLst/>
+          </a:prstGeom>
+        </p:spPr>
+        <p:txBody>
+          <a:bodyPr wrap="square">
+            <a:spAutoFit/>
+          </a:bodyPr>
+          <a:lstStyle/>
+          <a:p>
+            <a:r>
+              <a:rPr lang="en-US" altLang="zh-CN" sz="1200" dirty="0">
+                <a:solidFill>
+                  <a:srgbClr val="808080"/>
+                </a:solidFill>
+              </a:rPr>
+              <a:t>#</a:t>
+            </a:r>
+            <a:r>
+              <a:rPr lang="zh-CN" altLang="en-US" sz="1200" dirty="0">
+                <a:solidFill>
+                  <a:srgbClr val="808080"/>
+                </a:solidFill>
+              </a:rPr>
+              <a:t>设置屏幕背景</a:t>
+            </a:r>
+            <a:br>
+              <a:rPr lang="zh-CN" altLang="en-US" sz="1200" dirty="0">
+                <a:solidFill>
+                  <a:srgbClr val="808080"/>
+                </a:solidFill>
+              </a:rPr>
+            </a:br>
+            <a:r>
+              <a:rPr lang="en" altLang="zh-CN" sz="1200" dirty="0"/>
+              <a:t>screen = turtle.Screen()</a:t>
+            </a:r>
+            <a:br>
+              <a:rPr lang="en" altLang="zh-CN" sz="1200" dirty="0"/>
+            </a:br>
+            <a:r>
+              <a:rPr lang="en" altLang="zh-CN" sz="1200" dirty="0"/>
+              <a:t>screen.setup(</a:t>
+            </a:r>
+            <a:r>
+              <a:rPr lang="en" altLang="zh-CN" sz="1200" dirty="0">
+                <a:solidFill>
+                  <a:srgbClr val="6897BB"/>
+                </a:solidFill>
+              </a:rPr>
+              <a:t>600</a:t>
+            </a:r>
+            <a:r>
+              <a:rPr lang="en" altLang="zh-CN" sz="1200" dirty="0">
+                <a:solidFill>
+                  <a:srgbClr val="CC7832"/>
+                </a:solidFill>
+              </a:rPr>
+              <a:t>, </a:t>
+            </a:r>
+            <a:r>
+              <a:rPr lang="en" altLang="zh-CN" sz="1200" dirty="0">
+                <a:solidFill>
+                  <a:srgbClr val="6897BB"/>
+                </a:solidFill>
+              </a:rPr>
+              <a:t>400</a:t>
+            </a:r>
+            <a:r>
+              <a:rPr lang="en" altLang="zh-CN" sz="1200" dirty="0"/>
+              <a:t>)</a:t>
+            </a:r>
+            <a:br>
+              <a:rPr lang="en" altLang="zh-CN" sz="1200" dirty="0"/>
+            </a:br>
+            <a:r>
+              <a:rPr lang="en" altLang="zh-CN" sz="1200" dirty="0"/>
+              <a:t>screen.bgpic(</a:t>
+            </a:r>
+            <a:r>
+              <a:rPr lang="en" altLang="zh-CN" sz="1200" dirty="0">
+                <a:solidFill>
+                  <a:srgbClr val="6A8759"/>
+                </a:solidFill>
+              </a:rPr>
+              <a:t>'</a:t>
+            </a:r>
+            <a:r>
+              <a:rPr lang="en" altLang="zh-CN" sz="1200" dirty="0" err="1">
+                <a:solidFill>
+                  <a:srgbClr val="6A8759"/>
+                </a:solidFill>
+              </a:rPr>
+              <a:t>chrismasbg.gif</a:t>
+            </a:r>
+            <a:r>
+              <a:rPr lang="en" altLang="zh-CN" sz="1200" dirty="0">
+                <a:solidFill>
+                  <a:srgbClr val="6A8759"/>
+                </a:solidFill>
+              </a:rPr>
+              <a:t>'</a:t>
+            </a:r>
+            <a:r>
+              <a:rPr lang="en" altLang="zh-CN" sz="1200" dirty="0"/>
+              <a:t>)</a:t>
+            </a:r>
+            <a:endParaRPr lang="zh-CN" altLang="en-US" sz="1200" dirty="0"/>
+          </a:p>
+        </p:txBody>
+      </p:sp>
+      <p:cxnSp>
+        <p:nvCxnSpPr>
+          <p:cNvPr id="67" name="肘形连接符 66">
+            <a:extLst>
+              <a:ext uri="{FF2B5EF4-FFF2-40B4-BE49-F238E27FC236}">
+                <a16:creationId xmlns:a16="http://schemas.microsoft.com/office/drawing/2014/main" id="{4C000AD3-16CF-4C4F-8005-CADE5D4514AF}"/>
+              </a:ext>
+            </a:extLst>
+          </p:cNvPr>
+          <p:cNvCxnSpPr>
+            <a:cxnSpLocks/>
+          </p:cNvCxnSpPr>
+          <p:nvPr/>
+        </p:nvCxnSpPr>
+        <p:spPr>
+          <a:xfrm flipH="1">
+            <a:off x="6249636" y="1403758"/>
+            <a:ext cx="780028" cy="1659090"/>
+          </a:xfrm>
+          <a:prstGeom prst="bentConnector4">
+            <a:avLst>
+              <a:gd name="adj1" fmla="val -167941"/>
+              <a:gd name="adj2" fmla="val 99723"/>
+            </a:avLst>
+          </a:prstGeom>
+          <a:ln>
+            <a:tailEnd type="triangle"/>
+          </a:ln>
+        </p:spPr>
+        <p:style>
+          <a:lnRef idx="2">
+            <a:schemeClr val="accent1"/>
+          </a:lnRef>
+          <a:fillRef idx="0">
+            <a:schemeClr val="accent1"/>
+          </a:fillRef>
+          <a:effectRef idx="1">
+            <a:schemeClr val="accent1"/>
+          </a:effectRef>
+          <a:fontRef idx="minor">
+            <a:schemeClr val="tx1"/>
+          </a:fontRef>
+        </p:style>
+      </p:cxnSp>
+    </p:spTree>
+    <p:extLst>
+      <p:ext uri="{BB962C8B-B14F-4D97-AF65-F5344CB8AC3E}">
+        <p14:creationId xmlns:p14="http://schemas.microsoft.com/office/powerpoint/2010/main" val="2683224785"/>
       </p:ext>
     </p:extLst>
   </p:cSld>
